--- a/praesentation/pandas-basic.pptx
+++ b/praesentation/pandas-basic.pptx
@@ -10,8 +10,10 @@
     <p:sldId id="262" r:id="rId4"/>
     <p:sldId id="257" r:id="rId5"/>
     <p:sldId id="259" r:id="rId6"/>
-    <p:sldId id="260" r:id="rId7"/>
+    <p:sldId id="263" r:id="rId7"/>
     <p:sldId id="261" r:id="rId8"/>
+    <p:sldId id="260" r:id="rId9"/>
+    <p:sldId id="264" r:id="rId10"/>
   </p:sldIdLst>
   <p:sldSz cx="9144000" cy="6858000" type="screen4x3"/>
   <p:notesSz cx="6858000" cy="9144000"/>
@@ -110,6 +112,11 @@
       </a:defRPr>
     </a:lvl9pPr>
   </p:defaultTextStyle>
+  <p:extLst>
+    <p:ext uri="{EFAFB233-063F-42B5-8137-9DF3F51BA10A}">
+      <p15:sldGuideLst xmlns:p15="http://schemas.microsoft.com/office/powerpoint/2012/main"/>
+    </p:ext>
+  </p:extLst>
 </p:presentation>
 </file>
 
@@ -244,7 +251,7 @@
           <a:p>
             <a:fld id="{4C0C24D1-D28D-4714-8665-7C693EECAB22}" type="datetimeFigureOut">
               <a:rPr lang="de-DE" smtClean="0"/>
-              <a:t>05.07.2019</a:t>
+              <a:t>06.07.2019</a:t>
             </a:fld>
             <a:endParaRPr lang="de-DE"/>
           </a:p>
@@ -414,7 +421,7 @@
           <a:p>
             <a:fld id="{4C0C24D1-D28D-4714-8665-7C693EECAB22}" type="datetimeFigureOut">
               <a:rPr lang="de-DE" smtClean="0"/>
-              <a:t>05.07.2019</a:t>
+              <a:t>06.07.2019</a:t>
             </a:fld>
             <a:endParaRPr lang="de-DE"/>
           </a:p>
@@ -594,7 +601,7 @@
           <a:p>
             <a:fld id="{4C0C24D1-D28D-4714-8665-7C693EECAB22}" type="datetimeFigureOut">
               <a:rPr lang="de-DE" smtClean="0"/>
-              <a:t>05.07.2019</a:t>
+              <a:t>06.07.2019</a:t>
             </a:fld>
             <a:endParaRPr lang="de-DE"/>
           </a:p>
@@ -764,7 +771,7 @@
           <a:p>
             <a:fld id="{4C0C24D1-D28D-4714-8665-7C693EECAB22}" type="datetimeFigureOut">
               <a:rPr lang="de-DE" smtClean="0"/>
-              <a:t>05.07.2019</a:t>
+              <a:t>06.07.2019</a:t>
             </a:fld>
             <a:endParaRPr lang="de-DE"/>
           </a:p>
@@ -1008,7 +1015,7 @@
           <a:p>
             <a:fld id="{4C0C24D1-D28D-4714-8665-7C693EECAB22}" type="datetimeFigureOut">
               <a:rPr lang="de-DE" smtClean="0"/>
-              <a:t>05.07.2019</a:t>
+              <a:t>06.07.2019</a:t>
             </a:fld>
             <a:endParaRPr lang="de-DE"/>
           </a:p>
@@ -1240,7 +1247,7 @@
           <a:p>
             <a:fld id="{4C0C24D1-D28D-4714-8665-7C693EECAB22}" type="datetimeFigureOut">
               <a:rPr lang="de-DE" smtClean="0"/>
-              <a:t>05.07.2019</a:t>
+              <a:t>06.07.2019</a:t>
             </a:fld>
             <a:endParaRPr lang="de-DE"/>
           </a:p>
@@ -1607,7 +1614,7 @@
           <a:p>
             <a:fld id="{4C0C24D1-D28D-4714-8665-7C693EECAB22}" type="datetimeFigureOut">
               <a:rPr lang="de-DE" smtClean="0"/>
-              <a:t>05.07.2019</a:t>
+              <a:t>06.07.2019</a:t>
             </a:fld>
             <a:endParaRPr lang="de-DE"/>
           </a:p>
@@ -1725,7 +1732,7 @@
           <a:p>
             <a:fld id="{4C0C24D1-D28D-4714-8665-7C693EECAB22}" type="datetimeFigureOut">
               <a:rPr lang="de-DE" smtClean="0"/>
-              <a:t>05.07.2019</a:t>
+              <a:t>06.07.2019</a:t>
             </a:fld>
             <a:endParaRPr lang="de-DE"/>
           </a:p>
@@ -1820,7 +1827,7 @@
           <a:p>
             <a:fld id="{4C0C24D1-D28D-4714-8665-7C693EECAB22}" type="datetimeFigureOut">
               <a:rPr lang="de-DE" smtClean="0"/>
-              <a:t>05.07.2019</a:t>
+              <a:t>06.07.2019</a:t>
             </a:fld>
             <a:endParaRPr lang="de-DE"/>
           </a:p>
@@ -2097,7 +2104,7 @@
           <a:p>
             <a:fld id="{4C0C24D1-D28D-4714-8665-7C693EECAB22}" type="datetimeFigureOut">
               <a:rPr lang="de-DE" smtClean="0"/>
-              <a:t>05.07.2019</a:t>
+              <a:t>06.07.2019</a:t>
             </a:fld>
             <a:endParaRPr lang="de-DE"/>
           </a:p>
@@ -2354,7 +2361,7 @@
           <a:p>
             <a:fld id="{4C0C24D1-D28D-4714-8665-7C693EECAB22}" type="datetimeFigureOut">
               <a:rPr lang="de-DE" smtClean="0"/>
-              <a:t>05.07.2019</a:t>
+              <a:t>06.07.2019</a:t>
             </a:fld>
             <a:endParaRPr lang="de-DE"/>
           </a:p>
@@ -2567,7 +2574,7 @@
           <a:p>
             <a:fld id="{4C0C24D1-D28D-4714-8665-7C693EECAB22}" type="datetimeFigureOut">
               <a:rPr lang="de-DE" smtClean="0"/>
-              <a:t>05.07.2019</a:t>
+              <a:t>06.07.2019</a:t>
             </a:fld>
             <a:endParaRPr lang="de-DE"/>
           </a:p>
@@ -3319,7 +3326,7 @@
           <p:cNvPr id="4" name="Textfeld 3">
             <a:extLst>
               <a:ext uri="{FF2B5EF4-FFF2-40B4-BE49-F238E27FC236}">
-                <a16:creationId xmlns:a16="http://schemas.microsoft.com/office/drawing/2014/main" id="{6B33FDB3-0A1B-4B2D-95EC-C10E0E565DBB}"/>
+                <a16:creationId xmlns:a16="http://schemas.microsoft.com/office/drawing/2014/main" id="{FAEE498A-A551-455A-B656-72FD23A3D2B4}"/>
               </a:ext>
             </a:extLst>
           </p:cNvPr>
@@ -3328,8 +3335,8 @@
         </p:nvSpPr>
         <p:spPr>
           <a:xfrm>
-            <a:off x="515389" y="399011"/>
-            <a:ext cx="3133898" cy="369332"/>
+            <a:off x="523702" y="407324"/>
+            <a:ext cx="3516283" cy="369332"/>
           </a:xfrm>
           <a:prstGeom prst="rect">
             <a:avLst/>
@@ -3344,7 +3351,256 @@
           <a:p>
             <a:r>
               <a:rPr lang="de-DE" dirty="0"/>
-              <a:t>Kurszeiten</a:t>
+              <a:t>Kernprinzipien und Besonderheiten</a:t>
+            </a:r>
+          </a:p>
+        </p:txBody>
+      </p:sp>
+      <p:sp>
+        <p:nvSpPr>
+          <p:cNvPr id="5" name="Textfeld 4">
+            <a:extLst>
+              <a:ext uri="{FF2B5EF4-FFF2-40B4-BE49-F238E27FC236}">
+                <a16:creationId xmlns:a16="http://schemas.microsoft.com/office/drawing/2014/main" id="{376BEA42-3379-4FF6-B884-F287D5A488EC}"/>
+              </a:ext>
+            </a:extLst>
+          </p:cNvPr>
+          <p:cNvSpPr txBox="1"/>
+          <p:nvPr/>
+        </p:nvSpPr>
+        <p:spPr>
+          <a:xfrm>
+            <a:off x="1407620" y="1586219"/>
+            <a:ext cx="4048299" cy="646331"/>
+          </a:xfrm>
+          <a:prstGeom prst="rect">
+            <a:avLst/>
+          </a:prstGeom>
+          <a:noFill/>
+        </p:spPr>
+        <p:txBody>
+          <a:bodyPr wrap="square" rtlCol="0">
+            <a:spAutoFit/>
+          </a:bodyPr>
+          <a:lstStyle/>
+          <a:p>
+            <a:r>
+              <a:rPr lang="de-DE" dirty="0"/>
+              <a:t>Spalten Namen und Variablen sind auf englisch.</a:t>
+            </a:r>
+          </a:p>
+        </p:txBody>
+      </p:sp>
+      <p:sp>
+        <p:nvSpPr>
+          <p:cNvPr id="6" name="Textfeld 5">
+            <a:extLst>
+              <a:ext uri="{FF2B5EF4-FFF2-40B4-BE49-F238E27FC236}">
+                <a16:creationId xmlns:a16="http://schemas.microsoft.com/office/drawing/2014/main" id="{F1BF3E74-B592-42AE-ADDE-EDE585172B2C}"/>
+              </a:ext>
+            </a:extLst>
+          </p:cNvPr>
+          <p:cNvSpPr txBox="1"/>
+          <p:nvPr/>
+        </p:nvSpPr>
+        <p:spPr>
+          <a:xfrm>
+            <a:off x="1407620" y="2232550"/>
+            <a:ext cx="4048299" cy="369332"/>
+          </a:xfrm>
+          <a:prstGeom prst="rect">
+            <a:avLst/>
+          </a:prstGeom>
+          <a:noFill/>
+        </p:spPr>
+        <p:txBody>
+          <a:bodyPr wrap="square" rtlCol="0">
+            <a:spAutoFit/>
+          </a:bodyPr>
+          <a:lstStyle/>
+          <a:p>
+            <a:r>
+              <a:rPr lang="de-DE" dirty="0"/>
+              <a:t>Dokumentation ist auf Englisch</a:t>
+            </a:r>
+          </a:p>
+        </p:txBody>
+      </p:sp>
+      <p:sp>
+        <p:nvSpPr>
+          <p:cNvPr id="7" name="Textfeld 6">
+            <a:extLst>
+              <a:ext uri="{FF2B5EF4-FFF2-40B4-BE49-F238E27FC236}">
+                <a16:creationId xmlns:a16="http://schemas.microsoft.com/office/drawing/2014/main" id="{6002AAE1-D8CC-4BCF-8FCF-CB1EECFCF99E}"/>
+              </a:ext>
+            </a:extLst>
+          </p:cNvPr>
+          <p:cNvSpPr txBox="1"/>
+          <p:nvPr/>
+        </p:nvSpPr>
+        <p:spPr>
+          <a:xfrm>
+            <a:off x="1407618" y="3303726"/>
+            <a:ext cx="4048299" cy="369332"/>
+          </a:xfrm>
+          <a:prstGeom prst="rect">
+            <a:avLst/>
+          </a:prstGeom>
+          <a:noFill/>
+        </p:spPr>
+        <p:txBody>
+          <a:bodyPr wrap="square" rtlCol="0">
+            <a:spAutoFit/>
+          </a:bodyPr>
+          <a:lstStyle/>
+          <a:p>
+            <a:r>
+              <a:rPr lang="de-DE" dirty="0"/>
+              <a:t>Zusatzübungen</a:t>
+            </a:r>
+          </a:p>
+        </p:txBody>
+      </p:sp>
+      <p:sp>
+        <p:nvSpPr>
+          <p:cNvPr id="8" name="Textfeld 7">
+            <a:extLst>
+              <a:ext uri="{FF2B5EF4-FFF2-40B4-BE49-F238E27FC236}">
+                <a16:creationId xmlns:a16="http://schemas.microsoft.com/office/drawing/2014/main" id="{589DA55E-2723-4F09-B80C-BEDF2F0F5508}"/>
+              </a:ext>
+            </a:extLst>
+          </p:cNvPr>
+          <p:cNvSpPr txBox="1"/>
+          <p:nvPr/>
+        </p:nvSpPr>
+        <p:spPr>
+          <a:xfrm>
+            <a:off x="1407620" y="1052144"/>
+            <a:ext cx="4048299" cy="369332"/>
+          </a:xfrm>
+          <a:prstGeom prst="rect">
+            <a:avLst/>
+          </a:prstGeom>
+          <a:noFill/>
+        </p:spPr>
+        <p:txBody>
+          <a:bodyPr wrap="square" rtlCol="0">
+            <a:spAutoFit/>
+          </a:bodyPr>
+          <a:lstStyle/>
+          <a:p>
+            <a:r>
+              <a:rPr lang="de-DE" dirty="0" err="1"/>
+              <a:t>Juypiter</a:t>
+            </a:r>
+            <a:r>
+              <a:rPr lang="de-DE" dirty="0"/>
+              <a:t> Notebooks</a:t>
+            </a:r>
+          </a:p>
+        </p:txBody>
+      </p:sp>
+      <p:sp>
+        <p:nvSpPr>
+          <p:cNvPr id="9" name="Textfeld 8">
+            <a:extLst>
+              <a:ext uri="{FF2B5EF4-FFF2-40B4-BE49-F238E27FC236}">
+                <a16:creationId xmlns:a16="http://schemas.microsoft.com/office/drawing/2014/main" id="{3ED58CCA-938B-4878-8E0B-C3AE5C52FA99}"/>
+              </a:ext>
+            </a:extLst>
+          </p:cNvPr>
+          <p:cNvSpPr txBox="1"/>
+          <p:nvPr/>
+        </p:nvSpPr>
+        <p:spPr>
+          <a:xfrm>
+            <a:off x="1407618" y="2939137"/>
+            <a:ext cx="4048299" cy="369332"/>
+          </a:xfrm>
+          <a:prstGeom prst="rect">
+            <a:avLst/>
+          </a:prstGeom>
+          <a:noFill/>
+        </p:spPr>
+        <p:txBody>
+          <a:bodyPr wrap="square" rtlCol="0">
+            <a:spAutoFit/>
+          </a:bodyPr>
+          <a:lstStyle/>
+          <a:p>
+            <a:r>
+              <a:rPr lang="de-DE" dirty="0"/>
+              <a:t>Übungen</a:t>
+            </a:r>
+          </a:p>
+        </p:txBody>
+      </p:sp>
+      <p:sp>
+        <p:nvSpPr>
+          <p:cNvPr id="10" name="Textfeld 9">
+            <a:extLst>
+              <a:ext uri="{FF2B5EF4-FFF2-40B4-BE49-F238E27FC236}">
+                <a16:creationId xmlns:a16="http://schemas.microsoft.com/office/drawing/2014/main" id="{C66BEA6E-5326-4124-8373-4518982901E8}"/>
+              </a:ext>
+            </a:extLst>
+          </p:cNvPr>
+          <p:cNvSpPr txBox="1"/>
+          <p:nvPr/>
+        </p:nvSpPr>
+        <p:spPr>
+          <a:xfrm>
+            <a:off x="1407617" y="2569809"/>
+            <a:ext cx="4048299" cy="369332"/>
+          </a:xfrm>
+          <a:prstGeom prst="rect">
+            <a:avLst/>
+          </a:prstGeom>
+          <a:noFill/>
+        </p:spPr>
+        <p:txBody>
+          <a:bodyPr wrap="square" rtlCol="0">
+            <a:spAutoFit/>
+          </a:bodyPr>
+          <a:lstStyle/>
+          <a:p>
+            <a:r>
+              <a:rPr lang="de-DE" dirty="0"/>
+              <a:t>Skript</a:t>
+            </a:r>
+          </a:p>
+        </p:txBody>
+      </p:sp>
+      <p:sp>
+        <p:nvSpPr>
+          <p:cNvPr id="11" name="Textfeld 10">
+            <a:extLst>
+              <a:ext uri="{FF2B5EF4-FFF2-40B4-BE49-F238E27FC236}">
+                <a16:creationId xmlns:a16="http://schemas.microsoft.com/office/drawing/2014/main" id="{1587F2B8-0451-48B0-ADBB-827478902C07}"/>
+              </a:ext>
+            </a:extLst>
+          </p:cNvPr>
+          <p:cNvSpPr txBox="1"/>
+          <p:nvPr/>
+        </p:nvSpPr>
+        <p:spPr>
+          <a:xfrm>
+            <a:off x="1407616" y="3734194"/>
+            <a:ext cx="4048299" cy="369332"/>
+          </a:xfrm>
+          <a:prstGeom prst="rect">
+            <a:avLst/>
+          </a:prstGeom>
+          <a:noFill/>
+        </p:spPr>
+        <p:txBody>
+          <a:bodyPr wrap="square" rtlCol="0">
+            <a:spAutoFit/>
+          </a:bodyPr>
+          <a:lstStyle/>
+          <a:p>
+            <a:r>
+              <a:rPr lang="de-DE" dirty="0"/>
+              <a:t>Links</a:t>
             </a:r>
           </a:p>
         </p:txBody>
@@ -3352,7 +3608,7 @@
     </p:spTree>
     <p:extLst>
       <p:ext uri="{BB962C8B-B14F-4D97-AF65-F5344CB8AC3E}">
-        <p14:creationId xmlns:p14="http://schemas.microsoft.com/office/powerpoint/2010/main" val="2185082341"/>
+        <p14:creationId xmlns:p14="http://schemas.microsoft.com/office/powerpoint/2010/main" val="919313021"/>
       </p:ext>
     </p:extLst>
   </p:cSld>
@@ -3414,10 +3670,415 @@
           </a:p>
         </p:txBody>
       </p:sp>
+      <p:sp>
+        <p:nvSpPr>
+          <p:cNvPr id="2" name="Textfeld 1">
+            <a:extLst>
+              <a:ext uri="{FF2B5EF4-FFF2-40B4-BE49-F238E27FC236}">
+                <a16:creationId xmlns:a16="http://schemas.microsoft.com/office/drawing/2014/main" id="{F02C3C34-15CC-4D51-ADA9-18C315E48408}"/>
+              </a:ext>
+            </a:extLst>
+          </p:cNvPr>
+          <p:cNvSpPr txBox="1"/>
+          <p:nvPr/>
+        </p:nvSpPr>
+        <p:spPr>
+          <a:xfrm>
+            <a:off x="1280160" y="2286000"/>
+            <a:ext cx="5361709" cy="923330"/>
+          </a:xfrm>
+          <a:prstGeom prst="rect">
+            <a:avLst/>
+          </a:prstGeom>
+          <a:noFill/>
+        </p:spPr>
+        <p:txBody>
+          <a:bodyPr wrap="square" rtlCol="0">
+            <a:spAutoFit/>
+          </a:bodyPr>
+          <a:lstStyle/>
+          <a:p>
+            <a:r>
+              <a:rPr lang="de-DE" dirty="0"/>
+              <a:t>Neuer Kurs, Feedback erwünscht</a:t>
+            </a:r>
+          </a:p>
+          <a:p>
+            <a:r>
+              <a:rPr lang="de-DE" dirty="0"/>
+              <a:t>Stellt Fragen </a:t>
+            </a:r>
+          </a:p>
+          <a:p>
+            <a:endParaRPr lang="de-DE" dirty="0"/>
+          </a:p>
+        </p:txBody>
+      </p:sp>
     </p:spTree>
     <p:extLst>
       <p:ext uri="{BB962C8B-B14F-4D97-AF65-F5344CB8AC3E}">
         <p14:creationId xmlns:p14="http://schemas.microsoft.com/office/powerpoint/2010/main" val="276986113"/>
+      </p:ext>
+    </p:extLst>
+  </p:cSld>
+  <p:clrMapOvr>
+    <a:masterClrMapping/>
+  </p:clrMapOvr>
+</p:sld>
+</file>
+
+<file path=ppt/slides/slide8.xml><?xml version="1.0" encoding="utf-8"?>
+<p:sld xmlns:a="http://schemas.openxmlformats.org/drawingml/2006/main" xmlns:r="http://schemas.openxmlformats.org/officeDocument/2006/relationships" xmlns:p="http://schemas.openxmlformats.org/presentationml/2006/main">
+  <p:cSld>
+    <p:spTree>
+      <p:nvGrpSpPr>
+        <p:cNvPr id="1" name=""/>
+        <p:cNvGrpSpPr/>
+        <p:nvPr/>
+      </p:nvGrpSpPr>
+      <p:grpSpPr>
+        <a:xfrm>
+          <a:off x="0" y="0"/>
+          <a:ext cx="0" cy="0"/>
+          <a:chOff x="0" y="0"/>
+          <a:chExt cx="0" cy="0"/>
+        </a:xfrm>
+      </p:grpSpPr>
+      <p:sp>
+        <p:nvSpPr>
+          <p:cNvPr id="4" name="Textfeld 3">
+            <a:extLst>
+              <a:ext uri="{FF2B5EF4-FFF2-40B4-BE49-F238E27FC236}">
+                <a16:creationId xmlns:a16="http://schemas.microsoft.com/office/drawing/2014/main" id="{6B33FDB3-0A1B-4B2D-95EC-C10E0E565DBB}"/>
+              </a:ext>
+            </a:extLst>
+          </p:cNvPr>
+          <p:cNvSpPr txBox="1"/>
+          <p:nvPr/>
+        </p:nvSpPr>
+        <p:spPr>
+          <a:xfrm>
+            <a:off x="515389" y="399011"/>
+            <a:ext cx="3133898" cy="369332"/>
+          </a:xfrm>
+          <a:prstGeom prst="rect">
+            <a:avLst/>
+          </a:prstGeom>
+          <a:noFill/>
+        </p:spPr>
+        <p:txBody>
+          <a:bodyPr wrap="square" rtlCol="0">
+            <a:spAutoFit/>
+          </a:bodyPr>
+          <a:lstStyle/>
+          <a:p>
+            <a:r>
+              <a:rPr lang="de-DE" dirty="0"/>
+              <a:t>Kurszeiten</a:t>
+            </a:r>
+          </a:p>
+        </p:txBody>
+      </p:sp>
+    </p:spTree>
+    <p:extLst>
+      <p:ext uri="{BB962C8B-B14F-4D97-AF65-F5344CB8AC3E}">
+        <p14:creationId xmlns:p14="http://schemas.microsoft.com/office/powerpoint/2010/main" val="2185082341"/>
+      </p:ext>
+    </p:extLst>
+  </p:cSld>
+  <p:clrMapOvr>
+    <a:masterClrMapping/>
+  </p:clrMapOvr>
+</p:sld>
+</file>
+
+<file path=ppt/slides/slide9.xml><?xml version="1.0" encoding="utf-8"?>
+<p:sld xmlns:a="http://schemas.openxmlformats.org/drawingml/2006/main" xmlns:r="http://schemas.openxmlformats.org/officeDocument/2006/relationships" xmlns:p="http://schemas.openxmlformats.org/presentationml/2006/main">
+  <p:cSld>
+    <p:spTree>
+      <p:nvGrpSpPr>
+        <p:cNvPr id="1" name=""/>
+        <p:cNvGrpSpPr/>
+        <p:nvPr/>
+      </p:nvGrpSpPr>
+      <p:grpSpPr>
+        <a:xfrm>
+          <a:off x="0" y="0"/>
+          <a:ext cx="0" cy="0"/>
+          <a:chOff x="0" y="0"/>
+          <a:chExt cx="0" cy="0"/>
+        </a:xfrm>
+      </p:grpSpPr>
+      <p:sp>
+        <p:nvSpPr>
+          <p:cNvPr id="7" name="Rechteck 6">
+            <a:extLst>
+              <a:ext uri="{FF2B5EF4-FFF2-40B4-BE49-F238E27FC236}">
+                <a16:creationId xmlns:a16="http://schemas.microsoft.com/office/drawing/2014/main" id="{D7AAD257-C6F8-41DB-B07A-B4A46584AF26}"/>
+              </a:ext>
+            </a:extLst>
+          </p:cNvPr>
+          <p:cNvSpPr/>
+          <p:nvPr/>
+        </p:nvSpPr>
+        <p:spPr>
+          <a:xfrm>
+            <a:off x="0" y="0"/>
+            <a:ext cx="1155469" cy="6858000"/>
+          </a:xfrm>
+          <a:prstGeom prst="rect">
+            <a:avLst/>
+          </a:prstGeom>
+          <a:solidFill>
+            <a:srgbClr val="FFC000"/>
+          </a:solidFill>
+          <a:ln>
+            <a:noFill/>
+          </a:ln>
+        </p:spPr>
+        <p:style>
+          <a:lnRef idx="2">
+            <a:schemeClr val="accent1">
+              <a:shade val="50000"/>
+            </a:schemeClr>
+          </a:lnRef>
+          <a:fillRef idx="1">
+            <a:schemeClr val="accent1"/>
+          </a:fillRef>
+          <a:effectRef idx="0">
+            <a:schemeClr val="accent1"/>
+          </a:effectRef>
+          <a:fontRef idx="minor">
+            <a:schemeClr val="lt1"/>
+          </a:fontRef>
+        </p:style>
+        <p:txBody>
+          <a:bodyPr rtlCol="0" anchor="ctr"/>
+          <a:lstStyle/>
+          <a:p>
+            <a:pPr algn="ctr"/>
+            <a:endParaRPr lang="de-DE"/>
+          </a:p>
+        </p:txBody>
+      </p:sp>
+      <p:sp>
+        <p:nvSpPr>
+          <p:cNvPr id="2" name="Titel 1">
+            <a:extLst>
+              <a:ext uri="{FF2B5EF4-FFF2-40B4-BE49-F238E27FC236}">
+                <a16:creationId xmlns:a16="http://schemas.microsoft.com/office/drawing/2014/main" id="{FC2FA898-8F74-466B-8EA0-61A5DE01866E}"/>
+              </a:ext>
+            </a:extLst>
+          </p:cNvPr>
+          <p:cNvSpPr>
+            <a:spLocks noGrp="1"/>
+          </p:cNvSpPr>
+          <p:nvPr>
+            <p:ph type="title"/>
+          </p:nvPr>
+        </p:nvSpPr>
+        <p:spPr>
+          <a:xfrm>
+            <a:off x="1953490" y="472216"/>
+            <a:ext cx="5237019" cy="665683"/>
+          </a:xfrm>
+        </p:spPr>
+        <p:txBody>
+          <a:bodyPr>
+            <a:normAutofit fontScale="90000"/>
+          </a:bodyPr>
+          <a:lstStyle/>
+          <a:p>
+            <a:r>
+              <a:rPr lang="de-DE" sz="2800" dirty="0">
+                <a:latin typeface="Roboto" panose="02000000000000000000" pitchFamily="2" charset="0"/>
+                <a:ea typeface="Roboto" panose="02000000000000000000" pitchFamily="2" charset="0"/>
+              </a:rPr>
+              <a:t>Installation </a:t>
+            </a:r>
+            <a:r>
+              <a:rPr lang="de-DE" sz="2800" dirty="0" err="1">
+                <a:latin typeface="Roboto" panose="02000000000000000000" pitchFamily="2" charset="0"/>
+                <a:ea typeface="Roboto" panose="02000000000000000000" pitchFamily="2" charset="0"/>
+              </a:rPr>
+              <a:t>Anaconda</a:t>
+            </a:r>
+            <a:r>
+              <a:rPr lang="de-DE" sz="2800" dirty="0">
+                <a:latin typeface="Roboto" panose="02000000000000000000" pitchFamily="2" charset="0"/>
+                <a:ea typeface="Roboto" panose="02000000000000000000" pitchFamily="2" charset="0"/>
+              </a:rPr>
+              <a:t> </a:t>
+            </a:r>
+            <a:r>
+              <a:rPr lang="de-DE" sz="2800" dirty="0" err="1">
+                <a:latin typeface="Roboto" panose="02000000000000000000" pitchFamily="2" charset="0"/>
+                <a:ea typeface="Roboto" panose="02000000000000000000" pitchFamily="2" charset="0"/>
+              </a:rPr>
+              <a:t>Enviroment</a:t>
+            </a:r>
+            <a:endParaRPr lang="de-DE" sz="2800" dirty="0">
+              <a:latin typeface="Roboto" panose="02000000000000000000" pitchFamily="2" charset="0"/>
+              <a:ea typeface="Roboto" panose="02000000000000000000" pitchFamily="2" charset="0"/>
+            </a:endParaRPr>
+          </a:p>
+        </p:txBody>
+      </p:sp>
+      <p:pic>
+        <p:nvPicPr>
+          <p:cNvPr id="5" name="Inhaltsplatzhalter 4">
+            <a:extLst>
+              <a:ext uri="{FF2B5EF4-FFF2-40B4-BE49-F238E27FC236}">
+                <a16:creationId xmlns:a16="http://schemas.microsoft.com/office/drawing/2014/main" id="{4AF209E9-F11D-4FA0-9909-047FA1FD0CA4}"/>
+              </a:ext>
+            </a:extLst>
+          </p:cNvPr>
+          <p:cNvPicPr>
+            <a:picLocks noGrp="1" noChangeAspect="1"/>
+          </p:cNvPicPr>
+          <p:nvPr>
+            <p:ph idx="1"/>
+          </p:nvPr>
+        </p:nvPicPr>
+        <p:blipFill>
+          <a:blip r:embed="rId2">
+            <a:extLst>
+              <a:ext uri="{28A0092B-C50C-407E-A947-70E740481C1C}">
+                <a14:useLocalDpi xmlns:a14="http://schemas.microsoft.com/office/drawing/2010/main" val="0"/>
+              </a:ext>
+            </a:extLst>
+          </a:blip>
+          <a:stretch>
+            <a:fillRect/>
+          </a:stretch>
+        </p:blipFill>
+        <p:spPr>
+          <a:xfrm>
+            <a:off x="471784" y="-256730"/>
+            <a:ext cx="1367367" cy="2172353"/>
+          </a:xfrm>
+        </p:spPr>
+      </p:pic>
+      <p:sp>
+        <p:nvSpPr>
+          <p:cNvPr id="6" name="Textfeld 5">
+            <a:extLst>
+              <a:ext uri="{FF2B5EF4-FFF2-40B4-BE49-F238E27FC236}">
+                <a16:creationId xmlns:a16="http://schemas.microsoft.com/office/drawing/2014/main" id="{9C75017A-5BFD-4F42-B226-67DD4DA80B79}"/>
+              </a:ext>
+            </a:extLst>
+          </p:cNvPr>
+          <p:cNvSpPr txBox="1"/>
+          <p:nvPr/>
+        </p:nvSpPr>
+        <p:spPr>
+          <a:xfrm>
+            <a:off x="7057504" y="6518140"/>
+            <a:ext cx="2086496" cy="230832"/>
+          </a:xfrm>
+          <a:prstGeom prst="rect">
+            <a:avLst/>
+          </a:prstGeom>
+          <a:noFill/>
+        </p:spPr>
+        <p:txBody>
+          <a:bodyPr wrap="square" rtlCol="0">
+            <a:spAutoFit/>
+          </a:bodyPr>
+          <a:lstStyle/>
+          <a:p>
+            <a:pPr algn="ctr"/>
+            <a:r>
+              <a:rPr lang="de-DE" sz="900" dirty="0">
+                <a:solidFill>
+                  <a:schemeClr val="bg1">
+                    <a:lumMod val="75000"/>
+                  </a:schemeClr>
+                </a:solidFill>
+                <a:latin typeface="Roboto" panose="02000000000000000000" pitchFamily="2" charset="0"/>
+                <a:ea typeface="Roboto" panose="02000000000000000000" pitchFamily="2" charset="0"/>
+              </a:rPr>
+              <a:t>Copyright 2019 </a:t>
+            </a:r>
+            <a:r>
+              <a:rPr lang="de-DE" sz="900" dirty="0" err="1">
+                <a:solidFill>
+                  <a:schemeClr val="bg1">
+                    <a:lumMod val="75000"/>
+                  </a:schemeClr>
+                </a:solidFill>
+                <a:latin typeface="Roboto" panose="02000000000000000000" pitchFamily="2" charset="0"/>
+                <a:ea typeface="Roboto" panose="02000000000000000000" pitchFamily="2" charset="0"/>
+              </a:rPr>
+              <a:t>by</a:t>
+            </a:r>
+            <a:r>
+              <a:rPr lang="de-DE" sz="900" dirty="0">
+                <a:solidFill>
+                  <a:schemeClr val="bg1">
+                    <a:lumMod val="75000"/>
+                  </a:schemeClr>
+                </a:solidFill>
+                <a:latin typeface="Roboto" panose="02000000000000000000" pitchFamily="2" charset="0"/>
+                <a:ea typeface="Roboto" panose="02000000000000000000" pitchFamily="2" charset="0"/>
+              </a:rPr>
+              <a:t> Max Mönch</a:t>
+            </a:r>
+          </a:p>
+        </p:txBody>
+      </p:sp>
+      <p:sp>
+        <p:nvSpPr>
+          <p:cNvPr id="8" name="Textfeld 7">
+            <a:extLst>
+              <a:ext uri="{FF2B5EF4-FFF2-40B4-BE49-F238E27FC236}">
+                <a16:creationId xmlns:a16="http://schemas.microsoft.com/office/drawing/2014/main" id="{595B06D2-DFA9-4390-958A-D516455F581D}"/>
+              </a:ext>
+            </a:extLst>
+          </p:cNvPr>
+          <p:cNvSpPr txBox="1"/>
+          <p:nvPr/>
+        </p:nvSpPr>
+        <p:spPr>
+          <a:xfrm rot="16200000">
+            <a:off x="-2681336" y="2997459"/>
+            <a:ext cx="6518140" cy="523220"/>
+          </a:xfrm>
+          <a:prstGeom prst="rect">
+            <a:avLst/>
+          </a:prstGeom>
+          <a:noFill/>
+        </p:spPr>
+        <p:txBody>
+          <a:bodyPr wrap="square" rtlCol="0">
+            <a:spAutoFit/>
+          </a:bodyPr>
+          <a:lstStyle/>
+          <a:p>
+            <a:r>
+              <a:rPr lang="de-DE" sz="2800" dirty="0">
+                <a:solidFill>
+                  <a:schemeClr val="bg1"/>
+                </a:solidFill>
+                <a:latin typeface="Roboto" panose="02000000000000000000" pitchFamily="2" charset="0"/>
+                <a:ea typeface="Roboto" panose="02000000000000000000" pitchFamily="2" charset="0"/>
+              </a:rPr>
+              <a:t>EINFÜHRUNG</a:t>
+            </a:r>
+            <a:endParaRPr lang="de-DE" sz="3600" dirty="0">
+              <a:solidFill>
+                <a:schemeClr val="bg1"/>
+              </a:solidFill>
+              <a:latin typeface="Roboto" panose="02000000000000000000" pitchFamily="2" charset="0"/>
+              <a:ea typeface="Roboto" panose="02000000000000000000" pitchFamily="2" charset="0"/>
+            </a:endParaRPr>
+          </a:p>
+        </p:txBody>
+      </p:sp>
+    </p:spTree>
+    <p:extLst>
+      <p:ext uri="{BB962C8B-B14F-4D97-AF65-F5344CB8AC3E}">
+        <p14:creationId xmlns:p14="http://schemas.microsoft.com/office/powerpoint/2010/main" val="3801721147"/>
       </p:ext>
     </p:extLst>
   </p:cSld>

--- a/praesentation/pandas-basic.pptx
+++ b/praesentation/pandas-basic.pptx
@@ -4,6 +4,9 @@
   <p:sldMasterIdLst>
     <p:sldMasterId id="2147483660" r:id="rId1"/>
   </p:sldMasterIdLst>
+  <p:handoutMasterIdLst>
+    <p:handoutMasterId r:id="rId12"/>
+  </p:handoutMasterIdLst>
   <p:sldIdLst>
     <p:sldId id="256" r:id="rId2"/>
     <p:sldId id="258" r:id="rId3"/>
@@ -14,6 +17,7 @@
     <p:sldId id="261" r:id="rId8"/>
     <p:sldId id="260" r:id="rId9"/>
     <p:sldId id="264" r:id="rId10"/>
+    <p:sldId id="265" r:id="rId11"/>
   </p:sldIdLst>
   <p:sldSz cx="9144000" cy="6858000" type="screen4x3"/>
   <p:notesSz cx="6858000" cy="9144000"/>
@@ -116,12 +120,204 @@
     <p:ext uri="{EFAFB233-063F-42B5-8137-9DF3F51BA10A}">
       <p15:sldGuideLst xmlns:p15="http://schemas.microsoft.com/office/powerpoint/2012/main"/>
     </p:ext>
+    <p:ext uri="{2D200454-40CA-4A62-9FC3-DE9A4176ACB9}">
+      <p15:notesGuideLst xmlns:p15="http://schemas.microsoft.com/office/powerpoint/2012/main"/>
+    </p:ext>
   </p:extLst>
 </p:presentation>
 </file>
 
+<file path=ppt/handoutMasters/handoutMaster1.xml><?xml version="1.0" encoding="utf-8"?>
+<p:handoutMaster xmlns:a="http://schemas.openxmlformats.org/drawingml/2006/main" xmlns:r="http://schemas.openxmlformats.org/officeDocument/2006/relationships" xmlns:p="http://schemas.openxmlformats.org/presentationml/2006/main">
+  <p:cSld>
+    <p:bg>
+      <p:bgRef idx="1001">
+        <a:schemeClr val="bg1"/>
+      </p:bgRef>
+    </p:bg>
+    <p:spTree>
+      <p:nvGrpSpPr>
+        <p:cNvPr id="1" name=""/>
+        <p:cNvGrpSpPr/>
+        <p:nvPr/>
+      </p:nvGrpSpPr>
+      <p:grpSpPr>
+        <a:xfrm>
+          <a:off x="0" y="0"/>
+          <a:ext cx="0" cy="0"/>
+          <a:chOff x="0" y="0"/>
+          <a:chExt cx="0" cy="0"/>
+        </a:xfrm>
+      </p:grpSpPr>
+      <p:sp>
+        <p:nvSpPr>
+          <p:cNvPr id="2" name="Kopfzeilenplatzhalter 1">
+            <a:extLst>
+              <a:ext uri="{FF2B5EF4-FFF2-40B4-BE49-F238E27FC236}">
+                <a16:creationId xmlns:a16="http://schemas.microsoft.com/office/drawing/2014/main" id="{6D0C2EE7-DA24-4CB4-8CE9-6590A11177CC}"/>
+              </a:ext>
+            </a:extLst>
+          </p:cNvPr>
+          <p:cNvSpPr>
+            <a:spLocks noGrp="1"/>
+          </p:cNvSpPr>
+          <p:nvPr>
+            <p:ph type="hdr" sz="quarter"/>
+          </p:nvPr>
+        </p:nvSpPr>
+        <p:spPr>
+          <a:xfrm>
+            <a:off x="0" y="0"/>
+            <a:ext cx="2971800" cy="458788"/>
+          </a:xfrm>
+          <a:prstGeom prst="rect">
+            <a:avLst/>
+          </a:prstGeom>
+        </p:spPr>
+        <p:txBody>
+          <a:bodyPr vert="horz" lIns="91440" tIns="45720" rIns="91440" bIns="45720" rtlCol="0"/>
+          <a:lstStyle>
+            <a:lvl1pPr algn="l">
+              <a:defRPr sz="1200"/>
+            </a:lvl1pPr>
+          </a:lstStyle>
+          <a:p>
+            <a:endParaRPr lang="de-DE"/>
+          </a:p>
+        </p:txBody>
+      </p:sp>
+      <p:sp>
+        <p:nvSpPr>
+          <p:cNvPr id="3" name="Datumsplatzhalter 2">
+            <a:extLst>
+              <a:ext uri="{FF2B5EF4-FFF2-40B4-BE49-F238E27FC236}">
+                <a16:creationId xmlns:a16="http://schemas.microsoft.com/office/drawing/2014/main" id="{646D2044-0500-4863-9EB2-151E60ABFD10}"/>
+              </a:ext>
+            </a:extLst>
+          </p:cNvPr>
+          <p:cNvSpPr>
+            <a:spLocks noGrp="1"/>
+          </p:cNvSpPr>
+          <p:nvPr>
+            <p:ph type="dt" sz="quarter" idx="1"/>
+          </p:nvPr>
+        </p:nvSpPr>
+        <p:spPr>
+          <a:xfrm>
+            <a:off x="3884613" y="0"/>
+            <a:ext cx="2971800" cy="458788"/>
+          </a:xfrm>
+          <a:prstGeom prst="rect">
+            <a:avLst/>
+          </a:prstGeom>
+        </p:spPr>
+        <p:txBody>
+          <a:bodyPr vert="horz" lIns="91440" tIns="45720" rIns="91440" bIns="45720" rtlCol="0"/>
+          <a:lstStyle>
+            <a:lvl1pPr algn="r">
+              <a:defRPr sz="1200"/>
+            </a:lvl1pPr>
+          </a:lstStyle>
+          <a:p>
+            <a:fld id="{C0891CEB-E06B-41A6-A791-A945BD77A2CE}" type="datetimeFigureOut">
+              <a:rPr lang="de-DE" smtClean="0"/>
+              <a:t>06.07.2019</a:t>
+            </a:fld>
+            <a:endParaRPr lang="de-DE"/>
+          </a:p>
+        </p:txBody>
+      </p:sp>
+      <p:sp>
+        <p:nvSpPr>
+          <p:cNvPr id="4" name="Fußzeilenplatzhalter 3">
+            <a:extLst>
+              <a:ext uri="{FF2B5EF4-FFF2-40B4-BE49-F238E27FC236}">
+                <a16:creationId xmlns:a16="http://schemas.microsoft.com/office/drawing/2014/main" id="{F2AB32E1-7F50-40EB-B808-76D4E10D74CE}"/>
+              </a:ext>
+            </a:extLst>
+          </p:cNvPr>
+          <p:cNvSpPr>
+            <a:spLocks noGrp="1"/>
+          </p:cNvSpPr>
+          <p:nvPr>
+            <p:ph type="ftr" sz="quarter" idx="2"/>
+          </p:nvPr>
+        </p:nvSpPr>
+        <p:spPr>
+          <a:xfrm>
+            <a:off x="0" y="8685213"/>
+            <a:ext cx="2971800" cy="458787"/>
+          </a:xfrm>
+          <a:prstGeom prst="rect">
+            <a:avLst/>
+          </a:prstGeom>
+        </p:spPr>
+        <p:txBody>
+          <a:bodyPr vert="horz" lIns="91440" tIns="45720" rIns="91440" bIns="45720" rtlCol="0" anchor="b"/>
+          <a:lstStyle>
+            <a:lvl1pPr algn="l">
+              <a:defRPr sz="1200"/>
+            </a:lvl1pPr>
+          </a:lstStyle>
+          <a:p>
+            <a:endParaRPr lang="de-DE"/>
+          </a:p>
+        </p:txBody>
+      </p:sp>
+      <p:sp>
+        <p:nvSpPr>
+          <p:cNvPr id="5" name="Foliennummernplatzhalter 4">
+            <a:extLst>
+              <a:ext uri="{FF2B5EF4-FFF2-40B4-BE49-F238E27FC236}">
+                <a16:creationId xmlns:a16="http://schemas.microsoft.com/office/drawing/2014/main" id="{B33A435A-06F3-4990-85F9-62E9E683D1B4}"/>
+              </a:ext>
+            </a:extLst>
+          </p:cNvPr>
+          <p:cNvSpPr>
+            <a:spLocks noGrp="1"/>
+          </p:cNvSpPr>
+          <p:nvPr>
+            <p:ph type="sldNum" sz="quarter" idx="3"/>
+          </p:nvPr>
+        </p:nvSpPr>
+        <p:spPr>
+          <a:xfrm>
+            <a:off x="3884613" y="8685213"/>
+            <a:ext cx="2971800" cy="458787"/>
+          </a:xfrm>
+          <a:prstGeom prst="rect">
+            <a:avLst/>
+          </a:prstGeom>
+        </p:spPr>
+        <p:txBody>
+          <a:bodyPr vert="horz" lIns="91440" tIns="45720" rIns="91440" bIns="45720" rtlCol="0" anchor="b"/>
+          <a:lstStyle>
+            <a:lvl1pPr algn="r">
+              <a:defRPr sz="1200"/>
+            </a:lvl1pPr>
+          </a:lstStyle>
+          <a:p>
+            <a:fld id="{40737C80-2B67-45A1-A9DD-A899A3DCE7B8}" type="slidenum">
+              <a:rPr lang="de-DE" smtClean="0"/>
+              <a:t>‹Nr.›</a:t>
+            </a:fld>
+            <a:endParaRPr lang="de-DE"/>
+          </a:p>
+        </p:txBody>
+      </p:sp>
+    </p:spTree>
+    <p:extLst>
+      <p:ext uri="{BB962C8B-B14F-4D97-AF65-F5344CB8AC3E}">
+        <p14:creationId xmlns:p14="http://schemas.microsoft.com/office/powerpoint/2010/main" val="824643262"/>
+      </p:ext>
+    </p:extLst>
+  </p:cSld>
+  <p:clrMap bg1="lt1" tx1="dk1" bg2="lt2" tx2="dk2" accent1="accent1" accent2="accent2" accent3="accent3" accent4="accent4" accent5="accent5" accent6="accent6" hlink="hlink" folHlink="folHlink"/>
+</p:handoutMaster>
+</file>
+
 <file path=ppt/slideLayouts/slideLayout1.xml><?xml version="1.0" encoding="utf-8"?>
-<p:sldLayout xmlns:a="http://schemas.openxmlformats.org/drawingml/2006/main" xmlns:r="http://schemas.openxmlformats.org/officeDocument/2006/relationships" xmlns:p="http://schemas.openxmlformats.org/presentationml/2006/main" type="title" preserve="1">
+<p:sldLayout xmlns:a="http://schemas.openxmlformats.org/drawingml/2006/main" xmlns:r="http://schemas.openxmlformats.org/officeDocument/2006/relationships" xmlns:p="http://schemas.openxmlformats.org/presentationml/2006/main" preserve="1" userDrawn="1">
   <p:cSld name="Titelfolie">
     <p:spTree>
       <p:nvGrpSpPr>
@@ -137,165 +333,299 @@
           <a:chExt cx="0" cy="0"/>
         </a:xfrm>
       </p:grpSpPr>
-      <p:sp>
-        <p:nvSpPr>
-          <p:cNvPr id="2" name="Title 1"/>
-          <p:cNvSpPr>
-            <a:spLocks noGrp="1"/>
-          </p:cNvSpPr>
-          <p:nvPr>
-            <p:ph type="ctrTitle"/>
-          </p:nvPr>
-        </p:nvSpPr>
+      <p:pic>
+        <p:nvPicPr>
+          <p:cNvPr id="15" name="Grafik 14">
+            <a:extLst>
+              <a:ext uri="{FF2B5EF4-FFF2-40B4-BE49-F238E27FC236}">
+                <a16:creationId xmlns:a16="http://schemas.microsoft.com/office/drawing/2014/main" id="{1CC6F3F9-EBC8-4A96-AE97-DA1E5116DD0A}"/>
+              </a:ext>
+            </a:extLst>
+          </p:cNvPr>
+          <p:cNvPicPr>
+            <a:picLocks noChangeAspect="1"/>
+          </p:cNvPicPr>
+          <p:nvPr userDrawn="1"/>
+        </p:nvPicPr>
+        <p:blipFill>
+          <a:blip r:embed="rId2">
+            <a:extLst>
+              <a:ext uri="{28A0092B-C50C-407E-A947-70E740481C1C}">
+                <a14:useLocalDpi xmlns:a14="http://schemas.microsoft.com/office/drawing/2010/main" val="0"/>
+              </a:ext>
+            </a:extLst>
+          </a:blip>
+          <a:stretch>
+            <a:fillRect/>
+          </a:stretch>
+        </p:blipFill>
         <p:spPr>
           <a:xfrm>
-            <a:off x="685800" y="1122363"/>
-            <a:ext cx="7772400" cy="2387600"/>
-          </a:xfrm>
-        </p:spPr>
-        <p:txBody>
-          <a:bodyPr anchor="b"/>
-          <a:lstStyle>
-            <a:lvl1pPr algn="ctr">
-              <a:defRPr sz="6000"/>
-            </a:lvl1pPr>
-          </a:lstStyle>
-          <a:p>
-            <a:r>
-              <a:rPr lang="de-DE"/>
-              <a:t>Mastertitelformat bearbeiten</a:t>
-            </a:r>
-            <a:endParaRPr lang="en-US" dirty="0"/>
-          </a:p>
-        </p:txBody>
-      </p:sp>
-      <p:sp>
-        <p:nvSpPr>
-          <p:cNvPr id="3" name="Subtitle 2"/>
-          <p:cNvSpPr>
-            <a:spLocks noGrp="1"/>
-          </p:cNvSpPr>
-          <p:nvPr>
-            <p:ph type="subTitle" idx="1"/>
-          </p:nvPr>
+            <a:off x="-396815" y="0"/>
+            <a:ext cx="9937630" cy="6858000"/>
+          </a:xfrm>
+          <a:prstGeom prst="rect">
+            <a:avLst/>
+          </a:prstGeom>
+        </p:spPr>
+      </p:pic>
+      <p:sp>
+        <p:nvSpPr>
+          <p:cNvPr id="8" name="Rechteck 7">
+            <a:extLst>
+              <a:ext uri="{FF2B5EF4-FFF2-40B4-BE49-F238E27FC236}">
+                <a16:creationId xmlns:a16="http://schemas.microsoft.com/office/drawing/2014/main" id="{BAA695F9-B25D-46BE-A2CE-A2ED7374195D}"/>
+              </a:ext>
+            </a:extLst>
+          </p:cNvPr>
+          <p:cNvSpPr/>
+          <p:nvPr userDrawn="1"/>
+        </p:nvSpPr>
+        <p:spPr>
+          <a:xfrm rot="16200000">
+            <a:off x="3994266" y="1215491"/>
+            <a:ext cx="1155469" cy="9143999"/>
+          </a:xfrm>
+          <a:prstGeom prst="rect">
+            <a:avLst/>
+          </a:prstGeom>
+          <a:solidFill>
+            <a:srgbClr val="FFC000">
+              <a:alpha val="78000"/>
+            </a:srgbClr>
+          </a:solidFill>
+          <a:ln>
+            <a:noFill/>
+          </a:ln>
+        </p:spPr>
+        <p:style>
+          <a:lnRef idx="2">
+            <a:schemeClr val="accent1">
+              <a:shade val="50000"/>
+            </a:schemeClr>
+          </a:lnRef>
+          <a:fillRef idx="1">
+            <a:schemeClr val="accent1"/>
+          </a:fillRef>
+          <a:effectRef idx="0">
+            <a:schemeClr val="accent1"/>
+          </a:effectRef>
+          <a:fontRef idx="minor">
+            <a:schemeClr val="lt1"/>
+          </a:fontRef>
+        </p:style>
+        <p:txBody>
+          <a:bodyPr rtlCol="0" anchor="ctr"/>
+          <a:lstStyle/>
+          <a:p>
+            <a:pPr algn="ctr"/>
+            <a:endParaRPr lang="de-DE" dirty="0"/>
+          </a:p>
+        </p:txBody>
+      </p:sp>
+      <p:sp>
+        <p:nvSpPr>
+          <p:cNvPr id="16" name="Textfeld 15">
+            <a:extLst>
+              <a:ext uri="{FF2B5EF4-FFF2-40B4-BE49-F238E27FC236}">
+                <a16:creationId xmlns:a16="http://schemas.microsoft.com/office/drawing/2014/main" id="{CC60053D-F66F-4BD1-9763-7478B67674BC}"/>
+              </a:ext>
+            </a:extLst>
+          </p:cNvPr>
+          <p:cNvSpPr txBox="1"/>
+          <p:nvPr userDrawn="1"/>
         </p:nvSpPr>
         <p:spPr>
           <a:xfrm>
-            <a:off x="1143000" y="3602038"/>
-            <a:ext cx="6858000" cy="1655762"/>
-          </a:xfrm>
-        </p:spPr>
-        <p:txBody>
-          <a:bodyPr/>
-          <a:lstStyle>
-            <a:lvl1pPr marL="0" indent="0" algn="ctr">
-              <a:buNone/>
-              <a:defRPr sz="2400"/>
-            </a:lvl1pPr>
-            <a:lvl2pPr marL="457200" indent="0" algn="ctr">
-              <a:buNone/>
-              <a:defRPr sz="2000"/>
-            </a:lvl2pPr>
-            <a:lvl3pPr marL="914400" indent="0" algn="ctr">
-              <a:buNone/>
-              <a:defRPr sz="1800"/>
-            </a:lvl3pPr>
-            <a:lvl4pPr marL="1371600" indent="0" algn="ctr">
-              <a:buNone/>
-              <a:defRPr sz="1600"/>
-            </a:lvl4pPr>
-            <a:lvl5pPr marL="1828800" indent="0" algn="ctr">
-              <a:buNone/>
-              <a:defRPr sz="1600"/>
-            </a:lvl5pPr>
-            <a:lvl6pPr marL="2286000" indent="0" algn="ctr">
-              <a:buNone/>
-              <a:defRPr sz="1600"/>
-            </a:lvl6pPr>
-            <a:lvl7pPr marL="2743200" indent="0" algn="ctr">
-              <a:buNone/>
-              <a:defRPr sz="1600"/>
-            </a:lvl7pPr>
-            <a:lvl8pPr marL="3200400" indent="0" algn="ctr">
-              <a:buNone/>
-              <a:defRPr sz="1600"/>
-            </a:lvl8pPr>
-            <a:lvl9pPr marL="3657600" indent="0" algn="ctr">
-              <a:buNone/>
-              <a:defRPr sz="1600"/>
-            </a:lvl9pPr>
-          </a:lstStyle>
-          <a:p>
-            <a:r>
-              <a:rPr lang="de-DE"/>
-              <a:t>Master-Untertitelformat bearbeiten</a:t>
-            </a:r>
-            <a:endParaRPr lang="en-US" dirty="0"/>
-          </a:p>
-        </p:txBody>
-      </p:sp>
-      <p:sp>
-        <p:nvSpPr>
-          <p:cNvPr id="4" name="Date Placeholder 3"/>
-          <p:cNvSpPr>
-            <a:spLocks noGrp="1"/>
-          </p:cNvSpPr>
-          <p:nvPr>
-            <p:ph type="dt" sz="half" idx="10"/>
-          </p:nvPr>
-        </p:nvSpPr>
-        <p:spPr/>
-        <p:txBody>
-          <a:bodyPr/>
-          <a:lstStyle/>
-          <a:p>
-            <a:fld id="{4C0C24D1-D28D-4714-8665-7C693EECAB22}" type="datetimeFigureOut">
-              <a:rPr lang="de-DE" smtClean="0"/>
-              <a:t>06.07.2019</a:t>
-            </a:fld>
+            <a:off x="1796995" y="5441573"/>
+            <a:ext cx="7347005" cy="461665"/>
+          </a:xfrm>
+          <a:prstGeom prst="rect">
+            <a:avLst/>
+          </a:prstGeom>
+          <a:noFill/>
+        </p:spPr>
+        <p:txBody>
+          <a:bodyPr wrap="square" rtlCol="0">
+            <a:spAutoFit/>
+          </a:bodyPr>
+          <a:lstStyle/>
+          <a:p>
+            <a:pPr algn="ctr"/>
+            <a:r>
+              <a:rPr lang="de-DE" sz="2000" dirty="0">
+                <a:solidFill>
+                  <a:schemeClr val="bg1"/>
+                </a:solidFill>
+                <a:latin typeface="Roboto" panose="02000000000000000000" pitchFamily="2" charset="0"/>
+                <a:ea typeface="Roboto" panose="02000000000000000000" pitchFamily="2" charset="0"/>
+              </a:rPr>
+              <a:t>DATEN ANALYSIEREN MIT </a:t>
+            </a:r>
+            <a:r>
+              <a:rPr lang="de-DE" sz="2400" b="1" dirty="0">
+                <a:solidFill>
+                  <a:schemeClr val="bg1"/>
+                </a:solidFill>
+                <a:latin typeface="Roboto" panose="02000000000000000000" pitchFamily="2" charset="0"/>
+                <a:ea typeface="Roboto" panose="02000000000000000000" pitchFamily="2" charset="0"/>
+              </a:rPr>
+              <a:t>PYTHON</a:t>
+            </a:r>
+            <a:r>
+              <a:rPr lang="de-DE" sz="2000" dirty="0">
+                <a:solidFill>
+                  <a:schemeClr val="bg1"/>
+                </a:solidFill>
+                <a:latin typeface="Roboto" panose="02000000000000000000" pitchFamily="2" charset="0"/>
+                <a:ea typeface="Roboto" panose="02000000000000000000" pitchFamily="2" charset="0"/>
+              </a:rPr>
+              <a:t> UND </a:t>
+            </a:r>
+            <a:r>
+              <a:rPr lang="de-DE" sz="2400" b="1" dirty="0">
+                <a:solidFill>
+                  <a:schemeClr val="bg1"/>
+                </a:solidFill>
+                <a:latin typeface="Roboto" panose="02000000000000000000" pitchFamily="2" charset="0"/>
+                <a:ea typeface="Roboto" panose="02000000000000000000" pitchFamily="2" charset="0"/>
+              </a:rPr>
+              <a:t>PANDAS</a:t>
+            </a:r>
+            <a:endParaRPr lang="de-DE" sz="2000" b="1" dirty="0">
+              <a:solidFill>
+                <a:schemeClr val="bg1"/>
+              </a:solidFill>
+              <a:latin typeface="Roboto" panose="02000000000000000000" pitchFamily="2" charset="0"/>
+              <a:ea typeface="Roboto" panose="02000000000000000000" pitchFamily="2" charset="0"/>
+            </a:endParaRPr>
+          </a:p>
+        </p:txBody>
+      </p:sp>
+      <p:sp>
+        <p:nvSpPr>
+          <p:cNvPr id="17" name="Rechteck 16">
+            <a:extLst>
+              <a:ext uri="{FF2B5EF4-FFF2-40B4-BE49-F238E27FC236}">
+                <a16:creationId xmlns:a16="http://schemas.microsoft.com/office/drawing/2014/main" id="{5A5C44BB-A5FB-41FE-9288-62E41B07DF64}"/>
+              </a:ext>
+            </a:extLst>
+          </p:cNvPr>
+          <p:cNvSpPr/>
+          <p:nvPr userDrawn="1"/>
+        </p:nvSpPr>
+        <p:spPr>
+          <a:xfrm>
+            <a:off x="0" y="5209755"/>
+            <a:ext cx="1796995" cy="1147937"/>
+          </a:xfrm>
+          <a:prstGeom prst="rect">
+            <a:avLst/>
+          </a:prstGeom>
+          <a:solidFill>
+            <a:schemeClr val="bg1"/>
+          </a:solidFill>
+          <a:ln>
+            <a:noFill/>
+          </a:ln>
+        </p:spPr>
+        <p:style>
+          <a:lnRef idx="2">
+            <a:schemeClr val="accent1">
+              <a:shade val="50000"/>
+            </a:schemeClr>
+          </a:lnRef>
+          <a:fillRef idx="1">
+            <a:schemeClr val="accent1"/>
+          </a:fillRef>
+          <a:effectRef idx="0">
+            <a:schemeClr val="accent1"/>
+          </a:effectRef>
+          <a:fontRef idx="minor">
+            <a:schemeClr val="lt1"/>
+          </a:fontRef>
+        </p:style>
+        <p:txBody>
+          <a:bodyPr rtlCol="0" anchor="ctr"/>
+          <a:lstStyle/>
+          <a:p>
+            <a:pPr algn="ctr"/>
             <a:endParaRPr lang="de-DE"/>
           </a:p>
         </p:txBody>
       </p:sp>
-      <p:sp>
-        <p:nvSpPr>
-          <p:cNvPr id="5" name="Footer Placeholder 4"/>
-          <p:cNvSpPr>
-            <a:spLocks noGrp="1"/>
-          </p:cNvSpPr>
-          <p:nvPr>
-            <p:ph type="ftr" sz="quarter" idx="11"/>
-          </p:nvPr>
-        </p:nvSpPr>
-        <p:spPr/>
-        <p:txBody>
-          <a:bodyPr/>
-          <a:lstStyle/>
-          <a:p>
-            <a:endParaRPr lang="de-DE"/>
-          </a:p>
-        </p:txBody>
-      </p:sp>
-      <p:sp>
-        <p:nvSpPr>
-          <p:cNvPr id="6" name="Slide Number Placeholder 5"/>
-          <p:cNvSpPr>
-            <a:spLocks noGrp="1"/>
-          </p:cNvSpPr>
-          <p:nvPr>
-            <p:ph type="sldNum" sz="quarter" idx="12"/>
-          </p:nvPr>
-        </p:nvSpPr>
-        <p:spPr/>
-        <p:txBody>
-          <a:bodyPr/>
-          <a:lstStyle/>
-          <a:p>
-            <a:fld id="{3D253553-47D5-46BF-BE57-6339A20A37E6}" type="slidenum">
-              <a:rPr lang="de-DE" smtClean="0"/>
-              <a:t>‹Nr.›</a:t>
-            </a:fld>
-            <a:endParaRPr lang="de-DE"/>
+      <p:pic>
+        <p:nvPicPr>
+          <p:cNvPr id="9" name="Inhaltsplatzhalter 4">
+            <a:extLst>
+              <a:ext uri="{FF2B5EF4-FFF2-40B4-BE49-F238E27FC236}">
+                <a16:creationId xmlns:a16="http://schemas.microsoft.com/office/drawing/2014/main" id="{95708682-CAB4-4EF9-9B89-010C212B5893}"/>
+              </a:ext>
+            </a:extLst>
+          </p:cNvPr>
+          <p:cNvPicPr>
+            <a:picLocks noChangeAspect="1"/>
+          </p:cNvPicPr>
+          <p:nvPr userDrawn="1"/>
+        </p:nvPicPr>
+        <p:blipFill rotWithShape="1">
+          <a:blip r:embed="rId3">
+            <a:extLst>
+              <a:ext uri="{28A0092B-C50C-407E-A947-70E740481C1C}">
+                <a14:useLocalDpi xmlns:a14="http://schemas.microsoft.com/office/drawing/2010/main" val="0"/>
+              </a:ext>
+            </a:extLst>
+          </a:blip>
+          <a:srcRect t="21947"/>
+          <a:stretch/>
+        </p:blipFill>
+        <p:spPr>
+          <a:xfrm>
+            <a:off x="481876" y="5202222"/>
+            <a:ext cx="833244" cy="1033258"/>
+          </a:xfrm>
+          <a:prstGeom prst="rect">
+            <a:avLst/>
+          </a:prstGeom>
+        </p:spPr>
+      </p:pic>
+      <p:sp>
+        <p:nvSpPr>
+          <p:cNvPr id="18" name="Textfeld 17">
+            <a:extLst>
+              <a:ext uri="{FF2B5EF4-FFF2-40B4-BE49-F238E27FC236}">
+                <a16:creationId xmlns:a16="http://schemas.microsoft.com/office/drawing/2014/main" id="{F730645F-0FFC-4A88-9F50-6802A04EA827}"/>
+              </a:ext>
+            </a:extLst>
+          </p:cNvPr>
+          <p:cNvSpPr txBox="1"/>
+          <p:nvPr userDrawn="1"/>
+        </p:nvSpPr>
+        <p:spPr>
+          <a:xfrm>
+            <a:off x="1796995" y="5814994"/>
+            <a:ext cx="7347005" cy="338554"/>
+          </a:xfrm>
+          <a:prstGeom prst="rect">
+            <a:avLst/>
+          </a:prstGeom>
+          <a:noFill/>
+        </p:spPr>
+        <p:txBody>
+          <a:bodyPr wrap="square" rtlCol="0">
+            <a:spAutoFit/>
+          </a:bodyPr>
+          <a:lstStyle/>
+          <a:p>
+            <a:pPr algn="ctr"/>
+            <a:r>
+              <a:rPr lang="de-DE" sz="1600" i="1" dirty="0">
+                <a:solidFill>
+                  <a:schemeClr val="bg1"/>
+                </a:solidFill>
+              </a:rPr>
+              <a:t>Max Mönch</a:t>
+            </a:r>
           </a:p>
         </p:txBody>
       </p:sp>
@@ -663,7 +993,7 @@
 </file>
 
 <file path=ppt/slideLayouts/slideLayout2.xml><?xml version="1.0" encoding="utf-8"?>
-<p:sldLayout xmlns:a="http://schemas.openxmlformats.org/drawingml/2006/main" xmlns:r="http://schemas.openxmlformats.org/officeDocument/2006/relationships" xmlns:p="http://schemas.openxmlformats.org/presentationml/2006/main" type="obj" preserve="1">
+<p:sldLayout xmlns:a="http://schemas.openxmlformats.org/drawingml/2006/main" xmlns:r="http://schemas.openxmlformats.org/officeDocument/2006/relationships" xmlns:p="http://schemas.openxmlformats.org/presentationml/2006/main" preserve="1" userDrawn="1">
   <p:cSld name="Titel und Inhalt">
     <p:spTree>
       <p:nvGrpSpPr>
@@ -689,14 +1019,82 @@
             <p:ph type="title"/>
           </p:nvPr>
         </p:nvSpPr>
-        <p:spPr/>
+        <p:spPr>
+          <a:xfrm>
+            <a:off x="2310935" y="754857"/>
+            <a:ext cx="6204415" cy="779462"/>
+          </a:xfrm>
+        </p:spPr>
+        <p:txBody>
+          <a:bodyPr>
+            <a:normAutofit/>
+          </a:bodyPr>
+          <a:lstStyle>
+            <a:lvl1pPr>
+              <a:defRPr sz="2800"/>
+            </a:lvl1pPr>
+          </a:lstStyle>
+          <a:p>
+            <a:r>
+              <a:rPr lang="de-DE" dirty="0"/>
+              <a:t>Mastertitelformat bearbeiten</a:t>
+            </a:r>
+            <a:endParaRPr lang="en-US" dirty="0"/>
+          </a:p>
+        </p:txBody>
+      </p:sp>
+      <p:sp>
+        <p:nvSpPr>
+          <p:cNvPr id="3" name="Content Placeholder 2"/>
+          <p:cNvSpPr>
+            <a:spLocks noGrp="1"/>
+          </p:cNvSpPr>
+          <p:nvPr>
+            <p:ph idx="1"/>
+          </p:nvPr>
+        </p:nvSpPr>
+        <p:spPr>
+          <a:xfrm>
+            <a:off x="2310934" y="1774285"/>
+            <a:ext cx="6204415" cy="4351338"/>
+          </a:xfrm>
+        </p:spPr>
         <p:txBody>
           <a:bodyPr/>
           <a:lstStyle/>
           <a:p>
-            <a:r>
-              <a:rPr lang="de-DE"/>
-              <a:t>Mastertitelformat bearbeiten</a:t>
+            <a:pPr lvl="0"/>
+            <a:r>
+              <a:rPr lang="de-DE" dirty="0"/>
+              <a:t>Mastertextformat bearbeiten</a:t>
+            </a:r>
+          </a:p>
+          <a:p>
+            <a:pPr lvl="1"/>
+            <a:r>
+              <a:rPr lang="de-DE" dirty="0"/>
+              <a:t>Zweite Ebene</a:t>
+            </a:r>
+          </a:p>
+          <a:p>
+            <a:pPr lvl="2"/>
+            <a:r>
+              <a:rPr lang="de-DE" dirty="0"/>
+              <a:t>Dritte Ebene</a:t>
+            </a:r>
+          </a:p>
+          <a:p>
+            <a:pPr lvl="3"/>
+            <a:r>
+              <a:rPr lang="de-DE" dirty="0"/>
+              <a:t>Vierte Ebene</a:t>
+            </a:r>
+          </a:p>
+          <a:p>
+            <a:pPr lvl="4"/>
+            <a:r>
+              <a:rPr lang="de-DE" dirty="0"/>
+              <a:t>Fünfte Ebene</a:t>
             </a:r>
             <a:endParaRPr lang="en-US" dirty="0"/>
           </a:p>
@@ -704,118 +1102,206 @@
       </p:sp>
       <p:sp>
         <p:nvSpPr>
-          <p:cNvPr id="3" name="Content Placeholder 2"/>
-          <p:cNvSpPr>
-            <a:spLocks noGrp="1"/>
-          </p:cNvSpPr>
-          <p:nvPr>
-            <p:ph idx="1"/>
-          </p:nvPr>
-        </p:nvSpPr>
-        <p:spPr/>
+          <p:cNvPr id="7" name="Rechteck 6">
+            <a:extLst>
+              <a:ext uri="{FF2B5EF4-FFF2-40B4-BE49-F238E27FC236}">
+                <a16:creationId xmlns:a16="http://schemas.microsoft.com/office/drawing/2014/main" id="{04AB2095-3F4B-4FC0-9148-67D950E58EA5}"/>
+              </a:ext>
+            </a:extLst>
+          </p:cNvPr>
+          <p:cNvSpPr/>
+          <p:nvPr userDrawn="1"/>
+        </p:nvSpPr>
+        <p:spPr>
+          <a:xfrm>
+            <a:off x="0" y="0"/>
+            <a:ext cx="1155469" cy="6858000"/>
+          </a:xfrm>
+          <a:prstGeom prst="rect">
+            <a:avLst/>
+          </a:prstGeom>
+          <a:solidFill>
+            <a:srgbClr val="FFC000"/>
+          </a:solidFill>
+          <a:ln>
+            <a:noFill/>
+          </a:ln>
+        </p:spPr>
+        <p:style>
+          <a:lnRef idx="2">
+            <a:schemeClr val="accent1">
+              <a:shade val="50000"/>
+            </a:schemeClr>
+          </a:lnRef>
+          <a:fillRef idx="1">
+            <a:schemeClr val="accent1"/>
+          </a:fillRef>
+          <a:effectRef idx="0">
+            <a:schemeClr val="accent1"/>
+          </a:effectRef>
+          <a:fontRef idx="minor">
+            <a:schemeClr val="lt1"/>
+          </a:fontRef>
+        </p:style>
+        <p:txBody>
+          <a:bodyPr rtlCol="0" anchor="ctr"/>
+          <a:lstStyle/>
+          <a:p>
+            <a:pPr algn="ctr"/>
+            <a:endParaRPr lang="de-DE"/>
+          </a:p>
+        </p:txBody>
+      </p:sp>
+      <p:pic>
+        <p:nvPicPr>
+          <p:cNvPr id="8" name="Inhaltsplatzhalter 4">
+            <a:extLst>
+              <a:ext uri="{FF2B5EF4-FFF2-40B4-BE49-F238E27FC236}">
+                <a16:creationId xmlns:a16="http://schemas.microsoft.com/office/drawing/2014/main" id="{04C8FE02-1C44-4872-A27E-D7A8DBBD78C5}"/>
+              </a:ext>
+            </a:extLst>
+          </p:cNvPr>
+          <p:cNvPicPr>
+            <a:picLocks noChangeAspect="1"/>
+          </p:cNvPicPr>
+          <p:nvPr userDrawn="1"/>
+        </p:nvPicPr>
+        <p:blipFill>
+          <a:blip r:embed="rId2">
+            <a:extLst>
+              <a:ext uri="{28A0092B-C50C-407E-A947-70E740481C1C}">
+                <a14:useLocalDpi xmlns:a14="http://schemas.microsoft.com/office/drawing/2010/main" val="0"/>
+              </a:ext>
+            </a:extLst>
+          </a:blip>
+          <a:stretch>
+            <a:fillRect/>
+          </a:stretch>
+        </p:blipFill>
+        <p:spPr>
+          <a:xfrm>
+            <a:off x="471784" y="-256730"/>
+            <a:ext cx="1367367" cy="2172353"/>
+          </a:xfrm>
+          <a:prstGeom prst="rect">
+            <a:avLst/>
+          </a:prstGeom>
+        </p:spPr>
+      </p:pic>
+      <p:sp>
+        <p:nvSpPr>
+          <p:cNvPr id="9" name="Textfeld 8">
+            <a:extLst>
+              <a:ext uri="{FF2B5EF4-FFF2-40B4-BE49-F238E27FC236}">
+                <a16:creationId xmlns:a16="http://schemas.microsoft.com/office/drawing/2014/main" id="{E3B417BE-5A85-4A1B-A06B-582F10552DAA}"/>
+              </a:ext>
+            </a:extLst>
+          </p:cNvPr>
+          <p:cNvSpPr txBox="1"/>
+          <p:nvPr userDrawn="1"/>
+        </p:nvSpPr>
+        <p:spPr>
+          <a:xfrm>
+            <a:off x="7057504" y="6518140"/>
+            <a:ext cx="2086496" cy="230832"/>
+          </a:xfrm>
+          <a:prstGeom prst="rect">
+            <a:avLst/>
+          </a:prstGeom>
+          <a:noFill/>
+        </p:spPr>
+        <p:txBody>
+          <a:bodyPr wrap="square" rtlCol="0">
+            <a:spAutoFit/>
+          </a:bodyPr>
+          <a:lstStyle/>
+          <a:p>
+            <a:pPr algn="ctr"/>
+            <a:r>
+              <a:rPr lang="de-DE" sz="900" dirty="0">
+                <a:solidFill>
+                  <a:schemeClr val="bg1">
+                    <a:lumMod val="75000"/>
+                  </a:schemeClr>
+                </a:solidFill>
+                <a:latin typeface="Roboto" panose="02000000000000000000" pitchFamily="2" charset="0"/>
+                <a:ea typeface="Roboto" panose="02000000000000000000" pitchFamily="2" charset="0"/>
+              </a:rPr>
+              <a:t>Copyright 2019 </a:t>
+            </a:r>
+            <a:r>
+              <a:rPr lang="de-DE" sz="900" dirty="0" err="1">
+                <a:solidFill>
+                  <a:schemeClr val="bg1">
+                    <a:lumMod val="75000"/>
+                  </a:schemeClr>
+                </a:solidFill>
+                <a:latin typeface="Roboto" panose="02000000000000000000" pitchFamily="2" charset="0"/>
+                <a:ea typeface="Roboto" panose="02000000000000000000" pitchFamily="2" charset="0"/>
+              </a:rPr>
+              <a:t>by</a:t>
+            </a:r>
+            <a:r>
+              <a:rPr lang="de-DE" sz="900" dirty="0">
+                <a:solidFill>
+                  <a:schemeClr val="bg1">
+                    <a:lumMod val="75000"/>
+                  </a:schemeClr>
+                </a:solidFill>
+                <a:latin typeface="Roboto" panose="02000000000000000000" pitchFamily="2" charset="0"/>
+                <a:ea typeface="Roboto" panose="02000000000000000000" pitchFamily="2" charset="0"/>
+              </a:rPr>
+              <a:t> Max Mönch</a:t>
+            </a:r>
+          </a:p>
+        </p:txBody>
+      </p:sp>
+      <p:sp>
+        <p:nvSpPr>
+          <p:cNvPr id="14" name="Textplatzhalter 13">
+            <a:extLst>
+              <a:ext uri="{FF2B5EF4-FFF2-40B4-BE49-F238E27FC236}">
+                <a16:creationId xmlns:a16="http://schemas.microsoft.com/office/drawing/2014/main" id="{0F47D8B6-7606-494F-A3B9-50C008E32D6E}"/>
+              </a:ext>
+            </a:extLst>
+          </p:cNvPr>
+          <p:cNvSpPr>
+            <a:spLocks noGrp="1"/>
+          </p:cNvSpPr>
+          <p:nvPr>
+            <p:ph type="body" sz="quarter" idx="11" hasCustomPrompt="1"/>
+          </p:nvPr>
+        </p:nvSpPr>
+        <p:spPr>
+          <a:xfrm rot="16200000">
+            <a:off x="-3128176" y="2606834"/>
+            <a:ext cx="7513652" cy="539792"/>
+          </a:xfrm>
+        </p:spPr>
         <p:txBody>
           <a:bodyPr/>
-          <a:lstStyle/>
+          <a:lstStyle>
+            <a:lvl1pPr marL="0" indent="0">
+              <a:buNone/>
+              <a:defRPr>
+                <a:solidFill>
+                  <a:schemeClr val="bg1"/>
+                </a:solidFill>
+                <a:latin typeface="Roboto" panose="02000000000000000000" pitchFamily="2" charset="0"/>
+                <a:ea typeface="Roboto" panose="02000000000000000000" pitchFamily="2" charset="0"/>
+              </a:defRPr>
+            </a:lvl1pPr>
+            <a:lvl2pPr marL="457200" indent="0">
+              <a:buNone/>
+              <a:defRPr/>
+            </a:lvl2pPr>
+          </a:lstStyle>
           <a:p>
             <a:pPr lvl="0"/>
             <a:r>
-              <a:rPr lang="de-DE"/>
-              <a:t>Mastertextformat bearbeiten</a:t>
-            </a:r>
-          </a:p>
-          <a:p>
-            <a:pPr lvl="1"/>
-            <a:r>
-              <a:rPr lang="de-DE"/>
-              <a:t>Zweite Ebene</a:t>
-            </a:r>
-          </a:p>
-          <a:p>
-            <a:pPr lvl="2"/>
-            <a:r>
-              <a:rPr lang="de-DE"/>
-              <a:t>Dritte Ebene</a:t>
-            </a:r>
-          </a:p>
-          <a:p>
-            <a:pPr lvl="3"/>
-            <a:r>
-              <a:rPr lang="de-DE"/>
-              <a:t>Vierte Ebene</a:t>
-            </a:r>
-          </a:p>
-          <a:p>
-            <a:pPr lvl="4"/>
-            <a:r>
-              <a:rPr lang="de-DE"/>
-              <a:t>Fünfte Ebene</a:t>
-            </a:r>
-            <a:endParaRPr lang="en-US" dirty="0"/>
-          </a:p>
-        </p:txBody>
-      </p:sp>
-      <p:sp>
-        <p:nvSpPr>
-          <p:cNvPr id="4" name="Date Placeholder 3"/>
-          <p:cNvSpPr>
-            <a:spLocks noGrp="1"/>
-          </p:cNvSpPr>
-          <p:nvPr>
-            <p:ph type="dt" sz="half" idx="10"/>
-          </p:nvPr>
-        </p:nvSpPr>
-        <p:spPr/>
-        <p:txBody>
-          <a:bodyPr/>
-          <a:lstStyle/>
-          <a:p>
-            <a:fld id="{4C0C24D1-D28D-4714-8665-7C693EECAB22}" type="datetimeFigureOut">
-              <a:rPr lang="de-DE" smtClean="0"/>
-              <a:t>06.07.2019</a:t>
-            </a:fld>
-            <a:endParaRPr lang="de-DE"/>
-          </a:p>
-        </p:txBody>
-      </p:sp>
-      <p:sp>
-        <p:nvSpPr>
-          <p:cNvPr id="5" name="Footer Placeholder 4"/>
-          <p:cNvSpPr>
-            <a:spLocks noGrp="1"/>
-          </p:cNvSpPr>
-          <p:nvPr>
-            <p:ph type="ftr" sz="quarter" idx="11"/>
-          </p:nvPr>
-        </p:nvSpPr>
-        <p:spPr/>
-        <p:txBody>
-          <a:bodyPr/>
-          <a:lstStyle/>
-          <a:p>
-            <a:endParaRPr lang="de-DE"/>
-          </a:p>
-        </p:txBody>
-      </p:sp>
-      <p:sp>
-        <p:nvSpPr>
-          <p:cNvPr id="6" name="Slide Number Placeholder 5"/>
-          <p:cNvSpPr>
-            <a:spLocks noGrp="1"/>
-          </p:cNvSpPr>
-          <p:nvPr>
-            <p:ph type="sldNum" sz="quarter" idx="12"/>
-          </p:nvPr>
-        </p:nvSpPr>
-        <p:spPr/>
-        <p:txBody>
-          <a:bodyPr/>
-          <a:lstStyle/>
-          <a:p>
-            <a:fld id="{3D253553-47D5-46BF-BE57-6339A20A37E6}" type="slidenum">
-              <a:rPr lang="de-DE" smtClean="0"/>
-              <a:t>‹Nr.›</a:t>
-            </a:fld>
-            <a:endParaRPr lang="de-DE"/>
+              <a:rPr lang="de-DE" dirty="0"/>
+              <a:t>MASTERTEXTFORMAT BEARBEITEN</a:t>
+            </a:r>
           </a:p>
         </p:txBody>
       </p:sp>
@@ -2992,6 +3478,489 @@
 </p:sld>
 </file>
 
+<file path=ppt/slides/slide10.xml><?xml version="1.0" encoding="utf-8"?>
+<p:sld xmlns:a="http://schemas.openxmlformats.org/drawingml/2006/main" xmlns:r="http://schemas.openxmlformats.org/officeDocument/2006/relationships" xmlns:p="http://schemas.openxmlformats.org/presentationml/2006/main">
+  <p:cSld>
+    <p:spTree>
+      <p:nvGrpSpPr>
+        <p:cNvPr id="1" name=""/>
+        <p:cNvGrpSpPr/>
+        <p:nvPr/>
+      </p:nvGrpSpPr>
+      <p:grpSpPr>
+        <a:xfrm>
+          <a:off x="0" y="0"/>
+          <a:ext cx="0" cy="0"/>
+          <a:chOff x="0" y="0"/>
+          <a:chExt cx="0" cy="0"/>
+        </a:xfrm>
+      </p:grpSpPr>
+      <p:sp>
+        <p:nvSpPr>
+          <p:cNvPr id="7" name="Rechteck 6">
+            <a:extLst>
+              <a:ext uri="{FF2B5EF4-FFF2-40B4-BE49-F238E27FC236}">
+                <a16:creationId xmlns:a16="http://schemas.microsoft.com/office/drawing/2014/main" id="{D7AAD257-C6F8-41DB-B07A-B4A46584AF26}"/>
+              </a:ext>
+            </a:extLst>
+          </p:cNvPr>
+          <p:cNvSpPr/>
+          <p:nvPr/>
+        </p:nvSpPr>
+        <p:spPr>
+          <a:xfrm>
+            <a:off x="0" y="0"/>
+            <a:ext cx="1155469" cy="6858000"/>
+          </a:xfrm>
+          <a:prstGeom prst="rect">
+            <a:avLst/>
+          </a:prstGeom>
+          <a:solidFill>
+            <a:srgbClr val="FFC000"/>
+          </a:solidFill>
+          <a:ln>
+            <a:noFill/>
+          </a:ln>
+        </p:spPr>
+        <p:style>
+          <a:lnRef idx="2">
+            <a:schemeClr val="accent1">
+              <a:shade val="50000"/>
+            </a:schemeClr>
+          </a:lnRef>
+          <a:fillRef idx="1">
+            <a:schemeClr val="accent1"/>
+          </a:fillRef>
+          <a:effectRef idx="0">
+            <a:schemeClr val="accent1"/>
+          </a:effectRef>
+          <a:fontRef idx="minor">
+            <a:schemeClr val="lt1"/>
+          </a:fontRef>
+        </p:style>
+        <p:txBody>
+          <a:bodyPr rtlCol="0" anchor="ctr"/>
+          <a:lstStyle/>
+          <a:p>
+            <a:pPr algn="ctr"/>
+            <a:endParaRPr lang="de-DE"/>
+          </a:p>
+        </p:txBody>
+      </p:sp>
+      <p:sp>
+        <p:nvSpPr>
+          <p:cNvPr id="2" name="Titel 1">
+            <a:extLst>
+              <a:ext uri="{FF2B5EF4-FFF2-40B4-BE49-F238E27FC236}">
+                <a16:creationId xmlns:a16="http://schemas.microsoft.com/office/drawing/2014/main" id="{FC2FA898-8F74-466B-8EA0-61A5DE01866E}"/>
+              </a:ext>
+            </a:extLst>
+          </p:cNvPr>
+          <p:cNvSpPr>
+            <a:spLocks noGrp="1"/>
+          </p:cNvSpPr>
+          <p:nvPr>
+            <p:ph type="title"/>
+          </p:nvPr>
+        </p:nvSpPr>
+        <p:spPr>
+          <a:xfrm>
+            <a:off x="1953490" y="472216"/>
+            <a:ext cx="5237019" cy="665683"/>
+          </a:xfrm>
+        </p:spPr>
+        <p:txBody>
+          <a:bodyPr>
+            <a:normAutofit fontScale="90000"/>
+          </a:bodyPr>
+          <a:lstStyle/>
+          <a:p>
+            <a:pPr algn="ctr"/>
+            <a:r>
+              <a:rPr lang="de-DE" sz="2800" dirty="0">
+                <a:latin typeface="Roboto" panose="02000000000000000000" pitchFamily="2" charset="0"/>
+                <a:ea typeface="Roboto" panose="02000000000000000000" pitchFamily="2" charset="0"/>
+              </a:rPr>
+              <a:t>Vorgehen bei der Bearbeitung unbekannter Datensätze</a:t>
+            </a:r>
+          </a:p>
+        </p:txBody>
+      </p:sp>
+      <p:pic>
+        <p:nvPicPr>
+          <p:cNvPr id="5" name="Inhaltsplatzhalter 4">
+            <a:extLst>
+              <a:ext uri="{FF2B5EF4-FFF2-40B4-BE49-F238E27FC236}">
+                <a16:creationId xmlns:a16="http://schemas.microsoft.com/office/drawing/2014/main" id="{4AF209E9-F11D-4FA0-9909-047FA1FD0CA4}"/>
+              </a:ext>
+            </a:extLst>
+          </p:cNvPr>
+          <p:cNvPicPr>
+            <a:picLocks noGrp="1" noChangeAspect="1"/>
+          </p:cNvPicPr>
+          <p:nvPr>
+            <p:ph idx="1"/>
+          </p:nvPr>
+        </p:nvPicPr>
+        <p:blipFill>
+          <a:blip r:embed="rId2">
+            <a:extLst>
+              <a:ext uri="{28A0092B-C50C-407E-A947-70E740481C1C}">
+                <a14:useLocalDpi xmlns:a14="http://schemas.microsoft.com/office/drawing/2010/main" val="0"/>
+              </a:ext>
+            </a:extLst>
+          </a:blip>
+          <a:stretch>
+            <a:fillRect/>
+          </a:stretch>
+        </p:blipFill>
+        <p:spPr>
+          <a:xfrm>
+            <a:off x="471784" y="-256730"/>
+            <a:ext cx="1367367" cy="2172353"/>
+          </a:xfrm>
+        </p:spPr>
+      </p:pic>
+      <p:sp>
+        <p:nvSpPr>
+          <p:cNvPr id="6" name="Textfeld 5">
+            <a:extLst>
+              <a:ext uri="{FF2B5EF4-FFF2-40B4-BE49-F238E27FC236}">
+                <a16:creationId xmlns:a16="http://schemas.microsoft.com/office/drawing/2014/main" id="{9C75017A-5BFD-4F42-B226-67DD4DA80B79}"/>
+              </a:ext>
+            </a:extLst>
+          </p:cNvPr>
+          <p:cNvSpPr txBox="1"/>
+          <p:nvPr/>
+        </p:nvSpPr>
+        <p:spPr>
+          <a:xfrm>
+            <a:off x="7057504" y="6518140"/>
+            <a:ext cx="2086496" cy="230832"/>
+          </a:xfrm>
+          <a:prstGeom prst="rect">
+            <a:avLst/>
+          </a:prstGeom>
+          <a:noFill/>
+        </p:spPr>
+        <p:txBody>
+          <a:bodyPr wrap="square" rtlCol="0">
+            <a:spAutoFit/>
+          </a:bodyPr>
+          <a:lstStyle/>
+          <a:p>
+            <a:pPr algn="ctr"/>
+            <a:r>
+              <a:rPr lang="de-DE" sz="900" dirty="0">
+                <a:solidFill>
+                  <a:schemeClr val="bg1">
+                    <a:lumMod val="75000"/>
+                  </a:schemeClr>
+                </a:solidFill>
+                <a:latin typeface="Roboto" panose="02000000000000000000" pitchFamily="2" charset="0"/>
+                <a:ea typeface="Roboto" panose="02000000000000000000" pitchFamily="2" charset="0"/>
+              </a:rPr>
+              <a:t>Copyright 2019 </a:t>
+            </a:r>
+            <a:r>
+              <a:rPr lang="de-DE" sz="900" dirty="0" err="1">
+                <a:solidFill>
+                  <a:schemeClr val="bg1">
+                    <a:lumMod val="75000"/>
+                  </a:schemeClr>
+                </a:solidFill>
+                <a:latin typeface="Roboto" panose="02000000000000000000" pitchFamily="2" charset="0"/>
+                <a:ea typeface="Roboto" panose="02000000000000000000" pitchFamily="2" charset="0"/>
+              </a:rPr>
+              <a:t>by</a:t>
+            </a:r>
+            <a:r>
+              <a:rPr lang="de-DE" sz="900" dirty="0">
+                <a:solidFill>
+                  <a:schemeClr val="bg1">
+                    <a:lumMod val="75000"/>
+                  </a:schemeClr>
+                </a:solidFill>
+                <a:latin typeface="Roboto" panose="02000000000000000000" pitchFamily="2" charset="0"/>
+                <a:ea typeface="Roboto" panose="02000000000000000000" pitchFamily="2" charset="0"/>
+              </a:rPr>
+              <a:t> Max Mönch</a:t>
+            </a:r>
+          </a:p>
+        </p:txBody>
+      </p:sp>
+      <p:sp>
+        <p:nvSpPr>
+          <p:cNvPr id="8" name="Textfeld 7">
+            <a:extLst>
+              <a:ext uri="{FF2B5EF4-FFF2-40B4-BE49-F238E27FC236}">
+                <a16:creationId xmlns:a16="http://schemas.microsoft.com/office/drawing/2014/main" id="{595B06D2-DFA9-4390-958A-D516455F581D}"/>
+              </a:ext>
+            </a:extLst>
+          </p:cNvPr>
+          <p:cNvSpPr txBox="1"/>
+          <p:nvPr/>
+        </p:nvSpPr>
+        <p:spPr>
+          <a:xfrm rot="16200000">
+            <a:off x="-2681336" y="2997459"/>
+            <a:ext cx="6518140" cy="523220"/>
+          </a:xfrm>
+          <a:prstGeom prst="rect">
+            <a:avLst/>
+          </a:prstGeom>
+          <a:noFill/>
+        </p:spPr>
+        <p:txBody>
+          <a:bodyPr wrap="square" rtlCol="0">
+            <a:spAutoFit/>
+          </a:bodyPr>
+          <a:lstStyle/>
+          <a:p>
+            <a:r>
+              <a:rPr lang="de-DE" sz="2800" dirty="0">
+                <a:solidFill>
+                  <a:schemeClr val="bg1"/>
+                </a:solidFill>
+                <a:latin typeface="Roboto" panose="02000000000000000000" pitchFamily="2" charset="0"/>
+                <a:ea typeface="Roboto" panose="02000000000000000000" pitchFamily="2" charset="0"/>
+              </a:rPr>
+              <a:t>VORGEHEN</a:t>
+            </a:r>
+            <a:endParaRPr lang="de-DE" sz="3600" dirty="0">
+              <a:solidFill>
+                <a:schemeClr val="bg1"/>
+              </a:solidFill>
+              <a:latin typeface="Roboto" panose="02000000000000000000" pitchFamily="2" charset="0"/>
+              <a:ea typeface="Roboto" panose="02000000000000000000" pitchFamily="2" charset="0"/>
+            </a:endParaRPr>
+          </a:p>
+        </p:txBody>
+      </p:sp>
+      <p:sp>
+        <p:nvSpPr>
+          <p:cNvPr id="3" name="Textfeld 2">
+            <a:extLst>
+              <a:ext uri="{FF2B5EF4-FFF2-40B4-BE49-F238E27FC236}">
+                <a16:creationId xmlns:a16="http://schemas.microsoft.com/office/drawing/2014/main" id="{C8C72E83-4B51-409B-9D31-592F709477E4}"/>
+              </a:ext>
+            </a:extLst>
+          </p:cNvPr>
+          <p:cNvSpPr txBox="1"/>
+          <p:nvPr/>
+        </p:nvSpPr>
+        <p:spPr>
+          <a:xfrm>
+            <a:off x="2151461" y="1726827"/>
+            <a:ext cx="5949291" cy="4524315"/>
+          </a:xfrm>
+          <a:prstGeom prst="rect">
+            <a:avLst/>
+          </a:prstGeom>
+          <a:noFill/>
+        </p:spPr>
+        <p:txBody>
+          <a:bodyPr wrap="square" rtlCol="0">
+            <a:spAutoFit/>
+          </a:bodyPr>
+          <a:lstStyle/>
+          <a:p>
+            <a:r>
+              <a:rPr lang="de-DE" b="1" dirty="0"/>
+              <a:t>Allgemeine Informationen sammeln über die Struktur:</a:t>
+            </a:r>
+          </a:p>
+          <a:p>
+            <a:r>
+              <a:rPr lang="de-DE" dirty="0"/>
+              <a:t>df.info(), </a:t>
+            </a:r>
+            <a:r>
+              <a:rPr lang="de-DE" dirty="0" err="1"/>
+              <a:t>df.head</a:t>
+            </a:r>
+            <a:r>
+              <a:rPr lang="de-DE" dirty="0"/>
+              <a:t>(), </a:t>
+            </a:r>
+            <a:r>
+              <a:rPr lang="de-DE" dirty="0" err="1"/>
+              <a:t>df.sample</a:t>
+            </a:r>
+            <a:r>
+              <a:rPr lang="de-DE" dirty="0"/>
+              <a:t>(), </a:t>
+            </a:r>
+            <a:r>
+              <a:rPr lang="de-DE" dirty="0" err="1"/>
+              <a:t>df.tail</a:t>
+            </a:r>
+            <a:r>
+              <a:rPr lang="de-DE" dirty="0"/>
+              <a:t>(), </a:t>
+            </a:r>
+            <a:r>
+              <a:rPr lang="de-DE" dirty="0" err="1"/>
+              <a:t>len</a:t>
+            </a:r>
+            <a:r>
+              <a:rPr lang="de-DE" dirty="0"/>
+              <a:t>()</a:t>
+            </a:r>
+          </a:p>
+          <a:p>
+            <a:endParaRPr lang="de-DE" dirty="0"/>
+          </a:p>
+          <a:p>
+            <a:r>
+              <a:rPr lang="de-DE" b="1" dirty="0"/>
+              <a:t>Verständnis für den Aufbau der Daten entwickeln</a:t>
+            </a:r>
+          </a:p>
+          <a:p>
+            <a:pPr marL="285750" indent="-285750">
+              <a:buFont typeface="Arial" panose="020B0604020202020204" pitchFamily="34" charset="0"/>
+              <a:buChar char="•"/>
+            </a:pPr>
+            <a:r>
+              <a:rPr lang="de-DE" dirty="0"/>
+              <a:t>Wie hängen Daten zusammen</a:t>
+            </a:r>
+          </a:p>
+          <a:p>
+            <a:pPr marL="285750" indent="-285750">
+              <a:buFont typeface="Arial" panose="020B0604020202020204" pitchFamily="34" charset="0"/>
+              <a:buChar char="•"/>
+            </a:pPr>
+            <a:r>
+              <a:rPr lang="de-DE" dirty="0"/>
+              <a:t>Enthält eine Spalte mehr als nur eine Information</a:t>
+            </a:r>
+          </a:p>
+          <a:p>
+            <a:endParaRPr lang="de-DE" dirty="0"/>
+          </a:p>
+          <a:p>
+            <a:r>
+              <a:rPr lang="de-DE" b="1" dirty="0"/>
+              <a:t>Detailanalyse der Spalten</a:t>
+            </a:r>
+          </a:p>
+          <a:p>
+            <a:pPr marL="285750" indent="-285750">
+              <a:buFont typeface="Arial" panose="020B0604020202020204" pitchFamily="34" charset="0"/>
+              <a:buChar char="•"/>
+            </a:pPr>
+            <a:r>
+              <a:rPr lang="de-DE" dirty="0"/>
+              <a:t>Identifikationsnummern auf Einzigartigkeit checken</a:t>
+            </a:r>
+          </a:p>
+          <a:p>
+            <a:pPr marL="285750" indent="-285750">
+              <a:buFont typeface="Arial" panose="020B0604020202020204" pitchFamily="34" charset="0"/>
+              <a:buChar char="•"/>
+            </a:pPr>
+            <a:r>
+              <a:rPr lang="de-DE" dirty="0"/>
+              <a:t>Was steht in den Spalten, müssen Datensätze bereinigt werden</a:t>
+            </a:r>
+          </a:p>
+          <a:p>
+            <a:pPr marL="285750" indent="-285750">
+              <a:buFont typeface="Arial" panose="020B0604020202020204" pitchFamily="34" charset="0"/>
+              <a:buChar char="•"/>
+            </a:pPr>
+            <a:r>
+              <a:rPr lang="de-DE" dirty="0"/>
+              <a:t>Statistische Grundwerte checken mit </a:t>
+            </a:r>
+            <a:r>
+              <a:rPr lang="de-DE" dirty="0" err="1"/>
+              <a:t>df.describe</a:t>
+            </a:r>
+            <a:r>
+              <a:rPr lang="de-DE" dirty="0"/>
+              <a:t>()</a:t>
+            </a:r>
+          </a:p>
+          <a:p>
+            <a:endParaRPr lang="de-DE" dirty="0"/>
+          </a:p>
+          <a:p>
+            <a:r>
+              <a:rPr lang="de-DE" b="1" dirty="0"/>
+              <a:t>Auswirkungen von </a:t>
+            </a:r>
+            <a:r>
+              <a:rPr lang="de-DE" b="1" dirty="0" err="1"/>
+              <a:t>NaN</a:t>
+            </a:r>
+            <a:endParaRPr lang="de-DE" b="1" dirty="0"/>
+          </a:p>
+          <a:p>
+            <a:pPr marL="285750" indent="-285750">
+              <a:buFont typeface="Arial" panose="020B0604020202020204" pitchFamily="34" charset="0"/>
+              <a:buChar char="•"/>
+            </a:pPr>
+            <a:r>
+              <a:rPr lang="de-DE" dirty="0"/>
+              <a:t>Welche Folgen haben nicht vorhandene Werte</a:t>
+            </a:r>
+          </a:p>
+          <a:p>
+            <a:pPr marL="285750" indent="-285750">
+              <a:buFont typeface="Arial" panose="020B0604020202020204" pitchFamily="34" charset="0"/>
+              <a:buChar char="•"/>
+            </a:pPr>
+            <a:r>
+              <a:rPr lang="de-DE" dirty="0" err="1"/>
+              <a:t>df.dropna</a:t>
+            </a:r>
+            <a:r>
+              <a:rPr lang="de-DE" dirty="0"/>
+              <a:t>(</a:t>
+            </a:r>
+            <a:r>
+              <a:rPr lang="de-DE" dirty="0" err="1"/>
+              <a:t>subset</a:t>
+            </a:r>
+            <a:r>
+              <a:rPr lang="de-DE" dirty="0"/>
+              <a:t>=[…]) oder doch </a:t>
+            </a:r>
+            <a:r>
+              <a:rPr lang="de-DE" dirty="0" err="1"/>
+              <a:t>df</a:t>
+            </a:r>
+            <a:r>
+              <a:rPr lang="de-DE" dirty="0"/>
+              <a:t>[…].</a:t>
+            </a:r>
+            <a:r>
+              <a:rPr lang="de-DE" dirty="0" err="1"/>
+              <a:t>fillna</a:t>
+            </a:r>
+            <a:r>
+              <a:rPr lang="de-DE" dirty="0"/>
+              <a:t>() </a:t>
+            </a:r>
+          </a:p>
+        </p:txBody>
+      </p:sp>
+    </p:spTree>
+    <p:extLst>
+      <p:ext uri="{BB962C8B-B14F-4D97-AF65-F5344CB8AC3E}">
+        <p14:creationId xmlns:p14="http://schemas.microsoft.com/office/powerpoint/2010/main" val="2797960477"/>
+      </p:ext>
+    </p:extLst>
+  </p:cSld>
+  <p:clrMapOvr>
+    <a:masterClrMapping/>
+  </p:clrMapOvr>
+</p:sld>
+</file>
+
 <file path=ppt/slides/slide2.xml><?xml version="1.0" encoding="utf-8"?>
 <p:sld xmlns:a="http://schemas.openxmlformats.org/drawingml/2006/main" xmlns:r="http://schemas.openxmlformats.org/officeDocument/2006/relationships" xmlns:p="http://schemas.openxmlformats.org/presentationml/2006/main">
   <p:cSld>
@@ -3009,44 +3978,6 @@
           <a:chExt cx="0" cy="0"/>
         </a:xfrm>
       </p:grpSpPr>
-      <p:sp>
-        <p:nvSpPr>
-          <p:cNvPr id="4" name="Textfeld 3">
-            <a:extLst>
-              <a:ext uri="{FF2B5EF4-FFF2-40B4-BE49-F238E27FC236}">
-                <a16:creationId xmlns:a16="http://schemas.microsoft.com/office/drawing/2014/main" id="{01326B29-4230-495B-8A17-8FB698254378}"/>
-              </a:ext>
-            </a:extLst>
-          </p:cNvPr>
-          <p:cNvSpPr txBox="1"/>
-          <p:nvPr/>
-        </p:nvSpPr>
-        <p:spPr>
-          <a:xfrm>
-            <a:off x="1238596" y="2419004"/>
-            <a:ext cx="4879571" cy="646331"/>
-          </a:xfrm>
-          <a:prstGeom prst="rect">
-            <a:avLst/>
-          </a:prstGeom>
-          <a:noFill/>
-        </p:spPr>
-        <p:txBody>
-          <a:bodyPr wrap="square" rtlCol="0">
-            <a:spAutoFit/>
-          </a:bodyPr>
-          <a:lstStyle/>
-          <a:p>
-            <a:r>
-              <a:rPr lang="de-DE" dirty="0"/>
-              <a:t>Vorstellung Dozent</a:t>
-            </a:r>
-          </a:p>
-          <a:p>
-            <a:endParaRPr lang="de-DE" dirty="0"/>
-          </a:p>
-        </p:txBody>
-      </p:sp>
     </p:spTree>
     <p:extLst>
       <p:ext uri="{BB962C8B-B14F-4D97-AF65-F5344CB8AC3E}">
@@ -3605,6 +4536,84 @@
           </a:p>
         </p:txBody>
       </p:sp>
+      <p:sp>
+        <p:nvSpPr>
+          <p:cNvPr id="2" name="Titel 1">
+            <a:extLst>
+              <a:ext uri="{FF2B5EF4-FFF2-40B4-BE49-F238E27FC236}">
+                <a16:creationId xmlns:a16="http://schemas.microsoft.com/office/drawing/2014/main" id="{1CB4BC98-DC42-4B6B-A4E4-AC6F97B598F6}"/>
+              </a:ext>
+            </a:extLst>
+          </p:cNvPr>
+          <p:cNvSpPr>
+            <a:spLocks noGrp="1"/>
+          </p:cNvSpPr>
+          <p:nvPr>
+            <p:ph type="title"/>
+          </p:nvPr>
+        </p:nvSpPr>
+        <p:spPr/>
+        <p:txBody>
+          <a:bodyPr/>
+          <a:lstStyle/>
+          <a:p>
+            <a:endParaRPr lang="de-DE"/>
+          </a:p>
+        </p:txBody>
+      </p:sp>
+      <p:sp>
+        <p:nvSpPr>
+          <p:cNvPr id="3" name="Inhaltsplatzhalter 2">
+            <a:extLst>
+              <a:ext uri="{FF2B5EF4-FFF2-40B4-BE49-F238E27FC236}">
+                <a16:creationId xmlns:a16="http://schemas.microsoft.com/office/drawing/2014/main" id="{B7A1B66B-7F40-4E3C-971E-9DA5AF9FF608}"/>
+              </a:ext>
+            </a:extLst>
+          </p:cNvPr>
+          <p:cNvSpPr>
+            <a:spLocks noGrp="1"/>
+          </p:cNvSpPr>
+          <p:nvPr>
+            <p:ph idx="1"/>
+          </p:nvPr>
+        </p:nvSpPr>
+        <p:spPr/>
+        <p:txBody>
+          <a:bodyPr/>
+          <a:lstStyle/>
+          <a:p>
+            <a:endParaRPr lang="de-DE" dirty="0"/>
+          </a:p>
+        </p:txBody>
+      </p:sp>
+      <p:sp>
+        <p:nvSpPr>
+          <p:cNvPr id="12" name="Textplatzhalter 11">
+            <a:extLst>
+              <a:ext uri="{FF2B5EF4-FFF2-40B4-BE49-F238E27FC236}">
+                <a16:creationId xmlns:a16="http://schemas.microsoft.com/office/drawing/2014/main" id="{BF37DF42-310F-4F51-B81F-B5FB7EFBE045}"/>
+              </a:ext>
+            </a:extLst>
+          </p:cNvPr>
+          <p:cNvSpPr>
+            <a:spLocks noGrp="1"/>
+          </p:cNvSpPr>
+          <p:nvPr>
+            <p:ph type="body" sz="quarter" idx="11"/>
+          </p:nvPr>
+        </p:nvSpPr>
+        <p:spPr/>
+        <p:txBody>
+          <a:bodyPr/>
+          <a:lstStyle/>
+          <a:p>
+            <a:r>
+              <a:rPr lang="de-DE" dirty="0"/>
+              <a:t>BESONDERHEITEN</a:t>
+            </a:r>
+          </a:p>
+        </p:txBody>
+      </p:sp>
     </p:spTree>
     <p:extLst>
       <p:ext uri="{BB962C8B-B14F-4D97-AF65-F5344CB8AC3E}">
@@ -3714,6 +4723,84 @@
           </a:p>
         </p:txBody>
       </p:sp>
+      <p:sp>
+        <p:nvSpPr>
+          <p:cNvPr id="8" name="Titel 7">
+            <a:extLst>
+              <a:ext uri="{FF2B5EF4-FFF2-40B4-BE49-F238E27FC236}">
+                <a16:creationId xmlns:a16="http://schemas.microsoft.com/office/drawing/2014/main" id="{9867D752-BB0C-4393-A00B-5715AEF40D66}"/>
+              </a:ext>
+            </a:extLst>
+          </p:cNvPr>
+          <p:cNvSpPr>
+            <a:spLocks noGrp="1"/>
+          </p:cNvSpPr>
+          <p:nvPr>
+            <p:ph type="title"/>
+          </p:nvPr>
+        </p:nvSpPr>
+        <p:spPr/>
+        <p:txBody>
+          <a:bodyPr/>
+          <a:lstStyle/>
+          <a:p>
+            <a:endParaRPr lang="de-DE"/>
+          </a:p>
+        </p:txBody>
+      </p:sp>
+      <p:sp>
+        <p:nvSpPr>
+          <p:cNvPr id="9" name="Inhaltsplatzhalter 8">
+            <a:extLst>
+              <a:ext uri="{FF2B5EF4-FFF2-40B4-BE49-F238E27FC236}">
+                <a16:creationId xmlns:a16="http://schemas.microsoft.com/office/drawing/2014/main" id="{4805D453-6DC8-4856-822E-7BA9C1F243DC}"/>
+              </a:ext>
+            </a:extLst>
+          </p:cNvPr>
+          <p:cNvSpPr>
+            <a:spLocks noGrp="1"/>
+          </p:cNvSpPr>
+          <p:nvPr>
+            <p:ph idx="1"/>
+          </p:nvPr>
+        </p:nvSpPr>
+        <p:spPr/>
+        <p:txBody>
+          <a:bodyPr/>
+          <a:lstStyle/>
+          <a:p>
+            <a:endParaRPr lang="de-DE"/>
+          </a:p>
+        </p:txBody>
+      </p:sp>
+      <p:sp>
+        <p:nvSpPr>
+          <p:cNvPr id="6" name="Textplatzhalter 5">
+            <a:extLst>
+              <a:ext uri="{FF2B5EF4-FFF2-40B4-BE49-F238E27FC236}">
+                <a16:creationId xmlns:a16="http://schemas.microsoft.com/office/drawing/2014/main" id="{A2CFD462-2C8E-4447-8233-10382DBA2471}"/>
+              </a:ext>
+            </a:extLst>
+          </p:cNvPr>
+          <p:cNvSpPr>
+            <a:spLocks noGrp="1"/>
+          </p:cNvSpPr>
+          <p:nvPr>
+            <p:ph type="body" sz="quarter" idx="11"/>
+          </p:nvPr>
+        </p:nvSpPr>
+        <p:spPr/>
+        <p:txBody>
+          <a:bodyPr/>
+          <a:lstStyle/>
+          <a:p>
+            <a:r>
+              <a:rPr lang="de-DE" dirty="0"/>
+              <a:t>ZUSAMMENARBETI</a:t>
+            </a:r>
+          </a:p>
+        </p:txBody>
+      </p:sp>
     </p:spTree>
     <p:extLst>
       <p:ext uri="{BB962C8B-B14F-4D97-AF65-F5344CB8AC3E}">
@@ -3746,35 +4833,81 @@
       </p:grpSpPr>
       <p:sp>
         <p:nvSpPr>
-          <p:cNvPr id="4" name="Textfeld 3">
+          <p:cNvPr id="5" name="Titel 4">
             <a:extLst>
               <a:ext uri="{FF2B5EF4-FFF2-40B4-BE49-F238E27FC236}">
-                <a16:creationId xmlns:a16="http://schemas.microsoft.com/office/drawing/2014/main" id="{6B33FDB3-0A1B-4B2D-95EC-C10E0E565DBB}"/>
+                <a16:creationId xmlns:a16="http://schemas.microsoft.com/office/drawing/2014/main" id="{30D036D8-89B9-47BE-B0D2-7A4C1D6F2178}"/>
               </a:ext>
             </a:extLst>
           </p:cNvPr>
-          <p:cNvSpPr txBox="1"/>
-          <p:nvPr/>
-        </p:nvSpPr>
-        <p:spPr>
-          <a:xfrm>
-            <a:off x="515389" y="399011"/>
-            <a:ext cx="3133898" cy="369332"/>
-          </a:xfrm>
-          <a:prstGeom prst="rect">
-            <a:avLst/>
-          </a:prstGeom>
-          <a:noFill/>
-        </p:spPr>
-        <p:txBody>
-          <a:bodyPr wrap="square" rtlCol="0">
-            <a:spAutoFit/>
-          </a:bodyPr>
+          <p:cNvSpPr>
+            <a:spLocks noGrp="1"/>
+          </p:cNvSpPr>
+          <p:nvPr>
+            <p:ph type="title"/>
+          </p:nvPr>
+        </p:nvSpPr>
+        <p:spPr/>
+        <p:txBody>
+          <a:bodyPr/>
           <a:lstStyle/>
           <a:p>
             <a:r>
               <a:rPr lang="de-DE" dirty="0"/>
               <a:t>Kurszeiten</a:t>
+            </a:r>
+          </a:p>
+        </p:txBody>
+      </p:sp>
+      <p:sp>
+        <p:nvSpPr>
+          <p:cNvPr id="20" name="Inhaltsplatzhalter 19">
+            <a:extLst>
+              <a:ext uri="{FF2B5EF4-FFF2-40B4-BE49-F238E27FC236}">
+                <a16:creationId xmlns:a16="http://schemas.microsoft.com/office/drawing/2014/main" id="{A9A20E52-0970-4F94-8EB5-8FA5DE6FDAAD}"/>
+              </a:ext>
+            </a:extLst>
+          </p:cNvPr>
+          <p:cNvSpPr>
+            <a:spLocks noGrp="1"/>
+          </p:cNvSpPr>
+          <p:nvPr>
+            <p:ph idx="1"/>
+          </p:nvPr>
+        </p:nvSpPr>
+        <p:spPr/>
+        <p:txBody>
+          <a:bodyPr/>
+          <a:lstStyle/>
+          <a:p>
+            <a:endParaRPr lang="de-DE"/>
+          </a:p>
+        </p:txBody>
+      </p:sp>
+      <p:sp>
+        <p:nvSpPr>
+          <p:cNvPr id="17" name="Textplatzhalter 16">
+            <a:extLst>
+              <a:ext uri="{FF2B5EF4-FFF2-40B4-BE49-F238E27FC236}">
+                <a16:creationId xmlns:a16="http://schemas.microsoft.com/office/drawing/2014/main" id="{B802A629-3FC8-49ED-BD19-B02A6605E8A4}"/>
+              </a:ext>
+            </a:extLst>
+          </p:cNvPr>
+          <p:cNvSpPr>
+            <a:spLocks noGrp="1"/>
+          </p:cNvSpPr>
+          <p:nvPr>
+            <p:ph type="body" sz="quarter" idx="11"/>
+          </p:nvPr>
+        </p:nvSpPr>
+        <p:spPr/>
+        <p:txBody>
+          <a:bodyPr/>
+          <a:lstStyle/>
+          <a:p>
+            <a:r>
+              <a:rPr lang="de-DE" dirty="0"/>
+              <a:t>KURSZEITEN</a:t>
             </a:r>
           </a:p>
         </p:txBody>
@@ -3889,6 +5022,7 @@
           </a:bodyPr>
           <a:lstStyle/>
           <a:p>
+            <a:pPr algn="ctr"/>
             <a:r>
               <a:rPr lang="de-DE" sz="2800" dirty="0">
                 <a:latin typeface="Roboto" panose="02000000000000000000" pitchFamily="2" charset="0"/>
@@ -4347,4 +5481,299 @@
     </a:ext>
   </a:extLst>
 </a:theme>
+</file>
+
+<file path=ppt/theme/theme2.xml><?xml version="1.0" encoding="utf-8"?>
+<a:theme xmlns:a="http://schemas.openxmlformats.org/drawingml/2006/main" name="Office">
+  <a:themeElements>
+    <a:clrScheme name="Office">
+      <a:dk1>
+        <a:sysClr val="windowText" lastClr="000000"/>
+      </a:dk1>
+      <a:lt1>
+        <a:sysClr val="window" lastClr="FFFFFF"/>
+      </a:lt1>
+      <a:dk2>
+        <a:srgbClr val="44546A"/>
+      </a:dk2>
+      <a:lt2>
+        <a:srgbClr val="E7E6E6"/>
+      </a:lt2>
+      <a:accent1>
+        <a:srgbClr val="4472C4"/>
+      </a:accent1>
+      <a:accent2>
+        <a:srgbClr val="ED7D31"/>
+      </a:accent2>
+      <a:accent3>
+        <a:srgbClr val="A5A5A5"/>
+      </a:accent3>
+      <a:accent4>
+        <a:srgbClr val="FFC000"/>
+      </a:accent4>
+      <a:accent5>
+        <a:srgbClr val="5B9BD5"/>
+      </a:accent5>
+      <a:accent6>
+        <a:srgbClr val="70AD47"/>
+      </a:accent6>
+      <a:hlink>
+        <a:srgbClr val="0563C1"/>
+      </a:hlink>
+      <a:folHlink>
+        <a:srgbClr val="954F72"/>
+      </a:folHlink>
+    </a:clrScheme>
+    <a:fontScheme name="Office">
+      <a:majorFont>
+        <a:latin typeface="Calibri Light" panose="020F0302020204030204"/>
+        <a:ea typeface=""/>
+        <a:cs typeface=""/>
+        <a:font script="Jpan" typeface="游ゴシック Light"/>
+        <a:font script="Hang" typeface="맑은 고딕"/>
+        <a:font script="Hans" typeface="等线 Light"/>
+        <a:font script="Hant" typeface="新細明體"/>
+        <a:font script="Arab" typeface="Times New Roman"/>
+        <a:font script="Hebr" typeface="Times New Roman"/>
+        <a:font script="Thai" typeface="Angsana New"/>
+        <a:font script="Ethi" typeface="Nyala"/>
+        <a:font script="Beng" typeface="Vrinda"/>
+        <a:font script="Gujr" typeface="Shruti"/>
+        <a:font script="Khmr" typeface="MoolBoran"/>
+        <a:font script="Knda" typeface="Tunga"/>
+        <a:font script="Guru" typeface="Raavi"/>
+        <a:font script="Cans" typeface="Euphemia"/>
+        <a:font script="Cher" typeface="Plantagenet Cherokee"/>
+        <a:font script="Yiii" typeface="Microsoft Yi Baiti"/>
+        <a:font script="Tibt" typeface="Microsoft Himalaya"/>
+        <a:font script="Thaa" typeface="MV Boli"/>
+        <a:font script="Deva" typeface="Mangal"/>
+        <a:font script="Telu" typeface="Gautami"/>
+        <a:font script="Taml" typeface="Latha"/>
+        <a:font script="Syrc" typeface="Estrangelo Edessa"/>
+        <a:font script="Orya" typeface="Kalinga"/>
+        <a:font script="Mlym" typeface="Kartika"/>
+        <a:font script="Laoo" typeface="DokChampa"/>
+        <a:font script="Sinh" typeface="Iskoola Pota"/>
+        <a:font script="Mong" typeface="Mongolian Baiti"/>
+        <a:font script="Viet" typeface="Times New Roman"/>
+        <a:font script="Uigh" typeface="Microsoft Uighur"/>
+        <a:font script="Geor" typeface="Sylfaen"/>
+        <a:font script="Armn" typeface="Arial"/>
+        <a:font script="Bugi" typeface="Leelawadee UI"/>
+        <a:font script="Bopo" typeface="Microsoft JhengHei"/>
+        <a:font script="Java" typeface="Javanese Text"/>
+        <a:font script="Lisu" typeface="Segoe UI"/>
+        <a:font script="Mymr" typeface="Myanmar Text"/>
+        <a:font script="Nkoo" typeface="Ebrima"/>
+        <a:font script="Olck" typeface="Nirmala UI"/>
+        <a:font script="Osma" typeface="Ebrima"/>
+        <a:font script="Phag" typeface="Phagspa"/>
+        <a:font script="Syrn" typeface="Estrangelo Edessa"/>
+        <a:font script="Syrj" typeface="Estrangelo Edessa"/>
+        <a:font script="Syre" typeface="Estrangelo Edessa"/>
+        <a:font script="Sora" typeface="Nirmala UI"/>
+        <a:font script="Tale" typeface="Microsoft Tai Le"/>
+        <a:font script="Talu" typeface="Microsoft New Tai Lue"/>
+        <a:font script="Tfng" typeface="Ebrima"/>
+      </a:majorFont>
+      <a:minorFont>
+        <a:latin typeface="Calibri" panose="020F0502020204030204"/>
+        <a:ea typeface=""/>
+        <a:cs typeface=""/>
+        <a:font script="Jpan" typeface="游ゴシック"/>
+        <a:font script="Hang" typeface="맑은 고딕"/>
+        <a:font script="Hans" typeface="等线"/>
+        <a:font script="Hant" typeface="新細明體"/>
+        <a:font script="Arab" typeface="Arial"/>
+        <a:font script="Hebr" typeface="Arial"/>
+        <a:font script="Thai" typeface="Cordia New"/>
+        <a:font script="Ethi" typeface="Nyala"/>
+        <a:font script="Beng" typeface="Vrinda"/>
+        <a:font script="Gujr" typeface="Shruti"/>
+        <a:font script="Khmr" typeface="DaunPenh"/>
+        <a:font script="Knda" typeface="Tunga"/>
+        <a:font script="Guru" typeface="Raavi"/>
+        <a:font script="Cans" typeface="Euphemia"/>
+        <a:font script="Cher" typeface="Plantagenet Cherokee"/>
+        <a:font script="Yiii" typeface="Microsoft Yi Baiti"/>
+        <a:font script="Tibt" typeface="Microsoft Himalaya"/>
+        <a:font script="Thaa" typeface="MV Boli"/>
+        <a:font script="Deva" typeface="Mangal"/>
+        <a:font script="Telu" typeface="Gautami"/>
+        <a:font script="Taml" typeface="Latha"/>
+        <a:font script="Syrc" typeface="Estrangelo Edessa"/>
+        <a:font script="Orya" typeface="Kalinga"/>
+        <a:font script="Mlym" typeface="Kartika"/>
+        <a:font script="Laoo" typeface="DokChampa"/>
+        <a:font script="Sinh" typeface="Iskoola Pota"/>
+        <a:font script="Mong" typeface="Mongolian Baiti"/>
+        <a:font script="Viet" typeface="Arial"/>
+        <a:font script="Uigh" typeface="Microsoft Uighur"/>
+        <a:font script="Geor" typeface="Sylfaen"/>
+        <a:font script="Armn" typeface="Arial"/>
+        <a:font script="Bugi" typeface="Leelawadee UI"/>
+        <a:font script="Bopo" typeface="Microsoft JhengHei"/>
+        <a:font script="Java" typeface="Javanese Text"/>
+        <a:font script="Lisu" typeface="Segoe UI"/>
+        <a:font script="Mymr" typeface="Myanmar Text"/>
+        <a:font script="Nkoo" typeface="Ebrima"/>
+        <a:font script="Olck" typeface="Nirmala UI"/>
+        <a:font script="Osma" typeface="Ebrima"/>
+        <a:font script="Phag" typeface="Phagspa"/>
+        <a:font script="Syrn" typeface="Estrangelo Edessa"/>
+        <a:font script="Syrj" typeface="Estrangelo Edessa"/>
+        <a:font script="Syre" typeface="Estrangelo Edessa"/>
+        <a:font script="Sora" typeface="Nirmala UI"/>
+        <a:font script="Tale" typeface="Microsoft Tai Le"/>
+        <a:font script="Talu" typeface="Microsoft New Tai Lue"/>
+        <a:font script="Tfng" typeface="Ebrima"/>
+      </a:minorFont>
+    </a:fontScheme>
+    <a:fmtScheme name="Office">
+      <a:fillStyleLst>
+        <a:solidFill>
+          <a:schemeClr val="phClr"/>
+        </a:solidFill>
+        <a:gradFill rotWithShape="1">
+          <a:gsLst>
+            <a:gs pos="0">
+              <a:schemeClr val="phClr">
+                <a:lumMod val="110000"/>
+                <a:satMod val="105000"/>
+                <a:tint val="67000"/>
+              </a:schemeClr>
+            </a:gs>
+            <a:gs pos="50000">
+              <a:schemeClr val="phClr">
+                <a:lumMod val="105000"/>
+                <a:satMod val="103000"/>
+                <a:tint val="73000"/>
+              </a:schemeClr>
+            </a:gs>
+            <a:gs pos="100000">
+              <a:schemeClr val="phClr">
+                <a:lumMod val="105000"/>
+                <a:satMod val="109000"/>
+                <a:tint val="81000"/>
+              </a:schemeClr>
+            </a:gs>
+          </a:gsLst>
+          <a:lin ang="5400000" scaled="0"/>
+        </a:gradFill>
+        <a:gradFill rotWithShape="1">
+          <a:gsLst>
+            <a:gs pos="0">
+              <a:schemeClr val="phClr">
+                <a:satMod val="103000"/>
+                <a:lumMod val="102000"/>
+                <a:tint val="94000"/>
+              </a:schemeClr>
+            </a:gs>
+            <a:gs pos="50000">
+              <a:schemeClr val="phClr">
+                <a:satMod val="110000"/>
+                <a:lumMod val="100000"/>
+                <a:shade val="100000"/>
+              </a:schemeClr>
+            </a:gs>
+            <a:gs pos="100000">
+              <a:schemeClr val="phClr">
+                <a:lumMod val="99000"/>
+                <a:satMod val="120000"/>
+                <a:shade val="78000"/>
+              </a:schemeClr>
+            </a:gs>
+          </a:gsLst>
+          <a:lin ang="5400000" scaled="0"/>
+        </a:gradFill>
+      </a:fillStyleLst>
+      <a:lnStyleLst>
+        <a:ln w="6350" cap="flat" cmpd="sng" algn="ctr">
+          <a:solidFill>
+            <a:schemeClr val="phClr"/>
+          </a:solidFill>
+          <a:prstDash val="solid"/>
+          <a:miter lim="800000"/>
+        </a:ln>
+        <a:ln w="12700" cap="flat" cmpd="sng" algn="ctr">
+          <a:solidFill>
+            <a:schemeClr val="phClr"/>
+          </a:solidFill>
+          <a:prstDash val="solid"/>
+          <a:miter lim="800000"/>
+        </a:ln>
+        <a:ln w="19050" cap="flat" cmpd="sng" algn="ctr">
+          <a:solidFill>
+            <a:schemeClr val="phClr"/>
+          </a:solidFill>
+          <a:prstDash val="solid"/>
+          <a:miter lim="800000"/>
+        </a:ln>
+      </a:lnStyleLst>
+      <a:effectStyleLst>
+        <a:effectStyle>
+          <a:effectLst/>
+        </a:effectStyle>
+        <a:effectStyle>
+          <a:effectLst/>
+        </a:effectStyle>
+        <a:effectStyle>
+          <a:effectLst>
+            <a:outerShdw blurRad="57150" dist="19050" dir="5400000" algn="ctr" rotWithShape="0">
+              <a:srgbClr val="000000">
+                <a:alpha val="63000"/>
+              </a:srgbClr>
+            </a:outerShdw>
+          </a:effectLst>
+        </a:effectStyle>
+      </a:effectStyleLst>
+      <a:bgFillStyleLst>
+        <a:solidFill>
+          <a:schemeClr val="phClr"/>
+        </a:solidFill>
+        <a:solidFill>
+          <a:schemeClr val="phClr">
+            <a:tint val="95000"/>
+            <a:satMod val="170000"/>
+          </a:schemeClr>
+        </a:solidFill>
+        <a:gradFill rotWithShape="1">
+          <a:gsLst>
+            <a:gs pos="0">
+              <a:schemeClr val="phClr">
+                <a:tint val="93000"/>
+                <a:satMod val="150000"/>
+                <a:shade val="98000"/>
+                <a:lumMod val="102000"/>
+              </a:schemeClr>
+            </a:gs>
+            <a:gs pos="50000">
+              <a:schemeClr val="phClr">
+                <a:tint val="98000"/>
+                <a:satMod val="130000"/>
+                <a:shade val="90000"/>
+                <a:lumMod val="103000"/>
+              </a:schemeClr>
+            </a:gs>
+            <a:gs pos="100000">
+              <a:schemeClr val="phClr">
+                <a:shade val="63000"/>
+                <a:satMod val="120000"/>
+              </a:schemeClr>
+            </a:gs>
+          </a:gsLst>
+          <a:lin ang="5400000" scaled="0"/>
+        </a:gradFill>
+      </a:bgFillStyleLst>
+    </a:fmtScheme>
+  </a:themeElements>
+  <a:objectDefaults/>
+  <a:extraClrSchemeLst/>
+  <a:extLst>
+    <a:ext uri="{05A4C25C-085E-4340-85A3-A5531E510DB2}">
+      <thm15:themeFamily xmlns:thm15="http://schemas.microsoft.com/office/thememl/2012/main" name="Office Theme" id="{62F939B6-93AF-4DB8-9C6B-D6C7DFDC589F}" vid="{4A3C46E8-61CC-4603-A589-7422A47A8E4A}"/>
+    </a:ext>
+  </a:extLst>
+</a:theme>
 </file>
--- a/praesentation/pandas-basic.pptx
+++ b/praesentation/pandas-basic.pptx
@@ -5,19 +5,21 @@
     <p:sldMasterId id="2147483660" r:id="rId1"/>
   </p:sldMasterIdLst>
   <p:handoutMasterIdLst>
-    <p:handoutMasterId r:id="rId12"/>
+    <p:handoutMasterId r:id="rId14"/>
   </p:handoutMasterIdLst>
   <p:sldIdLst>
-    <p:sldId id="256" r:id="rId2"/>
-    <p:sldId id="258" r:id="rId3"/>
-    <p:sldId id="262" r:id="rId4"/>
-    <p:sldId id="257" r:id="rId5"/>
-    <p:sldId id="259" r:id="rId6"/>
-    <p:sldId id="263" r:id="rId7"/>
-    <p:sldId id="261" r:id="rId8"/>
-    <p:sldId id="260" r:id="rId9"/>
-    <p:sldId id="264" r:id="rId10"/>
-    <p:sldId id="265" r:id="rId11"/>
+    <p:sldId id="268" r:id="rId2"/>
+    <p:sldId id="256" r:id="rId3"/>
+    <p:sldId id="258" r:id="rId4"/>
+    <p:sldId id="262" r:id="rId5"/>
+    <p:sldId id="257" r:id="rId6"/>
+    <p:sldId id="259" r:id="rId7"/>
+    <p:sldId id="263" r:id="rId8"/>
+    <p:sldId id="266" r:id="rId9"/>
+    <p:sldId id="261" r:id="rId10"/>
+    <p:sldId id="260" r:id="rId11"/>
+    <p:sldId id="264" r:id="rId12"/>
+    <p:sldId id="265" r:id="rId13"/>
   </p:sldIdLst>
   <p:sldSz cx="9144000" cy="6858000" type="screen4x3"/>
   <p:notesSz cx="6858000" cy="9144000"/>
@@ -221,7 +223,7 @@
           <a:p>
             <a:fld id="{C0891CEB-E06B-41A6-A791-A945BD77A2CE}" type="datetimeFigureOut">
               <a:rPr lang="de-DE" smtClean="0"/>
-              <a:t>06.07.2019</a:t>
+              <a:t>08.07.2019</a:t>
             </a:fld>
             <a:endParaRPr lang="de-DE"/>
           </a:p>
@@ -643,6 +645,263 @@
 </file>
 
 <file path=ppt/slideLayouts/slideLayout10.xml><?xml version="1.0" encoding="utf-8"?>
+<p:sldLayout xmlns:a="http://schemas.openxmlformats.org/drawingml/2006/main" xmlns:r="http://schemas.openxmlformats.org/officeDocument/2006/relationships" xmlns:p="http://schemas.openxmlformats.org/presentationml/2006/main" type="picTx" preserve="1">
+  <p:cSld name="Bild mit Überschrift">
+    <p:spTree>
+      <p:nvGrpSpPr>
+        <p:cNvPr id="1" name=""/>
+        <p:cNvGrpSpPr/>
+        <p:nvPr/>
+      </p:nvGrpSpPr>
+      <p:grpSpPr>
+        <a:xfrm>
+          <a:off x="0" y="0"/>
+          <a:ext cx="0" cy="0"/>
+          <a:chOff x="0" y="0"/>
+          <a:chExt cx="0" cy="0"/>
+        </a:xfrm>
+      </p:grpSpPr>
+      <p:sp>
+        <p:nvSpPr>
+          <p:cNvPr id="2" name="Title 1"/>
+          <p:cNvSpPr>
+            <a:spLocks noGrp="1"/>
+          </p:cNvSpPr>
+          <p:nvPr>
+            <p:ph type="title"/>
+          </p:nvPr>
+        </p:nvSpPr>
+        <p:spPr>
+          <a:xfrm>
+            <a:off x="629841" y="457200"/>
+            <a:ext cx="2949178" cy="1600200"/>
+          </a:xfrm>
+        </p:spPr>
+        <p:txBody>
+          <a:bodyPr anchor="b"/>
+          <a:lstStyle>
+            <a:lvl1pPr>
+              <a:defRPr sz="3200"/>
+            </a:lvl1pPr>
+          </a:lstStyle>
+          <a:p>
+            <a:r>
+              <a:rPr lang="de-DE"/>
+              <a:t>Mastertitelformat bearbeiten</a:t>
+            </a:r>
+            <a:endParaRPr lang="en-US" dirty="0"/>
+          </a:p>
+        </p:txBody>
+      </p:sp>
+      <p:sp>
+        <p:nvSpPr>
+          <p:cNvPr id="3" name="Picture Placeholder 2"/>
+          <p:cNvSpPr>
+            <a:spLocks noGrp="1" noChangeAspect="1"/>
+          </p:cNvSpPr>
+          <p:nvPr>
+            <p:ph type="pic" idx="1"/>
+          </p:nvPr>
+        </p:nvSpPr>
+        <p:spPr>
+          <a:xfrm>
+            <a:off x="3887391" y="987426"/>
+            <a:ext cx="4629150" cy="4873625"/>
+          </a:xfrm>
+        </p:spPr>
+        <p:txBody>
+          <a:bodyPr anchor="t"/>
+          <a:lstStyle>
+            <a:lvl1pPr marL="0" indent="0">
+              <a:buNone/>
+              <a:defRPr sz="3200"/>
+            </a:lvl1pPr>
+            <a:lvl2pPr marL="457200" indent="0">
+              <a:buNone/>
+              <a:defRPr sz="2800"/>
+            </a:lvl2pPr>
+            <a:lvl3pPr marL="914400" indent="0">
+              <a:buNone/>
+              <a:defRPr sz="2400"/>
+            </a:lvl3pPr>
+            <a:lvl4pPr marL="1371600" indent="0">
+              <a:buNone/>
+              <a:defRPr sz="2000"/>
+            </a:lvl4pPr>
+            <a:lvl5pPr marL="1828800" indent="0">
+              <a:buNone/>
+              <a:defRPr sz="2000"/>
+            </a:lvl5pPr>
+            <a:lvl6pPr marL="2286000" indent="0">
+              <a:buNone/>
+              <a:defRPr sz="2000"/>
+            </a:lvl6pPr>
+            <a:lvl7pPr marL="2743200" indent="0">
+              <a:buNone/>
+              <a:defRPr sz="2000"/>
+            </a:lvl7pPr>
+            <a:lvl8pPr marL="3200400" indent="0">
+              <a:buNone/>
+              <a:defRPr sz="2000"/>
+            </a:lvl8pPr>
+            <a:lvl9pPr marL="3657600" indent="0">
+              <a:buNone/>
+              <a:defRPr sz="2000"/>
+            </a:lvl9pPr>
+          </a:lstStyle>
+          <a:p>
+            <a:r>
+              <a:rPr lang="de-DE"/>
+              <a:t>Bild durch Klicken auf Symbol hinzufügen</a:t>
+            </a:r>
+            <a:endParaRPr lang="en-US" dirty="0"/>
+          </a:p>
+        </p:txBody>
+      </p:sp>
+      <p:sp>
+        <p:nvSpPr>
+          <p:cNvPr id="4" name="Text Placeholder 3"/>
+          <p:cNvSpPr>
+            <a:spLocks noGrp="1"/>
+          </p:cNvSpPr>
+          <p:nvPr>
+            <p:ph type="body" sz="half" idx="2"/>
+          </p:nvPr>
+        </p:nvSpPr>
+        <p:spPr>
+          <a:xfrm>
+            <a:off x="629841" y="2057400"/>
+            <a:ext cx="2949178" cy="3811588"/>
+          </a:xfrm>
+        </p:spPr>
+        <p:txBody>
+          <a:bodyPr/>
+          <a:lstStyle>
+            <a:lvl1pPr marL="0" indent="0">
+              <a:buNone/>
+              <a:defRPr sz="1600"/>
+            </a:lvl1pPr>
+            <a:lvl2pPr marL="457200" indent="0">
+              <a:buNone/>
+              <a:defRPr sz="1400"/>
+            </a:lvl2pPr>
+            <a:lvl3pPr marL="914400" indent="0">
+              <a:buNone/>
+              <a:defRPr sz="1200"/>
+            </a:lvl3pPr>
+            <a:lvl4pPr marL="1371600" indent="0">
+              <a:buNone/>
+              <a:defRPr sz="1000"/>
+            </a:lvl4pPr>
+            <a:lvl5pPr marL="1828800" indent="0">
+              <a:buNone/>
+              <a:defRPr sz="1000"/>
+            </a:lvl5pPr>
+            <a:lvl6pPr marL="2286000" indent="0">
+              <a:buNone/>
+              <a:defRPr sz="1000"/>
+            </a:lvl6pPr>
+            <a:lvl7pPr marL="2743200" indent="0">
+              <a:buNone/>
+              <a:defRPr sz="1000"/>
+            </a:lvl7pPr>
+            <a:lvl8pPr marL="3200400" indent="0">
+              <a:buNone/>
+              <a:defRPr sz="1000"/>
+            </a:lvl8pPr>
+            <a:lvl9pPr marL="3657600" indent="0">
+              <a:buNone/>
+              <a:defRPr sz="1000"/>
+            </a:lvl9pPr>
+          </a:lstStyle>
+          <a:p>
+            <a:pPr lvl="0"/>
+            <a:r>
+              <a:rPr lang="de-DE"/>
+              <a:t>Mastertextformat bearbeiten</a:t>
+            </a:r>
+          </a:p>
+        </p:txBody>
+      </p:sp>
+      <p:sp>
+        <p:nvSpPr>
+          <p:cNvPr id="5" name="Date Placeholder 4"/>
+          <p:cNvSpPr>
+            <a:spLocks noGrp="1"/>
+          </p:cNvSpPr>
+          <p:nvPr>
+            <p:ph type="dt" sz="half" idx="10"/>
+          </p:nvPr>
+        </p:nvSpPr>
+        <p:spPr/>
+        <p:txBody>
+          <a:bodyPr/>
+          <a:lstStyle/>
+          <a:p>
+            <a:fld id="{4C0C24D1-D28D-4714-8665-7C693EECAB22}" type="datetimeFigureOut">
+              <a:rPr lang="de-DE" smtClean="0"/>
+              <a:t>08.07.2019</a:t>
+            </a:fld>
+            <a:endParaRPr lang="de-DE"/>
+          </a:p>
+        </p:txBody>
+      </p:sp>
+      <p:sp>
+        <p:nvSpPr>
+          <p:cNvPr id="6" name="Footer Placeholder 5"/>
+          <p:cNvSpPr>
+            <a:spLocks noGrp="1"/>
+          </p:cNvSpPr>
+          <p:nvPr>
+            <p:ph type="ftr" sz="quarter" idx="11"/>
+          </p:nvPr>
+        </p:nvSpPr>
+        <p:spPr/>
+        <p:txBody>
+          <a:bodyPr/>
+          <a:lstStyle/>
+          <a:p>
+            <a:endParaRPr lang="de-DE"/>
+          </a:p>
+        </p:txBody>
+      </p:sp>
+      <p:sp>
+        <p:nvSpPr>
+          <p:cNvPr id="7" name="Slide Number Placeholder 6"/>
+          <p:cNvSpPr>
+            <a:spLocks noGrp="1"/>
+          </p:cNvSpPr>
+          <p:nvPr>
+            <p:ph type="sldNum" sz="quarter" idx="12"/>
+          </p:nvPr>
+        </p:nvSpPr>
+        <p:spPr/>
+        <p:txBody>
+          <a:bodyPr/>
+          <a:lstStyle/>
+          <a:p>
+            <a:fld id="{3D253553-47D5-46BF-BE57-6339A20A37E6}" type="slidenum">
+              <a:rPr lang="de-DE" smtClean="0"/>
+              <a:t>‹Nr.›</a:t>
+            </a:fld>
+            <a:endParaRPr lang="de-DE"/>
+          </a:p>
+        </p:txBody>
+      </p:sp>
+    </p:spTree>
+    <p:extLst>
+      <p:ext uri="{BB962C8B-B14F-4D97-AF65-F5344CB8AC3E}">
+        <p14:creationId xmlns:p14="http://schemas.microsoft.com/office/powerpoint/2010/main" val="684574362"/>
+      </p:ext>
+    </p:extLst>
+  </p:cSld>
+  <p:clrMapOvr>
+    <a:masterClrMapping/>
+  </p:clrMapOvr>
+</p:sldLayout>
+</file>
+
+<file path=ppt/slideLayouts/slideLayout11.xml><?xml version="1.0" encoding="utf-8"?>
 <p:sldLayout xmlns:a="http://schemas.openxmlformats.org/drawingml/2006/main" xmlns:r="http://schemas.openxmlformats.org/officeDocument/2006/relationships" xmlns:p="http://schemas.openxmlformats.org/presentationml/2006/main" type="vertTx" preserve="1">
   <p:cSld name="Titel und vertikaler Text">
     <p:spTree>
@@ -751,7 +1010,7 @@
           <a:p>
             <a:fld id="{4C0C24D1-D28D-4714-8665-7C693EECAB22}" type="datetimeFigureOut">
               <a:rPr lang="de-DE" smtClean="0"/>
-              <a:t>06.07.2019</a:t>
+              <a:t>08.07.2019</a:t>
             </a:fld>
             <a:endParaRPr lang="de-DE"/>
           </a:p>
@@ -812,7 +1071,7 @@
 </p:sldLayout>
 </file>
 
-<file path=ppt/slideLayouts/slideLayout11.xml><?xml version="1.0" encoding="utf-8"?>
+<file path=ppt/slideLayouts/slideLayout12.xml><?xml version="1.0" encoding="utf-8"?>
 <p:sldLayout xmlns:a="http://schemas.openxmlformats.org/drawingml/2006/main" xmlns:r="http://schemas.openxmlformats.org/officeDocument/2006/relationships" xmlns:p="http://schemas.openxmlformats.org/presentationml/2006/main" type="vertTitleAndTx" preserve="1">
   <p:cSld name="Vertikaler Titel und Text">
     <p:spTree>
@@ -931,7 +1190,7 @@
           <a:p>
             <a:fld id="{4C0C24D1-D28D-4714-8665-7C693EECAB22}" type="datetimeFigureOut">
               <a:rPr lang="de-DE" smtClean="0"/>
-              <a:t>06.07.2019</a:t>
+              <a:t>08.07.2019</a:t>
             </a:fld>
             <a:endParaRPr lang="de-DE"/>
           </a:p>
@@ -993,6 +1252,456 @@
 </file>
 
 <file path=ppt/slideLayouts/slideLayout2.xml><?xml version="1.0" encoding="utf-8"?>
+<p:sldLayout xmlns:a="http://schemas.openxmlformats.org/drawingml/2006/main" xmlns:r="http://schemas.openxmlformats.org/officeDocument/2006/relationships" xmlns:p="http://schemas.openxmlformats.org/presentationml/2006/main" preserve="1" userDrawn="1">
+  <p:cSld name="1_Titelfolie">
+    <p:spTree>
+      <p:nvGrpSpPr>
+        <p:cNvPr id="1" name=""/>
+        <p:cNvGrpSpPr/>
+        <p:nvPr/>
+      </p:nvGrpSpPr>
+      <p:grpSpPr>
+        <a:xfrm>
+          <a:off x="0" y="0"/>
+          <a:ext cx="0" cy="0"/>
+          <a:chOff x="0" y="0"/>
+          <a:chExt cx="0" cy="0"/>
+        </a:xfrm>
+      </p:grpSpPr>
+      <p:pic>
+        <p:nvPicPr>
+          <p:cNvPr id="15" name="Grafik 14">
+            <a:extLst>
+              <a:ext uri="{FF2B5EF4-FFF2-40B4-BE49-F238E27FC236}">
+                <a16:creationId xmlns:a16="http://schemas.microsoft.com/office/drawing/2014/main" id="{1CC6F3F9-EBC8-4A96-AE97-DA1E5116DD0A}"/>
+              </a:ext>
+            </a:extLst>
+          </p:cNvPr>
+          <p:cNvPicPr>
+            <a:picLocks noChangeAspect="1"/>
+          </p:cNvPicPr>
+          <p:nvPr userDrawn="1"/>
+        </p:nvPicPr>
+        <p:blipFill>
+          <a:blip r:embed="rId2">
+            <a:extLst>
+              <a:ext uri="{28A0092B-C50C-407E-A947-70E740481C1C}">
+                <a14:useLocalDpi xmlns:a14="http://schemas.microsoft.com/office/drawing/2010/main" val="0"/>
+              </a:ext>
+            </a:extLst>
+          </a:blip>
+          <a:stretch>
+            <a:fillRect/>
+          </a:stretch>
+        </p:blipFill>
+        <p:spPr>
+          <a:xfrm>
+            <a:off x="-396815" y="0"/>
+            <a:ext cx="9937630" cy="6858000"/>
+          </a:xfrm>
+          <a:prstGeom prst="rect">
+            <a:avLst/>
+          </a:prstGeom>
+        </p:spPr>
+      </p:pic>
+      <p:sp>
+        <p:nvSpPr>
+          <p:cNvPr id="8" name="Rechteck 7">
+            <a:extLst>
+              <a:ext uri="{FF2B5EF4-FFF2-40B4-BE49-F238E27FC236}">
+                <a16:creationId xmlns:a16="http://schemas.microsoft.com/office/drawing/2014/main" id="{BAA695F9-B25D-46BE-A2CE-A2ED7374195D}"/>
+              </a:ext>
+            </a:extLst>
+          </p:cNvPr>
+          <p:cNvSpPr/>
+          <p:nvPr userDrawn="1"/>
+        </p:nvSpPr>
+        <p:spPr>
+          <a:xfrm rot="16200000">
+            <a:off x="3994266" y="161391"/>
+            <a:ext cx="1155469" cy="9143999"/>
+          </a:xfrm>
+          <a:prstGeom prst="rect">
+            <a:avLst/>
+          </a:prstGeom>
+          <a:solidFill>
+            <a:srgbClr val="FFC000">
+              <a:alpha val="78000"/>
+            </a:srgbClr>
+          </a:solidFill>
+          <a:ln>
+            <a:noFill/>
+          </a:ln>
+        </p:spPr>
+        <p:style>
+          <a:lnRef idx="2">
+            <a:schemeClr val="accent1">
+              <a:shade val="50000"/>
+            </a:schemeClr>
+          </a:lnRef>
+          <a:fillRef idx="1">
+            <a:schemeClr val="accent1"/>
+          </a:fillRef>
+          <a:effectRef idx="0">
+            <a:schemeClr val="accent1"/>
+          </a:effectRef>
+          <a:fontRef idx="minor">
+            <a:schemeClr val="lt1"/>
+          </a:fontRef>
+        </p:style>
+        <p:txBody>
+          <a:bodyPr rtlCol="0" anchor="ctr"/>
+          <a:lstStyle/>
+          <a:p>
+            <a:pPr algn="ctr"/>
+            <a:endParaRPr lang="de-DE" dirty="0"/>
+          </a:p>
+        </p:txBody>
+      </p:sp>
+      <p:sp>
+        <p:nvSpPr>
+          <p:cNvPr id="16" name="Textfeld 15">
+            <a:extLst>
+              <a:ext uri="{FF2B5EF4-FFF2-40B4-BE49-F238E27FC236}">
+                <a16:creationId xmlns:a16="http://schemas.microsoft.com/office/drawing/2014/main" id="{CC60053D-F66F-4BD1-9763-7478B67674BC}"/>
+              </a:ext>
+            </a:extLst>
+          </p:cNvPr>
+          <p:cNvSpPr txBox="1"/>
+          <p:nvPr userDrawn="1"/>
+        </p:nvSpPr>
+        <p:spPr>
+          <a:xfrm>
+            <a:off x="1711935" y="4380505"/>
+            <a:ext cx="7347005" cy="461665"/>
+          </a:xfrm>
+          <a:prstGeom prst="rect">
+            <a:avLst/>
+          </a:prstGeom>
+          <a:noFill/>
+        </p:spPr>
+        <p:txBody>
+          <a:bodyPr wrap="square" rtlCol="0">
+            <a:spAutoFit/>
+          </a:bodyPr>
+          <a:lstStyle/>
+          <a:p>
+            <a:pPr algn="ctr"/>
+            <a:r>
+              <a:rPr lang="de-DE" sz="2000" dirty="0">
+                <a:solidFill>
+                  <a:schemeClr val="bg1"/>
+                </a:solidFill>
+                <a:latin typeface="Roboto" panose="02000000000000000000" pitchFamily="2" charset="0"/>
+                <a:ea typeface="Roboto" panose="02000000000000000000" pitchFamily="2" charset="0"/>
+              </a:rPr>
+              <a:t>DATEN ANALYSIEREN MIT </a:t>
+            </a:r>
+            <a:r>
+              <a:rPr lang="de-DE" sz="2400" b="1" dirty="0">
+                <a:solidFill>
+                  <a:schemeClr val="bg1"/>
+                </a:solidFill>
+                <a:latin typeface="Roboto" panose="02000000000000000000" pitchFamily="2" charset="0"/>
+                <a:ea typeface="Roboto" panose="02000000000000000000" pitchFamily="2" charset="0"/>
+              </a:rPr>
+              <a:t>PYTHON</a:t>
+            </a:r>
+            <a:r>
+              <a:rPr lang="de-DE" sz="2000" dirty="0">
+                <a:solidFill>
+                  <a:schemeClr val="bg1"/>
+                </a:solidFill>
+                <a:latin typeface="Roboto" panose="02000000000000000000" pitchFamily="2" charset="0"/>
+                <a:ea typeface="Roboto" panose="02000000000000000000" pitchFamily="2" charset="0"/>
+              </a:rPr>
+              <a:t> UND </a:t>
+            </a:r>
+            <a:r>
+              <a:rPr lang="de-DE" sz="2400" b="1" dirty="0">
+                <a:solidFill>
+                  <a:schemeClr val="bg1"/>
+                </a:solidFill>
+                <a:latin typeface="Roboto" panose="02000000000000000000" pitchFamily="2" charset="0"/>
+                <a:ea typeface="Roboto" panose="02000000000000000000" pitchFamily="2" charset="0"/>
+              </a:rPr>
+              <a:t>PANDAS</a:t>
+            </a:r>
+            <a:endParaRPr lang="de-DE" sz="2000" b="1" dirty="0">
+              <a:solidFill>
+                <a:schemeClr val="bg1"/>
+              </a:solidFill>
+              <a:latin typeface="Roboto" panose="02000000000000000000" pitchFamily="2" charset="0"/>
+              <a:ea typeface="Roboto" panose="02000000000000000000" pitchFamily="2" charset="0"/>
+            </a:endParaRPr>
+          </a:p>
+        </p:txBody>
+      </p:sp>
+      <p:sp>
+        <p:nvSpPr>
+          <p:cNvPr id="17" name="Rechteck 16">
+            <a:extLst>
+              <a:ext uri="{FF2B5EF4-FFF2-40B4-BE49-F238E27FC236}">
+                <a16:creationId xmlns:a16="http://schemas.microsoft.com/office/drawing/2014/main" id="{5A5C44BB-A5FB-41FE-9288-62E41B07DF64}"/>
+              </a:ext>
+            </a:extLst>
+          </p:cNvPr>
+          <p:cNvSpPr/>
+          <p:nvPr userDrawn="1"/>
+        </p:nvSpPr>
+        <p:spPr>
+          <a:xfrm>
+            <a:off x="0" y="4155655"/>
+            <a:ext cx="1796995" cy="1147937"/>
+          </a:xfrm>
+          <a:prstGeom prst="rect">
+            <a:avLst/>
+          </a:prstGeom>
+          <a:solidFill>
+            <a:schemeClr val="bg1"/>
+          </a:solidFill>
+          <a:ln>
+            <a:noFill/>
+          </a:ln>
+        </p:spPr>
+        <p:style>
+          <a:lnRef idx="2">
+            <a:schemeClr val="accent1">
+              <a:shade val="50000"/>
+            </a:schemeClr>
+          </a:lnRef>
+          <a:fillRef idx="1">
+            <a:schemeClr val="accent1"/>
+          </a:fillRef>
+          <a:effectRef idx="0">
+            <a:schemeClr val="accent1"/>
+          </a:effectRef>
+          <a:fontRef idx="minor">
+            <a:schemeClr val="lt1"/>
+          </a:fontRef>
+        </p:style>
+        <p:txBody>
+          <a:bodyPr rtlCol="0" anchor="ctr"/>
+          <a:lstStyle/>
+          <a:p>
+            <a:pPr algn="ctr"/>
+            <a:endParaRPr lang="de-DE"/>
+          </a:p>
+        </p:txBody>
+      </p:sp>
+      <p:pic>
+        <p:nvPicPr>
+          <p:cNvPr id="9" name="Inhaltsplatzhalter 4">
+            <a:extLst>
+              <a:ext uri="{FF2B5EF4-FFF2-40B4-BE49-F238E27FC236}">
+                <a16:creationId xmlns:a16="http://schemas.microsoft.com/office/drawing/2014/main" id="{95708682-CAB4-4EF9-9B89-010C212B5893}"/>
+              </a:ext>
+            </a:extLst>
+          </p:cNvPr>
+          <p:cNvPicPr>
+            <a:picLocks noChangeAspect="1"/>
+          </p:cNvPicPr>
+          <p:nvPr userDrawn="1"/>
+        </p:nvPicPr>
+        <p:blipFill rotWithShape="1">
+          <a:blip r:embed="rId3">
+            <a:extLst>
+              <a:ext uri="{28A0092B-C50C-407E-A947-70E740481C1C}">
+                <a14:useLocalDpi xmlns:a14="http://schemas.microsoft.com/office/drawing/2010/main" val="0"/>
+              </a:ext>
+            </a:extLst>
+          </a:blip>
+          <a:srcRect t="21947"/>
+          <a:stretch/>
+        </p:blipFill>
+        <p:spPr>
+          <a:xfrm>
+            <a:off x="481876" y="4148122"/>
+            <a:ext cx="833244" cy="1033258"/>
+          </a:xfrm>
+          <a:prstGeom prst="rect">
+            <a:avLst/>
+          </a:prstGeom>
+        </p:spPr>
+      </p:pic>
+      <p:sp>
+        <p:nvSpPr>
+          <p:cNvPr id="18" name="Textfeld 17">
+            <a:extLst>
+              <a:ext uri="{FF2B5EF4-FFF2-40B4-BE49-F238E27FC236}">
+                <a16:creationId xmlns:a16="http://schemas.microsoft.com/office/drawing/2014/main" id="{F730645F-0FFC-4A88-9F50-6802A04EA827}"/>
+              </a:ext>
+            </a:extLst>
+          </p:cNvPr>
+          <p:cNvSpPr txBox="1"/>
+          <p:nvPr userDrawn="1"/>
+        </p:nvSpPr>
+        <p:spPr>
+          <a:xfrm>
+            <a:off x="1711935" y="4753926"/>
+            <a:ext cx="7347005" cy="338554"/>
+          </a:xfrm>
+          <a:prstGeom prst="rect">
+            <a:avLst/>
+          </a:prstGeom>
+          <a:noFill/>
+        </p:spPr>
+        <p:txBody>
+          <a:bodyPr wrap="square" rtlCol="0">
+            <a:spAutoFit/>
+          </a:bodyPr>
+          <a:lstStyle/>
+          <a:p>
+            <a:pPr algn="ctr"/>
+            <a:r>
+              <a:rPr lang="de-DE" sz="1600" i="1" dirty="0">
+                <a:solidFill>
+                  <a:schemeClr val="bg1"/>
+                </a:solidFill>
+              </a:rPr>
+              <a:t>Max Mönch</a:t>
+            </a:r>
+          </a:p>
+        </p:txBody>
+      </p:sp>
+      <p:sp>
+        <p:nvSpPr>
+          <p:cNvPr id="10" name="Rechteck 9">
+            <a:extLst>
+              <a:ext uri="{FF2B5EF4-FFF2-40B4-BE49-F238E27FC236}">
+                <a16:creationId xmlns:a16="http://schemas.microsoft.com/office/drawing/2014/main" id="{D72DDC5E-4D5B-4964-8C57-8FFE5288956E}"/>
+              </a:ext>
+            </a:extLst>
+          </p:cNvPr>
+          <p:cNvSpPr/>
+          <p:nvPr userDrawn="1"/>
+        </p:nvSpPr>
+        <p:spPr>
+          <a:xfrm rot="16200000">
+            <a:off x="3771087" y="-1224792"/>
+            <a:ext cx="3398822" cy="7347006"/>
+          </a:xfrm>
+          <a:prstGeom prst="rect">
+            <a:avLst/>
+          </a:prstGeom>
+          <a:solidFill>
+            <a:schemeClr val="bg1">
+              <a:alpha val="74000"/>
+            </a:schemeClr>
+          </a:solidFill>
+          <a:ln>
+            <a:noFill/>
+          </a:ln>
+        </p:spPr>
+        <p:style>
+          <a:lnRef idx="2">
+            <a:schemeClr val="accent1"/>
+          </a:lnRef>
+          <a:fillRef idx="1">
+            <a:schemeClr val="lt1"/>
+          </a:fillRef>
+          <a:effectRef idx="0">
+            <a:schemeClr val="accent1"/>
+          </a:effectRef>
+          <a:fontRef idx="minor">
+            <a:schemeClr val="dk1"/>
+          </a:fontRef>
+        </p:style>
+        <p:txBody>
+          <a:bodyPr rtlCol="0" anchor="ctr"/>
+          <a:lstStyle/>
+          <a:p>
+            <a:pPr algn="ctr"/>
+            <a:endParaRPr lang="de-DE" dirty="0"/>
+          </a:p>
+        </p:txBody>
+      </p:sp>
+      <p:sp>
+        <p:nvSpPr>
+          <p:cNvPr id="2" name="Textfeld 1">
+            <a:extLst>
+              <a:ext uri="{FF2B5EF4-FFF2-40B4-BE49-F238E27FC236}">
+                <a16:creationId xmlns:a16="http://schemas.microsoft.com/office/drawing/2014/main" id="{7BB13F3B-09B8-4674-A59D-52F32D8C3E24}"/>
+              </a:ext>
+            </a:extLst>
+          </p:cNvPr>
+          <p:cNvSpPr txBox="1"/>
+          <p:nvPr userDrawn="1"/>
+        </p:nvSpPr>
+        <p:spPr>
+          <a:xfrm>
+            <a:off x="1796993" y="1231900"/>
+            <a:ext cx="7347007" cy="923330"/>
+          </a:xfrm>
+          <a:prstGeom prst="rect">
+            <a:avLst/>
+          </a:prstGeom>
+          <a:noFill/>
+        </p:spPr>
+        <p:txBody>
+          <a:bodyPr wrap="square" rtlCol="0">
+            <a:spAutoFit/>
+          </a:bodyPr>
+          <a:lstStyle/>
+          <a:p>
+            <a:pPr algn="ctr"/>
+            <a:r>
+              <a:rPr lang="de-DE" sz="5400" dirty="0"/>
+              <a:t>KLEINE RUHEPAUSE</a:t>
+            </a:r>
+          </a:p>
+        </p:txBody>
+      </p:sp>
+      <p:sp>
+        <p:nvSpPr>
+          <p:cNvPr id="3" name="Textfeld 2">
+            <a:extLst>
+              <a:ext uri="{FF2B5EF4-FFF2-40B4-BE49-F238E27FC236}">
+                <a16:creationId xmlns:a16="http://schemas.microsoft.com/office/drawing/2014/main" id="{80CBD5C5-1D2F-440F-BCD5-C00418DC4BDD}"/>
+              </a:ext>
+            </a:extLst>
+          </p:cNvPr>
+          <p:cNvSpPr txBox="1"/>
+          <p:nvPr userDrawn="1"/>
+        </p:nvSpPr>
+        <p:spPr>
+          <a:xfrm>
+            <a:off x="1796993" y="2019300"/>
+            <a:ext cx="7347007" cy="461665"/>
+          </a:xfrm>
+          <a:prstGeom prst="rect">
+            <a:avLst/>
+          </a:prstGeom>
+          <a:noFill/>
+        </p:spPr>
+        <p:txBody>
+          <a:bodyPr wrap="square" rtlCol="0">
+            <a:spAutoFit/>
+          </a:bodyPr>
+          <a:lstStyle/>
+          <a:p>
+            <a:pPr algn="ctr"/>
+            <a:r>
+              <a:rPr lang="de-DE" sz="2400" i="1" dirty="0"/>
+              <a:t>Weiter geht’s um</a:t>
+            </a:r>
+          </a:p>
+        </p:txBody>
+      </p:sp>
+    </p:spTree>
+    <p:extLst>
+      <p:ext uri="{BB962C8B-B14F-4D97-AF65-F5344CB8AC3E}">
+        <p14:creationId xmlns:p14="http://schemas.microsoft.com/office/powerpoint/2010/main" val="4203963450"/>
+      </p:ext>
+    </p:extLst>
+  </p:cSld>
+  <p:clrMapOvr>
+    <a:masterClrMapping/>
+  </p:clrMapOvr>
+</p:sldLayout>
+</file>
+
+<file path=ppt/slideLayouts/slideLayout3.xml><?xml version="1.0" encoding="utf-8"?>
 <p:sldLayout xmlns:a="http://schemas.openxmlformats.org/drawingml/2006/main" xmlns:r="http://schemas.openxmlformats.org/officeDocument/2006/relationships" xmlns:p="http://schemas.openxmlformats.org/presentationml/2006/main" preserve="1" userDrawn="1">
   <p:cSld name="Titel und Inhalt">
     <p:spTree>
@@ -1031,7 +1740,10 @@
           </a:bodyPr>
           <a:lstStyle>
             <a:lvl1pPr>
-              <a:defRPr sz="2800"/>
+              <a:defRPr sz="2800">
+                <a:latin typeface="Roboto" panose="02000000000000000000" pitchFamily="2" charset="0"/>
+                <a:ea typeface="Roboto" panose="02000000000000000000" pitchFamily="2" charset="0"/>
+              </a:defRPr>
             </a:lvl1pPr>
           </a:lstStyle>
           <a:p>
@@ -1061,7 +1773,14 @@
         </p:spPr>
         <p:txBody>
           <a:bodyPr/>
-          <a:lstStyle/>
+          <a:lstStyle>
+            <a:lvl1pPr>
+              <a:defRPr sz="2400"/>
+            </a:lvl1pPr>
+            <a:lvl2pPr>
+              <a:defRPr sz="2000"/>
+            </a:lvl2pPr>
+          </a:lstStyle>
           <a:p>
             <a:pPr lvl="0"/>
             <a:r>
@@ -1318,7 +2037,7 @@
 </p:sldLayout>
 </file>
 
-<file path=ppt/slideLayouts/slideLayout3.xml><?xml version="1.0" encoding="utf-8"?>
+<file path=ppt/slideLayouts/slideLayout4.xml><?xml version="1.0" encoding="utf-8"?>
 <p:sldLayout xmlns:a="http://schemas.openxmlformats.org/drawingml/2006/main" xmlns:r="http://schemas.openxmlformats.org/officeDocument/2006/relationships" xmlns:p="http://schemas.openxmlformats.org/presentationml/2006/main" type="secHead" preserve="1">
   <p:cSld name="Abschnitts-&#10;überschrift">
     <p:spTree>
@@ -1501,7 +2220,7 @@
           <a:p>
             <a:fld id="{4C0C24D1-D28D-4714-8665-7C693EECAB22}" type="datetimeFigureOut">
               <a:rPr lang="de-DE" smtClean="0"/>
-              <a:t>06.07.2019</a:t>
+              <a:t>08.07.2019</a:t>
             </a:fld>
             <a:endParaRPr lang="de-DE"/>
           </a:p>
@@ -1562,7 +2281,7 @@
 </p:sldLayout>
 </file>
 
-<file path=ppt/slideLayouts/slideLayout4.xml><?xml version="1.0" encoding="utf-8"?>
+<file path=ppt/slideLayouts/slideLayout5.xml><?xml version="1.0" encoding="utf-8"?>
 <p:sldLayout xmlns:a="http://schemas.openxmlformats.org/drawingml/2006/main" xmlns:r="http://schemas.openxmlformats.org/officeDocument/2006/relationships" xmlns:p="http://schemas.openxmlformats.org/presentationml/2006/main" type="twoObj" preserve="1">
   <p:cSld name="Zwei Inhalte">
     <p:spTree>
@@ -1733,7 +2452,7 @@
           <a:p>
             <a:fld id="{4C0C24D1-D28D-4714-8665-7C693EECAB22}" type="datetimeFigureOut">
               <a:rPr lang="de-DE" smtClean="0"/>
-              <a:t>06.07.2019</a:t>
+              <a:t>08.07.2019</a:t>
             </a:fld>
             <a:endParaRPr lang="de-DE"/>
           </a:p>
@@ -1794,7 +2513,7 @@
 </p:sldLayout>
 </file>
 
-<file path=ppt/slideLayouts/slideLayout5.xml><?xml version="1.0" encoding="utf-8"?>
+<file path=ppt/slideLayouts/slideLayout6.xml><?xml version="1.0" encoding="utf-8"?>
 <p:sldLayout xmlns:a="http://schemas.openxmlformats.org/drawingml/2006/main" xmlns:r="http://schemas.openxmlformats.org/officeDocument/2006/relationships" xmlns:p="http://schemas.openxmlformats.org/presentationml/2006/main" type="twoTxTwoObj" preserve="1">
   <p:cSld name="Vergleich">
     <p:spTree>
@@ -2100,7 +2819,7 @@
           <a:p>
             <a:fld id="{4C0C24D1-D28D-4714-8665-7C693EECAB22}" type="datetimeFigureOut">
               <a:rPr lang="de-DE" smtClean="0"/>
-              <a:t>06.07.2019</a:t>
+              <a:t>08.07.2019</a:t>
             </a:fld>
             <a:endParaRPr lang="de-DE"/>
           </a:p>
@@ -2161,7 +2880,7 @@
 </p:sldLayout>
 </file>
 
-<file path=ppt/slideLayouts/slideLayout6.xml><?xml version="1.0" encoding="utf-8"?>
+<file path=ppt/slideLayouts/slideLayout7.xml><?xml version="1.0" encoding="utf-8"?>
 <p:sldLayout xmlns:a="http://schemas.openxmlformats.org/drawingml/2006/main" xmlns:r="http://schemas.openxmlformats.org/officeDocument/2006/relationships" xmlns:p="http://schemas.openxmlformats.org/presentationml/2006/main" type="titleOnly" preserve="1">
   <p:cSld name="Nur Titel">
     <p:spTree>
@@ -2218,7 +2937,7 @@
           <a:p>
             <a:fld id="{4C0C24D1-D28D-4714-8665-7C693EECAB22}" type="datetimeFigureOut">
               <a:rPr lang="de-DE" smtClean="0"/>
-              <a:t>06.07.2019</a:t>
+              <a:t>08.07.2019</a:t>
             </a:fld>
             <a:endParaRPr lang="de-DE"/>
           </a:p>
@@ -2279,7 +2998,7 @@
 </p:sldLayout>
 </file>
 
-<file path=ppt/slideLayouts/slideLayout7.xml><?xml version="1.0" encoding="utf-8"?>
+<file path=ppt/slideLayouts/slideLayout8.xml><?xml version="1.0" encoding="utf-8"?>
 <p:sldLayout xmlns:a="http://schemas.openxmlformats.org/drawingml/2006/main" xmlns:r="http://schemas.openxmlformats.org/officeDocument/2006/relationships" xmlns:p="http://schemas.openxmlformats.org/presentationml/2006/main" type="blank" preserve="1">
   <p:cSld name="Leer">
     <p:spTree>
@@ -2313,7 +3032,7 @@
           <a:p>
             <a:fld id="{4C0C24D1-D28D-4714-8665-7C693EECAB22}" type="datetimeFigureOut">
               <a:rPr lang="de-DE" smtClean="0"/>
-              <a:t>06.07.2019</a:t>
+              <a:t>08.07.2019</a:t>
             </a:fld>
             <a:endParaRPr lang="de-DE"/>
           </a:p>
@@ -2374,7 +3093,7 @@
 </p:sldLayout>
 </file>
 
-<file path=ppt/slideLayouts/slideLayout8.xml><?xml version="1.0" encoding="utf-8"?>
+<file path=ppt/slideLayouts/slideLayout9.xml><?xml version="1.0" encoding="utf-8"?>
 <p:sldLayout xmlns:a="http://schemas.openxmlformats.org/drawingml/2006/main" xmlns:r="http://schemas.openxmlformats.org/officeDocument/2006/relationships" xmlns:p="http://schemas.openxmlformats.org/presentationml/2006/main" type="objTx" preserve="1">
   <p:cSld name="Inhalt mit Überschrift">
     <p:spTree>
@@ -2590,7 +3309,7 @@
           <a:p>
             <a:fld id="{4C0C24D1-D28D-4714-8665-7C693EECAB22}" type="datetimeFigureOut">
               <a:rPr lang="de-DE" smtClean="0"/>
-              <a:t>06.07.2019</a:t>
+              <a:t>08.07.2019</a:t>
             </a:fld>
             <a:endParaRPr lang="de-DE"/>
           </a:p>
@@ -2642,263 +3361,6 @@
     <p:extLst>
       <p:ext uri="{BB962C8B-B14F-4D97-AF65-F5344CB8AC3E}">
         <p14:creationId xmlns:p14="http://schemas.microsoft.com/office/powerpoint/2010/main" val="743921284"/>
-      </p:ext>
-    </p:extLst>
-  </p:cSld>
-  <p:clrMapOvr>
-    <a:masterClrMapping/>
-  </p:clrMapOvr>
-</p:sldLayout>
-</file>
-
-<file path=ppt/slideLayouts/slideLayout9.xml><?xml version="1.0" encoding="utf-8"?>
-<p:sldLayout xmlns:a="http://schemas.openxmlformats.org/drawingml/2006/main" xmlns:r="http://schemas.openxmlformats.org/officeDocument/2006/relationships" xmlns:p="http://schemas.openxmlformats.org/presentationml/2006/main" type="picTx" preserve="1">
-  <p:cSld name="Bild mit Überschrift">
-    <p:spTree>
-      <p:nvGrpSpPr>
-        <p:cNvPr id="1" name=""/>
-        <p:cNvGrpSpPr/>
-        <p:nvPr/>
-      </p:nvGrpSpPr>
-      <p:grpSpPr>
-        <a:xfrm>
-          <a:off x="0" y="0"/>
-          <a:ext cx="0" cy="0"/>
-          <a:chOff x="0" y="0"/>
-          <a:chExt cx="0" cy="0"/>
-        </a:xfrm>
-      </p:grpSpPr>
-      <p:sp>
-        <p:nvSpPr>
-          <p:cNvPr id="2" name="Title 1"/>
-          <p:cNvSpPr>
-            <a:spLocks noGrp="1"/>
-          </p:cNvSpPr>
-          <p:nvPr>
-            <p:ph type="title"/>
-          </p:nvPr>
-        </p:nvSpPr>
-        <p:spPr>
-          <a:xfrm>
-            <a:off x="629841" y="457200"/>
-            <a:ext cx="2949178" cy="1600200"/>
-          </a:xfrm>
-        </p:spPr>
-        <p:txBody>
-          <a:bodyPr anchor="b"/>
-          <a:lstStyle>
-            <a:lvl1pPr>
-              <a:defRPr sz="3200"/>
-            </a:lvl1pPr>
-          </a:lstStyle>
-          <a:p>
-            <a:r>
-              <a:rPr lang="de-DE"/>
-              <a:t>Mastertitelformat bearbeiten</a:t>
-            </a:r>
-            <a:endParaRPr lang="en-US" dirty="0"/>
-          </a:p>
-        </p:txBody>
-      </p:sp>
-      <p:sp>
-        <p:nvSpPr>
-          <p:cNvPr id="3" name="Picture Placeholder 2"/>
-          <p:cNvSpPr>
-            <a:spLocks noGrp="1" noChangeAspect="1"/>
-          </p:cNvSpPr>
-          <p:nvPr>
-            <p:ph type="pic" idx="1"/>
-          </p:nvPr>
-        </p:nvSpPr>
-        <p:spPr>
-          <a:xfrm>
-            <a:off x="3887391" y="987426"/>
-            <a:ext cx="4629150" cy="4873625"/>
-          </a:xfrm>
-        </p:spPr>
-        <p:txBody>
-          <a:bodyPr anchor="t"/>
-          <a:lstStyle>
-            <a:lvl1pPr marL="0" indent="0">
-              <a:buNone/>
-              <a:defRPr sz="3200"/>
-            </a:lvl1pPr>
-            <a:lvl2pPr marL="457200" indent="0">
-              <a:buNone/>
-              <a:defRPr sz="2800"/>
-            </a:lvl2pPr>
-            <a:lvl3pPr marL="914400" indent="0">
-              <a:buNone/>
-              <a:defRPr sz="2400"/>
-            </a:lvl3pPr>
-            <a:lvl4pPr marL="1371600" indent="0">
-              <a:buNone/>
-              <a:defRPr sz="2000"/>
-            </a:lvl4pPr>
-            <a:lvl5pPr marL="1828800" indent="0">
-              <a:buNone/>
-              <a:defRPr sz="2000"/>
-            </a:lvl5pPr>
-            <a:lvl6pPr marL="2286000" indent="0">
-              <a:buNone/>
-              <a:defRPr sz="2000"/>
-            </a:lvl6pPr>
-            <a:lvl7pPr marL="2743200" indent="0">
-              <a:buNone/>
-              <a:defRPr sz="2000"/>
-            </a:lvl7pPr>
-            <a:lvl8pPr marL="3200400" indent="0">
-              <a:buNone/>
-              <a:defRPr sz="2000"/>
-            </a:lvl8pPr>
-            <a:lvl9pPr marL="3657600" indent="0">
-              <a:buNone/>
-              <a:defRPr sz="2000"/>
-            </a:lvl9pPr>
-          </a:lstStyle>
-          <a:p>
-            <a:r>
-              <a:rPr lang="de-DE"/>
-              <a:t>Bild durch Klicken auf Symbol hinzufügen</a:t>
-            </a:r>
-            <a:endParaRPr lang="en-US" dirty="0"/>
-          </a:p>
-        </p:txBody>
-      </p:sp>
-      <p:sp>
-        <p:nvSpPr>
-          <p:cNvPr id="4" name="Text Placeholder 3"/>
-          <p:cNvSpPr>
-            <a:spLocks noGrp="1"/>
-          </p:cNvSpPr>
-          <p:nvPr>
-            <p:ph type="body" sz="half" idx="2"/>
-          </p:nvPr>
-        </p:nvSpPr>
-        <p:spPr>
-          <a:xfrm>
-            <a:off x="629841" y="2057400"/>
-            <a:ext cx="2949178" cy="3811588"/>
-          </a:xfrm>
-        </p:spPr>
-        <p:txBody>
-          <a:bodyPr/>
-          <a:lstStyle>
-            <a:lvl1pPr marL="0" indent="0">
-              <a:buNone/>
-              <a:defRPr sz="1600"/>
-            </a:lvl1pPr>
-            <a:lvl2pPr marL="457200" indent="0">
-              <a:buNone/>
-              <a:defRPr sz="1400"/>
-            </a:lvl2pPr>
-            <a:lvl3pPr marL="914400" indent="0">
-              <a:buNone/>
-              <a:defRPr sz="1200"/>
-            </a:lvl3pPr>
-            <a:lvl4pPr marL="1371600" indent="0">
-              <a:buNone/>
-              <a:defRPr sz="1000"/>
-            </a:lvl4pPr>
-            <a:lvl5pPr marL="1828800" indent="0">
-              <a:buNone/>
-              <a:defRPr sz="1000"/>
-            </a:lvl5pPr>
-            <a:lvl6pPr marL="2286000" indent="0">
-              <a:buNone/>
-              <a:defRPr sz="1000"/>
-            </a:lvl6pPr>
-            <a:lvl7pPr marL="2743200" indent="0">
-              <a:buNone/>
-              <a:defRPr sz="1000"/>
-            </a:lvl7pPr>
-            <a:lvl8pPr marL="3200400" indent="0">
-              <a:buNone/>
-              <a:defRPr sz="1000"/>
-            </a:lvl8pPr>
-            <a:lvl9pPr marL="3657600" indent="0">
-              <a:buNone/>
-              <a:defRPr sz="1000"/>
-            </a:lvl9pPr>
-          </a:lstStyle>
-          <a:p>
-            <a:pPr lvl="0"/>
-            <a:r>
-              <a:rPr lang="de-DE"/>
-              <a:t>Mastertextformat bearbeiten</a:t>
-            </a:r>
-          </a:p>
-        </p:txBody>
-      </p:sp>
-      <p:sp>
-        <p:nvSpPr>
-          <p:cNvPr id="5" name="Date Placeholder 4"/>
-          <p:cNvSpPr>
-            <a:spLocks noGrp="1"/>
-          </p:cNvSpPr>
-          <p:nvPr>
-            <p:ph type="dt" sz="half" idx="10"/>
-          </p:nvPr>
-        </p:nvSpPr>
-        <p:spPr/>
-        <p:txBody>
-          <a:bodyPr/>
-          <a:lstStyle/>
-          <a:p>
-            <a:fld id="{4C0C24D1-D28D-4714-8665-7C693EECAB22}" type="datetimeFigureOut">
-              <a:rPr lang="de-DE" smtClean="0"/>
-              <a:t>06.07.2019</a:t>
-            </a:fld>
-            <a:endParaRPr lang="de-DE"/>
-          </a:p>
-        </p:txBody>
-      </p:sp>
-      <p:sp>
-        <p:nvSpPr>
-          <p:cNvPr id="6" name="Footer Placeholder 5"/>
-          <p:cNvSpPr>
-            <a:spLocks noGrp="1"/>
-          </p:cNvSpPr>
-          <p:nvPr>
-            <p:ph type="ftr" sz="quarter" idx="11"/>
-          </p:nvPr>
-        </p:nvSpPr>
-        <p:spPr/>
-        <p:txBody>
-          <a:bodyPr/>
-          <a:lstStyle/>
-          <a:p>
-            <a:endParaRPr lang="de-DE"/>
-          </a:p>
-        </p:txBody>
-      </p:sp>
-      <p:sp>
-        <p:nvSpPr>
-          <p:cNvPr id="7" name="Slide Number Placeholder 6"/>
-          <p:cNvSpPr>
-            <a:spLocks noGrp="1"/>
-          </p:cNvSpPr>
-          <p:nvPr>
-            <p:ph type="sldNum" sz="quarter" idx="12"/>
-          </p:nvPr>
-        </p:nvSpPr>
-        <p:spPr/>
-        <p:txBody>
-          <a:bodyPr/>
-          <a:lstStyle/>
-          <a:p>
-            <a:fld id="{3D253553-47D5-46BF-BE57-6339A20A37E6}" type="slidenum">
-              <a:rPr lang="de-DE" smtClean="0"/>
-              <a:t>‹Nr.›</a:t>
-            </a:fld>
-            <a:endParaRPr lang="de-DE"/>
-          </a:p>
-        </p:txBody>
-      </p:sp>
-    </p:spTree>
-    <p:extLst>
-      <p:ext uri="{BB962C8B-B14F-4D97-AF65-F5344CB8AC3E}">
-        <p14:creationId xmlns:p14="http://schemas.microsoft.com/office/powerpoint/2010/main" val="684574362"/>
       </p:ext>
     </p:extLst>
   </p:cSld>
@@ -3060,7 +3522,7 @@
           <a:p>
             <a:fld id="{4C0C24D1-D28D-4714-8665-7C693EECAB22}" type="datetimeFigureOut">
               <a:rPr lang="de-DE" smtClean="0"/>
-              <a:t>06.07.2019</a:t>
+              <a:t>08.07.2019</a:t>
             </a:fld>
             <a:endParaRPr lang="de-DE"/>
           </a:p>
@@ -3154,16 +3616,17 @@
   <p:clrMap bg1="lt1" tx1="dk1" bg2="lt2" tx2="dk2" accent1="accent1" accent2="accent2" accent3="accent3" accent4="accent4" accent5="accent5" accent6="accent6" hlink="hlink" folHlink="folHlink"/>
   <p:sldLayoutIdLst>
     <p:sldLayoutId id="2147483661" r:id="rId1"/>
-    <p:sldLayoutId id="2147483662" r:id="rId2"/>
-    <p:sldLayoutId id="2147483663" r:id="rId3"/>
-    <p:sldLayoutId id="2147483664" r:id="rId4"/>
-    <p:sldLayoutId id="2147483665" r:id="rId5"/>
-    <p:sldLayoutId id="2147483666" r:id="rId6"/>
-    <p:sldLayoutId id="2147483667" r:id="rId7"/>
-    <p:sldLayoutId id="2147483668" r:id="rId8"/>
-    <p:sldLayoutId id="2147483669" r:id="rId9"/>
-    <p:sldLayoutId id="2147483670" r:id="rId10"/>
-    <p:sldLayoutId id="2147483671" r:id="rId11"/>
+    <p:sldLayoutId id="2147483672" r:id="rId2"/>
+    <p:sldLayoutId id="2147483662" r:id="rId3"/>
+    <p:sldLayoutId id="2147483663" r:id="rId4"/>
+    <p:sldLayoutId id="2147483664" r:id="rId5"/>
+    <p:sldLayoutId id="2147483665" r:id="rId6"/>
+    <p:sldLayoutId id="2147483666" r:id="rId7"/>
+    <p:sldLayoutId id="2147483667" r:id="rId8"/>
+    <p:sldLayoutId id="2147483668" r:id="rId9"/>
+    <p:sldLayoutId id="2147483669" r:id="rId10"/>
+    <p:sldLayoutId id="2147483670" r:id="rId11"/>
+    <p:sldLayoutId id="2147483671" r:id="rId12"/>
   </p:sldLayoutIdLst>
   <p:txStyles>
     <p:titleStyle>
@@ -3465,10 +3928,87 @@
           <a:chExt cx="0" cy="0"/>
         </a:xfrm>
       </p:grpSpPr>
+      <p:sp>
+        <p:nvSpPr>
+          <p:cNvPr id="2" name="Textfeld 1">
+            <a:extLst>
+              <a:ext uri="{FF2B5EF4-FFF2-40B4-BE49-F238E27FC236}">
+                <a16:creationId xmlns:a16="http://schemas.microsoft.com/office/drawing/2014/main" id="{527DD35F-0EEC-47D8-8EEA-00599E590F0C}"/>
+              </a:ext>
+            </a:extLst>
+          </p:cNvPr>
+          <p:cNvSpPr txBox="1"/>
+          <p:nvPr/>
+        </p:nvSpPr>
+        <p:spPr>
+          <a:xfrm>
+            <a:off x="1791222" y="2642992"/>
+            <a:ext cx="7352778" cy="1107996"/>
+          </a:xfrm>
+          <a:prstGeom prst="rect">
+            <a:avLst/>
+          </a:prstGeom>
+          <a:noFill/>
+        </p:spPr>
+        <p:txBody>
+          <a:bodyPr wrap="square" rtlCol="0">
+            <a:spAutoFit/>
+          </a:bodyPr>
+          <a:lstStyle/>
+          <a:p>
+            <a:pPr algn="ctr"/>
+            <a:r>
+              <a:rPr lang="de-DE" sz="6600" dirty="0"/>
+              <a:t>11:00 Uhr</a:t>
+            </a:r>
+          </a:p>
+        </p:txBody>
+      </p:sp>
+      <p:cxnSp>
+        <p:nvCxnSpPr>
+          <p:cNvPr id="4" name="Gerader Verbinder 3">
+            <a:extLst>
+              <a:ext uri="{FF2B5EF4-FFF2-40B4-BE49-F238E27FC236}">
+                <a16:creationId xmlns:a16="http://schemas.microsoft.com/office/drawing/2014/main" id="{CD2278AD-28F1-4BBD-8656-27958E801D44}"/>
+              </a:ext>
+            </a:extLst>
+          </p:cNvPr>
+          <p:cNvCxnSpPr/>
+          <p:nvPr/>
+        </p:nvCxnSpPr>
+        <p:spPr>
+          <a:xfrm>
+            <a:off x="2768252" y="2016690"/>
+            <a:ext cx="5373666" cy="0"/>
+          </a:xfrm>
+          <a:prstGeom prst="line">
+            <a:avLst/>
+          </a:prstGeom>
+          <a:ln w="44450">
+            <a:solidFill>
+              <a:schemeClr val="accent4"/>
+            </a:solidFill>
+          </a:ln>
+        </p:spPr>
+        <p:style>
+          <a:lnRef idx="1">
+            <a:schemeClr val="accent1"/>
+          </a:lnRef>
+          <a:fillRef idx="0">
+            <a:schemeClr val="accent1"/>
+          </a:fillRef>
+          <a:effectRef idx="0">
+            <a:schemeClr val="accent1"/>
+          </a:effectRef>
+          <a:fontRef idx="minor">
+            <a:schemeClr val="tx1"/>
+          </a:fontRef>
+        </p:style>
+      </p:cxnSp>
     </p:spTree>
     <p:extLst>
       <p:ext uri="{BB962C8B-B14F-4D97-AF65-F5344CB8AC3E}">
-        <p14:creationId xmlns:p14="http://schemas.microsoft.com/office/powerpoint/2010/main" val="1229043689"/>
+        <p14:creationId xmlns:p14="http://schemas.microsoft.com/office/powerpoint/2010/main" val="2985248393"/>
       </p:ext>
     </p:extLst>
   </p:cSld>
@@ -3479,6 +4019,429 @@
 </file>
 
 <file path=ppt/slides/slide10.xml><?xml version="1.0" encoding="utf-8"?>
+<p:sld xmlns:a="http://schemas.openxmlformats.org/drawingml/2006/main" xmlns:r="http://schemas.openxmlformats.org/officeDocument/2006/relationships" xmlns:p="http://schemas.openxmlformats.org/presentationml/2006/main">
+  <p:cSld>
+    <p:spTree>
+      <p:nvGrpSpPr>
+        <p:cNvPr id="1" name=""/>
+        <p:cNvGrpSpPr/>
+        <p:nvPr/>
+      </p:nvGrpSpPr>
+      <p:grpSpPr>
+        <a:xfrm>
+          <a:off x="0" y="0"/>
+          <a:ext cx="0" cy="0"/>
+          <a:chOff x="0" y="0"/>
+          <a:chExt cx="0" cy="0"/>
+        </a:xfrm>
+      </p:grpSpPr>
+      <p:sp>
+        <p:nvSpPr>
+          <p:cNvPr id="5" name="Titel 4">
+            <a:extLst>
+              <a:ext uri="{FF2B5EF4-FFF2-40B4-BE49-F238E27FC236}">
+                <a16:creationId xmlns:a16="http://schemas.microsoft.com/office/drawing/2014/main" id="{30D036D8-89B9-47BE-B0D2-7A4C1D6F2178}"/>
+              </a:ext>
+            </a:extLst>
+          </p:cNvPr>
+          <p:cNvSpPr>
+            <a:spLocks noGrp="1"/>
+          </p:cNvSpPr>
+          <p:nvPr>
+            <p:ph type="title"/>
+          </p:nvPr>
+        </p:nvSpPr>
+        <p:spPr/>
+        <p:txBody>
+          <a:bodyPr/>
+          <a:lstStyle/>
+          <a:p>
+            <a:r>
+              <a:rPr lang="de-DE" dirty="0"/>
+              <a:t>Kurszeiten</a:t>
+            </a:r>
+          </a:p>
+        </p:txBody>
+      </p:sp>
+      <p:sp>
+        <p:nvSpPr>
+          <p:cNvPr id="20" name="Inhaltsplatzhalter 19">
+            <a:extLst>
+              <a:ext uri="{FF2B5EF4-FFF2-40B4-BE49-F238E27FC236}">
+                <a16:creationId xmlns:a16="http://schemas.microsoft.com/office/drawing/2014/main" id="{A9A20E52-0970-4F94-8EB5-8FA5DE6FDAAD}"/>
+              </a:ext>
+            </a:extLst>
+          </p:cNvPr>
+          <p:cNvSpPr>
+            <a:spLocks noGrp="1"/>
+          </p:cNvSpPr>
+          <p:nvPr>
+            <p:ph idx="1"/>
+          </p:nvPr>
+        </p:nvSpPr>
+        <p:spPr/>
+        <p:txBody>
+          <a:bodyPr/>
+          <a:lstStyle/>
+          <a:p>
+            <a:pPr marL="0" indent="0">
+              <a:buNone/>
+            </a:pPr>
+            <a:r>
+              <a:rPr lang="de-DE" b="1" dirty="0"/>
+              <a:t>Kurszeiten</a:t>
+            </a:r>
+          </a:p>
+          <a:p>
+            <a:pPr marL="0" indent="0">
+              <a:buNone/>
+            </a:pPr>
+            <a:r>
+              <a:rPr lang="de-DE" dirty="0"/>
+              <a:t>9:00 – 16:00 Uhr</a:t>
+            </a:r>
+          </a:p>
+          <a:p>
+            <a:pPr marL="0" indent="0">
+              <a:buNone/>
+            </a:pPr>
+            <a:endParaRPr lang="de-DE" dirty="0"/>
+          </a:p>
+          <a:p>
+            <a:pPr marL="0" indent="0">
+              <a:buNone/>
+            </a:pPr>
+            <a:r>
+              <a:rPr lang="de-DE" b="1" dirty="0"/>
+              <a:t>Mittagspause</a:t>
+            </a:r>
+          </a:p>
+          <a:p>
+            <a:pPr marL="0" indent="0">
+              <a:buNone/>
+            </a:pPr>
+            <a:r>
+              <a:rPr lang="de-DE" dirty="0"/>
+              <a:t>1 Stunde gegen 12 Uhr</a:t>
+            </a:r>
+          </a:p>
+          <a:p>
+            <a:pPr marL="0" indent="0">
+              <a:buNone/>
+            </a:pPr>
+            <a:endParaRPr lang="de-DE" dirty="0"/>
+          </a:p>
+          <a:p>
+            <a:pPr marL="0" indent="0">
+              <a:buNone/>
+            </a:pPr>
+            <a:r>
+              <a:rPr lang="de-DE" b="1" dirty="0"/>
+              <a:t>Verschnaufpausen</a:t>
+            </a:r>
+          </a:p>
+          <a:p>
+            <a:pPr marL="0" indent="0">
+              <a:buNone/>
+            </a:pPr>
+            <a:r>
+              <a:rPr lang="de-DE" dirty="0"/>
+              <a:t>Vormittags und Nachmittags jeweils 15min</a:t>
+            </a:r>
+          </a:p>
+        </p:txBody>
+      </p:sp>
+      <p:sp>
+        <p:nvSpPr>
+          <p:cNvPr id="17" name="Textplatzhalter 16">
+            <a:extLst>
+              <a:ext uri="{FF2B5EF4-FFF2-40B4-BE49-F238E27FC236}">
+                <a16:creationId xmlns:a16="http://schemas.microsoft.com/office/drawing/2014/main" id="{B802A629-3FC8-49ED-BD19-B02A6605E8A4}"/>
+              </a:ext>
+            </a:extLst>
+          </p:cNvPr>
+          <p:cNvSpPr>
+            <a:spLocks noGrp="1"/>
+          </p:cNvSpPr>
+          <p:nvPr>
+            <p:ph type="body" sz="quarter" idx="11"/>
+          </p:nvPr>
+        </p:nvSpPr>
+        <p:spPr/>
+        <p:txBody>
+          <a:bodyPr/>
+          <a:lstStyle/>
+          <a:p>
+            <a:r>
+              <a:rPr lang="de-DE" dirty="0"/>
+              <a:t>KURSZEITEN</a:t>
+            </a:r>
+          </a:p>
+        </p:txBody>
+      </p:sp>
+    </p:spTree>
+    <p:extLst>
+      <p:ext uri="{BB962C8B-B14F-4D97-AF65-F5344CB8AC3E}">
+        <p14:creationId xmlns:p14="http://schemas.microsoft.com/office/powerpoint/2010/main" val="2185082341"/>
+      </p:ext>
+    </p:extLst>
+  </p:cSld>
+  <p:clrMapOvr>
+    <a:masterClrMapping/>
+  </p:clrMapOvr>
+</p:sld>
+</file>
+
+<file path=ppt/slides/slide11.xml><?xml version="1.0" encoding="utf-8"?>
+<p:sld xmlns:a="http://schemas.openxmlformats.org/drawingml/2006/main" xmlns:r="http://schemas.openxmlformats.org/officeDocument/2006/relationships" xmlns:p="http://schemas.openxmlformats.org/presentationml/2006/main">
+  <p:cSld>
+    <p:spTree>
+      <p:nvGrpSpPr>
+        <p:cNvPr id="1" name=""/>
+        <p:cNvGrpSpPr/>
+        <p:nvPr/>
+      </p:nvGrpSpPr>
+      <p:grpSpPr>
+        <a:xfrm>
+          <a:off x="0" y="0"/>
+          <a:ext cx="0" cy="0"/>
+          <a:chOff x="0" y="0"/>
+          <a:chExt cx="0" cy="0"/>
+        </a:xfrm>
+      </p:grpSpPr>
+      <p:sp>
+        <p:nvSpPr>
+          <p:cNvPr id="2" name="Titel 1">
+            <a:extLst>
+              <a:ext uri="{FF2B5EF4-FFF2-40B4-BE49-F238E27FC236}">
+                <a16:creationId xmlns:a16="http://schemas.microsoft.com/office/drawing/2014/main" id="{FC2FA898-8F74-466B-8EA0-61A5DE01866E}"/>
+              </a:ext>
+            </a:extLst>
+          </p:cNvPr>
+          <p:cNvSpPr>
+            <a:spLocks noGrp="1"/>
+          </p:cNvSpPr>
+          <p:nvPr>
+            <p:ph type="title"/>
+          </p:nvPr>
+        </p:nvSpPr>
+        <p:spPr/>
+        <p:txBody>
+          <a:bodyPr/>
+          <a:lstStyle/>
+          <a:p>
+            <a:r>
+              <a:rPr lang="de-DE" dirty="0"/>
+              <a:t>Installation </a:t>
+            </a:r>
+            <a:r>
+              <a:rPr lang="de-DE" dirty="0" err="1"/>
+              <a:t>Anaconda</a:t>
+            </a:r>
+            <a:r>
+              <a:rPr lang="de-DE" dirty="0"/>
+              <a:t> </a:t>
+            </a:r>
+            <a:r>
+              <a:rPr lang="de-DE" dirty="0" err="1"/>
+              <a:t>Enviroment</a:t>
+            </a:r>
+            <a:endParaRPr lang="de-DE" dirty="0"/>
+          </a:p>
+        </p:txBody>
+      </p:sp>
+      <p:sp>
+        <p:nvSpPr>
+          <p:cNvPr id="9" name="Textplatzhalter 8">
+            <a:extLst>
+              <a:ext uri="{FF2B5EF4-FFF2-40B4-BE49-F238E27FC236}">
+                <a16:creationId xmlns:a16="http://schemas.microsoft.com/office/drawing/2014/main" id="{C222D339-633A-4357-A193-874190D73F44}"/>
+              </a:ext>
+            </a:extLst>
+          </p:cNvPr>
+          <p:cNvSpPr>
+            <a:spLocks noGrp="1"/>
+          </p:cNvSpPr>
+          <p:nvPr>
+            <p:ph type="body" sz="quarter" idx="11"/>
+          </p:nvPr>
+        </p:nvSpPr>
+        <p:spPr/>
+        <p:txBody>
+          <a:bodyPr/>
+          <a:lstStyle/>
+          <a:p>
+            <a:r>
+              <a:rPr lang="de-DE" dirty="0"/>
+              <a:t>VORBEREITUNGEN</a:t>
+            </a:r>
+          </a:p>
+        </p:txBody>
+      </p:sp>
+      <p:sp>
+        <p:nvSpPr>
+          <p:cNvPr id="6" name="Textfeld 5">
+            <a:extLst>
+              <a:ext uri="{FF2B5EF4-FFF2-40B4-BE49-F238E27FC236}">
+                <a16:creationId xmlns:a16="http://schemas.microsoft.com/office/drawing/2014/main" id="{9C75017A-5BFD-4F42-B226-67DD4DA80B79}"/>
+              </a:ext>
+            </a:extLst>
+          </p:cNvPr>
+          <p:cNvSpPr txBox="1"/>
+          <p:nvPr/>
+        </p:nvSpPr>
+        <p:spPr>
+          <a:xfrm>
+            <a:off x="7057504" y="6518140"/>
+            <a:ext cx="2086496" cy="230832"/>
+          </a:xfrm>
+          <a:prstGeom prst="rect">
+            <a:avLst/>
+          </a:prstGeom>
+          <a:noFill/>
+        </p:spPr>
+        <p:txBody>
+          <a:bodyPr wrap="square" rtlCol="0">
+            <a:spAutoFit/>
+          </a:bodyPr>
+          <a:lstStyle/>
+          <a:p>
+            <a:pPr algn="ctr"/>
+            <a:r>
+              <a:rPr lang="de-DE" sz="900" dirty="0">
+                <a:solidFill>
+                  <a:schemeClr val="bg1">
+                    <a:lumMod val="75000"/>
+                  </a:schemeClr>
+                </a:solidFill>
+                <a:latin typeface="Roboto" panose="02000000000000000000" pitchFamily="2" charset="0"/>
+                <a:ea typeface="Roboto" panose="02000000000000000000" pitchFamily="2" charset="0"/>
+              </a:rPr>
+              <a:t>Copyright 2019 </a:t>
+            </a:r>
+            <a:r>
+              <a:rPr lang="de-DE" sz="900" dirty="0" err="1">
+                <a:solidFill>
+                  <a:schemeClr val="bg1">
+                    <a:lumMod val="75000"/>
+                  </a:schemeClr>
+                </a:solidFill>
+                <a:latin typeface="Roboto" panose="02000000000000000000" pitchFamily="2" charset="0"/>
+                <a:ea typeface="Roboto" panose="02000000000000000000" pitchFamily="2" charset="0"/>
+              </a:rPr>
+              <a:t>by</a:t>
+            </a:r>
+            <a:r>
+              <a:rPr lang="de-DE" sz="900" dirty="0">
+                <a:solidFill>
+                  <a:schemeClr val="bg1">
+                    <a:lumMod val="75000"/>
+                  </a:schemeClr>
+                </a:solidFill>
+                <a:latin typeface="Roboto" panose="02000000000000000000" pitchFamily="2" charset="0"/>
+                <a:ea typeface="Roboto" panose="02000000000000000000" pitchFamily="2" charset="0"/>
+              </a:rPr>
+              <a:t> Max Mönch</a:t>
+            </a:r>
+          </a:p>
+        </p:txBody>
+      </p:sp>
+      <p:sp>
+        <p:nvSpPr>
+          <p:cNvPr id="11" name="Inhaltsplatzhalter 10">
+            <a:extLst>
+              <a:ext uri="{FF2B5EF4-FFF2-40B4-BE49-F238E27FC236}">
+                <a16:creationId xmlns:a16="http://schemas.microsoft.com/office/drawing/2014/main" id="{14F887AA-CAFE-4935-898E-A619D494EFD3}"/>
+              </a:ext>
+            </a:extLst>
+          </p:cNvPr>
+          <p:cNvSpPr>
+            <a:spLocks noGrp="1"/>
+          </p:cNvSpPr>
+          <p:nvPr>
+            <p:ph idx="1"/>
+          </p:nvPr>
+        </p:nvSpPr>
+        <p:spPr/>
+        <p:txBody>
+          <a:bodyPr/>
+          <a:lstStyle/>
+          <a:p>
+            <a:pPr marL="0" indent="0">
+              <a:buNone/>
+            </a:pPr>
+            <a:r>
+              <a:rPr lang="de-DE" dirty="0"/>
+              <a:t>Bevor wir starten können müssen wir erst alle notwendigen Bibliotheken installieren. Praktischer Weise hilft uns hier </a:t>
+            </a:r>
+            <a:r>
+              <a:rPr lang="de-DE" dirty="0" err="1"/>
+              <a:t>Anaconda</a:t>
+            </a:r>
+            <a:r>
+              <a:rPr lang="de-DE" dirty="0"/>
+              <a:t>.</a:t>
+            </a:r>
+          </a:p>
+          <a:p>
+            <a:pPr marL="0" indent="0">
+              <a:buNone/>
+            </a:pPr>
+            <a:endParaRPr lang="de-DE" dirty="0"/>
+          </a:p>
+          <a:p>
+            <a:pPr marL="0" indent="0">
+              <a:buNone/>
+            </a:pPr>
+            <a:r>
+              <a:rPr lang="de-DE" dirty="0"/>
+              <a:t>In dem Verzeichnis “</a:t>
+            </a:r>
+            <a:r>
+              <a:rPr lang="de-DE" dirty="0" err="1"/>
+              <a:t>pandas</a:t>
+            </a:r>
+            <a:r>
+              <a:rPr lang="de-DE" dirty="0"/>
+              <a:t>-basic“ befindet sich im Unterverzeichnis </a:t>
+            </a:r>
+            <a:r>
+              <a:rPr lang="de-DE" dirty="0" err="1"/>
+              <a:t>scripts</a:t>
+            </a:r>
+            <a:r>
+              <a:rPr lang="de-DE" dirty="0"/>
+              <a:t> eine Datei „install_conda_env.bat“. Führen Sie diese aus. </a:t>
+            </a:r>
+          </a:p>
+          <a:p>
+            <a:pPr marL="0" indent="0">
+              <a:buNone/>
+            </a:pPr>
+            <a:endParaRPr lang="de-DE" dirty="0"/>
+          </a:p>
+          <a:p>
+            <a:pPr marL="0" indent="0">
+              <a:buNone/>
+            </a:pPr>
+            <a:endParaRPr lang="de-DE" dirty="0"/>
+          </a:p>
+        </p:txBody>
+      </p:sp>
+    </p:spTree>
+    <p:extLst>
+      <p:ext uri="{BB962C8B-B14F-4D97-AF65-F5344CB8AC3E}">
+        <p14:creationId xmlns:p14="http://schemas.microsoft.com/office/powerpoint/2010/main" val="3801721147"/>
+      </p:ext>
+    </p:extLst>
+  </p:cSld>
+  <p:clrMapOvr>
+    <a:masterClrMapping/>
+  </p:clrMapOvr>
+</p:sld>
+</file>
+
+<file path=ppt/slides/slide12.xml><?xml version="1.0" encoding="utf-8"?>
 <p:sld xmlns:a="http://schemas.openxmlformats.org/drawingml/2006/main" xmlns:r="http://schemas.openxmlformats.org/officeDocument/2006/relationships" xmlns:p="http://schemas.openxmlformats.org/presentationml/2006/main">
   <p:cSld>
     <p:spTree>
@@ -3981,7 +4944,7 @@
     </p:spTree>
     <p:extLst>
       <p:ext uri="{BB962C8B-B14F-4D97-AF65-F5344CB8AC3E}">
-        <p14:creationId xmlns:p14="http://schemas.microsoft.com/office/powerpoint/2010/main" val="330145823"/>
+        <p14:creationId xmlns:p14="http://schemas.microsoft.com/office/powerpoint/2010/main" val="1229043689"/>
       </p:ext>
     </p:extLst>
   </p:cSld>
@@ -3992,7 +4955,7 @@
 </file>
 
 <file path=ppt/slides/slide3.xml><?xml version="1.0" encoding="utf-8"?>
-<p:sld xmlns:a="http://schemas.openxmlformats.org/drawingml/2006/main" xmlns:r="http://schemas.openxmlformats.org/officeDocument/2006/relationships" xmlns:p="http://schemas.openxmlformats.org/presentationml/2006/main">
+<p:sld xmlns:a="http://schemas.openxmlformats.org/drawingml/2006/main" xmlns:r="http://schemas.openxmlformats.org/officeDocument/2006/relationships" xmlns:p="http://schemas.openxmlformats.org/presentationml/2006/main" show="0">
   <p:cSld>
     <p:spTree>
       <p:nvGrpSpPr>
@@ -4010,35 +4973,62 @@
       </p:grpSpPr>
       <p:sp>
         <p:nvSpPr>
-          <p:cNvPr id="4" name="Textfeld 3">
+          <p:cNvPr id="2" name="Titel 1">
             <a:extLst>
               <a:ext uri="{FF2B5EF4-FFF2-40B4-BE49-F238E27FC236}">
-                <a16:creationId xmlns:a16="http://schemas.microsoft.com/office/drawing/2014/main" id="{12B6752D-E284-47C6-AD53-25E19D1CD6EE}"/>
+                <a16:creationId xmlns:a16="http://schemas.microsoft.com/office/drawing/2014/main" id="{583040E4-EC87-44ED-8D9E-06427EA055F3}"/>
               </a:ext>
             </a:extLst>
           </p:cNvPr>
-          <p:cNvSpPr txBox="1"/>
-          <p:nvPr/>
+          <p:cNvSpPr>
+            <a:spLocks noGrp="1"/>
+          </p:cNvSpPr>
+          <p:nvPr>
+            <p:ph type="title"/>
+          </p:nvPr>
         </p:nvSpPr>
         <p:spPr>
           <a:xfrm>
-            <a:off x="881149" y="615142"/>
-            <a:ext cx="5902036" cy="369332"/>
+            <a:off x="2107735" y="3039269"/>
+            <a:ext cx="6204415" cy="779462"/>
           </a:xfrm>
-          <a:prstGeom prst="rect">
-            <a:avLst/>
-          </a:prstGeom>
-          <a:noFill/>
         </p:spPr>
         <p:txBody>
-          <a:bodyPr wrap="square" rtlCol="0">
-            <a:spAutoFit/>
-          </a:bodyPr>
-          <a:lstStyle/>
-          <a:p>
-            <a:r>
-              <a:rPr lang="de-DE" dirty="0"/>
-              <a:t>Seminarziele</a:t>
+          <a:bodyPr/>
+          <a:lstStyle/>
+          <a:p>
+            <a:pPr algn="ctr"/>
+            <a:r>
+              <a:rPr lang="de-DE" dirty="0"/>
+              <a:t>?</a:t>
+            </a:r>
+          </a:p>
+        </p:txBody>
+      </p:sp>
+      <p:sp>
+        <p:nvSpPr>
+          <p:cNvPr id="4" name="Textplatzhalter 3">
+            <a:extLst>
+              <a:ext uri="{FF2B5EF4-FFF2-40B4-BE49-F238E27FC236}">
+                <a16:creationId xmlns:a16="http://schemas.microsoft.com/office/drawing/2014/main" id="{AA7760C6-EE97-4B2C-AD58-51836042F1C2}"/>
+              </a:ext>
+            </a:extLst>
+          </p:cNvPr>
+          <p:cNvSpPr>
+            <a:spLocks noGrp="1"/>
+          </p:cNvSpPr>
+          <p:nvPr>
+            <p:ph type="body" sz="quarter" idx="11"/>
+          </p:nvPr>
+        </p:nvSpPr>
+        <p:spPr/>
+        <p:txBody>
+          <a:bodyPr/>
+          <a:lstStyle/>
+          <a:p>
+            <a:r>
+              <a:rPr lang="de-DE" dirty="0"/>
+              <a:t>VORSTELLUNG</a:t>
             </a:r>
           </a:p>
         </p:txBody>
@@ -4046,7 +5036,7 @@
     </p:spTree>
     <p:extLst>
       <p:ext uri="{BB962C8B-B14F-4D97-AF65-F5344CB8AC3E}">
-        <p14:creationId xmlns:p14="http://schemas.microsoft.com/office/powerpoint/2010/main" val="559977511"/>
+        <p14:creationId xmlns:p14="http://schemas.microsoft.com/office/powerpoint/2010/main" val="330145823"/>
       </p:ext>
     </p:extLst>
   </p:cSld>
@@ -4075,92 +5065,122 @@
       </p:grpSpPr>
       <p:sp>
         <p:nvSpPr>
-          <p:cNvPr id="4" name="Textfeld 3">
+          <p:cNvPr id="2" name="Titel 1">
             <a:extLst>
               <a:ext uri="{FF2B5EF4-FFF2-40B4-BE49-F238E27FC236}">
-                <a16:creationId xmlns:a16="http://schemas.microsoft.com/office/drawing/2014/main" id="{84F7FBEA-4581-4F36-A22D-0729EABF1580}"/>
+                <a16:creationId xmlns:a16="http://schemas.microsoft.com/office/drawing/2014/main" id="{AAB6C9DC-2412-4C9A-AD28-79031CED4BBB}"/>
               </a:ext>
             </a:extLst>
           </p:cNvPr>
-          <p:cNvSpPr txBox="1"/>
-          <p:nvPr/>
-        </p:nvSpPr>
-        <p:spPr>
-          <a:xfrm>
-            <a:off x="407324" y="423949"/>
-            <a:ext cx="4946072" cy="2308324"/>
-          </a:xfrm>
-          <a:prstGeom prst="rect">
-            <a:avLst/>
-          </a:prstGeom>
-          <a:noFill/>
-        </p:spPr>
-        <p:txBody>
-          <a:bodyPr wrap="square" rtlCol="0">
-            <a:spAutoFit/>
+          <p:cNvSpPr>
+            <a:spLocks noGrp="1"/>
+          </p:cNvSpPr>
+          <p:nvPr>
+            <p:ph type="title"/>
+          </p:nvPr>
+        </p:nvSpPr>
+        <p:spPr/>
+        <p:txBody>
+          <a:bodyPr>
+            <a:normAutofit/>
           </a:bodyPr>
           <a:lstStyle/>
           <a:p>
             <a:r>
-              <a:rPr lang="de-DE" dirty="0"/>
-              <a:t>Seminar Aufbau</a:t>
-            </a:r>
-          </a:p>
-          <a:p>
-            <a:pPr marL="285750" indent="-285750">
-              <a:buFont typeface="Arial" panose="020B0604020202020204" pitchFamily="34" charset="0"/>
-              <a:buChar char="•"/>
-            </a:pPr>
-            <a:r>
-              <a:rPr lang="de-DE" dirty="0"/>
-              <a:t>Grundliegenende Funktionen</a:t>
-            </a:r>
-          </a:p>
-          <a:p>
-            <a:pPr marL="285750" indent="-285750">
-              <a:buFont typeface="Arial" panose="020B0604020202020204" pitchFamily="34" charset="0"/>
-              <a:buChar char="•"/>
-            </a:pPr>
-            <a:r>
-              <a:rPr lang="de-DE" dirty="0"/>
-              <a:t>Kernfunktionalitäten - Daten Aufbereiten</a:t>
-            </a:r>
-          </a:p>
-          <a:p>
-            <a:pPr marL="285750" indent="-285750">
-              <a:buFont typeface="Arial" panose="020B0604020202020204" pitchFamily="34" charset="0"/>
-              <a:buChar char="•"/>
-            </a:pPr>
-            <a:r>
-              <a:rPr lang="de-DE" dirty="0"/>
-              <a:t>Visualisierung und Interaktion</a:t>
-            </a:r>
-          </a:p>
-          <a:p>
-            <a:pPr marL="285750" indent="-285750">
-              <a:buFont typeface="Arial" panose="020B0604020202020204" pitchFamily="34" charset="0"/>
-              <a:buChar char="•"/>
-            </a:pPr>
-            <a:r>
-              <a:rPr lang="de-DE" dirty="0"/>
-              <a:t>Abschlussprojekt</a:t>
-            </a:r>
-          </a:p>
-          <a:p>
+              <a:rPr lang="de-DE" dirty="0">
+                <a:latin typeface="Roboto" panose="02000000000000000000" pitchFamily="2" charset="0"/>
+                <a:ea typeface="Roboto" panose="02000000000000000000" pitchFamily="2" charset="0"/>
+              </a:rPr>
+              <a:t>Seminarziele</a:t>
+            </a:r>
             <a:endParaRPr lang="de-DE" dirty="0"/>
           </a:p>
-          <a:p>
-            <a:endParaRPr lang="de-DE" dirty="0"/>
-          </a:p>
-          <a:p>
-            <a:endParaRPr lang="de-DE" dirty="0"/>
+        </p:txBody>
+      </p:sp>
+      <p:sp>
+        <p:nvSpPr>
+          <p:cNvPr id="3" name="Inhaltsplatzhalter 2">
+            <a:extLst>
+              <a:ext uri="{FF2B5EF4-FFF2-40B4-BE49-F238E27FC236}">
+                <a16:creationId xmlns:a16="http://schemas.microsoft.com/office/drawing/2014/main" id="{9C3E198B-A7B9-49A9-9231-7C5A9A7A12C4}"/>
+              </a:ext>
+            </a:extLst>
+          </p:cNvPr>
+          <p:cNvSpPr>
+            <a:spLocks noGrp="1"/>
+          </p:cNvSpPr>
+          <p:nvPr>
+            <p:ph idx="1"/>
+          </p:nvPr>
+        </p:nvSpPr>
+        <p:spPr/>
+        <p:txBody>
+          <a:bodyPr/>
+          <a:lstStyle/>
+          <a:p>
+            <a:r>
+              <a:rPr lang="de-DE" dirty="0"/>
+              <a:t>Einführung in Pandas und Python</a:t>
+            </a:r>
+          </a:p>
+          <a:p>
+            <a:r>
+              <a:rPr lang="de-DE" dirty="0"/>
+              <a:t>Kennenlernen des interaktiven Arbeiten mit Daten in Notebooks</a:t>
+            </a:r>
+          </a:p>
+          <a:p>
+            <a:r>
+              <a:rPr lang="de-DE" dirty="0"/>
+              <a:t>Grundverständnis für das Aufbereiten von Datensätzen und welche Fallstricke existieren</a:t>
+            </a:r>
+          </a:p>
+          <a:p>
+            <a:r>
+              <a:rPr lang="de-DE" dirty="0"/>
+              <a:t>Hinweise für Anlaufstellen um das erlernte Wissen zu vertiefen</a:t>
+            </a:r>
+          </a:p>
+          <a:p>
+            <a:r>
+              <a:rPr lang="de-DE" dirty="0"/>
+              <a:t>Erlernen von Kenntnissen der Datenanalyse und Visualisierung</a:t>
+            </a:r>
+          </a:p>
+        </p:txBody>
+      </p:sp>
+      <p:sp>
+        <p:nvSpPr>
+          <p:cNvPr id="5" name="Textplatzhalter 4">
+            <a:extLst>
+              <a:ext uri="{FF2B5EF4-FFF2-40B4-BE49-F238E27FC236}">
+                <a16:creationId xmlns:a16="http://schemas.microsoft.com/office/drawing/2014/main" id="{DABCB028-D32A-4CF9-8F64-B63AC494BCA8}"/>
+              </a:ext>
+            </a:extLst>
+          </p:cNvPr>
+          <p:cNvSpPr>
+            <a:spLocks noGrp="1"/>
+          </p:cNvSpPr>
+          <p:nvPr>
+            <p:ph type="body" sz="quarter" idx="11"/>
+          </p:nvPr>
+        </p:nvSpPr>
+        <p:spPr/>
+        <p:txBody>
+          <a:bodyPr/>
+          <a:lstStyle/>
+          <a:p>
+            <a:r>
+              <a:rPr lang="de-DE" dirty="0"/>
+              <a:t>SEMINARZIELE</a:t>
+            </a:r>
           </a:p>
         </p:txBody>
       </p:sp>
     </p:spTree>
     <p:extLst>
       <p:ext uri="{BB962C8B-B14F-4D97-AF65-F5344CB8AC3E}">
-        <p14:creationId xmlns:p14="http://schemas.microsoft.com/office/powerpoint/2010/main" val="2359616655"/>
+        <p14:creationId xmlns:p14="http://schemas.microsoft.com/office/powerpoint/2010/main" val="559977511"/>
       </p:ext>
     </p:extLst>
   </p:cSld>
@@ -4192,7 +5212,7 @@
           <p:cNvPr id="4" name="Textfeld 3">
             <a:extLst>
               <a:ext uri="{FF2B5EF4-FFF2-40B4-BE49-F238E27FC236}">
-                <a16:creationId xmlns:a16="http://schemas.microsoft.com/office/drawing/2014/main" id="{74A0E285-2E04-4E2C-A81C-E1D82032DF60}"/>
+                <a16:creationId xmlns:a16="http://schemas.microsoft.com/office/drawing/2014/main" id="{84F7FBEA-4581-4F36-A22D-0729EABF1580}"/>
               </a:ext>
             </a:extLst>
           </p:cNvPr>
@@ -4201,8 +5221,8 @@
         </p:nvSpPr>
         <p:spPr>
           <a:xfrm>
-            <a:off x="922713" y="440575"/>
-            <a:ext cx="5187142" cy="369332"/>
+            <a:off x="8785247" y="3066941"/>
+            <a:ext cx="4946072" cy="923330"/>
           </a:xfrm>
           <a:prstGeom prst="rect">
             <a:avLst/>
@@ -4215,9 +5235,133 @@
           </a:bodyPr>
           <a:lstStyle/>
           <a:p>
-            <a:r>
-              <a:rPr lang="de-DE" dirty="0"/>
-              <a:t>Motivation Warum Pandas und Python</a:t>
+            <a:endParaRPr lang="de-DE" dirty="0"/>
+          </a:p>
+          <a:p>
+            <a:endParaRPr lang="de-DE" dirty="0"/>
+          </a:p>
+          <a:p>
+            <a:endParaRPr lang="de-DE" dirty="0"/>
+          </a:p>
+        </p:txBody>
+      </p:sp>
+      <p:sp>
+        <p:nvSpPr>
+          <p:cNvPr id="2" name="Titel 1">
+            <a:extLst>
+              <a:ext uri="{FF2B5EF4-FFF2-40B4-BE49-F238E27FC236}">
+                <a16:creationId xmlns:a16="http://schemas.microsoft.com/office/drawing/2014/main" id="{DE11FFC8-1695-4289-A248-846A6F653D60}"/>
+              </a:ext>
+            </a:extLst>
+          </p:cNvPr>
+          <p:cNvSpPr>
+            <a:spLocks noGrp="1"/>
+          </p:cNvSpPr>
+          <p:nvPr>
+            <p:ph type="title"/>
+          </p:nvPr>
+        </p:nvSpPr>
+        <p:spPr/>
+        <p:txBody>
+          <a:bodyPr/>
+          <a:lstStyle/>
+          <a:p>
+            <a:r>
+              <a:rPr lang="de-DE" dirty="0">
+                <a:latin typeface="Roboto" panose="02000000000000000000" pitchFamily="2" charset="0"/>
+                <a:ea typeface="Roboto" panose="02000000000000000000" pitchFamily="2" charset="0"/>
+              </a:rPr>
+              <a:t>Seminar Aufbau</a:t>
+            </a:r>
+          </a:p>
+        </p:txBody>
+      </p:sp>
+      <p:sp>
+        <p:nvSpPr>
+          <p:cNvPr id="8" name="Inhaltsplatzhalter 7">
+            <a:extLst>
+              <a:ext uri="{FF2B5EF4-FFF2-40B4-BE49-F238E27FC236}">
+                <a16:creationId xmlns:a16="http://schemas.microsoft.com/office/drawing/2014/main" id="{D956DCBA-CF46-4104-983A-13AB8B0A00B2}"/>
+              </a:ext>
+            </a:extLst>
+          </p:cNvPr>
+          <p:cNvSpPr>
+            <a:spLocks noGrp="1"/>
+          </p:cNvSpPr>
+          <p:nvPr>
+            <p:ph idx="1"/>
+          </p:nvPr>
+        </p:nvSpPr>
+        <p:spPr/>
+        <p:txBody>
+          <a:bodyPr/>
+          <a:lstStyle/>
+          <a:p>
+            <a:pPr marL="0" indent="0">
+              <a:buNone/>
+            </a:pPr>
+            <a:r>
+              <a:rPr lang="de-DE" b="1" dirty="0"/>
+              <a:t>Seminar Aufbau</a:t>
+            </a:r>
+          </a:p>
+          <a:p>
+            <a:pPr marL="285750" indent="-285750"/>
+            <a:r>
+              <a:rPr lang="de-DE" dirty="0"/>
+              <a:t>Grundliegenende Funktionen</a:t>
+            </a:r>
+          </a:p>
+          <a:p>
+            <a:pPr marL="285750" indent="-285750"/>
+            <a:r>
+              <a:rPr lang="de-DE" dirty="0"/>
+              <a:t>Kernfunktionalitäten - Daten Aufbereiten</a:t>
+            </a:r>
+          </a:p>
+          <a:p>
+            <a:pPr marL="285750" indent="-285750"/>
+            <a:r>
+              <a:rPr lang="de-DE" dirty="0"/>
+              <a:t>Visualisierung und Interaktion</a:t>
+            </a:r>
+          </a:p>
+          <a:p>
+            <a:pPr marL="285750" indent="-285750"/>
+            <a:r>
+              <a:rPr lang="de-DE" dirty="0"/>
+              <a:t>Abschlussprojekt</a:t>
+            </a:r>
+          </a:p>
+          <a:p>
+            <a:endParaRPr lang="de-DE" dirty="0"/>
+          </a:p>
+        </p:txBody>
+      </p:sp>
+      <p:sp>
+        <p:nvSpPr>
+          <p:cNvPr id="5" name="Textplatzhalter 4">
+            <a:extLst>
+              <a:ext uri="{FF2B5EF4-FFF2-40B4-BE49-F238E27FC236}">
+                <a16:creationId xmlns:a16="http://schemas.microsoft.com/office/drawing/2014/main" id="{E9BD0B66-9E26-4FA7-B29C-42C33BF4F51D}"/>
+              </a:ext>
+            </a:extLst>
+          </p:cNvPr>
+          <p:cNvSpPr>
+            <a:spLocks noGrp="1"/>
+          </p:cNvSpPr>
+          <p:nvPr>
+            <p:ph type="body" sz="quarter" idx="11"/>
+          </p:nvPr>
+        </p:nvSpPr>
+        <p:spPr/>
+        <p:txBody>
+          <a:bodyPr/>
+          <a:lstStyle/>
+          <a:p>
+            <a:r>
+              <a:rPr lang="de-DE" dirty="0"/>
+              <a:t>AUFBAU</a:t>
             </a:r>
           </a:p>
         </p:txBody>
@@ -4225,7 +5369,7 @@
     </p:spTree>
     <p:extLst>
       <p:ext uri="{BB962C8B-B14F-4D97-AF65-F5344CB8AC3E}">
-        <p14:creationId xmlns:p14="http://schemas.microsoft.com/office/powerpoint/2010/main" val="2261502912"/>
+        <p14:creationId xmlns:p14="http://schemas.microsoft.com/office/powerpoint/2010/main" val="2359616655"/>
       </p:ext>
     </p:extLst>
   </p:cSld>
@@ -4254,302 +5398,138 @@
       </p:grpSpPr>
       <p:sp>
         <p:nvSpPr>
-          <p:cNvPr id="4" name="Textfeld 3">
+          <p:cNvPr id="2" name="Titel 1">
             <a:extLst>
               <a:ext uri="{FF2B5EF4-FFF2-40B4-BE49-F238E27FC236}">
-                <a16:creationId xmlns:a16="http://schemas.microsoft.com/office/drawing/2014/main" id="{FAEE498A-A551-455A-B656-72FD23A3D2B4}"/>
+                <a16:creationId xmlns:a16="http://schemas.microsoft.com/office/drawing/2014/main" id="{0DB33A85-DD83-4FFC-840D-3CBB5DFFD3FF}"/>
               </a:ext>
             </a:extLst>
           </p:cNvPr>
-          <p:cNvSpPr txBox="1"/>
-          <p:nvPr/>
-        </p:nvSpPr>
-        <p:spPr>
-          <a:xfrm>
-            <a:off x="523702" y="407324"/>
-            <a:ext cx="3516283" cy="369332"/>
-          </a:xfrm>
-          <a:prstGeom prst="rect">
-            <a:avLst/>
-          </a:prstGeom>
-          <a:noFill/>
-        </p:spPr>
-        <p:txBody>
-          <a:bodyPr wrap="square" rtlCol="0">
-            <a:spAutoFit/>
+          <p:cNvSpPr>
+            <a:spLocks noGrp="1"/>
+          </p:cNvSpPr>
+          <p:nvPr>
+            <p:ph type="title"/>
+          </p:nvPr>
+        </p:nvSpPr>
+        <p:spPr/>
+        <p:txBody>
+          <a:bodyPr>
+            <a:normAutofit fontScale="90000"/>
           </a:bodyPr>
           <a:lstStyle/>
           <a:p>
             <a:r>
-              <a:rPr lang="de-DE" dirty="0"/>
-              <a:t>Kernprinzipien und Besonderheiten</a:t>
-            </a:r>
-          </a:p>
-        </p:txBody>
-      </p:sp>
-      <p:sp>
-        <p:nvSpPr>
-          <p:cNvPr id="5" name="Textfeld 4">
+              <a:rPr lang="de-DE" dirty="0">
+                <a:latin typeface="Roboto" panose="02000000000000000000" pitchFamily="2" charset="0"/>
+                <a:ea typeface="Roboto" panose="02000000000000000000" pitchFamily="2" charset="0"/>
+              </a:rPr>
+              <a:t>Motivation Warum Pandas und Python</a:t>
+            </a:r>
+          </a:p>
+        </p:txBody>
+      </p:sp>
+      <p:sp>
+        <p:nvSpPr>
+          <p:cNvPr id="3" name="Inhaltsplatzhalter 2">
             <a:extLst>
               <a:ext uri="{FF2B5EF4-FFF2-40B4-BE49-F238E27FC236}">
-                <a16:creationId xmlns:a16="http://schemas.microsoft.com/office/drawing/2014/main" id="{376BEA42-3379-4FF6-B884-F287D5A488EC}"/>
+                <a16:creationId xmlns:a16="http://schemas.microsoft.com/office/drawing/2014/main" id="{95CCEB63-D2C8-4513-81B5-FA145F57C50D}"/>
               </a:ext>
             </a:extLst>
           </p:cNvPr>
-          <p:cNvSpPr txBox="1"/>
-          <p:nvPr/>
+          <p:cNvSpPr>
+            <a:spLocks noGrp="1"/>
+          </p:cNvSpPr>
+          <p:nvPr>
+            <p:ph idx="1"/>
+          </p:nvPr>
         </p:nvSpPr>
         <p:spPr>
           <a:xfrm>
-            <a:off x="1407620" y="1586219"/>
-            <a:ext cx="4048299" cy="646331"/>
+            <a:off x="2310934" y="1774285"/>
+            <a:ext cx="6204415" cy="4351338"/>
           </a:xfrm>
-          <a:prstGeom prst="rect">
-            <a:avLst/>
-          </a:prstGeom>
-          <a:noFill/>
         </p:spPr>
         <p:txBody>
-          <a:bodyPr wrap="square" rtlCol="0">
-            <a:spAutoFit/>
+          <a:bodyPr>
+            <a:normAutofit/>
           </a:bodyPr>
           <a:lstStyle/>
           <a:p>
-            <a:r>
-              <a:rPr lang="de-DE" dirty="0"/>
-              <a:t>Spalten Namen und Variablen sind auf englisch.</a:t>
-            </a:r>
-          </a:p>
-        </p:txBody>
-      </p:sp>
-      <p:sp>
-        <p:nvSpPr>
-          <p:cNvPr id="6" name="Textfeld 5">
+            <a:pPr marL="0" indent="0">
+              <a:buNone/>
+            </a:pPr>
+            <a:r>
+              <a:rPr lang="de-DE" sz="1800" dirty="0"/>
+              <a:t>Microsoft EXCEL ist ein bekanntes und weit verbreitetes Tools. </a:t>
+            </a:r>
+            <a:r>
+              <a:rPr lang="de-DE" sz="1800" b="1" dirty="0"/>
+              <a:t>Warum also Pandas und Python?</a:t>
+            </a:r>
+          </a:p>
+          <a:p>
+            <a:r>
+              <a:rPr lang="de-DE" sz="1800" dirty="0"/>
+              <a:t>Big Data: Excel Dokument ist limitiert bei ~1.000.000 Zeilen</a:t>
+            </a:r>
+          </a:p>
+          <a:p>
+            <a:r>
+              <a:rPr lang="de-DE" sz="1800" dirty="0"/>
+              <a:t>Reproduzierbarkeit</a:t>
+            </a:r>
+          </a:p>
+          <a:p>
+            <a:r>
+              <a:rPr lang="de-DE" sz="1800" dirty="0"/>
+              <a:t>Automatisierung - VBA ist kompliziert</a:t>
+            </a:r>
+          </a:p>
+          <a:p>
+            <a:r>
+              <a:rPr lang="de-DE" sz="1800" dirty="0"/>
+              <a:t>Volles Spektrum von Statistischen Analysen, inkl. Clustering, Maschine Learning etc.</a:t>
+            </a:r>
+          </a:p>
+          <a:p>
+            <a:endParaRPr lang="de-DE" sz="1800" b="1" dirty="0"/>
+          </a:p>
+          <a:p>
+            <a:pPr marL="0" indent="0">
+              <a:buNone/>
+            </a:pPr>
+            <a:r>
+              <a:rPr lang="de-DE" sz="1900" b="1" dirty="0"/>
+              <a:t>Ist Pandas und Python die Lösung für alle Probleme? </a:t>
+            </a:r>
+          </a:p>
+          <a:p>
+            <a:pPr marL="0" indent="0">
+              <a:buNone/>
+            </a:pPr>
+            <a:r>
+              <a:rPr lang="de-DE" sz="1900" dirty="0"/>
+              <a:t>Nein, besonders bei kleine Datensets und schnellen unkomplizierten Auswertungen, die einmalig vorgenommen werden.</a:t>
+            </a:r>
+          </a:p>
+        </p:txBody>
+      </p:sp>
+      <p:sp>
+        <p:nvSpPr>
+          <p:cNvPr id="5" name="Textplatzhalter 4">
             <a:extLst>
               <a:ext uri="{FF2B5EF4-FFF2-40B4-BE49-F238E27FC236}">
-                <a16:creationId xmlns:a16="http://schemas.microsoft.com/office/drawing/2014/main" id="{F1BF3E74-B592-42AE-ADDE-EDE585172B2C}"/>
+                <a16:creationId xmlns:a16="http://schemas.microsoft.com/office/drawing/2014/main" id="{DDD37954-F518-474B-BB17-9D50CEA24F2D}"/>
               </a:ext>
             </a:extLst>
           </p:cNvPr>
-          <p:cNvSpPr txBox="1"/>
-          <p:nvPr/>
-        </p:nvSpPr>
-        <p:spPr>
-          <a:xfrm>
-            <a:off x="1407620" y="2232550"/>
-            <a:ext cx="4048299" cy="369332"/>
-          </a:xfrm>
-          <a:prstGeom prst="rect">
-            <a:avLst/>
-          </a:prstGeom>
-          <a:noFill/>
-        </p:spPr>
-        <p:txBody>
-          <a:bodyPr wrap="square" rtlCol="0">
-            <a:spAutoFit/>
-          </a:bodyPr>
-          <a:lstStyle/>
-          <a:p>
-            <a:r>
-              <a:rPr lang="de-DE" dirty="0"/>
-              <a:t>Dokumentation ist auf Englisch</a:t>
-            </a:r>
-          </a:p>
-        </p:txBody>
-      </p:sp>
-      <p:sp>
-        <p:nvSpPr>
-          <p:cNvPr id="7" name="Textfeld 6">
-            <a:extLst>
-              <a:ext uri="{FF2B5EF4-FFF2-40B4-BE49-F238E27FC236}">
-                <a16:creationId xmlns:a16="http://schemas.microsoft.com/office/drawing/2014/main" id="{6002AAE1-D8CC-4BCF-8FCF-CB1EECFCF99E}"/>
-              </a:ext>
-            </a:extLst>
-          </p:cNvPr>
-          <p:cNvSpPr txBox="1"/>
-          <p:nvPr/>
-        </p:nvSpPr>
-        <p:spPr>
-          <a:xfrm>
-            <a:off x="1407618" y="3303726"/>
-            <a:ext cx="4048299" cy="369332"/>
-          </a:xfrm>
-          <a:prstGeom prst="rect">
-            <a:avLst/>
-          </a:prstGeom>
-          <a:noFill/>
-        </p:spPr>
-        <p:txBody>
-          <a:bodyPr wrap="square" rtlCol="0">
-            <a:spAutoFit/>
-          </a:bodyPr>
-          <a:lstStyle/>
-          <a:p>
-            <a:r>
-              <a:rPr lang="de-DE" dirty="0"/>
-              <a:t>Zusatzübungen</a:t>
-            </a:r>
-          </a:p>
-        </p:txBody>
-      </p:sp>
-      <p:sp>
-        <p:nvSpPr>
-          <p:cNvPr id="8" name="Textfeld 7">
-            <a:extLst>
-              <a:ext uri="{FF2B5EF4-FFF2-40B4-BE49-F238E27FC236}">
-                <a16:creationId xmlns:a16="http://schemas.microsoft.com/office/drawing/2014/main" id="{589DA55E-2723-4F09-B80C-BEDF2F0F5508}"/>
-              </a:ext>
-            </a:extLst>
-          </p:cNvPr>
-          <p:cNvSpPr txBox="1"/>
-          <p:nvPr/>
-        </p:nvSpPr>
-        <p:spPr>
-          <a:xfrm>
-            <a:off x="1407620" y="1052144"/>
-            <a:ext cx="4048299" cy="369332"/>
-          </a:xfrm>
-          <a:prstGeom prst="rect">
-            <a:avLst/>
-          </a:prstGeom>
-          <a:noFill/>
-        </p:spPr>
-        <p:txBody>
-          <a:bodyPr wrap="square" rtlCol="0">
-            <a:spAutoFit/>
-          </a:bodyPr>
-          <a:lstStyle/>
-          <a:p>
-            <a:r>
-              <a:rPr lang="de-DE" dirty="0" err="1"/>
-              <a:t>Juypiter</a:t>
-            </a:r>
-            <a:r>
-              <a:rPr lang="de-DE" dirty="0"/>
-              <a:t> Notebooks</a:t>
-            </a:r>
-          </a:p>
-        </p:txBody>
-      </p:sp>
-      <p:sp>
-        <p:nvSpPr>
-          <p:cNvPr id="9" name="Textfeld 8">
-            <a:extLst>
-              <a:ext uri="{FF2B5EF4-FFF2-40B4-BE49-F238E27FC236}">
-                <a16:creationId xmlns:a16="http://schemas.microsoft.com/office/drawing/2014/main" id="{3ED58CCA-938B-4878-8E0B-C3AE5C52FA99}"/>
-              </a:ext>
-            </a:extLst>
-          </p:cNvPr>
-          <p:cNvSpPr txBox="1"/>
-          <p:nvPr/>
-        </p:nvSpPr>
-        <p:spPr>
-          <a:xfrm>
-            <a:off x="1407618" y="2939137"/>
-            <a:ext cx="4048299" cy="369332"/>
-          </a:xfrm>
-          <a:prstGeom prst="rect">
-            <a:avLst/>
-          </a:prstGeom>
-          <a:noFill/>
-        </p:spPr>
-        <p:txBody>
-          <a:bodyPr wrap="square" rtlCol="0">
-            <a:spAutoFit/>
-          </a:bodyPr>
-          <a:lstStyle/>
-          <a:p>
-            <a:r>
-              <a:rPr lang="de-DE" dirty="0"/>
-              <a:t>Übungen</a:t>
-            </a:r>
-          </a:p>
-        </p:txBody>
-      </p:sp>
-      <p:sp>
-        <p:nvSpPr>
-          <p:cNvPr id="10" name="Textfeld 9">
-            <a:extLst>
-              <a:ext uri="{FF2B5EF4-FFF2-40B4-BE49-F238E27FC236}">
-                <a16:creationId xmlns:a16="http://schemas.microsoft.com/office/drawing/2014/main" id="{C66BEA6E-5326-4124-8373-4518982901E8}"/>
-              </a:ext>
-            </a:extLst>
-          </p:cNvPr>
-          <p:cNvSpPr txBox="1"/>
-          <p:nvPr/>
-        </p:nvSpPr>
-        <p:spPr>
-          <a:xfrm>
-            <a:off x="1407617" y="2569809"/>
-            <a:ext cx="4048299" cy="369332"/>
-          </a:xfrm>
-          <a:prstGeom prst="rect">
-            <a:avLst/>
-          </a:prstGeom>
-          <a:noFill/>
-        </p:spPr>
-        <p:txBody>
-          <a:bodyPr wrap="square" rtlCol="0">
-            <a:spAutoFit/>
-          </a:bodyPr>
-          <a:lstStyle/>
-          <a:p>
-            <a:r>
-              <a:rPr lang="de-DE" dirty="0"/>
-              <a:t>Skript</a:t>
-            </a:r>
-          </a:p>
-        </p:txBody>
-      </p:sp>
-      <p:sp>
-        <p:nvSpPr>
-          <p:cNvPr id="11" name="Textfeld 10">
-            <a:extLst>
-              <a:ext uri="{FF2B5EF4-FFF2-40B4-BE49-F238E27FC236}">
-                <a16:creationId xmlns:a16="http://schemas.microsoft.com/office/drawing/2014/main" id="{1587F2B8-0451-48B0-ADBB-827478902C07}"/>
-              </a:ext>
-            </a:extLst>
-          </p:cNvPr>
-          <p:cNvSpPr txBox="1"/>
-          <p:nvPr/>
-        </p:nvSpPr>
-        <p:spPr>
-          <a:xfrm>
-            <a:off x="1407616" y="3734194"/>
-            <a:ext cx="4048299" cy="369332"/>
-          </a:xfrm>
-          <a:prstGeom prst="rect">
-            <a:avLst/>
-          </a:prstGeom>
-          <a:noFill/>
-        </p:spPr>
-        <p:txBody>
-          <a:bodyPr wrap="square" rtlCol="0">
-            <a:spAutoFit/>
-          </a:bodyPr>
-          <a:lstStyle/>
-          <a:p>
-            <a:r>
-              <a:rPr lang="de-DE" dirty="0"/>
-              <a:t>Links</a:t>
-            </a:r>
-          </a:p>
-        </p:txBody>
-      </p:sp>
-      <p:sp>
-        <p:nvSpPr>
-          <p:cNvPr id="2" name="Titel 1">
-            <a:extLst>
-              <a:ext uri="{FF2B5EF4-FFF2-40B4-BE49-F238E27FC236}">
-                <a16:creationId xmlns:a16="http://schemas.microsoft.com/office/drawing/2014/main" id="{1CB4BC98-DC42-4B6B-A4E4-AC6F97B598F6}"/>
-              </a:ext>
-            </a:extLst>
-          </p:cNvPr>
-          <p:cNvSpPr>
-            <a:spLocks noGrp="1"/>
-          </p:cNvSpPr>
-          <p:nvPr>
-            <p:ph type="title"/>
+          <p:cNvSpPr>
+            <a:spLocks noGrp="1"/>
+          </p:cNvSpPr>
+          <p:nvPr>
+            <p:ph type="body" sz="quarter" idx="11"/>
           </p:nvPr>
         </p:nvSpPr>
         <p:spPr/>
@@ -4557,59 +5537,9 @@
           <a:bodyPr/>
           <a:lstStyle/>
           <a:p>
-            <a:endParaRPr lang="de-DE"/>
-          </a:p>
-        </p:txBody>
-      </p:sp>
-      <p:sp>
-        <p:nvSpPr>
-          <p:cNvPr id="3" name="Inhaltsplatzhalter 2">
-            <a:extLst>
-              <a:ext uri="{FF2B5EF4-FFF2-40B4-BE49-F238E27FC236}">
-                <a16:creationId xmlns:a16="http://schemas.microsoft.com/office/drawing/2014/main" id="{B7A1B66B-7F40-4E3C-971E-9DA5AF9FF608}"/>
-              </a:ext>
-            </a:extLst>
-          </p:cNvPr>
-          <p:cNvSpPr>
-            <a:spLocks noGrp="1"/>
-          </p:cNvSpPr>
-          <p:nvPr>
-            <p:ph idx="1"/>
-          </p:nvPr>
-        </p:nvSpPr>
-        <p:spPr/>
-        <p:txBody>
-          <a:bodyPr/>
-          <a:lstStyle/>
-          <a:p>
-            <a:endParaRPr lang="de-DE" dirty="0"/>
-          </a:p>
-        </p:txBody>
-      </p:sp>
-      <p:sp>
-        <p:nvSpPr>
-          <p:cNvPr id="12" name="Textplatzhalter 11">
-            <a:extLst>
-              <a:ext uri="{FF2B5EF4-FFF2-40B4-BE49-F238E27FC236}">
-                <a16:creationId xmlns:a16="http://schemas.microsoft.com/office/drawing/2014/main" id="{BF37DF42-310F-4F51-B81F-B5FB7EFBE045}"/>
-              </a:ext>
-            </a:extLst>
-          </p:cNvPr>
-          <p:cNvSpPr>
-            <a:spLocks noGrp="1"/>
-          </p:cNvSpPr>
-          <p:nvPr>
-            <p:ph type="body" sz="quarter" idx="11"/>
-          </p:nvPr>
-        </p:nvSpPr>
-        <p:spPr/>
-        <p:txBody>
-          <a:bodyPr/>
-          <a:lstStyle/>
-          <a:p>
-            <a:r>
-              <a:rPr lang="de-DE" dirty="0"/>
-              <a:t>BESONDERHEITEN</a:t>
+            <a:r>
+              <a:rPr lang="de-DE" dirty="0"/>
+              <a:t>MOTIVATION</a:t>
             </a:r>
           </a:p>
         </p:txBody>
@@ -4617,7 +5547,7 @@
     </p:spTree>
     <p:extLst>
       <p:ext uri="{BB962C8B-B14F-4D97-AF65-F5344CB8AC3E}">
-        <p14:creationId xmlns:p14="http://schemas.microsoft.com/office/powerpoint/2010/main" val="919313021"/>
+        <p14:creationId xmlns:p14="http://schemas.microsoft.com/office/powerpoint/2010/main" val="2261502912"/>
       </p:ext>
     </p:extLst>
   </p:cSld>
@@ -4646,89 +5576,96 @@
       </p:grpSpPr>
       <p:sp>
         <p:nvSpPr>
-          <p:cNvPr id="4" name="Textfeld 3">
+          <p:cNvPr id="2" name="Titel 1">
             <a:extLst>
               <a:ext uri="{FF2B5EF4-FFF2-40B4-BE49-F238E27FC236}">
-                <a16:creationId xmlns:a16="http://schemas.microsoft.com/office/drawing/2014/main" id="{547F1E96-E7A5-4068-9B20-13EE8FAFE552}"/>
+                <a16:creationId xmlns:a16="http://schemas.microsoft.com/office/drawing/2014/main" id="{1CB4BC98-DC42-4B6B-A4E4-AC6F97B598F6}"/>
               </a:ext>
             </a:extLst>
           </p:cNvPr>
-          <p:cNvSpPr txBox="1"/>
-          <p:nvPr/>
-        </p:nvSpPr>
-        <p:spPr>
-          <a:xfrm>
-            <a:off x="681644" y="714895"/>
-            <a:ext cx="5636029" cy="369332"/>
-          </a:xfrm>
-          <a:prstGeom prst="rect">
-            <a:avLst/>
-          </a:prstGeom>
-          <a:noFill/>
-        </p:spPr>
-        <p:txBody>
-          <a:bodyPr wrap="square" rtlCol="0">
-            <a:spAutoFit/>
+          <p:cNvSpPr>
+            <a:spLocks noGrp="1"/>
+          </p:cNvSpPr>
+          <p:nvPr>
+            <p:ph type="title"/>
+          </p:nvPr>
+        </p:nvSpPr>
+        <p:spPr/>
+        <p:txBody>
+          <a:bodyPr>
+            <a:normAutofit fontScale="90000"/>
           </a:bodyPr>
           <a:lstStyle/>
           <a:p>
             <a:r>
               <a:rPr lang="de-DE" dirty="0"/>
-              <a:t>Zusammenarbeit</a:t>
-            </a:r>
-          </a:p>
-        </p:txBody>
-      </p:sp>
-      <p:sp>
-        <p:nvSpPr>
-          <p:cNvPr id="2" name="Textfeld 1">
+              <a:t>Kernprinzipien und Besonderheiten</a:t>
+            </a:r>
+            <a:br>
+              <a:rPr lang="de-DE" dirty="0"/>
+            </a:br>
+            <a:endParaRPr lang="de-DE" dirty="0"/>
+          </a:p>
+        </p:txBody>
+      </p:sp>
+      <p:sp>
+        <p:nvSpPr>
+          <p:cNvPr id="3" name="Inhaltsplatzhalter 2">
             <a:extLst>
               <a:ext uri="{FF2B5EF4-FFF2-40B4-BE49-F238E27FC236}">
-                <a16:creationId xmlns:a16="http://schemas.microsoft.com/office/drawing/2014/main" id="{F02C3C34-15CC-4D51-ADA9-18C315E48408}"/>
+                <a16:creationId xmlns:a16="http://schemas.microsoft.com/office/drawing/2014/main" id="{B7A1B66B-7F40-4E3C-971E-9DA5AF9FF608}"/>
               </a:ext>
             </a:extLst>
           </p:cNvPr>
-          <p:cNvSpPr txBox="1"/>
-          <p:nvPr/>
-        </p:nvSpPr>
-        <p:spPr>
-          <a:xfrm>
-            <a:off x="1280160" y="2286000"/>
-            <a:ext cx="5361709" cy="923330"/>
-          </a:xfrm>
-          <a:prstGeom prst="rect">
-            <a:avLst/>
-          </a:prstGeom>
-          <a:noFill/>
-        </p:spPr>
-        <p:txBody>
-          <a:bodyPr wrap="square" rtlCol="0">
-            <a:spAutoFit/>
-          </a:bodyPr>
-          <a:lstStyle/>
-          <a:p>
-            <a:r>
-              <a:rPr lang="de-DE" dirty="0"/>
-              <a:t>Neuer Kurs, Feedback erwünscht</a:t>
-            </a:r>
-          </a:p>
-          <a:p>
-            <a:r>
-              <a:rPr lang="de-DE" dirty="0"/>
-              <a:t>Stellt Fragen </a:t>
-            </a:r>
-          </a:p>
-          <a:p>
-            <a:endParaRPr lang="de-DE" dirty="0"/>
-          </a:p>
-        </p:txBody>
-      </p:sp>
-      <p:sp>
-        <p:nvSpPr>
-          <p:cNvPr id="8" name="Titel 7">
+          <p:cNvSpPr>
+            <a:spLocks noGrp="1"/>
+          </p:cNvSpPr>
+          <p:nvPr>
+            <p:ph idx="1"/>
+          </p:nvPr>
+        </p:nvSpPr>
+        <p:spPr/>
+        <p:txBody>
+          <a:bodyPr/>
+          <a:lstStyle/>
+          <a:p>
+            <a:pPr marL="0" indent="0">
+              <a:buNone/>
+            </a:pPr>
+            <a:r>
+              <a:rPr lang="de-DE" b="1" dirty="0"/>
+              <a:t>Erklärung und Übungsphasen</a:t>
+            </a:r>
+          </a:p>
+          <a:p>
+            <a:pPr marL="0" indent="0">
+              <a:buNone/>
+            </a:pPr>
+            <a:r>
+              <a:rPr lang="de-DE" dirty="0"/>
+              <a:t>Eine Seminareinheit ist geteilt in zwei Abschnitte. </a:t>
+            </a:r>
+          </a:p>
+          <a:p>
+            <a:r>
+              <a:rPr lang="de-DE" dirty="0"/>
+              <a:t>Im ersten Abschnitt  werden Ihnen die Grundlagen für die Übungen vermittelt. Bitte klicken Sie nicht mit!</a:t>
+            </a:r>
+          </a:p>
+          <a:p>
+            <a:r>
+              <a:rPr lang="de-DE" dirty="0"/>
+              <a:t>In den Übungen haben Sie Zeit die Grundlagen selber praktisch anzuwenden und zu vertiefen.</a:t>
+            </a:r>
+          </a:p>
+        </p:txBody>
+      </p:sp>
+      <p:sp>
+        <p:nvSpPr>
+          <p:cNvPr id="12" name="Textplatzhalter 11">
             <a:extLst>
               <a:ext uri="{FF2B5EF4-FFF2-40B4-BE49-F238E27FC236}">
-                <a16:creationId xmlns:a16="http://schemas.microsoft.com/office/drawing/2014/main" id="{9867D752-BB0C-4393-A00B-5715AEF40D66}"/>
+                <a16:creationId xmlns:a16="http://schemas.microsoft.com/office/drawing/2014/main" id="{BF37DF42-310F-4F51-B81F-B5FB7EFBE045}"/>
               </a:ext>
             </a:extLst>
           </p:cNvPr>
@@ -4736,7 +5673,7 @@
             <a:spLocks noGrp="1"/>
           </p:cNvSpPr>
           <p:nvPr>
-            <p:ph type="title"/>
+            <p:ph type="body" sz="quarter" idx="11"/>
           </p:nvPr>
         </p:nvSpPr>
         <p:spPr/>
@@ -4744,59 +5681,9 @@
           <a:bodyPr/>
           <a:lstStyle/>
           <a:p>
-            <a:endParaRPr lang="de-DE"/>
-          </a:p>
-        </p:txBody>
-      </p:sp>
-      <p:sp>
-        <p:nvSpPr>
-          <p:cNvPr id="9" name="Inhaltsplatzhalter 8">
-            <a:extLst>
-              <a:ext uri="{FF2B5EF4-FFF2-40B4-BE49-F238E27FC236}">
-                <a16:creationId xmlns:a16="http://schemas.microsoft.com/office/drawing/2014/main" id="{4805D453-6DC8-4856-822E-7BA9C1F243DC}"/>
-              </a:ext>
-            </a:extLst>
-          </p:cNvPr>
-          <p:cNvSpPr>
-            <a:spLocks noGrp="1"/>
-          </p:cNvSpPr>
-          <p:nvPr>
-            <p:ph idx="1"/>
-          </p:nvPr>
-        </p:nvSpPr>
-        <p:spPr/>
-        <p:txBody>
-          <a:bodyPr/>
-          <a:lstStyle/>
-          <a:p>
-            <a:endParaRPr lang="de-DE"/>
-          </a:p>
-        </p:txBody>
-      </p:sp>
-      <p:sp>
-        <p:nvSpPr>
-          <p:cNvPr id="6" name="Textplatzhalter 5">
-            <a:extLst>
-              <a:ext uri="{FF2B5EF4-FFF2-40B4-BE49-F238E27FC236}">
-                <a16:creationId xmlns:a16="http://schemas.microsoft.com/office/drawing/2014/main" id="{A2CFD462-2C8E-4447-8233-10382DBA2471}"/>
-              </a:ext>
-            </a:extLst>
-          </p:cNvPr>
-          <p:cNvSpPr>
-            <a:spLocks noGrp="1"/>
-          </p:cNvSpPr>
-          <p:nvPr>
-            <p:ph type="body" sz="quarter" idx="11"/>
-          </p:nvPr>
-        </p:nvSpPr>
-        <p:spPr/>
-        <p:txBody>
-          <a:bodyPr/>
-          <a:lstStyle/>
-          <a:p>
-            <a:r>
-              <a:rPr lang="de-DE" dirty="0"/>
-              <a:t>ZUSAMMENARBETI</a:t>
+            <a:r>
+              <a:rPr lang="de-DE" dirty="0"/>
+              <a:t>AUFBAU</a:t>
             </a:r>
           </a:p>
         </p:txBody>
@@ -4804,7 +5691,7 @@
     </p:spTree>
     <p:extLst>
       <p:ext uri="{BB962C8B-B14F-4D97-AF65-F5344CB8AC3E}">
-        <p14:creationId xmlns:p14="http://schemas.microsoft.com/office/powerpoint/2010/main" val="276986113"/>
+        <p14:creationId xmlns:p14="http://schemas.microsoft.com/office/powerpoint/2010/main" val="919313021"/>
       </p:ext>
     </p:extLst>
   </p:cSld>
@@ -4833,10 +5720,10 @@
       </p:grpSpPr>
       <p:sp>
         <p:nvSpPr>
-          <p:cNvPr id="5" name="Titel 4">
+          <p:cNvPr id="2" name="Titel 1">
             <a:extLst>
               <a:ext uri="{FF2B5EF4-FFF2-40B4-BE49-F238E27FC236}">
-                <a16:creationId xmlns:a16="http://schemas.microsoft.com/office/drawing/2014/main" id="{30D036D8-89B9-47BE-B0D2-7A4C1D6F2178}"/>
+                <a16:creationId xmlns:a16="http://schemas.microsoft.com/office/drawing/2014/main" id="{1CB4BC98-DC42-4B6B-A4E4-AC6F97B598F6}"/>
               </a:ext>
             </a:extLst>
           </p:cNvPr>
@@ -4849,22 +5736,28 @@
         </p:nvSpPr>
         <p:spPr/>
         <p:txBody>
-          <a:bodyPr/>
-          <a:lstStyle/>
-          <a:p>
-            <a:r>
-              <a:rPr lang="de-DE" dirty="0"/>
-              <a:t>Kurszeiten</a:t>
-            </a:r>
-          </a:p>
-        </p:txBody>
-      </p:sp>
-      <p:sp>
-        <p:nvSpPr>
-          <p:cNvPr id="20" name="Inhaltsplatzhalter 19">
+          <a:bodyPr>
+            <a:normAutofit fontScale="90000"/>
+          </a:bodyPr>
+          <a:lstStyle/>
+          <a:p>
+            <a:r>
+              <a:rPr lang="de-DE" dirty="0"/>
+              <a:t>Kernprinzipien und Besonderheiten</a:t>
+            </a:r>
+            <a:br>
+              <a:rPr lang="de-DE" dirty="0"/>
+            </a:br>
+            <a:endParaRPr lang="de-DE" dirty="0"/>
+          </a:p>
+        </p:txBody>
+      </p:sp>
+      <p:sp>
+        <p:nvSpPr>
+          <p:cNvPr id="3" name="Inhaltsplatzhalter 2">
             <a:extLst>
               <a:ext uri="{FF2B5EF4-FFF2-40B4-BE49-F238E27FC236}">
-                <a16:creationId xmlns:a16="http://schemas.microsoft.com/office/drawing/2014/main" id="{A9A20E52-0970-4F94-8EB5-8FA5DE6FDAAD}"/>
+                <a16:creationId xmlns:a16="http://schemas.microsoft.com/office/drawing/2014/main" id="{B7A1B66B-7F40-4E3C-971E-9DA5AF9FF608}"/>
               </a:ext>
             </a:extLst>
           </p:cNvPr>
@@ -4880,16 +5773,55 @@
           <a:bodyPr/>
           <a:lstStyle/>
           <a:p>
-            <a:endParaRPr lang="de-DE"/>
-          </a:p>
-        </p:txBody>
-      </p:sp>
-      <p:sp>
-        <p:nvSpPr>
-          <p:cNvPr id="17" name="Textplatzhalter 16">
+            <a:r>
+              <a:rPr lang="de-DE" dirty="0"/>
+              <a:t>Arbeit in sogenannten Notebooks</a:t>
+            </a:r>
+          </a:p>
+          <a:p>
+            <a:r>
+              <a:rPr lang="de-DE" dirty="0"/>
+              <a:t>Englisch als Hauptsprache der Informationsquellen</a:t>
+            </a:r>
+          </a:p>
+          <a:p>
+            <a:r>
+              <a:rPr lang="de-DE" dirty="0"/>
+              <a:t>Variablennamen sind stehts auf englisch</a:t>
+            </a:r>
+          </a:p>
+          <a:p>
+            <a:r>
+              <a:rPr lang="de-DE" dirty="0"/>
+              <a:t>Es gibt kein klassisches Skript, sondern Sie erhalten die interaktive und kommentierte Version der Erklärung</a:t>
+            </a:r>
+          </a:p>
+          <a:p>
+            <a:r>
+              <a:rPr lang="de-DE" dirty="0"/>
+              <a:t>Übungen enthalten viele Zusatzaufgaben, Freiraum selber weiterzudenken</a:t>
+            </a:r>
+          </a:p>
+          <a:p>
+            <a:r>
+              <a:rPr lang="de-DE" dirty="0"/>
+              <a:t>Viele Links als Informationsquellen</a:t>
+            </a:r>
+          </a:p>
+          <a:p>
+            <a:pPr marL="0" indent="0">
+              <a:buNone/>
+            </a:pPr>
+            <a:endParaRPr lang="de-DE" dirty="0"/>
+          </a:p>
+        </p:txBody>
+      </p:sp>
+      <p:sp>
+        <p:nvSpPr>
+          <p:cNvPr id="12" name="Textplatzhalter 11">
             <a:extLst>
               <a:ext uri="{FF2B5EF4-FFF2-40B4-BE49-F238E27FC236}">
-                <a16:creationId xmlns:a16="http://schemas.microsoft.com/office/drawing/2014/main" id="{B802A629-3FC8-49ED-BD19-B02A6605E8A4}"/>
+                <a16:creationId xmlns:a16="http://schemas.microsoft.com/office/drawing/2014/main" id="{BF37DF42-310F-4F51-B81F-B5FB7EFBE045}"/>
               </a:ext>
             </a:extLst>
           </p:cNvPr>
@@ -4907,7 +5839,7 @@
           <a:p>
             <a:r>
               <a:rPr lang="de-DE" dirty="0"/>
-              <a:t>KURSZEITEN</a:t>
+              <a:t>BESONDERHEITEN</a:t>
             </a:r>
           </a:p>
         </p:txBody>
@@ -4915,7 +5847,7 @@
     </p:spTree>
     <p:extLst>
       <p:ext uri="{BB962C8B-B14F-4D97-AF65-F5344CB8AC3E}">
-        <p14:creationId xmlns:p14="http://schemas.microsoft.com/office/powerpoint/2010/main" val="2185082341"/>
+        <p14:creationId xmlns:p14="http://schemas.microsoft.com/office/powerpoint/2010/main" val="2916029712"/>
       </p:ext>
     </p:extLst>
   </p:cSld>
@@ -4944,62 +5876,38 @@
       </p:grpSpPr>
       <p:sp>
         <p:nvSpPr>
-          <p:cNvPr id="7" name="Rechteck 6">
+          <p:cNvPr id="8" name="Titel 7">
             <a:extLst>
               <a:ext uri="{FF2B5EF4-FFF2-40B4-BE49-F238E27FC236}">
-                <a16:creationId xmlns:a16="http://schemas.microsoft.com/office/drawing/2014/main" id="{D7AAD257-C6F8-41DB-B07A-B4A46584AF26}"/>
+                <a16:creationId xmlns:a16="http://schemas.microsoft.com/office/drawing/2014/main" id="{9867D752-BB0C-4393-A00B-5715AEF40D66}"/>
               </a:ext>
             </a:extLst>
           </p:cNvPr>
-          <p:cNvSpPr/>
-          <p:nvPr/>
-        </p:nvSpPr>
-        <p:spPr>
-          <a:xfrm>
-            <a:off x="0" y="0"/>
-            <a:ext cx="1155469" cy="6858000"/>
-          </a:xfrm>
-          <a:prstGeom prst="rect">
-            <a:avLst/>
-          </a:prstGeom>
-          <a:solidFill>
-            <a:srgbClr val="FFC000"/>
-          </a:solidFill>
-          <a:ln>
-            <a:noFill/>
-          </a:ln>
-        </p:spPr>
-        <p:style>
-          <a:lnRef idx="2">
-            <a:schemeClr val="accent1">
-              <a:shade val="50000"/>
-            </a:schemeClr>
-          </a:lnRef>
-          <a:fillRef idx="1">
-            <a:schemeClr val="accent1"/>
-          </a:fillRef>
-          <a:effectRef idx="0">
-            <a:schemeClr val="accent1"/>
-          </a:effectRef>
-          <a:fontRef idx="minor">
-            <a:schemeClr val="lt1"/>
-          </a:fontRef>
-        </p:style>
-        <p:txBody>
-          <a:bodyPr rtlCol="0" anchor="ctr"/>
-          <a:lstStyle/>
-          <a:p>
-            <a:pPr algn="ctr"/>
-            <a:endParaRPr lang="de-DE"/>
-          </a:p>
-        </p:txBody>
-      </p:sp>
-      <p:sp>
-        <p:nvSpPr>
-          <p:cNvPr id="2" name="Titel 1">
+          <p:cNvSpPr>
+            <a:spLocks noGrp="1"/>
+          </p:cNvSpPr>
+          <p:nvPr>
+            <p:ph type="title"/>
+          </p:nvPr>
+        </p:nvSpPr>
+        <p:spPr/>
+        <p:txBody>
+          <a:bodyPr/>
+          <a:lstStyle/>
+          <a:p>
+            <a:r>
+              <a:rPr lang="de-DE" dirty="0"/>
+              <a:t>Zusammenarbeit</a:t>
+            </a:r>
+          </a:p>
+        </p:txBody>
+      </p:sp>
+      <p:sp>
+        <p:nvSpPr>
+          <p:cNvPr id="9" name="Inhaltsplatzhalter 8">
             <a:extLst>
               <a:ext uri="{FF2B5EF4-FFF2-40B4-BE49-F238E27FC236}">
-                <a16:creationId xmlns:a16="http://schemas.microsoft.com/office/drawing/2014/main" id="{FC2FA898-8F74-466B-8EA0-61A5DE01866E}"/>
+                <a16:creationId xmlns:a16="http://schemas.microsoft.com/office/drawing/2014/main" id="{4805D453-6DC8-4856-822E-7BA9C1F243DC}"/>
               </a:ext>
             </a:extLst>
           </p:cNvPr>
@@ -5007,212 +5915,77 @@
             <a:spLocks noGrp="1"/>
           </p:cNvSpPr>
           <p:nvPr>
-            <p:ph type="title"/>
-          </p:nvPr>
-        </p:nvSpPr>
-        <p:spPr>
-          <a:xfrm>
-            <a:off x="1953490" y="472216"/>
-            <a:ext cx="5237019" cy="665683"/>
-          </a:xfrm>
-        </p:spPr>
-        <p:txBody>
-          <a:bodyPr>
-            <a:normAutofit fontScale="90000"/>
-          </a:bodyPr>
-          <a:lstStyle/>
-          <a:p>
-            <a:pPr algn="ctr"/>
-            <a:r>
-              <a:rPr lang="de-DE" sz="2800" dirty="0">
-                <a:latin typeface="Roboto" panose="02000000000000000000" pitchFamily="2" charset="0"/>
-                <a:ea typeface="Roboto" panose="02000000000000000000" pitchFamily="2" charset="0"/>
-              </a:rPr>
-              <a:t>Installation </a:t>
-            </a:r>
-            <a:r>
-              <a:rPr lang="de-DE" sz="2800" dirty="0" err="1">
-                <a:latin typeface="Roboto" panose="02000000000000000000" pitchFamily="2" charset="0"/>
-                <a:ea typeface="Roboto" panose="02000000000000000000" pitchFamily="2" charset="0"/>
-              </a:rPr>
-              <a:t>Anaconda</a:t>
-            </a:r>
-            <a:r>
-              <a:rPr lang="de-DE" sz="2800" dirty="0">
-                <a:latin typeface="Roboto" panose="02000000000000000000" pitchFamily="2" charset="0"/>
-                <a:ea typeface="Roboto" panose="02000000000000000000" pitchFamily="2" charset="0"/>
-              </a:rPr>
-              <a:t> </a:t>
-            </a:r>
-            <a:r>
-              <a:rPr lang="de-DE" sz="2800" dirty="0" err="1">
-                <a:latin typeface="Roboto" panose="02000000000000000000" pitchFamily="2" charset="0"/>
-                <a:ea typeface="Roboto" panose="02000000000000000000" pitchFamily="2" charset="0"/>
-              </a:rPr>
-              <a:t>Enviroment</a:t>
-            </a:r>
-            <a:endParaRPr lang="de-DE" sz="2800" dirty="0">
-              <a:latin typeface="Roboto" panose="02000000000000000000" pitchFamily="2" charset="0"/>
-              <a:ea typeface="Roboto" panose="02000000000000000000" pitchFamily="2" charset="0"/>
-            </a:endParaRPr>
-          </a:p>
-        </p:txBody>
-      </p:sp>
-      <p:pic>
-        <p:nvPicPr>
-          <p:cNvPr id="5" name="Inhaltsplatzhalter 4">
+            <p:ph idx="1"/>
+          </p:nvPr>
+        </p:nvSpPr>
+        <p:spPr/>
+        <p:txBody>
+          <a:bodyPr/>
+          <a:lstStyle/>
+          <a:p>
+            <a:pPr marL="0" indent="0">
+              <a:buNone/>
+            </a:pPr>
+            <a:endParaRPr lang="de-DE" dirty="0"/>
+          </a:p>
+          <a:p>
+            <a:pPr marL="0" indent="0">
+              <a:buNone/>
+            </a:pPr>
+            <a:endParaRPr lang="de-DE" dirty="0"/>
+          </a:p>
+          <a:p>
+            <a:pPr marL="0" indent="0">
+              <a:buNone/>
+            </a:pPr>
+            <a:r>
+              <a:rPr lang="de-DE" dirty="0"/>
+              <a:t>Stört Sie was, unklar worauf ich hinaus will. Bitte melden Sie sich!</a:t>
+            </a:r>
+          </a:p>
+          <a:p>
+            <a:pPr marL="0" indent="0">
+              <a:buNone/>
+            </a:pPr>
+            <a:r>
+              <a:rPr lang="de-DE" sz="2000" dirty="0"/>
+              <a:t>Hinweis: Dies ist ein relativ neuer Kurs. Sollten Ihnen daher etwas auffallen oder etwas unstimmig sein, sagen Sie Bescheid. </a:t>
+            </a:r>
+          </a:p>
+        </p:txBody>
+      </p:sp>
+      <p:sp>
+        <p:nvSpPr>
+          <p:cNvPr id="6" name="Textplatzhalter 5">
             <a:extLst>
               <a:ext uri="{FF2B5EF4-FFF2-40B4-BE49-F238E27FC236}">
-                <a16:creationId xmlns:a16="http://schemas.microsoft.com/office/drawing/2014/main" id="{4AF209E9-F11D-4FA0-9909-047FA1FD0CA4}"/>
+                <a16:creationId xmlns:a16="http://schemas.microsoft.com/office/drawing/2014/main" id="{A2CFD462-2C8E-4447-8233-10382DBA2471}"/>
               </a:ext>
             </a:extLst>
           </p:cNvPr>
-          <p:cNvPicPr>
-            <a:picLocks noGrp="1" noChangeAspect="1"/>
-          </p:cNvPicPr>
-          <p:nvPr>
-            <p:ph idx="1"/>
-          </p:nvPr>
-        </p:nvPicPr>
-        <p:blipFill>
-          <a:blip r:embed="rId2">
-            <a:extLst>
-              <a:ext uri="{28A0092B-C50C-407E-A947-70E740481C1C}">
-                <a14:useLocalDpi xmlns:a14="http://schemas.microsoft.com/office/drawing/2010/main" val="0"/>
-              </a:ext>
-            </a:extLst>
-          </a:blip>
-          <a:stretch>
-            <a:fillRect/>
-          </a:stretch>
-        </p:blipFill>
-        <p:spPr>
-          <a:xfrm>
-            <a:off x="471784" y="-256730"/>
-            <a:ext cx="1367367" cy="2172353"/>
-          </a:xfrm>
-        </p:spPr>
-      </p:pic>
-      <p:sp>
-        <p:nvSpPr>
-          <p:cNvPr id="6" name="Textfeld 5">
-            <a:extLst>
-              <a:ext uri="{FF2B5EF4-FFF2-40B4-BE49-F238E27FC236}">
-                <a16:creationId xmlns:a16="http://schemas.microsoft.com/office/drawing/2014/main" id="{9C75017A-5BFD-4F42-B226-67DD4DA80B79}"/>
-              </a:ext>
-            </a:extLst>
-          </p:cNvPr>
-          <p:cNvSpPr txBox="1"/>
-          <p:nvPr/>
-        </p:nvSpPr>
-        <p:spPr>
-          <a:xfrm>
-            <a:off x="7057504" y="6518140"/>
-            <a:ext cx="2086496" cy="230832"/>
-          </a:xfrm>
-          <a:prstGeom prst="rect">
-            <a:avLst/>
-          </a:prstGeom>
-          <a:noFill/>
-        </p:spPr>
-        <p:txBody>
-          <a:bodyPr wrap="square" rtlCol="0">
-            <a:spAutoFit/>
-          </a:bodyPr>
-          <a:lstStyle/>
-          <a:p>
-            <a:pPr algn="ctr"/>
-            <a:r>
-              <a:rPr lang="de-DE" sz="900" dirty="0">
-                <a:solidFill>
-                  <a:schemeClr val="bg1">
-                    <a:lumMod val="75000"/>
-                  </a:schemeClr>
-                </a:solidFill>
-                <a:latin typeface="Roboto" panose="02000000000000000000" pitchFamily="2" charset="0"/>
-                <a:ea typeface="Roboto" panose="02000000000000000000" pitchFamily="2" charset="0"/>
-              </a:rPr>
-              <a:t>Copyright 2019 </a:t>
-            </a:r>
-            <a:r>
-              <a:rPr lang="de-DE" sz="900" dirty="0" err="1">
-                <a:solidFill>
-                  <a:schemeClr val="bg1">
-                    <a:lumMod val="75000"/>
-                  </a:schemeClr>
-                </a:solidFill>
-                <a:latin typeface="Roboto" panose="02000000000000000000" pitchFamily="2" charset="0"/>
-                <a:ea typeface="Roboto" panose="02000000000000000000" pitchFamily="2" charset="0"/>
-              </a:rPr>
-              <a:t>by</a:t>
-            </a:r>
-            <a:r>
-              <a:rPr lang="de-DE" sz="900" dirty="0">
-                <a:solidFill>
-                  <a:schemeClr val="bg1">
-                    <a:lumMod val="75000"/>
-                  </a:schemeClr>
-                </a:solidFill>
-                <a:latin typeface="Roboto" panose="02000000000000000000" pitchFamily="2" charset="0"/>
-                <a:ea typeface="Roboto" panose="02000000000000000000" pitchFamily="2" charset="0"/>
-              </a:rPr>
-              <a:t> Max Mönch</a:t>
-            </a:r>
-          </a:p>
-        </p:txBody>
-      </p:sp>
-      <p:sp>
-        <p:nvSpPr>
-          <p:cNvPr id="8" name="Textfeld 7">
-            <a:extLst>
-              <a:ext uri="{FF2B5EF4-FFF2-40B4-BE49-F238E27FC236}">
-                <a16:creationId xmlns:a16="http://schemas.microsoft.com/office/drawing/2014/main" id="{595B06D2-DFA9-4390-958A-D516455F581D}"/>
-              </a:ext>
-            </a:extLst>
-          </p:cNvPr>
-          <p:cNvSpPr txBox="1"/>
-          <p:nvPr/>
-        </p:nvSpPr>
-        <p:spPr>
-          <a:xfrm rot="16200000">
-            <a:off x="-2681336" y="2997459"/>
-            <a:ext cx="6518140" cy="523220"/>
-          </a:xfrm>
-          <a:prstGeom prst="rect">
-            <a:avLst/>
-          </a:prstGeom>
-          <a:noFill/>
-        </p:spPr>
-        <p:txBody>
-          <a:bodyPr wrap="square" rtlCol="0">
-            <a:spAutoFit/>
-          </a:bodyPr>
-          <a:lstStyle/>
-          <a:p>
-            <a:r>
-              <a:rPr lang="de-DE" sz="2800" dirty="0">
-                <a:solidFill>
-                  <a:schemeClr val="bg1"/>
-                </a:solidFill>
-                <a:latin typeface="Roboto" panose="02000000000000000000" pitchFamily="2" charset="0"/>
-                <a:ea typeface="Roboto" panose="02000000000000000000" pitchFamily="2" charset="0"/>
-              </a:rPr>
-              <a:t>EINFÜHRUNG</a:t>
-            </a:r>
-            <a:endParaRPr lang="de-DE" sz="3600" dirty="0">
-              <a:solidFill>
-                <a:schemeClr val="bg1"/>
-              </a:solidFill>
-              <a:latin typeface="Roboto" panose="02000000000000000000" pitchFamily="2" charset="0"/>
-              <a:ea typeface="Roboto" panose="02000000000000000000" pitchFamily="2" charset="0"/>
-            </a:endParaRPr>
+          <p:cNvSpPr>
+            <a:spLocks noGrp="1"/>
+          </p:cNvSpPr>
+          <p:nvPr>
+            <p:ph type="body" sz="quarter" idx="11"/>
+          </p:nvPr>
+        </p:nvSpPr>
+        <p:spPr/>
+        <p:txBody>
+          <a:bodyPr/>
+          <a:lstStyle/>
+          <a:p>
+            <a:r>
+              <a:rPr lang="de-DE" dirty="0"/>
+              <a:t>ZUSAMMENARBETI</a:t>
+            </a:r>
           </a:p>
         </p:txBody>
       </p:sp>
     </p:spTree>
     <p:extLst>
       <p:ext uri="{BB962C8B-B14F-4D97-AF65-F5344CB8AC3E}">
-        <p14:creationId xmlns:p14="http://schemas.microsoft.com/office/powerpoint/2010/main" val="3801721147"/>
+        <p14:creationId xmlns:p14="http://schemas.microsoft.com/office/powerpoint/2010/main" val="276986113"/>
       </p:ext>
     </p:extLst>
   </p:cSld>

--- a/praesentation/pandas-basic.pptx
+++ b/praesentation/pandas-basic.pptx
@@ -5,21 +5,22 @@
     <p:sldMasterId id="2147483660" r:id="rId1"/>
   </p:sldMasterIdLst>
   <p:handoutMasterIdLst>
-    <p:handoutMasterId r:id="rId14"/>
+    <p:handoutMasterId r:id="rId15"/>
   </p:handoutMasterIdLst>
   <p:sldIdLst>
     <p:sldId id="268" r:id="rId2"/>
     <p:sldId id="256" r:id="rId3"/>
     <p:sldId id="258" r:id="rId4"/>
-    <p:sldId id="262" r:id="rId5"/>
-    <p:sldId id="257" r:id="rId6"/>
-    <p:sldId id="259" r:id="rId7"/>
+    <p:sldId id="259" r:id="rId5"/>
+    <p:sldId id="262" r:id="rId6"/>
+    <p:sldId id="257" r:id="rId7"/>
     <p:sldId id="263" r:id="rId8"/>
     <p:sldId id="266" r:id="rId9"/>
     <p:sldId id="261" r:id="rId10"/>
     <p:sldId id="260" r:id="rId11"/>
     <p:sldId id="264" r:id="rId12"/>
     <p:sldId id="265" r:id="rId13"/>
+    <p:sldId id="269" r:id="rId14"/>
   </p:sldIdLst>
   <p:sldSz cx="9144000" cy="6858000" type="screen4x3"/>
   <p:notesSz cx="6858000" cy="9144000"/>
@@ -223,7 +224,7 @@
           <a:p>
             <a:fld id="{C0891CEB-E06B-41A6-A791-A945BD77A2CE}" type="datetimeFigureOut">
               <a:rPr lang="de-DE" smtClean="0"/>
-              <a:t>08.07.2019</a:t>
+              <a:t>11.07.2019</a:t>
             </a:fld>
             <a:endParaRPr lang="de-DE"/>
           </a:p>
@@ -840,7 +841,7 @@
           <a:p>
             <a:fld id="{4C0C24D1-D28D-4714-8665-7C693EECAB22}" type="datetimeFigureOut">
               <a:rPr lang="de-DE" smtClean="0"/>
-              <a:t>08.07.2019</a:t>
+              <a:t>11.07.2019</a:t>
             </a:fld>
             <a:endParaRPr lang="de-DE"/>
           </a:p>
@@ -1010,7 +1011,7 @@
           <a:p>
             <a:fld id="{4C0C24D1-D28D-4714-8665-7C693EECAB22}" type="datetimeFigureOut">
               <a:rPr lang="de-DE" smtClean="0"/>
-              <a:t>08.07.2019</a:t>
+              <a:t>11.07.2019</a:t>
             </a:fld>
             <a:endParaRPr lang="de-DE"/>
           </a:p>
@@ -1190,7 +1191,7 @@
           <a:p>
             <a:fld id="{4C0C24D1-D28D-4714-8665-7C693EECAB22}" type="datetimeFigureOut">
               <a:rPr lang="de-DE" smtClean="0"/>
-              <a:t>08.07.2019</a:t>
+              <a:t>11.07.2019</a:t>
             </a:fld>
             <a:endParaRPr lang="de-DE"/>
           </a:p>
@@ -2220,7 +2221,7 @@
           <a:p>
             <a:fld id="{4C0C24D1-D28D-4714-8665-7C693EECAB22}" type="datetimeFigureOut">
               <a:rPr lang="de-DE" smtClean="0"/>
-              <a:t>08.07.2019</a:t>
+              <a:t>11.07.2019</a:t>
             </a:fld>
             <a:endParaRPr lang="de-DE"/>
           </a:p>
@@ -2452,7 +2453,7 @@
           <a:p>
             <a:fld id="{4C0C24D1-D28D-4714-8665-7C693EECAB22}" type="datetimeFigureOut">
               <a:rPr lang="de-DE" smtClean="0"/>
-              <a:t>08.07.2019</a:t>
+              <a:t>11.07.2019</a:t>
             </a:fld>
             <a:endParaRPr lang="de-DE"/>
           </a:p>
@@ -2819,7 +2820,7 @@
           <a:p>
             <a:fld id="{4C0C24D1-D28D-4714-8665-7C693EECAB22}" type="datetimeFigureOut">
               <a:rPr lang="de-DE" smtClean="0"/>
-              <a:t>08.07.2019</a:t>
+              <a:t>11.07.2019</a:t>
             </a:fld>
             <a:endParaRPr lang="de-DE"/>
           </a:p>
@@ -2937,7 +2938,7 @@
           <a:p>
             <a:fld id="{4C0C24D1-D28D-4714-8665-7C693EECAB22}" type="datetimeFigureOut">
               <a:rPr lang="de-DE" smtClean="0"/>
-              <a:t>08.07.2019</a:t>
+              <a:t>11.07.2019</a:t>
             </a:fld>
             <a:endParaRPr lang="de-DE"/>
           </a:p>
@@ -3032,7 +3033,7 @@
           <a:p>
             <a:fld id="{4C0C24D1-D28D-4714-8665-7C693EECAB22}" type="datetimeFigureOut">
               <a:rPr lang="de-DE" smtClean="0"/>
-              <a:t>08.07.2019</a:t>
+              <a:t>11.07.2019</a:t>
             </a:fld>
             <a:endParaRPr lang="de-DE"/>
           </a:p>
@@ -3309,7 +3310,7 @@
           <a:p>
             <a:fld id="{4C0C24D1-D28D-4714-8665-7C693EECAB22}" type="datetimeFigureOut">
               <a:rPr lang="de-DE" smtClean="0"/>
-              <a:t>08.07.2019</a:t>
+              <a:t>11.07.2019</a:t>
             </a:fld>
             <a:endParaRPr lang="de-DE"/>
           </a:p>
@@ -3522,7 +3523,7 @@
           <a:p>
             <a:fld id="{4C0C24D1-D28D-4714-8665-7C693EECAB22}" type="datetimeFigureOut">
               <a:rPr lang="de-DE" smtClean="0"/>
-              <a:t>08.07.2019</a:t>
+              <a:t>11.07.2019</a:t>
             </a:fld>
             <a:endParaRPr lang="de-DE"/>
           </a:p>
@@ -3959,7 +3960,7 @@
             <a:pPr algn="ctr"/>
             <a:r>
               <a:rPr lang="de-DE" sz="6600" dirty="0"/>
-              <a:t>11:00 Uhr</a:t>
+              <a:t>13:50 Uhr</a:t>
             </a:r>
           </a:p>
         </p:txBody>
@@ -4372,7 +4373,7 @@
             </a:pPr>
             <a:r>
               <a:rPr lang="de-DE" dirty="0"/>
-              <a:t>Bevor wir starten können müssen wir erst alle notwendigen Bibliotheken installieren. Praktischer Weise hilft uns hier </a:t>
+              <a:t>Bevor wir starten können müssen wir erst alle notwendigen Bibliotheken installieren. praktischer Weise hilft uns hier </a:t>
             </a:r>
             <a:r>
               <a:rPr lang="de-DE" dirty="0" err="1"/>
@@ -4395,23 +4396,35 @@
             </a:pPr>
             <a:r>
               <a:rPr lang="de-DE" dirty="0"/>
-              <a:t>In dem Verzeichnis “</a:t>
-            </a:r>
-            <a:r>
-              <a:rPr lang="de-DE" dirty="0" err="1"/>
+              <a:t>In dem Verzeichnis </a:t>
+            </a:r>
+            <a:r>
+              <a:rPr lang="de-DE" b="1" dirty="0" err="1"/>
               <a:t>pandas</a:t>
             </a:r>
             <a:r>
-              <a:rPr lang="de-DE" dirty="0"/>
-              <a:t>-basic“ befindet sich im Unterverzeichnis </a:t>
-            </a:r>
-            <a:r>
-              <a:rPr lang="de-DE" dirty="0" err="1"/>
+              <a:rPr lang="de-DE" b="1" dirty="0"/>
+              <a:t>-basic</a:t>
+            </a:r>
+            <a:r>
+              <a:rPr lang="de-DE" dirty="0"/>
+              <a:t> befindet sich im Unterverzeichnis </a:t>
+            </a:r>
+            <a:r>
+              <a:rPr lang="de-DE" b="1" dirty="0" err="1"/>
               <a:t>scripts</a:t>
             </a:r>
             <a:r>
               <a:rPr lang="de-DE" dirty="0"/>
-              <a:t> eine Datei „install_conda_env.bat“. Führen Sie diese aus. </a:t>
+              <a:t> eine Datei </a:t>
+            </a:r>
+            <a:r>
+              <a:rPr lang="de-DE" b="1" dirty="0"/>
+              <a:t>install_conda_env.bat</a:t>
+            </a:r>
+            <a:r>
+              <a:rPr lang="de-DE" dirty="0"/>
+              <a:t>. Führen Sie diese aus. </a:t>
             </a:r>
           </a:p>
           <a:p>
@@ -4924,6 +4937,525 @@
 </p:sld>
 </file>
 
+<file path=ppt/slides/slide13.xml><?xml version="1.0" encoding="utf-8"?>
+<p:sld xmlns:a="http://schemas.openxmlformats.org/drawingml/2006/main" xmlns:r="http://schemas.openxmlformats.org/officeDocument/2006/relationships" xmlns:p="http://schemas.openxmlformats.org/presentationml/2006/main">
+  <p:cSld>
+    <p:spTree>
+      <p:nvGrpSpPr>
+        <p:cNvPr id="1" name=""/>
+        <p:cNvGrpSpPr/>
+        <p:nvPr/>
+      </p:nvGrpSpPr>
+      <p:grpSpPr>
+        <a:xfrm>
+          <a:off x="0" y="0"/>
+          <a:ext cx="0" cy="0"/>
+          <a:chOff x="0" y="0"/>
+          <a:chExt cx="0" cy="0"/>
+        </a:xfrm>
+      </p:grpSpPr>
+      <p:sp>
+        <p:nvSpPr>
+          <p:cNvPr id="7" name="Rechteck 6">
+            <a:extLst>
+              <a:ext uri="{FF2B5EF4-FFF2-40B4-BE49-F238E27FC236}">
+                <a16:creationId xmlns:a16="http://schemas.microsoft.com/office/drawing/2014/main" id="{D7AAD257-C6F8-41DB-B07A-B4A46584AF26}"/>
+              </a:ext>
+            </a:extLst>
+          </p:cNvPr>
+          <p:cNvSpPr/>
+          <p:nvPr/>
+        </p:nvSpPr>
+        <p:spPr>
+          <a:xfrm>
+            <a:off x="0" y="0"/>
+            <a:ext cx="1155469" cy="6858000"/>
+          </a:xfrm>
+          <a:prstGeom prst="rect">
+            <a:avLst/>
+          </a:prstGeom>
+          <a:solidFill>
+            <a:srgbClr val="FFC000"/>
+          </a:solidFill>
+          <a:ln>
+            <a:noFill/>
+          </a:ln>
+        </p:spPr>
+        <p:style>
+          <a:lnRef idx="2">
+            <a:schemeClr val="accent1">
+              <a:shade val="50000"/>
+            </a:schemeClr>
+          </a:lnRef>
+          <a:fillRef idx="1">
+            <a:schemeClr val="accent1"/>
+          </a:fillRef>
+          <a:effectRef idx="0">
+            <a:schemeClr val="accent1"/>
+          </a:effectRef>
+          <a:fontRef idx="minor">
+            <a:schemeClr val="lt1"/>
+          </a:fontRef>
+        </p:style>
+        <p:txBody>
+          <a:bodyPr rtlCol="0" anchor="ctr"/>
+          <a:lstStyle/>
+          <a:p>
+            <a:pPr algn="ctr"/>
+            <a:endParaRPr lang="de-DE"/>
+          </a:p>
+        </p:txBody>
+      </p:sp>
+      <p:sp>
+        <p:nvSpPr>
+          <p:cNvPr id="2" name="Titel 1">
+            <a:extLst>
+              <a:ext uri="{FF2B5EF4-FFF2-40B4-BE49-F238E27FC236}">
+                <a16:creationId xmlns:a16="http://schemas.microsoft.com/office/drawing/2014/main" id="{FC2FA898-8F74-466B-8EA0-61A5DE01866E}"/>
+              </a:ext>
+            </a:extLst>
+          </p:cNvPr>
+          <p:cNvSpPr>
+            <a:spLocks noGrp="1"/>
+          </p:cNvSpPr>
+          <p:nvPr>
+            <p:ph type="title"/>
+          </p:nvPr>
+        </p:nvSpPr>
+        <p:spPr>
+          <a:xfrm>
+            <a:off x="1953490" y="472216"/>
+            <a:ext cx="5237019" cy="665683"/>
+          </a:xfrm>
+        </p:spPr>
+        <p:txBody>
+          <a:bodyPr>
+            <a:normAutofit fontScale="90000"/>
+          </a:bodyPr>
+          <a:lstStyle/>
+          <a:p>
+            <a:pPr algn="ctr"/>
+            <a:r>
+              <a:rPr lang="de-DE" sz="2800" dirty="0">
+                <a:latin typeface="Roboto" panose="02000000000000000000" pitchFamily="2" charset="0"/>
+                <a:ea typeface="Roboto" panose="02000000000000000000" pitchFamily="2" charset="0"/>
+              </a:rPr>
+              <a:t>Vorgehen bei der Bearbeitung unbekannter Datensätze</a:t>
+            </a:r>
+          </a:p>
+        </p:txBody>
+      </p:sp>
+      <p:pic>
+        <p:nvPicPr>
+          <p:cNvPr id="5" name="Inhaltsplatzhalter 4">
+            <a:extLst>
+              <a:ext uri="{FF2B5EF4-FFF2-40B4-BE49-F238E27FC236}">
+                <a16:creationId xmlns:a16="http://schemas.microsoft.com/office/drawing/2014/main" id="{4AF209E9-F11D-4FA0-9909-047FA1FD0CA4}"/>
+              </a:ext>
+            </a:extLst>
+          </p:cNvPr>
+          <p:cNvPicPr>
+            <a:picLocks noGrp="1" noChangeAspect="1"/>
+          </p:cNvPicPr>
+          <p:nvPr>
+            <p:ph idx="1"/>
+          </p:nvPr>
+        </p:nvPicPr>
+        <p:blipFill>
+          <a:blip r:embed="rId2">
+            <a:extLst>
+              <a:ext uri="{28A0092B-C50C-407E-A947-70E740481C1C}">
+                <a14:useLocalDpi xmlns:a14="http://schemas.microsoft.com/office/drawing/2010/main" val="0"/>
+              </a:ext>
+            </a:extLst>
+          </a:blip>
+          <a:stretch>
+            <a:fillRect/>
+          </a:stretch>
+        </p:blipFill>
+        <p:spPr>
+          <a:xfrm>
+            <a:off x="471784" y="-256730"/>
+            <a:ext cx="1367367" cy="2172353"/>
+          </a:xfrm>
+        </p:spPr>
+      </p:pic>
+      <p:sp>
+        <p:nvSpPr>
+          <p:cNvPr id="6" name="Textfeld 5">
+            <a:extLst>
+              <a:ext uri="{FF2B5EF4-FFF2-40B4-BE49-F238E27FC236}">
+                <a16:creationId xmlns:a16="http://schemas.microsoft.com/office/drawing/2014/main" id="{9C75017A-5BFD-4F42-B226-67DD4DA80B79}"/>
+              </a:ext>
+            </a:extLst>
+          </p:cNvPr>
+          <p:cNvSpPr txBox="1"/>
+          <p:nvPr/>
+        </p:nvSpPr>
+        <p:spPr>
+          <a:xfrm>
+            <a:off x="7057504" y="6518140"/>
+            <a:ext cx="2086496" cy="230832"/>
+          </a:xfrm>
+          <a:prstGeom prst="rect">
+            <a:avLst/>
+          </a:prstGeom>
+          <a:noFill/>
+        </p:spPr>
+        <p:txBody>
+          <a:bodyPr wrap="square" rtlCol="0">
+            <a:spAutoFit/>
+          </a:bodyPr>
+          <a:lstStyle/>
+          <a:p>
+            <a:pPr algn="ctr"/>
+            <a:r>
+              <a:rPr lang="de-DE" sz="900" dirty="0">
+                <a:solidFill>
+                  <a:schemeClr val="bg1">
+                    <a:lumMod val="75000"/>
+                  </a:schemeClr>
+                </a:solidFill>
+                <a:latin typeface="Roboto" panose="02000000000000000000" pitchFamily="2" charset="0"/>
+                <a:ea typeface="Roboto" panose="02000000000000000000" pitchFamily="2" charset="0"/>
+              </a:rPr>
+              <a:t>Copyright 2019 </a:t>
+            </a:r>
+            <a:r>
+              <a:rPr lang="de-DE" sz="900" dirty="0" err="1">
+                <a:solidFill>
+                  <a:schemeClr val="bg1">
+                    <a:lumMod val="75000"/>
+                  </a:schemeClr>
+                </a:solidFill>
+                <a:latin typeface="Roboto" panose="02000000000000000000" pitchFamily="2" charset="0"/>
+                <a:ea typeface="Roboto" panose="02000000000000000000" pitchFamily="2" charset="0"/>
+              </a:rPr>
+              <a:t>by</a:t>
+            </a:r>
+            <a:r>
+              <a:rPr lang="de-DE" sz="900" dirty="0">
+                <a:solidFill>
+                  <a:schemeClr val="bg1">
+                    <a:lumMod val="75000"/>
+                  </a:schemeClr>
+                </a:solidFill>
+                <a:latin typeface="Roboto" panose="02000000000000000000" pitchFamily="2" charset="0"/>
+                <a:ea typeface="Roboto" panose="02000000000000000000" pitchFamily="2" charset="0"/>
+              </a:rPr>
+              <a:t> Max Mönch</a:t>
+            </a:r>
+          </a:p>
+        </p:txBody>
+      </p:sp>
+      <p:sp>
+        <p:nvSpPr>
+          <p:cNvPr id="8" name="Textfeld 7">
+            <a:extLst>
+              <a:ext uri="{FF2B5EF4-FFF2-40B4-BE49-F238E27FC236}">
+                <a16:creationId xmlns:a16="http://schemas.microsoft.com/office/drawing/2014/main" id="{595B06D2-DFA9-4390-958A-D516455F581D}"/>
+              </a:ext>
+            </a:extLst>
+          </p:cNvPr>
+          <p:cNvSpPr txBox="1"/>
+          <p:nvPr/>
+        </p:nvSpPr>
+        <p:spPr>
+          <a:xfrm rot="16200000">
+            <a:off x="-2681336" y="2997459"/>
+            <a:ext cx="6518140" cy="523220"/>
+          </a:xfrm>
+          <a:prstGeom prst="rect">
+            <a:avLst/>
+          </a:prstGeom>
+          <a:noFill/>
+        </p:spPr>
+        <p:txBody>
+          <a:bodyPr wrap="square" rtlCol="0">
+            <a:spAutoFit/>
+          </a:bodyPr>
+          <a:lstStyle/>
+          <a:p>
+            <a:r>
+              <a:rPr lang="de-DE" sz="2800" dirty="0">
+                <a:solidFill>
+                  <a:schemeClr val="bg1"/>
+                </a:solidFill>
+                <a:latin typeface="Roboto" panose="02000000000000000000" pitchFamily="2" charset="0"/>
+                <a:ea typeface="Roboto" panose="02000000000000000000" pitchFamily="2" charset="0"/>
+              </a:rPr>
+              <a:t>VORGEHEN</a:t>
+            </a:r>
+            <a:endParaRPr lang="de-DE" sz="3600" dirty="0">
+              <a:solidFill>
+                <a:schemeClr val="bg1"/>
+              </a:solidFill>
+              <a:latin typeface="Roboto" panose="02000000000000000000" pitchFamily="2" charset="0"/>
+              <a:ea typeface="Roboto" panose="02000000000000000000" pitchFamily="2" charset="0"/>
+            </a:endParaRPr>
+          </a:p>
+        </p:txBody>
+      </p:sp>
+      <p:sp>
+        <p:nvSpPr>
+          <p:cNvPr id="3" name="Textfeld 2">
+            <a:extLst>
+              <a:ext uri="{FF2B5EF4-FFF2-40B4-BE49-F238E27FC236}">
+                <a16:creationId xmlns:a16="http://schemas.microsoft.com/office/drawing/2014/main" id="{C8C72E83-4B51-409B-9D31-592F709477E4}"/>
+              </a:ext>
+            </a:extLst>
+          </p:cNvPr>
+          <p:cNvSpPr txBox="1"/>
+          <p:nvPr/>
+        </p:nvSpPr>
+        <p:spPr>
+          <a:xfrm>
+            <a:off x="2151461" y="1726827"/>
+            <a:ext cx="5949291" cy="4524315"/>
+          </a:xfrm>
+          <a:prstGeom prst="rect">
+            <a:avLst/>
+          </a:prstGeom>
+          <a:noFill/>
+        </p:spPr>
+        <p:txBody>
+          <a:bodyPr wrap="square" rtlCol="0">
+            <a:spAutoFit/>
+          </a:bodyPr>
+          <a:lstStyle/>
+          <a:p>
+            <a:r>
+              <a:rPr lang="de-DE" b="1" dirty="0"/>
+              <a:t>Allgemeine Informationen sammeln über die Struktur:</a:t>
+            </a:r>
+          </a:p>
+          <a:p>
+            <a:r>
+              <a:rPr lang="de-DE" dirty="0"/>
+              <a:t>df.info(), </a:t>
+            </a:r>
+            <a:r>
+              <a:rPr lang="de-DE" dirty="0" err="1"/>
+              <a:t>df.head</a:t>
+            </a:r>
+            <a:r>
+              <a:rPr lang="de-DE" dirty="0"/>
+              <a:t>(), </a:t>
+            </a:r>
+            <a:r>
+              <a:rPr lang="de-DE" dirty="0" err="1"/>
+              <a:t>df.sample</a:t>
+            </a:r>
+            <a:r>
+              <a:rPr lang="de-DE" dirty="0"/>
+              <a:t>(), </a:t>
+            </a:r>
+            <a:r>
+              <a:rPr lang="de-DE" dirty="0" err="1"/>
+              <a:t>df.tail</a:t>
+            </a:r>
+            <a:r>
+              <a:rPr lang="de-DE" dirty="0"/>
+              <a:t>(), </a:t>
+            </a:r>
+            <a:r>
+              <a:rPr lang="de-DE" dirty="0" err="1"/>
+              <a:t>len</a:t>
+            </a:r>
+            <a:r>
+              <a:rPr lang="de-DE" dirty="0"/>
+              <a:t>()</a:t>
+            </a:r>
+          </a:p>
+          <a:p>
+            <a:endParaRPr lang="de-DE" dirty="0"/>
+          </a:p>
+          <a:p>
+            <a:r>
+              <a:rPr lang="de-DE" b="1" dirty="0"/>
+              <a:t>Verständnis für den Aufbau der Daten entwickeln</a:t>
+            </a:r>
+          </a:p>
+          <a:p>
+            <a:pPr marL="285750" indent="-285750">
+              <a:buFont typeface="Arial" panose="020B0604020202020204" pitchFamily="34" charset="0"/>
+              <a:buChar char="•"/>
+            </a:pPr>
+            <a:r>
+              <a:rPr lang="de-DE" dirty="0"/>
+              <a:t>Wie hängen Daten zusammen</a:t>
+            </a:r>
+          </a:p>
+          <a:p>
+            <a:pPr marL="285750" indent="-285750">
+              <a:buFont typeface="Arial" panose="020B0604020202020204" pitchFamily="34" charset="0"/>
+              <a:buChar char="•"/>
+            </a:pPr>
+            <a:r>
+              <a:rPr lang="de-DE" dirty="0"/>
+              <a:t>Enthält eine Spalte mehr als nur eine Information</a:t>
+            </a:r>
+          </a:p>
+          <a:p>
+            <a:endParaRPr lang="de-DE" dirty="0"/>
+          </a:p>
+          <a:p>
+            <a:r>
+              <a:rPr lang="de-DE" b="1" dirty="0"/>
+              <a:t>Detailanalyse der Spalten</a:t>
+            </a:r>
+          </a:p>
+          <a:p>
+            <a:pPr marL="285750" indent="-285750">
+              <a:buFont typeface="Arial" panose="020B0604020202020204" pitchFamily="34" charset="0"/>
+              <a:buChar char="•"/>
+            </a:pPr>
+            <a:r>
+              <a:rPr lang="de-DE" dirty="0"/>
+              <a:t>Identifikationsnummern auf Einzigartigkeit checken</a:t>
+            </a:r>
+          </a:p>
+          <a:p>
+            <a:pPr marL="285750" indent="-285750">
+              <a:buFont typeface="Arial" panose="020B0604020202020204" pitchFamily="34" charset="0"/>
+              <a:buChar char="•"/>
+            </a:pPr>
+            <a:r>
+              <a:rPr lang="de-DE" dirty="0"/>
+              <a:t>Was steht in den Spalten, müssen Datensätze bereinigt werden</a:t>
+            </a:r>
+          </a:p>
+          <a:p>
+            <a:pPr marL="285750" indent="-285750">
+              <a:buFont typeface="Arial" panose="020B0604020202020204" pitchFamily="34" charset="0"/>
+              <a:buChar char="•"/>
+            </a:pPr>
+            <a:r>
+              <a:rPr lang="de-DE" dirty="0"/>
+              <a:t>Statistische Grundwerte checken mit </a:t>
+            </a:r>
+            <a:r>
+              <a:rPr lang="de-DE" dirty="0" err="1"/>
+              <a:t>df.describe</a:t>
+            </a:r>
+            <a:r>
+              <a:rPr lang="de-DE" dirty="0"/>
+              <a:t>()</a:t>
+            </a:r>
+          </a:p>
+          <a:p>
+            <a:endParaRPr lang="de-DE" dirty="0"/>
+          </a:p>
+          <a:p>
+            <a:r>
+              <a:rPr lang="de-DE" b="1" dirty="0"/>
+              <a:t>Auswirkungen von </a:t>
+            </a:r>
+            <a:r>
+              <a:rPr lang="de-DE" b="1" dirty="0" err="1"/>
+              <a:t>NaN</a:t>
+            </a:r>
+            <a:endParaRPr lang="de-DE" b="1" dirty="0"/>
+          </a:p>
+          <a:p>
+            <a:pPr marL="285750" indent="-285750">
+              <a:buFont typeface="Arial" panose="020B0604020202020204" pitchFamily="34" charset="0"/>
+              <a:buChar char="•"/>
+            </a:pPr>
+            <a:r>
+              <a:rPr lang="de-DE" dirty="0"/>
+              <a:t>Welche Folgen haben nicht vorhandene Werte</a:t>
+            </a:r>
+          </a:p>
+          <a:p>
+            <a:pPr marL="285750" indent="-285750">
+              <a:buFont typeface="Arial" panose="020B0604020202020204" pitchFamily="34" charset="0"/>
+              <a:buChar char="•"/>
+            </a:pPr>
+            <a:r>
+              <a:rPr lang="de-DE" dirty="0" err="1"/>
+              <a:t>df.dropna</a:t>
+            </a:r>
+            <a:r>
+              <a:rPr lang="de-DE" dirty="0"/>
+              <a:t>(</a:t>
+            </a:r>
+            <a:r>
+              <a:rPr lang="de-DE" dirty="0" err="1"/>
+              <a:t>subset</a:t>
+            </a:r>
+            <a:r>
+              <a:rPr lang="de-DE" dirty="0"/>
+              <a:t>=[…]) oder doch </a:t>
+            </a:r>
+            <a:r>
+              <a:rPr lang="de-DE" dirty="0" err="1"/>
+              <a:t>df</a:t>
+            </a:r>
+            <a:r>
+              <a:rPr lang="de-DE" dirty="0"/>
+              <a:t>[…].</a:t>
+            </a:r>
+            <a:r>
+              <a:rPr lang="de-DE" dirty="0" err="1"/>
+              <a:t>fillna</a:t>
+            </a:r>
+            <a:r>
+              <a:rPr lang="de-DE" dirty="0"/>
+              <a:t>() </a:t>
+            </a:r>
+          </a:p>
+        </p:txBody>
+      </p:sp>
+      <p:pic>
+        <p:nvPicPr>
+          <p:cNvPr id="9" name="Grafik 8">
+            <a:extLst>
+              <a:ext uri="{FF2B5EF4-FFF2-40B4-BE49-F238E27FC236}">
+                <a16:creationId xmlns:a16="http://schemas.microsoft.com/office/drawing/2014/main" id="{C0A09F1F-C41B-4619-9014-1BC4C2D909E6}"/>
+              </a:ext>
+            </a:extLst>
+          </p:cNvPr>
+          <p:cNvPicPr>
+            <a:picLocks noChangeAspect="1"/>
+          </p:cNvPicPr>
+          <p:nvPr/>
+        </p:nvPicPr>
+        <p:blipFill>
+          <a:blip r:embed="rId3">
+            <a:extLst>
+              <a:ext uri="{28A0092B-C50C-407E-A947-70E740481C1C}">
+                <a14:useLocalDpi xmlns:a14="http://schemas.microsoft.com/office/drawing/2010/main" val="0"/>
+              </a:ext>
+            </a:extLst>
+          </a:blip>
+          <a:stretch>
+            <a:fillRect/>
+          </a:stretch>
+        </p:blipFill>
+        <p:spPr>
+          <a:xfrm>
+            <a:off x="-2122715" y="-2"/>
+            <a:ext cx="13389427" cy="6857999"/>
+          </a:xfrm>
+          <a:prstGeom prst="rect">
+            <a:avLst/>
+          </a:prstGeom>
+        </p:spPr>
+      </p:pic>
+    </p:spTree>
+    <p:extLst>
+      <p:ext uri="{BB962C8B-B14F-4D97-AF65-F5344CB8AC3E}">
+        <p14:creationId xmlns:p14="http://schemas.microsoft.com/office/powerpoint/2010/main" val="1323542215"/>
+      </p:ext>
+    </p:extLst>
+  </p:cSld>
+  <p:clrMapOvr>
+    <a:masterClrMapping/>
+  </p:clrMapOvr>
+</p:sld>
+</file>
+
 <file path=ppt/slides/slide2.xml><?xml version="1.0" encoding="utf-8"?>
 <p:sld xmlns:a="http://schemas.openxmlformats.org/drawingml/2006/main" xmlns:r="http://schemas.openxmlformats.org/officeDocument/2006/relationships" xmlns:p="http://schemas.openxmlformats.org/presentationml/2006/main">
   <p:cSld>
@@ -4941,6 +5473,95 @@
           <a:chExt cx="0" cy="0"/>
         </a:xfrm>
       </p:grpSpPr>
+      <p:pic>
+        <p:nvPicPr>
+          <p:cNvPr id="7" name="Picture 15">
+            <a:extLst>
+              <a:ext uri="{FF2B5EF4-FFF2-40B4-BE49-F238E27FC236}">
+                <a16:creationId xmlns:a16="http://schemas.microsoft.com/office/drawing/2014/main" id="{B0BD29ED-A14B-436C-B835-CECA7C4DFEF0}"/>
+              </a:ext>
+            </a:extLst>
+          </p:cNvPr>
+          <p:cNvPicPr>
+            <a:picLocks noChangeAspect="1" noChangeArrowheads="1"/>
+          </p:cNvPicPr>
+          <p:nvPr/>
+        </p:nvPicPr>
+        <p:blipFill>
+          <a:blip r:embed="rId2" cstate="screen">
+            <a:extLst>
+              <a:ext uri="{28A0092B-C50C-407E-A947-70E740481C1C}">
+                <a14:useLocalDpi xmlns:a14="http://schemas.microsoft.com/office/drawing/2010/main"/>
+              </a:ext>
+            </a:extLst>
+          </a:blip>
+          <a:stretch>
+            <a:fillRect/>
+          </a:stretch>
+        </p:blipFill>
+        <p:spPr bwMode="auto">
+          <a:xfrm>
+            <a:off x="7191571" y="485053"/>
+            <a:ext cx="1514020" cy="625163"/>
+          </a:xfrm>
+          <a:prstGeom prst="rect">
+            <a:avLst/>
+          </a:prstGeom>
+          <a:noFill/>
+          <a:effectLst/>
+        </p:spPr>
+      </p:pic>
+      <p:sp>
+        <p:nvSpPr>
+          <p:cNvPr id="8" name="Textfeld 7">
+            <a:extLst>
+              <a:ext uri="{FF2B5EF4-FFF2-40B4-BE49-F238E27FC236}">
+                <a16:creationId xmlns:a16="http://schemas.microsoft.com/office/drawing/2014/main" id="{1F781834-4EED-4982-9284-35892ACAA75F}"/>
+              </a:ext>
+            </a:extLst>
+          </p:cNvPr>
+          <p:cNvSpPr txBox="1"/>
+          <p:nvPr/>
+        </p:nvSpPr>
+        <p:spPr>
+          <a:xfrm>
+            <a:off x="7016206" y="1110216"/>
+            <a:ext cx="1864749" cy="430887"/>
+          </a:xfrm>
+          <a:prstGeom prst="rect">
+            <a:avLst/>
+          </a:prstGeom>
+          <a:noFill/>
+        </p:spPr>
+        <p:txBody>
+          <a:bodyPr wrap="square" rtlCol="0">
+            <a:spAutoFit/>
+          </a:bodyPr>
+          <a:lstStyle/>
+          <a:p>
+            <a:pPr algn="ctr"/>
+            <a:r>
+              <a:rPr lang="de-DE" sz="1100" dirty="0">
+                <a:solidFill>
+                  <a:schemeClr val="bg1"/>
+                </a:solidFill>
+              </a:rPr>
+              <a:t>Regionales Rechenzentrum</a:t>
+            </a:r>
+          </a:p>
+          <a:p>
+            <a:pPr algn="ctr"/>
+            <a:r>
+              <a:rPr lang="de-DE" sz="1100" dirty="0">
+                <a:solidFill>
+                  <a:schemeClr val="bg1"/>
+                </a:solidFill>
+              </a:rPr>
+              <a:t>Erlangen</a:t>
+            </a:r>
+          </a:p>
+        </p:txBody>
+      </p:sp>
     </p:spTree>
     <p:extLst>
       <p:ext uri="{BB962C8B-B14F-4D97-AF65-F5344CB8AC3E}">
@@ -5068,7 +5689,7 @@
           <p:cNvPr id="2" name="Titel 1">
             <a:extLst>
               <a:ext uri="{FF2B5EF4-FFF2-40B4-BE49-F238E27FC236}">
-                <a16:creationId xmlns:a16="http://schemas.microsoft.com/office/drawing/2014/main" id="{AAB6C9DC-2412-4C9A-AD28-79031CED4BBB}"/>
+                <a16:creationId xmlns:a16="http://schemas.microsoft.com/office/drawing/2014/main" id="{0DB33A85-DD83-4FFC-840D-3CBB5DFFD3FF}"/>
               </a:ext>
             </a:extLst>
           </p:cNvPr>
@@ -5082,7 +5703,7 @@
         <p:spPr/>
         <p:txBody>
           <a:bodyPr>
-            <a:normAutofit/>
+            <a:normAutofit fontScale="90000"/>
           </a:bodyPr>
           <a:lstStyle/>
           <a:p>
@@ -5091,9 +5712,8 @@
                 <a:latin typeface="Roboto" panose="02000000000000000000" pitchFamily="2" charset="0"/>
                 <a:ea typeface="Roboto" panose="02000000000000000000" pitchFamily="2" charset="0"/>
               </a:rPr>
-              <a:t>Seminarziele</a:t>
-            </a:r>
-            <a:endParaRPr lang="de-DE" dirty="0"/>
+              <a:t>Motivation: Warum Pandas und Python</a:t>
+            </a:r>
           </a:p>
         </p:txBody>
       </p:sp>
@@ -5102,7 +5722,7 @@
           <p:cNvPr id="3" name="Inhaltsplatzhalter 2">
             <a:extLst>
               <a:ext uri="{FF2B5EF4-FFF2-40B4-BE49-F238E27FC236}">
-                <a16:creationId xmlns:a16="http://schemas.microsoft.com/office/drawing/2014/main" id="{9C3E198B-A7B9-49A9-9231-7C5A9A7A12C4}"/>
+                <a16:creationId xmlns:a16="http://schemas.microsoft.com/office/drawing/2014/main" id="{95CCEB63-D2C8-4513-81B5-FA145F57C50D}"/>
               </a:ext>
             </a:extLst>
           </p:cNvPr>
@@ -5113,6 +5733,93 @@
             <p:ph idx="1"/>
           </p:nvPr>
         </p:nvSpPr>
+        <p:spPr>
+          <a:xfrm>
+            <a:off x="2310934" y="1774285"/>
+            <a:ext cx="6204415" cy="4351338"/>
+          </a:xfrm>
+        </p:spPr>
+        <p:txBody>
+          <a:bodyPr>
+            <a:normAutofit/>
+          </a:bodyPr>
+          <a:lstStyle/>
+          <a:p>
+            <a:pPr marL="0" indent="0">
+              <a:buNone/>
+            </a:pPr>
+            <a:r>
+              <a:rPr lang="de-DE" sz="1800" dirty="0"/>
+              <a:t>Microsoft EXCEL ist ein bekanntes und weit verbreitetes Tools. </a:t>
+            </a:r>
+            <a:r>
+              <a:rPr lang="de-DE" sz="1800" b="1" dirty="0"/>
+              <a:t>Warum also Pandas und Python?</a:t>
+            </a:r>
+          </a:p>
+          <a:p>
+            <a:r>
+              <a:rPr lang="de-DE" sz="1800" dirty="0"/>
+              <a:t>Big Data: Excel Dokument ist limitiert bei ~1.000.000 Zeilen</a:t>
+            </a:r>
+          </a:p>
+          <a:p>
+            <a:r>
+              <a:rPr lang="de-DE" sz="1800" dirty="0"/>
+              <a:t>Reproduzierbarkeit</a:t>
+            </a:r>
+          </a:p>
+          <a:p>
+            <a:r>
+              <a:rPr lang="de-DE" sz="1800" dirty="0"/>
+              <a:t>Automatisierung - VBA ist kompliziert</a:t>
+            </a:r>
+          </a:p>
+          <a:p>
+            <a:r>
+              <a:rPr lang="de-DE" sz="1800" dirty="0"/>
+              <a:t>Volles Spektrum von Statistischen Analysen, inkl. Clustering, Maschine Learning etc.</a:t>
+            </a:r>
+          </a:p>
+          <a:p>
+            <a:endParaRPr lang="de-DE" sz="1800" b="1" dirty="0"/>
+          </a:p>
+          <a:p>
+            <a:pPr marL="0" indent="0">
+              <a:buNone/>
+            </a:pPr>
+            <a:r>
+              <a:rPr lang="de-DE" sz="1900" b="1" dirty="0"/>
+              <a:t>Ist Pandas und Python die Lösung für alle Probleme? </a:t>
+            </a:r>
+          </a:p>
+          <a:p>
+            <a:pPr marL="0" indent="0">
+              <a:buNone/>
+            </a:pPr>
+            <a:r>
+              <a:rPr lang="de-DE" sz="1900" dirty="0"/>
+              <a:t>Nein, besonders bei kleine Datensets und schnellen unkomplizierten Auswertungen, die einmalig vorgenommen werden.</a:t>
+            </a:r>
+          </a:p>
+        </p:txBody>
+      </p:sp>
+      <p:sp>
+        <p:nvSpPr>
+          <p:cNvPr id="5" name="Textplatzhalter 4">
+            <a:extLst>
+              <a:ext uri="{FF2B5EF4-FFF2-40B4-BE49-F238E27FC236}">
+                <a16:creationId xmlns:a16="http://schemas.microsoft.com/office/drawing/2014/main" id="{DDD37954-F518-474B-BB17-9D50CEA24F2D}"/>
+              </a:ext>
+            </a:extLst>
+          </p:cNvPr>
+          <p:cNvSpPr>
+            <a:spLocks noGrp="1"/>
+          </p:cNvSpPr>
+          <p:nvPr>
+            <p:ph type="body" sz="quarter" idx="11"/>
+          </p:nvPr>
+        </p:nvSpPr>
         <p:spPr/>
         <p:txBody>
           <a:bodyPr/>
@@ -5120,59 +5827,7 @@
           <a:p>
             <a:r>
               <a:rPr lang="de-DE" dirty="0"/>
-              <a:t>Einführung in Pandas und Python</a:t>
-            </a:r>
-          </a:p>
-          <a:p>
-            <a:r>
-              <a:rPr lang="de-DE" dirty="0"/>
-              <a:t>Kennenlernen des interaktiven Arbeiten mit Daten in Notebooks</a:t>
-            </a:r>
-          </a:p>
-          <a:p>
-            <a:r>
-              <a:rPr lang="de-DE" dirty="0"/>
-              <a:t>Grundverständnis für das Aufbereiten von Datensätzen und welche Fallstricke existieren</a:t>
-            </a:r>
-          </a:p>
-          <a:p>
-            <a:r>
-              <a:rPr lang="de-DE" dirty="0"/>
-              <a:t>Hinweise für Anlaufstellen um das erlernte Wissen zu vertiefen</a:t>
-            </a:r>
-          </a:p>
-          <a:p>
-            <a:r>
-              <a:rPr lang="de-DE" dirty="0"/>
-              <a:t>Erlernen von Kenntnissen der Datenanalyse und Visualisierung</a:t>
-            </a:r>
-          </a:p>
-        </p:txBody>
-      </p:sp>
-      <p:sp>
-        <p:nvSpPr>
-          <p:cNvPr id="5" name="Textplatzhalter 4">
-            <a:extLst>
-              <a:ext uri="{FF2B5EF4-FFF2-40B4-BE49-F238E27FC236}">
-                <a16:creationId xmlns:a16="http://schemas.microsoft.com/office/drawing/2014/main" id="{DABCB028-D32A-4CF9-8F64-B63AC494BCA8}"/>
-              </a:ext>
-            </a:extLst>
-          </p:cNvPr>
-          <p:cNvSpPr>
-            <a:spLocks noGrp="1"/>
-          </p:cNvSpPr>
-          <p:nvPr>
-            <p:ph type="body" sz="quarter" idx="11"/>
-          </p:nvPr>
-        </p:nvSpPr>
-        <p:spPr/>
-        <p:txBody>
-          <a:bodyPr/>
-          <a:lstStyle/>
-          <a:p>
-            <a:r>
-              <a:rPr lang="de-DE" dirty="0"/>
-              <a:t>SEMINARZIELE</a:t>
+              <a:t>MOTIVATION</a:t>
             </a:r>
           </a:p>
         </p:txBody>
@@ -5180,7 +5835,7 @@
     </p:spTree>
     <p:extLst>
       <p:ext uri="{BB962C8B-B14F-4D97-AF65-F5344CB8AC3E}">
-        <p14:creationId xmlns:p14="http://schemas.microsoft.com/office/powerpoint/2010/main" val="559977511"/>
+        <p14:creationId xmlns:p14="http://schemas.microsoft.com/office/powerpoint/2010/main" val="2261502912"/>
       </p:ext>
     </p:extLst>
   </p:cSld>
@@ -5209,61 +5864,25 @@
       </p:grpSpPr>
       <p:sp>
         <p:nvSpPr>
-          <p:cNvPr id="4" name="Textfeld 3">
+          <p:cNvPr id="2" name="Titel 1">
             <a:extLst>
               <a:ext uri="{FF2B5EF4-FFF2-40B4-BE49-F238E27FC236}">
-                <a16:creationId xmlns:a16="http://schemas.microsoft.com/office/drawing/2014/main" id="{84F7FBEA-4581-4F36-A22D-0729EABF1580}"/>
+                <a16:creationId xmlns:a16="http://schemas.microsoft.com/office/drawing/2014/main" id="{AAB6C9DC-2412-4C9A-AD28-79031CED4BBB}"/>
               </a:ext>
             </a:extLst>
           </p:cNvPr>
-          <p:cNvSpPr txBox="1"/>
-          <p:nvPr/>
-        </p:nvSpPr>
-        <p:spPr>
-          <a:xfrm>
-            <a:off x="8785247" y="3066941"/>
-            <a:ext cx="4946072" cy="923330"/>
-          </a:xfrm>
-          <a:prstGeom prst="rect">
-            <a:avLst/>
-          </a:prstGeom>
-          <a:noFill/>
-        </p:spPr>
-        <p:txBody>
-          <a:bodyPr wrap="square" rtlCol="0">
-            <a:spAutoFit/>
+          <p:cNvSpPr>
+            <a:spLocks noGrp="1"/>
+          </p:cNvSpPr>
+          <p:nvPr>
+            <p:ph type="title"/>
+          </p:nvPr>
+        </p:nvSpPr>
+        <p:spPr/>
+        <p:txBody>
+          <a:bodyPr>
+            <a:normAutofit/>
           </a:bodyPr>
-          <a:lstStyle/>
-          <a:p>
-            <a:endParaRPr lang="de-DE" dirty="0"/>
-          </a:p>
-          <a:p>
-            <a:endParaRPr lang="de-DE" dirty="0"/>
-          </a:p>
-          <a:p>
-            <a:endParaRPr lang="de-DE" dirty="0"/>
-          </a:p>
-        </p:txBody>
-      </p:sp>
-      <p:sp>
-        <p:nvSpPr>
-          <p:cNvPr id="2" name="Titel 1">
-            <a:extLst>
-              <a:ext uri="{FF2B5EF4-FFF2-40B4-BE49-F238E27FC236}">
-                <a16:creationId xmlns:a16="http://schemas.microsoft.com/office/drawing/2014/main" id="{DE11FFC8-1695-4289-A248-846A6F653D60}"/>
-              </a:ext>
-            </a:extLst>
-          </p:cNvPr>
-          <p:cNvSpPr>
-            <a:spLocks noGrp="1"/>
-          </p:cNvSpPr>
-          <p:nvPr>
-            <p:ph type="title"/>
-          </p:nvPr>
-        </p:nvSpPr>
-        <p:spPr/>
-        <p:txBody>
-          <a:bodyPr/>
           <a:lstStyle/>
           <a:p>
             <a:r>
@@ -5271,17 +5890,18 @@
                 <a:latin typeface="Roboto" panose="02000000000000000000" pitchFamily="2" charset="0"/>
                 <a:ea typeface="Roboto" panose="02000000000000000000" pitchFamily="2" charset="0"/>
               </a:rPr>
-              <a:t>Seminar Aufbau</a:t>
-            </a:r>
-          </a:p>
-        </p:txBody>
-      </p:sp>
-      <p:sp>
-        <p:nvSpPr>
-          <p:cNvPr id="8" name="Inhaltsplatzhalter 7">
+              <a:t>Seminarziele</a:t>
+            </a:r>
+            <a:endParaRPr lang="de-DE" dirty="0"/>
+          </a:p>
+        </p:txBody>
+      </p:sp>
+      <p:sp>
+        <p:nvSpPr>
+          <p:cNvPr id="3" name="Inhaltsplatzhalter 2">
             <a:extLst>
               <a:ext uri="{FF2B5EF4-FFF2-40B4-BE49-F238E27FC236}">
-                <a16:creationId xmlns:a16="http://schemas.microsoft.com/office/drawing/2014/main" id="{D956DCBA-CF46-4104-983A-13AB8B0A00B2}"/>
+                <a16:creationId xmlns:a16="http://schemas.microsoft.com/office/drawing/2014/main" id="{9C3E198B-A7B9-49A9-9231-7C5A9A7A12C4}"/>
               </a:ext>
             </a:extLst>
           </p:cNvPr>
@@ -5297,44 +5917,34 @@
           <a:bodyPr/>
           <a:lstStyle/>
           <a:p>
-            <a:pPr marL="0" indent="0">
-              <a:buNone/>
-            </a:pPr>
-            <a:r>
-              <a:rPr lang="de-DE" b="1" dirty="0"/>
-              <a:t>Seminar Aufbau</a:t>
-            </a:r>
-          </a:p>
-          <a:p>
-            <a:pPr marL="285750" indent="-285750"/>
-            <a:r>
-              <a:rPr lang="de-DE" dirty="0"/>
-              <a:t>Grundliegenende Funktionen</a:t>
-            </a:r>
-          </a:p>
-          <a:p>
-            <a:pPr marL="285750" indent="-285750"/>
-            <a:r>
-              <a:rPr lang="de-DE" dirty="0"/>
-              <a:t>Kernfunktionalitäten - Daten Aufbereiten</a:t>
-            </a:r>
-          </a:p>
-          <a:p>
-            <a:pPr marL="285750" indent="-285750"/>
-            <a:r>
-              <a:rPr lang="de-DE" dirty="0"/>
-              <a:t>Visualisierung und Interaktion</a:t>
-            </a:r>
-          </a:p>
-          <a:p>
-            <a:pPr marL="285750" indent="-285750"/>
-            <a:r>
-              <a:rPr lang="de-DE" dirty="0"/>
-              <a:t>Abschlussprojekt</a:t>
-            </a:r>
-          </a:p>
-          <a:p>
-            <a:endParaRPr lang="de-DE" dirty="0"/>
+            <a:r>
+              <a:rPr lang="de-DE" dirty="0"/>
+              <a:t>Einführung in Pandas und Python</a:t>
+            </a:r>
+          </a:p>
+          <a:p>
+            <a:r>
+              <a:rPr lang="de-DE" dirty="0"/>
+              <a:t>Kennenlernen des interaktiven Arbeiten mit Daten in Notebooks</a:t>
+            </a:r>
+          </a:p>
+          <a:p>
+            <a:r>
+              <a:rPr lang="de-DE" dirty="0"/>
+              <a:t>Grundverständnis für das Aufbereiten von Datensätzen und welche Fallstricke existieren</a:t>
+            </a:r>
+          </a:p>
+          <a:p>
+            <a:r>
+              <a:rPr lang="de-DE" dirty="0"/>
+              <a:t>Hinweise für Anlaufstellen um das erlernte Wissen zu vertiefen</a:t>
+            </a:r>
+          </a:p>
+          <a:p>
+            <a:r>
+              <a:rPr lang="de-DE" dirty="0"/>
+              <a:t>Erlernen von Kenntnissen der Datenanalyse und Visualisierung</a:t>
+            </a:r>
           </a:p>
         </p:txBody>
       </p:sp>
@@ -5343,7 +5953,7 @@
           <p:cNvPr id="5" name="Textplatzhalter 4">
             <a:extLst>
               <a:ext uri="{FF2B5EF4-FFF2-40B4-BE49-F238E27FC236}">
-                <a16:creationId xmlns:a16="http://schemas.microsoft.com/office/drawing/2014/main" id="{E9BD0B66-9E26-4FA7-B29C-42C33BF4F51D}"/>
+                <a16:creationId xmlns:a16="http://schemas.microsoft.com/office/drawing/2014/main" id="{DABCB028-D32A-4CF9-8F64-B63AC494BCA8}"/>
               </a:ext>
             </a:extLst>
           </p:cNvPr>
@@ -5361,7 +5971,7 @@
           <a:p>
             <a:r>
               <a:rPr lang="de-DE" dirty="0"/>
-              <a:t>AUFBAU</a:t>
+              <a:t>SEMINARZIELE</a:t>
             </a:r>
           </a:p>
         </p:txBody>
@@ -5369,7 +5979,7 @@
     </p:spTree>
     <p:extLst>
       <p:ext uri="{BB962C8B-B14F-4D97-AF65-F5344CB8AC3E}">
-        <p14:creationId xmlns:p14="http://schemas.microsoft.com/office/powerpoint/2010/main" val="2359616655"/>
+        <p14:creationId xmlns:p14="http://schemas.microsoft.com/office/powerpoint/2010/main" val="559977511"/>
       </p:ext>
     </p:extLst>
   </p:cSld>
@@ -5398,10 +6008,48 @@
       </p:grpSpPr>
       <p:sp>
         <p:nvSpPr>
+          <p:cNvPr id="4" name="Textfeld 3">
+            <a:extLst>
+              <a:ext uri="{FF2B5EF4-FFF2-40B4-BE49-F238E27FC236}">
+                <a16:creationId xmlns:a16="http://schemas.microsoft.com/office/drawing/2014/main" id="{84F7FBEA-4581-4F36-A22D-0729EABF1580}"/>
+              </a:ext>
+            </a:extLst>
+          </p:cNvPr>
+          <p:cNvSpPr txBox="1"/>
+          <p:nvPr/>
+        </p:nvSpPr>
+        <p:spPr>
+          <a:xfrm>
+            <a:off x="8785247" y="3066941"/>
+            <a:ext cx="4946072" cy="923330"/>
+          </a:xfrm>
+          <a:prstGeom prst="rect">
+            <a:avLst/>
+          </a:prstGeom>
+          <a:noFill/>
+        </p:spPr>
+        <p:txBody>
+          <a:bodyPr wrap="square" rtlCol="0">
+            <a:spAutoFit/>
+          </a:bodyPr>
+          <a:lstStyle/>
+          <a:p>
+            <a:endParaRPr lang="de-DE" dirty="0"/>
+          </a:p>
+          <a:p>
+            <a:endParaRPr lang="de-DE" dirty="0"/>
+          </a:p>
+          <a:p>
+            <a:endParaRPr lang="de-DE" dirty="0"/>
+          </a:p>
+        </p:txBody>
+      </p:sp>
+      <p:sp>
+        <p:nvSpPr>
           <p:cNvPr id="2" name="Titel 1">
             <a:extLst>
               <a:ext uri="{FF2B5EF4-FFF2-40B4-BE49-F238E27FC236}">
-                <a16:creationId xmlns:a16="http://schemas.microsoft.com/office/drawing/2014/main" id="{0DB33A85-DD83-4FFC-840D-3CBB5DFFD3FF}"/>
+                <a16:creationId xmlns:a16="http://schemas.microsoft.com/office/drawing/2014/main" id="{DE11FFC8-1695-4289-A248-846A6F653D60}"/>
               </a:ext>
             </a:extLst>
           </p:cNvPr>
@@ -5414,9 +6062,7 @@
         </p:nvSpPr>
         <p:spPr/>
         <p:txBody>
-          <a:bodyPr>
-            <a:normAutofit fontScale="90000"/>
-          </a:bodyPr>
+          <a:bodyPr/>
           <a:lstStyle/>
           <a:p>
             <a:r>
@@ -5424,17 +6070,17 @@
                 <a:latin typeface="Roboto" panose="02000000000000000000" pitchFamily="2" charset="0"/>
                 <a:ea typeface="Roboto" panose="02000000000000000000" pitchFamily="2" charset="0"/>
               </a:rPr>
-              <a:t>Motivation Warum Pandas und Python</a:t>
-            </a:r>
-          </a:p>
-        </p:txBody>
-      </p:sp>
-      <p:sp>
-        <p:nvSpPr>
-          <p:cNvPr id="3" name="Inhaltsplatzhalter 2">
+              <a:t>Seminar Aufbau</a:t>
+            </a:r>
+          </a:p>
+        </p:txBody>
+      </p:sp>
+      <p:sp>
+        <p:nvSpPr>
+          <p:cNvPr id="8" name="Inhaltsplatzhalter 7">
             <a:extLst>
               <a:ext uri="{FF2B5EF4-FFF2-40B4-BE49-F238E27FC236}">
-                <a16:creationId xmlns:a16="http://schemas.microsoft.com/office/drawing/2014/main" id="{95CCEB63-D2C8-4513-81B5-FA145F57C50D}"/>
+                <a16:creationId xmlns:a16="http://schemas.microsoft.com/office/drawing/2014/main" id="{D956DCBA-CF46-4104-983A-13AB8B0A00B2}"/>
               </a:ext>
             </a:extLst>
           </p:cNvPr>
@@ -5445,74 +6091,49 @@
             <p:ph idx="1"/>
           </p:nvPr>
         </p:nvSpPr>
-        <p:spPr>
-          <a:xfrm>
-            <a:off x="2310934" y="1774285"/>
-            <a:ext cx="6204415" cy="4351338"/>
-          </a:xfrm>
-        </p:spPr>
-        <p:txBody>
-          <a:bodyPr>
-            <a:normAutofit/>
-          </a:bodyPr>
+        <p:spPr/>
+        <p:txBody>
+          <a:bodyPr/>
           <a:lstStyle/>
           <a:p>
             <a:pPr marL="0" indent="0">
               <a:buNone/>
             </a:pPr>
             <a:r>
-              <a:rPr lang="de-DE" sz="1800" dirty="0"/>
-              <a:t>Microsoft EXCEL ist ein bekanntes und weit verbreitetes Tools. </a:t>
-            </a:r>
-            <a:r>
-              <a:rPr lang="de-DE" sz="1800" b="1" dirty="0"/>
-              <a:t>Warum also Pandas und Python?</a:t>
-            </a:r>
-          </a:p>
-          <a:p>
-            <a:r>
-              <a:rPr lang="de-DE" sz="1800" dirty="0"/>
-              <a:t>Big Data: Excel Dokument ist limitiert bei ~1.000.000 Zeilen</a:t>
-            </a:r>
-          </a:p>
-          <a:p>
-            <a:r>
-              <a:rPr lang="de-DE" sz="1800" dirty="0"/>
-              <a:t>Reproduzierbarkeit</a:t>
-            </a:r>
-          </a:p>
-          <a:p>
-            <a:r>
-              <a:rPr lang="de-DE" sz="1800" dirty="0"/>
-              <a:t>Automatisierung - VBA ist kompliziert</a:t>
-            </a:r>
-          </a:p>
-          <a:p>
-            <a:r>
-              <a:rPr lang="de-DE" sz="1800" dirty="0"/>
-              <a:t>Volles Spektrum von Statistischen Analysen, inkl. Clustering, Maschine Learning etc.</a:t>
-            </a:r>
-          </a:p>
-          <a:p>
-            <a:endParaRPr lang="de-DE" sz="1800" b="1" dirty="0"/>
-          </a:p>
-          <a:p>
-            <a:pPr marL="0" indent="0">
-              <a:buNone/>
-            </a:pPr>
-            <a:r>
-              <a:rPr lang="de-DE" sz="1900" b="1" dirty="0"/>
-              <a:t>Ist Pandas und Python die Lösung für alle Probleme? </a:t>
-            </a:r>
-          </a:p>
-          <a:p>
-            <a:pPr marL="0" indent="0">
-              <a:buNone/>
-            </a:pPr>
-            <a:r>
-              <a:rPr lang="de-DE" sz="1900" dirty="0"/>
-              <a:t>Nein, besonders bei kleine Datensets und schnellen unkomplizierten Auswertungen, die einmalig vorgenommen werden.</a:t>
-            </a:r>
+              <a:rPr lang="de-DE" b="1" dirty="0"/>
+              <a:t>Seminar Aufbau</a:t>
+            </a:r>
+          </a:p>
+          <a:p>
+            <a:pPr marL="285750" indent="-285750"/>
+            <a:r>
+              <a:rPr lang="de-DE" dirty="0"/>
+              <a:t>Grundliegenende Funktionen</a:t>
+            </a:r>
+          </a:p>
+          <a:p>
+            <a:pPr marL="285750" indent="-285750"/>
+            <a:r>
+              <a:rPr lang="de-DE" dirty="0"/>
+              <a:t>Kernfunktionalitäten - Daten Aufbereiten</a:t>
+            </a:r>
+          </a:p>
+          <a:p>
+            <a:pPr marL="285750" indent="-285750"/>
+            <a:r>
+              <a:rPr lang="de-DE" dirty="0"/>
+              <a:t>Visualisierung und Interaktion</a:t>
+            </a:r>
+          </a:p>
+          <a:p>
+            <a:pPr marL="285750" indent="-285750"/>
+            <a:r>
+              <a:rPr lang="de-DE" dirty="0"/>
+              <a:t>Abschlussprojekt</a:t>
+            </a:r>
+          </a:p>
+          <a:p>
+            <a:endParaRPr lang="de-DE" dirty="0"/>
           </a:p>
         </p:txBody>
       </p:sp>
@@ -5521,7 +6142,7 @@
           <p:cNvPr id="5" name="Textplatzhalter 4">
             <a:extLst>
               <a:ext uri="{FF2B5EF4-FFF2-40B4-BE49-F238E27FC236}">
-                <a16:creationId xmlns:a16="http://schemas.microsoft.com/office/drawing/2014/main" id="{DDD37954-F518-474B-BB17-9D50CEA24F2D}"/>
+                <a16:creationId xmlns:a16="http://schemas.microsoft.com/office/drawing/2014/main" id="{E9BD0B66-9E26-4FA7-B29C-42C33BF4F51D}"/>
               </a:ext>
             </a:extLst>
           </p:cNvPr>
@@ -5539,7 +6160,7 @@
           <a:p>
             <a:r>
               <a:rPr lang="de-DE" dirty="0"/>
-              <a:t>MOTIVATION</a:t>
+              <a:t>AUFBAU</a:t>
             </a:r>
           </a:p>
         </p:txBody>
@@ -5547,7 +6168,7 @@
     </p:spTree>
     <p:extLst>
       <p:ext uri="{BB962C8B-B14F-4D97-AF65-F5344CB8AC3E}">
-        <p14:creationId xmlns:p14="http://schemas.microsoft.com/office/powerpoint/2010/main" val="2261502912"/>
+        <p14:creationId xmlns:p14="http://schemas.microsoft.com/office/powerpoint/2010/main" val="2359616655"/>
       </p:ext>
     </p:extLst>
   </p:cSld>
@@ -5593,18 +6214,14 @@
         <p:spPr/>
         <p:txBody>
           <a:bodyPr>
-            <a:normAutofit fontScale="90000"/>
+            <a:normAutofit/>
           </a:bodyPr>
           <a:lstStyle/>
           <a:p>
             <a:r>
               <a:rPr lang="de-DE" dirty="0"/>
-              <a:t>Kernprinzipien und Besonderheiten</a:t>
-            </a:r>
-            <a:br>
-              <a:rPr lang="de-DE" dirty="0"/>
-            </a:br>
-            <a:endParaRPr lang="de-DE" dirty="0"/>
+              <a:t>Aufbau der Übungseinheiten</a:t>
+            </a:r>
           </a:p>
         </p:txBody>
       </p:sp>

--- a/praesentation/pandas-basic.pptx
+++ b/praesentation/pandas-basic.pptx
@@ -224,7 +224,7 @@
           <a:p>
             <a:fld id="{C0891CEB-E06B-41A6-A791-A945BD77A2CE}" type="datetimeFigureOut">
               <a:rPr lang="de-DE" smtClean="0"/>
-              <a:t>11.07.2019</a:t>
+              <a:t>12.08.2019</a:t>
             </a:fld>
             <a:endParaRPr lang="de-DE"/>
           </a:p>
@@ -841,7 +841,7 @@
           <a:p>
             <a:fld id="{4C0C24D1-D28D-4714-8665-7C693EECAB22}" type="datetimeFigureOut">
               <a:rPr lang="de-DE" smtClean="0"/>
-              <a:t>11.07.2019</a:t>
+              <a:t>12.08.2019</a:t>
             </a:fld>
             <a:endParaRPr lang="de-DE"/>
           </a:p>
@@ -1011,7 +1011,7 @@
           <a:p>
             <a:fld id="{4C0C24D1-D28D-4714-8665-7C693EECAB22}" type="datetimeFigureOut">
               <a:rPr lang="de-DE" smtClean="0"/>
-              <a:t>11.07.2019</a:t>
+              <a:t>12.08.2019</a:t>
             </a:fld>
             <a:endParaRPr lang="de-DE"/>
           </a:p>
@@ -1191,7 +1191,7 @@
           <a:p>
             <a:fld id="{4C0C24D1-D28D-4714-8665-7C693EECAB22}" type="datetimeFigureOut">
               <a:rPr lang="de-DE" smtClean="0"/>
-              <a:t>11.07.2019</a:t>
+              <a:t>12.08.2019</a:t>
             </a:fld>
             <a:endParaRPr lang="de-DE"/>
           </a:p>
@@ -2221,7 +2221,7 @@
           <a:p>
             <a:fld id="{4C0C24D1-D28D-4714-8665-7C693EECAB22}" type="datetimeFigureOut">
               <a:rPr lang="de-DE" smtClean="0"/>
-              <a:t>11.07.2019</a:t>
+              <a:t>12.08.2019</a:t>
             </a:fld>
             <a:endParaRPr lang="de-DE"/>
           </a:p>
@@ -2453,7 +2453,7 @@
           <a:p>
             <a:fld id="{4C0C24D1-D28D-4714-8665-7C693EECAB22}" type="datetimeFigureOut">
               <a:rPr lang="de-DE" smtClean="0"/>
-              <a:t>11.07.2019</a:t>
+              <a:t>12.08.2019</a:t>
             </a:fld>
             <a:endParaRPr lang="de-DE"/>
           </a:p>
@@ -2820,7 +2820,7 @@
           <a:p>
             <a:fld id="{4C0C24D1-D28D-4714-8665-7C693EECAB22}" type="datetimeFigureOut">
               <a:rPr lang="de-DE" smtClean="0"/>
-              <a:t>11.07.2019</a:t>
+              <a:t>12.08.2019</a:t>
             </a:fld>
             <a:endParaRPr lang="de-DE"/>
           </a:p>
@@ -2938,7 +2938,7 @@
           <a:p>
             <a:fld id="{4C0C24D1-D28D-4714-8665-7C693EECAB22}" type="datetimeFigureOut">
               <a:rPr lang="de-DE" smtClean="0"/>
-              <a:t>11.07.2019</a:t>
+              <a:t>12.08.2019</a:t>
             </a:fld>
             <a:endParaRPr lang="de-DE"/>
           </a:p>
@@ -3033,7 +3033,7 @@
           <a:p>
             <a:fld id="{4C0C24D1-D28D-4714-8665-7C693EECAB22}" type="datetimeFigureOut">
               <a:rPr lang="de-DE" smtClean="0"/>
-              <a:t>11.07.2019</a:t>
+              <a:t>12.08.2019</a:t>
             </a:fld>
             <a:endParaRPr lang="de-DE"/>
           </a:p>
@@ -3310,7 +3310,7 @@
           <a:p>
             <a:fld id="{4C0C24D1-D28D-4714-8665-7C693EECAB22}" type="datetimeFigureOut">
               <a:rPr lang="de-DE" smtClean="0"/>
-              <a:t>11.07.2019</a:t>
+              <a:t>12.08.2019</a:t>
             </a:fld>
             <a:endParaRPr lang="de-DE"/>
           </a:p>
@@ -3523,7 +3523,7 @@
           <a:p>
             <a:fld id="{4C0C24D1-D28D-4714-8665-7C693EECAB22}" type="datetimeFigureOut">
               <a:rPr lang="de-DE" smtClean="0"/>
-              <a:t>11.07.2019</a:t>
+              <a:t>12.08.2019</a:t>
             </a:fld>
             <a:endParaRPr lang="de-DE"/>
           </a:p>
@@ -4378,6 +4378,29 @@
             <a:r>
               <a:rPr lang="de-DE" dirty="0" err="1"/>
               <a:t>Anaconda</a:t>
+            </a:r>
+            <a:r>
+              <a:rPr lang="de-DE" dirty="0"/>
+              <a:t>.</a:t>
+            </a:r>
+          </a:p>
+          <a:p>
+            <a:pPr marL="0" indent="0">
+              <a:buNone/>
+            </a:pPr>
+            <a:endParaRPr lang="de-DE" dirty="0"/>
+          </a:p>
+          <a:p>
+            <a:pPr marL="0" indent="0">
+              <a:buNone/>
+            </a:pPr>
+            <a:r>
+              <a:rPr lang="de-DE" dirty="0"/>
+              <a:t>Kopieren Sie die Dateien auf Ihren </a:t>
+            </a:r>
+            <a:r>
+              <a:rPr lang="de-DE" b="1" dirty="0"/>
+              <a:t>Desktop</a:t>
             </a:r>
             <a:r>
               <a:rPr lang="de-DE" dirty="0"/>

--- a/praesentation/pandas-basic.pptx
+++ b/praesentation/pandas-basic.pptx
@@ -5,7 +5,7 @@
     <p:sldMasterId id="2147483660" r:id="rId1"/>
   </p:sldMasterIdLst>
   <p:handoutMasterIdLst>
-    <p:handoutMasterId r:id="rId15"/>
+    <p:handoutMasterId r:id="rId18"/>
   </p:handoutMasterIdLst>
   <p:sldIdLst>
     <p:sldId id="268" r:id="rId2"/>
@@ -17,10 +17,13 @@
     <p:sldId id="263" r:id="rId8"/>
     <p:sldId id="266" r:id="rId9"/>
     <p:sldId id="261" r:id="rId10"/>
-    <p:sldId id="260" r:id="rId11"/>
-    <p:sldId id="264" r:id="rId12"/>
-    <p:sldId id="265" r:id="rId13"/>
-    <p:sldId id="269" r:id="rId14"/>
+    <p:sldId id="271" r:id="rId11"/>
+    <p:sldId id="260" r:id="rId12"/>
+    <p:sldId id="264" r:id="rId13"/>
+    <p:sldId id="265" r:id="rId14"/>
+    <p:sldId id="269" r:id="rId15"/>
+    <p:sldId id="272" r:id="rId16"/>
+    <p:sldId id="270" r:id="rId17"/>
   </p:sldIdLst>
   <p:sldSz cx="9144000" cy="6858000" type="screen4x3"/>
   <p:notesSz cx="6858000" cy="9144000"/>
@@ -224,7 +227,7 @@
           <a:p>
             <a:fld id="{C0891CEB-E06B-41A6-A791-A945BD77A2CE}" type="datetimeFigureOut">
               <a:rPr lang="de-DE" smtClean="0"/>
-              <a:t>12.08.2019</a:t>
+              <a:t>13.08.2019</a:t>
             </a:fld>
             <a:endParaRPr lang="de-DE"/>
           </a:p>
@@ -841,7 +844,7 @@
           <a:p>
             <a:fld id="{4C0C24D1-D28D-4714-8665-7C693EECAB22}" type="datetimeFigureOut">
               <a:rPr lang="de-DE" smtClean="0"/>
-              <a:t>12.08.2019</a:t>
+              <a:t>13.08.2019</a:t>
             </a:fld>
             <a:endParaRPr lang="de-DE"/>
           </a:p>
@@ -1011,7 +1014,7 @@
           <a:p>
             <a:fld id="{4C0C24D1-D28D-4714-8665-7C693EECAB22}" type="datetimeFigureOut">
               <a:rPr lang="de-DE" smtClean="0"/>
-              <a:t>12.08.2019</a:t>
+              <a:t>13.08.2019</a:t>
             </a:fld>
             <a:endParaRPr lang="de-DE"/>
           </a:p>
@@ -1191,7 +1194,7 @@
           <a:p>
             <a:fld id="{4C0C24D1-D28D-4714-8665-7C693EECAB22}" type="datetimeFigureOut">
               <a:rPr lang="de-DE" smtClean="0"/>
-              <a:t>12.08.2019</a:t>
+              <a:t>13.08.2019</a:t>
             </a:fld>
             <a:endParaRPr lang="de-DE"/>
           </a:p>
@@ -2221,7 +2224,7 @@
           <a:p>
             <a:fld id="{4C0C24D1-D28D-4714-8665-7C693EECAB22}" type="datetimeFigureOut">
               <a:rPr lang="de-DE" smtClean="0"/>
-              <a:t>12.08.2019</a:t>
+              <a:t>13.08.2019</a:t>
             </a:fld>
             <a:endParaRPr lang="de-DE"/>
           </a:p>
@@ -2453,7 +2456,7 @@
           <a:p>
             <a:fld id="{4C0C24D1-D28D-4714-8665-7C693EECAB22}" type="datetimeFigureOut">
               <a:rPr lang="de-DE" smtClean="0"/>
-              <a:t>12.08.2019</a:t>
+              <a:t>13.08.2019</a:t>
             </a:fld>
             <a:endParaRPr lang="de-DE"/>
           </a:p>
@@ -2820,7 +2823,7 @@
           <a:p>
             <a:fld id="{4C0C24D1-D28D-4714-8665-7C693EECAB22}" type="datetimeFigureOut">
               <a:rPr lang="de-DE" smtClean="0"/>
-              <a:t>12.08.2019</a:t>
+              <a:t>13.08.2019</a:t>
             </a:fld>
             <a:endParaRPr lang="de-DE"/>
           </a:p>
@@ -2938,7 +2941,7 @@
           <a:p>
             <a:fld id="{4C0C24D1-D28D-4714-8665-7C693EECAB22}" type="datetimeFigureOut">
               <a:rPr lang="de-DE" smtClean="0"/>
-              <a:t>12.08.2019</a:t>
+              <a:t>13.08.2019</a:t>
             </a:fld>
             <a:endParaRPr lang="de-DE"/>
           </a:p>
@@ -3033,7 +3036,7 @@
           <a:p>
             <a:fld id="{4C0C24D1-D28D-4714-8665-7C693EECAB22}" type="datetimeFigureOut">
               <a:rPr lang="de-DE" smtClean="0"/>
-              <a:t>12.08.2019</a:t>
+              <a:t>13.08.2019</a:t>
             </a:fld>
             <a:endParaRPr lang="de-DE"/>
           </a:p>
@@ -3310,7 +3313,7 @@
           <a:p>
             <a:fld id="{4C0C24D1-D28D-4714-8665-7C693EECAB22}" type="datetimeFigureOut">
               <a:rPr lang="de-DE" smtClean="0"/>
-              <a:t>12.08.2019</a:t>
+              <a:t>13.08.2019</a:t>
             </a:fld>
             <a:endParaRPr lang="de-DE"/>
           </a:p>
@@ -3523,7 +3526,7 @@
           <a:p>
             <a:fld id="{4C0C24D1-D28D-4714-8665-7C693EECAB22}" type="datetimeFigureOut">
               <a:rPr lang="de-DE" smtClean="0"/>
-              <a:t>12.08.2019</a:t>
+              <a:t>13.08.2019</a:t>
             </a:fld>
             <a:endParaRPr lang="de-DE"/>
           </a:p>
@@ -3960,7 +3963,7 @@
             <a:pPr algn="ctr"/>
             <a:r>
               <a:rPr lang="de-DE" sz="6600" dirty="0"/>
-              <a:t>13:50 Uhr</a:t>
+              <a:t>15:15 Uhr</a:t>
             </a:r>
           </a:p>
         </p:txBody>
@@ -4038,10 +4041,10 @@
       </p:grpSpPr>
       <p:sp>
         <p:nvSpPr>
-          <p:cNvPr id="5" name="Titel 4">
+          <p:cNvPr id="8" name="Titel 7">
             <a:extLst>
               <a:ext uri="{FF2B5EF4-FFF2-40B4-BE49-F238E27FC236}">
-                <a16:creationId xmlns:a16="http://schemas.microsoft.com/office/drawing/2014/main" id="{30D036D8-89B9-47BE-B0D2-7A4C1D6F2178}"/>
+                <a16:creationId xmlns:a16="http://schemas.microsoft.com/office/drawing/2014/main" id="{9867D752-BB0C-4393-A00B-5715AEF40D66}"/>
               </a:ext>
             </a:extLst>
           </p:cNvPr>
@@ -4052,6 +4055,143 @@
             <p:ph type="title"/>
           </p:nvPr>
         </p:nvSpPr>
+        <p:spPr>
+          <a:xfrm>
+            <a:off x="2310933" y="2730674"/>
+            <a:ext cx="3739137" cy="410091"/>
+          </a:xfrm>
+        </p:spPr>
+        <p:txBody>
+          <a:bodyPr>
+            <a:normAutofit/>
+          </a:bodyPr>
+          <a:lstStyle/>
+          <a:p>
+            <a:r>
+              <a:rPr lang="de-DE" sz="2000" dirty="0">
+                <a:solidFill>
+                  <a:srgbClr val="FF0000"/>
+                </a:solidFill>
+              </a:rPr>
+              <a:t>4 Stufen des </a:t>
+            </a:r>
+            <a:r>
+              <a:rPr lang="de-DE" sz="2000" dirty="0" err="1">
+                <a:solidFill>
+                  <a:srgbClr val="FF0000"/>
+                </a:solidFill>
+              </a:rPr>
+              <a:t>FuckUps</a:t>
+            </a:r>
+            <a:endParaRPr lang="de-DE" sz="2000" dirty="0">
+              <a:solidFill>
+                <a:srgbClr val="FF0000"/>
+              </a:solidFill>
+            </a:endParaRPr>
+          </a:p>
+        </p:txBody>
+      </p:sp>
+      <p:sp>
+        <p:nvSpPr>
+          <p:cNvPr id="9" name="Inhaltsplatzhalter 8">
+            <a:extLst>
+              <a:ext uri="{FF2B5EF4-FFF2-40B4-BE49-F238E27FC236}">
+                <a16:creationId xmlns:a16="http://schemas.microsoft.com/office/drawing/2014/main" id="{4805D453-6DC8-4856-822E-7BA9C1F243DC}"/>
+              </a:ext>
+            </a:extLst>
+          </p:cNvPr>
+          <p:cNvSpPr>
+            <a:spLocks noGrp="1"/>
+          </p:cNvSpPr>
+          <p:nvPr>
+            <p:ph idx="1"/>
+          </p:nvPr>
+        </p:nvSpPr>
+        <p:spPr>
+          <a:xfrm>
+            <a:off x="2310933" y="3140765"/>
+            <a:ext cx="6474314" cy="2984857"/>
+          </a:xfrm>
+        </p:spPr>
+        <p:txBody>
+          <a:bodyPr>
+            <a:normAutofit lnSpcReduction="10000"/>
+          </a:bodyPr>
+          <a:lstStyle/>
+          <a:p>
+            <a:r>
+              <a:rPr lang="de-DE" sz="3600" dirty="0"/>
+              <a:t>Cells -&gt; Run All</a:t>
+            </a:r>
+          </a:p>
+          <a:p>
+            <a:r>
+              <a:rPr lang="de-DE" sz="3600" dirty="0"/>
+              <a:t>Fehlermeldung lesen! </a:t>
+            </a:r>
+            <a:br>
+              <a:rPr lang="de-DE" sz="3600" dirty="0"/>
+            </a:br>
+            <a:r>
+              <a:rPr lang="de-DE" sz="2000" dirty="0"/>
+              <a:t>Das wichtigste steht in der letzten Zeile ;)</a:t>
+            </a:r>
+            <a:endParaRPr lang="de-DE" sz="2200" dirty="0"/>
+          </a:p>
+          <a:p>
+            <a:r>
+              <a:rPr lang="de-DE" sz="3600" dirty="0"/>
+              <a:t>Code überprüfen</a:t>
+            </a:r>
+          </a:p>
+          <a:p>
+            <a:r>
+              <a:rPr lang="de-DE" sz="3600" i="1" dirty="0">
+                <a:solidFill>
+                  <a:srgbClr val="FF0000"/>
+                </a:solidFill>
+              </a:rPr>
+              <a:t>Vorschlaghammer</a:t>
+            </a:r>
+            <a:r>
+              <a:rPr lang="de-DE" sz="2800" i="1" dirty="0">
+                <a:solidFill>
+                  <a:srgbClr val="FF0000"/>
+                </a:solidFill>
+              </a:rPr>
+              <a:t>! </a:t>
+            </a:r>
+            <a:br>
+              <a:rPr lang="de-DE" sz="2800" i="1" dirty="0">
+                <a:solidFill>
+                  <a:srgbClr val="FF0000"/>
+                </a:solidFill>
+              </a:rPr>
+            </a:br>
+            <a:r>
+              <a:rPr lang="de-DE" sz="2000" i="1" dirty="0"/>
+              <a:t>Oder mich fragen…</a:t>
+            </a:r>
+            <a:endParaRPr lang="de-DE" i="1" dirty="0"/>
+          </a:p>
+        </p:txBody>
+      </p:sp>
+      <p:sp>
+        <p:nvSpPr>
+          <p:cNvPr id="6" name="Textplatzhalter 5">
+            <a:extLst>
+              <a:ext uri="{FF2B5EF4-FFF2-40B4-BE49-F238E27FC236}">
+                <a16:creationId xmlns:a16="http://schemas.microsoft.com/office/drawing/2014/main" id="{A2CFD462-2C8E-4447-8233-10382DBA2471}"/>
+              </a:ext>
+            </a:extLst>
+          </p:cNvPr>
+          <p:cNvSpPr>
+            <a:spLocks noGrp="1"/>
+          </p:cNvSpPr>
+          <p:nvPr>
+            <p:ph type="body" sz="quarter" idx="11"/>
+          </p:nvPr>
+        </p:nvSpPr>
         <p:spPr/>
         <p:txBody>
           <a:bodyPr/>
@@ -4059,131 +4199,62 @@
           <a:p>
             <a:r>
               <a:rPr lang="de-DE" dirty="0"/>
-              <a:t>Kurszeiten</a:t>
-            </a:r>
-          </a:p>
-        </p:txBody>
-      </p:sp>
-      <p:sp>
-        <p:nvSpPr>
-          <p:cNvPr id="20" name="Inhaltsplatzhalter 19">
+              <a:t>ZUSAMMENARBETI</a:t>
+            </a:r>
+          </a:p>
+        </p:txBody>
+      </p:sp>
+      <p:pic>
+        <p:nvPicPr>
+          <p:cNvPr id="1026" name="Picture 2" descr="Bildergebnis für error meme">
             <a:extLst>
               <a:ext uri="{FF2B5EF4-FFF2-40B4-BE49-F238E27FC236}">
-                <a16:creationId xmlns:a16="http://schemas.microsoft.com/office/drawing/2014/main" id="{A9A20E52-0970-4F94-8EB5-8FA5DE6FDAAD}"/>
+                <a16:creationId xmlns:a16="http://schemas.microsoft.com/office/drawing/2014/main" id="{C99D27EC-CD10-43FF-B5A6-794FBB962FAD}"/>
               </a:ext>
             </a:extLst>
           </p:cNvPr>
-          <p:cNvSpPr>
-            <a:spLocks noGrp="1"/>
-          </p:cNvSpPr>
-          <p:nvPr>
-            <p:ph idx="1"/>
-          </p:nvPr>
-        </p:nvSpPr>
-        <p:spPr/>
-        <p:txBody>
-          <a:bodyPr/>
-          <a:lstStyle/>
-          <a:p>
-            <a:pPr marL="0" indent="0">
-              <a:buNone/>
-            </a:pPr>
-            <a:r>
-              <a:rPr lang="de-DE" b="1" dirty="0"/>
-              <a:t>Kurszeiten</a:t>
-            </a:r>
-          </a:p>
-          <a:p>
-            <a:pPr marL="0" indent="0">
-              <a:buNone/>
-            </a:pPr>
-            <a:r>
-              <a:rPr lang="de-DE" dirty="0"/>
-              <a:t>9:00 – 16:00 Uhr</a:t>
-            </a:r>
-          </a:p>
-          <a:p>
-            <a:pPr marL="0" indent="0">
-              <a:buNone/>
-            </a:pPr>
-            <a:endParaRPr lang="de-DE" dirty="0"/>
-          </a:p>
-          <a:p>
-            <a:pPr marL="0" indent="0">
-              <a:buNone/>
-            </a:pPr>
-            <a:r>
-              <a:rPr lang="de-DE" b="1" dirty="0"/>
-              <a:t>Mittagspause</a:t>
-            </a:r>
-          </a:p>
-          <a:p>
-            <a:pPr marL="0" indent="0">
-              <a:buNone/>
-            </a:pPr>
-            <a:r>
-              <a:rPr lang="de-DE" dirty="0"/>
-              <a:t>1 Stunde gegen 12 Uhr</a:t>
-            </a:r>
-          </a:p>
-          <a:p>
-            <a:pPr marL="0" indent="0">
-              <a:buNone/>
-            </a:pPr>
-            <a:endParaRPr lang="de-DE" dirty="0"/>
-          </a:p>
-          <a:p>
-            <a:pPr marL="0" indent="0">
-              <a:buNone/>
-            </a:pPr>
-            <a:r>
-              <a:rPr lang="de-DE" b="1" dirty="0"/>
-              <a:t>Verschnaufpausen</a:t>
-            </a:r>
-          </a:p>
-          <a:p>
-            <a:pPr marL="0" indent="0">
-              <a:buNone/>
-            </a:pPr>
-            <a:r>
-              <a:rPr lang="de-DE" dirty="0"/>
-              <a:t>Vormittags und Nachmittags jeweils 15min</a:t>
-            </a:r>
-          </a:p>
-        </p:txBody>
-      </p:sp>
-      <p:sp>
-        <p:nvSpPr>
-          <p:cNvPr id="17" name="Textplatzhalter 16">
-            <a:extLst>
-              <a:ext uri="{FF2B5EF4-FFF2-40B4-BE49-F238E27FC236}">
-                <a16:creationId xmlns:a16="http://schemas.microsoft.com/office/drawing/2014/main" id="{B802A629-3FC8-49ED-BD19-B02A6605E8A4}"/>
-              </a:ext>
-            </a:extLst>
-          </p:cNvPr>
-          <p:cNvSpPr>
-            <a:spLocks noGrp="1"/>
-          </p:cNvSpPr>
-          <p:nvPr>
-            <p:ph type="body" sz="quarter" idx="11"/>
-          </p:nvPr>
-        </p:nvSpPr>
-        <p:spPr/>
-        <p:txBody>
-          <a:bodyPr/>
-          <a:lstStyle/>
-          <a:p>
-            <a:r>
-              <a:rPr lang="de-DE" dirty="0"/>
-              <a:t>KURSZEITEN</a:t>
-            </a:r>
-          </a:p>
-        </p:txBody>
-      </p:sp>
+          <p:cNvPicPr>
+            <a:picLocks noChangeAspect="1" noChangeArrowheads="1"/>
+          </p:cNvPicPr>
+          <p:nvPr/>
+        </p:nvPicPr>
+        <p:blipFill>
+          <a:blip r:embed="rId2">
+            <a:extLst>
+              <a:ext uri="{28A0092B-C50C-407E-A947-70E740481C1C}">
+                <a14:useLocalDpi xmlns:a14="http://schemas.microsoft.com/office/drawing/2010/main" val="0"/>
+              </a:ext>
+            </a:extLst>
+          </a:blip>
+          <a:srcRect/>
+          <a:stretch>
+            <a:fillRect/>
+          </a:stretch>
+        </p:blipFill>
+        <p:spPr bwMode="auto">
+          <a:xfrm>
+            <a:off x="6401701" y="594591"/>
+            <a:ext cx="2203679" cy="2314367"/>
+          </a:xfrm>
+          <a:prstGeom prst="rect">
+            <a:avLst/>
+          </a:prstGeom>
+          <a:noFill/>
+          <a:extLst>
+            <a:ext uri="{909E8E84-426E-40DD-AFC4-6F175D3DCCD1}">
+              <a14:hiddenFill xmlns:a14="http://schemas.microsoft.com/office/drawing/2010/main">
+                <a:solidFill>
+                  <a:srgbClr val="FFFFFF"/>
+                </a:solidFill>
+              </a14:hiddenFill>
+            </a:ext>
+          </a:extLst>
+        </p:spPr>
+      </p:pic>
     </p:spTree>
     <p:extLst>
       <p:ext uri="{BB962C8B-B14F-4D97-AF65-F5344CB8AC3E}">
-        <p14:creationId xmlns:p14="http://schemas.microsoft.com/office/powerpoint/2010/main" val="2185082341"/>
+        <p14:creationId xmlns:p14="http://schemas.microsoft.com/office/powerpoint/2010/main" val="708997883"/>
       </p:ext>
     </p:extLst>
   </p:cSld>
@@ -4212,6 +4283,180 @@
       </p:grpSpPr>
       <p:sp>
         <p:nvSpPr>
+          <p:cNvPr id="5" name="Titel 4">
+            <a:extLst>
+              <a:ext uri="{FF2B5EF4-FFF2-40B4-BE49-F238E27FC236}">
+                <a16:creationId xmlns:a16="http://schemas.microsoft.com/office/drawing/2014/main" id="{30D036D8-89B9-47BE-B0D2-7A4C1D6F2178}"/>
+              </a:ext>
+            </a:extLst>
+          </p:cNvPr>
+          <p:cNvSpPr>
+            <a:spLocks noGrp="1"/>
+          </p:cNvSpPr>
+          <p:nvPr>
+            <p:ph type="title"/>
+          </p:nvPr>
+        </p:nvSpPr>
+        <p:spPr/>
+        <p:txBody>
+          <a:bodyPr/>
+          <a:lstStyle/>
+          <a:p>
+            <a:r>
+              <a:rPr lang="de-DE" dirty="0"/>
+              <a:t>Kurszeiten</a:t>
+            </a:r>
+          </a:p>
+        </p:txBody>
+      </p:sp>
+      <p:sp>
+        <p:nvSpPr>
+          <p:cNvPr id="20" name="Inhaltsplatzhalter 19">
+            <a:extLst>
+              <a:ext uri="{FF2B5EF4-FFF2-40B4-BE49-F238E27FC236}">
+                <a16:creationId xmlns:a16="http://schemas.microsoft.com/office/drawing/2014/main" id="{A9A20E52-0970-4F94-8EB5-8FA5DE6FDAAD}"/>
+              </a:ext>
+            </a:extLst>
+          </p:cNvPr>
+          <p:cNvSpPr>
+            <a:spLocks noGrp="1"/>
+          </p:cNvSpPr>
+          <p:nvPr>
+            <p:ph idx="1"/>
+          </p:nvPr>
+        </p:nvSpPr>
+        <p:spPr/>
+        <p:txBody>
+          <a:bodyPr/>
+          <a:lstStyle/>
+          <a:p>
+            <a:pPr marL="0" indent="0">
+              <a:buNone/>
+            </a:pPr>
+            <a:r>
+              <a:rPr lang="de-DE" b="1" dirty="0"/>
+              <a:t>Kurszeiten</a:t>
+            </a:r>
+          </a:p>
+          <a:p>
+            <a:pPr marL="0" indent="0">
+              <a:buNone/>
+            </a:pPr>
+            <a:r>
+              <a:rPr lang="de-DE" dirty="0"/>
+              <a:t>9:00 – 16:00 Uhr</a:t>
+            </a:r>
+          </a:p>
+          <a:p>
+            <a:pPr marL="0" indent="0">
+              <a:buNone/>
+            </a:pPr>
+            <a:endParaRPr lang="de-DE" dirty="0"/>
+          </a:p>
+          <a:p>
+            <a:pPr marL="0" indent="0">
+              <a:buNone/>
+            </a:pPr>
+            <a:r>
+              <a:rPr lang="de-DE" b="1" dirty="0"/>
+              <a:t>Mittagspause</a:t>
+            </a:r>
+          </a:p>
+          <a:p>
+            <a:pPr marL="0" indent="0">
+              <a:buNone/>
+            </a:pPr>
+            <a:r>
+              <a:rPr lang="de-DE" dirty="0"/>
+              <a:t>1 Stunde gegen 12 Uhr</a:t>
+            </a:r>
+          </a:p>
+          <a:p>
+            <a:pPr marL="0" indent="0">
+              <a:buNone/>
+            </a:pPr>
+            <a:endParaRPr lang="de-DE" dirty="0"/>
+          </a:p>
+          <a:p>
+            <a:pPr marL="0" indent="0">
+              <a:buNone/>
+            </a:pPr>
+            <a:r>
+              <a:rPr lang="de-DE" b="1" dirty="0"/>
+              <a:t>Verschnaufpausen</a:t>
+            </a:r>
+          </a:p>
+          <a:p>
+            <a:pPr marL="0" indent="0">
+              <a:buNone/>
+            </a:pPr>
+            <a:r>
+              <a:rPr lang="de-DE" dirty="0"/>
+              <a:t>Vormittags und Nachmittags jeweils 15min</a:t>
+            </a:r>
+          </a:p>
+        </p:txBody>
+      </p:sp>
+      <p:sp>
+        <p:nvSpPr>
+          <p:cNvPr id="17" name="Textplatzhalter 16">
+            <a:extLst>
+              <a:ext uri="{FF2B5EF4-FFF2-40B4-BE49-F238E27FC236}">
+                <a16:creationId xmlns:a16="http://schemas.microsoft.com/office/drawing/2014/main" id="{B802A629-3FC8-49ED-BD19-B02A6605E8A4}"/>
+              </a:ext>
+            </a:extLst>
+          </p:cNvPr>
+          <p:cNvSpPr>
+            <a:spLocks noGrp="1"/>
+          </p:cNvSpPr>
+          <p:nvPr>
+            <p:ph type="body" sz="quarter" idx="11"/>
+          </p:nvPr>
+        </p:nvSpPr>
+        <p:spPr/>
+        <p:txBody>
+          <a:bodyPr/>
+          <a:lstStyle/>
+          <a:p>
+            <a:r>
+              <a:rPr lang="de-DE" dirty="0"/>
+              <a:t>KURSZEITEN</a:t>
+            </a:r>
+          </a:p>
+        </p:txBody>
+      </p:sp>
+    </p:spTree>
+    <p:extLst>
+      <p:ext uri="{BB962C8B-B14F-4D97-AF65-F5344CB8AC3E}">
+        <p14:creationId xmlns:p14="http://schemas.microsoft.com/office/powerpoint/2010/main" val="2185082341"/>
+      </p:ext>
+    </p:extLst>
+  </p:cSld>
+  <p:clrMapOvr>
+    <a:masterClrMapping/>
+  </p:clrMapOvr>
+</p:sld>
+</file>
+
+<file path=ppt/slides/slide12.xml><?xml version="1.0" encoding="utf-8"?>
+<p:sld xmlns:a="http://schemas.openxmlformats.org/drawingml/2006/main" xmlns:r="http://schemas.openxmlformats.org/officeDocument/2006/relationships" xmlns:p="http://schemas.openxmlformats.org/presentationml/2006/main">
+  <p:cSld>
+    <p:spTree>
+      <p:nvGrpSpPr>
+        <p:cNvPr id="1" name=""/>
+        <p:cNvGrpSpPr/>
+        <p:nvPr/>
+      </p:nvGrpSpPr>
+      <p:grpSpPr>
+        <a:xfrm>
+          <a:off x="0" y="0"/>
+          <a:ext cx="0" cy="0"/>
+          <a:chOff x="0" y="0"/>
+          <a:chExt cx="0" cy="0"/>
+        </a:xfrm>
+      </p:grpSpPr>
+      <p:sp>
+        <p:nvSpPr>
           <p:cNvPr id="2" name="Titel 1">
             <a:extLst>
               <a:ext uri="{FF2B5EF4-FFF2-40B4-BE49-F238E27FC236}">
@@ -4477,7 +4722,7 @@
 </p:sld>
 </file>
 
-<file path=ppt/slides/slide12.xml><?xml version="1.0" encoding="utf-8"?>
+<file path=ppt/slides/slide13.xml><?xml version="1.0" encoding="utf-8"?>
 <p:sld xmlns:a="http://schemas.openxmlformats.org/drawingml/2006/main" xmlns:r="http://schemas.openxmlformats.org/officeDocument/2006/relationships" xmlns:p="http://schemas.openxmlformats.org/presentationml/2006/main">
   <p:cSld>
     <p:spTree>
@@ -4960,7 +5205,7 @@
 </p:sld>
 </file>
 
-<file path=ppt/slides/slide13.xml><?xml version="1.0" encoding="utf-8"?>
+<file path=ppt/slides/slide14.xml><?xml version="1.0" encoding="utf-8"?>
 <p:sld xmlns:a="http://schemas.openxmlformats.org/drawingml/2006/main" xmlns:r="http://schemas.openxmlformats.org/officeDocument/2006/relationships" xmlns:p="http://schemas.openxmlformats.org/presentationml/2006/main">
   <p:cSld>
     <p:spTree>
@@ -5479,6 +5724,476 @@
 </p:sld>
 </file>
 
+<file path=ppt/slides/slide15.xml><?xml version="1.0" encoding="utf-8"?>
+<p:sld xmlns:a="http://schemas.openxmlformats.org/drawingml/2006/main" xmlns:r="http://schemas.openxmlformats.org/officeDocument/2006/relationships" xmlns:p="http://schemas.openxmlformats.org/presentationml/2006/main">
+  <p:cSld>
+    <p:spTree>
+      <p:nvGrpSpPr>
+        <p:cNvPr id="1" name=""/>
+        <p:cNvGrpSpPr/>
+        <p:nvPr/>
+      </p:nvGrpSpPr>
+      <p:grpSpPr>
+        <a:xfrm>
+          <a:off x="0" y="0"/>
+          <a:ext cx="0" cy="0"/>
+          <a:chOff x="0" y="0"/>
+          <a:chExt cx="0" cy="0"/>
+        </a:xfrm>
+      </p:grpSpPr>
+      <p:sp>
+        <p:nvSpPr>
+          <p:cNvPr id="2" name="Titel 1">
+            <a:extLst>
+              <a:ext uri="{FF2B5EF4-FFF2-40B4-BE49-F238E27FC236}">
+                <a16:creationId xmlns:a16="http://schemas.microsoft.com/office/drawing/2014/main" id="{BA252BF7-1175-4270-B27F-F6C188CFC526}"/>
+              </a:ext>
+            </a:extLst>
+          </p:cNvPr>
+          <p:cNvSpPr>
+            <a:spLocks noGrp="1"/>
+          </p:cNvSpPr>
+          <p:nvPr>
+            <p:ph type="title"/>
+          </p:nvPr>
+        </p:nvSpPr>
+        <p:spPr/>
+        <p:txBody>
+          <a:bodyPr/>
+          <a:lstStyle/>
+          <a:p>
+            <a:r>
+              <a:rPr lang="de-DE" dirty="0"/>
+              <a:t>Wie geht es weiter?</a:t>
+            </a:r>
+          </a:p>
+        </p:txBody>
+      </p:sp>
+      <p:sp>
+        <p:nvSpPr>
+          <p:cNvPr id="3" name="Inhaltsplatzhalter 2">
+            <a:extLst>
+              <a:ext uri="{FF2B5EF4-FFF2-40B4-BE49-F238E27FC236}">
+                <a16:creationId xmlns:a16="http://schemas.microsoft.com/office/drawing/2014/main" id="{2F11EFC5-77DA-4471-B143-7B51A692EDC7}"/>
+              </a:ext>
+            </a:extLst>
+          </p:cNvPr>
+          <p:cNvSpPr>
+            <a:spLocks noGrp="1"/>
+          </p:cNvSpPr>
+          <p:nvPr>
+            <p:ph idx="1"/>
+          </p:nvPr>
+        </p:nvSpPr>
+        <p:spPr/>
+        <p:txBody>
+          <a:bodyPr/>
+          <a:lstStyle/>
+          <a:p>
+            <a:r>
+              <a:rPr lang="de-DE" dirty="0"/>
+              <a:t>Installieren Sie sich die benötigte Software</a:t>
+            </a:r>
+          </a:p>
+          <a:p>
+            <a:r>
+              <a:rPr lang="de-DE" dirty="0"/>
+              <a:t>Schließen Sie alle Zusatzübungen ab</a:t>
+            </a:r>
+          </a:p>
+          <a:p>
+            <a:r>
+              <a:rPr lang="de-DE" dirty="0"/>
+              <a:t>Die Abschlussübung dient als gute Wiederholung und als kleiner Ausblick</a:t>
+            </a:r>
+          </a:p>
+          <a:p>
+            <a:r>
+              <a:rPr lang="de-DE" dirty="0"/>
+              <a:t>Vertiefen Sie ihr Wissen zum Beispiel durch Seiten wie </a:t>
+            </a:r>
+            <a:r>
+              <a:rPr lang="de-DE" dirty="0">
+                <a:hlinkClick r:id="rId2"/>
+              </a:rPr>
+              <a:t>www.kaggle.com</a:t>
+            </a:r>
+            <a:endParaRPr lang="de-DE" dirty="0"/>
+          </a:p>
+          <a:p>
+            <a:r>
+              <a:rPr lang="de-DE" dirty="0"/>
+              <a:t>Übung, Übung, Übung….</a:t>
+            </a:r>
+          </a:p>
+        </p:txBody>
+      </p:sp>
+      <p:sp>
+        <p:nvSpPr>
+          <p:cNvPr id="4" name="Textplatzhalter 3">
+            <a:extLst>
+              <a:ext uri="{FF2B5EF4-FFF2-40B4-BE49-F238E27FC236}">
+                <a16:creationId xmlns:a16="http://schemas.microsoft.com/office/drawing/2014/main" id="{96D62BF6-BFAD-4C70-B19B-5DA96CCD82F0}"/>
+              </a:ext>
+            </a:extLst>
+          </p:cNvPr>
+          <p:cNvSpPr>
+            <a:spLocks noGrp="1"/>
+          </p:cNvSpPr>
+          <p:nvPr>
+            <p:ph type="body" sz="quarter" idx="11"/>
+          </p:nvPr>
+        </p:nvSpPr>
+        <p:spPr/>
+        <p:txBody>
+          <a:bodyPr/>
+          <a:lstStyle/>
+          <a:p>
+            <a:endParaRPr lang="de-DE"/>
+          </a:p>
+        </p:txBody>
+      </p:sp>
+    </p:spTree>
+    <p:extLst>
+      <p:ext uri="{BB962C8B-B14F-4D97-AF65-F5344CB8AC3E}">
+        <p14:creationId xmlns:p14="http://schemas.microsoft.com/office/powerpoint/2010/main" val="1527725862"/>
+      </p:ext>
+    </p:extLst>
+  </p:cSld>
+  <p:clrMapOvr>
+    <a:masterClrMapping/>
+  </p:clrMapOvr>
+</p:sld>
+</file>
+
+<file path=ppt/slides/slide16.xml><?xml version="1.0" encoding="utf-8"?>
+<p:sld xmlns:a="http://schemas.openxmlformats.org/drawingml/2006/main" xmlns:r="http://schemas.openxmlformats.org/officeDocument/2006/relationships" xmlns:p="http://schemas.openxmlformats.org/presentationml/2006/main">
+  <p:cSld>
+    <p:spTree>
+      <p:nvGrpSpPr>
+        <p:cNvPr id="1" name=""/>
+        <p:cNvGrpSpPr/>
+        <p:nvPr/>
+      </p:nvGrpSpPr>
+      <p:grpSpPr>
+        <a:xfrm>
+          <a:off x="0" y="0"/>
+          <a:ext cx="0" cy="0"/>
+          <a:chOff x="0" y="0"/>
+          <a:chExt cx="0" cy="0"/>
+        </a:xfrm>
+      </p:grpSpPr>
+      <p:sp>
+        <p:nvSpPr>
+          <p:cNvPr id="2" name="Titel 1">
+            <a:extLst>
+              <a:ext uri="{FF2B5EF4-FFF2-40B4-BE49-F238E27FC236}">
+                <a16:creationId xmlns:a16="http://schemas.microsoft.com/office/drawing/2014/main" id="{FF398563-F11E-45D1-A67A-01D9B38F7D54}"/>
+              </a:ext>
+            </a:extLst>
+          </p:cNvPr>
+          <p:cNvSpPr>
+            <a:spLocks noGrp="1"/>
+          </p:cNvSpPr>
+          <p:nvPr>
+            <p:ph type="title"/>
+          </p:nvPr>
+        </p:nvSpPr>
+        <p:spPr/>
+        <p:txBody>
+          <a:bodyPr/>
+          <a:lstStyle/>
+          <a:p>
+            <a:r>
+              <a:rPr lang="de-DE" dirty="0"/>
+              <a:t>Feedback</a:t>
+            </a:r>
+          </a:p>
+        </p:txBody>
+      </p:sp>
+      <p:sp>
+        <p:nvSpPr>
+          <p:cNvPr id="4" name="Textplatzhalter 3">
+            <a:extLst>
+              <a:ext uri="{FF2B5EF4-FFF2-40B4-BE49-F238E27FC236}">
+                <a16:creationId xmlns:a16="http://schemas.microsoft.com/office/drawing/2014/main" id="{0C1A1E63-F823-45D7-92BA-7654FEC35E49}"/>
+              </a:ext>
+            </a:extLst>
+          </p:cNvPr>
+          <p:cNvSpPr>
+            <a:spLocks noGrp="1"/>
+          </p:cNvSpPr>
+          <p:nvPr>
+            <p:ph type="body" sz="quarter" idx="11"/>
+          </p:nvPr>
+        </p:nvSpPr>
+        <p:spPr/>
+        <p:txBody>
+          <a:bodyPr/>
+          <a:lstStyle/>
+          <a:p>
+            <a:r>
+              <a:rPr lang="de-DE" dirty="0"/>
+              <a:t>FEEDBACK</a:t>
+            </a:r>
+          </a:p>
+        </p:txBody>
+      </p:sp>
+      <p:sp>
+        <p:nvSpPr>
+          <p:cNvPr id="5" name="Inhaltsplatzhalter 2">
+            <a:extLst>
+              <a:ext uri="{FF2B5EF4-FFF2-40B4-BE49-F238E27FC236}">
+                <a16:creationId xmlns:a16="http://schemas.microsoft.com/office/drawing/2014/main" id="{81DB2A6F-4531-46D0-8DC7-3851A1C76A4F}"/>
+              </a:ext>
+            </a:extLst>
+          </p:cNvPr>
+          <p:cNvSpPr>
+            <a:spLocks noGrp="1"/>
+          </p:cNvSpPr>
+          <p:nvPr>
+            <p:ph idx="1"/>
+          </p:nvPr>
+        </p:nvSpPr>
+        <p:spPr>
+          <a:prstGeom prst="rect">
+            <a:avLst/>
+          </a:prstGeom>
+        </p:spPr>
+        <p:txBody>
+          <a:bodyPr vert="horz" lIns="91440" tIns="45720" rIns="91440" bIns="45720" rtlCol="0">
+            <a:normAutofit/>
+          </a:bodyPr>
+          <a:lstStyle>
+            <a:lvl1pPr marL="228600" indent="-228600" algn="l" defTabSz="914400" rtl="0" eaLnBrk="1" latinLnBrk="0" hangingPunct="1">
+              <a:lnSpc>
+                <a:spcPct val="90000"/>
+              </a:lnSpc>
+              <a:spcBef>
+                <a:spcPts val="1000"/>
+              </a:spcBef>
+              <a:buFont typeface="Arial" panose="020B0604020202020204" pitchFamily="34" charset="0"/>
+              <a:buChar char="•"/>
+              <a:defRPr sz="2400" kern="1200">
+                <a:solidFill>
+                  <a:schemeClr val="tx1"/>
+                </a:solidFill>
+                <a:latin typeface="+mn-lt"/>
+                <a:ea typeface="+mn-ea"/>
+                <a:cs typeface="+mn-cs"/>
+              </a:defRPr>
+            </a:lvl1pPr>
+            <a:lvl2pPr marL="685800" indent="-228600" algn="l" defTabSz="914400" rtl="0" eaLnBrk="1" latinLnBrk="0" hangingPunct="1">
+              <a:lnSpc>
+                <a:spcPct val="90000"/>
+              </a:lnSpc>
+              <a:spcBef>
+                <a:spcPts val="500"/>
+              </a:spcBef>
+              <a:buFont typeface="Arial" panose="020B0604020202020204" pitchFamily="34" charset="0"/>
+              <a:buChar char="•"/>
+              <a:defRPr sz="2000" kern="1200">
+                <a:solidFill>
+                  <a:schemeClr val="tx1"/>
+                </a:solidFill>
+                <a:latin typeface="+mn-lt"/>
+                <a:ea typeface="+mn-ea"/>
+                <a:cs typeface="+mn-cs"/>
+              </a:defRPr>
+            </a:lvl2pPr>
+            <a:lvl3pPr marL="1143000" indent="-228600" algn="l" defTabSz="914400" rtl="0" eaLnBrk="1" latinLnBrk="0" hangingPunct="1">
+              <a:lnSpc>
+                <a:spcPct val="90000"/>
+              </a:lnSpc>
+              <a:spcBef>
+                <a:spcPts val="500"/>
+              </a:spcBef>
+              <a:buFont typeface="Arial" panose="020B0604020202020204" pitchFamily="34" charset="0"/>
+              <a:buChar char="•"/>
+              <a:defRPr sz="2000" kern="1200">
+                <a:solidFill>
+                  <a:schemeClr val="tx1"/>
+                </a:solidFill>
+                <a:latin typeface="+mn-lt"/>
+                <a:ea typeface="+mn-ea"/>
+                <a:cs typeface="+mn-cs"/>
+              </a:defRPr>
+            </a:lvl3pPr>
+            <a:lvl4pPr marL="1600200" indent="-228600" algn="l" defTabSz="914400" rtl="0" eaLnBrk="1" latinLnBrk="0" hangingPunct="1">
+              <a:lnSpc>
+                <a:spcPct val="90000"/>
+              </a:lnSpc>
+              <a:spcBef>
+                <a:spcPts val="500"/>
+              </a:spcBef>
+              <a:buFont typeface="Arial" panose="020B0604020202020204" pitchFamily="34" charset="0"/>
+              <a:buChar char="•"/>
+              <a:defRPr sz="1800" kern="1200">
+                <a:solidFill>
+                  <a:schemeClr val="tx1"/>
+                </a:solidFill>
+                <a:latin typeface="+mn-lt"/>
+                <a:ea typeface="+mn-ea"/>
+                <a:cs typeface="+mn-cs"/>
+              </a:defRPr>
+            </a:lvl4pPr>
+            <a:lvl5pPr marL="2057400" indent="-228600" algn="l" defTabSz="914400" rtl="0" eaLnBrk="1" latinLnBrk="0" hangingPunct="1">
+              <a:lnSpc>
+                <a:spcPct val="90000"/>
+              </a:lnSpc>
+              <a:spcBef>
+                <a:spcPts val="500"/>
+              </a:spcBef>
+              <a:buFont typeface="Arial" panose="020B0604020202020204" pitchFamily="34" charset="0"/>
+              <a:buChar char="•"/>
+              <a:defRPr sz="1800" kern="1200">
+                <a:solidFill>
+                  <a:schemeClr val="tx1"/>
+                </a:solidFill>
+                <a:latin typeface="+mn-lt"/>
+                <a:ea typeface="+mn-ea"/>
+                <a:cs typeface="+mn-cs"/>
+              </a:defRPr>
+            </a:lvl5pPr>
+            <a:lvl6pPr marL="2514600" indent="-228600" algn="l" defTabSz="914400" rtl="0" eaLnBrk="1" latinLnBrk="0" hangingPunct="1">
+              <a:lnSpc>
+                <a:spcPct val="90000"/>
+              </a:lnSpc>
+              <a:spcBef>
+                <a:spcPts val="500"/>
+              </a:spcBef>
+              <a:buFont typeface="Arial" panose="020B0604020202020204" pitchFamily="34" charset="0"/>
+              <a:buChar char="•"/>
+              <a:defRPr sz="1800" kern="1200">
+                <a:solidFill>
+                  <a:schemeClr val="tx1"/>
+                </a:solidFill>
+                <a:latin typeface="+mn-lt"/>
+                <a:ea typeface="+mn-ea"/>
+                <a:cs typeface="+mn-cs"/>
+              </a:defRPr>
+            </a:lvl6pPr>
+            <a:lvl7pPr marL="2971800" indent="-228600" algn="l" defTabSz="914400" rtl="0" eaLnBrk="1" latinLnBrk="0" hangingPunct="1">
+              <a:lnSpc>
+                <a:spcPct val="90000"/>
+              </a:lnSpc>
+              <a:spcBef>
+                <a:spcPts val="500"/>
+              </a:spcBef>
+              <a:buFont typeface="Arial" panose="020B0604020202020204" pitchFamily="34" charset="0"/>
+              <a:buChar char="•"/>
+              <a:defRPr sz="1800" kern="1200">
+                <a:solidFill>
+                  <a:schemeClr val="tx1"/>
+                </a:solidFill>
+                <a:latin typeface="+mn-lt"/>
+                <a:ea typeface="+mn-ea"/>
+                <a:cs typeface="+mn-cs"/>
+              </a:defRPr>
+            </a:lvl7pPr>
+            <a:lvl8pPr marL="3429000" indent="-228600" algn="l" defTabSz="914400" rtl="0" eaLnBrk="1" latinLnBrk="0" hangingPunct="1">
+              <a:lnSpc>
+                <a:spcPct val="90000"/>
+              </a:lnSpc>
+              <a:spcBef>
+                <a:spcPts val="500"/>
+              </a:spcBef>
+              <a:buFont typeface="Arial" panose="020B0604020202020204" pitchFamily="34" charset="0"/>
+              <a:buChar char="•"/>
+              <a:defRPr sz="1800" kern="1200">
+                <a:solidFill>
+                  <a:schemeClr val="tx1"/>
+                </a:solidFill>
+                <a:latin typeface="+mn-lt"/>
+                <a:ea typeface="+mn-ea"/>
+                <a:cs typeface="+mn-cs"/>
+              </a:defRPr>
+            </a:lvl8pPr>
+            <a:lvl9pPr marL="3886200" indent="-228600" algn="l" defTabSz="914400" rtl="0" eaLnBrk="1" latinLnBrk="0" hangingPunct="1">
+              <a:lnSpc>
+                <a:spcPct val="90000"/>
+              </a:lnSpc>
+              <a:spcBef>
+                <a:spcPts val="500"/>
+              </a:spcBef>
+              <a:buFont typeface="Arial" panose="020B0604020202020204" pitchFamily="34" charset="0"/>
+              <a:buChar char="•"/>
+              <a:defRPr sz="1800" kern="1200">
+                <a:solidFill>
+                  <a:schemeClr val="tx1"/>
+                </a:solidFill>
+                <a:latin typeface="+mn-lt"/>
+                <a:ea typeface="+mn-ea"/>
+                <a:cs typeface="+mn-cs"/>
+              </a:defRPr>
+            </a:lvl9pPr>
+          </a:lstStyle>
+          <a:p>
+            <a:r>
+              <a:rPr lang="de-DE" dirty="0"/>
+              <a:t>Notebooks als Skript</a:t>
+            </a:r>
+          </a:p>
+          <a:p>
+            <a:r>
+              <a:rPr lang="de-DE" dirty="0"/>
+              <a:t>Allgemein Arbeiten mit dem Notebook</a:t>
+            </a:r>
+          </a:p>
+          <a:p>
+            <a:r>
+              <a:rPr lang="de-DE" dirty="0"/>
+              <a:t>Was habt ihr vermisst?</a:t>
+            </a:r>
+          </a:p>
+          <a:p>
+            <a:r>
+              <a:rPr lang="de-DE" dirty="0"/>
+              <a:t>Was fandet ihr besonders interessant?</a:t>
+            </a:r>
+          </a:p>
+          <a:p>
+            <a:r>
+              <a:rPr lang="de-DE" dirty="0"/>
+              <a:t>Was hat euch gestört?</a:t>
+            </a:r>
+          </a:p>
+          <a:p>
+            <a:r>
+              <a:rPr lang="de-DE" dirty="0"/>
+              <a:t>Was empfandet ihr als gut?</a:t>
+            </a:r>
+          </a:p>
+          <a:p>
+            <a:pPr marL="0" indent="0">
+              <a:buNone/>
+            </a:pPr>
+            <a:endParaRPr lang="de-DE" dirty="0"/>
+          </a:p>
+          <a:p>
+            <a:pPr marL="0" indent="0">
+              <a:buNone/>
+            </a:pPr>
+            <a:r>
+              <a:rPr lang="de-DE" dirty="0"/>
+              <a:t>Vielen Danke!</a:t>
+            </a:r>
+          </a:p>
+        </p:txBody>
+      </p:sp>
+    </p:spTree>
+    <p:extLst>
+      <p:ext uri="{BB962C8B-B14F-4D97-AF65-F5344CB8AC3E}">
+        <p14:creationId xmlns:p14="http://schemas.microsoft.com/office/powerpoint/2010/main" val="3795285323"/>
+      </p:ext>
+    </p:extLst>
+  </p:cSld>
+  <p:clrMapOvr>
+    <a:masterClrMapping/>
+  </p:clrMapOvr>
+</p:sld>
+</file>
+
 <file path=ppt/slides/slide2.xml><?xml version="1.0" encoding="utf-8"?>
 <p:sld xmlns:a="http://schemas.openxmlformats.org/drawingml/2006/main" xmlns:r="http://schemas.openxmlformats.org/officeDocument/2006/relationships" xmlns:p="http://schemas.openxmlformats.org/presentationml/2006/main">
   <p:cSld>
@@ -6588,9 +7303,21 @@
               <a:buNone/>
             </a:pPr>
             <a:r>
-              <a:rPr lang="de-DE" sz="2000" dirty="0"/>
+              <a:rPr lang="de-DE" sz="1600" dirty="0"/>
               <a:t>Hinweis: Dies ist ein relativ neuer Kurs. Sollten Ihnen daher etwas auffallen oder etwas unstimmig sein, sagen Sie Bescheid. </a:t>
             </a:r>
+          </a:p>
+          <a:p>
+            <a:pPr marL="0" indent="0">
+              <a:buNone/>
+            </a:pPr>
+            <a:endParaRPr lang="de-DE" sz="2000" dirty="0"/>
+          </a:p>
+          <a:p>
+            <a:pPr marL="0" indent="0">
+              <a:buNone/>
+            </a:pPr>
+            <a:endParaRPr lang="de-DE" sz="2000" dirty="0"/>
           </a:p>
         </p:txBody>
       </p:sp>

--- a/praesentation/pandas-basic.pptx
+++ b/praesentation/pandas-basic.pptx
@@ -14,12 +14,12 @@
     <p:sldId id="259" r:id="rId5"/>
     <p:sldId id="262" r:id="rId6"/>
     <p:sldId id="257" r:id="rId7"/>
-    <p:sldId id="275" r:id="rId8"/>
-    <p:sldId id="263" r:id="rId9"/>
-    <p:sldId id="266" r:id="rId10"/>
-    <p:sldId id="261" r:id="rId11"/>
-    <p:sldId id="260" r:id="rId12"/>
-    <p:sldId id="264" r:id="rId13"/>
+    <p:sldId id="263" r:id="rId8"/>
+    <p:sldId id="266" r:id="rId9"/>
+    <p:sldId id="261" r:id="rId10"/>
+    <p:sldId id="260" r:id="rId11"/>
+    <p:sldId id="264" r:id="rId12"/>
+    <p:sldId id="275" r:id="rId13"/>
     <p:sldId id="271" r:id="rId14"/>
     <p:sldId id="273" r:id="rId15"/>
     <p:sldId id="276" r:id="rId16"/>
@@ -237,7 +237,7 @@
           <a:p>
             <a:fld id="{C0891CEB-E06B-41A6-A791-A945BD77A2CE}" type="datetimeFigureOut">
               <a:rPr lang="de-DE" smtClean="0"/>
-              <a:t>26.09.2019</a:t>
+              <a:t>28.09.2019</a:t>
             </a:fld>
             <a:endParaRPr lang="de-DE"/>
           </a:p>
@@ -854,7 +854,7 @@
           <a:p>
             <a:fld id="{4C0C24D1-D28D-4714-8665-7C693EECAB22}" type="datetimeFigureOut">
               <a:rPr lang="de-DE" smtClean="0"/>
-              <a:t>26.09.2019</a:t>
+              <a:t>28.09.2019</a:t>
             </a:fld>
             <a:endParaRPr lang="de-DE"/>
           </a:p>
@@ -1024,7 +1024,7 @@
           <a:p>
             <a:fld id="{4C0C24D1-D28D-4714-8665-7C693EECAB22}" type="datetimeFigureOut">
               <a:rPr lang="de-DE" smtClean="0"/>
-              <a:t>26.09.2019</a:t>
+              <a:t>28.09.2019</a:t>
             </a:fld>
             <a:endParaRPr lang="de-DE"/>
           </a:p>
@@ -1204,7 +1204,7 @@
           <a:p>
             <a:fld id="{4C0C24D1-D28D-4714-8665-7C693EECAB22}" type="datetimeFigureOut">
               <a:rPr lang="de-DE" smtClean="0"/>
-              <a:t>26.09.2019</a:t>
+              <a:t>28.09.2019</a:t>
             </a:fld>
             <a:endParaRPr lang="de-DE"/>
           </a:p>
@@ -2234,7 +2234,7 @@
           <a:p>
             <a:fld id="{4C0C24D1-D28D-4714-8665-7C693EECAB22}" type="datetimeFigureOut">
               <a:rPr lang="de-DE" smtClean="0"/>
-              <a:t>26.09.2019</a:t>
+              <a:t>28.09.2019</a:t>
             </a:fld>
             <a:endParaRPr lang="de-DE"/>
           </a:p>
@@ -2466,7 +2466,7 @@
           <a:p>
             <a:fld id="{4C0C24D1-D28D-4714-8665-7C693EECAB22}" type="datetimeFigureOut">
               <a:rPr lang="de-DE" smtClean="0"/>
-              <a:t>26.09.2019</a:t>
+              <a:t>28.09.2019</a:t>
             </a:fld>
             <a:endParaRPr lang="de-DE"/>
           </a:p>
@@ -2833,7 +2833,7 @@
           <a:p>
             <a:fld id="{4C0C24D1-D28D-4714-8665-7C693EECAB22}" type="datetimeFigureOut">
               <a:rPr lang="de-DE" smtClean="0"/>
-              <a:t>26.09.2019</a:t>
+              <a:t>28.09.2019</a:t>
             </a:fld>
             <a:endParaRPr lang="de-DE"/>
           </a:p>
@@ -2951,7 +2951,7 @@
           <a:p>
             <a:fld id="{4C0C24D1-D28D-4714-8665-7C693EECAB22}" type="datetimeFigureOut">
               <a:rPr lang="de-DE" smtClean="0"/>
-              <a:t>26.09.2019</a:t>
+              <a:t>28.09.2019</a:t>
             </a:fld>
             <a:endParaRPr lang="de-DE"/>
           </a:p>
@@ -3046,7 +3046,7 @@
           <a:p>
             <a:fld id="{4C0C24D1-D28D-4714-8665-7C693EECAB22}" type="datetimeFigureOut">
               <a:rPr lang="de-DE" smtClean="0"/>
-              <a:t>26.09.2019</a:t>
+              <a:t>28.09.2019</a:t>
             </a:fld>
             <a:endParaRPr lang="de-DE"/>
           </a:p>
@@ -3323,7 +3323,7 @@
           <a:p>
             <a:fld id="{4C0C24D1-D28D-4714-8665-7C693EECAB22}" type="datetimeFigureOut">
               <a:rPr lang="de-DE" smtClean="0"/>
-              <a:t>26.09.2019</a:t>
+              <a:t>28.09.2019</a:t>
             </a:fld>
             <a:endParaRPr lang="de-DE"/>
           </a:p>
@@ -3536,7 +3536,7 @@
           <a:p>
             <a:fld id="{4C0C24D1-D28D-4714-8665-7C693EECAB22}" type="datetimeFigureOut">
               <a:rPr lang="de-DE" smtClean="0"/>
-              <a:t>26.09.2019</a:t>
+              <a:t>28.09.2019</a:t>
             </a:fld>
             <a:endParaRPr lang="de-DE"/>
           </a:p>
@@ -3973,7 +3973,7 @@
             <a:pPr algn="ctr"/>
             <a:r>
               <a:rPr lang="de-DE" sz="6600" dirty="0" smtClean="0"/>
-              <a:t>14:00 </a:t>
+              <a:t>15:45 </a:t>
             </a:r>
             <a:r>
               <a:rPr lang="de-DE" sz="6600" dirty="0"/>
@@ -4062,10 +4062,10 @@
       </p:grpSpPr>
       <p:sp>
         <p:nvSpPr>
-          <p:cNvPr id="8" name="Titel 7">
+          <p:cNvPr id="5" name="Titel 4">
             <a:extLst>
               <a:ext uri="{FF2B5EF4-FFF2-40B4-BE49-F238E27FC236}">
-                <a16:creationId xmlns:a16="http://schemas.microsoft.com/office/drawing/2014/main" id="{9867D752-BB0C-4393-A00B-5715AEF40D66}"/>
+                <a16:creationId xmlns:a16="http://schemas.microsoft.com/office/drawing/2014/main" id="{30D036D8-89B9-47BE-B0D2-7A4C1D6F2178}"/>
               </a:ext>
             </a:extLst>
           </p:cNvPr>
@@ -4083,17 +4083,17 @@
           <a:p>
             <a:r>
               <a:rPr lang="de-DE" dirty="0"/>
-              <a:t>Zusammenarbeit</a:t>
-            </a:r>
-          </a:p>
-        </p:txBody>
-      </p:sp>
-      <p:sp>
-        <p:nvSpPr>
-          <p:cNvPr id="9" name="Inhaltsplatzhalter 8">
+              <a:t>Kurszeiten</a:t>
+            </a:r>
+          </a:p>
+        </p:txBody>
+      </p:sp>
+      <p:sp>
+        <p:nvSpPr>
+          <p:cNvPr id="20" name="Inhaltsplatzhalter 19">
             <a:extLst>
               <a:ext uri="{FF2B5EF4-FFF2-40B4-BE49-F238E27FC236}">
-                <a16:creationId xmlns:a16="http://schemas.microsoft.com/office/drawing/2014/main" id="{4805D453-6DC8-4856-822E-7BA9C1F243DC}"/>
+                <a16:creationId xmlns:a16="http://schemas.microsoft.com/office/drawing/2014/main" id="{A9A20E52-0970-4F94-8EB5-8FA5DE6FDAAD}"/>
               </a:ext>
             </a:extLst>
           </p:cNvPr>
@@ -4113,33 +4113,18 @@
               <a:buNone/>
             </a:pPr>
             <a:r>
-              <a:rPr lang="de-DE" dirty="0" smtClean="0"/>
-              <a:t>Stört </a:t>
-            </a:r>
-            <a:r>
-              <a:rPr lang="de-DE" dirty="0"/>
-              <a:t>Sie was, unklar worauf ich hinaus will. Bitte melden Sie sich</a:t>
-            </a:r>
-            <a:r>
-              <a:rPr lang="de-DE" dirty="0" smtClean="0"/>
-              <a:t>!</a:t>
+              <a:rPr lang="de-DE" b="1" dirty="0"/>
+              <a:t>Kurszeiten</a:t>
             </a:r>
           </a:p>
           <a:p>
             <a:pPr marL="0" indent="0">
               <a:buNone/>
             </a:pPr>
-            <a:endParaRPr lang="de-DE" dirty="0" smtClean="0"/>
-          </a:p>
-          <a:p>
-            <a:pPr marL="0" indent="0">
-              <a:buNone/>
-            </a:pPr>
-            <a:r>
-              <a:rPr lang="de-DE" dirty="0" smtClean="0"/>
-              <a:t>Ich werde nicht ungebeten helfen, daher melden Sie sich bitte selbstständig, wenn Sie Hilfe brauchen.</a:t>
-            </a:r>
-            <a:endParaRPr lang="de-DE" dirty="0"/>
+            <a:r>
+              <a:rPr lang="de-DE" dirty="0"/>
+              <a:t>9:00 – 16:00 Uhr</a:t>
+            </a:r>
           </a:p>
           <a:p>
             <a:pPr marL="0" indent="0">
@@ -4152,30 +4137,51 @@
               <a:buNone/>
             </a:pPr>
             <a:r>
-              <a:rPr lang="de-DE" sz="1600" dirty="0"/>
-              <a:t>Hinweis: Dies ist ein relativ neuer Kurs. Sollten Ihnen daher etwas auffallen oder etwas unstimmig sein, sagen Sie Bescheid. </a:t>
+              <a:rPr lang="de-DE" b="1" dirty="0"/>
+              <a:t>Mittagspause</a:t>
             </a:r>
           </a:p>
           <a:p>
             <a:pPr marL="0" indent="0">
               <a:buNone/>
             </a:pPr>
-            <a:endParaRPr lang="de-DE" sz="2000" dirty="0"/>
+            <a:r>
+              <a:rPr lang="de-DE" dirty="0"/>
+              <a:t>1 Stunde gegen 12 Uhr</a:t>
+            </a:r>
           </a:p>
           <a:p>
             <a:pPr marL="0" indent="0">
               <a:buNone/>
             </a:pPr>
-            <a:endParaRPr lang="de-DE" sz="2000" dirty="0"/>
-          </a:p>
-        </p:txBody>
-      </p:sp>
-      <p:sp>
-        <p:nvSpPr>
-          <p:cNvPr id="6" name="Textplatzhalter 5">
+            <a:endParaRPr lang="de-DE" dirty="0"/>
+          </a:p>
+          <a:p>
+            <a:pPr marL="0" indent="0">
+              <a:buNone/>
+            </a:pPr>
+            <a:r>
+              <a:rPr lang="de-DE" b="1" dirty="0"/>
+              <a:t>Verschnaufpausen</a:t>
+            </a:r>
+          </a:p>
+          <a:p>
+            <a:pPr marL="0" indent="0">
+              <a:buNone/>
+            </a:pPr>
+            <a:r>
+              <a:rPr lang="de-DE" dirty="0"/>
+              <a:t>Vormittags und Nachmittags jeweils 15min</a:t>
+            </a:r>
+          </a:p>
+        </p:txBody>
+      </p:sp>
+      <p:sp>
+        <p:nvSpPr>
+          <p:cNvPr id="17" name="Textplatzhalter 16">
             <a:extLst>
               <a:ext uri="{FF2B5EF4-FFF2-40B4-BE49-F238E27FC236}">
-                <a16:creationId xmlns:a16="http://schemas.microsoft.com/office/drawing/2014/main" id="{A2CFD462-2C8E-4447-8233-10382DBA2471}"/>
+                <a16:creationId xmlns:a16="http://schemas.microsoft.com/office/drawing/2014/main" id="{B802A629-3FC8-49ED-BD19-B02A6605E8A4}"/>
               </a:ext>
             </a:extLst>
           </p:cNvPr>
@@ -4193,7 +4199,7 @@
           <a:p>
             <a:r>
               <a:rPr lang="de-DE" dirty="0"/>
-              <a:t>ZUSAMMENARBETI</a:t>
+              <a:t>KURSZEITEN</a:t>
             </a:r>
           </a:p>
         </p:txBody>
@@ -4201,7 +4207,7 @@
     </p:spTree>
     <p:extLst>
       <p:ext uri="{BB962C8B-B14F-4D97-AF65-F5344CB8AC3E}">
-        <p14:creationId xmlns:p14="http://schemas.microsoft.com/office/powerpoint/2010/main" val="276986113"/>
+        <p14:creationId xmlns:p14="http://schemas.microsoft.com/office/powerpoint/2010/main" val="2185082341"/>
       </p:ext>
     </p:extLst>
   </p:cSld>
@@ -4237,10 +4243,10 @@
       </p:grpSpPr>
       <p:sp>
         <p:nvSpPr>
-          <p:cNvPr id="5" name="Titel 4">
+          <p:cNvPr id="2" name="Titel 1">
             <a:extLst>
               <a:ext uri="{FF2B5EF4-FFF2-40B4-BE49-F238E27FC236}">
-                <a16:creationId xmlns:a16="http://schemas.microsoft.com/office/drawing/2014/main" id="{30D036D8-89B9-47BE-B0D2-7A4C1D6F2178}"/>
+                <a16:creationId xmlns:a16="http://schemas.microsoft.com/office/drawing/2014/main" id="{FC2FA898-8F74-466B-8EA0-61A5DE01866E}"/>
               </a:ext>
             </a:extLst>
           </p:cNvPr>
@@ -4258,17 +4264,126 @@
           <a:p>
             <a:r>
               <a:rPr lang="de-DE" dirty="0"/>
-              <a:t>Kurszeiten</a:t>
-            </a:r>
-          </a:p>
-        </p:txBody>
-      </p:sp>
-      <p:sp>
-        <p:nvSpPr>
-          <p:cNvPr id="20" name="Inhaltsplatzhalter 19">
+              <a:t>Installation </a:t>
+            </a:r>
+            <a:r>
+              <a:rPr lang="de-DE" dirty="0" err="1"/>
+              <a:t>Anaconda</a:t>
+            </a:r>
+            <a:r>
+              <a:rPr lang="de-DE" dirty="0"/>
+              <a:t> </a:t>
+            </a:r>
+            <a:r>
+              <a:rPr lang="de-DE" dirty="0" err="1"/>
+              <a:t>Enviroment</a:t>
+            </a:r>
+            <a:endParaRPr lang="de-DE" dirty="0"/>
+          </a:p>
+        </p:txBody>
+      </p:sp>
+      <p:sp>
+        <p:nvSpPr>
+          <p:cNvPr id="9" name="Textplatzhalter 8">
             <a:extLst>
               <a:ext uri="{FF2B5EF4-FFF2-40B4-BE49-F238E27FC236}">
-                <a16:creationId xmlns:a16="http://schemas.microsoft.com/office/drawing/2014/main" id="{A9A20E52-0970-4F94-8EB5-8FA5DE6FDAAD}"/>
+                <a16:creationId xmlns:a16="http://schemas.microsoft.com/office/drawing/2014/main" id="{C222D339-633A-4357-A193-874190D73F44}"/>
+              </a:ext>
+            </a:extLst>
+          </p:cNvPr>
+          <p:cNvSpPr>
+            <a:spLocks noGrp="1"/>
+          </p:cNvSpPr>
+          <p:nvPr>
+            <p:ph type="body" sz="quarter" idx="11"/>
+          </p:nvPr>
+        </p:nvSpPr>
+        <p:spPr/>
+        <p:txBody>
+          <a:bodyPr/>
+          <a:lstStyle/>
+          <a:p>
+            <a:r>
+              <a:rPr lang="de-DE" dirty="0"/>
+              <a:t>VORBEREITUNGEN</a:t>
+            </a:r>
+          </a:p>
+        </p:txBody>
+      </p:sp>
+      <p:sp>
+        <p:nvSpPr>
+          <p:cNvPr id="6" name="Textfeld 5">
+            <a:extLst>
+              <a:ext uri="{FF2B5EF4-FFF2-40B4-BE49-F238E27FC236}">
+                <a16:creationId xmlns:a16="http://schemas.microsoft.com/office/drawing/2014/main" id="{9C75017A-5BFD-4F42-B226-67DD4DA80B79}"/>
+              </a:ext>
+            </a:extLst>
+          </p:cNvPr>
+          <p:cNvSpPr txBox="1"/>
+          <p:nvPr/>
+        </p:nvSpPr>
+        <p:spPr>
+          <a:xfrm>
+            <a:off x="7057504" y="6518140"/>
+            <a:ext cx="2086496" cy="230832"/>
+          </a:xfrm>
+          <a:prstGeom prst="rect">
+            <a:avLst/>
+          </a:prstGeom>
+          <a:noFill/>
+        </p:spPr>
+        <p:txBody>
+          <a:bodyPr wrap="square" rtlCol="0">
+            <a:spAutoFit/>
+          </a:bodyPr>
+          <a:lstStyle/>
+          <a:p>
+            <a:pPr algn="ctr"/>
+            <a:r>
+              <a:rPr lang="de-DE" sz="900" dirty="0">
+                <a:solidFill>
+                  <a:schemeClr val="bg1">
+                    <a:lumMod val="75000"/>
+                  </a:schemeClr>
+                </a:solidFill>
+                <a:latin typeface="Roboto" panose="02000000000000000000" pitchFamily="2" charset="0"/>
+                <a:ea typeface="Roboto" panose="02000000000000000000" pitchFamily="2" charset="0"/>
+              </a:rPr>
+              <a:t>Copyright 2019 </a:t>
+            </a:r>
+            <a:r>
+              <a:rPr lang="de-DE" sz="900" dirty="0" err="1">
+                <a:solidFill>
+                  <a:schemeClr val="bg1">
+                    <a:lumMod val="75000"/>
+                  </a:schemeClr>
+                </a:solidFill>
+                <a:latin typeface="Roboto" panose="02000000000000000000" pitchFamily="2" charset="0"/>
+                <a:ea typeface="Roboto" panose="02000000000000000000" pitchFamily="2" charset="0"/>
+              </a:rPr>
+              <a:t>by</a:t>
+            </a:r>
+            <a:r>
+              <a:rPr lang="de-DE" sz="900" dirty="0">
+                <a:solidFill>
+                  <a:schemeClr val="bg1">
+                    <a:lumMod val="75000"/>
+                  </a:schemeClr>
+                </a:solidFill>
+                <a:latin typeface="Roboto" panose="02000000000000000000" pitchFamily="2" charset="0"/>
+                <a:ea typeface="Roboto" panose="02000000000000000000" pitchFamily="2" charset="0"/>
+              </a:rPr>
+              <a:t> Max Mönch</a:t>
+            </a:r>
+          </a:p>
+        </p:txBody>
+      </p:sp>
+      <p:sp>
+        <p:nvSpPr>
+          <p:cNvPr id="11" name="Inhaltsplatzhalter 10">
+            <a:extLst>
+              <a:ext uri="{FF2B5EF4-FFF2-40B4-BE49-F238E27FC236}">
+                <a16:creationId xmlns:a16="http://schemas.microsoft.com/office/drawing/2014/main" id="{14F887AA-CAFE-4935-898E-A619D494EFD3}"/>
               </a:ext>
             </a:extLst>
           </p:cNvPr>
@@ -4288,17 +4403,16 @@
               <a:buNone/>
             </a:pPr>
             <a:r>
-              <a:rPr lang="de-DE" b="1" dirty="0"/>
-              <a:t>Kurszeiten</a:t>
-            </a:r>
-          </a:p>
-          <a:p>
-            <a:pPr marL="0" indent="0">
-              <a:buNone/>
-            </a:pPr>
-            <a:r>
               <a:rPr lang="de-DE" dirty="0"/>
-              <a:t>9:00 – 16:00 Uhr</a:t>
+              <a:t>Bevor wir starten können müssen wir erst alle notwendigen Bibliotheken installieren. praktischer Weise hilft uns hier </a:t>
+            </a:r>
+            <a:r>
+              <a:rPr lang="de-DE" dirty="0" err="1"/>
+              <a:t>Anaconda</a:t>
+            </a:r>
+            <a:r>
+              <a:rPr lang="de-DE" dirty="0"/>
+              <a:t>.</a:t>
             </a:r>
           </a:p>
           <a:p>
@@ -4312,17 +4426,16 @@
               <a:buNone/>
             </a:pPr>
             <a:r>
+              <a:rPr lang="de-DE" dirty="0"/>
+              <a:t>Kopieren Sie die Dateien auf Ihren </a:t>
+            </a:r>
+            <a:r>
               <a:rPr lang="de-DE" b="1" dirty="0"/>
-              <a:t>Mittagspause</a:t>
-            </a:r>
-          </a:p>
-          <a:p>
-            <a:pPr marL="0" indent="0">
-              <a:buNone/>
-            </a:pPr>
+              <a:t>Desktop</a:t>
+            </a:r>
             <a:r>
               <a:rPr lang="de-DE" dirty="0"/>
-              <a:t>1 Stunde gegen 12 Uhr</a:t>
+              <a:t>.</a:t>
             </a:r>
           </a:p>
           <a:p>
@@ -4336,53 +4449,56 @@
               <a:buNone/>
             </a:pPr>
             <a:r>
+              <a:rPr lang="de-DE" dirty="0"/>
+              <a:t>In dem Verzeichnis </a:t>
+            </a:r>
+            <a:r>
+              <a:rPr lang="de-DE" b="1" dirty="0" err="1"/>
+              <a:t>pandas</a:t>
+            </a:r>
+            <a:r>
               <a:rPr lang="de-DE" b="1" dirty="0"/>
-              <a:t>Verschnaufpausen</a:t>
+              <a:t>-basic</a:t>
+            </a:r>
+            <a:r>
+              <a:rPr lang="de-DE" dirty="0"/>
+              <a:t> befindet sich im Unterverzeichnis </a:t>
+            </a:r>
+            <a:r>
+              <a:rPr lang="de-DE" b="1" dirty="0" err="1"/>
+              <a:t>scripts</a:t>
+            </a:r>
+            <a:r>
+              <a:rPr lang="de-DE" dirty="0"/>
+              <a:t> eine Datei </a:t>
+            </a:r>
+            <a:r>
+              <a:rPr lang="de-DE" b="1" dirty="0"/>
+              <a:t>install_conda_env.bat</a:t>
+            </a:r>
+            <a:r>
+              <a:rPr lang="de-DE" dirty="0"/>
+              <a:t>. Führen Sie diese aus. </a:t>
             </a:r>
           </a:p>
           <a:p>
             <a:pPr marL="0" indent="0">
               <a:buNone/>
             </a:pPr>
-            <a:r>
-              <a:rPr lang="de-DE" dirty="0"/>
-              <a:t>Vormittags und Nachmittags jeweils 15min</a:t>
-            </a:r>
-          </a:p>
-        </p:txBody>
-      </p:sp>
-      <p:sp>
-        <p:nvSpPr>
-          <p:cNvPr id="17" name="Textplatzhalter 16">
-            <a:extLst>
-              <a:ext uri="{FF2B5EF4-FFF2-40B4-BE49-F238E27FC236}">
-                <a16:creationId xmlns:a16="http://schemas.microsoft.com/office/drawing/2014/main" id="{B802A629-3FC8-49ED-BD19-B02A6605E8A4}"/>
-              </a:ext>
-            </a:extLst>
-          </p:cNvPr>
-          <p:cNvSpPr>
-            <a:spLocks noGrp="1"/>
-          </p:cNvSpPr>
-          <p:nvPr>
-            <p:ph type="body" sz="quarter" idx="11"/>
-          </p:nvPr>
-        </p:nvSpPr>
-        <p:spPr/>
-        <p:txBody>
-          <a:bodyPr/>
-          <a:lstStyle/>
-          <a:p>
-            <a:r>
-              <a:rPr lang="de-DE" dirty="0"/>
-              <a:t>KURSZEITEN</a:t>
-            </a:r>
+            <a:endParaRPr lang="de-DE" dirty="0"/>
+          </a:p>
+          <a:p>
+            <a:pPr marL="0" indent="0">
+              <a:buNone/>
+            </a:pPr>
+            <a:endParaRPr lang="de-DE" dirty="0"/>
           </a:p>
         </p:txBody>
       </p:sp>
     </p:spTree>
     <p:extLst>
       <p:ext uri="{BB962C8B-B14F-4D97-AF65-F5344CB8AC3E}">
-        <p14:creationId xmlns:p14="http://schemas.microsoft.com/office/powerpoint/2010/main" val="2185082341"/>
+        <p14:creationId xmlns:p14="http://schemas.microsoft.com/office/powerpoint/2010/main" val="3801721147"/>
       </p:ext>
     </p:extLst>
   </p:cSld>
@@ -4418,10 +4534,48 @@
       </p:grpSpPr>
       <p:sp>
         <p:nvSpPr>
+          <p:cNvPr id="4" name="Textfeld 3">
+            <a:extLst>
+              <a:ext uri="{FF2B5EF4-FFF2-40B4-BE49-F238E27FC236}">
+                <a16:creationId xmlns:a16="http://schemas.microsoft.com/office/drawing/2014/main" id="{84F7FBEA-4581-4F36-A22D-0729EABF1580}"/>
+              </a:ext>
+            </a:extLst>
+          </p:cNvPr>
+          <p:cNvSpPr txBox="1"/>
+          <p:nvPr/>
+        </p:nvSpPr>
+        <p:spPr>
+          <a:xfrm>
+            <a:off x="8785247" y="3066941"/>
+            <a:ext cx="4946072" cy="923330"/>
+          </a:xfrm>
+          <a:prstGeom prst="rect">
+            <a:avLst/>
+          </a:prstGeom>
+          <a:noFill/>
+        </p:spPr>
+        <p:txBody>
+          <a:bodyPr wrap="square" rtlCol="0">
+            <a:spAutoFit/>
+          </a:bodyPr>
+          <a:lstStyle/>
+          <a:p>
+            <a:endParaRPr lang="de-DE" dirty="0"/>
+          </a:p>
+          <a:p>
+            <a:endParaRPr lang="de-DE" dirty="0"/>
+          </a:p>
+          <a:p>
+            <a:endParaRPr lang="de-DE" dirty="0"/>
+          </a:p>
+        </p:txBody>
+      </p:sp>
+      <p:sp>
+        <p:nvSpPr>
           <p:cNvPr id="2" name="Titel 1">
             <a:extLst>
               <a:ext uri="{FF2B5EF4-FFF2-40B4-BE49-F238E27FC236}">
-                <a16:creationId xmlns:a16="http://schemas.microsoft.com/office/drawing/2014/main" id="{FC2FA898-8F74-466B-8EA0-61A5DE01866E}"/>
+                <a16:creationId xmlns:a16="http://schemas.microsoft.com/office/drawing/2014/main" id="{DE11FFC8-1695-4289-A248-846A6F653D60}"/>
               </a:ext>
             </a:extLst>
           </p:cNvPr>
@@ -4438,31 +4592,87 @@
           <a:lstStyle/>
           <a:p>
             <a:r>
-              <a:rPr lang="de-DE" dirty="0"/>
-              <a:t>Installation </a:t>
-            </a:r>
-            <a:r>
-              <a:rPr lang="de-DE" dirty="0" err="1"/>
-              <a:t>Anaconda</a:t>
-            </a:r>
-            <a:r>
-              <a:rPr lang="de-DE" dirty="0"/>
-              <a:t> </a:t>
-            </a:r>
-            <a:r>
-              <a:rPr lang="de-DE" dirty="0" err="1"/>
-              <a:t>Enviroment</a:t>
-            </a:r>
-            <a:endParaRPr lang="de-DE" dirty="0"/>
-          </a:p>
-        </p:txBody>
-      </p:sp>
-      <p:sp>
-        <p:nvSpPr>
-          <p:cNvPr id="9" name="Textplatzhalter 8">
+              <a:rPr lang="de-DE" dirty="0">
+                <a:latin typeface="Roboto" panose="02000000000000000000" pitchFamily="2" charset="0"/>
+                <a:ea typeface="Roboto" panose="02000000000000000000" pitchFamily="2" charset="0"/>
+              </a:rPr>
+              <a:t>Seminar Aufbau</a:t>
+            </a:r>
+          </a:p>
+        </p:txBody>
+      </p:sp>
+      <p:sp>
+        <p:nvSpPr>
+          <p:cNvPr id="8" name="Inhaltsplatzhalter 7">
             <a:extLst>
               <a:ext uri="{FF2B5EF4-FFF2-40B4-BE49-F238E27FC236}">
-                <a16:creationId xmlns:a16="http://schemas.microsoft.com/office/drawing/2014/main" id="{C222D339-633A-4357-A193-874190D73F44}"/>
+                <a16:creationId xmlns:a16="http://schemas.microsoft.com/office/drawing/2014/main" id="{D956DCBA-CF46-4104-983A-13AB8B0A00B2}"/>
+              </a:ext>
+            </a:extLst>
+          </p:cNvPr>
+          <p:cNvSpPr>
+            <a:spLocks noGrp="1"/>
+          </p:cNvSpPr>
+          <p:nvPr>
+            <p:ph idx="1"/>
+          </p:nvPr>
+        </p:nvSpPr>
+        <p:spPr/>
+        <p:txBody>
+          <a:bodyPr/>
+          <a:lstStyle/>
+          <a:p>
+            <a:pPr marL="0" indent="0">
+              <a:buNone/>
+            </a:pPr>
+            <a:r>
+              <a:rPr lang="de-DE" b="1" dirty="0"/>
+              <a:t>Seminar Aufbau</a:t>
+            </a:r>
+          </a:p>
+          <a:p>
+            <a:pPr marL="285750" indent="-285750"/>
+            <a:r>
+              <a:rPr lang="de-DE" dirty="0"/>
+              <a:t>Grundliegenende Funktionen</a:t>
+            </a:r>
+          </a:p>
+          <a:p>
+            <a:pPr marL="285750" indent="-285750"/>
+            <a:r>
+              <a:rPr lang="de-DE" dirty="0">
+                <a:solidFill>
+                  <a:srgbClr val="FFC000"/>
+                </a:solidFill>
+              </a:rPr>
+              <a:t>Kernfunktionalitäten - Daten Aufbereiten</a:t>
+            </a:r>
+          </a:p>
+          <a:p>
+            <a:pPr marL="285750" indent="-285750"/>
+            <a:r>
+              <a:rPr lang="de-DE" dirty="0"/>
+              <a:t>Visualisierung und Interaktion</a:t>
+            </a:r>
+          </a:p>
+          <a:p>
+            <a:pPr marL="285750" indent="-285750"/>
+            <a:r>
+              <a:rPr lang="de-DE" dirty="0"/>
+              <a:t>Abschlussprojekt</a:t>
+            </a:r>
+          </a:p>
+          <a:p>
+            <a:endParaRPr lang="de-DE" dirty="0"/>
+          </a:p>
+        </p:txBody>
+      </p:sp>
+      <p:sp>
+        <p:nvSpPr>
+          <p:cNvPr id="5" name="Textplatzhalter 4">
+            <a:extLst>
+              <a:ext uri="{FF2B5EF4-FFF2-40B4-BE49-F238E27FC236}">
+                <a16:creationId xmlns:a16="http://schemas.microsoft.com/office/drawing/2014/main" id="{E9BD0B66-9E26-4FA7-B29C-42C33BF4F51D}"/>
               </a:ext>
             </a:extLst>
           </p:cNvPr>
@@ -4480,200 +4690,15 @@
           <a:p>
             <a:r>
               <a:rPr lang="de-DE" dirty="0"/>
-              <a:t>VORBEREITUNGEN</a:t>
-            </a:r>
-          </a:p>
-        </p:txBody>
-      </p:sp>
-      <p:sp>
-        <p:nvSpPr>
-          <p:cNvPr id="6" name="Textfeld 5">
-            <a:extLst>
-              <a:ext uri="{FF2B5EF4-FFF2-40B4-BE49-F238E27FC236}">
-                <a16:creationId xmlns:a16="http://schemas.microsoft.com/office/drawing/2014/main" id="{9C75017A-5BFD-4F42-B226-67DD4DA80B79}"/>
-              </a:ext>
-            </a:extLst>
-          </p:cNvPr>
-          <p:cNvSpPr txBox="1"/>
-          <p:nvPr/>
-        </p:nvSpPr>
-        <p:spPr>
-          <a:xfrm>
-            <a:off x="7057504" y="6518140"/>
-            <a:ext cx="2086496" cy="230832"/>
-          </a:xfrm>
-          <a:prstGeom prst="rect">
-            <a:avLst/>
-          </a:prstGeom>
-          <a:noFill/>
-        </p:spPr>
-        <p:txBody>
-          <a:bodyPr wrap="square" rtlCol="0">
-            <a:spAutoFit/>
-          </a:bodyPr>
-          <a:lstStyle/>
-          <a:p>
-            <a:pPr algn="ctr"/>
-            <a:r>
-              <a:rPr lang="de-DE" sz="900" dirty="0">
-                <a:solidFill>
-                  <a:schemeClr val="bg1">
-                    <a:lumMod val="75000"/>
-                  </a:schemeClr>
-                </a:solidFill>
-                <a:latin typeface="Roboto" panose="02000000000000000000" pitchFamily="2" charset="0"/>
-                <a:ea typeface="Roboto" panose="02000000000000000000" pitchFamily="2" charset="0"/>
-              </a:rPr>
-              <a:t>Copyright 2019 </a:t>
-            </a:r>
-            <a:r>
-              <a:rPr lang="de-DE" sz="900" dirty="0" err="1">
-                <a:solidFill>
-                  <a:schemeClr val="bg1">
-                    <a:lumMod val="75000"/>
-                  </a:schemeClr>
-                </a:solidFill>
-                <a:latin typeface="Roboto" panose="02000000000000000000" pitchFamily="2" charset="0"/>
-                <a:ea typeface="Roboto" panose="02000000000000000000" pitchFamily="2" charset="0"/>
-              </a:rPr>
-              <a:t>by</a:t>
-            </a:r>
-            <a:r>
-              <a:rPr lang="de-DE" sz="900" dirty="0">
-                <a:solidFill>
-                  <a:schemeClr val="bg1">
-                    <a:lumMod val="75000"/>
-                  </a:schemeClr>
-                </a:solidFill>
-                <a:latin typeface="Roboto" panose="02000000000000000000" pitchFamily="2" charset="0"/>
-                <a:ea typeface="Roboto" panose="02000000000000000000" pitchFamily="2" charset="0"/>
-              </a:rPr>
-              <a:t> Max Mönch</a:t>
-            </a:r>
-          </a:p>
-        </p:txBody>
-      </p:sp>
-      <p:sp>
-        <p:nvSpPr>
-          <p:cNvPr id="11" name="Inhaltsplatzhalter 10">
-            <a:extLst>
-              <a:ext uri="{FF2B5EF4-FFF2-40B4-BE49-F238E27FC236}">
-                <a16:creationId xmlns:a16="http://schemas.microsoft.com/office/drawing/2014/main" id="{14F887AA-CAFE-4935-898E-A619D494EFD3}"/>
-              </a:ext>
-            </a:extLst>
-          </p:cNvPr>
-          <p:cNvSpPr>
-            <a:spLocks noGrp="1"/>
-          </p:cNvSpPr>
-          <p:nvPr>
-            <p:ph idx="1"/>
-          </p:nvPr>
-        </p:nvSpPr>
-        <p:spPr/>
-        <p:txBody>
-          <a:bodyPr/>
-          <a:lstStyle/>
-          <a:p>
-            <a:pPr marL="0" indent="0">
-              <a:buNone/>
-            </a:pPr>
-            <a:r>
-              <a:rPr lang="de-DE" dirty="0"/>
-              <a:t>Bevor wir starten können müssen wir erst alle notwendigen Bibliotheken installieren. praktischer Weise hilft uns hier </a:t>
-            </a:r>
-            <a:r>
-              <a:rPr lang="de-DE" dirty="0" err="1"/>
-              <a:t>Anaconda</a:t>
-            </a:r>
-            <a:r>
-              <a:rPr lang="de-DE" dirty="0"/>
-              <a:t>.</a:t>
-            </a:r>
-          </a:p>
-          <a:p>
-            <a:pPr marL="0" indent="0">
-              <a:buNone/>
-            </a:pPr>
-            <a:endParaRPr lang="de-DE" dirty="0"/>
-          </a:p>
-          <a:p>
-            <a:pPr marL="0" indent="0">
-              <a:buNone/>
-            </a:pPr>
-            <a:r>
-              <a:rPr lang="de-DE" dirty="0"/>
-              <a:t>Kopieren Sie die Dateien auf Ihren </a:t>
-            </a:r>
-            <a:r>
-              <a:rPr lang="de-DE" b="1" dirty="0"/>
-              <a:t>Desktop</a:t>
-            </a:r>
-            <a:r>
-              <a:rPr lang="de-DE" dirty="0"/>
-              <a:t>.</a:t>
-            </a:r>
-          </a:p>
-          <a:p>
-            <a:pPr marL="0" indent="0">
-              <a:buNone/>
-            </a:pPr>
-            <a:endParaRPr lang="de-DE" dirty="0"/>
-          </a:p>
-          <a:p>
-            <a:pPr marL="0" indent="0">
-              <a:buNone/>
-            </a:pPr>
-            <a:r>
-              <a:rPr lang="de-DE" dirty="0"/>
-              <a:t>In dem Verzeichnis </a:t>
-            </a:r>
-            <a:r>
-              <a:rPr lang="de-DE" b="1" dirty="0" err="1"/>
-              <a:t>pandas</a:t>
-            </a:r>
-            <a:r>
-              <a:rPr lang="de-DE" b="1" dirty="0"/>
-              <a:t>-basic</a:t>
-            </a:r>
-            <a:r>
-              <a:rPr lang="de-DE" dirty="0"/>
-              <a:t> befindet sich im Unterverzeichnis </a:t>
-            </a:r>
-            <a:r>
-              <a:rPr lang="de-DE" b="1" dirty="0" err="1"/>
-              <a:t>scripts</a:t>
-            </a:r>
-            <a:r>
-              <a:rPr lang="de-DE" dirty="0"/>
-              <a:t> eine Datei </a:t>
-            </a:r>
-            <a:r>
-              <a:rPr lang="de-DE" b="1" dirty="0"/>
-              <a:t>install_conda_env.bat</a:t>
-            </a:r>
-            <a:r>
-              <a:rPr lang="de-DE" dirty="0"/>
-              <a:t>. Führen Sie diese aus. </a:t>
-            </a:r>
-          </a:p>
-          <a:p>
-            <a:pPr marL="0" indent="0">
-              <a:buNone/>
-            </a:pPr>
-            <a:endParaRPr lang="de-DE" dirty="0"/>
-          </a:p>
-          <a:p>
-            <a:pPr marL="0" indent="0">
-              <a:buNone/>
-            </a:pPr>
-            <a:endParaRPr lang="de-DE" dirty="0"/>
+              <a:t>AUFBAU</a:t>
+            </a:r>
           </a:p>
         </p:txBody>
       </p:sp>
     </p:spTree>
     <p:extLst>
       <p:ext uri="{BB962C8B-B14F-4D97-AF65-F5344CB8AC3E}">
-        <p14:creationId xmlns:p14="http://schemas.microsoft.com/office/powerpoint/2010/main" val="3801721147"/>
+        <p14:creationId xmlns:p14="http://schemas.microsoft.com/office/powerpoint/2010/main" val="704050743"/>
       </p:ext>
     </p:extLst>
   </p:cSld>
@@ -15059,48 +15084,10 @@
       </p:grpSpPr>
       <p:sp>
         <p:nvSpPr>
-          <p:cNvPr id="4" name="Textfeld 3">
-            <a:extLst>
-              <a:ext uri="{FF2B5EF4-FFF2-40B4-BE49-F238E27FC236}">
-                <a16:creationId xmlns:a16="http://schemas.microsoft.com/office/drawing/2014/main" id="{84F7FBEA-4581-4F36-A22D-0729EABF1580}"/>
-              </a:ext>
-            </a:extLst>
-          </p:cNvPr>
-          <p:cNvSpPr txBox="1"/>
-          <p:nvPr/>
-        </p:nvSpPr>
-        <p:spPr>
-          <a:xfrm>
-            <a:off x="8785247" y="3066941"/>
-            <a:ext cx="4946072" cy="923330"/>
-          </a:xfrm>
-          <a:prstGeom prst="rect">
-            <a:avLst/>
-          </a:prstGeom>
-          <a:noFill/>
-        </p:spPr>
-        <p:txBody>
-          <a:bodyPr wrap="square" rtlCol="0">
-            <a:spAutoFit/>
-          </a:bodyPr>
-          <a:lstStyle/>
-          <a:p>
-            <a:endParaRPr lang="de-DE" dirty="0"/>
-          </a:p>
-          <a:p>
-            <a:endParaRPr lang="de-DE" dirty="0"/>
-          </a:p>
-          <a:p>
-            <a:endParaRPr lang="de-DE" dirty="0"/>
-          </a:p>
-        </p:txBody>
-      </p:sp>
-      <p:sp>
-        <p:nvSpPr>
           <p:cNvPr id="2" name="Titel 1">
             <a:extLst>
               <a:ext uri="{FF2B5EF4-FFF2-40B4-BE49-F238E27FC236}">
-                <a16:creationId xmlns:a16="http://schemas.microsoft.com/office/drawing/2014/main" id="{DE11FFC8-1695-4289-A248-846A6F653D60}"/>
+                <a16:creationId xmlns:a16="http://schemas.microsoft.com/office/drawing/2014/main" id="{1CB4BC98-DC42-4B6B-A4E4-AC6F97B598F6}"/>
               </a:ext>
             </a:extLst>
           </p:cNvPr>
@@ -15113,25 +15100,24 @@
         </p:nvSpPr>
         <p:spPr/>
         <p:txBody>
-          <a:bodyPr/>
-          <a:lstStyle/>
-          <a:p>
-            <a:r>
-              <a:rPr lang="de-DE" dirty="0">
-                <a:latin typeface="Roboto" panose="02000000000000000000" pitchFamily="2" charset="0"/>
-                <a:ea typeface="Roboto" panose="02000000000000000000" pitchFamily="2" charset="0"/>
-              </a:rPr>
-              <a:t>Seminar Aufbau</a:t>
-            </a:r>
-          </a:p>
-        </p:txBody>
-      </p:sp>
-      <p:sp>
-        <p:nvSpPr>
-          <p:cNvPr id="8" name="Inhaltsplatzhalter 7">
+          <a:bodyPr>
+            <a:normAutofit/>
+          </a:bodyPr>
+          <a:lstStyle/>
+          <a:p>
+            <a:r>
+              <a:rPr lang="de-DE" dirty="0"/>
+              <a:t>Aufbau der Übungseinheiten</a:t>
+            </a:r>
+          </a:p>
+        </p:txBody>
+      </p:sp>
+      <p:sp>
+        <p:nvSpPr>
+          <p:cNvPr id="3" name="Inhaltsplatzhalter 2">
             <a:extLst>
               <a:ext uri="{FF2B5EF4-FFF2-40B4-BE49-F238E27FC236}">
-                <a16:creationId xmlns:a16="http://schemas.microsoft.com/office/drawing/2014/main" id="{D956DCBA-CF46-4104-983A-13AB8B0A00B2}"/>
+                <a16:creationId xmlns:a16="http://schemas.microsoft.com/office/drawing/2014/main" id="{B7A1B66B-7F40-4E3C-971E-9DA5AF9FF608}"/>
               </a:ext>
             </a:extLst>
           </p:cNvPr>
@@ -15152,52 +15138,38 @@
             </a:pPr>
             <a:r>
               <a:rPr lang="de-DE" b="1" dirty="0"/>
-              <a:t>Seminar Aufbau</a:t>
-            </a:r>
-          </a:p>
-          <a:p>
-            <a:pPr marL="285750" indent="-285750"/>
+              <a:t>Erklärung und Übungsphasen</a:t>
+            </a:r>
+          </a:p>
+          <a:p>
+            <a:pPr marL="0" indent="0">
+              <a:buNone/>
+            </a:pPr>
             <a:r>
               <a:rPr lang="de-DE" dirty="0"/>
-              <a:t>Grundliegenende Funktionen</a:t>
-            </a:r>
-          </a:p>
-          <a:p>
-            <a:pPr marL="285750" indent="-285750"/>
-            <a:r>
-              <a:rPr lang="de-DE" dirty="0">
-                <a:solidFill>
-                  <a:srgbClr val="FFC000"/>
-                </a:solidFill>
-              </a:rPr>
-              <a:t>Kernfunktionalitäten - Daten Aufbereiten</a:t>
-            </a:r>
-          </a:p>
-          <a:p>
-            <a:pPr marL="285750" indent="-285750"/>
+              <a:t>Eine Seminareinheit ist geteilt in zwei Abschnitte. </a:t>
+            </a:r>
+          </a:p>
+          <a:p>
             <a:r>
               <a:rPr lang="de-DE" dirty="0"/>
-              <a:t>Visualisierung und Interaktion</a:t>
-            </a:r>
-          </a:p>
-          <a:p>
-            <a:pPr marL="285750" indent="-285750"/>
+              <a:t>Im ersten Abschnitt  werden Ihnen die Grundlagen für die Übungen vermittelt. Bitte klicken Sie nicht mit!</a:t>
+            </a:r>
+          </a:p>
+          <a:p>
             <a:r>
               <a:rPr lang="de-DE" dirty="0"/>
-              <a:t>Abschlussprojekt</a:t>
-            </a:r>
-          </a:p>
-          <a:p>
-            <a:endParaRPr lang="de-DE" dirty="0"/>
-          </a:p>
-        </p:txBody>
-      </p:sp>
-      <p:sp>
-        <p:nvSpPr>
-          <p:cNvPr id="5" name="Textplatzhalter 4">
+              <a:t>In den Übungen haben Sie Zeit die Grundlagen selber praktisch anzuwenden und zu vertiefen.</a:t>
+            </a:r>
+          </a:p>
+        </p:txBody>
+      </p:sp>
+      <p:sp>
+        <p:nvSpPr>
+          <p:cNvPr id="12" name="Textplatzhalter 11">
             <a:extLst>
               <a:ext uri="{FF2B5EF4-FFF2-40B4-BE49-F238E27FC236}">
-                <a16:creationId xmlns:a16="http://schemas.microsoft.com/office/drawing/2014/main" id="{E9BD0B66-9E26-4FA7-B29C-42C33BF4F51D}"/>
+                <a16:creationId xmlns:a16="http://schemas.microsoft.com/office/drawing/2014/main" id="{BF37DF42-310F-4F51-B81F-B5FB7EFBE045}"/>
               </a:ext>
             </a:extLst>
           </p:cNvPr>
@@ -15223,7 +15195,7 @@
     </p:spTree>
     <p:extLst>
       <p:ext uri="{BB962C8B-B14F-4D97-AF65-F5344CB8AC3E}">
-        <p14:creationId xmlns:p14="http://schemas.microsoft.com/office/powerpoint/2010/main" val="704050743"/>
+        <p14:creationId xmlns:p14="http://schemas.microsoft.com/office/powerpoint/2010/main" val="919313021"/>
       </p:ext>
     </p:extLst>
   </p:cSld>
@@ -15276,14 +15248,18 @@
         <p:spPr/>
         <p:txBody>
           <a:bodyPr>
-            <a:normAutofit/>
+            <a:normAutofit fontScale="90000"/>
           </a:bodyPr>
           <a:lstStyle/>
           <a:p>
             <a:r>
               <a:rPr lang="de-DE" dirty="0"/>
-              <a:t>Aufbau der Übungseinheiten</a:t>
-            </a:r>
+              <a:t>Kernprinzipien und Besonderheiten</a:t>
+            </a:r>
+            <a:br>
+              <a:rPr lang="de-DE" dirty="0"/>
+            </a:br>
+            <a:endParaRPr lang="de-DE" dirty="0"/>
           </a:p>
         </p:txBody>
       </p:sp>
@@ -15308,34 +15284,46 @@
           <a:bodyPr/>
           <a:lstStyle/>
           <a:p>
+            <a:r>
+              <a:rPr lang="de-DE" dirty="0"/>
+              <a:t>Arbeit in sogenannten Notebooks</a:t>
+            </a:r>
+          </a:p>
+          <a:p>
+            <a:r>
+              <a:rPr lang="de-DE" dirty="0"/>
+              <a:t>Englisch als Hauptsprache der Informationsquellen</a:t>
+            </a:r>
+          </a:p>
+          <a:p>
+            <a:r>
+              <a:rPr lang="de-DE" dirty="0"/>
+              <a:t>Variablennamen sind stehts auf englisch</a:t>
+            </a:r>
+          </a:p>
+          <a:p>
+            <a:r>
+              <a:rPr lang="de-DE" dirty="0"/>
+              <a:t>Es gibt kein klassisches Skript, sondern Sie erhalten die interaktive und kommentierte Version der Erklärung</a:t>
+            </a:r>
+          </a:p>
+          <a:p>
+            <a:r>
+              <a:rPr lang="de-DE" dirty="0"/>
+              <a:t>Übungen enthalten viele Zusatzaufgaben, Freiraum selber weiterzudenken</a:t>
+            </a:r>
+          </a:p>
+          <a:p>
+            <a:r>
+              <a:rPr lang="de-DE" dirty="0"/>
+              <a:t>Viele Links als Informationsquellen</a:t>
+            </a:r>
+          </a:p>
+          <a:p>
             <a:pPr marL="0" indent="0">
               <a:buNone/>
             </a:pPr>
-            <a:r>
-              <a:rPr lang="de-DE" b="1" dirty="0"/>
-              <a:t>Erklärung und Übungsphasen</a:t>
-            </a:r>
-          </a:p>
-          <a:p>
-            <a:pPr marL="0" indent="0">
-              <a:buNone/>
-            </a:pPr>
-            <a:r>
-              <a:rPr lang="de-DE" dirty="0"/>
-              <a:t>Eine Seminareinheit ist geteilt in zwei Abschnitte. </a:t>
-            </a:r>
-          </a:p>
-          <a:p>
-            <a:r>
-              <a:rPr lang="de-DE" dirty="0"/>
-              <a:t>Im ersten Abschnitt  werden Ihnen die Grundlagen für die Übungen vermittelt. Bitte klicken Sie nicht mit!</a:t>
-            </a:r>
-          </a:p>
-          <a:p>
-            <a:r>
-              <a:rPr lang="de-DE" dirty="0"/>
-              <a:t>In den Übungen haben Sie Zeit die Grundlagen selber praktisch anzuwenden und zu vertiefen.</a:t>
-            </a:r>
+            <a:endParaRPr lang="de-DE" dirty="0"/>
           </a:p>
         </p:txBody>
       </p:sp>
@@ -15362,7 +15350,7 @@
           <a:p>
             <a:r>
               <a:rPr lang="de-DE" dirty="0"/>
-              <a:t>AUFBAU</a:t>
+              <a:t>BESONDERHEITEN</a:t>
             </a:r>
           </a:p>
         </p:txBody>
@@ -15370,7 +15358,7 @@
     </p:spTree>
     <p:extLst>
       <p:ext uri="{BB962C8B-B14F-4D97-AF65-F5344CB8AC3E}">
-        <p14:creationId xmlns:p14="http://schemas.microsoft.com/office/powerpoint/2010/main" val="919313021"/>
+        <p14:creationId xmlns:p14="http://schemas.microsoft.com/office/powerpoint/2010/main" val="2916029712"/>
       </p:ext>
     </p:extLst>
   </p:cSld>
@@ -15406,10 +15394,10 @@
       </p:grpSpPr>
       <p:sp>
         <p:nvSpPr>
-          <p:cNvPr id="2" name="Titel 1">
+          <p:cNvPr id="8" name="Titel 7">
             <a:extLst>
               <a:ext uri="{FF2B5EF4-FFF2-40B4-BE49-F238E27FC236}">
-                <a16:creationId xmlns:a16="http://schemas.microsoft.com/office/drawing/2014/main" id="{1CB4BC98-DC42-4B6B-A4E4-AC6F97B598F6}"/>
+                <a16:creationId xmlns:a16="http://schemas.microsoft.com/office/drawing/2014/main" id="{9867D752-BB0C-4393-A00B-5715AEF40D66}"/>
               </a:ext>
             </a:extLst>
           </p:cNvPr>
@@ -15422,28 +15410,22 @@
         </p:nvSpPr>
         <p:spPr/>
         <p:txBody>
-          <a:bodyPr>
-            <a:normAutofit fontScale="90000"/>
-          </a:bodyPr>
+          <a:bodyPr/>
           <a:lstStyle/>
           <a:p>
             <a:r>
               <a:rPr lang="de-DE" dirty="0"/>
-              <a:t>Kernprinzipien und Besonderheiten</a:t>
-            </a:r>
-            <a:br>
-              <a:rPr lang="de-DE" dirty="0"/>
-            </a:br>
-            <a:endParaRPr lang="de-DE" dirty="0"/>
-          </a:p>
-        </p:txBody>
-      </p:sp>
-      <p:sp>
-        <p:nvSpPr>
-          <p:cNvPr id="3" name="Inhaltsplatzhalter 2">
+              <a:t>Zusammenarbeit</a:t>
+            </a:r>
+          </a:p>
+        </p:txBody>
+      </p:sp>
+      <p:sp>
+        <p:nvSpPr>
+          <p:cNvPr id="9" name="Inhaltsplatzhalter 8">
             <a:extLst>
               <a:ext uri="{FF2B5EF4-FFF2-40B4-BE49-F238E27FC236}">
-                <a16:creationId xmlns:a16="http://schemas.microsoft.com/office/drawing/2014/main" id="{B7A1B66B-7F40-4E3C-971E-9DA5AF9FF608}"/>
+                <a16:creationId xmlns:a16="http://schemas.microsoft.com/office/drawing/2014/main" id="{4805D453-6DC8-4856-822E-7BA9C1F243DC}"/>
               </a:ext>
             </a:extLst>
           </p:cNvPr>
@@ -15459,40 +15441,37 @@
           <a:bodyPr/>
           <a:lstStyle/>
           <a:p>
+            <a:pPr marL="0" indent="0">
+              <a:buNone/>
+            </a:pPr>
+            <a:r>
+              <a:rPr lang="de-DE" dirty="0" smtClean="0"/>
+              <a:t>Stört </a:t>
+            </a:r>
             <a:r>
               <a:rPr lang="de-DE" dirty="0"/>
-              <a:t>Arbeit in sogenannten Notebooks</a:t>
-            </a:r>
-          </a:p>
-          <a:p>
-            <a:r>
-              <a:rPr lang="de-DE" dirty="0"/>
-              <a:t>Englisch als Hauptsprache der Informationsquellen</a:t>
-            </a:r>
-          </a:p>
-          <a:p>
-            <a:r>
-              <a:rPr lang="de-DE" dirty="0"/>
-              <a:t>Variablennamen sind stehts auf englisch</a:t>
-            </a:r>
-          </a:p>
-          <a:p>
-            <a:r>
-              <a:rPr lang="de-DE" dirty="0"/>
-              <a:t>Es gibt kein klassisches Skript, sondern Sie erhalten die interaktive und kommentierte Version der Erklärung</a:t>
-            </a:r>
-          </a:p>
-          <a:p>
-            <a:r>
-              <a:rPr lang="de-DE" dirty="0"/>
-              <a:t>Übungen enthalten viele Zusatzaufgaben, Freiraum selber weiterzudenken</a:t>
-            </a:r>
-          </a:p>
-          <a:p>
-            <a:r>
-              <a:rPr lang="de-DE" dirty="0"/>
-              <a:t>Viele Links als Informationsquellen</a:t>
-            </a:r>
+              <a:t>Sie was, unklar worauf ich hinaus will. Bitte melden Sie sich</a:t>
+            </a:r>
+            <a:r>
+              <a:rPr lang="de-DE" dirty="0" smtClean="0"/>
+              <a:t>!</a:t>
+            </a:r>
+          </a:p>
+          <a:p>
+            <a:pPr marL="0" indent="0">
+              <a:buNone/>
+            </a:pPr>
+            <a:endParaRPr lang="de-DE" dirty="0" smtClean="0"/>
+          </a:p>
+          <a:p>
+            <a:pPr marL="0" indent="0">
+              <a:buNone/>
+            </a:pPr>
+            <a:r>
+              <a:rPr lang="de-DE" dirty="0" smtClean="0"/>
+              <a:t>Ich werde nicht ungebeten helfen, daher melden Sie sich bitte selbstständig, wenn Sie Hilfe brauchen.</a:t>
+            </a:r>
+            <a:endParaRPr lang="de-DE" dirty="0"/>
           </a:p>
           <a:p>
             <a:pPr marL="0" indent="0">
@@ -15500,14 +15479,35 @@
             </a:pPr>
             <a:endParaRPr lang="de-DE" dirty="0"/>
           </a:p>
-        </p:txBody>
-      </p:sp>
-      <p:sp>
-        <p:nvSpPr>
-          <p:cNvPr id="12" name="Textplatzhalter 11">
+          <a:p>
+            <a:pPr marL="0" indent="0">
+              <a:buNone/>
+            </a:pPr>
+            <a:r>
+              <a:rPr lang="de-DE" sz="1600" dirty="0"/>
+              <a:t>Hinweis: Dies ist ein relativ neuer Kurs. Sollten Ihnen daher etwas auffallen oder etwas unstimmig sein, sagen Sie Bescheid. </a:t>
+            </a:r>
+          </a:p>
+          <a:p>
+            <a:pPr marL="0" indent="0">
+              <a:buNone/>
+            </a:pPr>
+            <a:endParaRPr lang="de-DE" sz="2000" dirty="0"/>
+          </a:p>
+          <a:p>
+            <a:pPr marL="0" indent="0">
+              <a:buNone/>
+            </a:pPr>
+            <a:endParaRPr lang="de-DE" sz="2000" dirty="0"/>
+          </a:p>
+        </p:txBody>
+      </p:sp>
+      <p:sp>
+        <p:nvSpPr>
+          <p:cNvPr id="6" name="Textplatzhalter 5">
             <a:extLst>
               <a:ext uri="{FF2B5EF4-FFF2-40B4-BE49-F238E27FC236}">
-                <a16:creationId xmlns:a16="http://schemas.microsoft.com/office/drawing/2014/main" id="{BF37DF42-310F-4F51-B81F-B5FB7EFBE045}"/>
+                <a16:creationId xmlns:a16="http://schemas.microsoft.com/office/drawing/2014/main" id="{A2CFD462-2C8E-4447-8233-10382DBA2471}"/>
               </a:ext>
             </a:extLst>
           </p:cNvPr>
@@ -15525,7 +15525,7 @@
           <a:p>
             <a:r>
               <a:rPr lang="de-DE" dirty="0"/>
-              <a:t>BESONDERHEITEN</a:t>
+              <a:t>ZUSAMMENARBETI</a:t>
             </a:r>
           </a:p>
         </p:txBody>
@@ -15533,7 +15533,7 @@
     </p:spTree>
     <p:extLst>
       <p:ext uri="{BB962C8B-B14F-4D97-AF65-F5344CB8AC3E}">
-        <p14:creationId xmlns:p14="http://schemas.microsoft.com/office/powerpoint/2010/main" val="2916029712"/>
+        <p14:creationId xmlns:p14="http://schemas.microsoft.com/office/powerpoint/2010/main" val="276986113"/>
       </p:ext>
     </p:extLst>
   </p:cSld>

--- a/praesentation/pandas-basic.pptx
+++ b/praesentation/pandas-basic.pptx
@@ -5,7 +5,7 @@
     <p:sldMasterId id="2147483660" r:id="rId1"/>
   </p:sldMasterIdLst>
   <p:handoutMasterIdLst>
-    <p:handoutMasterId r:id="rId28"/>
+    <p:handoutMasterId r:id="rId30"/>
   </p:handoutMasterIdLst>
   <p:sldIdLst>
     <p:sldId id="268" r:id="rId2"/>
@@ -20,20 +20,22 @@
     <p:sldId id="260" r:id="rId11"/>
     <p:sldId id="264" r:id="rId12"/>
     <p:sldId id="275" r:id="rId13"/>
-    <p:sldId id="271" r:id="rId14"/>
-    <p:sldId id="273" r:id="rId15"/>
-    <p:sldId id="276" r:id="rId16"/>
-    <p:sldId id="274" r:id="rId17"/>
-    <p:sldId id="265" r:id="rId18"/>
-    <p:sldId id="278" r:id="rId19"/>
-    <p:sldId id="284" r:id="rId20"/>
-    <p:sldId id="277" r:id="rId21"/>
-    <p:sldId id="281" r:id="rId22"/>
-    <p:sldId id="279" r:id="rId23"/>
-    <p:sldId id="283" r:id="rId24"/>
-    <p:sldId id="269" r:id="rId25"/>
-    <p:sldId id="272" r:id="rId26"/>
-    <p:sldId id="270" r:id="rId27"/>
+    <p:sldId id="285" r:id="rId14"/>
+    <p:sldId id="271" r:id="rId15"/>
+    <p:sldId id="273" r:id="rId16"/>
+    <p:sldId id="276" r:id="rId17"/>
+    <p:sldId id="274" r:id="rId18"/>
+    <p:sldId id="265" r:id="rId19"/>
+    <p:sldId id="278" r:id="rId20"/>
+    <p:sldId id="284" r:id="rId21"/>
+    <p:sldId id="277" r:id="rId22"/>
+    <p:sldId id="281" r:id="rId23"/>
+    <p:sldId id="279" r:id="rId24"/>
+    <p:sldId id="283" r:id="rId25"/>
+    <p:sldId id="286" r:id="rId26"/>
+    <p:sldId id="269" r:id="rId27"/>
+    <p:sldId id="272" r:id="rId28"/>
+    <p:sldId id="270" r:id="rId29"/>
   </p:sldIdLst>
   <p:sldSz cx="9144000" cy="6858000" type="screen4x3"/>
   <p:notesSz cx="6858000" cy="9144000"/>
@@ -237,7 +239,7 @@
           <a:p>
             <a:fld id="{C0891CEB-E06B-41A6-A791-A945BD77A2CE}" type="datetimeFigureOut">
               <a:rPr lang="de-DE" smtClean="0"/>
-              <a:t>28.09.2019</a:t>
+              <a:t>08.10.2019</a:t>
             </a:fld>
             <a:endParaRPr lang="de-DE"/>
           </a:p>
@@ -854,7 +856,7 @@
           <a:p>
             <a:fld id="{4C0C24D1-D28D-4714-8665-7C693EECAB22}" type="datetimeFigureOut">
               <a:rPr lang="de-DE" smtClean="0"/>
-              <a:t>28.09.2019</a:t>
+              <a:t>08.10.2019</a:t>
             </a:fld>
             <a:endParaRPr lang="de-DE"/>
           </a:p>
@@ -1024,7 +1026,7 @@
           <a:p>
             <a:fld id="{4C0C24D1-D28D-4714-8665-7C693EECAB22}" type="datetimeFigureOut">
               <a:rPr lang="de-DE" smtClean="0"/>
-              <a:t>28.09.2019</a:t>
+              <a:t>08.10.2019</a:t>
             </a:fld>
             <a:endParaRPr lang="de-DE"/>
           </a:p>
@@ -1204,7 +1206,7 @@
           <a:p>
             <a:fld id="{4C0C24D1-D28D-4714-8665-7C693EECAB22}" type="datetimeFigureOut">
               <a:rPr lang="de-DE" smtClean="0"/>
-              <a:t>28.09.2019</a:t>
+              <a:t>08.10.2019</a:t>
             </a:fld>
             <a:endParaRPr lang="de-DE"/>
           </a:p>
@@ -2234,7 +2236,7 @@
           <a:p>
             <a:fld id="{4C0C24D1-D28D-4714-8665-7C693EECAB22}" type="datetimeFigureOut">
               <a:rPr lang="de-DE" smtClean="0"/>
-              <a:t>28.09.2019</a:t>
+              <a:t>08.10.2019</a:t>
             </a:fld>
             <a:endParaRPr lang="de-DE"/>
           </a:p>
@@ -2466,7 +2468,7 @@
           <a:p>
             <a:fld id="{4C0C24D1-D28D-4714-8665-7C693EECAB22}" type="datetimeFigureOut">
               <a:rPr lang="de-DE" smtClean="0"/>
-              <a:t>28.09.2019</a:t>
+              <a:t>08.10.2019</a:t>
             </a:fld>
             <a:endParaRPr lang="de-DE"/>
           </a:p>
@@ -2833,7 +2835,7 @@
           <a:p>
             <a:fld id="{4C0C24D1-D28D-4714-8665-7C693EECAB22}" type="datetimeFigureOut">
               <a:rPr lang="de-DE" smtClean="0"/>
-              <a:t>28.09.2019</a:t>
+              <a:t>08.10.2019</a:t>
             </a:fld>
             <a:endParaRPr lang="de-DE"/>
           </a:p>
@@ -2951,7 +2953,7 @@
           <a:p>
             <a:fld id="{4C0C24D1-D28D-4714-8665-7C693EECAB22}" type="datetimeFigureOut">
               <a:rPr lang="de-DE" smtClean="0"/>
-              <a:t>28.09.2019</a:t>
+              <a:t>08.10.2019</a:t>
             </a:fld>
             <a:endParaRPr lang="de-DE"/>
           </a:p>
@@ -3046,7 +3048,7 @@
           <a:p>
             <a:fld id="{4C0C24D1-D28D-4714-8665-7C693EECAB22}" type="datetimeFigureOut">
               <a:rPr lang="de-DE" smtClean="0"/>
-              <a:t>28.09.2019</a:t>
+              <a:t>08.10.2019</a:t>
             </a:fld>
             <a:endParaRPr lang="de-DE"/>
           </a:p>
@@ -3323,7 +3325,7 @@
           <a:p>
             <a:fld id="{4C0C24D1-D28D-4714-8665-7C693EECAB22}" type="datetimeFigureOut">
               <a:rPr lang="de-DE" smtClean="0"/>
-              <a:t>28.09.2019</a:t>
+              <a:t>08.10.2019</a:t>
             </a:fld>
             <a:endParaRPr lang="de-DE"/>
           </a:p>
@@ -3536,7 +3538,7 @@
           <a:p>
             <a:fld id="{4C0C24D1-D28D-4714-8665-7C693EECAB22}" type="datetimeFigureOut">
               <a:rPr lang="de-DE" smtClean="0"/>
-              <a:t>28.09.2019</a:t>
+              <a:t>08.10.2019</a:t>
             </a:fld>
             <a:endParaRPr lang="de-DE"/>
           </a:p>
@@ -3972,8 +3974,8 @@
           <a:p>
             <a:pPr algn="ctr"/>
             <a:r>
-              <a:rPr lang="de-DE" sz="6600" dirty="0" smtClean="0"/>
-              <a:t>15:45 </a:t>
+              <a:rPr lang="de-DE" sz="6600" smtClean="0"/>
+              <a:t>13:15 </a:t>
             </a:r>
             <a:r>
               <a:rPr lang="de-DE" sz="6600" dirty="0"/>
@@ -4734,6 +4736,280 @@
       </p:grpSpPr>
       <p:sp>
         <p:nvSpPr>
+          <p:cNvPr id="2" name="Titel 1"/>
+          <p:cNvSpPr>
+            <a:spLocks noGrp="1"/>
+          </p:cNvSpPr>
+          <p:nvPr>
+            <p:ph type="title"/>
+          </p:nvPr>
+        </p:nvSpPr>
+        <p:spPr/>
+        <p:txBody>
+          <a:bodyPr/>
+          <a:lstStyle/>
+          <a:p>
+            <a:r>
+              <a:rPr lang="de-DE" dirty="0" err="1" smtClean="0"/>
+              <a:t>Jupyter</a:t>
+            </a:r>
+            <a:r>
+              <a:rPr lang="de-DE" dirty="0" smtClean="0"/>
+              <a:t> </a:t>
+            </a:r>
+            <a:r>
+              <a:rPr lang="de-DE" dirty="0" err="1" smtClean="0"/>
+              <a:t>Enviroment</a:t>
+            </a:r>
+            <a:endParaRPr lang="de-DE" dirty="0"/>
+          </a:p>
+        </p:txBody>
+      </p:sp>
+      <p:sp>
+        <p:nvSpPr>
+          <p:cNvPr id="4" name="Textplatzhalter 3"/>
+          <p:cNvSpPr>
+            <a:spLocks noGrp="1"/>
+          </p:cNvSpPr>
+          <p:nvPr>
+            <p:ph type="body" sz="quarter" idx="11"/>
+          </p:nvPr>
+        </p:nvSpPr>
+        <p:spPr/>
+        <p:txBody>
+          <a:bodyPr/>
+          <a:lstStyle/>
+          <a:p>
+            <a:r>
+              <a:rPr lang="de-DE" dirty="0" smtClean="0"/>
+              <a:t>Übersicht</a:t>
+            </a:r>
+            <a:endParaRPr lang="de-DE" dirty="0"/>
+          </a:p>
+        </p:txBody>
+      </p:sp>
+      <p:pic>
+        <p:nvPicPr>
+          <p:cNvPr id="5" name="Grafik 4"/>
+          <p:cNvPicPr>
+            <a:picLocks noChangeAspect="1"/>
+          </p:cNvPicPr>
+          <p:nvPr/>
+        </p:nvPicPr>
+        <p:blipFill>
+          <a:blip r:embed="rId2" cstate="hqprint">
+            <a:extLst>
+              <a:ext uri="{28A0092B-C50C-407E-A947-70E740481C1C}">
+                <a14:useLocalDpi xmlns:a14="http://schemas.microsoft.com/office/drawing/2010/main" val="0"/>
+              </a:ext>
+            </a:extLst>
+          </a:blip>
+          <a:stretch>
+            <a:fillRect/>
+          </a:stretch>
+        </p:blipFill>
+        <p:spPr>
+          <a:xfrm>
+            <a:off x="1651035" y="2550201"/>
+            <a:ext cx="1255003" cy="1454758"/>
+          </a:xfrm>
+          <a:prstGeom prst="rect">
+            <a:avLst/>
+          </a:prstGeom>
+        </p:spPr>
+      </p:pic>
+      <p:pic>
+        <p:nvPicPr>
+          <p:cNvPr id="6" name="Grafik 5"/>
+          <p:cNvPicPr>
+            <a:picLocks noChangeAspect="1"/>
+          </p:cNvPicPr>
+          <p:nvPr/>
+        </p:nvPicPr>
+        <p:blipFill>
+          <a:blip r:embed="rId3" cstate="hqprint">
+            <a:extLst>
+              <a:ext uri="{28A0092B-C50C-407E-A947-70E740481C1C}">
+                <a14:useLocalDpi xmlns:a14="http://schemas.microsoft.com/office/drawing/2010/main" val="0"/>
+              </a:ext>
+            </a:extLst>
+          </a:blip>
+          <a:stretch>
+            <a:fillRect/>
+          </a:stretch>
+        </p:blipFill>
+        <p:spPr>
+          <a:xfrm>
+            <a:off x="7394940" y="2679797"/>
+            <a:ext cx="1195566" cy="1195566"/>
+          </a:xfrm>
+          <a:prstGeom prst="rect">
+            <a:avLst/>
+          </a:prstGeom>
+        </p:spPr>
+      </p:pic>
+      <p:pic>
+        <p:nvPicPr>
+          <p:cNvPr id="7" name="Grafik 6"/>
+          <p:cNvPicPr>
+            <a:picLocks noChangeAspect="1"/>
+          </p:cNvPicPr>
+          <p:nvPr/>
+        </p:nvPicPr>
+        <p:blipFill>
+          <a:blip r:embed="rId4">
+            <a:extLst>
+              <a:ext uri="{28A0092B-C50C-407E-A947-70E740481C1C}">
+                <a14:useLocalDpi xmlns:a14="http://schemas.microsoft.com/office/drawing/2010/main" val="0"/>
+              </a:ext>
+            </a:extLst>
+          </a:blip>
+          <a:stretch>
+            <a:fillRect/>
+          </a:stretch>
+        </p:blipFill>
+        <p:spPr>
+          <a:xfrm>
+            <a:off x="3128829" y="2876729"/>
+            <a:ext cx="3848170" cy="801702"/>
+          </a:xfrm>
+          <a:prstGeom prst="rect">
+            <a:avLst/>
+          </a:prstGeom>
+        </p:spPr>
+      </p:pic>
+      <p:sp>
+        <p:nvSpPr>
+          <p:cNvPr id="8" name="Textfeld 7"/>
+          <p:cNvSpPr txBox="1"/>
+          <p:nvPr/>
+        </p:nvSpPr>
+        <p:spPr>
+          <a:xfrm>
+            <a:off x="1581865" y="4208763"/>
+            <a:ext cx="1261543" cy="584775"/>
+          </a:xfrm>
+          <a:prstGeom prst="rect">
+            <a:avLst/>
+          </a:prstGeom>
+          <a:noFill/>
+        </p:spPr>
+        <p:txBody>
+          <a:bodyPr wrap="square" rtlCol="0">
+            <a:spAutoFit/>
+          </a:bodyPr>
+          <a:lstStyle/>
+          <a:p>
+            <a:pPr algn="ctr"/>
+            <a:r>
+              <a:rPr lang="de-DE" sz="3200" dirty="0" smtClean="0"/>
+              <a:t>Editor</a:t>
+            </a:r>
+            <a:endParaRPr lang="de-DE" dirty="0" smtClean="0"/>
+          </a:p>
+        </p:txBody>
+      </p:sp>
+      <p:sp>
+        <p:nvSpPr>
+          <p:cNvPr id="9" name="Textfeld 8"/>
+          <p:cNvSpPr txBox="1"/>
+          <p:nvPr/>
+        </p:nvSpPr>
+        <p:spPr>
+          <a:xfrm>
+            <a:off x="3178933" y="4208763"/>
+            <a:ext cx="3798066" cy="584775"/>
+          </a:xfrm>
+          <a:prstGeom prst="rect">
+            <a:avLst/>
+          </a:prstGeom>
+          <a:noFill/>
+        </p:spPr>
+        <p:txBody>
+          <a:bodyPr wrap="square" rtlCol="0">
+            <a:spAutoFit/>
+          </a:bodyPr>
+          <a:lstStyle/>
+          <a:p>
+            <a:pPr algn="ctr"/>
+            <a:r>
+              <a:rPr lang="de-DE" sz="3200" dirty="0" smtClean="0"/>
+              <a:t>Bibliothek</a:t>
+            </a:r>
+            <a:endParaRPr lang="de-DE" dirty="0" smtClean="0"/>
+          </a:p>
+        </p:txBody>
+      </p:sp>
+      <p:sp>
+        <p:nvSpPr>
+          <p:cNvPr id="10" name="Textfeld 9"/>
+          <p:cNvSpPr txBox="1"/>
+          <p:nvPr/>
+        </p:nvSpPr>
+        <p:spPr>
+          <a:xfrm>
+            <a:off x="7203288" y="4208762"/>
+            <a:ext cx="1578869" cy="584775"/>
+          </a:xfrm>
+          <a:prstGeom prst="rect">
+            <a:avLst/>
+          </a:prstGeom>
+          <a:noFill/>
+        </p:spPr>
+        <p:txBody>
+          <a:bodyPr wrap="square" rtlCol="0">
+            <a:spAutoFit/>
+          </a:bodyPr>
+          <a:lstStyle/>
+          <a:p>
+            <a:pPr algn="ctr"/>
+            <a:r>
+              <a:rPr lang="de-DE" sz="3200" dirty="0" smtClean="0"/>
+              <a:t>Sprache</a:t>
+            </a:r>
+            <a:endParaRPr lang="de-DE" dirty="0" smtClean="0"/>
+          </a:p>
+        </p:txBody>
+      </p:sp>
+    </p:spTree>
+    <p:extLst>
+      <p:ext uri="{BB962C8B-B14F-4D97-AF65-F5344CB8AC3E}">
+        <p14:creationId xmlns:p14="http://schemas.microsoft.com/office/powerpoint/2010/main" val="2367718300"/>
+      </p:ext>
+    </p:extLst>
+  </p:cSld>
+  <p:clrMapOvr>
+    <a:masterClrMapping/>
+  </p:clrMapOvr>
+  <p:timing>
+    <p:tnLst>
+      <p:par>
+        <p:cTn id="1" dur="indefinite" restart="never" nodeType="tmRoot"/>
+      </p:par>
+    </p:tnLst>
+  </p:timing>
+</p:sld>
+</file>
+
+<file path=ppt/slides/slide14.xml><?xml version="1.0" encoding="utf-8"?>
+<p:sld xmlns:a="http://schemas.openxmlformats.org/drawingml/2006/main" xmlns:r="http://schemas.openxmlformats.org/officeDocument/2006/relationships" xmlns:p="http://schemas.openxmlformats.org/presentationml/2006/main">
+  <p:cSld>
+    <p:spTree>
+      <p:nvGrpSpPr>
+        <p:cNvPr id="1" name=""/>
+        <p:cNvGrpSpPr/>
+        <p:nvPr/>
+      </p:nvGrpSpPr>
+      <p:grpSpPr>
+        <a:xfrm>
+          <a:off x="0" y="0"/>
+          <a:ext cx="0" cy="0"/>
+          <a:chOff x="0" y="0"/>
+          <a:chExt cx="0" cy="0"/>
+        </a:xfrm>
+      </p:grpSpPr>
+      <p:sp>
+        <p:nvSpPr>
           <p:cNvPr id="8" name="Titel 7">
             <a:extLst>
               <a:ext uri="{FF2B5EF4-FFF2-40B4-BE49-F238E27FC236}">
@@ -4964,7 +5240,7 @@
 </p:sld>
 </file>
 
-<file path=ppt/slides/slide14.xml><?xml version="1.0" encoding="utf-8"?>
+<file path=ppt/slides/slide15.xml><?xml version="1.0" encoding="utf-8"?>
 <p:sld xmlns:a="http://schemas.openxmlformats.org/drawingml/2006/main" xmlns:r="http://schemas.openxmlformats.org/officeDocument/2006/relationships" xmlns:p="http://schemas.openxmlformats.org/presentationml/2006/main">
   <p:cSld>
     <p:spTree>
@@ -5554,7 +5830,7 @@
 </p:sld>
 </file>
 
-<file path=ppt/slides/slide15.xml><?xml version="1.0" encoding="utf-8"?>
+<file path=ppt/slides/slide16.xml><?xml version="1.0" encoding="utf-8"?>
 <p:sld xmlns:a="http://schemas.openxmlformats.org/drawingml/2006/main" xmlns:r="http://schemas.openxmlformats.org/officeDocument/2006/relationships" xmlns:p="http://schemas.openxmlformats.org/presentationml/2006/main">
   <p:cSld>
     <p:spTree>
@@ -5611,7 +5887,7 @@
             <p:ph idx="1"/>
             <p:extLst>
               <p:ext uri="{D42A27DB-BD31-4B8C-83A1-F6EECF244321}">
-                <p14:modId xmlns:p14="http://schemas.microsoft.com/office/powerpoint/2010/main" val="1638501357"/>
+                <p14:modId xmlns:p14="http://schemas.microsoft.com/office/powerpoint/2010/main" val="1588100467"/>
               </p:ext>
             </p:extLst>
           </p:nvPr>
@@ -5756,7 +6032,14 @@
                       <a:endParaRPr lang="de-DE" strike="sngStrike" dirty="0"/>
                     </a:p>
                   </a:txBody>
-                  <a:tcPr/>
+                  <a:tcPr>
+                    <a:solidFill>
+                      <a:schemeClr val="accent2">
+                        <a:lumMod val="40000"/>
+                        <a:lumOff val="60000"/>
+                      </a:schemeClr>
+                    </a:solidFill>
+                  </a:tcPr>
                 </a:tc>
                 <a:tc>
                   <a:txBody>
@@ -5770,7 +6053,14 @@
                       <a:endParaRPr lang="de-DE" strike="sngStrike" dirty="0"/>
                     </a:p>
                   </a:txBody>
-                  <a:tcPr/>
+                  <a:tcPr>
+                    <a:solidFill>
+                      <a:schemeClr val="accent2">
+                        <a:lumMod val="40000"/>
+                        <a:lumOff val="60000"/>
+                      </a:schemeClr>
+                    </a:solidFill>
+                  </a:tcPr>
                 </a:tc>
                 <a:tc>
                   <a:txBody>
@@ -5784,7 +6074,14 @@
                       <a:endParaRPr lang="de-DE" strike="sngStrike" dirty="0"/>
                     </a:p>
                   </a:txBody>
-                  <a:tcPr/>
+                  <a:tcPr>
+                    <a:solidFill>
+                      <a:schemeClr val="accent2">
+                        <a:lumMod val="40000"/>
+                        <a:lumOff val="60000"/>
+                      </a:schemeClr>
+                    </a:solidFill>
+                  </a:tcPr>
                 </a:tc>
                 <a:extLst>
                   <a:ext uri="{0D108BD9-81ED-4DB2-BD59-A6C34878D82A}">
@@ -6199,7 +6496,7 @@
           <p:nvPr>
             <p:extLst>
               <p:ext uri="{D42A27DB-BD31-4B8C-83A1-F6EECF244321}">
-                <p14:modId xmlns:p14="http://schemas.microsoft.com/office/powerpoint/2010/main" val="2080859922"/>
+                <p14:modId xmlns:p14="http://schemas.microsoft.com/office/powerpoint/2010/main" val="2863347081"/>
               </p:ext>
             </p:extLst>
           </p:nvPr>
@@ -6309,7 +6606,14 @@
                       <a:endParaRPr lang="de-DE" dirty="0"/>
                     </a:p>
                   </a:txBody>
-                  <a:tcPr/>
+                  <a:tcPr>
+                    <a:solidFill>
+                      <a:schemeClr val="accent2">
+                        <a:lumMod val="40000"/>
+                        <a:lumOff val="60000"/>
+                      </a:schemeClr>
+                    </a:solidFill>
+                  </a:tcPr>
                 </a:tc>
                 <a:tc>
                   <a:txBody>
@@ -6323,7 +6627,14 @@
                       <a:endParaRPr lang="de-DE" dirty="0"/>
                     </a:p>
                   </a:txBody>
-                  <a:tcPr/>
+                  <a:tcPr>
+                    <a:solidFill>
+                      <a:schemeClr val="accent2">
+                        <a:lumMod val="40000"/>
+                        <a:lumOff val="60000"/>
+                      </a:schemeClr>
+                    </a:solidFill>
+                  </a:tcPr>
                 </a:tc>
                 <a:extLst>
                   <a:ext uri="{0D108BD9-81ED-4DB2-BD59-A6C34878D82A}">
@@ -6471,7 +6782,7 @@
           <p:nvPr>
             <p:extLst>
               <p:ext uri="{D42A27DB-BD31-4B8C-83A1-F6EECF244321}">
-                <p14:modId xmlns:p14="http://schemas.microsoft.com/office/powerpoint/2010/main" val="2921675516"/>
+                <p14:modId xmlns:p14="http://schemas.microsoft.com/office/powerpoint/2010/main" val="84029096"/>
               </p:ext>
             </p:extLst>
           </p:nvPr>
@@ -6581,7 +6892,14 @@
                       <a:endParaRPr lang="de-DE" dirty="0"/>
                     </a:p>
                   </a:txBody>
-                  <a:tcPr/>
+                  <a:tcPr>
+                    <a:solidFill>
+                      <a:schemeClr val="accent2">
+                        <a:lumMod val="40000"/>
+                        <a:lumOff val="60000"/>
+                      </a:schemeClr>
+                    </a:solidFill>
+                  </a:tcPr>
                 </a:tc>
                 <a:tc>
                   <a:txBody>
@@ -6595,7 +6913,14 @@
                       <a:endParaRPr lang="de-DE" dirty="0"/>
                     </a:p>
                   </a:txBody>
-                  <a:tcPr/>
+                  <a:tcPr>
+                    <a:solidFill>
+                      <a:schemeClr val="accent2">
+                        <a:lumMod val="40000"/>
+                        <a:lumOff val="60000"/>
+                      </a:schemeClr>
+                    </a:solidFill>
+                  </a:tcPr>
                 </a:tc>
                 <a:extLst>
                   <a:ext uri="{0D108BD9-81ED-4DB2-BD59-A6C34878D82A}">
@@ -7872,7 +8197,7 @@
 </p:sld>
 </file>
 
-<file path=ppt/slides/slide16.xml><?xml version="1.0" encoding="utf-8"?>
+<file path=ppt/slides/slide17.xml><?xml version="1.0" encoding="utf-8"?>
 <p:sld xmlns:a="http://schemas.openxmlformats.org/drawingml/2006/main" xmlns:r="http://schemas.openxmlformats.org/officeDocument/2006/relationships" xmlns:p="http://schemas.openxmlformats.org/presentationml/2006/main">
   <p:cSld>
     <p:spTree>
@@ -8611,7 +8936,7 @@
 </p:sld>
 </file>
 
-<file path=ppt/slides/slide17.xml><?xml version="1.0" encoding="utf-8"?>
+<file path=ppt/slides/slide18.xml><?xml version="1.0" encoding="utf-8"?>
 <p:sld xmlns:a="http://schemas.openxmlformats.org/drawingml/2006/main" xmlns:r="http://schemas.openxmlformats.org/officeDocument/2006/relationships" xmlns:p="http://schemas.openxmlformats.org/presentationml/2006/main">
   <p:cSld>
     <p:spTree>
@@ -9101,7 +9426,7 @@
 </p:sld>
 </file>
 
-<file path=ppt/slides/slide18.xml><?xml version="1.0" encoding="utf-8"?>
+<file path=ppt/slides/slide19.xml><?xml version="1.0" encoding="utf-8"?>
 <p:sld xmlns:a="http://schemas.openxmlformats.org/drawingml/2006/main" xmlns:r="http://schemas.openxmlformats.org/officeDocument/2006/relationships" xmlns:p="http://schemas.openxmlformats.org/presentationml/2006/main">
   <p:cSld>
     <p:spTree>
@@ -10500,206 +10825,6 @@
 </p:sld>
 </file>
 
-<file path=ppt/slides/slide19.xml><?xml version="1.0" encoding="utf-8"?>
-<p:sld xmlns:a="http://schemas.openxmlformats.org/drawingml/2006/main" xmlns:r="http://schemas.openxmlformats.org/officeDocument/2006/relationships" xmlns:p="http://schemas.openxmlformats.org/presentationml/2006/main">
-  <p:cSld>
-    <p:spTree>
-      <p:nvGrpSpPr>
-        <p:cNvPr id="1" name=""/>
-        <p:cNvGrpSpPr/>
-        <p:nvPr/>
-      </p:nvGrpSpPr>
-      <p:grpSpPr>
-        <a:xfrm>
-          <a:off x="0" y="0"/>
-          <a:ext cx="0" cy="0"/>
-          <a:chOff x="0" y="0"/>
-          <a:chExt cx="0" cy="0"/>
-        </a:xfrm>
-      </p:grpSpPr>
-      <p:sp>
-        <p:nvSpPr>
-          <p:cNvPr id="2" name="Titel 1"/>
-          <p:cNvSpPr>
-            <a:spLocks noGrp="1"/>
-          </p:cNvSpPr>
-          <p:nvPr>
-            <p:ph type="title"/>
-          </p:nvPr>
-        </p:nvSpPr>
-        <p:spPr/>
-        <p:txBody>
-          <a:bodyPr/>
-          <a:lstStyle/>
-          <a:p>
-            <a:r>
-              <a:rPr lang="de-DE" b="1" dirty="0" smtClean="0"/>
-              <a:t>JOINS</a:t>
-            </a:r>
-            <a:endParaRPr lang="de-DE" b="1" dirty="0"/>
-          </a:p>
-        </p:txBody>
-      </p:sp>
-      <p:sp>
-        <p:nvSpPr>
-          <p:cNvPr id="4" name="Textplatzhalter 3"/>
-          <p:cNvSpPr>
-            <a:spLocks noGrp="1"/>
-          </p:cNvSpPr>
-          <p:nvPr>
-            <p:ph type="body" sz="quarter" idx="11"/>
-          </p:nvPr>
-        </p:nvSpPr>
-        <p:spPr/>
-        <p:txBody>
-          <a:bodyPr/>
-          <a:lstStyle/>
-          <a:p>
-            <a:r>
-              <a:rPr lang="de-DE" dirty="0" err="1" smtClean="0"/>
-              <a:t>Joins</a:t>
-            </a:r>
-            <a:endParaRPr lang="de-DE" dirty="0"/>
-          </a:p>
-        </p:txBody>
-      </p:sp>
-      <p:sp>
-        <p:nvSpPr>
-          <p:cNvPr id="5" name="Ellipse 4"/>
-          <p:cNvSpPr/>
-          <p:nvPr/>
-        </p:nvSpPr>
-        <p:spPr>
-          <a:xfrm>
-            <a:off x="3156559" y="2755726"/>
-            <a:ext cx="1791222" cy="1791222"/>
-          </a:xfrm>
-          <a:prstGeom prst="ellipse">
-            <a:avLst/>
-          </a:prstGeom>
-          <a:solidFill>
-            <a:srgbClr val="FFC000"/>
-          </a:solidFill>
-        </p:spPr>
-        <p:style>
-          <a:lnRef idx="2">
-            <a:schemeClr val="accent1">
-              <a:shade val="50000"/>
-            </a:schemeClr>
-          </a:lnRef>
-          <a:fillRef idx="1">
-            <a:schemeClr val="accent1"/>
-          </a:fillRef>
-          <a:effectRef idx="0">
-            <a:schemeClr val="accent1"/>
-          </a:effectRef>
-          <a:fontRef idx="minor">
-            <a:schemeClr val="lt1"/>
-          </a:fontRef>
-        </p:style>
-        <p:txBody>
-          <a:bodyPr rtlCol="0" anchor="ctr"/>
-          <a:lstStyle/>
-          <a:p>
-            <a:pPr algn="ctr"/>
-            <a:endParaRPr lang="de-DE"/>
-          </a:p>
-        </p:txBody>
-      </p:sp>
-      <p:sp>
-        <p:nvSpPr>
-          <p:cNvPr id="7" name="Ellipse 6"/>
-          <p:cNvSpPr/>
-          <p:nvPr/>
-        </p:nvSpPr>
-        <p:spPr>
-          <a:xfrm>
-            <a:off x="4373671" y="2755726"/>
-            <a:ext cx="1791222" cy="1791222"/>
-          </a:xfrm>
-          <a:prstGeom prst="ellipse">
-            <a:avLst/>
-          </a:prstGeom>
-          <a:solidFill>
-            <a:srgbClr val="92D050"/>
-          </a:solidFill>
-        </p:spPr>
-        <p:style>
-          <a:lnRef idx="2">
-            <a:schemeClr val="accent1">
-              <a:shade val="50000"/>
-            </a:schemeClr>
-          </a:lnRef>
-          <a:fillRef idx="1">
-            <a:schemeClr val="accent1"/>
-          </a:fillRef>
-          <a:effectRef idx="0">
-            <a:schemeClr val="accent1"/>
-          </a:effectRef>
-          <a:fontRef idx="minor">
-            <a:schemeClr val="lt1"/>
-          </a:fontRef>
-        </p:style>
-        <p:txBody>
-          <a:bodyPr rtlCol="0" anchor="ctr"/>
-          <a:lstStyle/>
-          <a:p>
-            <a:pPr algn="ctr"/>
-            <a:endParaRPr lang="de-DE"/>
-          </a:p>
-        </p:txBody>
-      </p:sp>
-      <p:sp>
-        <p:nvSpPr>
-          <p:cNvPr id="11" name="Textfeld 10"/>
-          <p:cNvSpPr txBox="1"/>
-          <p:nvPr/>
-        </p:nvSpPr>
-        <p:spPr>
-          <a:xfrm>
-            <a:off x="2868460" y="4879007"/>
-            <a:ext cx="3632548" cy="369332"/>
-          </a:xfrm>
-          <a:prstGeom prst="rect">
-            <a:avLst/>
-          </a:prstGeom>
-          <a:noFill/>
-        </p:spPr>
-        <p:txBody>
-          <a:bodyPr wrap="square" rtlCol="0">
-            <a:spAutoFit/>
-          </a:bodyPr>
-          <a:lstStyle/>
-          <a:p>
-            <a:pPr algn="ctr"/>
-            <a:r>
-              <a:rPr lang="de-DE" dirty="0" smtClean="0"/>
-              <a:t>Datensätze von A und B</a:t>
-            </a:r>
-            <a:endParaRPr lang="de-DE" dirty="0"/>
-          </a:p>
-        </p:txBody>
-      </p:sp>
-    </p:spTree>
-    <p:extLst>
-      <p:ext uri="{BB962C8B-B14F-4D97-AF65-F5344CB8AC3E}">
-        <p14:creationId xmlns:p14="http://schemas.microsoft.com/office/powerpoint/2010/main" val="3356099448"/>
-      </p:ext>
-    </p:extLst>
-  </p:cSld>
-  <p:clrMapOvr>
-    <a:masterClrMapping/>
-  </p:clrMapOvr>
-  <p:timing>
-    <p:tnLst>
-      <p:par>
-        <p:cTn id="1" dur="indefinite" restart="never" nodeType="tmRoot"/>
-      </p:par>
-    </p:tnLst>
-  </p:timing>
-</p:sld>
-</file>
-
 <file path=ppt/slides/slide2.xml><?xml version="1.0" encoding="utf-8"?>
 <p:sld xmlns:a="http://schemas.openxmlformats.org/drawingml/2006/main" xmlns:r="http://schemas.openxmlformats.org/officeDocument/2006/relationships" xmlns:p="http://schemas.openxmlformats.org/presentationml/2006/main">
   <p:cSld>
@@ -10827,6 +10952,206 @@
 </file>
 
 <file path=ppt/slides/slide20.xml><?xml version="1.0" encoding="utf-8"?>
+<p:sld xmlns:a="http://schemas.openxmlformats.org/drawingml/2006/main" xmlns:r="http://schemas.openxmlformats.org/officeDocument/2006/relationships" xmlns:p="http://schemas.openxmlformats.org/presentationml/2006/main">
+  <p:cSld>
+    <p:spTree>
+      <p:nvGrpSpPr>
+        <p:cNvPr id="1" name=""/>
+        <p:cNvGrpSpPr/>
+        <p:nvPr/>
+      </p:nvGrpSpPr>
+      <p:grpSpPr>
+        <a:xfrm>
+          <a:off x="0" y="0"/>
+          <a:ext cx="0" cy="0"/>
+          <a:chOff x="0" y="0"/>
+          <a:chExt cx="0" cy="0"/>
+        </a:xfrm>
+      </p:grpSpPr>
+      <p:sp>
+        <p:nvSpPr>
+          <p:cNvPr id="2" name="Titel 1"/>
+          <p:cNvSpPr>
+            <a:spLocks noGrp="1"/>
+          </p:cNvSpPr>
+          <p:nvPr>
+            <p:ph type="title"/>
+          </p:nvPr>
+        </p:nvSpPr>
+        <p:spPr/>
+        <p:txBody>
+          <a:bodyPr/>
+          <a:lstStyle/>
+          <a:p>
+            <a:r>
+              <a:rPr lang="de-DE" b="1" dirty="0" smtClean="0"/>
+              <a:t>JOINS</a:t>
+            </a:r>
+            <a:endParaRPr lang="de-DE" b="1" dirty="0"/>
+          </a:p>
+        </p:txBody>
+      </p:sp>
+      <p:sp>
+        <p:nvSpPr>
+          <p:cNvPr id="4" name="Textplatzhalter 3"/>
+          <p:cNvSpPr>
+            <a:spLocks noGrp="1"/>
+          </p:cNvSpPr>
+          <p:nvPr>
+            <p:ph type="body" sz="quarter" idx="11"/>
+          </p:nvPr>
+        </p:nvSpPr>
+        <p:spPr/>
+        <p:txBody>
+          <a:bodyPr/>
+          <a:lstStyle/>
+          <a:p>
+            <a:r>
+              <a:rPr lang="de-DE" dirty="0" err="1" smtClean="0"/>
+              <a:t>Joins</a:t>
+            </a:r>
+            <a:endParaRPr lang="de-DE" dirty="0"/>
+          </a:p>
+        </p:txBody>
+      </p:sp>
+      <p:sp>
+        <p:nvSpPr>
+          <p:cNvPr id="5" name="Ellipse 4"/>
+          <p:cNvSpPr/>
+          <p:nvPr/>
+        </p:nvSpPr>
+        <p:spPr>
+          <a:xfrm>
+            <a:off x="3156559" y="2755726"/>
+            <a:ext cx="1791222" cy="1791222"/>
+          </a:xfrm>
+          <a:prstGeom prst="ellipse">
+            <a:avLst/>
+          </a:prstGeom>
+          <a:solidFill>
+            <a:srgbClr val="FFC000"/>
+          </a:solidFill>
+        </p:spPr>
+        <p:style>
+          <a:lnRef idx="2">
+            <a:schemeClr val="accent1">
+              <a:shade val="50000"/>
+            </a:schemeClr>
+          </a:lnRef>
+          <a:fillRef idx="1">
+            <a:schemeClr val="accent1"/>
+          </a:fillRef>
+          <a:effectRef idx="0">
+            <a:schemeClr val="accent1"/>
+          </a:effectRef>
+          <a:fontRef idx="minor">
+            <a:schemeClr val="lt1"/>
+          </a:fontRef>
+        </p:style>
+        <p:txBody>
+          <a:bodyPr rtlCol="0" anchor="ctr"/>
+          <a:lstStyle/>
+          <a:p>
+            <a:pPr algn="ctr"/>
+            <a:endParaRPr lang="de-DE"/>
+          </a:p>
+        </p:txBody>
+      </p:sp>
+      <p:sp>
+        <p:nvSpPr>
+          <p:cNvPr id="7" name="Ellipse 6"/>
+          <p:cNvSpPr/>
+          <p:nvPr/>
+        </p:nvSpPr>
+        <p:spPr>
+          <a:xfrm>
+            <a:off x="4373671" y="2755726"/>
+            <a:ext cx="1791222" cy="1791222"/>
+          </a:xfrm>
+          <a:prstGeom prst="ellipse">
+            <a:avLst/>
+          </a:prstGeom>
+          <a:solidFill>
+            <a:srgbClr val="92D050"/>
+          </a:solidFill>
+        </p:spPr>
+        <p:style>
+          <a:lnRef idx="2">
+            <a:schemeClr val="accent1">
+              <a:shade val="50000"/>
+            </a:schemeClr>
+          </a:lnRef>
+          <a:fillRef idx="1">
+            <a:schemeClr val="accent1"/>
+          </a:fillRef>
+          <a:effectRef idx="0">
+            <a:schemeClr val="accent1"/>
+          </a:effectRef>
+          <a:fontRef idx="minor">
+            <a:schemeClr val="lt1"/>
+          </a:fontRef>
+        </p:style>
+        <p:txBody>
+          <a:bodyPr rtlCol="0" anchor="ctr"/>
+          <a:lstStyle/>
+          <a:p>
+            <a:pPr algn="ctr"/>
+            <a:endParaRPr lang="de-DE"/>
+          </a:p>
+        </p:txBody>
+      </p:sp>
+      <p:sp>
+        <p:nvSpPr>
+          <p:cNvPr id="11" name="Textfeld 10"/>
+          <p:cNvSpPr txBox="1"/>
+          <p:nvPr/>
+        </p:nvSpPr>
+        <p:spPr>
+          <a:xfrm>
+            <a:off x="2868460" y="4879007"/>
+            <a:ext cx="3632548" cy="369332"/>
+          </a:xfrm>
+          <a:prstGeom prst="rect">
+            <a:avLst/>
+          </a:prstGeom>
+          <a:noFill/>
+        </p:spPr>
+        <p:txBody>
+          <a:bodyPr wrap="square" rtlCol="0">
+            <a:spAutoFit/>
+          </a:bodyPr>
+          <a:lstStyle/>
+          <a:p>
+            <a:pPr algn="ctr"/>
+            <a:r>
+              <a:rPr lang="de-DE" dirty="0" smtClean="0"/>
+              <a:t>Datensätze von A und B</a:t>
+            </a:r>
+            <a:endParaRPr lang="de-DE" dirty="0"/>
+          </a:p>
+        </p:txBody>
+      </p:sp>
+    </p:spTree>
+    <p:extLst>
+      <p:ext uri="{BB962C8B-B14F-4D97-AF65-F5344CB8AC3E}">
+        <p14:creationId xmlns:p14="http://schemas.microsoft.com/office/powerpoint/2010/main" val="3356099448"/>
+      </p:ext>
+    </p:extLst>
+  </p:cSld>
+  <p:clrMapOvr>
+    <a:masterClrMapping/>
+  </p:clrMapOvr>
+  <p:timing>
+    <p:tnLst>
+      <p:par>
+        <p:cTn id="1" dur="indefinite" restart="never" nodeType="tmRoot"/>
+      </p:par>
+    </p:tnLst>
+  </p:timing>
+</p:sld>
+</file>
+
+<file path=ppt/slides/slide21.xml><?xml version="1.0" encoding="utf-8"?>
 <p:sld xmlns:a="http://schemas.openxmlformats.org/drawingml/2006/main" xmlns:r="http://schemas.openxmlformats.org/officeDocument/2006/relationships" xmlns:p="http://schemas.openxmlformats.org/presentationml/2006/main">
   <p:cSld>
     <p:spTree>
@@ -11460,7 +11785,7 @@
 </p:sld>
 </file>
 
-<file path=ppt/slides/slide21.xml><?xml version="1.0" encoding="utf-8"?>
+<file path=ppt/slides/slide22.xml><?xml version="1.0" encoding="utf-8"?>
 <p:sld xmlns:a="http://schemas.openxmlformats.org/drawingml/2006/main" xmlns:r="http://schemas.openxmlformats.org/officeDocument/2006/relationships" xmlns:p="http://schemas.openxmlformats.org/presentationml/2006/main">
   <p:cSld>
     <p:spTree>
@@ -12109,7 +12434,7 @@
 </p:sld>
 </file>
 
-<file path=ppt/slides/slide22.xml><?xml version="1.0" encoding="utf-8"?>
+<file path=ppt/slides/slide23.xml><?xml version="1.0" encoding="utf-8"?>
 <p:sld xmlns:a="http://schemas.openxmlformats.org/drawingml/2006/main" xmlns:r="http://schemas.openxmlformats.org/officeDocument/2006/relationships" xmlns:p="http://schemas.openxmlformats.org/presentationml/2006/main">
   <p:cSld>
     <p:spTree>
@@ -12749,7 +13074,7 @@
 </p:sld>
 </file>
 
-<file path=ppt/slides/slide23.xml><?xml version="1.0" encoding="utf-8"?>
+<file path=ppt/slides/slide24.xml><?xml version="1.0" encoding="utf-8"?>
 <p:sld xmlns:a="http://schemas.openxmlformats.org/drawingml/2006/main" xmlns:r="http://schemas.openxmlformats.org/officeDocument/2006/relationships" xmlns:p="http://schemas.openxmlformats.org/presentationml/2006/main">
   <p:cSld>
     <p:spTree>
@@ -13387,7 +13712,2171 @@
 </p:sld>
 </file>
 
-<file path=ppt/slides/slide24.xml><?xml version="1.0" encoding="utf-8"?>
+<file path=ppt/slides/slide25.xml><?xml version="1.0" encoding="utf-8"?>
+<p:sld xmlns:a="http://schemas.openxmlformats.org/drawingml/2006/main" xmlns:r="http://schemas.openxmlformats.org/officeDocument/2006/relationships" xmlns:p="http://schemas.openxmlformats.org/presentationml/2006/main">
+  <p:cSld>
+    <p:spTree>
+      <p:nvGrpSpPr>
+        <p:cNvPr id="1" name=""/>
+        <p:cNvGrpSpPr/>
+        <p:nvPr/>
+      </p:nvGrpSpPr>
+      <p:grpSpPr>
+        <a:xfrm>
+          <a:off x="0" y="0"/>
+          <a:ext cx="0" cy="0"/>
+          <a:chOff x="0" y="0"/>
+          <a:chExt cx="0" cy="0"/>
+        </a:xfrm>
+      </p:grpSpPr>
+      <p:sp>
+        <p:nvSpPr>
+          <p:cNvPr id="4" name="Textplatzhalter 3"/>
+          <p:cNvSpPr>
+            <a:spLocks noGrp="1"/>
+          </p:cNvSpPr>
+          <p:nvPr>
+            <p:ph type="body" sz="quarter" idx="11"/>
+          </p:nvPr>
+        </p:nvSpPr>
+        <p:spPr/>
+        <p:txBody>
+          <a:bodyPr/>
+          <a:lstStyle/>
+          <a:p>
+            <a:r>
+              <a:rPr lang="de-DE" dirty="0" err="1" smtClean="0"/>
+              <a:t>Joins</a:t>
+            </a:r>
+            <a:r>
+              <a:rPr lang="de-DE" dirty="0" smtClean="0"/>
+              <a:t> Zusammenfassung</a:t>
+            </a:r>
+            <a:endParaRPr lang="de-DE" dirty="0"/>
+          </a:p>
+        </p:txBody>
+      </p:sp>
+      <p:sp>
+        <p:nvSpPr>
+          <p:cNvPr id="5" name="Freihandform 4"/>
+          <p:cNvSpPr/>
+          <p:nvPr/>
+        </p:nvSpPr>
+        <p:spPr>
+          <a:xfrm>
+            <a:off x="3028755" y="1452298"/>
+            <a:ext cx="574110" cy="1307404"/>
+          </a:xfrm>
+          <a:custGeom>
+            <a:avLst/>
+            <a:gdLst>
+              <a:gd name="connsiteX0" fmla="*/ 287055 w 574110"/>
+              <a:gd name="connsiteY0" fmla="*/ 0 h 1307404"/>
+              <a:gd name="connsiteX1" fmla="*/ 311791 w 574110"/>
+              <a:gd name="connsiteY1" fmla="*/ 20409 h 1307404"/>
+              <a:gd name="connsiteX2" fmla="*/ 574110 w 574110"/>
+              <a:gd name="connsiteY2" fmla="*/ 653702 h 1307404"/>
+              <a:gd name="connsiteX3" fmla="*/ 311791 w 574110"/>
+              <a:gd name="connsiteY3" fmla="*/ 1286995 h 1307404"/>
+              <a:gd name="connsiteX4" fmla="*/ 287055 w 574110"/>
+              <a:gd name="connsiteY4" fmla="*/ 1307404 h 1307404"/>
+              <a:gd name="connsiteX5" fmla="*/ 262319 w 574110"/>
+              <a:gd name="connsiteY5" fmla="*/ 1286995 h 1307404"/>
+              <a:gd name="connsiteX6" fmla="*/ 0 w 574110"/>
+              <a:gd name="connsiteY6" fmla="*/ 653702 h 1307404"/>
+              <a:gd name="connsiteX7" fmla="*/ 262319 w 574110"/>
+              <a:gd name="connsiteY7" fmla="*/ 20409 h 1307404"/>
+              <a:gd name="connsiteX8" fmla="*/ 287055 w 574110"/>
+              <a:gd name="connsiteY8" fmla="*/ 0 h 1307404"/>
+            </a:gdLst>
+            <a:ahLst/>
+            <a:cxnLst>
+              <a:cxn ang="0">
+                <a:pos x="connsiteX0" y="connsiteY0"/>
+              </a:cxn>
+              <a:cxn ang="0">
+                <a:pos x="connsiteX1" y="connsiteY1"/>
+              </a:cxn>
+              <a:cxn ang="0">
+                <a:pos x="connsiteX2" y="connsiteY2"/>
+              </a:cxn>
+              <a:cxn ang="0">
+                <a:pos x="connsiteX3" y="connsiteY3"/>
+              </a:cxn>
+              <a:cxn ang="0">
+                <a:pos x="connsiteX4" y="connsiteY4"/>
+              </a:cxn>
+              <a:cxn ang="0">
+                <a:pos x="connsiteX5" y="connsiteY5"/>
+              </a:cxn>
+              <a:cxn ang="0">
+                <a:pos x="connsiteX6" y="connsiteY6"/>
+              </a:cxn>
+              <a:cxn ang="0">
+                <a:pos x="connsiteX7" y="connsiteY7"/>
+              </a:cxn>
+              <a:cxn ang="0">
+                <a:pos x="connsiteX8" y="connsiteY8"/>
+              </a:cxn>
+            </a:cxnLst>
+            <a:rect l="l" t="t" r="r" b="b"/>
+            <a:pathLst>
+              <a:path w="574110" h="1307404">
+                <a:moveTo>
+                  <a:pt x="287055" y="0"/>
+                </a:moveTo>
+                <a:lnTo>
+                  <a:pt x="311791" y="20409"/>
+                </a:lnTo>
+                <a:cubicBezTo>
+                  <a:pt x="473865" y="182483"/>
+                  <a:pt x="574110" y="406386"/>
+                  <a:pt x="574110" y="653702"/>
+                </a:cubicBezTo>
+                <a:cubicBezTo>
+                  <a:pt x="574110" y="901018"/>
+                  <a:pt x="473865" y="1124921"/>
+                  <a:pt x="311791" y="1286995"/>
+                </a:cubicBezTo>
+                <a:lnTo>
+                  <a:pt x="287055" y="1307404"/>
+                </a:lnTo>
+                <a:lnTo>
+                  <a:pt x="262319" y="1286995"/>
+                </a:lnTo>
+                <a:cubicBezTo>
+                  <a:pt x="100245" y="1124921"/>
+                  <a:pt x="0" y="901018"/>
+                  <a:pt x="0" y="653702"/>
+                </a:cubicBezTo>
+                <a:cubicBezTo>
+                  <a:pt x="0" y="406386"/>
+                  <a:pt x="100245" y="182483"/>
+                  <a:pt x="262319" y="20409"/>
+                </a:cubicBezTo>
+                <a:lnTo>
+                  <a:pt x="287055" y="0"/>
+                </a:lnTo>
+                <a:close/>
+              </a:path>
+            </a:pathLst>
+          </a:custGeom>
+          <a:solidFill>
+            <a:srgbClr val="00B0F0"/>
+          </a:solidFill>
+        </p:spPr>
+        <p:style>
+          <a:lnRef idx="2">
+            <a:schemeClr val="accent1">
+              <a:shade val="50000"/>
+            </a:schemeClr>
+          </a:lnRef>
+          <a:fillRef idx="1">
+            <a:schemeClr val="accent1"/>
+          </a:fillRef>
+          <a:effectRef idx="0">
+            <a:schemeClr val="accent1"/>
+          </a:effectRef>
+          <a:fontRef idx="minor">
+            <a:schemeClr val="lt1"/>
+          </a:fontRef>
+        </p:style>
+        <p:txBody>
+          <a:bodyPr rtlCol="0" anchor="ctr"/>
+          <a:lstStyle/>
+          <a:p>
+            <a:pPr algn="ctr"/>
+            <a:endParaRPr lang="de-DE"/>
+          </a:p>
+        </p:txBody>
+      </p:sp>
+      <p:sp>
+        <p:nvSpPr>
+          <p:cNvPr id="6" name="Freihandform 5"/>
+          <p:cNvSpPr/>
+          <p:nvPr/>
+        </p:nvSpPr>
+        <p:spPr>
+          <a:xfrm>
+            <a:off x="1811644" y="1210389"/>
+            <a:ext cx="1504167" cy="1791222"/>
+          </a:xfrm>
+          <a:custGeom>
+            <a:avLst/>
+            <a:gdLst>
+              <a:gd name="connsiteX0" fmla="*/ 895611 w 1504167"/>
+              <a:gd name="connsiteY0" fmla="*/ 0 h 1791222"/>
+              <a:gd name="connsiteX1" fmla="*/ 1396355 w 1504167"/>
+              <a:gd name="connsiteY1" fmla="*/ 152956 h 1791222"/>
+              <a:gd name="connsiteX2" fmla="*/ 1504167 w 1504167"/>
+              <a:gd name="connsiteY2" fmla="*/ 241909 h 1791222"/>
+              <a:gd name="connsiteX3" fmla="*/ 1479431 w 1504167"/>
+              <a:gd name="connsiteY3" fmla="*/ 262318 h 1791222"/>
+              <a:gd name="connsiteX4" fmla="*/ 1217112 w 1504167"/>
+              <a:gd name="connsiteY4" fmla="*/ 895611 h 1791222"/>
+              <a:gd name="connsiteX5" fmla="*/ 1479431 w 1504167"/>
+              <a:gd name="connsiteY5" fmla="*/ 1528904 h 1791222"/>
+              <a:gd name="connsiteX6" fmla="*/ 1504167 w 1504167"/>
+              <a:gd name="connsiteY6" fmla="*/ 1549313 h 1791222"/>
+              <a:gd name="connsiteX7" fmla="*/ 1396355 w 1504167"/>
+              <a:gd name="connsiteY7" fmla="*/ 1638266 h 1791222"/>
+              <a:gd name="connsiteX8" fmla="*/ 895611 w 1504167"/>
+              <a:gd name="connsiteY8" fmla="*/ 1791222 h 1791222"/>
+              <a:gd name="connsiteX9" fmla="*/ 0 w 1504167"/>
+              <a:gd name="connsiteY9" fmla="*/ 895611 h 1791222"/>
+              <a:gd name="connsiteX10" fmla="*/ 895611 w 1504167"/>
+              <a:gd name="connsiteY10" fmla="*/ 0 h 1791222"/>
+            </a:gdLst>
+            <a:ahLst/>
+            <a:cxnLst>
+              <a:cxn ang="0">
+                <a:pos x="connsiteX0" y="connsiteY0"/>
+              </a:cxn>
+              <a:cxn ang="0">
+                <a:pos x="connsiteX1" y="connsiteY1"/>
+              </a:cxn>
+              <a:cxn ang="0">
+                <a:pos x="connsiteX2" y="connsiteY2"/>
+              </a:cxn>
+              <a:cxn ang="0">
+                <a:pos x="connsiteX3" y="connsiteY3"/>
+              </a:cxn>
+              <a:cxn ang="0">
+                <a:pos x="connsiteX4" y="connsiteY4"/>
+              </a:cxn>
+              <a:cxn ang="0">
+                <a:pos x="connsiteX5" y="connsiteY5"/>
+              </a:cxn>
+              <a:cxn ang="0">
+                <a:pos x="connsiteX6" y="connsiteY6"/>
+              </a:cxn>
+              <a:cxn ang="0">
+                <a:pos x="connsiteX7" y="connsiteY7"/>
+              </a:cxn>
+              <a:cxn ang="0">
+                <a:pos x="connsiteX8" y="connsiteY8"/>
+              </a:cxn>
+              <a:cxn ang="0">
+                <a:pos x="connsiteX9" y="connsiteY9"/>
+              </a:cxn>
+              <a:cxn ang="0">
+                <a:pos x="connsiteX10" y="connsiteY10"/>
+              </a:cxn>
+            </a:cxnLst>
+            <a:rect l="l" t="t" r="r" b="b"/>
+            <a:pathLst>
+              <a:path w="1504167" h="1791222">
+                <a:moveTo>
+                  <a:pt x="895611" y="0"/>
+                </a:moveTo>
+                <a:cubicBezTo>
+                  <a:pt x="1081098" y="0"/>
+                  <a:pt x="1253415" y="56388"/>
+                  <a:pt x="1396355" y="152956"/>
+                </a:cubicBezTo>
+                <a:lnTo>
+                  <a:pt x="1504167" y="241909"/>
+                </a:lnTo>
+                <a:lnTo>
+                  <a:pt x="1479431" y="262318"/>
+                </a:lnTo>
+                <a:cubicBezTo>
+                  <a:pt x="1317357" y="424392"/>
+                  <a:pt x="1217112" y="648295"/>
+                  <a:pt x="1217112" y="895611"/>
+                </a:cubicBezTo>
+                <a:cubicBezTo>
+                  <a:pt x="1217112" y="1142927"/>
+                  <a:pt x="1317357" y="1366830"/>
+                  <a:pt x="1479431" y="1528904"/>
+                </a:cubicBezTo>
+                <a:lnTo>
+                  <a:pt x="1504167" y="1549313"/>
+                </a:lnTo>
+                <a:lnTo>
+                  <a:pt x="1396355" y="1638266"/>
+                </a:lnTo>
+                <a:cubicBezTo>
+                  <a:pt x="1253415" y="1734835"/>
+                  <a:pt x="1081098" y="1791222"/>
+                  <a:pt x="895611" y="1791222"/>
+                </a:cubicBezTo>
+                <a:cubicBezTo>
+                  <a:pt x="400979" y="1791222"/>
+                  <a:pt x="0" y="1390243"/>
+                  <a:pt x="0" y="895611"/>
+                </a:cubicBezTo>
+                <a:cubicBezTo>
+                  <a:pt x="0" y="400979"/>
+                  <a:pt x="400979" y="0"/>
+                  <a:pt x="895611" y="0"/>
+                </a:cubicBezTo>
+                <a:close/>
+              </a:path>
+            </a:pathLst>
+          </a:custGeom>
+          <a:solidFill>
+            <a:srgbClr val="92D050"/>
+          </a:solidFill>
+        </p:spPr>
+        <p:style>
+          <a:lnRef idx="2">
+            <a:schemeClr val="accent1">
+              <a:shade val="50000"/>
+            </a:schemeClr>
+          </a:lnRef>
+          <a:fillRef idx="1">
+            <a:schemeClr val="accent1"/>
+          </a:fillRef>
+          <a:effectRef idx="0">
+            <a:schemeClr val="accent1"/>
+          </a:effectRef>
+          <a:fontRef idx="minor">
+            <a:schemeClr val="lt1"/>
+          </a:fontRef>
+        </p:style>
+        <p:txBody>
+          <a:bodyPr rtlCol="0" anchor="ctr"/>
+          <a:lstStyle/>
+          <a:p>
+            <a:pPr algn="ctr"/>
+            <a:endParaRPr lang="de-DE"/>
+          </a:p>
+        </p:txBody>
+      </p:sp>
+      <p:sp>
+        <p:nvSpPr>
+          <p:cNvPr id="7" name="Freihandform 6"/>
+          <p:cNvSpPr/>
+          <p:nvPr/>
+        </p:nvSpPr>
+        <p:spPr>
+          <a:xfrm>
+            <a:off x="3315811" y="1210389"/>
+            <a:ext cx="1504167" cy="1791222"/>
+          </a:xfrm>
+          <a:custGeom>
+            <a:avLst/>
+            <a:gdLst>
+              <a:gd name="connsiteX0" fmla="*/ 608556 w 1504167"/>
+              <a:gd name="connsiteY0" fmla="*/ 0 h 1791222"/>
+              <a:gd name="connsiteX1" fmla="*/ 1504167 w 1504167"/>
+              <a:gd name="connsiteY1" fmla="*/ 895611 h 1791222"/>
+              <a:gd name="connsiteX2" fmla="*/ 608556 w 1504167"/>
+              <a:gd name="connsiteY2" fmla="*/ 1791222 h 1791222"/>
+              <a:gd name="connsiteX3" fmla="*/ 107812 w 1504167"/>
+              <a:gd name="connsiteY3" fmla="*/ 1638266 h 1791222"/>
+              <a:gd name="connsiteX4" fmla="*/ 0 w 1504167"/>
+              <a:gd name="connsiteY4" fmla="*/ 1549313 h 1791222"/>
+              <a:gd name="connsiteX5" fmla="*/ 24736 w 1504167"/>
+              <a:gd name="connsiteY5" fmla="*/ 1528904 h 1791222"/>
+              <a:gd name="connsiteX6" fmla="*/ 287055 w 1504167"/>
+              <a:gd name="connsiteY6" fmla="*/ 895611 h 1791222"/>
+              <a:gd name="connsiteX7" fmla="*/ 24736 w 1504167"/>
+              <a:gd name="connsiteY7" fmla="*/ 262318 h 1791222"/>
+              <a:gd name="connsiteX8" fmla="*/ 0 w 1504167"/>
+              <a:gd name="connsiteY8" fmla="*/ 241909 h 1791222"/>
+              <a:gd name="connsiteX9" fmla="*/ 107812 w 1504167"/>
+              <a:gd name="connsiteY9" fmla="*/ 152956 h 1791222"/>
+              <a:gd name="connsiteX10" fmla="*/ 608556 w 1504167"/>
+              <a:gd name="connsiteY10" fmla="*/ 0 h 1791222"/>
+            </a:gdLst>
+            <a:ahLst/>
+            <a:cxnLst>
+              <a:cxn ang="0">
+                <a:pos x="connsiteX0" y="connsiteY0"/>
+              </a:cxn>
+              <a:cxn ang="0">
+                <a:pos x="connsiteX1" y="connsiteY1"/>
+              </a:cxn>
+              <a:cxn ang="0">
+                <a:pos x="connsiteX2" y="connsiteY2"/>
+              </a:cxn>
+              <a:cxn ang="0">
+                <a:pos x="connsiteX3" y="connsiteY3"/>
+              </a:cxn>
+              <a:cxn ang="0">
+                <a:pos x="connsiteX4" y="connsiteY4"/>
+              </a:cxn>
+              <a:cxn ang="0">
+                <a:pos x="connsiteX5" y="connsiteY5"/>
+              </a:cxn>
+              <a:cxn ang="0">
+                <a:pos x="connsiteX6" y="connsiteY6"/>
+              </a:cxn>
+              <a:cxn ang="0">
+                <a:pos x="connsiteX7" y="connsiteY7"/>
+              </a:cxn>
+              <a:cxn ang="0">
+                <a:pos x="connsiteX8" y="connsiteY8"/>
+              </a:cxn>
+              <a:cxn ang="0">
+                <a:pos x="connsiteX9" y="connsiteY9"/>
+              </a:cxn>
+              <a:cxn ang="0">
+                <a:pos x="connsiteX10" y="connsiteY10"/>
+              </a:cxn>
+            </a:cxnLst>
+            <a:rect l="l" t="t" r="r" b="b"/>
+            <a:pathLst>
+              <a:path w="1504167" h="1791222">
+                <a:moveTo>
+                  <a:pt x="608556" y="0"/>
+                </a:moveTo>
+                <a:cubicBezTo>
+                  <a:pt x="1103188" y="0"/>
+                  <a:pt x="1504167" y="400979"/>
+                  <a:pt x="1504167" y="895611"/>
+                </a:cubicBezTo>
+                <a:cubicBezTo>
+                  <a:pt x="1504167" y="1390243"/>
+                  <a:pt x="1103188" y="1791222"/>
+                  <a:pt x="608556" y="1791222"/>
+                </a:cubicBezTo>
+                <a:cubicBezTo>
+                  <a:pt x="423069" y="1791222"/>
+                  <a:pt x="250752" y="1734835"/>
+                  <a:pt x="107812" y="1638266"/>
+                </a:cubicBezTo>
+                <a:lnTo>
+                  <a:pt x="0" y="1549313"/>
+                </a:lnTo>
+                <a:lnTo>
+                  <a:pt x="24736" y="1528904"/>
+                </a:lnTo>
+                <a:cubicBezTo>
+                  <a:pt x="186810" y="1366830"/>
+                  <a:pt x="287055" y="1142927"/>
+                  <a:pt x="287055" y="895611"/>
+                </a:cubicBezTo>
+                <a:cubicBezTo>
+                  <a:pt x="287055" y="648295"/>
+                  <a:pt x="186810" y="424392"/>
+                  <a:pt x="24736" y="262318"/>
+                </a:cubicBezTo>
+                <a:lnTo>
+                  <a:pt x="0" y="241909"/>
+                </a:lnTo>
+                <a:lnTo>
+                  <a:pt x="107812" y="152956"/>
+                </a:lnTo>
+                <a:cubicBezTo>
+                  <a:pt x="250752" y="56388"/>
+                  <a:pt x="423069" y="0"/>
+                  <a:pt x="608556" y="0"/>
+                </a:cubicBezTo>
+                <a:close/>
+              </a:path>
+            </a:pathLst>
+          </a:custGeom>
+          <a:solidFill>
+            <a:srgbClr val="FFC000"/>
+          </a:solidFill>
+        </p:spPr>
+        <p:style>
+          <a:lnRef idx="2">
+            <a:schemeClr val="accent1">
+              <a:shade val="50000"/>
+            </a:schemeClr>
+          </a:lnRef>
+          <a:fillRef idx="1">
+            <a:schemeClr val="accent1"/>
+          </a:fillRef>
+          <a:effectRef idx="0">
+            <a:schemeClr val="accent1"/>
+          </a:effectRef>
+          <a:fontRef idx="minor">
+            <a:schemeClr val="lt1"/>
+          </a:fontRef>
+        </p:style>
+        <p:txBody>
+          <a:bodyPr rtlCol="0" anchor="ctr"/>
+          <a:lstStyle/>
+          <a:p>
+            <a:pPr algn="ctr"/>
+            <a:endParaRPr lang="de-DE"/>
+          </a:p>
+        </p:txBody>
+      </p:sp>
+      <p:sp>
+        <p:nvSpPr>
+          <p:cNvPr id="8" name="Textfeld 7"/>
+          <p:cNvSpPr txBox="1"/>
+          <p:nvPr/>
+        </p:nvSpPr>
+        <p:spPr>
+          <a:xfrm>
+            <a:off x="2450471" y="1721279"/>
+            <a:ext cx="475988" cy="769441"/>
+          </a:xfrm>
+          <a:prstGeom prst="rect">
+            <a:avLst/>
+          </a:prstGeom>
+          <a:noFill/>
+        </p:spPr>
+        <p:txBody>
+          <a:bodyPr wrap="square" rtlCol="0">
+            <a:spAutoFit/>
+          </a:bodyPr>
+          <a:lstStyle/>
+          <a:p>
+            <a:pPr algn="ctr"/>
+            <a:r>
+              <a:rPr lang="de-DE" sz="4400" dirty="0" smtClean="0">
+                <a:solidFill>
+                  <a:schemeClr val="bg1"/>
+                </a:solidFill>
+              </a:rPr>
+              <a:t>A</a:t>
+            </a:r>
+            <a:endParaRPr lang="de-DE" dirty="0">
+              <a:solidFill>
+                <a:schemeClr val="bg1"/>
+              </a:solidFill>
+            </a:endParaRPr>
+          </a:p>
+        </p:txBody>
+      </p:sp>
+      <p:sp>
+        <p:nvSpPr>
+          <p:cNvPr id="9" name="Textfeld 8"/>
+          <p:cNvSpPr txBox="1"/>
+          <p:nvPr/>
+        </p:nvSpPr>
+        <p:spPr>
+          <a:xfrm>
+            <a:off x="3660276" y="1721278"/>
+            <a:ext cx="475988" cy="769441"/>
+          </a:xfrm>
+          <a:prstGeom prst="rect">
+            <a:avLst/>
+          </a:prstGeom>
+          <a:noFill/>
+        </p:spPr>
+        <p:txBody>
+          <a:bodyPr wrap="square" rtlCol="0">
+            <a:spAutoFit/>
+          </a:bodyPr>
+          <a:lstStyle/>
+          <a:p>
+            <a:pPr algn="ctr"/>
+            <a:r>
+              <a:rPr lang="de-DE" sz="4400" dirty="0" smtClean="0">
+                <a:solidFill>
+                  <a:schemeClr val="bg1"/>
+                </a:solidFill>
+              </a:rPr>
+              <a:t>B</a:t>
+            </a:r>
+            <a:endParaRPr lang="de-DE" dirty="0">
+              <a:solidFill>
+                <a:schemeClr val="bg1"/>
+              </a:solidFill>
+            </a:endParaRPr>
+          </a:p>
+        </p:txBody>
+      </p:sp>
+      <p:sp>
+        <p:nvSpPr>
+          <p:cNvPr id="10" name="Freihandform 9"/>
+          <p:cNvSpPr/>
+          <p:nvPr/>
+        </p:nvSpPr>
+        <p:spPr>
+          <a:xfrm>
+            <a:off x="6706970" y="1452298"/>
+            <a:ext cx="574110" cy="1307404"/>
+          </a:xfrm>
+          <a:custGeom>
+            <a:avLst/>
+            <a:gdLst>
+              <a:gd name="connsiteX0" fmla="*/ 287055 w 574110"/>
+              <a:gd name="connsiteY0" fmla="*/ 0 h 1307404"/>
+              <a:gd name="connsiteX1" fmla="*/ 311791 w 574110"/>
+              <a:gd name="connsiteY1" fmla="*/ 20409 h 1307404"/>
+              <a:gd name="connsiteX2" fmla="*/ 574110 w 574110"/>
+              <a:gd name="connsiteY2" fmla="*/ 653702 h 1307404"/>
+              <a:gd name="connsiteX3" fmla="*/ 311791 w 574110"/>
+              <a:gd name="connsiteY3" fmla="*/ 1286995 h 1307404"/>
+              <a:gd name="connsiteX4" fmla="*/ 287055 w 574110"/>
+              <a:gd name="connsiteY4" fmla="*/ 1307404 h 1307404"/>
+              <a:gd name="connsiteX5" fmla="*/ 262319 w 574110"/>
+              <a:gd name="connsiteY5" fmla="*/ 1286995 h 1307404"/>
+              <a:gd name="connsiteX6" fmla="*/ 0 w 574110"/>
+              <a:gd name="connsiteY6" fmla="*/ 653702 h 1307404"/>
+              <a:gd name="connsiteX7" fmla="*/ 262319 w 574110"/>
+              <a:gd name="connsiteY7" fmla="*/ 20409 h 1307404"/>
+              <a:gd name="connsiteX8" fmla="*/ 287055 w 574110"/>
+              <a:gd name="connsiteY8" fmla="*/ 0 h 1307404"/>
+            </a:gdLst>
+            <a:ahLst/>
+            <a:cxnLst>
+              <a:cxn ang="0">
+                <a:pos x="connsiteX0" y="connsiteY0"/>
+              </a:cxn>
+              <a:cxn ang="0">
+                <a:pos x="connsiteX1" y="connsiteY1"/>
+              </a:cxn>
+              <a:cxn ang="0">
+                <a:pos x="connsiteX2" y="connsiteY2"/>
+              </a:cxn>
+              <a:cxn ang="0">
+                <a:pos x="connsiteX3" y="connsiteY3"/>
+              </a:cxn>
+              <a:cxn ang="0">
+                <a:pos x="connsiteX4" y="connsiteY4"/>
+              </a:cxn>
+              <a:cxn ang="0">
+                <a:pos x="connsiteX5" y="connsiteY5"/>
+              </a:cxn>
+              <a:cxn ang="0">
+                <a:pos x="connsiteX6" y="connsiteY6"/>
+              </a:cxn>
+              <a:cxn ang="0">
+                <a:pos x="connsiteX7" y="connsiteY7"/>
+              </a:cxn>
+              <a:cxn ang="0">
+                <a:pos x="connsiteX8" y="connsiteY8"/>
+              </a:cxn>
+            </a:cxnLst>
+            <a:rect l="l" t="t" r="r" b="b"/>
+            <a:pathLst>
+              <a:path w="574110" h="1307404">
+                <a:moveTo>
+                  <a:pt x="287055" y="0"/>
+                </a:moveTo>
+                <a:lnTo>
+                  <a:pt x="311791" y="20409"/>
+                </a:lnTo>
+                <a:cubicBezTo>
+                  <a:pt x="473865" y="182483"/>
+                  <a:pt x="574110" y="406386"/>
+                  <a:pt x="574110" y="653702"/>
+                </a:cubicBezTo>
+                <a:cubicBezTo>
+                  <a:pt x="574110" y="901018"/>
+                  <a:pt x="473865" y="1124921"/>
+                  <a:pt x="311791" y="1286995"/>
+                </a:cubicBezTo>
+                <a:lnTo>
+                  <a:pt x="287055" y="1307404"/>
+                </a:lnTo>
+                <a:lnTo>
+                  <a:pt x="262319" y="1286995"/>
+                </a:lnTo>
+                <a:cubicBezTo>
+                  <a:pt x="100245" y="1124921"/>
+                  <a:pt x="0" y="901018"/>
+                  <a:pt x="0" y="653702"/>
+                </a:cubicBezTo>
+                <a:cubicBezTo>
+                  <a:pt x="0" y="406386"/>
+                  <a:pt x="100245" y="182483"/>
+                  <a:pt x="262319" y="20409"/>
+                </a:cubicBezTo>
+                <a:lnTo>
+                  <a:pt x="287055" y="0"/>
+                </a:lnTo>
+                <a:close/>
+              </a:path>
+            </a:pathLst>
+          </a:custGeom>
+          <a:solidFill>
+            <a:srgbClr val="00B0F0"/>
+          </a:solidFill>
+        </p:spPr>
+        <p:style>
+          <a:lnRef idx="2">
+            <a:schemeClr val="accent1">
+              <a:shade val="50000"/>
+            </a:schemeClr>
+          </a:lnRef>
+          <a:fillRef idx="1">
+            <a:schemeClr val="accent1"/>
+          </a:fillRef>
+          <a:effectRef idx="0">
+            <a:schemeClr val="accent1"/>
+          </a:effectRef>
+          <a:fontRef idx="minor">
+            <a:schemeClr val="lt1"/>
+          </a:fontRef>
+        </p:style>
+        <p:txBody>
+          <a:bodyPr rtlCol="0" anchor="ctr"/>
+          <a:lstStyle/>
+          <a:p>
+            <a:pPr algn="ctr"/>
+            <a:endParaRPr lang="de-DE"/>
+          </a:p>
+        </p:txBody>
+      </p:sp>
+      <p:sp>
+        <p:nvSpPr>
+          <p:cNvPr id="11" name="Freihandform 10"/>
+          <p:cNvSpPr/>
+          <p:nvPr/>
+        </p:nvSpPr>
+        <p:spPr>
+          <a:xfrm>
+            <a:off x="5489859" y="1210389"/>
+            <a:ext cx="1504167" cy="1791222"/>
+          </a:xfrm>
+          <a:custGeom>
+            <a:avLst/>
+            <a:gdLst>
+              <a:gd name="connsiteX0" fmla="*/ 895611 w 1504167"/>
+              <a:gd name="connsiteY0" fmla="*/ 0 h 1791222"/>
+              <a:gd name="connsiteX1" fmla="*/ 1396355 w 1504167"/>
+              <a:gd name="connsiteY1" fmla="*/ 152956 h 1791222"/>
+              <a:gd name="connsiteX2" fmla="*/ 1504167 w 1504167"/>
+              <a:gd name="connsiteY2" fmla="*/ 241909 h 1791222"/>
+              <a:gd name="connsiteX3" fmla="*/ 1479431 w 1504167"/>
+              <a:gd name="connsiteY3" fmla="*/ 262318 h 1791222"/>
+              <a:gd name="connsiteX4" fmla="*/ 1217112 w 1504167"/>
+              <a:gd name="connsiteY4" fmla="*/ 895611 h 1791222"/>
+              <a:gd name="connsiteX5" fmla="*/ 1479431 w 1504167"/>
+              <a:gd name="connsiteY5" fmla="*/ 1528904 h 1791222"/>
+              <a:gd name="connsiteX6" fmla="*/ 1504167 w 1504167"/>
+              <a:gd name="connsiteY6" fmla="*/ 1549313 h 1791222"/>
+              <a:gd name="connsiteX7" fmla="*/ 1396355 w 1504167"/>
+              <a:gd name="connsiteY7" fmla="*/ 1638266 h 1791222"/>
+              <a:gd name="connsiteX8" fmla="*/ 895611 w 1504167"/>
+              <a:gd name="connsiteY8" fmla="*/ 1791222 h 1791222"/>
+              <a:gd name="connsiteX9" fmla="*/ 0 w 1504167"/>
+              <a:gd name="connsiteY9" fmla="*/ 895611 h 1791222"/>
+              <a:gd name="connsiteX10" fmla="*/ 895611 w 1504167"/>
+              <a:gd name="connsiteY10" fmla="*/ 0 h 1791222"/>
+            </a:gdLst>
+            <a:ahLst/>
+            <a:cxnLst>
+              <a:cxn ang="0">
+                <a:pos x="connsiteX0" y="connsiteY0"/>
+              </a:cxn>
+              <a:cxn ang="0">
+                <a:pos x="connsiteX1" y="connsiteY1"/>
+              </a:cxn>
+              <a:cxn ang="0">
+                <a:pos x="connsiteX2" y="connsiteY2"/>
+              </a:cxn>
+              <a:cxn ang="0">
+                <a:pos x="connsiteX3" y="connsiteY3"/>
+              </a:cxn>
+              <a:cxn ang="0">
+                <a:pos x="connsiteX4" y="connsiteY4"/>
+              </a:cxn>
+              <a:cxn ang="0">
+                <a:pos x="connsiteX5" y="connsiteY5"/>
+              </a:cxn>
+              <a:cxn ang="0">
+                <a:pos x="connsiteX6" y="connsiteY6"/>
+              </a:cxn>
+              <a:cxn ang="0">
+                <a:pos x="connsiteX7" y="connsiteY7"/>
+              </a:cxn>
+              <a:cxn ang="0">
+                <a:pos x="connsiteX8" y="connsiteY8"/>
+              </a:cxn>
+              <a:cxn ang="0">
+                <a:pos x="connsiteX9" y="connsiteY9"/>
+              </a:cxn>
+              <a:cxn ang="0">
+                <a:pos x="connsiteX10" y="connsiteY10"/>
+              </a:cxn>
+            </a:cxnLst>
+            <a:rect l="l" t="t" r="r" b="b"/>
+            <a:pathLst>
+              <a:path w="1504167" h="1791222">
+                <a:moveTo>
+                  <a:pt x="895611" y="0"/>
+                </a:moveTo>
+                <a:cubicBezTo>
+                  <a:pt x="1081098" y="0"/>
+                  <a:pt x="1253415" y="56388"/>
+                  <a:pt x="1396355" y="152956"/>
+                </a:cubicBezTo>
+                <a:lnTo>
+                  <a:pt x="1504167" y="241909"/>
+                </a:lnTo>
+                <a:lnTo>
+                  <a:pt x="1479431" y="262318"/>
+                </a:lnTo>
+                <a:cubicBezTo>
+                  <a:pt x="1317357" y="424392"/>
+                  <a:pt x="1217112" y="648295"/>
+                  <a:pt x="1217112" y="895611"/>
+                </a:cubicBezTo>
+                <a:cubicBezTo>
+                  <a:pt x="1217112" y="1142927"/>
+                  <a:pt x="1317357" y="1366830"/>
+                  <a:pt x="1479431" y="1528904"/>
+                </a:cubicBezTo>
+                <a:lnTo>
+                  <a:pt x="1504167" y="1549313"/>
+                </a:lnTo>
+                <a:lnTo>
+                  <a:pt x="1396355" y="1638266"/>
+                </a:lnTo>
+                <a:cubicBezTo>
+                  <a:pt x="1253415" y="1734835"/>
+                  <a:pt x="1081098" y="1791222"/>
+                  <a:pt x="895611" y="1791222"/>
+                </a:cubicBezTo>
+                <a:cubicBezTo>
+                  <a:pt x="400979" y="1791222"/>
+                  <a:pt x="0" y="1390243"/>
+                  <a:pt x="0" y="895611"/>
+                </a:cubicBezTo>
+                <a:cubicBezTo>
+                  <a:pt x="0" y="400979"/>
+                  <a:pt x="400979" y="0"/>
+                  <a:pt x="895611" y="0"/>
+                </a:cubicBezTo>
+                <a:close/>
+              </a:path>
+            </a:pathLst>
+          </a:custGeom>
+          <a:noFill/>
+        </p:spPr>
+        <p:style>
+          <a:lnRef idx="2">
+            <a:schemeClr val="accent1">
+              <a:shade val="50000"/>
+            </a:schemeClr>
+          </a:lnRef>
+          <a:fillRef idx="1">
+            <a:schemeClr val="accent1"/>
+          </a:fillRef>
+          <a:effectRef idx="0">
+            <a:schemeClr val="accent1"/>
+          </a:effectRef>
+          <a:fontRef idx="minor">
+            <a:schemeClr val="lt1"/>
+          </a:fontRef>
+        </p:style>
+        <p:txBody>
+          <a:bodyPr rtlCol="0" anchor="ctr"/>
+          <a:lstStyle/>
+          <a:p>
+            <a:pPr algn="ctr"/>
+            <a:endParaRPr lang="de-DE"/>
+          </a:p>
+        </p:txBody>
+      </p:sp>
+      <p:sp>
+        <p:nvSpPr>
+          <p:cNvPr id="12" name="Freihandform 11"/>
+          <p:cNvSpPr/>
+          <p:nvPr/>
+        </p:nvSpPr>
+        <p:spPr>
+          <a:xfrm>
+            <a:off x="6994026" y="1210389"/>
+            <a:ext cx="1504167" cy="1791222"/>
+          </a:xfrm>
+          <a:custGeom>
+            <a:avLst/>
+            <a:gdLst>
+              <a:gd name="connsiteX0" fmla="*/ 608556 w 1504167"/>
+              <a:gd name="connsiteY0" fmla="*/ 0 h 1791222"/>
+              <a:gd name="connsiteX1" fmla="*/ 1504167 w 1504167"/>
+              <a:gd name="connsiteY1" fmla="*/ 895611 h 1791222"/>
+              <a:gd name="connsiteX2" fmla="*/ 608556 w 1504167"/>
+              <a:gd name="connsiteY2" fmla="*/ 1791222 h 1791222"/>
+              <a:gd name="connsiteX3" fmla="*/ 107812 w 1504167"/>
+              <a:gd name="connsiteY3" fmla="*/ 1638266 h 1791222"/>
+              <a:gd name="connsiteX4" fmla="*/ 0 w 1504167"/>
+              <a:gd name="connsiteY4" fmla="*/ 1549313 h 1791222"/>
+              <a:gd name="connsiteX5" fmla="*/ 24736 w 1504167"/>
+              <a:gd name="connsiteY5" fmla="*/ 1528904 h 1791222"/>
+              <a:gd name="connsiteX6" fmla="*/ 287055 w 1504167"/>
+              <a:gd name="connsiteY6" fmla="*/ 895611 h 1791222"/>
+              <a:gd name="connsiteX7" fmla="*/ 24736 w 1504167"/>
+              <a:gd name="connsiteY7" fmla="*/ 262318 h 1791222"/>
+              <a:gd name="connsiteX8" fmla="*/ 0 w 1504167"/>
+              <a:gd name="connsiteY8" fmla="*/ 241909 h 1791222"/>
+              <a:gd name="connsiteX9" fmla="*/ 107812 w 1504167"/>
+              <a:gd name="connsiteY9" fmla="*/ 152956 h 1791222"/>
+              <a:gd name="connsiteX10" fmla="*/ 608556 w 1504167"/>
+              <a:gd name="connsiteY10" fmla="*/ 0 h 1791222"/>
+            </a:gdLst>
+            <a:ahLst/>
+            <a:cxnLst>
+              <a:cxn ang="0">
+                <a:pos x="connsiteX0" y="connsiteY0"/>
+              </a:cxn>
+              <a:cxn ang="0">
+                <a:pos x="connsiteX1" y="connsiteY1"/>
+              </a:cxn>
+              <a:cxn ang="0">
+                <a:pos x="connsiteX2" y="connsiteY2"/>
+              </a:cxn>
+              <a:cxn ang="0">
+                <a:pos x="connsiteX3" y="connsiteY3"/>
+              </a:cxn>
+              <a:cxn ang="0">
+                <a:pos x="connsiteX4" y="connsiteY4"/>
+              </a:cxn>
+              <a:cxn ang="0">
+                <a:pos x="connsiteX5" y="connsiteY5"/>
+              </a:cxn>
+              <a:cxn ang="0">
+                <a:pos x="connsiteX6" y="connsiteY6"/>
+              </a:cxn>
+              <a:cxn ang="0">
+                <a:pos x="connsiteX7" y="connsiteY7"/>
+              </a:cxn>
+              <a:cxn ang="0">
+                <a:pos x="connsiteX8" y="connsiteY8"/>
+              </a:cxn>
+              <a:cxn ang="0">
+                <a:pos x="connsiteX9" y="connsiteY9"/>
+              </a:cxn>
+              <a:cxn ang="0">
+                <a:pos x="connsiteX10" y="connsiteY10"/>
+              </a:cxn>
+            </a:cxnLst>
+            <a:rect l="l" t="t" r="r" b="b"/>
+            <a:pathLst>
+              <a:path w="1504167" h="1791222">
+                <a:moveTo>
+                  <a:pt x="608556" y="0"/>
+                </a:moveTo>
+                <a:cubicBezTo>
+                  <a:pt x="1103188" y="0"/>
+                  <a:pt x="1504167" y="400979"/>
+                  <a:pt x="1504167" y="895611"/>
+                </a:cubicBezTo>
+                <a:cubicBezTo>
+                  <a:pt x="1504167" y="1390243"/>
+                  <a:pt x="1103188" y="1791222"/>
+                  <a:pt x="608556" y="1791222"/>
+                </a:cubicBezTo>
+                <a:cubicBezTo>
+                  <a:pt x="423069" y="1791222"/>
+                  <a:pt x="250752" y="1734835"/>
+                  <a:pt x="107812" y="1638266"/>
+                </a:cubicBezTo>
+                <a:lnTo>
+                  <a:pt x="0" y="1549313"/>
+                </a:lnTo>
+                <a:lnTo>
+                  <a:pt x="24736" y="1528904"/>
+                </a:lnTo>
+                <a:cubicBezTo>
+                  <a:pt x="186810" y="1366830"/>
+                  <a:pt x="287055" y="1142927"/>
+                  <a:pt x="287055" y="895611"/>
+                </a:cubicBezTo>
+                <a:cubicBezTo>
+                  <a:pt x="287055" y="648295"/>
+                  <a:pt x="186810" y="424392"/>
+                  <a:pt x="24736" y="262318"/>
+                </a:cubicBezTo>
+                <a:lnTo>
+                  <a:pt x="0" y="241909"/>
+                </a:lnTo>
+                <a:lnTo>
+                  <a:pt x="107812" y="152956"/>
+                </a:lnTo>
+                <a:cubicBezTo>
+                  <a:pt x="250752" y="56388"/>
+                  <a:pt x="423069" y="0"/>
+                  <a:pt x="608556" y="0"/>
+                </a:cubicBezTo>
+                <a:close/>
+              </a:path>
+            </a:pathLst>
+          </a:custGeom>
+          <a:noFill/>
+        </p:spPr>
+        <p:style>
+          <a:lnRef idx="2">
+            <a:schemeClr val="accent1">
+              <a:shade val="50000"/>
+            </a:schemeClr>
+          </a:lnRef>
+          <a:fillRef idx="1">
+            <a:schemeClr val="accent1"/>
+          </a:fillRef>
+          <a:effectRef idx="0">
+            <a:schemeClr val="accent1"/>
+          </a:effectRef>
+          <a:fontRef idx="minor">
+            <a:schemeClr val="lt1"/>
+          </a:fontRef>
+        </p:style>
+        <p:txBody>
+          <a:bodyPr rtlCol="0" anchor="ctr"/>
+          <a:lstStyle/>
+          <a:p>
+            <a:pPr algn="ctr"/>
+            <a:endParaRPr lang="de-DE"/>
+          </a:p>
+        </p:txBody>
+      </p:sp>
+      <p:sp>
+        <p:nvSpPr>
+          <p:cNvPr id="13" name="Textfeld 12"/>
+          <p:cNvSpPr txBox="1"/>
+          <p:nvPr/>
+        </p:nvSpPr>
+        <p:spPr>
+          <a:xfrm>
+            <a:off x="6128686" y="1721279"/>
+            <a:ext cx="475988" cy="769441"/>
+          </a:xfrm>
+          <a:prstGeom prst="rect">
+            <a:avLst/>
+          </a:prstGeom>
+          <a:noFill/>
+        </p:spPr>
+        <p:txBody>
+          <a:bodyPr wrap="square" rtlCol="0">
+            <a:spAutoFit/>
+          </a:bodyPr>
+          <a:lstStyle/>
+          <a:p>
+            <a:pPr algn="ctr"/>
+            <a:r>
+              <a:rPr lang="de-DE" sz="4400" dirty="0" smtClean="0">
+                <a:solidFill>
+                  <a:schemeClr val="tx1">
+                    <a:lumMod val="75000"/>
+                    <a:lumOff val="25000"/>
+                  </a:schemeClr>
+                </a:solidFill>
+              </a:rPr>
+              <a:t>A</a:t>
+            </a:r>
+            <a:endParaRPr lang="de-DE" dirty="0">
+              <a:solidFill>
+                <a:schemeClr val="tx1">
+                  <a:lumMod val="75000"/>
+                  <a:lumOff val="25000"/>
+                </a:schemeClr>
+              </a:solidFill>
+            </a:endParaRPr>
+          </a:p>
+        </p:txBody>
+      </p:sp>
+      <p:sp>
+        <p:nvSpPr>
+          <p:cNvPr id="14" name="Textfeld 13"/>
+          <p:cNvSpPr txBox="1"/>
+          <p:nvPr/>
+        </p:nvSpPr>
+        <p:spPr>
+          <a:xfrm>
+            <a:off x="7338491" y="1721278"/>
+            <a:ext cx="475988" cy="769441"/>
+          </a:xfrm>
+          <a:prstGeom prst="rect">
+            <a:avLst/>
+          </a:prstGeom>
+          <a:noFill/>
+        </p:spPr>
+        <p:txBody>
+          <a:bodyPr wrap="square" rtlCol="0">
+            <a:spAutoFit/>
+          </a:bodyPr>
+          <a:lstStyle/>
+          <a:p>
+            <a:pPr algn="ctr"/>
+            <a:r>
+              <a:rPr lang="de-DE" sz="4400" dirty="0" smtClean="0">
+                <a:solidFill>
+                  <a:schemeClr val="tx1">
+                    <a:lumMod val="75000"/>
+                    <a:lumOff val="25000"/>
+                  </a:schemeClr>
+                </a:solidFill>
+              </a:rPr>
+              <a:t>B</a:t>
+            </a:r>
+            <a:endParaRPr lang="de-DE" dirty="0">
+              <a:solidFill>
+                <a:schemeClr val="tx1">
+                  <a:lumMod val="75000"/>
+                  <a:lumOff val="25000"/>
+                </a:schemeClr>
+              </a:solidFill>
+            </a:endParaRPr>
+          </a:p>
+        </p:txBody>
+      </p:sp>
+      <p:sp>
+        <p:nvSpPr>
+          <p:cNvPr id="15" name="Freihandform 14"/>
+          <p:cNvSpPr/>
+          <p:nvPr/>
+        </p:nvSpPr>
+        <p:spPr>
+          <a:xfrm>
+            <a:off x="2955392" y="4260085"/>
+            <a:ext cx="574110" cy="1307404"/>
+          </a:xfrm>
+          <a:custGeom>
+            <a:avLst/>
+            <a:gdLst>
+              <a:gd name="connsiteX0" fmla="*/ 287055 w 574110"/>
+              <a:gd name="connsiteY0" fmla="*/ 0 h 1307404"/>
+              <a:gd name="connsiteX1" fmla="*/ 311791 w 574110"/>
+              <a:gd name="connsiteY1" fmla="*/ 20409 h 1307404"/>
+              <a:gd name="connsiteX2" fmla="*/ 574110 w 574110"/>
+              <a:gd name="connsiteY2" fmla="*/ 653702 h 1307404"/>
+              <a:gd name="connsiteX3" fmla="*/ 311791 w 574110"/>
+              <a:gd name="connsiteY3" fmla="*/ 1286995 h 1307404"/>
+              <a:gd name="connsiteX4" fmla="*/ 287055 w 574110"/>
+              <a:gd name="connsiteY4" fmla="*/ 1307404 h 1307404"/>
+              <a:gd name="connsiteX5" fmla="*/ 262319 w 574110"/>
+              <a:gd name="connsiteY5" fmla="*/ 1286995 h 1307404"/>
+              <a:gd name="connsiteX6" fmla="*/ 0 w 574110"/>
+              <a:gd name="connsiteY6" fmla="*/ 653702 h 1307404"/>
+              <a:gd name="connsiteX7" fmla="*/ 262319 w 574110"/>
+              <a:gd name="connsiteY7" fmla="*/ 20409 h 1307404"/>
+              <a:gd name="connsiteX8" fmla="*/ 287055 w 574110"/>
+              <a:gd name="connsiteY8" fmla="*/ 0 h 1307404"/>
+            </a:gdLst>
+            <a:ahLst/>
+            <a:cxnLst>
+              <a:cxn ang="0">
+                <a:pos x="connsiteX0" y="connsiteY0"/>
+              </a:cxn>
+              <a:cxn ang="0">
+                <a:pos x="connsiteX1" y="connsiteY1"/>
+              </a:cxn>
+              <a:cxn ang="0">
+                <a:pos x="connsiteX2" y="connsiteY2"/>
+              </a:cxn>
+              <a:cxn ang="0">
+                <a:pos x="connsiteX3" y="connsiteY3"/>
+              </a:cxn>
+              <a:cxn ang="0">
+                <a:pos x="connsiteX4" y="connsiteY4"/>
+              </a:cxn>
+              <a:cxn ang="0">
+                <a:pos x="connsiteX5" y="connsiteY5"/>
+              </a:cxn>
+              <a:cxn ang="0">
+                <a:pos x="connsiteX6" y="connsiteY6"/>
+              </a:cxn>
+              <a:cxn ang="0">
+                <a:pos x="connsiteX7" y="connsiteY7"/>
+              </a:cxn>
+              <a:cxn ang="0">
+                <a:pos x="connsiteX8" y="connsiteY8"/>
+              </a:cxn>
+            </a:cxnLst>
+            <a:rect l="l" t="t" r="r" b="b"/>
+            <a:pathLst>
+              <a:path w="574110" h="1307404">
+                <a:moveTo>
+                  <a:pt x="287055" y="0"/>
+                </a:moveTo>
+                <a:lnTo>
+                  <a:pt x="311791" y="20409"/>
+                </a:lnTo>
+                <a:cubicBezTo>
+                  <a:pt x="473865" y="182483"/>
+                  <a:pt x="574110" y="406386"/>
+                  <a:pt x="574110" y="653702"/>
+                </a:cubicBezTo>
+                <a:cubicBezTo>
+                  <a:pt x="574110" y="901018"/>
+                  <a:pt x="473865" y="1124921"/>
+                  <a:pt x="311791" y="1286995"/>
+                </a:cubicBezTo>
+                <a:lnTo>
+                  <a:pt x="287055" y="1307404"/>
+                </a:lnTo>
+                <a:lnTo>
+                  <a:pt x="262319" y="1286995"/>
+                </a:lnTo>
+                <a:cubicBezTo>
+                  <a:pt x="100245" y="1124921"/>
+                  <a:pt x="0" y="901018"/>
+                  <a:pt x="0" y="653702"/>
+                </a:cubicBezTo>
+                <a:cubicBezTo>
+                  <a:pt x="0" y="406386"/>
+                  <a:pt x="100245" y="182483"/>
+                  <a:pt x="262319" y="20409"/>
+                </a:cubicBezTo>
+                <a:lnTo>
+                  <a:pt x="287055" y="0"/>
+                </a:lnTo>
+                <a:close/>
+              </a:path>
+            </a:pathLst>
+          </a:custGeom>
+          <a:solidFill>
+            <a:srgbClr val="00B0F0"/>
+          </a:solidFill>
+        </p:spPr>
+        <p:style>
+          <a:lnRef idx="2">
+            <a:schemeClr val="accent1">
+              <a:shade val="50000"/>
+            </a:schemeClr>
+          </a:lnRef>
+          <a:fillRef idx="1">
+            <a:schemeClr val="accent1"/>
+          </a:fillRef>
+          <a:effectRef idx="0">
+            <a:schemeClr val="accent1"/>
+          </a:effectRef>
+          <a:fontRef idx="minor">
+            <a:schemeClr val="lt1"/>
+          </a:fontRef>
+        </p:style>
+        <p:txBody>
+          <a:bodyPr rtlCol="0" anchor="ctr"/>
+          <a:lstStyle/>
+          <a:p>
+            <a:pPr algn="ctr"/>
+            <a:endParaRPr lang="de-DE"/>
+          </a:p>
+        </p:txBody>
+      </p:sp>
+      <p:sp>
+        <p:nvSpPr>
+          <p:cNvPr id="16" name="Freihandform 15"/>
+          <p:cNvSpPr/>
+          <p:nvPr/>
+        </p:nvSpPr>
+        <p:spPr>
+          <a:xfrm>
+            <a:off x="1738281" y="4018176"/>
+            <a:ext cx="1504167" cy="1791222"/>
+          </a:xfrm>
+          <a:custGeom>
+            <a:avLst/>
+            <a:gdLst>
+              <a:gd name="connsiteX0" fmla="*/ 895611 w 1504167"/>
+              <a:gd name="connsiteY0" fmla="*/ 0 h 1791222"/>
+              <a:gd name="connsiteX1" fmla="*/ 1396355 w 1504167"/>
+              <a:gd name="connsiteY1" fmla="*/ 152956 h 1791222"/>
+              <a:gd name="connsiteX2" fmla="*/ 1504167 w 1504167"/>
+              <a:gd name="connsiteY2" fmla="*/ 241909 h 1791222"/>
+              <a:gd name="connsiteX3" fmla="*/ 1479431 w 1504167"/>
+              <a:gd name="connsiteY3" fmla="*/ 262318 h 1791222"/>
+              <a:gd name="connsiteX4" fmla="*/ 1217112 w 1504167"/>
+              <a:gd name="connsiteY4" fmla="*/ 895611 h 1791222"/>
+              <a:gd name="connsiteX5" fmla="*/ 1479431 w 1504167"/>
+              <a:gd name="connsiteY5" fmla="*/ 1528904 h 1791222"/>
+              <a:gd name="connsiteX6" fmla="*/ 1504167 w 1504167"/>
+              <a:gd name="connsiteY6" fmla="*/ 1549313 h 1791222"/>
+              <a:gd name="connsiteX7" fmla="*/ 1396355 w 1504167"/>
+              <a:gd name="connsiteY7" fmla="*/ 1638266 h 1791222"/>
+              <a:gd name="connsiteX8" fmla="*/ 895611 w 1504167"/>
+              <a:gd name="connsiteY8" fmla="*/ 1791222 h 1791222"/>
+              <a:gd name="connsiteX9" fmla="*/ 0 w 1504167"/>
+              <a:gd name="connsiteY9" fmla="*/ 895611 h 1791222"/>
+              <a:gd name="connsiteX10" fmla="*/ 895611 w 1504167"/>
+              <a:gd name="connsiteY10" fmla="*/ 0 h 1791222"/>
+            </a:gdLst>
+            <a:ahLst/>
+            <a:cxnLst>
+              <a:cxn ang="0">
+                <a:pos x="connsiteX0" y="connsiteY0"/>
+              </a:cxn>
+              <a:cxn ang="0">
+                <a:pos x="connsiteX1" y="connsiteY1"/>
+              </a:cxn>
+              <a:cxn ang="0">
+                <a:pos x="connsiteX2" y="connsiteY2"/>
+              </a:cxn>
+              <a:cxn ang="0">
+                <a:pos x="connsiteX3" y="connsiteY3"/>
+              </a:cxn>
+              <a:cxn ang="0">
+                <a:pos x="connsiteX4" y="connsiteY4"/>
+              </a:cxn>
+              <a:cxn ang="0">
+                <a:pos x="connsiteX5" y="connsiteY5"/>
+              </a:cxn>
+              <a:cxn ang="0">
+                <a:pos x="connsiteX6" y="connsiteY6"/>
+              </a:cxn>
+              <a:cxn ang="0">
+                <a:pos x="connsiteX7" y="connsiteY7"/>
+              </a:cxn>
+              <a:cxn ang="0">
+                <a:pos x="connsiteX8" y="connsiteY8"/>
+              </a:cxn>
+              <a:cxn ang="0">
+                <a:pos x="connsiteX9" y="connsiteY9"/>
+              </a:cxn>
+              <a:cxn ang="0">
+                <a:pos x="connsiteX10" y="connsiteY10"/>
+              </a:cxn>
+            </a:cxnLst>
+            <a:rect l="l" t="t" r="r" b="b"/>
+            <a:pathLst>
+              <a:path w="1504167" h="1791222">
+                <a:moveTo>
+                  <a:pt x="895611" y="0"/>
+                </a:moveTo>
+                <a:cubicBezTo>
+                  <a:pt x="1081098" y="0"/>
+                  <a:pt x="1253415" y="56388"/>
+                  <a:pt x="1396355" y="152956"/>
+                </a:cubicBezTo>
+                <a:lnTo>
+                  <a:pt x="1504167" y="241909"/>
+                </a:lnTo>
+                <a:lnTo>
+                  <a:pt x="1479431" y="262318"/>
+                </a:lnTo>
+                <a:cubicBezTo>
+                  <a:pt x="1317357" y="424392"/>
+                  <a:pt x="1217112" y="648295"/>
+                  <a:pt x="1217112" y="895611"/>
+                </a:cubicBezTo>
+                <a:cubicBezTo>
+                  <a:pt x="1217112" y="1142927"/>
+                  <a:pt x="1317357" y="1366830"/>
+                  <a:pt x="1479431" y="1528904"/>
+                </a:cubicBezTo>
+                <a:lnTo>
+                  <a:pt x="1504167" y="1549313"/>
+                </a:lnTo>
+                <a:lnTo>
+                  <a:pt x="1396355" y="1638266"/>
+                </a:lnTo>
+                <a:cubicBezTo>
+                  <a:pt x="1253415" y="1734835"/>
+                  <a:pt x="1081098" y="1791222"/>
+                  <a:pt x="895611" y="1791222"/>
+                </a:cubicBezTo>
+                <a:cubicBezTo>
+                  <a:pt x="400979" y="1791222"/>
+                  <a:pt x="0" y="1390243"/>
+                  <a:pt x="0" y="895611"/>
+                </a:cubicBezTo>
+                <a:cubicBezTo>
+                  <a:pt x="0" y="400979"/>
+                  <a:pt x="400979" y="0"/>
+                  <a:pt x="895611" y="0"/>
+                </a:cubicBezTo>
+                <a:close/>
+              </a:path>
+            </a:pathLst>
+          </a:custGeom>
+          <a:solidFill>
+            <a:srgbClr val="FFC000"/>
+          </a:solidFill>
+        </p:spPr>
+        <p:style>
+          <a:lnRef idx="2">
+            <a:schemeClr val="accent1">
+              <a:shade val="50000"/>
+            </a:schemeClr>
+          </a:lnRef>
+          <a:fillRef idx="1">
+            <a:schemeClr val="accent1"/>
+          </a:fillRef>
+          <a:effectRef idx="0">
+            <a:schemeClr val="accent1"/>
+          </a:effectRef>
+          <a:fontRef idx="minor">
+            <a:schemeClr val="lt1"/>
+          </a:fontRef>
+        </p:style>
+        <p:txBody>
+          <a:bodyPr rtlCol="0" anchor="ctr"/>
+          <a:lstStyle/>
+          <a:p>
+            <a:pPr algn="ctr"/>
+            <a:endParaRPr lang="de-DE"/>
+          </a:p>
+        </p:txBody>
+      </p:sp>
+      <p:sp>
+        <p:nvSpPr>
+          <p:cNvPr id="17" name="Freihandform 16"/>
+          <p:cNvSpPr/>
+          <p:nvPr/>
+        </p:nvSpPr>
+        <p:spPr>
+          <a:xfrm>
+            <a:off x="3242448" y="4018176"/>
+            <a:ext cx="1504167" cy="1791222"/>
+          </a:xfrm>
+          <a:custGeom>
+            <a:avLst/>
+            <a:gdLst>
+              <a:gd name="connsiteX0" fmla="*/ 608556 w 1504167"/>
+              <a:gd name="connsiteY0" fmla="*/ 0 h 1791222"/>
+              <a:gd name="connsiteX1" fmla="*/ 1504167 w 1504167"/>
+              <a:gd name="connsiteY1" fmla="*/ 895611 h 1791222"/>
+              <a:gd name="connsiteX2" fmla="*/ 608556 w 1504167"/>
+              <a:gd name="connsiteY2" fmla="*/ 1791222 h 1791222"/>
+              <a:gd name="connsiteX3" fmla="*/ 107812 w 1504167"/>
+              <a:gd name="connsiteY3" fmla="*/ 1638266 h 1791222"/>
+              <a:gd name="connsiteX4" fmla="*/ 0 w 1504167"/>
+              <a:gd name="connsiteY4" fmla="*/ 1549313 h 1791222"/>
+              <a:gd name="connsiteX5" fmla="*/ 24736 w 1504167"/>
+              <a:gd name="connsiteY5" fmla="*/ 1528904 h 1791222"/>
+              <a:gd name="connsiteX6" fmla="*/ 287055 w 1504167"/>
+              <a:gd name="connsiteY6" fmla="*/ 895611 h 1791222"/>
+              <a:gd name="connsiteX7" fmla="*/ 24736 w 1504167"/>
+              <a:gd name="connsiteY7" fmla="*/ 262318 h 1791222"/>
+              <a:gd name="connsiteX8" fmla="*/ 0 w 1504167"/>
+              <a:gd name="connsiteY8" fmla="*/ 241909 h 1791222"/>
+              <a:gd name="connsiteX9" fmla="*/ 107812 w 1504167"/>
+              <a:gd name="connsiteY9" fmla="*/ 152956 h 1791222"/>
+              <a:gd name="connsiteX10" fmla="*/ 608556 w 1504167"/>
+              <a:gd name="connsiteY10" fmla="*/ 0 h 1791222"/>
+            </a:gdLst>
+            <a:ahLst/>
+            <a:cxnLst>
+              <a:cxn ang="0">
+                <a:pos x="connsiteX0" y="connsiteY0"/>
+              </a:cxn>
+              <a:cxn ang="0">
+                <a:pos x="connsiteX1" y="connsiteY1"/>
+              </a:cxn>
+              <a:cxn ang="0">
+                <a:pos x="connsiteX2" y="connsiteY2"/>
+              </a:cxn>
+              <a:cxn ang="0">
+                <a:pos x="connsiteX3" y="connsiteY3"/>
+              </a:cxn>
+              <a:cxn ang="0">
+                <a:pos x="connsiteX4" y="connsiteY4"/>
+              </a:cxn>
+              <a:cxn ang="0">
+                <a:pos x="connsiteX5" y="connsiteY5"/>
+              </a:cxn>
+              <a:cxn ang="0">
+                <a:pos x="connsiteX6" y="connsiteY6"/>
+              </a:cxn>
+              <a:cxn ang="0">
+                <a:pos x="connsiteX7" y="connsiteY7"/>
+              </a:cxn>
+              <a:cxn ang="0">
+                <a:pos x="connsiteX8" y="connsiteY8"/>
+              </a:cxn>
+              <a:cxn ang="0">
+                <a:pos x="connsiteX9" y="connsiteY9"/>
+              </a:cxn>
+              <a:cxn ang="0">
+                <a:pos x="connsiteX10" y="connsiteY10"/>
+              </a:cxn>
+            </a:cxnLst>
+            <a:rect l="l" t="t" r="r" b="b"/>
+            <a:pathLst>
+              <a:path w="1504167" h="1791222">
+                <a:moveTo>
+                  <a:pt x="608556" y="0"/>
+                </a:moveTo>
+                <a:cubicBezTo>
+                  <a:pt x="1103188" y="0"/>
+                  <a:pt x="1504167" y="400979"/>
+                  <a:pt x="1504167" y="895611"/>
+                </a:cubicBezTo>
+                <a:cubicBezTo>
+                  <a:pt x="1504167" y="1390243"/>
+                  <a:pt x="1103188" y="1791222"/>
+                  <a:pt x="608556" y="1791222"/>
+                </a:cubicBezTo>
+                <a:cubicBezTo>
+                  <a:pt x="423069" y="1791222"/>
+                  <a:pt x="250752" y="1734835"/>
+                  <a:pt x="107812" y="1638266"/>
+                </a:cubicBezTo>
+                <a:lnTo>
+                  <a:pt x="0" y="1549313"/>
+                </a:lnTo>
+                <a:lnTo>
+                  <a:pt x="24736" y="1528904"/>
+                </a:lnTo>
+                <a:cubicBezTo>
+                  <a:pt x="186810" y="1366830"/>
+                  <a:pt x="287055" y="1142927"/>
+                  <a:pt x="287055" y="895611"/>
+                </a:cubicBezTo>
+                <a:cubicBezTo>
+                  <a:pt x="287055" y="648295"/>
+                  <a:pt x="186810" y="424392"/>
+                  <a:pt x="24736" y="262318"/>
+                </a:cubicBezTo>
+                <a:lnTo>
+                  <a:pt x="0" y="241909"/>
+                </a:lnTo>
+                <a:lnTo>
+                  <a:pt x="107812" y="152956"/>
+                </a:lnTo>
+                <a:cubicBezTo>
+                  <a:pt x="250752" y="56388"/>
+                  <a:pt x="423069" y="0"/>
+                  <a:pt x="608556" y="0"/>
+                </a:cubicBezTo>
+                <a:close/>
+              </a:path>
+            </a:pathLst>
+          </a:custGeom>
+          <a:solidFill>
+            <a:schemeClr val="bg1"/>
+          </a:solidFill>
+        </p:spPr>
+        <p:style>
+          <a:lnRef idx="2">
+            <a:schemeClr val="accent1">
+              <a:shade val="50000"/>
+            </a:schemeClr>
+          </a:lnRef>
+          <a:fillRef idx="1">
+            <a:schemeClr val="accent1"/>
+          </a:fillRef>
+          <a:effectRef idx="0">
+            <a:schemeClr val="accent1"/>
+          </a:effectRef>
+          <a:fontRef idx="minor">
+            <a:schemeClr val="lt1"/>
+          </a:fontRef>
+        </p:style>
+        <p:txBody>
+          <a:bodyPr rtlCol="0" anchor="ctr"/>
+          <a:lstStyle/>
+          <a:p>
+            <a:pPr algn="ctr"/>
+            <a:endParaRPr lang="de-DE"/>
+          </a:p>
+        </p:txBody>
+      </p:sp>
+      <p:sp>
+        <p:nvSpPr>
+          <p:cNvPr id="18" name="Textfeld 17"/>
+          <p:cNvSpPr txBox="1"/>
+          <p:nvPr/>
+        </p:nvSpPr>
+        <p:spPr>
+          <a:xfrm>
+            <a:off x="2377108" y="4529066"/>
+            <a:ext cx="475988" cy="769441"/>
+          </a:xfrm>
+          <a:prstGeom prst="rect">
+            <a:avLst/>
+          </a:prstGeom>
+          <a:noFill/>
+        </p:spPr>
+        <p:txBody>
+          <a:bodyPr wrap="square" rtlCol="0">
+            <a:spAutoFit/>
+          </a:bodyPr>
+          <a:lstStyle/>
+          <a:p>
+            <a:pPr algn="ctr"/>
+            <a:r>
+              <a:rPr lang="de-DE" sz="4400" dirty="0" smtClean="0">
+                <a:solidFill>
+                  <a:schemeClr val="bg1"/>
+                </a:solidFill>
+              </a:rPr>
+              <a:t>A</a:t>
+            </a:r>
+            <a:endParaRPr lang="de-DE" dirty="0">
+              <a:solidFill>
+                <a:schemeClr val="bg1"/>
+              </a:solidFill>
+            </a:endParaRPr>
+          </a:p>
+        </p:txBody>
+      </p:sp>
+      <p:sp>
+        <p:nvSpPr>
+          <p:cNvPr id="19" name="Textfeld 18"/>
+          <p:cNvSpPr txBox="1"/>
+          <p:nvPr/>
+        </p:nvSpPr>
+        <p:spPr>
+          <a:xfrm>
+            <a:off x="3586913" y="4529065"/>
+            <a:ext cx="475988" cy="769441"/>
+          </a:xfrm>
+          <a:prstGeom prst="rect">
+            <a:avLst/>
+          </a:prstGeom>
+          <a:noFill/>
+        </p:spPr>
+        <p:txBody>
+          <a:bodyPr wrap="square" rtlCol="0">
+            <a:spAutoFit/>
+          </a:bodyPr>
+          <a:lstStyle/>
+          <a:p>
+            <a:pPr algn="ctr"/>
+            <a:r>
+              <a:rPr lang="de-DE" sz="4400" dirty="0" smtClean="0">
+                <a:solidFill>
+                  <a:schemeClr val="tx1">
+                    <a:lumMod val="75000"/>
+                    <a:lumOff val="25000"/>
+                  </a:schemeClr>
+                </a:solidFill>
+              </a:rPr>
+              <a:t>B</a:t>
+            </a:r>
+            <a:endParaRPr lang="de-DE" dirty="0">
+              <a:solidFill>
+                <a:schemeClr val="tx1">
+                  <a:lumMod val="75000"/>
+                  <a:lumOff val="25000"/>
+                </a:schemeClr>
+              </a:solidFill>
+            </a:endParaRPr>
+          </a:p>
+        </p:txBody>
+      </p:sp>
+      <p:sp>
+        <p:nvSpPr>
+          <p:cNvPr id="20" name="Freihandform 19"/>
+          <p:cNvSpPr/>
+          <p:nvPr/>
+        </p:nvSpPr>
+        <p:spPr>
+          <a:xfrm>
+            <a:off x="6724127" y="4260085"/>
+            <a:ext cx="574110" cy="1307404"/>
+          </a:xfrm>
+          <a:custGeom>
+            <a:avLst/>
+            <a:gdLst>
+              <a:gd name="connsiteX0" fmla="*/ 287055 w 574110"/>
+              <a:gd name="connsiteY0" fmla="*/ 0 h 1307404"/>
+              <a:gd name="connsiteX1" fmla="*/ 311791 w 574110"/>
+              <a:gd name="connsiteY1" fmla="*/ 20409 h 1307404"/>
+              <a:gd name="connsiteX2" fmla="*/ 574110 w 574110"/>
+              <a:gd name="connsiteY2" fmla="*/ 653702 h 1307404"/>
+              <a:gd name="connsiteX3" fmla="*/ 311791 w 574110"/>
+              <a:gd name="connsiteY3" fmla="*/ 1286995 h 1307404"/>
+              <a:gd name="connsiteX4" fmla="*/ 287055 w 574110"/>
+              <a:gd name="connsiteY4" fmla="*/ 1307404 h 1307404"/>
+              <a:gd name="connsiteX5" fmla="*/ 262319 w 574110"/>
+              <a:gd name="connsiteY5" fmla="*/ 1286995 h 1307404"/>
+              <a:gd name="connsiteX6" fmla="*/ 0 w 574110"/>
+              <a:gd name="connsiteY6" fmla="*/ 653702 h 1307404"/>
+              <a:gd name="connsiteX7" fmla="*/ 262319 w 574110"/>
+              <a:gd name="connsiteY7" fmla="*/ 20409 h 1307404"/>
+              <a:gd name="connsiteX8" fmla="*/ 287055 w 574110"/>
+              <a:gd name="connsiteY8" fmla="*/ 0 h 1307404"/>
+            </a:gdLst>
+            <a:ahLst/>
+            <a:cxnLst>
+              <a:cxn ang="0">
+                <a:pos x="connsiteX0" y="connsiteY0"/>
+              </a:cxn>
+              <a:cxn ang="0">
+                <a:pos x="connsiteX1" y="connsiteY1"/>
+              </a:cxn>
+              <a:cxn ang="0">
+                <a:pos x="connsiteX2" y="connsiteY2"/>
+              </a:cxn>
+              <a:cxn ang="0">
+                <a:pos x="connsiteX3" y="connsiteY3"/>
+              </a:cxn>
+              <a:cxn ang="0">
+                <a:pos x="connsiteX4" y="connsiteY4"/>
+              </a:cxn>
+              <a:cxn ang="0">
+                <a:pos x="connsiteX5" y="connsiteY5"/>
+              </a:cxn>
+              <a:cxn ang="0">
+                <a:pos x="connsiteX6" y="connsiteY6"/>
+              </a:cxn>
+              <a:cxn ang="0">
+                <a:pos x="connsiteX7" y="connsiteY7"/>
+              </a:cxn>
+              <a:cxn ang="0">
+                <a:pos x="connsiteX8" y="connsiteY8"/>
+              </a:cxn>
+            </a:cxnLst>
+            <a:rect l="l" t="t" r="r" b="b"/>
+            <a:pathLst>
+              <a:path w="574110" h="1307404">
+                <a:moveTo>
+                  <a:pt x="287055" y="0"/>
+                </a:moveTo>
+                <a:lnTo>
+                  <a:pt x="311791" y="20409"/>
+                </a:lnTo>
+                <a:cubicBezTo>
+                  <a:pt x="473865" y="182483"/>
+                  <a:pt x="574110" y="406386"/>
+                  <a:pt x="574110" y="653702"/>
+                </a:cubicBezTo>
+                <a:cubicBezTo>
+                  <a:pt x="574110" y="901018"/>
+                  <a:pt x="473865" y="1124921"/>
+                  <a:pt x="311791" y="1286995"/>
+                </a:cubicBezTo>
+                <a:lnTo>
+                  <a:pt x="287055" y="1307404"/>
+                </a:lnTo>
+                <a:lnTo>
+                  <a:pt x="262319" y="1286995"/>
+                </a:lnTo>
+                <a:cubicBezTo>
+                  <a:pt x="100245" y="1124921"/>
+                  <a:pt x="0" y="901018"/>
+                  <a:pt x="0" y="653702"/>
+                </a:cubicBezTo>
+                <a:cubicBezTo>
+                  <a:pt x="0" y="406386"/>
+                  <a:pt x="100245" y="182483"/>
+                  <a:pt x="262319" y="20409"/>
+                </a:cubicBezTo>
+                <a:lnTo>
+                  <a:pt x="287055" y="0"/>
+                </a:lnTo>
+                <a:close/>
+              </a:path>
+            </a:pathLst>
+          </a:custGeom>
+          <a:solidFill>
+            <a:srgbClr val="00B0F0"/>
+          </a:solidFill>
+        </p:spPr>
+        <p:style>
+          <a:lnRef idx="2">
+            <a:schemeClr val="accent1">
+              <a:shade val="50000"/>
+            </a:schemeClr>
+          </a:lnRef>
+          <a:fillRef idx="1">
+            <a:schemeClr val="accent1"/>
+          </a:fillRef>
+          <a:effectRef idx="0">
+            <a:schemeClr val="accent1"/>
+          </a:effectRef>
+          <a:fontRef idx="minor">
+            <a:schemeClr val="lt1"/>
+          </a:fontRef>
+        </p:style>
+        <p:txBody>
+          <a:bodyPr rtlCol="0" anchor="ctr"/>
+          <a:lstStyle/>
+          <a:p>
+            <a:pPr algn="ctr"/>
+            <a:endParaRPr lang="de-DE"/>
+          </a:p>
+        </p:txBody>
+      </p:sp>
+      <p:sp>
+        <p:nvSpPr>
+          <p:cNvPr id="21" name="Freihandform 20"/>
+          <p:cNvSpPr/>
+          <p:nvPr/>
+        </p:nvSpPr>
+        <p:spPr>
+          <a:xfrm>
+            <a:off x="5507016" y="4018176"/>
+            <a:ext cx="1504167" cy="1791222"/>
+          </a:xfrm>
+          <a:custGeom>
+            <a:avLst/>
+            <a:gdLst>
+              <a:gd name="connsiteX0" fmla="*/ 895611 w 1504167"/>
+              <a:gd name="connsiteY0" fmla="*/ 0 h 1791222"/>
+              <a:gd name="connsiteX1" fmla="*/ 1396355 w 1504167"/>
+              <a:gd name="connsiteY1" fmla="*/ 152956 h 1791222"/>
+              <a:gd name="connsiteX2" fmla="*/ 1504167 w 1504167"/>
+              <a:gd name="connsiteY2" fmla="*/ 241909 h 1791222"/>
+              <a:gd name="connsiteX3" fmla="*/ 1479431 w 1504167"/>
+              <a:gd name="connsiteY3" fmla="*/ 262318 h 1791222"/>
+              <a:gd name="connsiteX4" fmla="*/ 1217112 w 1504167"/>
+              <a:gd name="connsiteY4" fmla="*/ 895611 h 1791222"/>
+              <a:gd name="connsiteX5" fmla="*/ 1479431 w 1504167"/>
+              <a:gd name="connsiteY5" fmla="*/ 1528904 h 1791222"/>
+              <a:gd name="connsiteX6" fmla="*/ 1504167 w 1504167"/>
+              <a:gd name="connsiteY6" fmla="*/ 1549313 h 1791222"/>
+              <a:gd name="connsiteX7" fmla="*/ 1396355 w 1504167"/>
+              <a:gd name="connsiteY7" fmla="*/ 1638266 h 1791222"/>
+              <a:gd name="connsiteX8" fmla="*/ 895611 w 1504167"/>
+              <a:gd name="connsiteY8" fmla="*/ 1791222 h 1791222"/>
+              <a:gd name="connsiteX9" fmla="*/ 0 w 1504167"/>
+              <a:gd name="connsiteY9" fmla="*/ 895611 h 1791222"/>
+              <a:gd name="connsiteX10" fmla="*/ 895611 w 1504167"/>
+              <a:gd name="connsiteY10" fmla="*/ 0 h 1791222"/>
+            </a:gdLst>
+            <a:ahLst/>
+            <a:cxnLst>
+              <a:cxn ang="0">
+                <a:pos x="connsiteX0" y="connsiteY0"/>
+              </a:cxn>
+              <a:cxn ang="0">
+                <a:pos x="connsiteX1" y="connsiteY1"/>
+              </a:cxn>
+              <a:cxn ang="0">
+                <a:pos x="connsiteX2" y="connsiteY2"/>
+              </a:cxn>
+              <a:cxn ang="0">
+                <a:pos x="connsiteX3" y="connsiteY3"/>
+              </a:cxn>
+              <a:cxn ang="0">
+                <a:pos x="connsiteX4" y="connsiteY4"/>
+              </a:cxn>
+              <a:cxn ang="0">
+                <a:pos x="connsiteX5" y="connsiteY5"/>
+              </a:cxn>
+              <a:cxn ang="0">
+                <a:pos x="connsiteX6" y="connsiteY6"/>
+              </a:cxn>
+              <a:cxn ang="0">
+                <a:pos x="connsiteX7" y="connsiteY7"/>
+              </a:cxn>
+              <a:cxn ang="0">
+                <a:pos x="connsiteX8" y="connsiteY8"/>
+              </a:cxn>
+              <a:cxn ang="0">
+                <a:pos x="connsiteX9" y="connsiteY9"/>
+              </a:cxn>
+              <a:cxn ang="0">
+                <a:pos x="connsiteX10" y="connsiteY10"/>
+              </a:cxn>
+            </a:cxnLst>
+            <a:rect l="l" t="t" r="r" b="b"/>
+            <a:pathLst>
+              <a:path w="1504167" h="1791222">
+                <a:moveTo>
+                  <a:pt x="895611" y="0"/>
+                </a:moveTo>
+                <a:cubicBezTo>
+                  <a:pt x="1081098" y="0"/>
+                  <a:pt x="1253415" y="56388"/>
+                  <a:pt x="1396355" y="152956"/>
+                </a:cubicBezTo>
+                <a:lnTo>
+                  <a:pt x="1504167" y="241909"/>
+                </a:lnTo>
+                <a:lnTo>
+                  <a:pt x="1479431" y="262318"/>
+                </a:lnTo>
+                <a:cubicBezTo>
+                  <a:pt x="1317357" y="424392"/>
+                  <a:pt x="1217112" y="648295"/>
+                  <a:pt x="1217112" y="895611"/>
+                </a:cubicBezTo>
+                <a:cubicBezTo>
+                  <a:pt x="1217112" y="1142927"/>
+                  <a:pt x="1317357" y="1366830"/>
+                  <a:pt x="1479431" y="1528904"/>
+                </a:cubicBezTo>
+                <a:lnTo>
+                  <a:pt x="1504167" y="1549313"/>
+                </a:lnTo>
+                <a:lnTo>
+                  <a:pt x="1396355" y="1638266"/>
+                </a:lnTo>
+                <a:cubicBezTo>
+                  <a:pt x="1253415" y="1734835"/>
+                  <a:pt x="1081098" y="1791222"/>
+                  <a:pt x="895611" y="1791222"/>
+                </a:cubicBezTo>
+                <a:cubicBezTo>
+                  <a:pt x="400979" y="1791222"/>
+                  <a:pt x="0" y="1390243"/>
+                  <a:pt x="0" y="895611"/>
+                </a:cubicBezTo>
+                <a:cubicBezTo>
+                  <a:pt x="0" y="400979"/>
+                  <a:pt x="400979" y="0"/>
+                  <a:pt x="895611" y="0"/>
+                </a:cubicBezTo>
+                <a:close/>
+              </a:path>
+            </a:pathLst>
+          </a:custGeom>
+          <a:solidFill>
+            <a:srgbClr val="FFC000"/>
+          </a:solidFill>
+        </p:spPr>
+        <p:style>
+          <a:lnRef idx="2">
+            <a:schemeClr val="accent1">
+              <a:shade val="50000"/>
+            </a:schemeClr>
+          </a:lnRef>
+          <a:fillRef idx="1">
+            <a:schemeClr val="accent1"/>
+          </a:fillRef>
+          <a:effectRef idx="0">
+            <a:schemeClr val="accent1"/>
+          </a:effectRef>
+          <a:fontRef idx="minor">
+            <a:schemeClr val="lt1"/>
+          </a:fontRef>
+        </p:style>
+        <p:txBody>
+          <a:bodyPr rtlCol="0" anchor="ctr"/>
+          <a:lstStyle/>
+          <a:p>
+            <a:pPr algn="ctr"/>
+            <a:endParaRPr lang="de-DE"/>
+          </a:p>
+        </p:txBody>
+      </p:sp>
+      <p:sp>
+        <p:nvSpPr>
+          <p:cNvPr id="22" name="Freihandform 21"/>
+          <p:cNvSpPr/>
+          <p:nvPr/>
+        </p:nvSpPr>
+        <p:spPr>
+          <a:xfrm>
+            <a:off x="7011183" y="4018176"/>
+            <a:ext cx="1504167" cy="1791222"/>
+          </a:xfrm>
+          <a:custGeom>
+            <a:avLst/>
+            <a:gdLst>
+              <a:gd name="connsiteX0" fmla="*/ 608556 w 1504167"/>
+              <a:gd name="connsiteY0" fmla="*/ 0 h 1791222"/>
+              <a:gd name="connsiteX1" fmla="*/ 1504167 w 1504167"/>
+              <a:gd name="connsiteY1" fmla="*/ 895611 h 1791222"/>
+              <a:gd name="connsiteX2" fmla="*/ 608556 w 1504167"/>
+              <a:gd name="connsiteY2" fmla="*/ 1791222 h 1791222"/>
+              <a:gd name="connsiteX3" fmla="*/ 107812 w 1504167"/>
+              <a:gd name="connsiteY3" fmla="*/ 1638266 h 1791222"/>
+              <a:gd name="connsiteX4" fmla="*/ 0 w 1504167"/>
+              <a:gd name="connsiteY4" fmla="*/ 1549313 h 1791222"/>
+              <a:gd name="connsiteX5" fmla="*/ 24736 w 1504167"/>
+              <a:gd name="connsiteY5" fmla="*/ 1528904 h 1791222"/>
+              <a:gd name="connsiteX6" fmla="*/ 287055 w 1504167"/>
+              <a:gd name="connsiteY6" fmla="*/ 895611 h 1791222"/>
+              <a:gd name="connsiteX7" fmla="*/ 24736 w 1504167"/>
+              <a:gd name="connsiteY7" fmla="*/ 262318 h 1791222"/>
+              <a:gd name="connsiteX8" fmla="*/ 0 w 1504167"/>
+              <a:gd name="connsiteY8" fmla="*/ 241909 h 1791222"/>
+              <a:gd name="connsiteX9" fmla="*/ 107812 w 1504167"/>
+              <a:gd name="connsiteY9" fmla="*/ 152956 h 1791222"/>
+              <a:gd name="connsiteX10" fmla="*/ 608556 w 1504167"/>
+              <a:gd name="connsiteY10" fmla="*/ 0 h 1791222"/>
+            </a:gdLst>
+            <a:ahLst/>
+            <a:cxnLst>
+              <a:cxn ang="0">
+                <a:pos x="connsiteX0" y="connsiteY0"/>
+              </a:cxn>
+              <a:cxn ang="0">
+                <a:pos x="connsiteX1" y="connsiteY1"/>
+              </a:cxn>
+              <a:cxn ang="0">
+                <a:pos x="connsiteX2" y="connsiteY2"/>
+              </a:cxn>
+              <a:cxn ang="0">
+                <a:pos x="connsiteX3" y="connsiteY3"/>
+              </a:cxn>
+              <a:cxn ang="0">
+                <a:pos x="connsiteX4" y="connsiteY4"/>
+              </a:cxn>
+              <a:cxn ang="0">
+                <a:pos x="connsiteX5" y="connsiteY5"/>
+              </a:cxn>
+              <a:cxn ang="0">
+                <a:pos x="connsiteX6" y="connsiteY6"/>
+              </a:cxn>
+              <a:cxn ang="0">
+                <a:pos x="connsiteX7" y="connsiteY7"/>
+              </a:cxn>
+              <a:cxn ang="0">
+                <a:pos x="connsiteX8" y="connsiteY8"/>
+              </a:cxn>
+              <a:cxn ang="0">
+                <a:pos x="connsiteX9" y="connsiteY9"/>
+              </a:cxn>
+              <a:cxn ang="0">
+                <a:pos x="connsiteX10" y="connsiteY10"/>
+              </a:cxn>
+            </a:cxnLst>
+            <a:rect l="l" t="t" r="r" b="b"/>
+            <a:pathLst>
+              <a:path w="1504167" h="1791222">
+                <a:moveTo>
+                  <a:pt x="608556" y="0"/>
+                </a:moveTo>
+                <a:cubicBezTo>
+                  <a:pt x="1103188" y="0"/>
+                  <a:pt x="1504167" y="400979"/>
+                  <a:pt x="1504167" y="895611"/>
+                </a:cubicBezTo>
+                <a:cubicBezTo>
+                  <a:pt x="1504167" y="1390243"/>
+                  <a:pt x="1103188" y="1791222"/>
+                  <a:pt x="608556" y="1791222"/>
+                </a:cubicBezTo>
+                <a:cubicBezTo>
+                  <a:pt x="423069" y="1791222"/>
+                  <a:pt x="250752" y="1734835"/>
+                  <a:pt x="107812" y="1638266"/>
+                </a:cubicBezTo>
+                <a:lnTo>
+                  <a:pt x="0" y="1549313"/>
+                </a:lnTo>
+                <a:lnTo>
+                  <a:pt x="24736" y="1528904"/>
+                </a:lnTo>
+                <a:cubicBezTo>
+                  <a:pt x="186810" y="1366830"/>
+                  <a:pt x="287055" y="1142927"/>
+                  <a:pt x="287055" y="895611"/>
+                </a:cubicBezTo>
+                <a:cubicBezTo>
+                  <a:pt x="287055" y="648295"/>
+                  <a:pt x="186810" y="424392"/>
+                  <a:pt x="24736" y="262318"/>
+                </a:cubicBezTo>
+                <a:lnTo>
+                  <a:pt x="0" y="241909"/>
+                </a:lnTo>
+                <a:lnTo>
+                  <a:pt x="107812" y="152956"/>
+                </a:lnTo>
+                <a:cubicBezTo>
+                  <a:pt x="250752" y="56388"/>
+                  <a:pt x="423069" y="0"/>
+                  <a:pt x="608556" y="0"/>
+                </a:cubicBezTo>
+                <a:close/>
+              </a:path>
+            </a:pathLst>
+          </a:custGeom>
+          <a:solidFill>
+            <a:schemeClr val="bg1"/>
+          </a:solidFill>
+        </p:spPr>
+        <p:style>
+          <a:lnRef idx="2">
+            <a:schemeClr val="accent1">
+              <a:shade val="50000"/>
+            </a:schemeClr>
+          </a:lnRef>
+          <a:fillRef idx="1">
+            <a:schemeClr val="accent1"/>
+          </a:fillRef>
+          <a:effectRef idx="0">
+            <a:schemeClr val="accent1"/>
+          </a:effectRef>
+          <a:fontRef idx="minor">
+            <a:schemeClr val="lt1"/>
+          </a:fontRef>
+        </p:style>
+        <p:txBody>
+          <a:bodyPr rtlCol="0" anchor="ctr"/>
+          <a:lstStyle/>
+          <a:p>
+            <a:pPr algn="ctr"/>
+            <a:endParaRPr lang="de-DE"/>
+          </a:p>
+        </p:txBody>
+      </p:sp>
+      <p:sp>
+        <p:nvSpPr>
+          <p:cNvPr id="23" name="Textfeld 22"/>
+          <p:cNvSpPr txBox="1"/>
+          <p:nvPr/>
+        </p:nvSpPr>
+        <p:spPr>
+          <a:xfrm>
+            <a:off x="6145843" y="4529066"/>
+            <a:ext cx="475988" cy="769441"/>
+          </a:xfrm>
+          <a:prstGeom prst="rect">
+            <a:avLst/>
+          </a:prstGeom>
+          <a:noFill/>
+        </p:spPr>
+        <p:txBody>
+          <a:bodyPr wrap="square" rtlCol="0">
+            <a:spAutoFit/>
+          </a:bodyPr>
+          <a:lstStyle/>
+          <a:p>
+            <a:pPr algn="ctr"/>
+            <a:r>
+              <a:rPr lang="de-DE" sz="4400" dirty="0" smtClean="0">
+                <a:solidFill>
+                  <a:schemeClr val="bg1"/>
+                </a:solidFill>
+              </a:rPr>
+              <a:t>A</a:t>
+            </a:r>
+            <a:endParaRPr lang="de-DE" dirty="0">
+              <a:solidFill>
+                <a:schemeClr val="bg1"/>
+              </a:solidFill>
+            </a:endParaRPr>
+          </a:p>
+        </p:txBody>
+      </p:sp>
+      <p:sp>
+        <p:nvSpPr>
+          <p:cNvPr id="24" name="Textfeld 23"/>
+          <p:cNvSpPr txBox="1"/>
+          <p:nvPr/>
+        </p:nvSpPr>
+        <p:spPr>
+          <a:xfrm>
+            <a:off x="7355648" y="4529065"/>
+            <a:ext cx="475988" cy="769441"/>
+          </a:xfrm>
+          <a:prstGeom prst="rect">
+            <a:avLst/>
+          </a:prstGeom>
+          <a:noFill/>
+        </p:spPr>
+        <p:txBody>
+          <a:bodyPr wrap="square" rtlCol="0">
+            <a:spAutoFit/>
+          </a:bodyPr>
+          <a:lstStyle/>
+          <a:p>
+            <a:pPr algn="ctr"/>
+            <a:r>
+              <a:rPr lang="de-DE" sz="4400" dirty="0" smtClean="0">
+                <a:solidFill>
+                  <a:schemeClr val="tx1">
+                    <a:lumMod val="75000"/>
+                    <a:lumOff val="25000"/>
+                  </a:schemeClr>
+                </a:solidFill>
+              </a:rPr>
+              <a:t>B</a:t>
+            </a:r>
+            <a:endParaRPr lang="de-DE" dirty="0">
+              <a:solidFill>
+                <a:schemeClr val="tx1">
+                  <a:lumMod val="75000"/>
+                  <a:lumOff val="25000"/>
+                </a:schemeClr>
+              </a:solidFill>
+            </a:endParaRPr>
+          </a:p>
+        </p:txBody>
+      </p:sp>
+    </p:spTree>
+    <p:extLst>
+      <p:ext uri="{BB962C8B-B14F-4D97-AF65-F5344CB8AC3E}">
+        <p14:creationId xmlns:p14="http://schemas.microsoft.com/office/powerpoint/2010/main" val="2056719800"/>
+      </p:ext>
+    </p:extLst>
+  </p:cSld>
+  <p:clrMapOvr>
+    <a:masterClrMapping/>
+  </p:clrMapOvr>
+  <p:timing>
+    <p:tnLst>
+      <p:par>
+        <p:cTn id="1" dur="indefinite" restart="never" nodeType="tmRoot"/>
+      </p:par>
+    </p:tnLst>
+  </p:timing>
+</p:sld>
+</file>
+
+<file path=ppt/slides/slide26.xml><?xml version="1.0" encoding="utf-8"?>
 <p:sld xmlns:a="http://schemas.openxmlformats.org/drawingml/2006/main" xmlns:r="http://schemas.openxmlformats.org/officeDocument/2006/relationships" xmlns:p="http://schemas.openxmlformats.org/presentationml/2006/main">
   <p:cSld>
     <p:spTree>
@@ -13913,7 +16402,7 @@
 </p:sld>
 </file>
 
-<file path=ppt/slides/slide25.xml><?xml version="1.0" encoding="utf-8"?>
+<file path=ppt/slides/slide27.xml><?xml version="1.0" encoding="utf-8"?>
 <p:sld xmlns:a="http://schemas.openxmlformats.org/drawingml/2006/main" xmlns:r="http://schemas.openxmlformats.org/officeDocument/2006/relationships" xmlns:p="http://schemas.openxmlformats.org/presentationml/2006/main">
   <p:cSld>
     <p:spTree>
@@ -14062,7 +16551,7 @@
 </p:sld>
 </file>
 
-<file path=ppt/slides/slide26.xml><?xml version="1.0" encoding="utf-8"?>
+<file path=ppt/slides/slide28.xml><?xml version="1.0" encoding="utf-8"?>
 <p:sld xmlns:a="http://schemas.openxmlformats.org/drawingml/2006/main" xmlns:r="http://schemas.openxmlformats.org/officeDocument/2006/relationships" xmlns:p="http://schemas.openxmlformats.org/presentationml/2006/main">
   <p:cSld>
     <p:spTree>

--- a/praesentation/pandas-basic.pptx
+++ b/praesentation/pandas-basic.pptx
@@ -5,37 +5,43 @@
     <p:sldMasterId id="2147483660" r:id="rId1"/>
   </p:sldMasterIdLst>
   <p:handoutMasterIdLst>
-    <p:handoutMasterId r:id="rId30"/>
+    <p:handoutMasterId r:id="rId36"/>
   </p:handoutMasterIdLst>
   <p:sldIdLst>
     <p:sldId id="268" r:id="rId2"/>
     <p:sldId id="256" r:id="rId3"/>
     <p:sldId id="258" r:id="rId4"/>
-    <p:sldId id="259" r:id="rId5"/>
-    <p:sldId id="262" r:id="rId6"/>
-    <p:sldId id="257" r:id="rId7"/>
-    <p:sldId id="263" r:id="rId8"/>
-    <p:sldId id="266" r:id="rId9"/>
-    <p:sldId id="261" r:id="rId10"/>
-    <p:sldId id="260" r:id="rId11"/>
-    <p:sldId id="264" r:id="rId12"/>
-    <p:sldId id="275" r:id="rId13"/>
+    <p:sldId id="287" r:id="rId5"/>
+    <p:sldId id="259" r:id="rId6"/>
+    <p:sldId id="262" r:id="rId7"/>
+    <p:sldId id="257" r:id="rId8"/>
+    <p:sldId id="263" r:id="rId9"/>
+    <p:sldId id="266" r:id="rId10"/>
+    <p:sldId id="261" r:id="rId11"/>
+    <p:sldId id="260" r:id="rId12"/>
+    <p:sldId id="264" r:id="rId13"/>
     <p:sldId id="285" r:id="rId14"/>
-    <p:sldId id="271" r:id="rId15"/>
-    <p:sldId id="273" r:id="rId16"/>
-    <p:sldId id="276" r:id="rId17"/>
-    <p:sldId id="274" r:id="rId18"/>
-    <p:sldId id="265" r:id="rId19"/>
-    <p:sldId id="278" r:id="rId20"/>
-    <p:sldId id="284" r:id="rId21"/>
-    <p:sldId id="277" r:id="rId22"/>
-    <p:sldId id="281" r:id="rId23"/>
-    <p:sldId id="279" r:id="rId24"/>
-    <p:sldId id="283" r:id="rId25"/>
-    <p:sldId id="286" r:id="rId26"/>
-    <p:sldId id="269" r:id="rId27"/>
-    <p:sldId id="272" r:id="rId28"/>
-    <p:sldId id="270" r:id="rId29"/>
+    <p:sldId id="275" r:id="rId15"/>
+    <p:sldId id="271" r:id="rId16"/>
+    <p:sldId id="288" r:id="rId17"/>
+    <p:sldId id="289" r:id="rId18"/>
+    <p:sldId id="290" r:id="rId19"/>
+    <p:sldId id="292" r:id="rId20"/>
+    <p:sldId id="291" r:id="rId21"/>
+    <p:sldId id="273" r:id="rId22"/>
+    <p:sldId id="276" r:id="rId23"/>
+    <p:sldId id="274" r:id="rId24"/>
+    <p:sldId id="265" r:id="rId25"/>
+    <p:sldId id="278" r:id="rId26"/>
+    <p:sldId id="284" r:id="rId27"/>
+    <p:sldId id="277" r:id="rId28"/>
+    <p:sldId id="281" r:id="rId29"/>
+    <p:sldId id="279" r:id="rId30"/>
+    <p:sldId id="283" r:id="rId31"/>
+    <p:sldId id="286" r:id="rId32"/>
+    <p:sldId id="269" r:id="rId33"/>
+    <p:sldId id="272" r:id="rId34"/>
+    <p:sldId id="270" r:id="rId35"/>
   </p:sldIdLst>
   <p:sldSz cx="9144000" cy="6858000" type="screen4x3"/>
   <p:notesSz cx="6858000" cy="9144000"/>
@@ -239,7 +245,7 @@
           <a:p>
             <a:fld id="{C0891CEB-E06B-41A6-A791-A945BD77A2CE}" type="datetimeFigureOut">
               <a:rPr lang="de-DE" smtClean="0"/>
-              <a:t>08.10.2019</a:t>
+              <a:t>29.10.2019</a:t>
             </a:fld>
             <a:endParaRPr lang="de-DE"/>
           </a:p>
@@ -856,7 +862,7 @@
           <a:p>
             <a:fld id="{4C0C24D1-D28D-4714-8665-7C693EECAB22}" type="datetimeFigureOut">
               <a:rPr lang="de-DE" smtClean="0"/>
-              <a:t>08.10.2019</a:t>
+              <a:t>29.10.2019</a:t>
             </a:fld>
             <a:endParaRPr lang="de-DE"/>
           </a:p>
@@ -1026,7 +1032,7 @@
           <a:p>
             <a:fld id="{4C0C24D1-D28D-4714-8665-7C693EECAB22}" type="datetimeFigureOut">
               <a:rPr lang="de-DE" smtClean="0"/>
-              <a:t>08.10.2019</a:t>
+              <a:t>29.10.2019</a:t>
             </a:fld>
             <a:endParaRPr lang="de-DE"/>
           </a:p>
@@ -1206,7 +1212,7 @@
           <a:p>
             <a:fld id="{4C0C24D1-D28D-4714-8665-7C693EECAB22}" type="datetimeFigureOut">
               <a:rPr lang="de-DE" smtClean="0"/>
-              <a:t>08.10.2019</a:t>
+              <a:t>29.10.2019</a:t>
             </a:fld>
             <a:endParaRPr lang="de-DE"/>
           </a:p>
@@ -2236,7 +2242,7 @@
           <a:p>
             <a:fld id="{4C0C24D1-D28D-4714-8665-7C693EECAB22}" type="datetimeFigureOut">
               <a:rPr lang="de-DE" smtClean="0"/>
-              <a:t>08.10.2019</a:t>
+              <a:t>29.10.2019</a:t>
             </a:fld>
             <a:endParaRPr lang="de-DE"/>
           </a:p>
@@ -2468,7 +2474,7 @@
           <a:p>
             <a:fld id="{4C0C24D1-D28D-4714-8665-7C693EECAB22}" type="datetimeFigureOut">
               <a:rPr lang="de-DE" smtClean="0"/>
-              <a:t>08.10.2019</a:t>
+              <a:t>29.10.2019</a:t>
             </a:fld>
             <a:endParaRPr lang="de-DE"/>
           </a:p>
@@ -2835,7 +2841,7 @@
           <a:p>
             <a:fld id="{4C0C24D1-D28D-4714-8665-7C693EECAB22}" type="datetimeFigureOut">
               <a:rPr lang="de-DE" smtClean="0"/>
-              <a:t>08.10.2019</a:t>
+              <a:t>29.10.2019</a:t>
             </a:fld>
             <a:endParaRPr lang="de-DE"/>
           </a:p>
@@ -2953,7 +2959,7 @@
           <a:p>
             <a:fld id="{4C0C24D1-D28D-4714-8665-7C693EECAB22}" type="datetimeFigureOut">
               <a:rPr lang="de-DE" smtClean="0"/>
-              <a:t>08.10.2019</a:t>
+              <a:t>29.10.2019</a:t>
             </a:fld>
             <a:endParaRPr lang="de-DE"/>
           </a:p>
@@ -3048,7 +3054,7 @@
           <a:p>
             <a:fld id="{4C0C24D1-D28D-4714-8665-7C693EECAB22}" type="datetimeFigureOut">
               <a:rPr lang="de-DE" smtClean="0"/>
-              <a:t>08.10.2019</a:t>
+              <a:t>29.10.2019</a:t>
             </a:fld>
             <a:endParaRPr lang="de-DE"/>
           </a:p>
@@ -3325,7 +3331,7 @@
           <a:p>
             <a:fld id="{4C0C24D1-D28D-4714-8665-7C693EECAB22}" type="datetimeFigureOut">
               <a:rPr lang="de-DE" smtClean="0"/>
-              <a:t>08.10.2019</a:t>
+              <a:t>29.10.2019</a:t>
             </a:fld>
             <a:endParaRPr lang="de-DE"/>
           </a:p>
@@ -3538,7 +3544,7 @@
           <a:p>
             <a:fld id="{4C0C24D1-D28D-4714-8665-7C693EECAB22}" type="datetimeFigureOut">
               <a:rPr lang="de-DE" smtClean="0"/>
-              <a:t>08.10.2019</a:t>
+              <a:t>29.10.2019</a:t>
             </a:fld>
             <a:endParaRPr lang="de-DE"/>
           </a:p>
@@ -3974,8 +3980,8 @@
           <a:p>
             <a:pPr algn="ctr"/>
             <a:r>
-              <a:rPr lang="de-DE" sz="6600" smtClean="0"/>
-              <a:t>13:15 </a:t>
+              <a:rPr lang="de-DE" sz="6600" dirty="0" smtClean="0"/>
+              <a:t>13:30 </a:t>
             </a:r>
             <a:r>
               <a:rPr lang="de-DE" sz="6600" dirty="0"/>
@@ -4064,10 +4070,10 @@
       </p:grpSpPr>
       <p:sp>
         <p:nvSpPr>
-          <p:cNvPr id="5" name="Titel 4">
+          <p:cNvPr id="8" name="Titel 7">
             <a:extLst>
               <a:ext uri="{FF2B5EF4-FFF2-40B4-BE49-F238E27FC236}">
-                <a16:creationId xmlns:a16="http://schemas.microsoft.com/office/drawing/2014/main" id="{30D036D8-89B9-47BE-B0D2-7A4C1D6F2178}"/>
+                <a16:creationId xmlns:a16="http://schemas.microsoft.com/office/drawing/2014/main" id="{9867D752-BB0C-4393-A00B-5715AEF40D66}"/>
               </a:ext>
             </a:extLst>
           </p:cNvPr>
@@ -4085,17 +4091,17 @@
           <a:p>
             <a:r>
               <a:rPr lang="de-DE" dirty="0"/>
-              <a:t>Kurszeiten</a:t>
-            </a:r>
-          </a:p>
-        </p:txBody>
-      </p:sp>
-      <p:sp>
-        <p:nvSpPr>
-          <p:cNvPr id="20" name="Inhaltsplatzhalter 19">
+              <a:t>Zusammenarbeit</a:t>
+            </a:r>
+          </a:p>
+        </p:txBody>
+      </p:sp>
+      <p:sp>
+        <p:nvSpPr>
+          <p:cNvPr id="9" name="Inhaltsplatzhalter 8">
             <a:extLst>
               <a:ext uri="{FF2B5EF4-FFF2-40B4-BE49-F238E27FC236}">
-                <a16:creationId xmlns:a16="http://schemas.microsoft.com/office/drawing/2014/main" id="{A9A20E52-0970-4F94-8EB5-8FA5DE6FDAAD}"/>
+                <a16:creationId xmlns:a16="http://schemas.microsoft.com/office/drawing/2014/main" id="{4805D453-6DC8-4856-822E-7BA9C1F243DC}"/>
               </a:ext>
             </a:extLst>
           </p:cNvPr>
@@ -4115,75 +4121,48 @@
               <a:buNone/>
             </a:pPr>
             <a:r>
-              <a:rPr lang="de-DE" b="1" dirty="0"/>
-              <a:t>Kurszeiten</a:t>
+              <a:rPr lang="de-DE" dirty="0" smtClean="0"/>
+              <a:t>Stört </a:t>
+            </a:r>
+            <a:r>
+              <a:rPr lang="de-DE" dirty="0"/>
+              <a:t>Sie was, unklar worauf ich hinaus will. Bitte melden Sie sich</a:t>
+            </a:r>
+            <a:r>
+              <a:rPr lang="de-DE" dirty="0" smtClean="0"/>
+              <a:t>!</a:t>
             </a:r>
           </a:p>
           <a:p>
             <a:pPr marL="0" indent="0">
               <a:buNone/>
             </a:pPr>
-            <a:r>
-              <a:rPr lang="de-DE" dirty="0"/>
-              <a:t>9:00 – 16:00 Uhr</a:t>
-            </a:r>
+            <a:endParaRPr lang="de-DE" dirty="0" smtClean="0"/>
           </a:p>
           <a:p>
             <a:pPr marL="0" indent="0">
               <a:buNone/>
             </a:pPr>
-            <a:endParaRPr lang="de-DE" dirty="0"/>
+            <a:r>
+              <a:rPr lang="de-DE" dirty="0" smtClean="0"/>
+              <a:t>Ich werde nicht ungebeten helfen, daher melden Sie sich bitte selbstständig, wenn Sie Hilfe brauchen.</a:t>
+            </a:r>
+            <a:endParaRPr lang="de-DE" sz="2000" dirty="0"/>
           </a:p>
           <a:p>
             <a:pPr marL="0" indent="0">
               <a:buNone/>
             </a:pPr>
-            <a:r>
-              <a:rPr lang="de-DE" b="1" dirty="0"/>
-              <a:t>Mittagspause</a:t>
-            </a:r>
-          </a:p>
-          <a:p>
-            <a:pPr marL="0" indent="0">
-              <a:buNone/>
-            </a:pPr>
-            <a:r>
-              <a:rPr lang="de-DE" dirty="0"/>
-              <a:t>1 Stunde gegen 12 Uhr</a:t>
-            </a:r>
-          </a:p>
-          <a:p>
-            <a:pPr marL="0" indent="0">
-              <a:buNone/>
-            </a:pPr>
-            <a:endParaRPr lang="de-DE" dirty="0"/>
-          </a:p>
-          <a:p>
-            <a:pPr marL="0" indent="0">
-              <a:buNone/>
-            </a:pPr>
-            <a:r>
-              <a:rPr lang="de-DE" b="1" dirty="0"/>
-              <a:t>Verschnaufpausen</a:t>
-            </a:r>
-          </a:p>
-          <a:p>
-            <a:pPr marL="0" indent="0">
-              <a:buNone/>
-            </a:pPr>
-            <a:r>
-              <a:rPr lang="de-DE" dirty="0"/>
-              <a:t>Vormittags und Nachmittags jeweils 15min</a:t>
-            </a:r>
-          </a:p>
-        </p:txBody>
-      </p:sp>
-      <p:sp>
-        <p:nvSpPr>
-          <p:cNvPr id="17" name="Textplatzhalter 16">
+            <a:endParaRPr lang="de-DE" sz="2000" dirty="0"/>
+          </a:p>
+        </p:txBody>
+      </p:sp>
+      <p:sp>
+        <p:nvSpPr>
+          <p:cNvPr id="6" name="Textplatzhalter 5">
             <a:extLst>
               <a:ext uri="{FF2B5EF4-FFF2-40B4-BE49-F238E27FC236}">
-                <a16:creationId xmlns:a16="http://schemas.microsoft.com/office/drawing/2014/main" id="{B802A629-3FC8-49ED-BD19-B02A6605E8A4}"/>
+                <a16:creationId xmlns:a16="http://schemas.microsoft.com/office/drawing/2014/main" id="{A2CFD462-2C8E-4447-8233-10382DBA2471}"/>
               </a:ext>
             </a:extLst>
           </p:cNvPr>
@@ -4201,7 +4180,7 @@
           <a:p>
             <a:r>
               <a:rPr lang="de-DE" dirty="0"/>
-              <a:t>KURSZEITEN</a:t>
+              <a:t>ZUSAMMENARBETI</a:t>
             </a:r>
           </a:p>
         </p:txBody>
@@ -4209,7 +4188,7 @@
     </p:spTree>
     <p:extLst>
       <p:ext uri="{BB962C8B-B14F-4D97-AF65-F5344CB8AC3E}">
-        <p14:creationId xmlns:p14="http://schemas.microsoft.com/office/powerpoint/2010/main" val="2185082341"/>
+        <p14:creationId xmlns:p14="http://schemas.microsoft.com/office/powerpoint/2010/main" val="276986113"/>
       </p:ext>
     </p:extLst>
   </p:cSld>
@@ -4245,10 +4224,10 @@
       </p:grpSpPr>
       <p:sp>
         <p:nvSpPr>
-          <p:cNvPr id="2" name="Titel 1">
+          <p:cNvPr id="5" name="Titel 4">
             <a:extLst>
               <a:ext uri="{FF2B5EF4-FFF2-40B4-BE49-F238E27FC236}">
-                <a16:creationId xmlns:a16="http://schemas.microsoft.com/office/drawing/2014/main" id="{FC2FA898-8F74-466B-8EA0-61A5DE01866E}"/>
+                <a16:creationId xmlns:a16="http://schemas.microsoft.com/office/drawing/2014/main" id="{30D036D8-89B9-47BE-B0D2-7A4C1D6F2178}"/>
               </a:ext>
             </a:extLst>
           </p:cNvPr>
@@ -4266,30 +4245,105 @@
           <a:p>
             <a:r>
               <a:rPr lang="de-DE" dirty="0"/>
-              <a:t>Installation </a:t>
-            </a:r>
-            <a:r>
-              <a:rPr lang="de-DE" dirty="0" err="1"/>
-              <a:t>Anaconda</a:t>
-            </a:r>
-            <a:r>
-              <a:rPr lang="de-DE" dirty="0"/>
-              <a:t> </a:t>
-            </a:r>
-            <a:r>
-              <a:rPr lang="de-DE" dirty="0" err="1"/>
-              <a:t>Enviroment</a:t>
-            </a:r>
-            <a:endParaRPr lang="de-DE" dirty="0"/>
-          </a:p>
-        </p:txBody>
-      </p:sp>
-      <p:sp>
-        <p:nvSpPr>
-          <p:cNvPr id="9" name="Textplatzhalter 8">
+              <a:t>Kurszeiten</a:t>
+            </a:r>
+          </a:p>
+        </p:txBody>
+      </p:sp>
+      <p:sp>
+        <p:nvSpPr>
+          <p:cNvPr id="20" name="Inhaltsplatzhalter 19">
             <a:extLst>
               <a:ext uri="{FF2B5EF4-FFF2-40B4-BE49-F238E27FC236}">
-                <a16:creationId xmlns:a16="http://schemas.microsoft.com/office/drawing/2014/main" id="{C222D339-633A-4357-A193-874190D73F44}"/>
+                <a16:creationId xmlns:a16="http://schemas.microsoft.com/office/drawing/2014/main" id="{A9A20E52-0970-4F94-8EB5-8FA5DE6FDAAD}"/>
+              </a:ext>
+            </a:extLst>
+          </p:cNvPr>
+          <p:cNvSpPr>
+            <a:spLocks noGrp="1"/>
+          </p:cNvSpPr>
+          <p:nvPr>
+            <p:ph idx="1"/>
+          </p:nvPr>
+        </p:nvSpPr>
+        <p:spPr/>
+        <p:txBody>
+          <a:bodyPr/>
+          <a:lstStyle/>
+          <a:p>
+            <a:pPr marL="0" indent="0">
+              <a:buNone/>
+            </a:pPr>
+            <a:r>
+              <a:rPr lang="de-DE" b="1" dirty="0"/>
+              <a:t>Kurszeiten</a:t>
+            </a:r>
+          </a:p>
+          <a:p>
+            <a:pPr marL="0" indent="0">
+              <a:buNone/>
+            </a:pPr>
+            <a:r>
+              <a:rPr lang="de-DE" dirty="0"/>
+              <a:t>9:00 – 16:00 Uhr</a:t>
+            </a:r>
+          </a:p>
+          <a:p>
+            <a:pPr marL="0" indent="0">
+              <a:buNone/>
+            </a:pPr>
+            <a:endParaRPr lang="de-DE" dirty="0"/>
+          </a:p>
+          <a:p>
+            <a:pPr marL="0" indent="0">
+              <a:buNone/>
+            </a:pPr>
+            <a:r>
+              <a:rPr lang="de-DE" b="1" dirty="0"/>
+              <a:t>Mittagspause</a:t>
+            </a:r>
+          </a:p>
+          <a:p>
+            <a:pPr marL="0" indent="0">
+              <a:buNone/>
+            </a:pPr>
+            <a:r>
+              <a:rPr lang="de-DE" dirty="0"/>
+              <a:t>1 Stunde gegen 12 Uhr</a:t>
+            </a:r>
+          </a:p>
+          <a:p>
+            <a:pPr marL="0" indent="0">
+              <a:buNone/>
+            </a:pPr>
+            <a:endParaRPr lang="de-DE" dirty="0"/>
+          </a:p>
+          <a:p>
+            <a:pPr marL="0" indent="0">
+              <a:buNone/>
+            </a:pPr>
+            <a:r>
+              <a:rPr lang="de-DE" b="1" dirty="0"/>
+              <a:t>Verschnaufpausen</a:t>
+            </a:r>
+          </a:p>
+          <a:p>
+            <a:pPr marL="0" indent="0">
+              <a:buNone/>
+            </a:pPr>
+            <a:r>
+              <a:rPr lang="de-DE" dirty="0"/>
+              <a:t>Vormittags und Nachmittags jeweils 15min</a:t>
+            </a:r>
+          </a:p>
+        </p:txBody>
+      </p:sp>
+      <p:sp>
+        <p:nvSpPr>
+          <p:cNvPr id="17" name="Textplatzhalter 16">
+            <a:extLst>
+              <a:ext uri="{FF2B5EF4-FFF2-40B4-BE49-F238E27FC236}">
+                <a16:creationId xmlns:a16="http://schemas.microsoft.com/office/drawing/2014/main" id="{B802A629-3FC8-49ED-BD19-B02A6605E8A4}"/>
               </a:ext>
             </a:extLst>
           </p:cNvPr>
@@ -4307,200 +4361,15 @@
           <a:p>
             <a:r>
               <a:rPr lang="de-DE" dirty="0"/>
-              <a:t>VORBEREITUNGEN</a:t>
-            </a:r>
-          </a:p>
-        </p:txBody>
-      </p:sp>
-      <p:sp>
-        <p:nvSpPr>
-          <p:cNvPr id="6" name="Textfeld 5">
-            <a:extLst>
-              <a:ext uri="{FF2B5EF4-FFF2-40B4-BE49-F238E27FC236}">
-                <a16:creationId xmlns:a16="http://schemas.microsoft.com/office/drawing/2014/main" id="{9C75017A-5BFD-4F42-B226-67DD4DA80B79}"/>
-              </a:ext>
-            </a:extLst>
-          </p:cNvPr>
-          <p:cNvSpPr txBox="1"/>
-          <p:nvPr/>
-        </p:nvSpPr>
-        <p:spPr>
-          <a:xfrm>
-            <a:off x="7057504" y="6518140"/>
-            <a:ext cx="2086496" cy="230832"/>
-          </a:xfrm>
-          <a:prstGeom prst="rect">
-            <a:avLst/>
-          </a:prstGeom>
-          <a:noFill/>
-        </p:spPr>
-        <p:txBody>
-          <a:bodyPr wrap="square" rtlCol="0">
-            <a:spAutoFit/>
-          </a:bodyPr>
-          <a:lstStyle/>
-          <a:p>
-            <a:pPr algn="ctr"/>
-            <a:r>
-              <a:rPr lang="de-DE" sz="900" dirty="0">
-                <a:solidFill>
-                  <a:schemeClr val="bg1">
-                    <a:lumMod val="75000"/>
-                  </a:schemeClr>
-                </a:solidFill>
-                <a:latin typeface="Roboto" panose="02000000000000000000" pitchFamily="2" charset="0"/>
-                <a:ea typeface="Roboto" panose="02000000000000000000" pitchFamily="2" charset="0"/>
-              </a:rPr>
-              <a:t>Copyright 2019 </a:t>
-            </a:r>
-            <a:r>
-              <a:rPr lang="de-DE" sz="900" dirty="0" err="1">
-                <a:solidFill>
-                  <a:schemeClr val="bg1">
-                    <a:lumMod val="75000"/>
-                  </a:schemeClr>
-                </a:solidFill>
-                <a:latin typeface="Roboto" panose="02000000000000000000" pitchFamily="2" charset="0"/>
-                <a:ea typeface="Roboto" panose="02000000000000000000" pitchFamily="2" charset="0"/>
-              </a:rPr>
-              <a:t>by</a:t>
-            </a:r>
-            <a:r>
-              <a:rPr lang="de-DE" sz="900" dirty="0">
-                <a:solidFill>
-                  <a:schemeClr val="bg1">
-                    <a:lumMod val="75000"/>
-                  </a:schemeClr>
-                </a:solidFill>
-                <a:latin typeface="Roboto" panose="02000000000000000000" pitchFamily="2" charset="0"/>
-                <a:ea typeface="Roboto" panose="02000000000000000000" pitchFamily="2" charset="0"/>
-              </a:rPr>
-              <a:t> Max Mönch</a:t>
-            </a:r>
-          </a:p>
-        </p:txBody>
-      </p:sp>
-      <p:sp>
-        <p:nvSpPr>
-          <p:cNvPr id="11" name="Inhaltsplatzhalter 10">
-            <a:extLst>
-              <a:ext uri="{FF2B5EF4-FFF2-40B4-BE49-F238E27FC236}">
-                <a16:creationId xmlns:a16="http://schemas.microsoft.com/office/drawing/2014/main" id="{14F887AA-CAFE-4935-898E-A619D494EFD3}"/>
-              </a:ext>
-            </a:extLst>
-          </p:cNvPr>
-          <p:cNvSpPr>
-            <a:spLocks noGrp="1"/>
-          </p:cNvSpPr>
-          <p:nvPr>
-            <p:ph idx="1"/>
-          </p:nvPr>
-        </p:nvSpPr>
-        <p:spPr/>
-        <p:txBody>
-          <a:bodyPr/>
-          <a:lstStyle/>
-          <a:p>
-            <a:pPr marL="0" indent="0">
-              <a:buNone/>
-            </a:pPr>
-            <a:r>
-              <a:rPr lang="de-DE" dirty="0"/>
-              <a:t>Bevor wir starten können müssen wir erst alle notwendigen Bibliotheken installieren. praktischer Weise hilft uns hier </a:t>
-            </a:r>
-            <a:r>
-              <a:rPr lang="de-DE" dirty="0" err="1"/>
-              <a:t>Anaconda</a:t>
-            </a:r>
-            <a:r>
-              <a:rPr lang="de-DE" dirty="0"/>
-              <a:t>.</a:t>
-            </a:r>
-          </a:p>
-          <a:p>
-            <a:pPr marL="0" indent="0">
-              <a:buNone/>
-            </a:pPr>
-            <a:endParaRPr lang="de-DE" dirty="0"/>
-          </a:p>
-          <a:p>
-            <a:pPr marL="0" indent="0">
-              <a:buNone/>
-            </a:pPr>
-            <a:r>
-              <a:rPr lang="de-DE" dirty="0"/>
-              <a:t>Kopieren Sie die Dateien auf Ihren </a:t>
-            </a:r>
-            <a:r>
-              <a:rPr lang="de-DE" b="1" dirty="0"/>
-              <a:t>Desktop</a:t>
-            </a:r>
-            <a:r>
-              <a:rPr lang="de-DE" dirty="0"/>
-              <a:t>.</a:t>
-            </a:r>
-          </a:p>
-          <a:p>
-            <a:pPr marL="0" indent="0">
-              <a:buNone/>
-            </a:pPr>
-            <a:endParaRPr lang="de-DE" dirty="0"/>
-          </a:p>
-          <a:p>
-            <a:pPr marL="0" indent="0">
-              <a:buNone/>
-            </a:pPr>
-            <a:r>
-              <a:rPr lang="de-DE" dirty="0"/>
-              <a:t>In dem Verzeichnis </a:t>
-            </a:r>
-            <a:r>
-              <a:rPr lang="de-DE" b="1" dirty="0" err="1"/>
-              <a:t>pandas</a:t>
-            </a:r>
-            <a:r>
-              <a:rPr lang="de-DE" b="1" dirty="0"/>
-              <a:t>-basic</a:t>
-            </a:r>
-            <a:r>
-              <a:rPr lang="de-DE" dirty="0"/>
-              <a:t> befindet sich im Unterverzeichnis </a:t>
-            </a:r>
-            <a:r>
-              <a:rPr lang="de-DE" b="1" dirty="0" err="1"/>
-              <a:t>scripts</a:t>
-            </a:r>
-            <a:r>
-              <a:rPr lang="de-DE" dirty="0"/>
-              <a:t> eine Datei </a:t>
-            </a:r>
-            <a:r>
-              <a:rPr lang="de-DE" b="1" dirty="0"/>
-              <a:t>install_conda_env.bat</a:t>
-            </a:r>
-            <a:r>
-              <a:rPr lang="de-DE" dirty="0"/>
-              <a:t>. Führen Sie diese aus. </a:t>
-            </a:r>
-          </a:p>
-          <a:p>
-            <a:pPr marL="0" indent="0">
-              <a:buNone/>
-            </a:pPr>
-            <a:endParaRPr lang="de-DE" dirty="0"/>
-          </a:p>
-          <a:p>
-            <a:pPr marL="0" indent="0">
-              <a:buNone/>
-            </a:pPr>
-            <a:endParaRPr lang="de-DE" dirty="0"/>
+              <a:t>KURSZEITEN</a:t>
+            </a:r>
           </a:p>
         </p:txBody>
       </p:sp>
     </p:spTree>
     <p:extLst>
       <p:ext uri="{BB962C8B-B14F-4D97-AF65-F5344CB8AC3E}">
-        <p14:creationId xmlns:p14="http://schemas.microsoft.com/office/powerpoint/2010/main" val="3801721147"/>
+        <p14:creationId xmlns:p14="http://schemas.microsoft.com/office/powerpoint/2010/main" val="2185082341"/>
       </p:ext>
     </p:extLst>
   </p:cSld>
@@ -4536,48 +4405,10 @@
       </p:grpSpPr>
       <p:sp>
         <p:nvSpPr>
-          <p:cNvPr id="4" name="Textfeld 3">
-            <a:extLst>
-              <a:ext uri="{FF2B5EF4-FFF2-40B4-BE49-F238E27FC236}">
-                <a16:creationId xmlns:a16="http://schemas.microsoft.com/office/drawing/2014/main" id="{84F7FBEA-4581-4F36-A22D-0729EABF1580}"/>
-              </a:ext>
-            </a:extLst>
-          </p:cNvPr>
-          <p:cNvSpPr txBox="1"/>
-          <p:nvPr/>
-        </p:nvSpPr>
-        <p:spPr>
-          <a:xfrm>
-            <a:off x="8785247" y="3066941"/>
-            <a:ext cx="4946072" cy="923330"/>
-          </a:xfrm>
-          <a:prstGeom prst="rect">
-            <a:avLst/>
-          </a:prstGeom>
-          <a:noFill/>
-        </p:spPr>
-        <p:txBody>
-          <a:bodyPr wrap="square" rtlCol="0">
-            <a:spAutoFit/>
-          </a:bodyPr>
-          <a:lstStyle/>
-          <a:p>
-            <a:endParaRPr lang="de-DE" dirty="0"/>
-          </a:p>
-          <a:p>
-            <a:endParaRPr lang="de-DE" dirty="0"/>
-          </a:p>
-          <a:p>
-            <a:endParaRPr lang="de-DE" dirty="0"/>
-          </a:p>
-        </p:txBody>
-      </p:sp>
-      <p:sp>
-        <p:nvSpPr>
           <p:cNvPr id="2" name="Titel 1">
             <a:extLst>
               <a:ext uri="{FF2B5EF4-FFF2-40B4-BE49-F238E27FC236}">
-                <a16:creationId xmlns:a16="http://schemas.microsoft.com/office/drawing/2014/main" id="{DE11FFC8-1695-4289-A248-846A6F653D60}"/>
+                <a16:creationId xmlns:a16="http://schemas.microsoft.com/office/drawing/2014/main" id="{FC2FA898-8F74-466B-8EA0-61A5DE01866E}"/>
               </a:ext>
             </a:extLst>
           </p:cNvPr>
@@ -4594,21 +4425,127 @@
           <a:lstStyle/>
           <a:p>
             <a:r>
-              <a:rPr lang="de-DE" dirty="0">
+              <a:rPr lang="de-DE" dirty="0"/>
+              <a:t>Installation </a:t>
+            </a:r>
+            <a:r>
+              <a:rPr lang="de-DE" dirty="0" err="1"/>
+              <a:t>Anaconda</a:t>
+            </a:r>
+            <a:r>
+              <a:rPr lang="de-DE" dirty="0"/>
+              <a:t> </a:t>
+            </a:r>
+            <a:r>
+              <a:rPr lang="de-DE" dirty="0" err="1"/>
+              <a:t>Enviroment</a:t>
+            </a:r>
+            <a:endParaRPr lang="de-DE" dirty="0"/>
+          </a:p>
+        </p:txBody>
+      </p:sp>
+      <p:sp>
+        <p:nvSpPr>
+          <p:cNvPr id="9" name="Textplatzhalter 8">
+            <a:extLst>
+              <a:ext uri="{FF2B5EF4-FFF2-40B4-BE49-F238E27FC236}">
+                <a16:creationId xmlns:a16="http://schemas.microsoft.com/office/drawing/2014/main" id="{C222D339-633A-4357-A193-874190D73F44}"/>
+              </a:ext>
+            </a:extLst>
+          </p:cNvPr>
+          <p:cNvSpPr>
+            <a:spLocks noGrp="1"/>
+          </p:cNvSpPr>
+          <p:nvPr>
+            <p:ph type="body" sz="quarter" idx="11"/>
+          </p:nvPr>
+        </p:nvSpPr>
+        <p:spPr/>
+        <p:txBody>
+          <a:bodyPr/>
+          <a:lstStyle/>
+          <a:p>
+            <a:r>
+              <a:rPr lang="de-DE" dirty="0"/>
+              <a:t>VORBEREITUNGEN</a:t>
+            </a:r>
+          </a:p>
+        </p:txBody>
+      </p:sp>
+      <p:sp>
+        <p:nvSpPr>
+          <p:cNvPr id="6" name="Textfeld 5">
+            <a:extLst>
+              <a:ext uri="{FF2B5EF4-FFF2-40B4-BE49-F238E27FC236}">
+                <a16:creationId xmlns:a16="http://schemas.microsoft.com/office/drawing/2014/main" id="{9C75017A-5BFD-4F42-B226-67DD4DA80B79}"/>
+              </a:ext>
+            </a:extLst>
+          </p:cNvPr>
+          <p:cNvSpPr txBox="1"/>
+          <p:nvPr/>
+        </p:nvSpPr>
+        <p:spPr>
+          <a:xfrm>
+            <a:off x="7057504" y="6518140"/>
+            <a:ext cx="2086496" cy="230832"/>
+          </a:xfrm>
+          <a:prstGeom prst="rect">
+            <a:avLst/>
+          </a:prstGeom>
+          <a:noFill/>
+        </p:spPr>
+        <p:txBody>
+          <a:bodyPr wrap="square" rtlCol="0">
+            <a:spAutoFit/>
+          </a:bodyPr>
+          <a:lstStyle/>
+          <a:p>
+            <a:pPr algn="ctr"/>
+            <a:r>
+              <a:rPr lang="de-DE" sz="900" dirty="0">
+                <a:solidFill>
+                  <a:schemeClr val="bg1">
+                    <a:lumMod val="75000"/>
+                  </a:schemeClr>
+                </a:solidFill>
                 <a:latin typeface="Roboto" panose="02000000000000000000" pitchFamily="2" charset="0"/>
                 <a:ea typeface="Roboto" panose="02000000000000000000" pitchFamily="2" charset="0"/>
               </a:rPr>
-              <a:t>Seminar Aufbau</a:t>
-            </a:r>
-          </a:p>
-        </p:txBody>
-      </p:sp>
-      <p:sp>
-        <p:nvSpPr>
-          <p:cNvPr id="8" name="Inhaltsplatzhalter 7">
+              <a:t>Copyright 2019 </a:t>
+            </a:r>
+            <a:r>
+              <a:rPr lang="de-DE" sz="900" dirty="0" err="1">
+                <a:solidFill>
+                  <a:schemeClr val="bg1">
+                    <a:lumMod val="75000"/>
+                  </a:schemeClr>
+                </a:solidFill>
+                <a:latin typeface="Roboto" panose="02000000000000000000" pitchFamily="2" charset="0"/>
+                <a:ea typeface="Roboto" panose="02000000000000000000" pitchFamily="2" charset="0"/>
+              </a:rPr>
+              <a:t>by</a:t>
+            </a:r>
+            <a:r>
+              <a:rPr lang="de-DE" sz="900" dirty="0">
+                <a:solidFill>
+                  <a:schemeClr val="bg1">
+                    <a:lumMod val="75000"/>
+                  </a:schemeClr>
+                </a:solidFill>
+                <a:latin typeface="Roboto" panose="02000000000000000000" pitchFamily="2" charset="0"/>
+                <a:ea typeface="Roboto" panose="02000000000000000000" pitchFamily="2" charset="0"/>
+              </a:rPr>
+              <a:t> Max Mönch</a:t>
+            </a:r>
+          </a:p>
+        </p:txBody>
+      </p:sp>
+      <p:sp>
+        <p:nvSpPr>
+          <p:cNvPr id="11" name="Inhaltsplatzhalter 10">
             <a:extLst>
               <a:ext uri="{FF2B5EF4-FFF2-40B4-BE49-F238E27FC236}">
-                <a16:creationId xmlns:a16="http://schemas.microsoft.com/office/drawing/2014/main" id="{D956DCBA-CF46-4104-983A-13AB8B0A00B2}"/>
+                <a16:creationId xmlns:a16="http://schemas.microsoft.com/office/drawing/2014/main" id="{14F887AA-CAFE-4935-898E-A619D494EFD3}"/>
               </a:ext>
             </a:extLst>
           </p:cNvPr>
@@ -4628,79 +4565,102 @@
               <a:buNone/>
             </a:pPr>
             <a:r>
+              <a:rPr lang="de-DE" dirty="0"/>
+              <a:t>Bevor wir starten können müssen wir erst alle notwendigen Bibliotheken installieren. praktischer Weise hilft uns hier </a:t>
+            </a:r>
+            <a:r>
+              <a:rPr lang="de-DE" dirty="0" err="1"/>
+              <a:t>Anaconda</a:t>
+            </a:r>
+            <a:r>
+              <a:rPr lang="de-DE" dirty="0"/>
+              <a:t>.</a:t>
+            </a:r>
+          </a:p>
+          <a:p>
+            <a:pPr marL="0" indent="0">
+              <a:buNone/>
+            </a:pPr>
+            <a:endParaRPr lang="de-DE" dirty="0"/>
+          </a:p>
+          <a:p>
+            <a:pPr marL="0" indent="0">
+              <a:buNone/>
+            </a:pPr>
+            <a:r>
+              <a:rPr lang="de-DE" dirty="0"/>
+              <a:t>Kopieren Sie die Dateien auf Ihren </a:t>
+            </a:r>
+            <a:r>
               <a:rPr lang="de-DE" b="1" dirty="0"/>
-              <a:t>Seminar Aufbau</a:t>
-            </a:r>
-          </a:p>
-          <a:p>
-            <a:pPr marL="285750" indent="-285750"/>
+              <a:t>Desktop</a:t>
+            </a:r>
             <a:r>
               <a:rPr lang="de-DE" dirty="0"/>
-              <a:t>Grundliegenende Funktionen</a:t>
-            </a:r>
-          </a:p>
-          <a:p>
-            <a:pPr marL="285750" indent="-285750"/>
-            <a:r>
-              <a:rPr lang="de-DE" dirty="0">
-                <a:solidFill>
-                  <a:srgbClr val="FFC000"/>
-                </a:solidFill>
-              </a:rPr>
-              <a:t>Kernfunktionalitäten - Daten Aufbereiten</a:t>
-            </a:r>
-          </a:p>
-          <a:p>
-            <a:pPr marL="285750" indent="-285750"/>
+              <a:t>.</a:t>
+            </a:r>
+          </a:p>
+          <a:p>
+            <a:pPr marL="0" indent="0">
+              <a:buNone/>
+            </a:pPr>
+            <a:endParaRPr lang="de-DE" dirty="0"/>
+          </a:p>
+          <a:p>
+            <a:pPr marL="0" indent="0">
+              <a:buNone/>
+            </a:pPr>
             <a:r>
               <a:rPr lang="de-DE" dirty="0"/>
-              <a:t>Visualisierung und Interaktion</a:t>
-            </a:r>
-          </a:p>
-          <a:p>
-            <a:pPr marL="285750" indent="-285750"/>
+              <a:t>In dem Verzeichnis </a:t>
+            </a:r>
+            <a:r>
+              <a:rPr lang="de-DE" b="1" dirty="0" err="1"/>
+              <a:t>pandas</a:t>
+            </a:r>
+            <a:r>
+              <a:rPr lang="de-DE" b="1" dirty="0"/>
+              <a:t>-basic</a:t>
+            </a:r>
             <a:r>
               <a:rPr lang="de-DE" dirty="0"/>
-              <a:t>Abschlussprojekt</a:t>
-            </a:r>
-          </a:p>
-          <a:p>
+              <a:t> befindet sich im Unterverzeichnis </a:t>
+            </a:r>
+            <a:r>
+              <a:rPr lang="de-DE" b="1" dirty="0" err="1"/>
+              <a:t>scripts</a:t>
+            </a:r>
+            <a:r>
+              <a:rPr lang="de-DE" dirty="0"/>
+              <a:t> eine Datei </a:t>
+            </a:r>
+            <a:r>
+              <a:rPr lang="de-DE" b="1" dirty="0"/>
+              <a:t>install_conda_env.bat</a:t>
+            </a:r>
+            <a:r>
+              <a:rPr lang="de-DE" dirty="0"/>
+              <a:t>. Führen Sie diese aus. </a:t>
+            </a:r>
+          </a:p>
+          <a:p>
+            <a:pPr marL="0" indent="0">
+              <a:buNone/>
+            </a:pPr>
             <a:endParaRPr lang="de-DE" dirty="0"/>
           </a:p>
-        </p:txBody>
-      </p:sp>
-      <p:sp>
-        <p:nvSpPr>
-          <p:cNvPr id="5" name="Textplatzhalter 4">
-            <a:extLst>
-              <a:ext uri="{FF2B5EF4-FFF2-40B4-BE49-F238E27FC236}">
-                <a16:creationId xmlns:a16="http://schemas.microsoft.com/office/drawing/2014/main" id="{E9BD0B66-9E26-4FA7-B29C-42C33BF4F51D}"/>
-              </a:ext>
-            </a:extLst>
-          </p:cNvPr>
-          <p:cNvSpPr>
-            <a:spLocks noGrp="1"/>
-          </p:cNvSpPr>
-          <p:nvPr>
-            <p:ph type="body" sz="quarter" idx="11"/>
-          </p:nvPr>
-        </p:nvSpPr>
-        <p:spPr/>
-        <p:txBody>
-          <a:bodyPr/>
-          <a:lstStyle/>
-          <a:p>
-            <a:r>
-              <a:rPr lang="de-DE" dirty="0"/>
-              <a:t>AUFBAU</a:t>
-            </a:r>
+          <a:p>
+            <a:pPr marL="0" indent="0">
+              <a:buNone/>
+            </a:pPr>
+            <a:endParaRPr lang="de-DE" dirty="0"/>
           </a:p>
         </p:txBody>
       </p:sp>
     </p:spTree>
     <p:extLst>
       <p:ext uri="{BB962C8B-B14F-4D97-AF65-F5344CB8AC3E}">
-        <p14:creationId xmlns:p14="http://schemas.microsoft.com/office/powerpoint/2010/main" val="704050743"/>
+        <p14:creationId xmlns:p14="http://schemas.microsoft.com/office/powerpoint/2010/main" val="3801721147"/>
       </p:ext>
     </p:extLst>
   </p:cSld>
@@ -5010,6 +4970,206 @@
       </p:grpSpPr>
       <p:sp>
         <p:nvSpPr>
+          <p:cNvPr id="4" name="Textfeld 3">
+            <a:extLst>
+              <a:ext uri="{FF2B5EF4-FFF2-40B4-BE49-F238E27FC236}">
+                <a16:creationId xmlns:a16="http://schemas.microsoft.com/office/drawing/2014/main" id="{84F7FBEA-4581-4F36-A22D-0729EABF1580}"/>
+              </a:ext>
+            </a:extLst>
+          </p:cNvPr>
+          <p:cNvSpPr txBox="1"/>
+          <p:nvPr/>
+        </p:nvSpPr>
+        <p:spPr>
+          <a:xfrm>
+            <a:off x="8785247" y="3066941"/>
+            <a:ext cx="4946072" cy="923330"/>
+          </a:xfrm>
+          <a:prstGeom prst="rect">
+            <a:avLst/>
+          </a:prstGeom>
+          <a:noFill/>
+        </p:spPr>
+        <p:txBody>
+          <a:bodyPr wrap="square" rtlCol="0">
+            <a:spAutoFit/>
+          </a:bodyPr>
+          <a:lstStyle/>
+          <a:p>
+            <a:endParaRPr lang="de-DE" dirty="0"/>
+          </a:p>
+          <a:p>
+            <a:endParaRPr lang="de-DE" dirty="0"/>
+          </a:p>
+          <a:p>
+            <a:endParaRPr lang="de-DE" dirty="0"/>
+          </a:p>
+        </p:txBody>
+      </p:sp>
+      <p:sp>
+        <p:nvSpPr>
+          <p:cNvPr id="2" name="Titel 1">
+            <a:extLst>
+              <a:ext uri="{FF2B5EF4-FFF2-40B4-BE49-F238E27FC236}">
+                <a16:creationId xmlns:a16="http://schemas.microsoft.com/office/drawing/2014/main" id="{DE11FFC8-1695-4289-A248-846A6F653D60}"/>
+              </a:ext>
+            </a:extLst>
+          </p:cNvPr>
+          <p:cNvSpPr>
+            <a:spLocks noGrp="1"/>
+          </p:cNvSpPr>
+          <p:nvPr>
+            <p:ph type="title"/>
+          </p:nvPr>
+        </p:nvSpPr>
+        <p:spPr/>
+        <p:txBody>
+          <a:bodyPr/>
+          <a:lstStyle/>
+          <a:p>
+            <a:r>
+              <a:rPr lang="de-DE" dirty="0">
+                <a:latin typeface="Roboto" panose="02000000000000000000" pitchFamily="2" charset="0"/>
+                <a:ea typeface="Roboto" panose="02000000000000000000" pitchFamily="2" charset="0"/>
+              </a:rPr>
+              <a:t>Seminar Aufbau</a:t>
+            </a:r>
+          </a:p>
+        </p:txBody>
+      </p:sp>
+      <p:sp>
+        <p:nvSpPr>
+          <p:cNvPr id="8" name="Inhaltsplatzhalter 7">
+            <a:extLst>
+              <a:ext uri="{FF2B5EF4-FFF2-40B4-BE49-F238E27FC236}">
+                <a16:creationId xmlns:a16="http://schemas.microsoft.com/office/drawing/2014/main" id="{D956DCBA-CF46-4104-983A-13AB8B0A00B2}"/>
+              </a:ext>
+            </a:extLst>
+          </p:cNvPr>
+          <p:cNvSpPr>
+            <a:spLocks noGrp="1"/>
+          </p:cNvSpPr>
+          <p:nvPr>
+            <p:ph idx="1"/>
+          </p:nvPr>
+        </p:nvSpPr>
+        <p:spPr/>
+        <p:txBody>
+          <a:bodyPr/>
+          <a:lstStyle/>
+          <a:p>
+            <a:pPr marL="0" indent="0">
+              <a:buNone/>
+            </a:pPr>
+            <a:r>
+              <a:rPr lang="de-DE" b="1" dirty="0"/>
+              <a:t>Seminar Aufbau</a:t>
+            </a:r>
+          </a:p>
+          <a:p>
+            <a:pPr marL="285750" indent="-285750"/>
+            <a:r>
+              <a:rPr lang="de-DE" dirty="0"/>
+              <a:t>Grundliegenende Funktionen</a:t>
+            </a:r>
+          </a:p>
+          <a:p>
+            <a:pPr marL="285750" indent="-285750"/>
+            <a:r>
+              <a:rPr lang="de-DE" dirty="0">
+                <a:solidFill>
+                  <a:srgbClr val="FFC000"/>
+                </a:solidFill>
+              </a:rPr>
+              <a:t>Kernfunktionalitäten - Daten Aufbereiten</a:t>
+            </a:r>
+          </a:p>
+          <a:p>
+            <a:pPr marL="285750" indent="-285750"/>
+            <a:r>
+              <a:rPr lang="de-DE" dirty="0"/>
+              <a:t>Visualisierung und Interaktion</a:t>
+            </a:r>
+          </a:p>
+          <a:p>
+            <a:pPr marL="285750" indent="-285750"/>
+            <a:r>
+              <a:rPr lang="de-DE" dirty="0"/>
+              <a:t>Abschlussprojekt</a:t>
+            </a:r>
+          </a:p>
+          <a:p>
+            <a:endParaRPr lang="de-DE" dirty="0"/>
+          </a:p>
+        </p:txBody>
+      </p:sp>
+      <p:sp>
+        <p:nvSpPr>
+          <p:cNvPr id="5" name="Textplatzhalter 4">
+            <a:extLst>
+              <a:ext uri="{FF2B5EF4-FFF2-40B4-BE49-F238E27FC236}">
+                <a16:creationId xmlns:a16="http://schemas.microsoft.com/office/drawing/2014/main" id="{E9BD0B66-9E26-4FA7-B29C-42C33BF4F51D}"/>
+              </a:ext>
+            </a:extLst>
+          </p:cNvPr>
+          <p:cNvSpPr>
+            <a:spLocks noGrp="1"/>
+          </p:cNvSpPr>
+          <p:nvPr>
+            <p:ph type="body" sz="quarter" idx="11"/>
+          </p:nvPr>
+        </p:nvSpPr>
+        <p:spPr/>
+        <p:txBody>
+          <a:bodyPr/>
+          <a:lstStyle/>
+          <a:p>
+            <a:r>
+              <a:rPr lang="de-DE" dirty="0"/>
+              <a:t>AUFBAU</a:t>
+            </a:r>
+          </a:p>
+        </p:txBody>
+      </p:sp>
+    </p:spTree>
+    <p:extLst>
+      <p:ext uri="{BB962C8B-B14F-4D97-AF65-F5344CB8AC3E}">
+        <p14:creationId xmlns:p14="http://schemas.microsoft.com/office/powerpoint/2010/main" val="704050743"/>
+      </p:ext>
+    </p:extLst>
+  </p:cSld>
+  <p:clrMapOvr>
+    <a:masterClrMapping/>
+  </p:clrMapOvr>
+  <p:timing>
+    <p:tnLst>
+      <p:par>
+        <p:cTn id="1" dur="indefinite" restart="never" nodeType="tmRoot"/>
+      </p:par>
+    </p:tnLst>
+  </p:timing>
+</p:sld>
+</file>
+
+<file path=ppt/slides/slide15.xml><?xml version="1.0" encoding="utf-8"?>
+<p:sld xmlns:a="http://schemas.openxmlformats.org/drawingml/2006/main" xmlns:r="http://schemas.openxmlformats.org/officeDocument/2006/relationships" xmlns:p="http://schemas.openxmlformats.org/presentationml/2006/main">
+  <p:cSld>
+    <p:spTree>
+      <p:nvGrpSpPr>
+        <p:cNvPr id="1" name=""/>
+        <p:cNvGrpSpPr/>
+        <p:nvPr/>
+      </p:nvGrpSpPr>
+      <p:grpSpPr>
+        <a:xfrm>
+          <a:off x="0" y="0"/>
+          <a:ext cx="0" cy="0"/>
+          <a:chOff x="0" y="0"/>
+          <a:chExt cx="0" cy="0"/>
+        </a:xfrm>
+      </p:grpSpPr>
+      <p:sp>
+        <p:nvSpPr>
           <p:cNvPr id="8" name="Titel 7">
             <a:extLst>
               <a:ext uri="{FF2B5EF4-FFF2-40B4-BE49-F238E27FC236}">
@@ -5240,7 +5400,2167 @@
 </p:sld>
 </file>
 
-<file path=ppt/slides/slide15.xml><?xml version="1.0" encoding="utf-8"?>
+<file path=ppt/slides/slide16.xml><?xml version="1.0" encoding="utf-8"?>
+<p:sld xmlns:a="http://schemas.openxmlformats.org/drawingml/2006/main" xmlns:r="http://schemas.openxmlformats.org/officeDocument/2006/relationships" xmlns:p="http://schemas.openxmlformats.org/presentationml/2006/main">
+  <p:cSld>
+    <p:spTree>
+      <p:nvGrpSpPr>
+        <p:cNvPr id="1" name=""/>
+        <p:cNvGrpSpPr/>
+        <p:nvPr/>
+      </p:nvGrpSpPr>
+      <p:grpSpPr>
+        <a:xfrm>
+          <a:off x="0" y="0"/>
+          <a:ext cx="0" cy="0"/>
+          <a:chOff x="0" y="0"/>
+          <a:chExt cx="0" cy="0"/>
+        </a:xfrm>
+      </p:grpSpPr>
+      <p:sp>
+        <p:nvSpPr>
+          <p:cNvPr id="7" name="Rechteck 6">
+            <a:extLst>
+              <a:ext uri="{FF2B5EF4-FFF2-40B4-BE49-F238E27FC236}">
+                <a16:creationId xmlns:a16="http://schemas.microsoft.com/office/drawing/2014/main" id="{D7AAD257-C6F8-41DB-B07A-B4A46584AF26}"/>
+              </a:ext>
+            </a:extLst>
+          </p:cNvPr>
+          <p:cNvSpPr/>
+          <p:nvPr/>
+        </p:nvSpPr>
+        <p:spPr>
+          <a:xfrm>
+            <a:off x="0" y="0"/>
+            <a:ext cx="1155469" cy="6858000"/>
+          </a:xfrm>
+          <a:prstGeom prst="rect">
+            <a:avLst/>
+          </a:prstGeom>
+          <a:solidFill>
+            <a:srgbClr val="FFC000"/>
+          </a:solidFill>
+          <a:ln>
+            <a:noFill/>
+          </a:ln>
+        </p:spPr>
+        <p:style>
+          <a:lnRef idx="2">
+            <a:schemeClr val="accent1">
+              <a:shade val="50000"/>
+            </a:schemeClr>
+          </a:lnRef>
+          <a:fillRef idx="1">
+            <a:schemeClr val="accent1"/>
+          </a:fillRef>
+          <a:effectRef idx="0">
+            <a:schemeClr val="accent1"/>
+          </a:effectRef>
+          <a:fontRef idx="minor">
+            <a:schemeClr val="lt1"/>
+          </a:fontRef>
+        </p:style>
+        <p:txBody>
+          <a:bodyPr rtlCol="0" anchor="ctr"/>
+          <a:lstStyle/>
+          <a:p>
+            <a:pPr algn="ctr"/>
+            <a:endParaRPr lang="de-DE"/>
+          </a:p>
+        </p:txBody>
+      </p:sp>
+      <p:sp>
+        <p:nvSpPr>
+          <p:cNvPr id="2" name="Titel 1">
+            <a:extLst>
+              <a:ext uri="{FF2B5EF4-FFF2-40B4-BE49-F238E27FC236}">
+                <a16:creationId xmlns:a16="http://schemas.microsoft.com/office/drawing/2014/main" id="{FC2FA898-8F74-466B-8EA0-61A5DE01866E}"/>
+              </a:ext>
+            </a:extLst>
+          </p:cNvPr>
+          <p:cNvSpPr>
+            <a:spLocks noGrp="1"/>
+          </p:cNvSpPr>
+          <p:nvPr>
+            <p:ph type="title"/>
+          </p:nvPr>
+        </p:nvSpPr>
+        <p:spPr>
+          <a:xfrm>
+            <a:off x="1953490" y="472216"/>
+            <a:ext cx="5237019" cy="665683"/>
+          </a:xfrm>
+        </p:spPr>
+        <p:txBody>
+          <a:bodyPr>
+            <a:normAutofit/>
+          </a:bodyPr>
+          <a:lstStyle/>
+          <a:p>
+            <a:r>
+              <a:rPr lang="de-DE" sz="2800" dirty="0" smtClean="0">
+                <a:latin typeface="Roboto" panose="02000000000000000000" pitchFamily="2" charset="0"/>
+                <a:ea typeface="Roboto" panose="02000000000000000000" pitchFamily="2" charset="0"/>
+              </a:rPr>
+              <a:t>Was ist ein </a:t>
+            </a:r>
+            <a:r>
+              <a:rPr lang="de-DE" sz="2800" dirty="0" err="1" smtClean="0">
+                <a:latin typeface="Roboto" panose="02000000000000000000" pitchFamily="2" charset="0"/>
+                <a:ea typeface="Roboto" panose="02000000000000000000" pitchFamily="2" charset="0"/>
+              </a:rPr>
+              <a:t>DataFrame</a:t>
+            </a:r>
+            <a:r>
+              <a:rPr lang="de-DE" sz="2800" dirty="0" smtClean="0">
+                <a:latin typeface="Roboto" panose="02000000000000000000" pitchFamily="2" charset="0"/>
+                <a:ea typeface="Roboto" panose="02000000000000000000" pitchFamily="2" charset="0"/>
+              </a:rPr>
+              <a:t> genau?</a:t>
+            </a:r>
+            <a:endParaRPr lang="de-DE" sz="2800" dirty="0">
+              <a:latin typeface="Roboto" panose="02000000000000000000" pitchFamily="2" charset="0"/>
+              <a:ea typeface="Roboto" panose="02000000000000000000" pitchFamily="2" charset="0"/>
+            </a:endParaRPr>
+          </a:p>
+        </p:txBody>
+      </p:sp>
+      <p:pic>
+        <p:nvPicPr>
+          <p:cNvPr id="5" name="Inhaltsplatzhalter 4">
+            <a:extLst>
+              <a:ext uri="{FF2B5EF4-FFF2-40B4-BE49-F238E27FC236}">
+                <a16:creationId xmlns:a16="http://schemas.microsoft.com/office/drawing/2014/main" id="{4AF209E9-F11D-4FA0-9909-047FA1FD0CA4}"/>
+              </a:ext>
+            </a:extLst>
+          </p:cNvPr>
+          <p:cNvPicPr>
+            <a:picLocks noGrp="1" noChangeAspect="1"/>
+          </p:cNvPicPr>
+          <p:nvPr>
+            <p:ph idx="1"/>
+          </p:nvPr>
+        </p:nvPicPr>
+        <p:blipFill>
+          <a:blip r:embed="rId2" cstate="hqprint">
+            <a:extLst>
+              <a:ext uri="{28A0092B-C50C-407E-A947-70E740481C1C}">
+                <a14:useLocalDpi xmlns:a14="http://schemas.microsoft.com/office/drawing/2010/main" val="0"/>
+              </a:ext>
+            </a:extLst>
+          </a:blip>
+          <a:stretch>
+            <a:fillRect/>
+          </a:stretch>
+        </p:blipFill>
+        <p:spPr>
+          <a:xfrm>
+            <a:off x="471784" y="-256730"/>
+            <a:ext cx="1367367" cy="2172353"/>
+          </a:xfrm>
+        </p:spPr>
+      </p:pic>
+      <p:sp>
+        <p:nvSpPr>
+          <p:cNvPr id="6" name="Textfeld 5">
+            <a:extLst>
+              <a:ext uri="{FF2B5EF4-FFF2-40B4-BE49-F238E27FC236}">
+                <a16:creationId xmlns:a16="http://schemas.microsoft.com/office/drawing/2014/main" id="{9C75017A-5BFD-4F42-B226-67DD4DA80B79}"/>
+              </a:ext>
+            </a:extLst>
+          </p:cNvPr>
+          <p:cNvSpPr txBox="1"/>
+          <p:nvPr/>
+        </p:nvSpPr>
+        <p:spPr>
+          <a:xfrm>
+            <a:off x="7057504" y="6518140"/>
+            <a:ext cx="2086496" cy="230832"/>
+          </a:xfrm>
+          <a:prstGeom prst="rect">
+            <a:avLst/>
+          </a:prstGeom>
+          <a:noFill/>
+        </p:spPr>
+        <p:txBody>
+          <a:bodyPr wrap="square" rtlCol="0">
+            <a:spAutoFit/>
+          </a:bodyPr>
+          <a:lstStyle/>
+          <a:p>
+            <a:pPr algn="ctr"/>
+            <a:r>
+              <a:rPr lang="de-DE" sz="900" dirty="0">
+                <a:solidFill>
+                  <a:schemeClr val="bg1">
+                    <a:lumMod val="75000"/>
+                  </a:schemeClr>
+                </a:solidFill>
+                <a:latin typeface="Roboto" panose="02000000000000000000" pitchFamily="2" charset="0"/>
+                <a:ea typeface="Roboto" panose="02000000000000000000" pitchFamily="2" charset="0"/>
+              </a:rPr>
+              <a:t>Copyright 2019 </a:t>
+            </a:r>
+            <a:r>
+              <a:rPr lang="de-DE" sz="900" dirty="0" err="1">
+                <a:solidFill>
+                  <a:schemeClr val="bg1">
+                    <a:lumMod val="75000"/>
+                  </a:schemeClr>
+                </a:solidFill>
+                <a:latin typeface="Roboto" panose="02000000000000000000" pitchFamily="2" charset="0"/>
+                <a:ea typeface="Roboto" panose="02000000000000000000" pitchFamily="2" charset="0"/>
+              </a:rPr>
+              <a:t>by</a:t>
+            </a:r>
+            <a:r>
+              <a:rPr lang="de-DE" sz="900" dirty="0">
+                <a:solidFill>
+                  <a:schemeClr val="bg1">
+                    <a:lumMod val="75000"/>
+                  </a:schemeClr>
+                </a:solidFill>
+                <a:latin typeface="Roboto" panose="02000000000000000000" pitchFamily="2" charset="0"/>
+                <a:ea typeface="Roboto" panose="02000000000000000000" pitchFamily="2" charset="0"/>
+              </a:rPr>
+              <a:t> Max Mönch</a:t>
+            </a:r>
+          </a:p>
+        </p:txBody>
+      </p:sp>
+      <p:sp>
+        <p:nvSpPr>
+          <p:cNvPr id="8" name="Textfeld 7">
+            <a:extLst>
+              <a:ext uri="{FF2B5EF4-FFF2-40B4-BE49-F238E27FC236}">
+                <a16:creationId xmlns:a16="http://schemas.microsoft.com/office/drawing/2014/main" id="{595B06D2-DFA9-4390-958A-D516455F581D}"/>
+              </a:ext>
+            </a:extLst>
+          </p:cNvPr>
+          <p:cNvSpPr txBox="1"/>
+          <p:nvPr/>
+        </p:nvSpPr>
+        <p:spPr>
+          <a:xfrm rot="16200000">
+            <a:off x="-2681336" y="2935904"/>
+            <a:ext cx="6518140" cy="646331"/>
+          </a:xfrm>
+          <a:prstGeom prst="rect">
+            <a:avLst/>
+          </a:prstGeom>
+          <a:noFill/>
+        </p:spPr>
+        <p:txBody>
+          <a:bodyPr wrap="square" rtlCol="0">
+            <a:spAutoFit/>
+          </a:bodyPr>
+          <a:lstStyle/>
+          <a:p>
+            <a:r>
+              <a:rPr lang="de-DE" sz="3600" dirty="0" smtClean="0">
+                <a:solidFill>
+                  <a:schemeClr val="bg1"/>
+                </a:solidFill>
+                <a:latin typeface="Roboto" panose="02000000000000000000" pitchFamily="2" charset="0"/>
+                <a:ea typeface="Roboto" panose="02000000000000000000" pitchFamily="2" charset="0"/>
+              </a:rPr>
+              <a:t>Filtern</a:t>
+            </a:r>
+            <a:endParaRPr lang="de-DE" sz="3600" dirty="0">
+              <a:solidFill>
+                <a:schemeClr val="bg1"/>
+              </a:solidFill>
+              <a:latin typeface="Roboto" panose="02000000000000000000" pitchFamily="2" charset="0"/>
+              <a:ea typeface="Roboto" panose="02000000000000000000" pitchFamily="2" charset="0"/>
+            </a:endParaRPr>
+          </a:p>
+        </p:txBody>
+      </p:sp>
+    </p:spTree>
+    <p:extLst>
+      <p:ext uri="{BB962C8B-B14F-4D97-AF65-F5344CB8AC3E}">
+        <p14:creationId xmlns:p14="http://schemas.microsoft.com/office/powerpoint/2010/main" val="546892156"/>
+      </p:ext>
+    </p:extLst>
+  </p:cSld>
+  <p:clrMapOvr>
+    <a:masterClrMapping/>
+  </p:clrMapOvr>
+  <p:timing>
+    <p:tnLst>
+      <p:par>
+        <p:cTn id="1" dur="indefinite" restart="never" nodeType="tmRoot"/>
+      </p:par>
+    </p:tnLst>
+  </p:timing>
+</p:sld>
+</file>
+
+<file path=ppt/slides/slide17.xml><?xml version="1.0" encoding="utf-8"?>
+<p:sld xmlns:a="http://schemas.openxmlformats.org/drawingml/2006/main" xmlns:r="http://schemas.openxmlformats.org/officeDocument/2006/relationships" xmlns:p="http://schemas.openxmlformats.org/presentationml/2006/main">
+  <p:cSld>
+    <p:spTree>
+      <p:nvGrpSpPr>
+        <p:cNvPr id="1" name=""/>
+        <p:cNvGrpSpPr/>
+        <p:nvPr/>
+      </p:nvGrpSpPr>
+      <p:grpSpPr>
+        <a:xfrm>
+          <a:off x="0" y="0"/>
+          <a:ext cx="0" cy="0"/>
+          <a:chOff x="0" y="0"/>
+          <a:chExt cx="0" cy="0"/>
+        </a:xfrm>
+      </p:grpSpPr>
+      <p:sp>
+        <p:nvSpPr>
+          <p:cNvPr id="7" name="Rechteck 6">
+            <a:extLst>
+              <a:ext uri="{FF2B5EF4-FFF2-40B4-BE49-F238E27FC236}">
+                <a16:creationId xmlns:a16="http://schemas.microsoft.com/office/drawing/2014/main" id="{D7AAD257-C6F8-41DB-B07A-B4A46584AF26}"/>
+              </a:ext>
+            </a:extLst>
+          </p:cNvPr>
+          <p:cNvSpPr/>
+          <p:nvPr/>
+        </p:nvSpPr>
+        <p:spPr>
+          <a:xfrm>
+            <a:off x="0" y="0"/>
+            <a:ext cx="1155469" cy="6858000"/>
+          </a:xfrm>
+          <a:prstGeom prst="rect">
+            <a:avLst/>
+          </a:prstGeom>
+          <a:solidFill>
+            <a:srgbClr val="FFC000"/>
+          </a:solidFill>
+          <a:ln>
+            <a:noFill/>
+          </a:ln>
+        </p:spPr>
+        <p:style>
+          <a:lnRef idx="2">
+            <a:schemeClr val="accent1">
+              <a:shade val="50000"/>
+            </a:schemeClr>
+          </a:lnRef>
+          <a:fillRef idx="1">
+            <a:schemeClr val="accent1"/>
+          </a:fillRef>
+          <a:effectRef idx="0">
+            <a:schemeClr val="accent1"/>
+          </a:effectRef>
+          <a:fontRef idx="minor">
+            <a:schemeClr val="lt1"/>
+          </a:fontRef>
+        </p:style>
+        <p:txBody>
+          <a:bodyPr rtlCol="0" anchor="ctr"/>
+          <a:lstStyle/>
+          <a:p>
+            <a:pPr algn="ctr"/>
+            <a:endParaRPr lang="de-DE"/>
+          </a:p>
+        </p:txBody>
+      </p:sp>
+      <p:sp>
+        <p:nvSpPr>
+          <p:cNvPr id="2" name="Titel 1">
+            <a:extLst>
+              <a:ext uri="{FF2B5EF4-FFF2-40B4-BE49-F238E27FC236}">
+                <a16:creationId xmlns:a16="http://schemas.microsoft.com/office/drawing/2014/main" id="{FC2FA898-8F74-466B-8EA0-61A5DE01866E}"/>
+              </a:ext>
+            </a:extLst>
+          </p:cNvPr>
+          <p:cNvSpPr>
+            <a:spLocks noGrp="1"/>
+          </p:cNvSpPr>
+          <p:nvPr>
+            <p:ph type="title"/>
+          </p:nvPr>
+        </p:nvSpPr>
+        <p:spPr>
+          <a:xfrm>
+            <a:off x="1953490" y="472216"/>
+            <a:ext cx="5237019" cy="665683"/>
+          </a:xfrm>
+        </p:spPr>
+        <p:txBody>
+          <a:bodyPr>
+            <a:normAutofit/>
+          </a:bodyPr>
+          <a:lstStyle/>
+          <a:p>
+            <a:r>
+              <a:rPr lang="de-DE" sz="2800" dirty="0" smtClean="0">
+                <a:latin typeface="Roboto" panose="02000000000000000000" pitchFamily="2" charset="0"/>
+                <a:ea typeface="Roboto" panose="02000000000000000000" pitchFamily="2" charset="0"/>
+              </a:rPr>
+              <a:t>Was ist </a:t>
+            </a:r>
+            <a:r>
+              <a:rPr lang="de-DE" sz="2800" smtClean="0">
+                <a:latin typeface="Roboto" panose="02000000000000000000" pitchFamily="2" charset="0"/>
+                <a:ea typeface="Roboto" panose="02000000000000000000" pitchFamily="2" charset="0"/>
+              </a:rPr>
+              <a:t>ein Series </a:t>
+            </a:r>
+            <a:r>
+              <a:rPr lang="de-DE" sz="2800" dirty="0" smtClean="0">
+                <a:latin typeface="Roboto" panose="02000000000000000000" pitchFamily="2" charset="0"/>
+                <a:ea typeface="Roboto" panose="02000000000000000000" pitchFamily="2" charset="0"/>
+              </a:rPr>
+              <a:t>genau?</a:t>
+            </a:r>
+            <a:endParaRPr lang="de-DE" sz="2800" dirty="0">
+              <a:latin typeface="Roboto" panose="02000000000000000000" pitchFamily="2" charset="0"/>
+              <a:ea typeface="Roboto" panose="02000000000000000000" pitchFamily="2" charset="0"/>
+            </a:endParaRPr>
+          </a:p>
+        </p:txBody>
+      </p:sp>
+      <p:pic>
+        <p:nvPicPr>
+          <p:cNvPr id="5" name="Inhaltsplatzhalter 4">
+            <a:extLst>
+              <a:ext uri="{FF2B5EF4-FFF2-40B4-BE49-F238E27FC236}">
+                <a16:creationId xmlns:a16="http://schemas.microsoft.com/office/drawing/2014/main" id="{4AF209E9-F11D-4FA0-9909-047FA1FD0CA4}"/>
+              </a:ext>
+            </a:extLst>
+          </p:cNvPr>
+          <p:cNvPicPr>
+            <a:picLocks noGrp="1" noChangeAspect="1"/>
+          </p:cNvPicPr>
+          <p:nvPr>
+            <p:ph idx="1"/>
+          </p:nvPr>
+        </p:nvPicPr>
+        <p:blipFill>
+          <a:blip r:embed="rId2" cstate="hqprint">
+            <a:extLst>
+              <a:ext uri="{28A0092B-C50C-407E-A947-70E740481C1C}">
+                <a14:useLocalDpi xmlns:a14="http://schemas.microsoft.com/office/drawing/2010/main" val="0"/>
+              </a:ext>
+            </a:extLst>
+          </a:blip>
+          <a:stretch>
+            <a:fillRect/>
+          </a:stretch>
+        </p:blipFill>
+        <p:spPr>
+          <a:xfrm>
+            <a:off x="471784" y="-256730"/>
+            <a:ext cx="1367367" cy="2172353"/>
+          </a:xfrm>
+        </p:spPr>
+      </p:pic>
+      <p:sp>
+        <p:nvSpPr>
+          <p:cNvPr id="6" name="Textfeld 5">
+            <a:extLst>
+              <a:ext uri="{FF2B5EF4-FFF2-40B4-BE49-F238E27FC236}">
+                <a16:creationId xmlns:a16="http://schemas.microsoft.com/office/drawing/2014/main" id="{9C75017A-5BFD-4F42-B226-67DD4DA80B79}"/>
+              </a:ext>
+            </a:extLst>
+          </p:cNvPr>
+          <p:cNvSpPr txBox="1"/>
+          <p:nvPr/>
+        </p:nvSpPr>
+        <p:spPr>
+          <a:xfrm>
+            <a:off x="7057504" y="6518140"/>
+            <a:ext cx="2086496" cy="230832"/>
+          </a:xfrm>
+          <a:prstGeom prst="rect">
+            <a:avLst/>
+          </a:prstGeom>
+          <a:noFill/>
+        </p:spPr>
+        <p:txBody>
+          <a:bodyPr wrap="square" rtlCol="0">
+            <a:spAutoFit/>
+          </a:bodyPr>
+          <a:lstStyle/>
+          <a:p>
+            <a:pPr algn="ctr"/>
+            <a:r>
+              <a:rPr lang="de-DE" sz="900" dirty="0">
+                <a:solidFill>
+                  <a:schemeClr val="bg1">
+                    <a:lumMod val="75000"/>
+                  </a:schemeClr>
+                </a:solidFill>
+                <a:latin typeface="Roboto" panose="02000000000000000000" pitchFamily="2" charset="0"/>
+                <a:ea typeface="Roboto" panose="02000000000000000000" pitchFamily="2" charset="0"/>
+              </a:rPr>
+              <a:t>Copyright 2019 </a:t>
+            </a:r>
+            <a:r>
+              <a:rPr lang="de-DE" sz="900" dirty="0" err="1">
+                <a:solidFill>
+                  <a:schemeClr val="bg1">
+                    <a:lumMod val="75000"/>
+                  </a:schemeClr>
+                </a:solidFill>
+                <a:latin typeface="Roboto" panose="02000000000000000000" pitchFamily="2" charset="0"/>
+                <a:ea typeface="Roboto" panose="02000000000000000000" pitchFamily="2" charset="0"/>
+              </a:rPr>
+              <a:t>by</a:t>
+            </a:r>
+            <a:r>
+              <a:rPr lang="de-DE" sz="900" dirty="0">
+                <a:solidFill>
+                  <a:schemeClr val="bg1">
+                    <a:lumMod val="75000"/>
+                  </a:schemeClr>
+                </a:solidFill>
+                <a:latin typeface="Roboto" panose="02000000000000000000" pitchFamily="2" charset="0"/>
+                <a:ea typeface="Roboto" panose="02000000000000000000" pitchFamily="2" charset="0"/>
+              </a:rPr>
+              <a:t> Max Mönch</a:t>
+            </a:r>
+          </a:p>
+        </p:txBody>
+      </p:sp>
+      <p:sp>
+        <p:nvSpPr>
+          <p:cNvPr id="8" name="Textfeld 7">
+            <a:extLst>
+              <a:ext uri="{FF2B5EF4-FFF2-40B4-BE49-F238E27FC236}">
+                <a16:creationId xmlns:a16="http://schemas.microsoft.com/office/drawing/2014/main" id="{595B06D2-DFA9-4390-958A-D516455F581D}"/>
+              </a:ext>
+            </a:extLst>
+          </p:cNvPr>
+          <p:cNvSpPr txBox="1"/>
+          <p:nvPr/>
+        </p:nvSpPr>
+        <p:spPr>
+          <a:xfrm rot="16200000">
+            <a:off x="-2681336" y="2935904"/>
+            <a:ext cx="6518140" cy="646331"/>
+          </a:xfrm>
+          <a:prstGeom prst="rect">
+            <a:avLst/>
+          </a:prstGeom>
+          <a:noFill/>
+        </p:spPr>
+        <p:txBody>
+          <a:bodyPr wrap="square" rtlCol="0">
+            <a:spAutoFit/>
+          </a:bodyPr>
+          <a:lstStyle/>
+          <a:p>
+            <a:r>
+              <a:rPr lang="de-DE" sz="3600" dirty="0" smtClean="0">
+                <a:solidFill>
+                  <a:schemeClr val="bg1"/>
+                </a:solidFill>
+                <a:latin typeface="Roboto" panose="02000000000000000000" pitchFamily="2" charset="0"/>
+                <a:ea typeface="Roboto" panose="02000000000000000000" pitchFamily="2" charset="0"/>
+              </a:rPr>
+              <a:t>Filtern</a:t>
+            </a:r>
+            <a:endParaRPr lang="de-DE" sz="3600" dirty="0">
+              <a:solidFill>
+                <a:schemeClr val="bg1"/>
+              </a:solidFill>
+              <a:latin typeface="Roboto" panose="02000000000000000000" pitchFamily="2" charset="0"/>
+              <a:ea typeface="Roboto" panose="02000000000000000000" pitchFamily="2" charset="0"/>
+            </a:endParaRPr>
+          </a:p>
+        </p:txBody>
+      </p:sp>
+    </p:spTree>
+    <p:extLst>
+      <p:ext uri="{BB962C8B-B14F-4D97-AF65-F5344CB8AC3E}">
+        <p14:creationId xmlns:p14="http://schemas.microsoft.com/office/powerpoint/2010/main" val="3055793544"/>
+      </p:ext>
+    </p:extLst>
+  </p:cSld>
+  <p:clrMapOvr>
+    <a:masterClrMapping/>
+  </p:clrMapOvr>
+  <p:timing>
+    <p:tnLst>
+      <p:par>
+        <p:cTn id="1" dur="indefinite" restart="never" nodeType="tmRoot"/>
+      </p:par>
+    </p:tnLst>
+  </p:timing>
+</p:sld>
+</file>
+
+<file path=ppt/slides/slide18.xml><?xml version="1.0" encoding="utf-8"?>
+<p:sld xmlns:a="http://schemas.openxmlformats.org/drawingml/2006/main" xmlns:r="http://schemas.openxmlformats.org/officeDocument/2006/relationships" xmlns:p="http://schemas.openxmlformats.org/presentationml/2006/main">
+  <p:cSld>
+    <p:spTree>
+      <p:nvGrpSpPr>
+        <p:cNvPr id="1" name=""/>
+        <p:cNvGrpSpPr/>
+        <p:nvPr/>
+      </p:nvGrpSpPr>
+      <p:grpSpPr>
+        <a:xfrm>
+          <a:off x="0" y="0"/>
+          <a:ext cx="0" cy="0"/>
+          <a:chOff x="0" y="0"/>
+          <a:chExt cx="0" cy="0"/>
+        </a:xfrm>
+      </p:grpSpPr>
+      <p:sp>
+        <p:nvSpPr>
+          <p:cNvPr id="7" name="Rechteck 6">
+            <a:extLst>
+              <a:ext uri="{FF2B5EF4-FFF2-40B4-BE49-F238E27FC236}">
+                <a16:creationId xmlns:a16="http://schemas.microsoft.com/office/drawing/2014/main" id="{D7AAD257-C6F8-41DB-B07A-B4A46584AF26}"/>
+              </a:ext>
+            </a:extLst>
+          </p:cNvPr>
+          <p:cNvSpPr/>
+          <p:nvPr/>
+        </p:nvSpPr>
+        <p:spPr>
+          <a:xfrm>
+            <a:off x="0" y="0"/>
+            <a:ext cx="1155469" cy="6858000"/>
+          </a:xfrm>
+          <a:prstGeom prst="rect">
+            <a:avLst/>
+          </a:prstGeom>
+          <a:solidFill>
+            <a:srgbClr val="FFC000"/>
+          </a:solidFill>
+          <a:ln>
+            <a:noFill/>
+          </a:ln>
+        </p:spPr>
+        <p:style>
+          <a:lnRef idx="2">
+            <a:schemeClr val="accent1">
+              <a:shade val="50000"/>
+            </a:schemeClr>
+          </a:lnRef>
+          <a:fillRef idx="1">
+            <a:schemeClr val="accent1"/>
+          </a:fillRef>
+          <a:effectRef idx="0">
+            <a:schemeClr val="accent1"/>
+          </a:effectRef>
+          <a:fontRef idx="minor">
+            <a:schemeClr val="lt1"/>
+          </a:fontRef>
+        </p:style>
+        <p:txBody>
+          <a:bodyPr rtlCol="0" anchor="ctr"/>
+          <a:lstStyle/>
+          <a:p>
+            <a:pPr algn="ctr"/>
+            <a:endParaRPr lang="de-DE"/>
+          </a:p>
+        </p:txBody>
+      </p:sp>
+      <p:sp>
+        <p:nvSpPr>
+          <p:cNvPr id="2" name="Titel 1">
+            <a:extLst>
+              <a:ext uri="{FF2B5EF4-FFF2-40B4-BE49-F238E27FC236}">
+                <a16:creationId xmlns:a16="http://schemas.microsoft.com/office/drawing/2014/main" id="{FC2FA898-8F74-466B-8EA0-61A5DE01866E}"/>
+              </a:ext>
+            </a:extLst>
+          </p:cNvPr>
+          <p:cNvSpPr>
+            <a:spLocks noGrp="1"/>
+          </p:cNvSpPr>
+          <p:nvPr>
+            <p:ph type="title"/>
+          </p:nvPr>
+        </p:nvSpPr>
+        <p:spPr>
+          <a:xfrm>
+            <a:off x="1953490" y="472216"/>
+            <a:ext cx="5237019" cy="665683"/>
+          </a:xfrm>
+        </p:spPr>
+        <p:txBody>
+          <a:bodyPr>
+            <a:normAutofit/>
+          </a:bodyPr>
+          <a:lstStyle/>
+          <a:p>
+            <a:r>
+              <a:rPr lang="de-DE" sz="2800" dirty="0" smtClean="0">
+                <a:latin typeface="Roboto" panose="02000000000000000000" pitchFamily="2" charset="0"/>
+                <a:ea typeface="Roboto" panose="02000000000000000000" pitchFamily="2" charset="0"/>
+              </a:rPr>
+              <a:t>Wiederholung</a:t>
+            </a:r>
+            <a:endParaRPr lang="de-DE" sz="2800" dirty="0">
+              <a:latin typeface="Roboto" panose="02000000000000000000" pitchFamily="2" charset="0"/>
+              <a:ea typeface="Roboto" panose="02000000000000000000" pitchFamily="2" charset="0"/>
+            </a:endParaRPr>
+          </a:p>
+        </p:txBody>
+      </p:sp>
+      <p:pic>
+        <p:nvPicPr>
+          <p:cNvPr id="5" name="Inhaltsplatzhalter 4">
+            <a:extLst>
+              <a:ext uri="{FF2B5EF4-FFF2-40B4-BE49-F238E27FC236}">
+                <a16:creationId xmlns:a16="http://schemas.microsoft.com/office/drawing/2014/main" id="{4AF209E9-F11D-4FA0-9909-047FA1FD0CA4}"/>
+              </a:ext>
+            </a:extLst>
+          </p:cNvPr>
+          <p:cNvPicPr>
+            <a:picLocks noGrp="1" noChangeAspect="1"/>
+          </p:cNvPicPr>
+          <p:nvPr>
+            <p:ph idx="1"/>
+          </p:nvPr>
+        </p:nvPicPr>
+        <p:blipFill>
+          <a:blip r:embed="rId2" cstate="hqprint">
+            <a:extLst>
+              <a:ext uri="{28A0092B-C50C-407E-A947-70E740481C1C}">
+                <a14:useLocalDpi xmlns:a14="http://schemas.microsoft.com/office/drawing/2010/main" val="0"/>
+              </a:ext>
+            </a:extLst>
+          </a:blip>
+          <a:stretch>
+            <a:fillRect/>
+          </a:stretch>
+        </p:blipFill>
+        <p:spPr>
+          <a:xfrm>
+            <a:off x="471784" y="-256730"/>
+            <a:ext cx="1367367" cy="2172353"/>
+          </a:xfrm>
+        </p:spPr>
+      </p:pic>
+      <p:sp>
+        <p:nvSpPr>
+          <p:cNvPr id="6" name="Textfeld 5">
+            <a:extLst>
+              <a:ext uri="{FF2B5EF4-FFF2-40B4-BE49-F238E27FC236}">
+                <a16:creationId xmlns:a16="http://schemas.microsoft.com/office/drawing/2014/main" id="{9C75017A-5BFD-4F42-B226-67DD4DA80B79}"/>
+              </a:ext>
+            </a:extLst>
+          </p:cNvPr>
+          <p:cNvSpPr txBox="1"/>
+          <p:nvPr/>
+        </p:nvSpPr>
+        <p:spPr>
+          <a:xfrm>
+            <a:off x="7057504" y="6518140"/>
+            <a:ext cx="2086496" cy="230832"/>
+          </a:xfrm>
+          <a:prstGeom prst="rect">
+            <a:avLst/>
+          </a:prstGeom>
+          <a:noFill/>
+        </p:spPr>
+        <p:txBody>
+          <a:bodyPr wrap="square" rtlCol="0">
+            <a:spAutoFit/>
+          </a:bodyPr>
+          <a:lstStyle/>
+          <a:p>
+            <a:pPr algn="ctr"/>
+            <a:r>
+              <a:rPr lang="de-DE" sz="900" dirty="0">
+                <a:solidFill>
+                  <a:schemeClr val="bg1">
+                    <a:lumMod val="75000"/>
+                  </a:schemeClr>
+                </a:solidFill>
+                <a:latin typeface="Roboto" panose="02000000000000000000" pitchFamily="2" charset="0"/>
+                <a:ea typeface="Roboto" panose="02000000000000000000" pitchFamily="2" charset="0"/>
+              </a:rPr>
+              <a:t>Copyright 2019 </a:t>
+            </a:r>
+            <a:r>
+              <a:rPr lang="de-DE" sz="900" dirty="0" err="1">
+                <a:solidFill>
+                  <a:schemeClr val="bg1">
+                    <a:lumMod val="75000"/>
+                  </a:schemeClr>
+                </a:solidFill>
+                <a:latin typeface="Roboto" panose="02000000000000000000" pitchFamily="2" charset="0"/>
+                <a:ea typeface="Roboto" panose="02000000000000000000" pitchFamily="2" charset="0"/>
+              </a:rPr>
+              <a:t>by</a:t>
+            </a:r>
+            <a:r>
+              <a:rPr lang="de-DE" sz="900" dirty="0">
+                <a:solidFill>
+                  <a:schemeClr val="bg1">
+                    <a:lumMod val="75000"/>
+                  </a:schemeClr>
+                </a:solidFill>
+                <a:latin typeface="Roboto" panose="02000000000000000000" pitchFamily="2" charset="0"/>
+                <a:ea typeface="Roboto" panose="02000000000000000000" pitchFamily="2" charset="0"/>
+              </a:rPr>
+              <a:t> Max Mönch</a:t>
+            </a:r>
+          </a:p>
+        </p:txBody>
+      </p:sp>
+      <p:sp>
+        <p:nvSpPr>
+          <p:cNvPr id="8" name="Textfeld 7">
+            <a:extLst>
+              <a:ext uri="{FF2B5EF4-FFF2-40B4-BE49-F238E27FC236}">
+                <a16:creationId xmlns:a16="http://schemas.microsoft.com/office/drawing/2014/main" id="{595B06D2-DFA9-4390-958A-D516455F581D}"/>
+              </a:ext>
+            </a:extLst>
+          </p:cNvPr>
+          <p:cNvSpPr txBox="1"/>
+          <p:nvPr/>
+        </p:nvSpPr>
+        <p:spPr>
+          <a:xfrm rot="16200000">
+            <a:off x="-2681336" y="2935904"/>
+            <a:ext cx="6518140" cy="646331"/>
+          </a:xfrm>
+          <a:prstGeom prst="rect">
+            <a:avLst/>
+          </a:prstGeom>
+          <a:noFill/>
+        </p:spPr>
+        <p:txBody>
+          <a:bodyPr wrap="square" rtlCol="0">
+            <a:spAutoFit/>
+          </a:bodyPr>
+          <a:lstStyle/>
+          <a:p>
+            <a:r>
+              <a:rPr lang="de-DE" sz="3600" dirty="0" smtClean="0">
+                <a:solidFill>
+                  <a:schemeClr val="bg1"/>
+                </a:solidFill>
+                <a:latin typeface="Roboto" panose="02000000000000000000" pitchFamily="2" charset="0"/>
+                <a:ea typeface="Roboto" panose="02000000000000000000" pitchFamily="2" charset="0"/>
+              </a:rPr>
+              <a:t>Filtern</a:t>
+            </a:r>
+            <a:endParaRPr lang="de-DE" sz="3600" dirty="0">
+              <a:solidFill>
+                <a:schemeClr val="bg1"/>
+              </a:solidFill>
+              <a:latin typeface="Roboto" panose="02000000000000000000" pitchFamily="2" charset="0"/>
+              <a:ea typeface="Roboto" panose="02000000000000000000" pitchFamily="2" charset="0"/>
+            </a:endParaRPr>
+          </a:p>
+        </p:txBody>
+      </p:sp>
+      <p:sp>
+        <p:nvSpPr>
+          <p:cNvPr id="3" name="Textfeld 2"/>
+          <p:cNvSpPr txBox="1"/>
+          <p:nvPr/>
+        </p:nvSpPr>
+        <p:spPr>
+          <a:xfrm>
+            <a:off x="1953490" y="953233"/>
+            <a:ext cx="2384755" cy="369332"/>
+          </a:xfrm>
+          <a:prstGeom prst="rect">
+            <a:avLst/>
+          </a:prstGeom>
+          <a:noFill/>
+        </p:spPr>
+        <p:txBody>
+          <a:bodyPr wrap="square" rtlCol="0">
+            <a:spAutoFit/>
+          </a:bodyPr>
+          <a:lstStyle/>
+          <a:p>
+            <a:r>
+              <a:rPr lang="de-DE" dirty="0" smtClean="0"/>
+              <a:t>Filtern</a:t>
+            </a:r>
+          </a:p>
+        </p:txBody>
+      </p:sp>
+      <p:sp>
+        <p:nvSpPr>
+          <p:cNvPr id="9" name="Textfeld 8"/>
+          <p:cNvSpPr txBox="1"/>
+          <p:nvPr/>
+        </p:nvSpPr>
+        <p:spPr>
+          <a:xfrm>
+            <a:off x="1839151" y="2264608"/>
+            <a:ext cx="6739573" cy="707886"/>
+          </a:xfrm>
+          <a:prstGeom prst="rect">
+            <a:avLst/>
+          </a:prstGeom>
+          <a:noFill/>
+        </p:spPr>
+        <p:txBody>
+          <a:bodyPr wrap="square" rtlCol="0">
+            <a:spAutoFit/>
+          </a:bodyPr>
+          <a:lstStyle/>
+          <a:p>
+            <a:r>
+              <a:rPr lang="de-DE" sz="4000" dirty="0" err="1" smtClean="0"/>
+              <a:t>df</a:t>
+            </a:r>
+            <a:r>
+              <a:rPr lang="de-DE" sz="4000" dirty="0" smtClean="0"/>
+              <a:t>[( </a:t>
+            </a:r>
+            <a:r>
+              <a:rPr lang="de-DE" sz="4000" dirty="0" err="1" smtClean="0">
+                <a:solidFill>
+                  <a:srgbClr val="00B050"/>
+                </a:solidFill>
+              </a:rPr>
+              <a:t>df</a:t>
+            </a:r>
+            <a:r>
+              <a:rPr lang="de-DE" sz="4000" dirty="0" smtClean="0">
+                <a:solidFill>
+                  <a:srgbClr val="00B050"/>
+                </a:solidFill>
+              </a:rPr>
+              <a:t>[ ‘Spalte‘ ] == Kriterium</a:t>
+            </a:r>
+            <a:r>
+              <a:rPr lang="de-DE" sz="4000" dirty="0" smtClean="0"/>
+              <a:t> )]</a:t>
+            </a:r>
+            <a:endParaRPr lang="de-DE" sz="4000" dirty="0"/>
+          </a:p>
+        </p:txBody>
+      </p:sp>
+      <p:sp>
+        <p:nvSpPr>
+          <p:cNvPr id="10" name="Textfeld 9"/>
+          <p:cNvSpPr txBox="1"/>
+          <p:nvPr/>
+        </p:nvSpPr>
+        <p:spPr>
+          <a:xfrm>
+            <a:off x="1839151" y="4705790"/>
+            <a:ext cx="7365874" cy="830997"/>
+          </a:xfrm>
+          <a:prstGeom prst="rect">
+            <a:avLst/>
+          </a:prstGeom>
+          <a:noFill/>
+        </p:spPr>
+        <p:txBody>
+          <a:bodyPr wrap="square" rtlCol="0">
+            <a:spAutoFit/>
+          </a:bodyPr>
+          <a:lstStyle/>
+          <a:p>
+            <a:r>
+              <a:rPr lang="de-DE" sz="4800" dirty="0" err="1" smtClean="0"/>
+              <a:t>df</a:t>
+            </a:r>
+            <a:r>
+              <a:rPr lang="de-DE" sz="4800" dirty="0" smtClean="0"/>
+              <a:t>[</a:t>
+            </a:r>
+            <a:r>
+              <a:rPr lang="de-DE" sz="4000" dirty="0" smtClean="0"/>
+              <a:t>( </a:t>
+            </a:r>
+            <a:r>
+              <a:rPr lang="de-DE" sz="4000" dirty="0" smtClean="0">
+                <a:solidFill>
+                  <a:srgbClr val="00B050"/>
+                </a:solidFill>
+              </a:rPr>
+              <a:t>FILTER1</a:t>
+            </a:r>
+            <a:r>
+              <a:rPr lang="de-DE" sz="4000" dirty="0" smtClean="0"/>
+              <a:t> ) &amp;</a:t>
+            </a:r>
+            <a:r>
+              <a:rPr lang="de-DE" sz="4800" dirty="0" smtClean="0"/>
+              <a:t> </a:t>
+            </a:r>
+            <a:r>
+              <a:rPr lang="de-DE" sz="4000" dirty="0"/>
+              <a:t>( </a:t>
+            </a:r>
+            <a:r>
+              <a:rPr lang="de-DE" sz="4000" dirty="0" smtClean="0">
+                <a:solidFill>
+                  <a:srgbClr val="00B050"/>
+                </a:solidFill>
+              </a:rPr>
+              <a:t>FILTER2</a:t>
+            </a:r>
+            <a:r>
+              <a:rPr lang="de-DE" sz="4000" dirty="0" smtClean="0"/>
+              <a:t> </a:t>
+            </a:r>
+            <a:r>
+              <a:rPr lang="de-DE" sz="4000" dirty="0"/>
+              <a:t>) </a:t>
+            </a:r>
+            <a:r>
+              <a:rPr lang="de-DE" sz="4800" dirty="0" smtClean="0"/>
+              <a:t>]</a:t>
+            </a:r>
+            <a:endParaRPr lang="de-DE" sz="4800" dirty="0"/>
+          </a:p>
+        </p:txBody>
+      </p:sp>
+      <p:sp>
+        <p:nvSpPr>
+          <p:cNvPr id="4" name="Geschweifte Klammer rechts 3"/>
+          <p:cNvSpPr/>
+          <p:nvPr/>
+        </p:nvSpPr>
+        <p:spPr>
+          <a:xfrm rot="5400000">
+            <a:off x="5210251" y="494470"/>
+            <a:ext cx="329184" cy="5285232"/>
+          </a:xfrm>
+          <a:prstGeom prst="rightBrace">
+            <a:avLst>
+              <a:gd name="adj1" fmla="val 279444"/>
+              <a:gd name="adj2" fmla="val 50000"/>
+            </a:avLst>
+          </a:prstGeom>
+          <a:ln w="28575">
+            <a:solidFill>
+              <a:srgbClr val="00B050"/>
+            </a:solidFill>
+          </a:ln>
+        </p:spPr>
+        <p:style>
+          <a:lnRef idx="1">
+            <a:schemeClr val="accent1"/>
+          </a:lnRef>
+          <a:fillRef idx="0">
+            <a:schemeClr val="accent1"/>
+          </a:fillRef>
+          <a:effectRef idx="0">
+            <a:schemeClr val="accent1"/>
+          </a:effectRef>
+          <a:fontRef idx="minor">
+            <a:schemeClr val="tx1"/>
+          </a:fontRef>
+        </p:style>
+        <p:txBody>
+          <a:bodyPr rtlCol="0" anchor="ctr"/>
+          <a:lstStyle/>
+          <a:p>
+            <a:pPr algn="ctr"/>
+            <a:endParaRPr lang="de-DE"/>
+          </a:p>
+        </p:txBody>
+      </p:sp>
+      <p:sp>
+        <p:nvSpPr>
+          <p:cNvPr id="11" name="Rechteck 10"/>
+          <p:cNvSpPr/>
+          <p:nvPr/>
+        </p:nvSpPr>
+        <p:spPr>
+          <a:xfrm>
+            <a:off x="4985601" y="3404863"/>
+            <a:ext cx="778483" cy="369332"/>
+          </a:xfrm>
+          <a:prstGeom prst="rect">
+            <a:avLst/>
+          </a:prstGeom>
+        </p:spPr>
+        <p:txBody>
+          <a:bodyPr wrap="none">
+            <a:spAutoFit/>
+          </a:bodyPr>
+          <a:lstStyle/>
+          <a:p>
+            <a:r>
+              <a:rPr lang="de-DE" dirty="0">
+                <a:solidFill>
+                  <a:srgbClr val="00B050"/>
+                </a:solidFill>
+              </a:rPr>
+              <a:t>FILTER</a:t>
+            </a:r>
+            <a:endParaRPr lang="de-DE" dirty="0"/>
+          </a:p>
+        </p:txBody>
+      </p:sp>
+      <p:sp>
+        <p:nvSpPr>
+          <p:cNvPr id="12" name="Textfeld 11"/>
+          <p:cNvSpPr txBox="1"/>
+          <p:nvPr/>
+        </p:nvSpPr>
+        <p:spPr>
+          <a:xfrm>
+            <a:off x="1839151" y="1930724"/>
+            <a:ext cx="3822814" cy="369332"/>
+          </a:xfrm>
+          <a:prstGeom prst="rect">
+            <a:avLst/>
+          </a:prstGeom>
+          <a:noFill/>
+        </p:spPr>
+        <p:txBody>
+          <a:bodyPr wrap="square" rtlCol="0">
+            <a:spAutoFit/>
+          </a:bodyPr>
+          <a:lstStyle/>
+          <a:p>
+            <a:r>
+              <a:rPr lang="de-DE" dirty="0" smtClean="0"/>
+              <a:t>Filtern mit einem Kriterium</a:t>
+            </a:r>
+          </a:p>
+        </p:txBody>
+      </p:sp>
+      <p:sp>
+        <p:nvSpPr>
+          <p:cNvPr id="13" name="Textfeld 12"/>
+          <p:cNvSpPr txBox="1"/>
+          <p:nvPr/>
+        </p:nvSpPr>
+        <p:spPr>
+          <a:xfrm>
+            <a:off x="1839151" y="4468101"/>
+            <a:ext cx="3822814" cy="369332"/>
+          </a:xfrm>
+          <a:prstGeom prst="rect">
+            <a:avLst/>
+          </a:prstGeom>
+          <a:noFill/>
+        </p:spPr>
+        <p:txBody>
+          <a:bodyPr wrap="square" rtlCol="0">
+            <a:spAutoFit/>
+          </a:bodyPr>
+          <a:lstStyle/>
+          <a:p>
+            <a:r>
+              <a:rPr lang="de-DE" dirty="0" smtClean="0"/>
+              <a:t>Filtern mit mehreren Kriterium</a:t>
+            </a:r>
+          </a:p>
+        </p:txBody>
+      </p:sp>
+    </p:spTree>
+    <p:extLst>
+      <p:ext uri="{BB962C8B-B14F-4D97-AF65-F5344CB8AC3E}">
+        <p14:creationId xmlns:p14="http://schemas.microsoft.com/office/powerpoint/2010/main" val="3354496858"/>
+      </p:ext>
+    </p:extLst>
+  </p:cSld>
+  <p:clrMapOvr>
+    <a:masterClrMapping/>
+  </p:clrMapOvr>
+  <p:timing>
+    <p:tnLst>
+      <p:par>
+        <p:cTn id="1" dur="indefinite" restart="never" nodeType="tmRoot">
+          <p:childTnLst>
+            <p:seq concurrent="1" nextAc="seek">
+              <p:cTn id="2" dur="indefinite" nodeType="mainSeq">
+                <p:childTnLst>
+                  <p:par>
+                    <p:cTn id="3" fill="hold">
+                      <p:stCondLst>
+                        <p:cond delay="indefinite"/>
+                      </p:stCondLst>
+                      <p:childTnLst>
+                        <p:par>
+                          <p:cTn id="4" fill="hold">
+                            <p:stCondLst>
+                              <p:cond delay="0"/>
+                            </p:stCondLst>
+                            <p:childTnLst>
+                              <p:par>
+                                <p:cTn id="5" presetID="1" presetClass="entr" presetSubtype="0" fill="hold" grpId="0" nodeType="clickEffect">
+                                  <p:stCondLst>
+                                    <p:cond delay="0"/>
+                                  </p:stCondLst>
+                                  <p:childTnLst>
+                                    <p:set>
+                                      <p:cBhvr>
+                                        <p:cTn id="6" dur="1" fill="hold">
+                                          <p:stCondLst>
+                                            <p:cond delay="0"/>
+                                          </p:stCondLst>
+                                        </p:cTn>
+                                        <p:tgtEl>
+                                          <p:spTgt spid="10"/>
+                                        </p:tgtEl>
+                                        <p:attrNameLst>
+                                          <p:attrName>style.visibility</p:attrName>
+                                        </p:attrNameLst>
+                                      </p:cBhvr>
+                                      <p:to>
+                                        <p:strVal val="visible"/>
+                                      </p:to>
+                                    </p:set>
+                                  </p:childTnLst>
+                                </p:cTn>
+                              </p:par>
+                              <p:par>
+                                <p:cTn id="7" presetID="1" presetClass="entr" presetSubtype="0" fill="hold" grpId="0" nodeType="withEffect">
+                                  <p:stCondLst>
+                                    <p:cond delay="0"/>
+                                  </p:stCondLst>
+                                  <p:childTnLst>
+                                    <p:set>
+                                      <p:cBhvr>
+                                        <p:cTn id="8" dur="1" fill="hold">
+                                          <p:stCondLst>
+                                            <p:cond delay="0"/>
+                                          </p:stCondLst>
+                                        </p:cTn>
+                                        <p:tgtEl>
+                                          <p:spTgt spid="13"/>
+                                        </p:tgtEl>
+                                        <p:attrNameLst>
+                                          <p:attrName>style.visibility</p:attrName>
+                                        </p:attrNameLst>
+                                      </p:cBhvr>
+                                      <p:to>
+                                        <p:strVal val="visible"/>
+                                      </p:to>
+                                    </p:set>
+                                  </p:childTnLst>
+                                </p:cTn>
+                              </p:par>
+                            </p:childTnLst>
+                          </p:cTn>
+                        </p:par>
+                      </p:childTnLst>
+                    </p:cTn>
+                  </p:par>
+                </p:childTnLst>
+              </p:cTn>
+              <p:prevCondLst>
+                <p:cond evt="onPrev" delay="0">
+                  <p:tgtEl>
+                    <p:sldTgt/>
+                  </p:tgtEl>
+                </p:cond>
+              </p:prevCondLst>
+              <p:nextCondLst>
+                <p:cond evt="onNext" delay="0">
+                  <p:tgtEl>
+                    <p:sldTgt/>
+                  </p:tgtEl>
+                </p:cond>
+              </p:nextCondLst>
+            </p:seq>
+          </p:childTnLst>
+        </p:cTn>
+      </p:par>
+    </p:tnLst>
+    <p:bldLst>
+      <p:bldP spid="10" grpId="0"/>
+      <p:bldP spid="13" grpId="0"/>
+    </p:bldLst>
+  </p:timing>
+</p:sld>
+</file>
+
+<file path=ppt/slides/slide19.xml><?xml version="1.0" encoding="utf-8"?>
+<p:sld xmlns:a="http://schemas.openxmlformats.org/drawingml/2006/main" xmlns:r="http://schemas.openxmlformats.org/officeDocument/2006/relationships" xmlns:p="http://schemas.openxmlformats.org/presentationml/2006/main">
+  <p:cSld>
+    <p:spTree>
+      <p:nvGrpSpPr>
+        <p:cNvPr id="1" name=""/>
+        <p:cNvGrpSpPr/>
+        <p:nvPr/>
+      </p:nvGrpSpPr>
+      <p:grpSpPr>
+        <a:xfrm>
+          <a:off x="0" y="0"/>
+          <a:ext cx="0" cy="0"/>
+          <a:chOff x="0" y="0"/>
+          <a:chExt cx="0" cy="0"/>
+        </a:xfrm>
+      </p:grpSpPr>
+      <p:sp>
+        <p:nvSpPr>
+          <p:cNvPr id="7" name="Rechteck 6">
+            <a:extLst>
+              <a:ext uri="{FF2B5EF4-FFF2-40B4-BE49-F238E27FC236}">
+                <a16:creationId xmlns:a16="http://schemas.microsoft.com/office/drawing/2014/main" id="{D7AAD257-C6F8-41DB-B07A-B4A46584AF26}"/>
+              </a:ext>
+            </a:extLst>
+          </p:cNvPr>
+          <p:cNvSpPr/>
+          <p:nvPr/>
+        </p:nvSpPr>
+        <p:spPr>
+          <a:xfrm>
+            <a:off x="0" y="0"/>
+            <a:ext cx="1155469" cy="6858000"/>
+          </a:xfrm>
+          <a:prstGeom prst="rect">
+            <a:avLst/>
+          </a:prstGeom>
+          <a:solidFill>
+            <a:srgbClr val="FFC000"/>
+          </a:solidFill>
+          <a:ln>
+            <a:noFill/>
+          </a:ln>
+        </p:spPr>
+        <p:style>
+          <a:lnRef idx="2">
+            <a:schemeClr val="accent1">
+              <a:shade val="50000"/>
+            </a:schemeClr>
+          </a:lnRef>
+          <a:fillRef idx="1">
+            <a:schemeClr val="accent1"/>
+          </a:fillRef>
+          <a:effectRef idx="0">
+            <a:schemeClr val="accent1"/>
+          </a:effectRef>
+          <a:fontRef idx="minor">
+            <a:schemeClr val="lt1"/>
+          </a:fontRef>
+        </p:style>
+        <p:txBody>
+          <a:bodyPr rtlCol="0" anchor="ctr"/>
+          <a:lstStyle/>
+          <a:p>
+            <a:pPr algn="ctr"/>
+            <a:endParaRPr lang="de-DE"/>
+          </a:p>
+        </p:txBody>
+      </p:sp>
+      <p:sp>
+        <p:nvSpPr>
+          <p:cNvPr id="2" name="Titel 1">
+            <a:extLst>
+              <a:ext uri="{FF2B5EF4-FFF2-40B4-BE49-F238E27FC236}">
+                <a16:creationId xmlns:a16="http://schemas.microsoft.com/office/drawing/2014/main" id="{FC2FA898-8F74-466B-8EA0-61A5DE01866E}"/>
+              </a:ext>
+            </a:extLst>
+          </p:cNvPr>
+          <p:cNvSpPr>
+            <a:spLocks noGrp="1"/>
+          </p:cNvSpPr>
+          <p:nvPr>
+            <p:ph type="title"/>
+          </p:nvPr>
+        </p:nvSpPr>
+        <p:spPr>
+          <a:xfrm>
+            <a:off x="1953490" y="472216"/>
+            <a:ext cx="5237019" cy="665683"/>
+          </a:xfrm>
+        </p:spPr>
+        <p:txBody>
+          <a:bodyPr>
+            <a:normAutofit/>
+          </a:bodyPr>
+          <a:lstStyle/>
+          <a:p>
+            <a:r>
+              <a:rPr lang="de-DE" sz="2800" dirty="0" smtClean="0">
+                <a:latin typeface="Roboto" panose="02000000000000000000" pitchFamily="2" charset="0"/>
+                <a:ea typeface="Roboto" panose="02000000000000000000" pitchFamily="2" charset="0"/>
+              </a:rPr>
+              <a:t>Wiederholung</a:t>
+            </a:r>
+            <a:endParaRPr lang="de-DE" sz="2800" dirty="0">
+              <a:latin typeface="Roboto" panose="02000000000000000000" pitchFamily="2" charset="0"/>
+              <a:ea typeface="Roboto" panose="02000000000000000000" pitchFamily="2" charset="0"/>
+            </a:endParaRPr>
+          </a:p>
+        </p:txBody>
+      </p:sp>
+      <p:pic>
+        <p:nvPicPr>
+          <p:cNvPr id="5" name="Inhaltsplatzhalter 4">
+            <a:extLst>
+              <a:ext uri="{FF2B5EF4-FFF2-40B4-BE49-F238E27FC236}">
+                <a16:creationId xmlns:a16="http://schemas.microsoft.com/office/drawing/2014/main" id="{4AF209E9-F11D-4FA0-9909-047FA1FD0CA4}"/>
+              </a:ext>
+            </a:extLst>
+          </p:cNvPr>
+          <p:cNvPicPr>
+            <a:picLocks noGrp="1" noChangeAspect="1"/>
+          </p:cNvPicPr>
+          <p:nvPr>
+            <p:ph idx="1"/>
+          </p:nvPr>
+        </p:nvPicPr>
+        <p:blipFill>
+          <a:blip r:embed="rId2" cstate="hqprint">
+            <a:extLst>
+              <a:ext uri="{28A0092B-C50C-407E-A947-70E740481C1C}">
+                <a14:useLocalDpi xmlns:a14="http://schemas.microsoft.com/office/drawing/2010/main" val="0"/>
+              </a:ext>
+            </a:extLst>
+          </a:blip>
+          <a:stretch>
+            <a:fillRect/>
+          </a:stretch>
+        </p:blipFill>
+        <p:spPr>
+          <a:xfrm>
+            <a:off x="471784" y="-256730"/>
+            <a:ext cx="1367367" cy="2172353"/>
+          </a:xfrm>
+        </p:spPr>
+      </p:pic>
+      <p:sp>
+        <p:nvSpPr>
+          <p:cNvPr id="6" name="Textfeld 5">
+            <a:extLst>
+              <a:ext uri="{FF2B5EF4-FFF2-40B4-BE49-F238E27FC236}">
+                <a16:creationId xmlns:a16="http://schemas.microsoft.com/office/drawing/2014/main" id="{9C75017A-5BFD-4F42-B226-67DD4DA80B79}"/>
+              </a:ext>
+            </a:extLst>
+          </p:cNvPr>
+          <p:cNvSpPr txBox="1"/>
+          <p:nvPr/>
+        </p:nvSpPr>
+        <p:spPr>
+          <a:xfrm>
+            <a:off x="7057504" y="6518140"/>
+            <a:ext cx="2086496" cy="230832"/>
+          </a:xfrm>
+          <a:prstGeom prst="rect">
+            <a:avLst/>
+          </a:prstGeom>
+          <a:noFill/>
+        </p:spPr>
+        <p:txBody>
+          <a:bodyPr wrap="square" rtlCol="0">
+            <a:spAutoFit/>
+          </a:bodyPr>
+          <a:lstStyle/>
+          <a:p>
+            <a:pPr algn="ctr"/>
+            <a:r>
+              <a:rPr lang="de-DE" sz="900" dirty="0">
+                <a:solidFill>
+                  <a:schemeClr val="bg1">
+                    <a:lumMod val="75000"/>
+                  </a:schemeClr>
+                </a:solidFill>
+                <a:latin typeface="Roboto" panose="02000000000000000000" pitchFamily="2" charset="0"/>
+                <a:ea typeface="Roboto" panose="02000000000000000000" pitchFamily="2" charset="0"/>
+              </a:rPr>
+              <a:t>Copyright 2019 </a:t>
+            </a:r>
+            <a:r>
+              <a:rPr lang="de-DE" sz="900" dirty="0" err="1">
+                <a:solidFill>
+                  <a:schemeClr val="bg1">
+                    <a:lumMod val="75000"/>
+                  </a:schemeClr>
+                </a:solidFill>
+                <a:latin typeface="Roboto" panose="02000000000000000000" pitchFamily="2" charset="0"/>
+                <a:ea typeface="Roboto" panose="02000000000000000000" pitchFamily="2" charset="0"/>
+              </a:rPr>
+              <a:t>by</a:t>
+            </a:r>
+            <a:r>
+              <a:rPr lang="de-DE" sz="900" dirty="0">
+                <a:solidFill>
+                  <a:schemeClr val="bg1">
+                    <a:lumMod val="75000"/>
+                  </a:schemeClr>
+                </a:solidFill>
+                <a:latin typeface="Roboto" panose="02000000000000000000" pitchFamily="2" charset="0"/>
+                <a:ea typeface="Roboto" panose="02000000000000000000" pitchFamily="2" charset="0"/>
+              </a:rPr>
+              <a:t> Max Mönch</a:t>
+            </a:r>
+          </a:p>
+        </p:txBody>
+      </p:sp>
+      <p:sp>
+        <p:nvSpPr>
+          <p:cNvPr id="8" name="Textfeld 7">
+            <a:extLst>
+              <a:ext uri="{FF2B5EF4-FFF2-40B4-BE49-F238E27FC236}">
+                <a16:creationId xmlns:a16="http://schemas.microsoft.com/office/drawing/2014/main" id="{595B06D2-DFA9-4390-958A-D516455F581D}"/>
+              </a:ext>
+            </a:extLst>
+          </p:cNvPr>
+          <p:cNvSpPr txBox="1"/>
+          <p:nvPr/>
+        </p:nvSpPr>
+        <p:spPr>
+          <a:xfrm rot="16200000">
+            <a:off x="-2681336" y="2935904"/>
+            <a:ext cx="6518140" cy="646331"/>
+          </a:xfrm>
+          <a:prstGeom prst="rect">
+            <a:avLst/>
+          </a:prstGeom>
+          <a:noFill/>
+        </p:spPr>
+        <p:txBody>
+          <a:bodyPr wrap="square" rtlCol="0">
+            <a:spAutoFit/>
+          </a:bodyPr>
+          <a:lstStyle/>
+          <a:p>
+            <a:r>
+              <a:rPr lang="de-DE" sz="3600" dirty="0" smtClean="0">
+                <a:solidFill>
+                  <a:schemeClr val="bg1"/>
+                </a:solidFill>
+                <a:latin typeface="Roboto" panose="02000000000000000000" pitchFamily="2" charset="0"/>
+                <a:ea typeface="Roboto" panose="02000000000000000000" pitchFamily="2" charset="0"/>
+              </a:rPr>
+              <a:t>Filtern</a:t>
+            </a:r>
+            <a:endParaRPr lang="de-DE" sz="3600" dirty="0">
+              <a:solidFill>
+                <a:schemeClr val="bg1"/>
+              </a:solidFill>
+              <a:latin typeface="Roboto" panose="02000000000000000000" pitchFamily="2" charset="0"/>
+              <a:ea typeface="Roboto" panose="02000000000000000000" pitchFamily="2" charset="0"/>
+            </a:endParaRPr>
+          </a:p>
+        </p:txBody>
+      </p:sp>
+      <p:sp>
+        <p:nvSpPr>
+          <p:cNvPr id="3" name="Textfeld 2"/>
+          <p:cNvSpPr txBox="1"/>
+          <p:nvPr/>
+        </p:nvSpPr>
+        <p:spPr>
+          <a:xfrm>
+            <a:off x="1953490" y="953233"/>
+            <a:ext cx="2384755" cy="369332"/>
+          </a:xfrm>
+          <a:prstGeom prst="rect">
+            <a:avLst/>
+          </a:prstGeom>
+          <a:noFill/>
+        </p:spPr>
+        <p:txBody>
+          <a:bodyPr wrap="square" rtlCol="0">
+            <a:spAutoFit/>
+          </a:bodyPr>
+          <a:lstStyle/>
+          <a:p>
+            <a:r>
+              <a:rPr lang="de-DE" dirty="0" smtClean="0"/>
+              <a:t>Spalten und Zeilen</a:t>
+            </a:r>
+          </a:p>
+        </p:txBody>
+      </p:sp>
+    </p:spTree>
+    <p:extLst>
+      <p:ext uri="{BB962C8B-B14F-4D97-AF65-F5344CB8AC3E}">
+        <p14:creationId xmlns:p14="http://schemas.microsoft.com/office/powerpoint/2010/main" val="2100210546"/>
+      </p:ext>
+    </p:extLst>
+  </p:cSld>
+  <p:clrMapOvr>
+    <a:masterClrMapping/>
+  </p:clrMapOvr>
+  <p:timing>
+    <p:tnLst>
+      <p:par>
+        <p:cTn id="1" dur="indefinite" restart="never" nodeType="tmRoot"/>
+      </p:par>
+    </p:tnLst>
+  </p:timing>
+</p:sld>
+</file>
+
+<file path=ppt/slides/slide2.xml><?xml version="1.0" encoding="utf-8"?>
+<p:sld xmlns:a="http://schemas.openxmlformats.org/drawingml/2006/main" xmlns:r="http://schemas.openxmlformats.org/officeDocument/2006/relationships" xmlns:p="http://schemas.openxmlformats.org/presentationml/2006/main">
+  <p:cSld>
+    <p:spTree>
+      <p:nvGrpSpPr>
+        <p:cNvPr id="1" name=""/>
+        <p:cNvGrpSpPr/>
+        <p:nvPr/>
+      </p:nvGrpSpPr>
+      <p:grpSpPr>
+        <a:xfrm>
+          <a:off x="0" y="0"/>
+          <a:ext cx="0" cy="0"/>
+          <a:chOff x="0" y="0"/>
+          <a:chExt cx="0" cy="0"/>
+        </a:xfrm>
+      </p:grpSpPr>
+      <p:pic>
+        <p:nvPicPr>
+          <p:cNvPr id="7" name="Picture 15">
+            <a:extLst>
+              <a:ext uri="{FF2B5EF4-FFF2-40B4-BE49-F238E27FC236}">
+                <a16:creationId xmlns:a16="http://schemas.microsoft.com/office/drawing/2014/main" id="{B0BD29ED-A14B-436C-B835-CECA7C4DFEF0}"/>
+              </a:ext>
+            </a:extLst>
+          </p:cNvPr>
+          <p:cNvPicPr>
+            <a:picLocks noChangeAspect="1" noChangeArrowheads="1"/>
+          </p:cNvPicPr>
+          <p:nvPr/>
+        </p:nvPicPr>
+        <p:blipFill>
+          <a:blip r:embed="rId2" cstate="screen">
+            <a:extLst>
+              <a:ext uri="{28A0092B-C50C-407E-A947-70E740481C1C}">
+                <a14:useLocalDpi xmlns:a14="http://schemas.microsoft.com/office/drawing/2010/main"/>
+              </a:ext>
+            </a:extLst>
+          </a:blip>
+          <a:stretch>
+            <a:fillRect/>
+          </a:stretch>
+        </p:blipFill>
+        <p:spPr bwMode="auto">
+          <a:xfrm>
+            <a:off x="7191571" y="485053"/>
+            <a:ext cx="1514020" cy="625163"/>
+          </a:xfrm>
+          <a:prstGeom prst="rect">
+            <a:avLst/>
+          </a:prstGeom>
+          <a:noFill/>
+          <a:effectLst/>
+        </p:spPr>
+      </p:pic>
+      <p:sp>
+        <p:nvSpPr>
+          <p:cNvPr id="8" name="Textfeld 7">
+            <a:extLst>
+              <a:ext uri="{FF2B5EF4-FFF2-40B4-BE49-F238E27FC236}">
+                <a16:creationId xmlns:a16="http://schemas.microsoft.com/office/drawing/2014/main" id="{1F781834-4EED-4982-9284-35892ACAA75F}"/>
+              </a:ext>
+            </a:extLst>
+          </p:cNvPr>
+          <p:cNvSpPr txBox="1"/>
+          <p:nvPr/>
+        </p:nvSpPr>
+        <p:spPr>
+          <a:xfrm>
+            <a:off x="7016206" y="1110216"/>
+            <a:ext cx="1864749" cy="430887"/>
+          </a:xfrm>
+          <a:prstGeom prst="rect">
+            <a:avLst/>
+          </a:prstGeom>
+          <a:noFill/>
+        </p:spPr>
+        <p:txBody>
+          <a:bodyPr wrap="square" rtlCol="0">
+            <a:spAutoFit/>
+          </a:bodyPr>
+          <a:lstStyle/>
+          <a:p>
+            <a:pPr algn="ctr"/>
+            <a:r>
+              <a:rPr lang="de-DE" sz="1100" dirty="0">
+                <a:solidFill>
+                  <a:schemeClr val="bg1"/>
+                </a:solidFill>
+              </a:rPr>
+              <a:t>Regionales Rechenzentrum</a:t>
+            </a:r>
+          </a:p>
+          <a:p>
+            <a:pPr algn="ctr"/>
+            <a:r>
+              <a:rPr lang="de-DE" sz="1100" dirty="0">
+                <a:solidFill>
+                  <a:schemeClr val="bg1"/>
+                </a:solidFill>
+              </a:rPr>
+              <a:t>Erlangen</a:t>
+            </a:r>
+          </a:p>
+        </p:txBody>
+      </p:sp>
+    </p:spTree>
+    <p:extLst>
+      <p:ext uri="{BB962C8B-B14F-4D97-AF65-F5344CB8AC3E}">
+        <p14:creationId xmlns:p14="http://schemas.microsoft.com/office/powerpoint/2010/main" val="1229043689"/>
+      </p:ext>
+    </p:extLst>
+  </p:cSld>
+  <p:clrMapOvr>
+    <a:masterClrMapping/>
+  </p:clrMapOvr>
+  <p:timing>
+    <p:tnLst>
+      <p:par>
+        <p:cTn id="1" dur="indefinite" restart="never" nodeType="tmRoot"/>
+      </p:par>
+    </p:tnLst>
+  </p:timing>
+</p:sld>
+</file>
+
+<file path=ppt/slides/slide20.xml><?xml version="1.0" encoding="utf-8"?>
+<p:sld xmlns:a="http://schemas.openxmlformats.org/drawingml/2006/main" xmlns:r="http://schemas.openxmlformats.org/officeDocument/2006/relationships" xmlns:p="http://schemas.openxmlformats.org/presentationml/2006/main">
+  <p:cSld>
+    <p:spTree>
+      <p:nvGrpSpPr>
+        <p:cNvPr id="1" name=""/>
+        <p:cNvGrpSpPr/>
+        <p:nvPr/>
+      </p:nvGrpSpPr>
+      <p:grpSpPr>
+        <a:xfrm>
+          <a:off x="0" y="0"/>
+          <a:ext cx="0" cy="0"/>
+          <a:chOff x="0" y="0"/>
+          <a:chExt cx="0" cy="0"/>
+        </a:xfrm>
+      </p:grpSpPr>
+      <p:sp>
+        <p:nvSpPr>
+          <p:cNvPr id="7" name="Rechteck 6">
+            <a:extLst>
+              <a:ext uri="{FF2B5EF4-FFF2-40B4-BE49-F238E27FC236}">
+                <a16:creationId xmlns:a16="http://schemas.microsoft.com/office/drawing/2014/main" id="{D7AAD257-C6F8-41DB-B07A-B4A46584AF26}"/>
+              </a:ext>
+            </a:extLst>
+          </p:cNvPr>
+          <p:cNvSpPr/>
+          <p:nvPr/>
+        </p:nvSpPr>
+        <p:spPr>
+          <a:xfrm>
+            <a:off x="0" y="0"/>
+            <a:ext cx="1155469" cy="6858000"/>
+          </a:xfrm>
+          <a:prstGeom prst="rect">
+            <a:avLst/>
+          </a:prstGeom>
+          <a:solidFill>
+            <a:srgbClr val="FFC000"/>
+          </a:solidFill>
+          <a:ln>
+            <a:noFill/>
+          </a:ln>
+        </p:spPr>
+        <p:style>
+          <a:lnRef idx="2">
+            <a:schemeClr val="accent1">
+              <a:shade val="50000"/>
+            </a:schemeClr>
+          </a:lnRef>
+          <a:fillRef idx="1">
+            <a:schemeClr val="accent1"/>
+          </a:fillRef>
+          <a:effectRef idx="0">
+            <a:schemeClr val="accent1"/>
+          </a:effectRef>
+          <a:fontRef idx="minor">
+            <a:schemeClr val="lt1"/>
+          </a:fontRef>
+        </p:style>
+        <p:txBody>
+          <a:bodyPr rtlCol="0" anchor="ctr"/>
+          <a:lstStyle/>
+          <a:p>
+            <a:pPr algn="ctr"/>
+            <a:endParaRPr lang="de-DE"/>
+          </a:p>
+        </p:txBody>
+      </p:sp>
+      <p:sp>
+        <p:nvSpPr>
+          <p:cNvPr id="2" name="Titel 1">
+            <a:extLst>
+              <a:ext uri="{FF2B5EF4-FFF2-40B4-BE49-F238E27FC236}">
+                <a16:creationId xmlns:a16="http://schemas.microsoft.com/office/drawing/2014/main" id="{FC2FA898-8F74-466B-8EA0-61A5DE01866E}"/>
+              </a:ext>
+            </a:extLst>
+          </p:cNvPr>
+          <p:cNvSpPr>
+            <a:spLocks noGrp="1"/>
+          </p:cNvSpPr>
+          <p:nvPr>
+            <p:ph type="title"/>
+          </p:nvPr>
+        </p:nvSpPr>
+        <p:spPr>
+          <a:xfrm>
+            <a:off x="1953490" y="472216"/>
+            <a:ext cx="5237019" cy="665683"/>
+          </a:xfrm>
+        </p:spPr>
+        <p:txBody>
+          <a:bodyPr>
+            <a:normAutofit/>
+          </a:bodyPr>
+          <a:lstStyle/>
+          <a:p>
+            <a:r>
+              <a:rPr lang="de-DE" sz="2800" dirty="0" smtClean="0">
+                <a:latin typeface="Roboto" panose="02000000000000000000" pitchFamily="2" charset="0"/>
+                <a:ea typeface="Roboto" panose="02000000000000000000" pitchFamily="2" charset="0"/>
+              </a:rPr>
+              <a:t>Wiederholung</a:t>
+            </a:r>
+            <a:endParaRPr lang="de-DE" sz="2800" dirty="0">
+              <a:latin typeface="Roboto" panose="02000000000000000000" pitchFamily="2" charset="0"/>
+              <a:ea typeface="Roboto" panose="02000000000000000000" pitchFamily="2" charset="0"/>
+            </a:endParaRPr>
+          </a:p>
+        </p:txBody>
+      </p:sp>
+      <p:pic>
+        <p:nvPicPr>
+          <p:cNvPr id="5" name="Inhaltsplatzhalter 4">
+            <a:extLst>
+              <a:ext uri="{FF2B5EF4-FFF2-40B4-BE49-F238E27FC236}">
+                <a16:creationId xmlns:a16="http://schemas.microsoft.com/office/drawing/2014/main" id="{4AF209E9-F11D-4FA0-9909-047FA1FD0CA4}"/>
+              </a:ext>
+            </a:extLst>
+          </p:cNvPr>
+          <p:cNvPicPr>
+            <a:picLocks noGrp="1" noChangeAspect="1"/>
+          </p:cNvPicPr>
+          <p:nvPr>
+            <p:ph idx="1"/>
+          </p:nvPr>
+        </p:nvPicPr>
+        <p:blipFill>
+          <a:blip r:embed="rId2" cstate="hqprint">
+            <a:extLst>
+              <a:ext uri="{28A0092B-C50C-407E-A947-70E740481C1C}">
+                <a14:useLocalDpi xmlns:a14="http://schemas.microsoft.com/office/drawing/2010/main" val="0"/>
+              </a:ext>
+            </a:extLst>
+          </a:blip>
+          <a:stretch>
+            <a:fillRect/>
+          </a:stretch>
+        </p:blipFill>
+        <p:spPr>
+          <a:xfrm>
+            <a:off x="471784" y="-256730"/>
+            <a:ext cx="1367367" cy="2172353"/>
+          </a:xfrm>
+        </p:spPr>
+      </p:pic>
+      <p:sp>
+        <p:nvSpPr>
+          <p:cNvPr id="6" name="Textfeld 5">
+            <a:extLst>
+              <a:ext uri="{FF2B5EF4-FFF2-40B4-BE49-F238E27FC236}">
+                <a16:creationId xmlns:a16="http://schemas.microsoft.com/office/drawing/2014/main" id="{9C75017A-5BFD-4F42-B226-67DD4DA80B79}"/>
+              </a:ext>
+            </a:extLst>
+          </p:cNvPr>
+          <p:cNvSpPr txBox="1"/>
+          <p:nvPr/>
+        </p:nvSpPr>
+        <p:spPr>
+          <a:xfrm>
+            <a:off x="7057504" y="6518140"/>
+            <a:ext cx="2086496" cy="230832"/>
+          </a:xfrm>
+          <a:prstGeom prst="rect">
+            <a:avLst/>
+          </a:prstGeom>
+          <a:noFill/>
+        </p:spPr>
+        <p:txBody>
+          <a:bodyPr wrap="square" rtlCol="0">
+            <a:spAutoFit/>
+          </a:bodyPr>
+          <a:lstStyle/>
+          <a:p>
+            <a:pPr algn="ctr"/>
+            <a:r>
+              <a:rPr lang="de-DE" sz="900" dirty="0">
+                <a:solidFill>
+                  <a:schemeClr val="bg1">
+                    <a:lumMod val="75000"/>
+                  </a:schemeClr>
+                </a:solidFill>
+                <a:latin typeface="Roboto" panose="02000000000000000000" pitchFamily="2" charset="0"/>
+                <a:ea typeface="Roboto" panose="02000000000000000000" pitchFamily="2" charset="0"/>
+              </a:rPr>
+              <a:t>Copyright 2019 </a:t>
+            </a:r>
+            <a:r>
+              <a:rPr lang="de-DE" sz="900" dirty="0" err="1">
+                <a:solidFill>
+                  <a:schemeClr val="bg1">
+                    <a:lumMod val="75000"/>
+                  </a:schemeClr>
+                </a:solidFill>
+                <a:latin typeface="Roboto" panose="02000000000000000000" pitchFamily="2" charset="0"/>
+                <a:ea typeface="Roboto" panose="02000000000000000000" pitchFamily="2" charset="0"/>
+              </a:rPr>
+              <a:t>by</a:t>
+            </a:r>
+            <a:r>
+              <a:rPr lang="de-DE" sz="900" dirty="0">
+                <a:solidFill>
+                  <a:schemeClr val="bg1">
+                    <a:lumMod val="75000"/>
+                  </a:schemeClr>
+                </a:solidFill>
+                <a:latin typeface="Roboto" panose="02000000000000000000" pitchFamily="2" charset="0"/>
+                <a:ea typeface="Roboto" panose="02000000000000000000" pitchFamily="2" charset="0"/>
+              </a:rPr>
+              <a:t> Max Mönch</a:t>
+            </a:r>
+          </a:p>
+        </p:txBody>
+      </p:sp>
+      <p:sp>
+        <p:nvSpPr>
+          <p:cNvPr id="8" name="Textfeld 7">
+            <a:extLst>
+              <a:ext uri="{FF2B5EF4-FFF2-40B4-BE49-F238E27FC236}">
+                <a16:creationId xmlns:a16="http://schemas.microsoft.com/office/drawing/2014/main" id="{595B06D2-DFA9-4390-958A-D516455F581D}"/>
+              </a:ext>
+            </a:extLst>
+          </p:cNvPr>
+          <p:cNvSpPr txBox="1"/>
+          <p:nvPr/>
+        </p:nvSpPr>
+        <p:spPr>
+          <a:xfrm rot="16200000">
+            <a:off x="-2681336" y="2935904"/>
+            <a:ext cx="6518140" cy="646331"/>
+          </a:xfrm>
+          <a:prstGeom prst="rect">
+            <a:avLst/>
+          </a:prstGeom>
+          <a:noFill/>
+        </p:spPr>
+        <p:txBody>
+          <a:bodyPr wrap="square" rtlCol="0">
+            <a:spAutoFit/>
+          </a:bodyPr>
+          <a:lstStyle/>
+          <a:p>
+            <a:r>
+              <a:rPr lang="de-DE" sz="3600" dirty="0" smtClean="0">
+                <a:solidFill>
+                  <a:schemeClr val="bg1"/>
+                </a:solidFill>
+                <a:latin typeface="Roboto" panose="02000000000000000000" pitchFamily="2" charset="0"/>
+                <a:ea typeface="Roboto" panose="02000000000000000000" pitchFamily="2" charset="0"/>
+              </a:rPr>
+              <a:t>Filtern</a:t>
+            </a:r>
+            <a:endParaRPr lang="de-DE" sz="3600" dirty="0">
+              <a:solidFill>
+                <a:schemeClr val="bg1"/>
+              </a:solidFill>
+              <a:latin typeface="Roboto" panose="02000000000000000000" pitchFamily="2" charset="0"/>
+              <a:ea typeface="Roboto" panose="02000000000000000000" pitchFamily="2" charset="0"/>
+            </a:endParaRPr>
+          </a:p>
+        </p:txBody>
+      </p:sp>
+      <p:sp>
+        <p:nvSpPr>
+          <p:cNvPr id="3" name="Textfeld 2"/>
+          <p:cNvSpPr txBox="1"/>
+          <p:nvPr/>
+        </p:nvSpPr>
+        <p:spPr>
+          <a:xfrm>
+            <a:off x="1953490" y="953233"/>
+            <a:ext cx="3525595" cy="369332"/>
+          </a:xfrm>
+          <a:prstGeom prst="rect">
+            <a:avLst/>
+          </a:prstGeom>
+          <a:noFill/>
+        </p:spPr>
+        <p:txBody>
+          <a:bodyPr wrap="square" rtlCol="0">
+            <a:spAutoFit/>
+          </a:bodyPr>
+          <a:lstStyle/>
+          <a:p>
+            <a:r>
+              <a:rPr lang="de-DE" dirty="0" smtClean="0"/>
+              <a:t>Arbeiten mit Textspalten</a:t>
+            </a:r>
+          </a:p>
+        </p:txBody>
+      </p:sp>
+      <p:sp>
+        <p:nvSpPr>
+          <p:cNvPr id="9" name="Textfeld 8"/>
+          <p:cNvSpPr txBox="1"/>
+          <p:nvPr/>
+        </p:nvSpPr>
+        <p:spPr>
+          <a:xfrm>
+            <a:off x="1839151" y="3259069"/>
+            <a:ext cx="6739573" cy="707886"/>
+          </a:xfrm>
+          <a:prstGeom prst="rect">
+            <a:avLst/>
+          </a:prstGeom>
+          <a:noFill/>
+        </p:spPr>
+        <p:txBody>
+          <a:bodyPr wrap="square" rtlCol="0">
+            <a:spAutoFit/>
+          </a:bodyPr>
+          <a:lstStyle/>
+          <a:p>
+            <a:r>
+              <a:rPr lang="de-DE" sz="4000" dirty="0" err="1" smtClean="0"/>
+              <a:t>df</a:t>
+            </a:r>
+            <a:r>
+              <a:rPr lang="de-DE" sz="4000" dirty="0" smtClean="0"/>
+              <a:t>[ </a:t>
+            </a:r>
+            <a:r>
+              <a:rPr lang="de-DE" sz="4000" dirty="0" smtClean="0">
+                <a:solidFill>
+                  <a:srgbClr val="00B050"/>
+                </a:solidFill>
+              </a:rPr>
+              <a:t>`</a:t>
+            </a:r>
+            <a:r>
+              <a:rPr lang="de-DE" sz="4000" dirty="0" err="1" smtClean="0">
+                <a:solidFill>
+                  <a:srgbClr val="00B050"/>
+                </a:solidFill>
+              </a:rPr>
+              <a:t>name</a:t>
+            </a:r>
+            <a:r>
+              <a:rPr lang="de-DE" sz="4000" dirty="0" smtClean="0">
+                <a:solidFill>
+                  <a:srgbClr val="00B050"/>
+                </a:solidFill>
+              </a:rPr>
+              <a:t>` </a:t>
+            </a:r>
+            <a:r>
+              <a:rPr lang="de-DE" sz="4000" dirty="0" smtClean="0"/>
+              <a:t>].</a:t>
+            </a:r>
+            <a:r>
+              <a:rPr lang="de-DE" sz="4000" dirty="0" err="1" smtClean="0"/>
+              <a:t>str.strip</a:t>
+            </a:r>
+            <a:r>
+              <a:rPr lang="de-DE" sz="4000" dirty="0" smtClean="0"/>
+              <a:t>()</a:t>
+            </a:r>
+            <a:endParaRPr lang="de-DE" sz="4000" dirty="0"/>
+          </a:p>
+        </p:txBody>
+      </p:sp>
+    </p:spTree>
+    <p:extLst>
+      <p:ext uri="{BB962C8B-B14F-4D97-AF65-F5344CB8AC3E}">
+        <p14:creationId xmlns:p14="http://schemas.microsoft.com/office/powerpoint/2010/main" val="628732150"/>
+      </p:ext>
+    </p:extLst>
+  </p:cSld>
+  <p:clrMapOvr>
+    <a:masterClrMapping/>
+  </p:clrMapOvr>
+  <p:timing>
+    <p:tnLst>
+      <p:par>
+        <p:cTn id="1" dur="indefinite" restart="never" nodeType="tmRoot">
+          <p:childTnLst>
+            <p:seq concurrent="1" nextAc="seek">
+              <p:cTn id="2" dur="indefinite" nodeType="mainSeq">
+                <p:childTnLst>
+                  <p:par>
+                    <p:cTn id="3" fill="hold">
+                      <p:stCondLst>
+                        <p:cond delay="indefinite"/>
+                      </p:stCondLst>
+                      <p:childTnLst>
+                        <p:par>
+                          <p:cTn id="4" fill="hold">
+                            <p:stCondLst>
+                              <p:cond delay="0"/>
+                            </p:stCondLst>
+                            <p:childTnLst>
+                              <p:par>
+                                <p:cTn id="5" presetID="1" presetClass="entr" presetSubtype="0" fill="hold" grpId="0" nodeType="clickEffect">
+                                  <p:stCondLst>
+                                    <p:cond delay="0"/>
+                                  </p:stCondLst>
+                                  <p:childTnLst>
+                                    <p:set>
+                                      <p:cBhvr>
+                                        <p:cTn id="6" dur="1" fill="hold">
+                                          <p:stCondLst>
+                                            <p:cond delay="0"/>
+                                          </p:stCondLst>
+                                        </p:cTn>
+                                        <p:tgtEl>
+                                          <p:spTgt spid="9"/>
+                                        </p:tgtEl>
+                                        <p:attrNameLst>
+                                          <p:attrName>style.visibility</p:attrName>
+                                        </p:attrNameLst>
+                                      </p:cBhvr>
+                                      <p:to>
+                                        <p:strVal val="visible"/>
+                                      </p:to>
+                                    </p:set>
+                                  </p:childTnLst>
+                                </p:cTn>
+                              </p:par>
+                            </p:childTnLst>
+                          </p:cTn>
+                        </p:par>
+                      </p:childTnLst>
+                    </p:cTn>
+                  </p:par>
+                </p:childTnLst>
+              </p:cTn>
+              <p:prevCondLst>
+                <p:cond evt="onPrev" delay="0">
+                  <p:tgtEl>
+                    <p:sldTgt/>
+                  </p:tgtEl>
+                </p:cond>
+              </p:prevCondLst>
+              <p:nextCondLst>
+                <p:cond evt="onNext" delay="0">
+                  <p:tgtEl>
+                    <p:sldTgt/>
+                  </p:tgtEl>
+                </p:cond>
+              </p:nextCondLst>
+            </p:seq>
+          </p:childTnLst>
+        </p:cTn>
+      </p:par>
+    </p:tnLst>
+    <p:bldLst>
+      <p:bldP spid="9" grpId="0"/>
+    </p:bldLst>
+  </p:timing>
+</p:sld>
+</file>
+
+<file path=ppt/slides/slide21.xml><?xml version="1.0" encoding="utf-8"?>
 <p:sld xmlns:a="http://schemas.openxmlformats.org/drawingml/2006/main" xmlns:r="http://schemas.openxmlformats.org/officeDocument/2006/relationships" xmlns:p="http://schemas.openxmlformats.org/presentationml/2006/main">
   <p:cSld>
     <p:spTree>
@@ -5830,7 +8150,7 @@
 </p:sld>
 </file>
 
-<file path=ppt/slides/slide16.xml><?xml version="1.0" encoding="utf-8"?>
+<file path=ppt/slides/slide22.xml><?xml version="1.0" encoding="utf-8"?>
 <p:sld xmlns:a="http://schemas.openxmlformats.org/drawingml/2006/main" xmlns:r="http://schemas.openxmlformats.org/officeDocument/2006/relationships" xmlns:p="http://schemas.openxmlformats.org/presentationml/2006/main">
   <p:cSld>
     <p:spTree>
@@ -8197,7 +10517,7 @@
 </p:sld>
 </file>
 
-<file path=ppt/slides/slide17.xml><?xml version="1.0" encoding="utf-8"?>
+<file path=ppt/slides/slide23.xml><?xml version="1.0" encoding="utf-8"?>
 <p:sld xmlns:a="http://schemas.openxmlformats.org/drawingml/2006/main" xmlns:r="http://schemas.openxmlformats.org/officeDocument/2006/relationships" xmlns:p="http://schemas.openxmlformats.org/presentationml/2006/main">
   <p:cSld>
     <p:spTree>
@@ -8936,7 +11256,7 @@
 </p:sld>
 </file>
 
-<file path=ppt/slides/slide18.xml><?xml version="1.0" encoding="utf-8"?>
+<file path=ppt/slides/slide24.xml><?xml version="1.0" encoding="utf-8"?>
 <p:sld xmlns:a="http://schemas.openxmlformats.org/drawingml/2006/main" xmlns:r="http://schemas.openxmlformats.org/officeDocument/2006/relationships" xmlns:p="http://schemas.openxmlformats.org/presentationml/2006/main">
   <p:cSld>
     <p:spTree>
@@ -9426,7 +11746,7 @@
 </p:sld>
 </file>
 
-<file path=ppt/slides/slide19.xml><?xml version="1.0" encoding="utf-8"?>
+<file path=ppt/slides/slide25.xml><?xml version="1.0" encoding="utf-8"?>
 <p:sld xmlns:a="http://schemas.openxmlformats.org/drawingml/2006/main" xmlns:r="http://schemas.openxmlformats.org/officeDocument/2006/relationships" xmlns:p="http://schemas.openxmlformats.org/presentationml/2006/main">
   <p:cSld>
     <p:spTree>
@@ -10825,133 +13145,7 @@
 </p:sld>
 </file>
 
-<file path=ppt/slides/slide2.xml><?xml version="1.0" encoding="utf-8"?>
-<p:sld xmlns:a="http://schemas.openxmlformats.org/drawingml/2006/main" xmlns:r="http://schemas.openxmlformats.org/officeDocument/2006/relationships" xmlns:p="http://schemas.openxmlformats.org/presentationml/2006/main">
-  <p:cSld>
-    <p:spTree>
-      <p:nvGrpSpPr>
-        <p:cNvPr id="1" name=""/>
-        <p:cNvGrpSpPr/>
-        <p:nvPr/>
-      </p:nvGrpSpPr>
-      <p:grpSpPr>
-        <a:xfrm>
-          <a:off x="0" y="0"/>
-          <a:ext cx="0" cy="0"/>
-          <a:chOff x="0" y="0"/>
-          <a:chExt cx="0" cy="0"/>
-        </a:xfrm>
-      </p:grpSpPr>
-      <p:pic>
-        <p:nvPicPr>
-          <p:cNvPr id="7" name="Picture 15">
-            <a:extLst>
-              <a:ext uri="{FF2B5EF4-FFF2-40B4-BE49-F238E27FC236}">
-                <a16:creationId xmlns:a16="http://schemas.microsoft.com/office/drawing/2014/main" id="{B0BD29ED-A14B-436C-B835-CECA7C4DFEF0}"/>
-              </a:ext>
-            </a:extLst>
-          </p:cNvPr>
-          <p:cNvPicPr>
-            <a:picLocks noChangeAspect="1" noChangeArrowheads="1"/>
-          </p:cNvPicPr>
-          <p:nvPr/>
-        </p:nvPicPr>
-        <p:blipFill>
-          <a:blip r:embed="rId2" cstate="screen">
-            <a:extLst>
-              <a:ext uri="{28A0092B-C50C-407E-A947-70E740481C1C}">
-                <a14:useLocalDpi xmlns:a14="http://schemas.microsoft.com/office/drawing/2010/main"/>
-              </a:ext>
-            </a:extLst>
-          </a:blip>
-          <a:stretch>
-            <a:fillRect/>
-          </a:stretch>
-        </p:blipFill>
-        <p:spPr bwMode="auto">
-          <a:xfrm>
-            <a:off x="7191571" y="485053"/>
-            <a:ext cx="1514020" cy="625163"/>
-          </a:xfrm>
-          <a:prstGeom prst="rect">
-            <a:avLst/>
-          </a:prstGeom>
-          <a:noFill/>
-          <a:effectLst/>
-        </p:spPr>
-      </p:pic>
-      <p:sp>
-        <p:nvSpPr>
-          <p:cNvPr id="8" name="Textfeld 7">
-            <a:extLst>
-              <a:ext uri="{FF2B5EF4-FFF2-40B4-BE49-F238E27FC236}">
-                <a16:creationId xmlns:a16="http://schemas.microsoft.com/office/drawing/2014/main" id="{1F781834-4EED-4982-9284-35892ACAA75F}"/>
-              </a:ext>
-            </a:extLst>
-          </p:cNvPr>
-          <p:cNvSpPr txBox="1"/>
-          <p:nvPr/>
-        </p:nvSpPr>
-        <p:spPr>
-          <a:xfrm>
-            <a:off x="7016206" y="1110216"/>
-            <a:ext cx="1864749" cy="430887"/>
-          </a:xfrm>
-          <a:prstGeom prst="rect">
-            <a:avLst/>
-          </a:prstGeom>
-          <a:noFill/>
-        </p:spPr>
-        <p:txBody>
-          <a:bodyPr wrap="square" rtlCol="0">
-            <a:spAutoFit/>
-          </a:bodyPr>
-          <a:lstStyle/>
-          <a:p>
-            <a:pPr algn="ctr"/>
-            <a:r>
-              <a:rPr lang="de-DE" sz="1100" dirty="0">
-                <a:solidFill>
-                  <a:schemeClr val="bg1"/>
-                </a:solidFill>
-              </a:rPr>
-              <a:t>Regionales Rechenzentrum</a:t>
-            </a:r>
-          </a:p>
-          <a:p>
-            <a:pPr algn="ctr"/>
-            <a:r>
-              <a:rPr lang="de-DE" sz="1100" dirty="0">
-                <a:solidFill>
-                  <a:schemeClr val="bg1"/>
-                </a:solidFill>
-              </a:rPr>
-              <a:t>Erlangen</a:t>
-            </a:r>
-          </a:p>
-        </p:txBody>
-      </p:sp>
-    </p:spTree>
-    <p:extLst>
-      <p:ext uri="{BB962C8B-B14F-4D97-AF65-F5344CB8AC3E}">
-        <p14:creationId xmlns:p14="http://schemas.microsoft.com/office/powerpoint/2010/main" val="1229043689"/>
-      </p:ext>
-    </p:extLst>
-  </p:cSld>
-  <p:clrMapOvr>
-    <a:masterClrMapping/>
-  </p:clrMapOvr>
-  <p:timing>
-    <p:tnLst>
-      <p:par>
-        <p:cTn id="1" dur="indefinite" restart="never" nodeType="tmRoot"/>
-      </p:par>
-    </p:tnLst>
-  </p:timing>
-</p:sld>
-</file>
-
-<file path=ppt/slides/slide20.xml><?xml version="1.0" encoding="utf-8"?>
+<file path=ppt/slides/slide26.xml><?xml version="1.0" encoding="utf-8"?>
 <p:sld xmlns:a="http://schemas.openxmlformats.org/drawingml/2006/main" xmlns:r="http://schemas.openxmlformats.org/officeDocument/2006/relationships" xmlns:p="http://schemas.openxmlformats.org/presentationml/2006/main">
   <p:cSld>
     <p:spTree>
@@ -11151,7 +13345,7 @@
 </p:sld>
 </file>
 
-<file path=ppt/slides/slide21.xml><?xml version="1.0" encoding="utf-8"?>
+<file path=ppt/slides/slide27.xml><?xml version="1.0" encoding="utf-8"?>
 <p:sld xmlns:a="http://schemas.openxmlformats.org/drawingml/2006/main" xmlns:r="http://schemas.openxmlformats.org/officeDocument/2006/relationships" xmlns:p="http://schemas.openxmlformats.org/presentationml/2006/main">
   <p:cSld>
     <p:spTree>
@@ -11176,7 +13370,7 @@
         </p:nvSpPr>
         <p:spPr>
           <a:xfrm>
-            <a:off x="4373671" y="2997635"/>
+            <a:off x="3285805" y="2997635"/>
             <a:ext cx="574110" cy="1307404"/>
           </a:xfrm>
           <a:custGeom>
@@ -11310,7 +13504,7 @@
         </p:nvSpPr>
         <p:spPr>
           <a:xfrm>
-            <a:off x="3156560" y="2755726"/>
+            <a:off x="2068694" y="2755726"/>
             <a:ext cx="1504167" cy="1791222"/>
           </a:xfrm>
           <a:custGeom>
@@ -11464,7 +13658,7 @@
         </p:nvSpPr>
         <p:spPr>
           <a:xfrm>
-            <a:off x="4660727" y="2755726"/>
+            <a:off x="3572861" y="2755726"/>
             <a:ext cx="1504167" cy="1791222"/>
           </a:xfrm>
           <a:custGeom>
@@ -11664,7 +13858,7 @@
         </p:nvSpPr>
         <p:spPr>
           <a:xfrm>
-            <a:off x="2868460" y="4879007"/>
+            <a:off x="1780594" y="4879007"/>
             <a:ext cx="3632548" cy="369332"/>
           </a:xfrm>
           <a:prstGeom prst="rect">
@@ -11695,7 +13889,7 @@
         </p:nvSpPr>
         <p:spPr>
           <a:xfrm>
-            <a:off x="3795387" y="3266616"/>
+            <a:off x="2707521" y="3266616"/>
             <a:ext cx="475988" cy="769441"/>
           </a:xfrm>
           <a:prstGeom prst="rect">
@@ -11734,7 +13928,7 @@
         </p:nvSpPr>
         <p:spPr>
           <a:xfrm>
-            <a:off x="5005192" y="3266615"/>
+            <a:off x="3917326" y="3266615"/>
             <a:ext cx="475988" cy="769441"/>
           </a:xfrm>
           <a:prstGeom prst="rect">
@@ -11765,6 +13959,364 @@
           </a:p>
         </p:txBody>
       </p:sp>
+      <p:graphicFrame>
+        <p:nvGraphicFramePr>
+          <p:cNvPr id="12" name="Inhaltsplatzhalter 4"/>
+          <p:cNvGraphicFramePr>
+            <a:graphicFrameLocks/>
+          </p:cNvGraphicFramePr>
+          <p:nvPr>
+            <p:extLst>
+              <p:ext uri="{D42A27DB-BD31-4B8C-83A1-F6EECF244321}">
+                <p14:modId xmlns:p14="http://schemas.microsoft.com/office/powerpoint/2010/main" val="1315056209"/>
+              </p:ext>
+            </p:extLst>
+          </p:nvPr>
+        </p:nvGraphicFramePr>
+        <p:xfrm>
+          <a:off x="5586608" y="2711836"/>
+          <a:ext cx="3075570" cy="1849120"/>
+        </p:xfrm>
+        <a:graphic>
+          <a:graphicData uri="http://schemas.openxmlformats.org/drawingml/2006/table">
+            <a:tbl>
+              <a:tblPr firstRow="1" bandRow="1">
+                <a:tableStyleId>{0505E3EF-67EA-436B-97B2-0124C06EBD24}</a:tableStyleId>
+              </a:tblPr>
+              <a:tblGrid>
+                <a:gridCol w="330376">
+                  <a:extLst>
+                    <a:ext uri="{9D8B030D-6E8A-4147-A177-3AD203B41FA5}">
+                      <a16:colId xmlns:a16="http://schemas.microsoft.com/office/drawing/2014/main" val="1732597819"/>
+                    </a:ext>
+                  </a:extLst>
+                </a:gridCol>
+                <a:gridCol w="1311549">
+                  <a:extLst>
+                    <a:ext uri="{9D8B030D-6E8A-4147-A177-3AD203B41FA5}">
+                      <a16:colId xmlns:a16="http://schemas.microsoft.com/office/drawing/2014/main" val="3524463896"/>
+                    </a:ext>
+                  </a:extLst>
+                </a:gridCol>
+                <a:gridCol w="1433645">
+                  <a:extLst>
+                    <a:ext uri="{9D8B030D-6E8A-4147-A177-3AD203B41FA5}">
+                      <a16:colId xmlns:a16="http://schemas.microsoft.com/office/drawing/2014/main" val="3918799779"/>
+                    </a:ext>
+                  </a:extLst>
+                </a:gridCol>
+              </a:tblGrid>
+              <a:tr h="306681">
+                <a:tc>
+                  <a:txBody>
+                    <a:bodyPr/>
+                    <a:lstStyle/>
+                    <a:p>
+                      <a:endParaRPr lang="de-DE" dirty="0"/>
+                    </a:p>
+                  </a:txBody>
+                  <a:tcPr/>
+                </a:tc>
+                <a:tc>
+                  <a:txBody>
+                    <a:bodyPr/>
+                    <a:lstStyle/>
+                    <a:p>
+                      <a:r>
+                        <a:rPr lang="de-DE" dirty="0" smtClean="0"/>
+                        <a:t>Frucht</a:t>
+                      </a:r>
+                      <a:endParaRPr lang="de-DE" dirty="0"/>
+                    </a:p>
+                  </a:txBody>
+                  <a:tcPr/>
+                </a:tc>
+                <a:tc>
+                  <a:txBody>
+                    <a:bodyPr/>
+                    <a:lstStyle/>
+                    <a:p>
+                      <a:r>
+                        <a:rPr lang="de-DE" dirty="0" smtClean="0"/>
+                        <a:t>Farbe</a:t>
+                      </a:r>
+                      <a:endParaRPr lang="de-DE" dirty="0"/>
+                    </a:p>
+                  </a:txBody>
+                  <a:tcPr/>
+                </a:tc>
+                <a:extLst>
+                  <a:ext uri="{0D108BD9-81ED-4DB2-BD59-A6C34878D82A}">
+                    <a16:rowId xmlns:a16="http://schemas.microsoft.com/office/drawing/2014/main" val="249581257"/>
+                  </a:ext>
+                </a:extLst>
+              </a:tr>
+              <a:tr h="370840">
+                <a:tc>
+                  <a:txBody>
+                    <a:bodyPr/>
+                    <a:lstStyle/>
+                    <a:p>
+                      <a:r>
+                        <a:rPr lang="de-DE" dirty="0" smtClean="0"/>
+                        <a:t>1</a:t>
+                      </a:r>
+                      <a:endParaRPr lang="de-DE" dirty="0"/>
+                    </a:p>
+                  </a:txBody>
+                  <a:tcPr>
+                    <a:solidFill>
+                      <a:srgbClr val="FFC000"/>
+                    </a:solidFill>
+                  </a:tcPr>
+                </a:tc>
+                <a:tc>
+                  <a:txBody>
+                    <a:bodyPr/>
+                    <a:lstStyle/>
+                    <a:p>
+                      <a:r>
+                        <a:rPr lang="de-DE" dirty="0" smtClean="0"/>
+                        <a:t>Pfirsich</a:t>
+                      </a:r>
+                      <a:endParaRPr lang="de-DE" dirty="0"/>
+                    </a:p>
+                  </a:txBody>
+                  <a:tcPr>
+                    <a:solidFill>
+                      <a:srgbClr val="FFC000"/>
+                    </a:solidFill>
+                  </a:tcPr>
+                </a:tc>
+                <a:tc>
+                  <a:txBody>
+                    <a:bodyPr/>
+                    <a:lstStyle/>
+                    <a:p>
+                      <a:r>
+                        <a:rPr lang="de-DE" dirty="0" smtClean="0"/>
+                        <a:t>- - -</a:t>
+                      </a:r>
+                      <a:endParaRPr lang="de-DE" dirty="0"/>
+                    </a:p>
+                  </a:txBody>
+                  <a:tcPr>
+                    <a:solidFill>
+                      <a:srgbClr val="FFC000"/>
+                    </a:solidFill>
+                  </a:tcPr>
+                </a:tc>
+                <a:extLst>
+                  <a:ext uri="{0D108BD9-81ED-4DB2-BD59-A6C34878D82A}">
+                    <a16:rowId xmlns:a16="http://schemas.microsoft.com/office/drawing/2014/main" val="2078227091"/>
+                  </a:ext>
+                </a:extLst>
+              </a:tr>
+              <a:tr h="370840">
+                <a:tc>
+                  <a:txBody>
+                    <a:bodyPr/>
+                    <a:lstStyle/>
+                    <a:p>
+                      <a:r>
+                        <a:rPr lang="de-DE" dirty="0" smtClean="0"/>
+                        <a:t>2</a:t>
+                      </a:r>
+                      <a:endParaRPr lang="de-DE" dirty="0"/>
+                    </a:p>
+                  </a:txBody>
+                  <a:tcPr>
+                    <a:solidFill>
+                      <a:schemeClr val="accent5">
+                        <a:lumMod val="60000"/>
+                        <a:lumOff val="40000"/>
+                      </a:schemeClr>
+                    </a:solidFill>
+                  </a:tcPr>
+                </a:tc>
+                <a:tc>
+                  <a:txBody>
+                    <a:bodyPr/>
+                    <a:lstStyle/>
+                    <a:p>
+                      <a:r>
+                        <a:rPr lang="de-DE" dirty="0" err="1" smtClean="0"/>
+                        <a:t>Bannane</a:t>
+                      </a:r>
+                      <a:endParaRPr lang="de-DE" dirty="0"/>
+                    </a:p>
+                  </a:txBody>
+                  <a:tcPr>
+                    <a:solidFill>
+                      <a:schemeClr val="accent5">
+                        <a:lumMod val="60000"/>
+                        <a:lumOff val="40000"/>
+                      </a:schemeClr>
+                    </a:solidFill>
+                  </a:tcPr>
+                </a:tc>
+                <a:tc>
+                  <a:txBody>
+                    <a:bodyPr/>
+                    <a:lstStyle/>
+                    <a:p>
+                      <a:r>
+                        <a:rPr lang="de-DE" dirty="0" smtClean="0"/>
+                        <a:t>Gelb</a:t>
+                      </a:r>
+                      <a:endParaRPr lang="de-DE" dirty="0"/>
+                    </a:p>
+                  </a:txBody>
+                  <a:tcPr>
+                    <a:solidFill>
+                      <a:schemeClr val="accent5">
+                        <a:lumMod val="60000"/>
+                        <a:lumOff val="40000"/>
+                      </a:schemeClr>
+                    </a:solidFill>
+                  </a:tcPr>
+                </a:tc>
+                <a:extLst>
+                  <a:ext uri="{0D108BD9-81ED-4DB2-BD59-A6C34878D82A}">
+                    <a16:rowId xmlns:a16="http://schemas.microsoft.com/office/drawing/2014/main" val="2938930633"/>
+                  </a:ext>
+                </a:extLst>
+              </a:tr>
+              <a:tr h="370840">
+                <a:tc>
+                  <a:txBody>
+                    <a:bodyPr/>
+                    <a:lstStyle/>
+                    <a:p>
+                      <a:r>
+                        <a:rPr lang="de-DE" dirty="0" smtClean="0"/>
+                        <a:t>3</a:t>
+                      </a:r>
+                      <a:endParaRPr lang="de-DE" dirty="0"/>
+                    </a:p>
+                  </a:txBody>
+                  <a:tcPr>
+                    <a:solidFill>
+                      <a:schemeClr val="accent5">
+                        <a:lumMod val="60000"/>
+                        <a:lumOff val="40000"/>
+                      </a:schemeClr>
+                    </a:solidFill>
+                  </a:tcPr>
+                </a:tc>
+                <a:tc>
+                  <a:txBody>
+                    <a:bodyPr/>
+                    <a:lstStyle/>
+                    <a:p>
+                      <a:r>
+                        <a:rPr lang="de-DE" dirty="0" smtClean="0"/>
+                        <a:t>Apfel</a:t>
+                      </a:r>
+                      <a:endParaRPr lang="de-DE" dirty="0"/>
+                    </a:p>
+                  </a:txBody>
+                  <a:tcPr>
+                    <a:solidFill>
+                      <a:schemeClr val="accent5">
+                        <a:lumMod val="60000"/>
+                        <a:lumOff val="40000"/>
+                      </a:schemeClr>
+                    </a:solidFill>
+                  </a:tcPr>
+                </a:tc>
+                <a:tc>
+                  <a:txBody>
+                    <a:bodyPr/>
+                    <a:lstStyle/>
+                    <a:p>
+                      <a:r>
+                        <a:rPr lang="de-DE" dirty="0" smtClean="0"/>
+                        <a:t>Rot</a:t>
+                      </a:r>
+                      <a:endParaRPr lang="de-DE" dirty="0"/>
+                    </a:p>
+                  </a:txBody>
+                  <a:tcPr>
+                    <a:solidFill>
+                      <a:schemeClr val="accent5">
+                        <a:lumMod val="60000"/>
+                        <a:lumOff val="40000"/>
+                      </a:schemeClr>
+                    </a:solidFill>
+                  </a:tcPr>
+                </a:tc>
+                <a:extLst>
+                  <a:ext uri="{0D108BD9-81ED-4DB2-BD59-A6C34878D82A}">
+                    <a16:rowId xmlns:a16="http://schemas.microsoft.com/office/drawing/2014/main" val="3405290632"/>
+                  </a:ext>
+                </a:extLst>
+              </a:tr>
+              <a:tr h="370840">
+                <a:tc>
+                  <a:txBody>
+                    <a:bodyPr/>
+                    <a:lstStyle/>
+                    <a:p>
+                      <a:r>
+                        <a:rPr lang="de-DE" dirty="0" smtClean="0"/>
+                        <a:t>4</a:t>
+                      </a:r>
+                      <a:endParaRPr lang="de-DE" dirty="0"/>
+                    </a:p>
+                  </a:txBody>
+                  <a:tcPr>
+                    <a:solidFill>
+                      <a:srgbClr val="92D050"/>
+                    </a:solidFill>
+                  </a:tcPr>
+                </a:tc>
+                <a:tc>
+                  <a:txBody>
+                    <a:bodyPr/>
+                    <a:lstStyle/>
+                    <a:p>
+                      <a:r>
+                        <a:rPr lang="de-DE" dirty="0" smtClean="0"/>
+                        <a:t>- - -</a:t>
+                      </a:r>
+                      <a:endParaRPr lang="de-DE" dirty="0"/>
+                    </a:p>
+                  </a:txBody>
+                  <a:tcPr>
+                    <a:solidFill>
+                      <a:srgbClr val="92D050"/>
+                    </a:solidFill>
+                  </a:tcPr>
+                </a:tc>
+                <a:tc>
+                  <a:txBody>
+                    <a:bodyPr/>
+                    <a:lstStyle/>
+                    <a:p>
+                      <a:r>
+                        <a:rPr lang="de-DE" dirty="0" smtClean="0"/>
+                        <a:t>Grün</a:t>
+                      </a:r>
+                      <a:endParaRPr lang="de-DE" dirty="0"/>
+                    </a:p>
+                  </a:txBody>
+                  <a:tcPr>
+                    <a:solidFill>
+                      <a:srgbClr val="92D050"/>
+                    </a:solidFill>
+                  </a:tcPr>
+                </a:tc>
+                <a:extLst>
+                  <a:ext uri="{0D108BD9-81ED-4DB2-BD59-A6C34878D82A}">
+                    <a16:rowId xmlns:a16="http://schemas.microsoft.com/office/drawing/2014/main" val="3605374728"/>
+                  </a:ext>
+                </a:extLst>
+              </a:tr>
+            </a:tbl>
+          </a:graphicData>
+        </a:graphic>
+      </p:graphicFrame>
     </p:spTree>
     <p:extLst>
       <p:ext uri="{BB962C8B-B14F-4D97-AF65-F5344CB8AC3E}">
@@ -11778,14 +14330,82 @@
   <p:timing>
     <p:tnLst>
       <p:par>
-        <p:cTn id="1" dur="indefinite" restart="never" nodeType="tmRoot"/>
+        <p:cTn id="1" dur="indefinite" restart="never" nodeType="tmRoot">
+          <p:childTnLst>
+            <p:seq concurrent="1" nextAc="seek">
+              <p:cTn id="2" dur="indefinite" nodeType="mainSeq">
+                <p:childTnLst>
+                  <p:par>
+                    <p:cTn id="3" fill="hold">
+                      <p:stCondLst>
+                        <p:cond delay="indefinite"/>
+                      </p:stCondLst>
+                      <p:childTnLst>
+                        <p:par>
+                          <p:cTn id="4" fill="hold">
+                            <p:stCondLst>
+                              <p:cond delay="0"/>
+                            </p:stCondLst>
+                            <p:childTnLst>
+                              <p:par>
+                                <p:cTn id="5" presetID="1" presetClass="entr" presetSubtype="0" fill="hold" nodeType="clickEffect">
+                                  <p:stCondLst>
+                                    <p:cond delay="0"/>
+                                  </p:stCondLst>
+                                  <p:childTnLst>
+                                    <p:set>
+                                      <p:cBhvr>
+                                        <p:cTn id="6" dur="1" fill="hold">
+                                          <p:stCondLst>
+                                            <p:cond delay="0"/>
+                                          </p:stCondLst>
+                                        </p:cTn>
+                                        <p:tgtEl>
+                                          <p:spTgt spid="12"/>
+                                        </p:tgtEl>
+                                        <p:attrNameLst>
+                                          <p:attrName>style.visibility</p:attrName>
+                                        </p:attrNameLst>
+                                      </p:cBhvr>
+                                      <p:to>
+                                        <p:strVal val="visible"/>
+                                      </p:to>
+                                    </p:set>
+                                  </p:childTnLst>
+                                </p:cTn>
+                              </p:par>
+                            </p:childTnLst>
+                          </p:cTn>
+                        </p:par>
+                      </p:childTnLst>
+                    </p:cTn>
+                  </p:par>
+                </p:childTnLst>
+              </p:cTn>
+              <p:prevCondLst>
+                <p:cond evt="onPrev" delay="0">
+                  <p:tgtEl>
+                    <p:sldTgt/>
+                  </p:tgtEl>
+                </p:cond>
+              </p:prevCondLst>
+              <p:nextCondLst>
+                <p:cond evt="onNext" delay="0">
+                  <p:tgtEl>
+                    <p:sldTgt/>
+                  </p:tgtEl>
+                </p:cond>
+              </p:nextCondLst>
+            </p:seq>
+          </p:childTnLst>
+        </p:cTn>
       </p:par>
     </p:tnLst>
   </p:timing>
 </p:sld>
 </file>
 
-<file path=ppt/slides/slide22.xml><?xml version="1.0" encoding="utf-8"?>
+<file path=ppt/slides/slide28.xml><?xml version="1.0" encoding="utf-8"?>
 <p:sld xmlns:a="http://schemas.openxmlformats.org/drawingml/2006/main" xmlns:r="http://schemas.openxmlformats.org/officeDocument/2006/relationships" xmlns:p="http://schemas.openxmlformats.org/presentationml/2006/main">
   <p:cSld>
     <p:spTree>
@@ -11856,7 +14476,7 @@
         </p:nvSpPr>
         <p:spPr>
           <a:xfrm>
-            <a:off x="4373671" y="2997635"/>
+            <a:off x="3217868" y="2997635"/>
             <a:ext cx="574110" cy="1307404"/>
           </a:xfrm>
           <a:custGeom>
@@ -11990,7 +14610,7 @@
         </p:nvSpPr>
         <p:spPr>
           <a:xfrm>
-            <a:off x="3156560" y="2755726"/>
+            <a:off x="2000757" y="2755726"/>
             <a:ext cx="1504167" cy="1791222"/>
           </a:xfrm>
           <a:custGeom>
@@ -12142,7 +14762,7 @@
         </p:nvSpPr>
         <p:spPr>
           <a:xfrm>
-            <a:off x="4660727" y="2755726"/>
+            <a:off x="3504924" y="2755726"/>
             <a:ext cx="1504167" cy="1791222"/>
           </a:xfrm>
           <a:custGeom>
@@ -12294,7 +14914,7 @@
         </p:nvSpPr>
         <p:spPr>
           <a:xfrm>
-            <a:off x="2868460" y="4879007"/>
+            <a:off x="1712657" y="4879007"/>
             <a:ext cx="3632548" cy="646331"/>
           </a:xfrm>
           <a:prstGeom prst="rect">
@@ -12332,7 +14952,7 @@
         </p:nvSpPr>
         <p:spPr>
           <a:xfrm>
-            <a:off x="3795387" y="3266616"/>
+            <a:off x="2639584" y="3266616"/>
             <a:ext cx="475988" cy="769441"/>
           </a:xfrm>
           <a:prstGeom prst="rect">
@@ -12377,7 +14997,7 @@
         </p:nvSpPr>
         <p:spPr>
           <a:xfrm>
-            <a:off x="5005192" y="3266615"/>
+            <a:off x="3849389" y="3266615"/>
             <a:ext cx="475988" cy="769441"/>
           </a:xfrm>
           <a:prstGeom prst="rect">
@@ -12414,6 +15034,436 @@
           </a:p>
         </p:txBody>
       </p:sp>
+      <p:graphicFrame>
+        <p:nvGraphicFramePr>
+          <p:cNvPr id="16" name="Inhaltsplatzhalter 4"/>
+          <p:cNvGraphicFramePr>
+            <a:graphicFrameLocks/>
+          </p:cNvGraphicFramePr>
+          <p:nvPr>
+            <p:extLst>
+              <p:ext uri="{D42A27DB-BD31-4B8C-83A1-F6EECF244321}">
+                <p14:modId xmlns:p14="http://schemas.microsoft.com/office/powerpoint/2010/main" val="3801705481"/>
+              </p:ext>
+            </p:extLst>
+          </p:nvPr>
+        </p:nvGraphicFramePr>
+        <p:xfrm>
+          <a:off x="5586608" y="2711836"/>
+          <a:ext cx="3075570" cy="1849120"/>
+        </p:xfrm>
+        <a:graphic>
+          <a:graphicData uri="http://schemas.openxmlformats.org/drawingml/2006/table">
+            <a:tbl>
+              <a:tblPr firstRow="1" bandRow="1">
+                <a:tableStyleId>{0505E3EF-67EA-436B-97B2-0124C06EBD24}</a:tableStyleId>
+              </a:tblPr>
+              <a:tblGrid>
+                <a:gridCol w="330376">
+                  <a:extLst>
+                    <a:ext uri="{9D8B030D-6E8A-4147-A177-3AD203B41FA5}">
+                      <a16:colId xmlns:a16="http://schemas.microsoft.com/office/drawing/2014/main" val="1732597819"/>
+                    </a:ext>
+                  </a:extLst>
+                </a:gridCol>
+                <a:gridCol w="1311549">
+                  <a:extLst>
+                    <a:ext uri="{9D8B030D-6E8A-4147-A177-3AD203B41FA5}">
+                      <a16:colId xmlns:a16="http://schemas.microsoft.com/office/drawing/2014/main" val="3524463896"/>
+                    </a:ext>
+                  </a:extLst>
+                </a:gridCol>
+                <a:gridCol w="1433645">
+                  <a:extLst>
+                    <a:ext uri="{9D8B030D-6E8A-4147-A177-3AD203B41FA5}">
+                      <a16:colId xmlns:a16="http://schemas.microsoft.com/office/drawing/2014/main" val="3918799779"/>
+                    </a:ext>
+                  </a:extLst>
+                </a:gridCol>
+              </a:tblGrid>
+              <a:tr h="306681">
+                <a:tc>
+                  <a:txBody>
+                    <a:bodyPr/>
+                    <a:lstStyle/>
+                    <a:p>
+                      <a:endParaRPr lang="de-DE" dirty="0"/>
+                    </a:p>
+                  </a:txBody>
+                  <a:tcPr/>
+                </a:tc>
+                <a:tc>
+                  <a:txBody>
+                    <a:bodyPr/>
+                    <a:lstStyle/>
+                    <a:p>
+                      <a:r>
+                        <a:rPr lang="de-DE" dirty="0" smtClean="0"/>
+                        <a:t>Frucht</a:t>
+                      </a:r>
+                      <a:endParaRPr lang="de-DE" dirty="0"/>
+                    </a:p>
+                  </a:txBody>
+                  <a:tcPr/>
+                </a:tc>
+                <a:tc>
+                  <a:txBody>
+                    <a:bodyPr/>
+                    <a:lstStyle/>
+                    <a:p>
+                      <a:r>
+                        <a:rPr lang="de-DE" dirty="0" smtClean="0"/>
+                        <a:t>Farbe</a:t>
+                      </a:r>
+                      <a:endParaRPr lang="de-DE" dirty="0"/>
+                    </a:p>
+                  </a:txBody>
+                  <a:tcPr/>
+                </a:tc>
+                <a:extLst>
+                  <a:ext uri="{0D108BD9-81ED-4DB2-BD59-A6C34878D82A}">
+                    <a16:rowId xmlns:a16="http://schemas.microsoft.com/office/drawing/2014/main" val="249581257"/>
+                  </a:ext>
+                </a:extLst>
+              </a:tr>
+              <a:tr h="370840">
+                <a:tc>
+                  <a:txBody>
+                    <a:bodyPr/>
+                    <a:lstStyle/>
+                    <a:p>
+                      <a:r>
+                        <a:rPr lang="de-DE" dirty="0" smtClean="0">
+                          <a:solidFill>
+                            <a:schemeClr val="bg2">
+                              <a:lumMod val="90000"/>
+                            </a:schemeClr>
+                          </a:solidFill>
+                        </a:rPr>
+                        <a:t>1</a:t>
+                      </a:r>
+                      <a:endParaRPr lang="de-DE" dirty="0">
+                        <a:solidFill>
+                          <a:schemeClr val="bg2">
+                            <a:lumMod val="90000"/>
+                          </a:schemeClr>
+                        </a:solidFill>
+                      </a:endParaRPr>
+                    </a:p>
+                  </a:txBody>
+                  <a:tcPr>
+                    <a:solidFill>
+                      <a:schemeClr val="bg1"/>
+                    </a:solidFill>
+                  </a:tcPr>
+                </a:tc>
+                <a:tc>
+                  <a:txBody>
+                    <a:bodyPr/>
+                    <a:lstStyle/>
+                    <a:p>
+                      <a:r>
+                        <a:rPr lang="de-DE" dirty="0" smtClean="0">
+                          <a:solidFill>
+                            <a:schemeClr val="bg2">
+                              <a:lumMod val="90000"/>
+                            </a:schemeClr>
+                          </a:solidFill>
+                        </a:rPr>
+                        <a:t>Pfirsich</a:t>
+                      </a:r>
+                      <a:endParaRPr lang="de-DE" dirty="0">
+                        <a:solidFill>
+                          <a:schemeClr val="bg2">
+                            <a:lumMod val="90000"/>
+                          </a:schemeClr>
+                        </a:solidFill>
+                      </a:endParaRPr>
+                    </a:p>
+                  </a:txBody>
+                  <a:tcPr>
+                    <a:solidFill>
+                      <a:schemeClr val="bg1"/>
+                    </a:solidFill>
+                  </a:tcPr>
+                </a:tc>
+                <a:tc>
+                  <a:txBody>
+                    <a:bodyPr/>
+                    <a:lstStyle/>
+                    <a:p>
+                      <a:r>
+                        <a:rPr lang="de-DE" dirty="0" smtClean="0">
+                          <a:solidFill>
+                            <a:schemeClr val="bg2">
+                              <a:lumMod val="90000"/>
+                            </a:schemeClr>
+                          </a:solidFill>
+                        </a:rPr>
+                        <a:t>- - -</a:t>
+                      </a:r>
+                      <a:endParaRPr lang="de-DE" dirty="0">
+                        <a:solidFill>
+                          <a:schemeClr val="bg2">
+                            <a:lumMod val="90000"/>
+                          </a:schemeClr>
+                        </a:solidFill>
+                      </a:endParaRPr>
+                    </a:p>
+                  </a:txBody>
+                  <a:tcPr>
+                    <a:solidFill>
+                      <a:schemeClr val="bg1"/>
+                    </a:solidFill>
+                  </a:tcPr>
+                </a:tc>
+                <a:extLst>
+                  <a:ext uri="{0D108BD9-81ED-4DB2-BD59-A6C34878D82A}">
+                    <a16:rowId xmlns:a16="http://schemas.microsoft.com/office/drawing/2014/main" val="2078227091"/>
+                  </a:ext>
+                </a:extLst>
+              </a:tr>
+              <a:tr h="370840">
+                <a:tc>
+                  <a:txBody>
+                    <a:bodyPr/>
+                    <a:lstStyle/>
+                    <a:p>
+                      <a:r>
+                        <a:rPr lang="de-DE" dirty="0" smtClean="0"/>
+                        <a:t>2</a:t>
+                      </a:r>
+                      <a:endParaRPr lang="de-DE" dirty="0"/>
+                    </a:p>
+                  </a:txBody>
+                  <a:tcPr>
+                    <a:solidFill>
+                      <a:schemeClr val="accent5">
+                        <a:lumMod val="60000"/>
+                        <a:lumOff val="40000"/>
+                      </a:schemeClr>
+                    </a:solidFill>
+                  </a:tcPr>
+                </a:tc>
+                <a:tc>
+                  <a:txBody>
+                    <a:bodyPr/>
+                    <a:lstStyle/>
+                    <a:p>
+                      <a:r>
+                        <a:rPr lang="de-DE" dirty="0" err="1" smtClean="0"/>
+                        <a:t>Bannane</a:t>
+                      </a:r>
+                      <a:endParaRPr lang="de-DE" dirty="0"/>
+                    </a:p>
+                  </a:txBody>
+                  <a:tcPr>
+                    <a:solidFill>
+                      <a:schemeClr val="accent5">
+                        <a:lumMod val="60000"/>
+                        <a:lumOff val="40000"/>
+                      </a:schemeClr>
+                    </a:solidFill>
+                  </a:tcPr>
+                </a:tc>
+                <a:tc>
+                  <a:txBody>
+                    <a:bodyPr/>
+                    <a:lstStyle/>
+                    <a:p>
+                      <a:r>
+                        <a:rPr lang="de-DE" dirty="0" smtClean="0"/>
+                        <a:t>Gelb</a:t>
+                      </a:r>
+                      <a:endParaRPr lang="de-DE" dirty="0"/>
+                    </a:p>
+                  </a:txBody>
+                  <a:tcPr>
+                    <a:solidFill>
+                      <a:schemeClr val="accent5">
+                        <a:lumMod val="60000"/>
+                        <a:lumOff val="40000"/>
+                      </a:schemeClr>
+                    </a:solidFill>
+                  </a:tcPr>
+                </a:tc>
+                <a:extLst>
+                  <a:ext uri="{0D108BD9-81ED-4DB2-BD59-A6C34878D82A}">
+                    <a16:rowId xmlns:a16="http://schemas.microsoft.com/office/drawing/2014/main" val="2938930633"/>
+                  </a:ext>
+                </a:extLst>
+              </a:tr>
+              <a:tr h="370840">
+                <a:tc>
+                  <a:txBody>
+                    <a:bodyPr/>
+                    <a:lstStyle/>
+                    <a:p>
+                      <a:r>
+                        <a:rPr lang="de-DE" dirty="0" smtClean="0"/>
+                        <a:t>3</a:t>
+                      </a:r>
+                      <a:endParaRPr lang="de-DE" dirty="0"/>
+                    </a:p>
+                  </a:txBody>
+                  <a:tcPr>
+                    <a:solidFill>
+                      <a:schemeClr val="accent5">
+                        <a:lumMod val="60000"/>
+                        <a:lumOff val="40000"/>
+                      </a:schemeClr>
+                    </a:solidFill>
+                  </a:tcPr>
+                </a:tc>
+                <a:tc>
+                  <a:txBody>
+                    <a:bodyPr/>
+                    <a:lstStyle/>
+                    <a:p>
+                      <a:r>
+                        <a:rPr lang="de-DE" dirty="0" smtClean="0"/>
+                        <a:t>Apfel</a:t>
+                      </a:r>
+                      <a:endParaRPr lang="de-DE" dirty="0"/>
+                    </a:p>
+                  </a:txBody>
+                  <a:tcPr>
+                    <a:solidFill>
+                      <a:schemeClr val="accent5">
+                        <a:lumMod val="60000"/>
+                        <a:lumOff val="40000"/>
+                      </a:schemeClr>
+                    </a:solidFill>
+                  </a:tcPr>
+                </a:tc>
+                <a:tc>
+                  <a:txBody>
+                    <a:bodyPr/>
+                    <a:lstStyle/>
+                    <a:p>
+                      <a:r>
+                        <a:rPr lang="de-DE" dirty="0" smtClean="0"/>
+                        <a:t>Rot</a:t>
+                      </a:r>
+                      <a:endParaRPr lang="de-DE" dirty="0"/>
+                    </a:p>
+                  </a:txBody>
+                  <a:tcPr>
+                    <a:solidFill>
+                      <a:schemeClr val="accent5">
+                        <a:lumMod val="60000"/>
+                        <a:lumOff val="40000"/>
+                      </a:schemeClr>
+                    </a:solidFill>
+                  </a:tcPr>
+                </a:tc>
+                <a:extLst>
+                  <a:ext uri="{0D108BD9-81ED-4DB2-BD59-A6C34878D82A}">
+                    <a16:rowId xmlns:a16="http://schemas.microsoft.com/office/drawing/2014/main" val="3405290632"/>
+                  </a:ext>
+                </a:extLst>
+              </a:tr>
+              <a:tr h="370840">
+                <a:tc>
+                  <a:txBody>
+                    <a:bodyPr/>
+                    <a:lstStyle/>
+                    <a:p>
+                      <a:r>
+                        <a:rPr lang="de-DE" dirty="0" smtClean="0">
+                          <a:solidFill>
+                            <a:schemeClr val="bg2">
+                              <a:lumMod val="90000"/>
+                            </a:schemeClr>
+                          </a:solidFill>
+                        </a:rPr>
+                        <a:t>4</a:t>
+                      </a:r>
+                      <a:endParaRPr lang="de-DE" dirty="0">
+                        <a:solidFill>
+                          <a:schemeClr val="bg2">
+                            <a:lumMod val="90000"/>
+                          </a:schemeClr>
+                        </a:solidFill>
+                      </a:endParaRPr>
+                    </a:p>
+                  </a:txBody>
+                  <a:tcPr>
+                    <a:solidFill>
+                      <a:schemeClr val="bg1"/>
+                    </a:solidFill>
+                  </a:tcPr>
+                </a:tc>
+                <a:tc>
+                  <a:txBody>
+                    <a:bodyPr/>
+                    <a:lstStyle/>
+                    <a:p>
+                      <a:r>
+                        <a:rPr lang="de-DE" dirty="0" smtClean="0">
+                          <a:solidFill>
+                            <a:schemeClr val="bg2">
+                              <a:lumMod val="90000"/>
+                            </a:schemeClr>
+                          </a:solidFill>
+                        </a:rPr>
+                        <a:t>- - -</a:t>
+                      </a:r>
+                      <a:endParaRPr lang="de-DE" dirty="0">
+                        <a:solidFill>
+                          <a:schemeClr val="bg2">
+                            <a:lumMod val="90000"/>
+                          </a:schemeClr>
+                        </a:solidFill>
+                      </a:endParaRPr>
+                    </a:p>
+                  </a:txBody>
+                  <a:tcPr>
+                    <a:solidFill>
+                      <a:schemeClr val="bg1"/>
+                    </a:solidFill>
+                  </a:tcPr>
+                </a:tc>
+                <a:tc>
+                  <a:txBody>
+                    <a:bodyPr/>
+                    <a:lstStyle/>
+                    <a:p>
+                      <a:r>
+                        <a:rPr lang="de-DE" dirty="0" smtClean="0">
+                          <a:solidFill>
+                            <a:schemeClr val="bg2">
+                              <a:lumMod val="90000"/>
+                            </a:schemeClr>
+                          </a:solidFill>
+                        </a:rPr>
+                        <a:t>Grün</a:t>
+                      </a:r>
+                      <a:endParaRPr lang="de-DE" dirty="0">
+                        <a:solidFill>
+                          <a:schemeClr val="bg2">
+                            <a:lumMod val="90000"/>
+                          </a:schemeClr>
+                        </a:solidFill>
+                      </a:endParaRPr>
+                    </a:p>
+                  </a:txBody>
+                  <a:tcPr>
+                    <a:solidFill>
+                      <a:schemeClr val="bg1"/>
+                    </a:solidFill>
+                  </a:tcPr>
+                </a:tc>
+                <a:extLst>
+                  <a:ext uri="{0D108BD9-81ED-4DB2-BD59-A6C34878D82A}">
+                    <a16:rowId xmlns:a16="http://schemas.microsoft.com/office/drawing/2014/main" val="3605374728"/>
+                  </a:ext>
+                </a:extLst>
+              </a:tr>
+            </a:tbl>
+          </a:graphicData>
+        </a:graphic>
+      </p:graphicFrame>
     </p:spTree>
     <p:extLst>
       <p:ext uri="{BB962C8B-B14F-4D97-AF65-F5344CB8AC3E}">
@@ -12427,14 +15477,82 @@
   <p:timing>
     <p:tnLst>
       <p:par>
-        <p:cTn id="1" dur="indefinite" restart="never" nodeType="tmRoot"/>
+        <p:cTn id="1" dur="indefinite" restart="never" nodeType="tmRoot">
+          <p:childTnLst>
+            <p:seq concurrent="1" nextAc="seek">
+              <p:cTn id="2" dur="indefinite" nodeType="mainSeq">
+                <p:childTnLst>
+                  <p:par>
+                    <p:cTn id="3" fill="hold">
+                      <p:stCondLst>
+                        <p:cond delay="indefinite"/>
+                      </p:stCondLst>
+                      <p:childTnLst>
+                        <p:par>
+                          <p:cTn id="4" fill="hold">
+                            <p:stCondLst>
+                              <p:cond delay="0"/>
+                            </p:stCondLst>
+                            <p:childTnLst>
+                              <p:par>
+                                <p:cTn id="5" presetID="1" presetClass="entr" presetSubtype="0" fill="hold" nodeType="clickEffect">
+                                  <p:stCondLst>
+                                    <p:cond delay="0"/>
+                                  </p:stCondLst>
+                                  <p:childTnLst>
+                                    <p:set>
+                                      <p:cBhvr>
+                                        <p:cTn id="6" dur="1" fill="hold">
+                                          <p:stCondLst>
+                                            <p:cond delay="0"/>
+                                          </p:stCondLst>
+                                        </p:cTn>
+                                        <p:tgtEl>
+                                          <p:spTgt spid="16"/>
+                                        </p:tgtEl>
+                                        <p:attrNameLst>
+                                          <p:attrName>style.visibility</p:attrName>
+                                        </p:attrNameLst>
+                                      </p:cBhvr>
+                                      <p:to>
+                                        <p:strVal val="visible"/>
+                                      </p:to>
+                                    </p:set>
+                                  </p:childTnLst>
+                                </p:cTn>
+                              </p:par>
+                            </p:childTnLst>
+                          </p:cTn>
+                        </p:par>
+                      </p:childTnLst>
+                    </p:cTn>
+                  </p:par>
+                </p:childTnLst>
+              </p:cTn>
+              <p:prevCondLst>
+                <p:cond evt="onPrev" delay="0">
+                  <p:tgtEl>
+                    <p:sldTgt/>
+                  </p:tgtEl>
+                </p:cond>
+              </p:prevCondLst>
+              <p:nextCondLst>
+                <p:cond evt="onNext" delay="0">
+                  <p:tgtEl>
+                    <p:sldTgt/>
+                  </p:tgtEl>
+                </p:cond>
+              </p:nextCondLst>
+            </p:seq>
+          </p:childTnLst>
+        </p:cTn>
       </p:par>
     </p:tnLst>
   </p:timing>
 </p:sld>
 </file>
 
-<file path=ppt/slides/slide23.xml><?xml version="1.0" encoding="utf-8"?>
+<file path=ppt/slides/slide29.xml><?xml version="1.0" encoding="utf-8"?>
 <p:sld xmlns:a="http://schemas.openxmlformats.org/drawingml/2006/main" xmlns:r="http://schemas.openxmlformats.org/officeDocument/2006/relationships" xmlns:p="http://schemas.openxmlformats.org/presentationml/2006/main">
   <p:cSld>
     <p:spTree>
@@ -12505,7 +15623,7 @@
         </p:nvSpPr>
         <p:spPr>
           <a:xfrm>
-            <a:off x="4373671" y="2997635"/>
+            <a:off x="3293959" y="2997635"/>
             <a:ext cx="574110" cy="1307404"/>
           </a:xfrm>
           <a:custGeom>
@@ -12639,7 +15757,7 @@
         </p:nvSpPr>
         <p:spPr>
           <a:xfrm>
-            <a:off x="3156560" y="2755726"/>
+            <a:off x="2076848" y="2755726"/>
             <a:ext cx="1504167" cy="1791222"/>
           </a:xfrm>
           <a:custGeom>
@@ -12793,7 +15911,7 @@
         </p:nvSpPr>
         <p:spPr>
           <a:xfrm>
-            <a:off x="4660727" y="2755726"/>
+            <a:off x="3581015" y="2755726"/>
             <a:ext cx="1504167" cy="1791222"/>
           </a:xfrm>
           <a:custGeom>
@@ -12947,7 +16065,7 @@
         </p:nvSpPr>
         <p:spPr>
           <a:xfrm>
-            <a:off x="2868460" y="4879007"/>
+            <a:off x="1788748" y="4879007"/>
             <a:ext cx="3632548" cy="923330"/>
           </a:xfrm>
           <a:prstGeom prst="rect">
@@ -12978,7 +16096,7 @@
         </p:nvSpPr>
         <p:spPr>
           <a:xfrm>
-            <a:off x="3795387" y="3266616"/>
+            <a:off x="2715675" y="3266616"/>
             <a:ext cx="475988" cy="769441"/>
           </a:xfrm>
           <a:prstGeom prst="rect">
@@ -13017,7 +16135,7 @@
         </p:nvSpPr>
         <p:spPr>
           <a:xfrm>
-            <a:off x="5005192" y="3266615"/>
+            <a:off x="3925480" y="3266615"/>
             <a:ext cx="475988" cy="769441"/>
           </a:xfrm>
           <a:prstGeom prst="rect">
@@ -13054,6 +16172,400 @@
           </a:p>
         </p:txBody>
       </p:sp>
+      <p:graphicFrame>
+        <p:nvGraphicFramePr>
+          <p:cNvPr id="16" name="Inhaltsplatzhalter 4"/>
+          <p:cNvGraphicFramePr>
+            <a:graphicFrameLocks/>
+          </p:cNvGraphicFramePr>
+          <p:nvPr>
+            <p:extLst>
+              <p:ext uri="{D42A27DB-BD31-4B8C-83A1-F6EECF244321}">
+                <p14:modId xmlns:p14="http://schemas.microsoft.com/office/powerpoint/2010/main" val="3597376608"/>
+              </p:ext>
+            </p:extLst>
+          </p:nvPr>
+        </p:nvGraphicFramePr>
+        <p:xfrm>
+          <a:off x="5586608" y="2711836"/>
+          <a:ext cx="3075570" cy="1849120"/>
+        </p:xfrm>
+        <a:graphic>
+          <a:graphicData uri="http://schemas.openxmlformats.org/drawingml/2006/table">
+            <a:tbl>
+              <a:tblPr firstRow="1" bandRow="1">
+                <a:tableStyleId>{0505E3EF-67EA-436B-97B2-0124C06EBD24}</a:tableStyleId>
+              </a:tblPr>
+              <a:tblGrid>
+                <a:gridCol w="330376">
+                  <a:extLst>
+                    <a:ext uri="{9D8B030D-6E8A-4147-A177-3AD203B41FA5}">
+                      <a16:colId xmlns:a16="http://schemas.microsoft.com/office/drawing/2014/main" val="1732597819"/>
+                    </a:ext>
+                  </a:extLst>
+                </a:gridCol>
+                <a:gridCol w="1311549">
+                  <a:extLst>
+                    <a:ext uri="{9D8B030D-6E8A-4147-A177-3AD203B41FA5}">
+                      <a16:colId xmlns:a16="http://schemas.microsoft.com/office/drawing/2014/main" val="3524463896"/>
+                    </a:ext>
+                  </a:extLst>
+                </a:gridCol>
+                <a:gridCol w="1433645">
+                  <a:extLst>
+                    <a:ext uri="{9D8B030D-6E8A-4147-A177-3AD203B41FA5}">
+                      <a16:colId xmlns:a16="http://schemas.microsoft.com/office/drawing/2014/main" val="3918799779"/>
+                    </a:ext>
+                  </a:extLst>
+                </a:gridCol>
+              </a:tblGrid>
+              <a:tr h="306681">
+                <a:tc>
+                  <a:txBody>
+                    <a:bodyPr/>
+                    <a:lstStyle/>
+                    <a:p>
+                      <a:endParaRPr lang="de-DE" dirty="0"/>
+                    </a:p>
+                  </a:txBody>
+                  <a:tcPr/>
+                </a:tc>
+                <a:tc>
+                  <a:txBody>
+                    <a:bodyPr/>
+                    <a:lstStyle/>
+                    <a:p>
+                      <a:r>
+                        <a:rPr lang="de-DE" dirty="0" smtClean="0"/>
+                        <a:t>Frucht</a:t>
+                      </a:r>
+                      <a:endParaRPr lang="de-DE" dirty="0"/>
+                    </a:p>
+                  </a:txBody>
+                  <a:tcPr/>
+                </a:tc>
+                <a:tc>
+                  <a:txBody>
+                    <a:bodyPr/>
+                    <a:lstStyle/>
+                    <a:p>
+                      <a:r>
+                        <a:rPr lang="de-DE" dirty="0" smtClean="0"/>
+                        <a:t>Farbe</a:t>
+                      </a:r>
+                      <a:endParaRPr lang="de-DE" dirty="0"/>
+                    </a:p>
+                  </a:txBody>
+                  <a:tcPr/>
+                </a:tc>
+                <a:extLst>
+                  <a:ext uri="{0D108BD9-81ED-4DB2-BD59-A6C34878D82A}">
+                    <a16:rowId xmlns:a16="http://schemas.microsoft.com/office/drawing/2014/main" val="249581257"/>
+                  </a:ext>
+                </a:extLst>
+              </a:tr>
+              <a:tr h="370840">
+                <a:tc>
+                  <a:txBody>
+                    <a:bodyPr/>
+                    <a:lstStyle/>
+                    <a:p>
+                      <a:r>
+                        <a:rPr lang="de-DE" dirty="0" smtClean="0"/>
+                        <a:t>1</a:t>
+                      </a:r>
+                      <a:endParaRPr lang="de-DE" dirty="0"/>
+                    </a:p>
+                  </a:txBody>
+                  <a:tcPr>
+                    <a:solidFill>
+                      <a:srgbClr val="FFC000"/>
+                    </a:solidFill>
+                  </a:tcPr>
+                </a:tc>
+                <a:tc>
+                  <a:txBody>
+                    <a:bodyPr/>
+                    <a:lstStyle/>
+                    <a:p>
+                      <a:r>
+                        <a:rPr lang="de-DE" dirty="0" smtClean="0"/>
+                        <a:t>Pfirsich</a:t>
+                      </a:r>
+                      <a:endParaRPr lang="de-DE" dirty="0"/>
+                    </a:p>
+                  </a:txBody>
+                  <a:tcPr>
+                    <a:solidFill>
+                      <a:srgbClr val="FFC000"/>
+                    </a:solidFill>
+                  </a:tcPr>
+                </a:tc>
+                <a:tc>
+                  <a:txBody>
+                    <a:bodyPr/>
+                    <a:lstStyle/>
+                    <a:p>
+                      <a:r>
+                        <a:rPr lang="de-DE" dirty="0" smtClean="0"/>
+                        <a:t>- - -</a:t>
+                      </a:r>
+                      <a:endParaRPr lang="de-DE" dirty="0"/>
+                    </a:p>
+                  </a:txBody>
+                  <a:tcPr>
+                    <a:solidFill>
+                      <a:srgbClr val="FFC000"/>
+                    </a:solidFill>
+                  </a:tcPr>
+                </a:tc>
+                <a:extLst>
+                  <a:ext uri="{0D108BD9-81ED-4DB2-BD59-A6C34878D82A}">
+                    <a16:rowId xmlns:a16="http://schemas.microsoft.com/office/drawing/2014/main" val="2078227091"/>
+                  </a:ext>
+                </a:extLst>
+              </a:tr>
+              <a:tr h="370840">
+                <a:tc>
+                  <a:txBody>
+                    <a:bodyPr/>
+                    <a:lstStyle/>
+                    <a:p>
+                      <a:r>
+                        <a:rPr lang="de-DE" dirty="0" smtClean="0"/>
+                        <a:t>2</a:t>
+                      </a:r>
+                      <a:endParaRPr lang="de-DE" dirty="0"/>
+                    </a:p>
+                  </a:txBody>
+                  <a:tcPr>
+                    <a:solidFill>
+                      <a:schemeClr val="accent5">
+                        <a:lumMod val="60000"/>
+                        <a:lumOff val="40000"/>
+                      </a:schemeClr>
+                    </a:solidFill>
+                  </a:tcPr>
+                </a:tc>
+                <a:tc>
+                  <a:txBody>
+                    <a:bodyPr/>
+                    <a:lstStyle/>
+                    <a:p>
+                      <a:r>
+                        <a:rPr lang="de-DE" dirty="0" err="1" smtClean="0"/>
+                        <a:t>Bannane</a:t>
+                      </a:r>
+                      <a:endParaRPr lang="de-DE" dirty="0"/>
+                    </a:p>
+                  </a:txBody>
+                  <a:tcPr>
+                    <a:solidFill>
+                      <a:schemeClr val="accent5">
+                        <a:lumMod val="60000"/>
+                        <a:lumOff val="40000"/>
+                      </a:schemeClr>
+                    </a:solidFill>
+                  </a:tcPr>
+                </a:tc>
+                <a:tc>
+                  <a:txBody>
+                    <a:bodyPr/>
+                    <a:lstStyle/>
+                    <a:p>
+                      <a:r>
+                        <a:rPr lang="de-DE" dirty="0" smtClean="0"/>
+                        <a:t>Gelb</a:t>
+                      </a:r>
+                      <a:endParaRPr lang="de-DE" dirty="0"/>
+                    </a:p>
+                  </a:txBody>
+                  <a:tcPr>
+                    <a:solidFill>
+                      <a:schemeClr val="accent5">
+                        <a:lumMod val="60000"/>
+                        <a:lumOff val="40000"/>
+                      </a:schemeClr>
+                    </a:solidFill>
+                  </a:tcPr>
+                </a:tc>
+                <a:extLst>
+                  <a:ext uri="{0D108BD9-81ED-4DB2-BD59-A6C34878D82A}">
+                    <a16:rowId xmlns:a16="http://schemas.microsoft.com/office/drawing/2014/main" val="2938930633"/>
+                  </a:ext>
+                </a:extLst>
+              </a:tr>
+              <a:tr h="370840">
+                <a:tc>
+                  <a:txBody>
+                    <a:bodyPr/>
+                    <a:lstStyle/>
+                    <a:p>
+                      <a:r>
+                        <a:rPr lang="de-DE" dirty="0" smtClean="0"/>
+                        <a:t>3</a:t>
+                      </a:r>
+                      <a:endParaRPr lang="de-DE" dirty="0"/>
+                    </a:p>
+                  </a:txBody>
+                  <a:tcPr>
+                    <a:solidFill>
+                      <a:schemeClr val="accent5">
+                        <a:lumMod val="60000"/>
+                        <a:lumOff val="40000"/>
+                      </a:schemeClr>
+                    </a:solidFill>
+                  </a:tcPr>
+                </a:tc>
+                <a:tc>
+                  <a:txBody>
+                    <a:bodyPr/>
+                    <a:lstStyle/>
+                    <a:p>
+                      <a:r>
+                        <a:rPr lang="de-DE" dirty="0" smtClean="0"/>
+                        <a:t>Apfel</a:t>
+                      </a:r>
+                      <a:endParaRPr lang="de-DE" dirty="0"/>
+                    </a:p>
+                  </a:txBody>
+                  <a:tcPr>
+                    <a:solidFill>
+                      <a:schemeClr val="accent5">
+                        <a:lumMod val="60000"/>
+                        <a:lumOff val="40000"/>
+                      </a:schemeClr>
+                    </a:solidFill>
+                  </a:tcPr>
+                </a:tc>
+                <a:tc>
+                  <a:txBody>
+                    <a:bodyPr/>
+                    <a:lstStyle/>
+                    <a:p>
+                      <a:r>
+                        <a:rPr lang="de-DE" dirty="0" smtClean="0"/>
+                        <a:t>Rot</a:t>
+                      </a:r>
+                      <a:endParaRPr lang="de-DE" dirty="0"/>
+                    </a:p>
+                  </a:txBody>
+                  <a:tcPr>
+                    <a:solidFill>
+                      <a:schemeClr val="accent5">
+                        <a:lumMod val="60000"/>
+                        <a:lumOff val="40000"/>
+                      </a:schemeClr>
+                    </a:solidFill>
+                  </a:tcPr>
+                </a:tc>
+                <a:extLst>
+                  <a:ext uri="{0D108BD9-81ED-4DB2-BD59-A6C34878D82A}">
+                    <a16:rowId xmlns:a16="http://schemas.microsoft.com/office/drawing/2014/main" val="3405290632"/>
+                  </a:ext>
+                </a:extLst>
+              </a:tr>
+              <a:tr h="370840">
+                <a:tc>
+                  <a:txBody>
+                    <a:bodyPr/>
+                    <a:lstStyle/>
+                    <a:p>
+                      <a:r>
+                        <a:rPr lang="de-DE" dirty="0" smtClean="0">
+                          <a:solidFill>
+                            <a:schemeClr val="bg2">
+                              <a:lumMod val="90000"/>
+                            </a:schemeClr>
+                          </a:solidFill>
+                        </a:rPr>
+                        <a:t>4</a:t>
+                      </a:r>
+                      <a:endParaRPr lang="de-DE" dirty="0">
+                        <a:solidFill>
+                          <a:schemeClr val="bg2">
+                            <a:lumMod val="90000"/>
+                          </a:schemeClr>
+                        </a:solidFill>
+                      </a:endParaRPr>
+                    </a:p>
+                  </a:txBody>
+                  <a:tcPr>
+                    <a:solidFill>
+                      <a:schemeClr val="bg1"/>
+                    </a:solidFill>
+                  </a:tcPr>
+                </a:tc>
+                <a:tc>
+                  <a:txBody>
+                    <a:bodyPr/>
+                    <a:lstStyle/>
+                    <a:p>
+                      <a:r>
+                        <a:rPr lang="de-DE" dirty="0" smtClean="0">
+                          <a:solidFill>
+                            <a:schemeClr val="bg2">
+                              <a:lumMod val="90000"/>
+                            </a:schemeClr>
+                          </a:solidFill>
+                        </a:rPr>
+                        <a:t>- - -</a:t>
+                      </a:r>
+                      <a:endParaRPr lang="de-DE" dirty="0">
+                        <a:solidFill>
+                          <a:schemeClr val="bg2">
+                            <a:lumMod val="90000"/>
+                          </a:schemeClr>
+                        </a:solidFill>
+                      </a:endParaRPr>
+                    </a:p>
+                  </a:txBody>
+                  <a:tcPr>
+                    <a:solidFill>
+                      <a:schemeClr val="bg1"/>
+                    </a:solidFill>
+                  </a:tcPr>
+                </a:tc>
+                <a:tc>
+                  <a:txBody>
+                    <a:bodyPr/>
+                    <a:lstStyle/>
+                    <a:p>
+                      <a:r>
+                        <a:rPr lang="de-DE" dirty="0" smtClean="0">
+                          <a:solidFill>
+                            <a:schemeClr val="bg2">
+                              <a:lumMod val="90000"/>
+                            </a:schemeClr>
+                          </a:solidFill>
+                        </a:rPr>
+                        <a:t>Grün</a:t>
+                      </a:r>
+                      <a:endParaRPr lang="de-DE" dirty="0">
+                        <a:solidFill>
+                          <a:schemeClr val="bg2">
+                            <a:lumMod val="90000"/>
+                          </a:schemeClr>
+                        </a:solidFill>
+                      </a:endParaRPr>
+                    </a:p>
+                  </a:txBody>
+                  <a:tcPr>
+                    <a:solidFill>
+                      <a:schemeClr val="bg1"/>
+                    </a:solidFill>
+                  </a:tcPr>
+                </a:tc>
+                <a:extLst>
+                  <a:ext uri="{0D108BD9-81ED-4DB2-BD59-A6C34878D82A}">
+                    <a16:rowId xmlns:a16="http://schemas.microsoft.com/office/drawing/2014/main" val="3605374728"/>
+                  </a:ext>
+                </a:extLst>
+              </a:tr>
+            </a:tbl>
+          </a:graphicData>
+        </a:graphic>
+      </p:graphicFrame>
     </p:spTree>
     <p:extLst>
       <p:ext uri="{BB962C8B-B14F-4D97-AF65-F5344CB8AC3E}">
@@ -13067,6 +16579,181 @@
   <p:timing>
     <p:tnLst>
       <p:par>
+        <p:cTn id="1" dur="indefinite" restart="never" nodeType="tmRoot">
+          <p:childTnLst>
+            <p:seq concurrent="1" nextAc="seek">
+              <p:cTn id="2" dur="indefinite" nodeType="mainSeq">
+                <p:childTnLst>
+                  <p:par>
+                    <p:cTn id="3" fill="hold">
+                      <p:stCondLst>
+                        <p:cond delay="indefinite"/>
+                      </p:stCondLst>
+                      <p:childTnLst>
+                        <p:par>
+                          <p:cTn id="4" fill="hold">
+                            <p:stCondLst>
+                              <p:cond delay="0"/>
+                            </p:stCondLst>
+                            <p:childTnLst>
+                              <p:par>
+                                <p:cTn id="5" presetID="1" presetClass="entr" presetSubtype="0" fill="hold" nodeType="clickEffect">
+                                  <p:stCondLst>
+                                    <p:cond delay="0"/>
+                                  </p:stCondLst>
+                                  <p:childTnLst>
+                                    <p:set>
+                                      <p:cBhvr>
+                                        <p:cTn id="6" dur="1" fill="hold">
+                                          <p:stCondLst>
+                                            <p:cond delay="0"/>
+                                          </p:stCondLst>
+                                        </p:cTn>
+                                        <p:tgtEl>
+                                          <p:spTgt spid="16"/>
+                                        </p:tgtEl>
+                                        <p:attrNameLst>
+                                          <p:attrName>style.visibility</p:attrName>
+                                        </p:attrNameLst>
+                                      </p:cBhvr>
+                                      <p:to>
+                                        <p:strVal val="visible"/>
+                                      </p:to>
+                                    </p:set>
+                                  </p:childTnLst>
+                                </p:cTn>
+                              </p:par>
+                            </p:childTnLst>
+                          </p:cTn>
+                        </p:par>
+                      </p:childTnLst>
+                    </p:cTn>
+                  </p:par>
+                </p:childTnLst>
+              </p:cTn>
+              <p:prevCondLst>
+                <p:cond evt="onPrev" delay="0">
+                  <p:tgtEl>
+                    <p:sldTgt/>
+                  </p:tgtEl>
+                </p:cond>
+              </p:prevCondLst>
+              <p:nextCondLst>
+                <p:cond evt="onNext" delay="0">
+                  <p:tgtEl>
+                    <p:sldTgt/>
+                  </p:tgtEl>
+                </p:cond>
+              </p:nextCondLst>
+            </p:seq>
+          </p:childTnLst>
+        </p:cTn>
+      </p:par>
+    </p:tnLst>
+  </p:timing>
+</p:sld>
+</file>
+
+<file path=ppt/slides/slide3.xml><?xml version="1.0" encoding="utf-8"?>
+<p:sld xmlns:a="http://schemas.openxmlformats.org/drawingml/2006/main" xmlns:r="http://schemas.openxmlformats.org/officeDocument/2006/relationships" xmlns:p="http://schemas.openxmlformats.org/presentationml/2006/main" show="0">
+  <p:cSld>
+    <p:spTree>
+      <p:nvGrpSpPr>
+        <p:cNvPr id="1" name=""/>
+        <p:cNvGrpSpPr/>
+        <p:nvPr/>
+      </p:nvGrpSpPr>
+      <p:grpSpPr>
+        <a:xfrm>
+          <a:off x="0" y="0"/>
+          <a:ext cx="0" cy="0"/>
+          <a:chOff x="0" y="0"/>
+          <a:chExt cx="0" cy="0"/>
+        </a:xfrm>
+      </p:grpSpPr>
+      <p:sp>
+        <p:nvSpPr>
+          <p:cNvPr id="2" name="Titel 1">
+            <a:extLst>
+              <a:ext uri="{FF2B5EF4-FFF2-40B4-BE49-F238E27FC236}">
+                <a16:creationId xmlns:a16="http://schemas.microsoft.com/office/drawing/2014/main" id="{583040E4-EC87-44ED-8D9E-06427EA055F3}"/>
+              </a:ext>
+            </a:extLst>
+          </p:cNvPr>
+          <p:cNvSpPr>
+            <a:spLocks noGrp="1"/>
+          </p:cNvSpPr>
+          <p:nvPr>
+            <p:ph type="title"/>
+          </p:nvPr>
+        </p:nvSpPr>
+        <p:spPr>
+          <a:xfrm>
+            <a:off x="2107735" y="3039269"/>
+            <a:ext cx="6204415" cy="779462"/>
+          </a:xfrm>
+        </p:spPr>
+        <p:txBody>
+          <a:bodyPr/>
+          <a:lstStyle/>
+          <a:p>
+            <a:pPr algn="ctr"/>
+            <a:r>
+              <a:rPr lang="de-DE" dirty="0"/>
+              <a:t>?</a:t>
+            </a:r>
+          </a:p>
+        </p:txBody>
+      </p:sp>
+      <p:sp>
+        <p:nvSpPr>
+          <p:cNvPr id="4" name="Textplatzhalter 3">
+            <a:extLst>
+              <a:ext uri="{FF2B5EF4-FFF2-40B4-BE49-F238E27FC236}">
+                <a16:creationId xmlns:a16="http://schemas.microsoft.com/office/drawing/2014/main" id="{AA7760C6-EE97-4B2C-AD58-51836042F1C2}"/>
+              </a:ext>
+            </a:extLst>
+          </p:cNvPr>
+          <p:cNvSpPr>
+            <a:spLocks noGrp="1"/>
+          </p:cNvSpPr>
+          <p:nvPr>
+            <p:ph type="body" sz="quarter" idx="11"/>
+          </p:nvPr>
+        </p:nvSpPr>
+        <p:spPr/>
+        <p:txBody>
+          <a:bodyPr/>
+          <a:lstStyle/>
+          <a:p>
+            <a:r>
+              <a:rPr lang="de-DE" dirty="0"/>
+              <a:t>VORSTELLUNG</a:t>
+            </a:r>
+          </a:p>
+        </p:txBody>
+      </p:sp>
+    </p:spTree>
+    <p:extLst>
+      <p:ext uri="{BB962C8B-B14F-4D97-AF65-F5344CB8AC3E}">
+        <p14:creationId xmlns:p14="http://schemas.microsoft.com/office/powerpoint/2010/main" val="330145823"/>
+      </p:ext>
+    </p:extLst>
+  </p:cSld>
+  <p:clrMapOvr>
+    <a:masterClrMapping/>
+  </p:clrMapOvr>
+  <mc:AlternateContent xmlns:mc="http://schemas.openxmlformats.org/markup-compatibility/2006" xmlns:p14="http://schemas.microsoft.com/office/powerpoint/2010/main">
+    <mc:Choice Requires="p14">
+      <p:transition spd="slow" p14:dur="2000"/>
+    </mc:Choice>
+    <mc:Fallback xmlns="">
+      <p:transition spd="slow"/>
+    </mc:Fallback>
+  </mc:AlternateContent>
+  <p:timing>
+    <p:tnLst>
+      <p:par>
         <p:cTn id="1" dur="indefinite" restart="never" nodeType="tmRoot"/>
       </p:par>
     </p:tnLst>
@@ -13074,7 +16761,7 @@
 </p:sld>
 </file>
 
-<file path=ppt/slides/slide24.xml><?xml version="1.0" encoding="utf-8"?>
+<file path=ppt/slides/slide30.xml><?xml version="1.0" encoding="utf-8"?>
 <p:sld xmlns:a="http://schemas.openxmlformats.org/drawingml/2006/main" xmlns:r="http://schemas.openxmlformats.org/officeDocument/2006/relationships" xmlns:p="http://schemas.openxmlformats.org/presentationml/2006/main">
   <p:cSld>
     <p:spTree>
@@ -13145,7 +16832,7 @@
         </p:nvSpPr>
         <p:spPr>
           <a:xfrm>
-            <a:off x="4373671" y="2997635"/>
+            <a:off x="3283706" y="3012265"/>
             <a:ext cx="574110" cy="1307404"/>
           </a:xfrm>
           <a:custGeom>
@@ -13279,7 +16966,7 @@
         </p:nvSpPr>
         <p:spPr>
           <a:xfrm>
-            <a:off x="3156560" y="2755726"/>
+            <a:off x="2066595" y="2770356"/>
             <a:ext cx="1504167" cy="1791222"/>
           </a:xfrm>
           <a:custGeom>
@@ -13431,7 +17118,7 @@
         </p:nvSpPr>
         <p:spPr>
           <a:xfrm>
-            <a:off x="4660727" y="2755726"/>
+            <a:off x="3570762" y="2770356"/>
             <a:ext cx="1504167" cy="1791222"/>
           </a:xfrm>
           <a:custGeom>
@@ -13585,7 +17272,7 @@
         </p:nvSpPr>
         <p:spPr>
           <a:xfrm>
-            <a:off x="2868460" y="4879007"/>
+            <a:off x="1778495" y="4893637"/>
             <a:ext cx="3632548" cy="923330"/>
           </a:xfrm>
           <a:prstGeom prst="rect">
@@ -13616,7 +17303,7 @@
         </p:nvSpPr>
         <p:spPr>
           <a:xfrm>
-            <a:off x="3795387" y="3266616"/>
+            <a:off x="2705422" y="3281246"/>
             <a:ext cx="475988" cy="769441"/>
           </a:xfrm>
           <a:prstGeom prst="rect">
@@ -13661,7 +17348,7 @@
         </p:nvSpPr>
         <p:spPr>
           <a:xfrm>
-            <a:off x="5005192" y="3266615"/>
+            <a:off x="3915227" y="3281245"/>
             <a:ext cx="475988" cy="769441"/>
           </a:xfrm>
           <a:prstGeom prst="rect">
@@ -13692,6 +17379,400 @@
           </a:p>
         </p:txBody>
       </p:sp>
+      <p:graphicFrame>
+        <p:nvGraphicFramePr>
+          <p:cNvPr id="15" name="Inhaltsplatzhalter 4"/>
+          <p:cNvGraphicFramePr>
+            <a:graphicFrameLocks/>
+          </p:cNvGraphicFramePr>
+          <p:nvPr>
+            <p:extLst>
+              <p:ext uri="{D42A27DB-BD31-4B8C-83A1-F6EECF244321}">
+                <p14:modId xmlns:p14="http://schemas.microsoft.com/office/powerpoint/2010/main" val="1020526025"/>
+              </p:ext>
+            </p:extLst>
+          </p:nvPr>
+        </p:nvGraphicFramePr>
+        <p:xfrm>
+          <a:off x="5586608" y="2711836"/>
+          <a:ext cx="3075570" cy="1849120"/>
+        </p:xfrm>
+        <a:graphic>
+          <a:graphicData uri="http://schemas.openxmlformats.org/drawingml/2006/table">
+            <a:tbl>
+              <a:tblPr firstRow="1" bandRow="1">
+                <a:tableStyleId>{0505E3EF-67EA-436B-97B2-0124C06EBD24}</a:tableStyleId>
+              </a:tblPr>
+              <a:tblGrid>
+                <a:gridCol w="330376">
+                  <a:extLst>
+                    <a:ext uri="{9D8B030D-6E8A-4147-A177-3AD203B41FA5}">
+                      <a16:colId xmlns:a16="http://schemas.microsoft.com/office/drawing/2014/main" val="1732597819"/>
+                    </a:ext>
+                  </a:extLst>
+                </a:gridCol>
+                <a:gridCol w="1311549">
+                  <a:extLst>
+                    <a:ext uri="{9D8B030D-6E8A-4147-A177-3AD203B41FA5}">
+                      <a16:colId xmlns:a16="http://schemas.microsoft.com/office/drawing/2014/main" val="3524463896"/>
+                    </a:ext>
+                  </a:extLst>
+                </a:gridCol>
+                <a:gridCol w="1433645">
+                  <a:extLst>
+                    <a:ext uri="{9D8B030D-6E8A-4147-A177-3AD203B41FA5}">
+                      <a16:colId xmlns:a16="http://schemas.microsoft.com/office/drawing/2014/main" val="3918799779"/>
+                    </a:ext>
+                  </a:extLst>
+                </a:gridCol>
+              </a:tblGrid>
+              <a:tr h="306681">
+                <a:tc>
+                  <a:txBody>
+                    <a:bodyPr/>
+                    <a:lstStyle/>
+                    <a:p>
+                      <a:endParaRPr lang="de-DE" dirty="0"/>
+                    </a:p>
+                  </a:txBody>
+                  <a:tcPr/>
+                </a:tc>
+                <a:tc>
+                  <a:txBody>
+                    <a:bodyPr/>
+                    <a:lstStyle/>
+                    <a:p>
+                      <a:r>
+                        <a:rPr lang="de-DE" dirty="0" smtClean="0"/>
+                        <a:t>Frucht</a:t>
+                      </a:r>
+                      <a:endParaRPr lang="de-DE" dirty="0"/>
+                    </a:p>
+                  </a:txBody>
+                  <a:tcPr/>
+                </a:tc>
+                <a:tc>
+                  <a:txBody>
+                    <a:bodyPr/>
+                    <a:lstStyle/>
+                    <a:p>
+                      <a:r>
+                        <a:rPr lang="de-DE" dirty="0" smtClean="0"/>
+                        <a:t>Farbe</a:t>
+                      </a:r>
+                      <a:endParaRPr lang="de-DE" dirty="0"/>
+                    </a:p>
+                  </a:txBody>
+                  <a:tcPr/>
+                </a:tc>
+                <a:extLst>
+                  <a:ext uri="{0D108BD9-81ED-4DB2-BD59-A6C34878D82A}">
+                    <a16:rowId xmlns:a16="http://schemas.microsoft.com/office/drawing/2014/main" val="249581257"/>
+                  </a:ext>
+                </a:extLst>
+              </a:tr>
+              <a:tr h="370840">
+                <a:tc>
+                  <a:txBody>
+                    <a:bodyPr/>
+                    <a:lstStyle/>
+                    <a:p>
+                      <a:r>
+                        <a:rPr lang="de-DE" dirty="0" smtClean="0">
+                          <a:solidFill>
+                            <a:schemeClr val="bg2">
+                              <a:lumMod val="90000"/>
+                            </a:schemeClr>
+                          </a:solidFill>
+                        </a:rPr>
+                        <a:t>1</a:t>
+                      </a:r>
+                      <a:endParaRPr lang="de-DE" dirty="0">
+                        <a:solidFill>
+                          <a:schemeClr val="bg2">
+                            <a:lumMod val="90000"/>
+                          </a:schemeClr>
+                        </a:solidFill>
+                      </a:endParaRPr>
+                    </a:p>
+                  </a:txBody>
+                  <a:tcPr>
+                    <a:solidFill>
+                      <a:schemeClr val="bg1"/>
+                    </a:solidFill>
+                  </a:tcPr>
+                </a:tc>
+                <a:tc>
+                  <a:txBody>
+                    <a:bodyPr/>
+                    <a:lstStyle/>
+                    <a:p>
+                      <a:r>
+                        <a:rPr lang="de-DE" dirty="0" smtClean="0">
+                          <a:solidFill>
+                            <a:schemeClr val="bg2">
+                              <a:lumMod val="90000"/>
+                            </a:schemeClr>
+                          </a:solidFill>
+                        </a:rPr>
+                        <a:t>Pfirsich</a:t>
+                      </a:r>
+                      <a:endParaRPr lang="de-DE" dirty="0">
+                        <a:solidFill>
+                          <a:schemeClr val="bg2">
+                            <a:lumMod val="90000"/>
+                          </a:schemeClr>
+                        </a:solidFill>
+                      </a:endParaRPr>
+                    </a:p>
+                  </a:txBody>
+                  <a:tcPr>
+                    <a:solidFill>
+                      <a:schemeClr val="bg1"/>
+                    </a:solidFill>
+                  </a:tcPr>
+                </a:tc>
+                <a:tc>
+                  <a:txBody>
+                    <a:bodyPr/>
+                    <a:lstStyle/>
+                    <a:p>
+                      <a:r>
+                        <a:rPr lang="de-DE" dirty="0" smtClean="0">
+                          <a:solidFill>
+                            <a:schemeClr val="bg2">
+                              <a:lumMod val="90000"/>
+                            </a:schemeClr>
+                          </a:solidFill>
+                        </a:rPr>
+                        <a:t>- - -</a:t>
+                      </a:r>
+                      <a:endParaRPr lang="de-DE" dirty="0">
+                        <a:solidFill>
+                          <a:schemeClr val="bg2">
+                            <a:lumMod val="90000"/>
+                          </a:schemeClr>
+                        </a:solidFill>
+                      </a:endParaRPr>
+                    </a:p>
+                  </a:txBody>
+                  <a:tcPr>
+                    <a:solidFill>
+                      <a:schemeClr val="bg1"/>
+                    </a:solidFill>
+                  </a:tcPr>
+                </a:tc>
+                <a:extLst>
+                  <a:ext uri="{0D108BD9-81ED-4DB2-BD59-A6C34878D82A}">
+                    <a16:rowId xmlns:a16="http://schemas.microsoft.com/office/drawing/2014/main" val="2078227091"/>
+                  </a:ext>
+                </a:extLst>
+              </a:tr>
+              <a:tr h="370840">
+                <a:tc>
+                  <a:txBody>
+                    <a:bodyPr/>
+                    <a:lstStyle/>
+                    <a:p>
+                      <a:r>
+                        <a:rPr lang="de-DE" dirty="0" smtClean="0"/>
+                        <a:t>2</a:t>
+                      </a:r>
+                      <a:endParaRPr lang="de-DE" dirty="0"/>
+                    </a:p>
+                  </a:txBody>
+                  <a:tcPr>
+                    <a:solidFill>
+                      <a:schemeClr val="accent5">
+                        <a:lumMod val="60000"/>
+                        <a:lumOff val="40000"/>
+                      </a:schemeClr>
+                    </a:solidFill>
+                  </a:tcPr>
+                </a:tc>
+                <a:tc>
+                  <a:txBody>
+                    <a:bodyPr/>
+                    <a:lstStyle/>
+                    <a:p>
+                      <a:r>
+                        <a:rPr lang="de-DE" dirty="0" err="1" smtClean="0"/>
+                        <a:t>Bannane</a:t>
+                      </a:r>
+                      <a:endParaRPr lang="de-DE" dirty="0"/>
+                    </a:p>
+                  </a:txBody>
+                  <a:tcPr>
+                    <a:solidFill>
+                      <a:schemeClr val="accent5">
+                        <a:lumMod val="60000"/>
+                        <a:lumOff val="40000"/>
+                      </a:schemeClr>
+                    </a:solidFill>
+                  </a:tcPr>
+                </a:tc>
+                <a:tc>
+                  <a:txBody>
+                    <a:bodyPr/>
+                    <a:lstStyle/>
+                    <a:p>
+                      <a:r>
+                        <a:rPr lang="de-DE" dirty="0" smtClean="0"/>
+                        <a:t>Gelb</a:t>
+                      </a:r>
+                      <a:endParaRPr lang="de-DE" dirty="0"/>
+                    </a:p>
+                  </a:txBody>
+                  <a:tcPr>
+                    <a:solidFill>
+                      <a:schemeClr val="accent5">
+                        <a:lumMod val="60000"/>
+                        <a:lumOff val="40000"/>
+                      </a:schemeClr>
+                    </a:solidFill>
+                  </a:tcPr>
+                </a:tc>
+                <a:extLst>
+                  <a:ext uri="{0D108BD9-81ED-4DB2-BD59-A6C34878D82A}">
+                    <a16:rowId xmlns:a16="http://schemas.microsoft.com/office/drawing/2014/main" val="2938930633"/>
+                  </a:ext>
+                </a:extLst>
+              </a:tr>
+              <a:tr h="370840">
+                <a:tc>
+                  <a:txBody>
+                    <a:bodyPr/>
+                    <a:lstStyle/>
+                    <a:p>
+                      <a:r>
+                        <a:rPr lang="de-DE" dirty="0" smtClean="0"/>
+                        <a:t>3</a:t>
+                      </a:r>
+                      <a:endParaRPr lang="de-DE" dirty="0"/>
+                    </a:p>
+                  </a:txBody>
+                  <a:tcPr>
+                    <a:solidFill>
+                      <a:schemeClr val="accent5">
+                        <a:lumMod val="60000"/>
+                        <a:lumOff val="40000"/>
+                      </a:schemeClr>
+                    </a:solidFill>
+                  </a:tcPr>
+                </a:tc>
+                <a:tc>
+                  <a:txBody>
+                    <a:bodyPr/>
+                    <a:lstStyle/>
+                    <a:p>
+                      <a:r>
+                        <a:rPr lang="de-DE" dirty="0" smtClean="0"/>
+                        <a:t>Apfel</a:t>
+                      </a:r>
+                      <a:endParaRPr lang="de-DE" dirty="0"/>
+                    </a:p>
+                  </a:txBody>
+                  <a:tcPr>
+                    <a:solidFill>
+                      <a:schemeClr val="accent5">
+                        <a:lumMod val="60000"/>
+                        <a:lumOff val="40000"/>
+                      </a:schemeClr>
+                    </a:solidFill>
+                  </a:tcPr>
+                </a:tc>
+                <a:tc>
+                  <a:txBody>
+                    <a:bodyPr/>
+                    <a:lstStyle/>
+                    <a:p>
+                      <a:r>
+                        <a:rPr lang="de-DE" dirty="0" smtClean="0"/>
+                        <a:t>Rot</a:t>
+                      </a:r>
+                      <a:endParaRPr lang="de-DE" dirty="0"/>
+                    </a:p>
+                  </a:txBody>
+                  <a:tcPr>
+                    <a:solidFill>
+                      <a:schemeClr val="accent5">
+                        <a:lumMod val="60000"/>
+                        <a:lumOff val="40000"/>
+                      </a:schemeClr>
+                    </a:solidFill>
+                  </a:tcPr>
+                </a:tc>
+                <a:extLst>
+                  <a:ext uri="{0D108BD9-81ED-4DB2-BD59-A6C34878D82A}">
+                    <a16:rowId xmlns:a16="http://schemas.microsoft.com/office/drawing/2014/main" val="3405290632"/>
+                  </a:ext>
+                </a:extLst>
+              </a:tr>
+              <a:tr h="370840">
+                <a:tc>
+                  <a:txBody>
+                    <a:bodyPr/>
+                    <a:lstStyle/>
+                    <a:p>
+                      <a:r>
+                        <a:rPr lang="de-DE" dirty="0" smtClean="0"/>
+                        <a:t>4</a:t>
+                      </a:r>
+                      <a:endParaRPr lang="de-DE" dirty="0"/>
+                    </a:p>
+                  </a:txBody>
+                  <a:tcPr>
+                    <a:solidFill>
+                      <a:srgbClr val="92D050"/>
+                    </a:solidFill>
+                  </a:tcPr>
+                </a:tc>
+                <a:tc>
+                  <a:txBody>
+                    <a:bodyPr/>
+                    <a:lstStyle/>
+                    <a:p>
+                      <a:r>
+                        <a:rPr lang="de-DE" dirty="0" smtClean="0"/>
+                        <a:t>- - -</a:t>
+                      </a:r>
+                      <a:endParaRPr lang="de-DE" dirty="0"/>
+                    </a:p>
+                  </a:txBody>
+                  <a:tcPr>
+                    <a:solidFill>
+                      <a:srgbClr val="92D050"/>
+                    </a:solidFill>
+                  </a:tcPr>
+                </a:tc>
+                <a:tc>
+                  <a:txBody>
+                    <a:bodyPr/>
+                    <a:lstStyle/>
+                    <a:p>
+                      <a:r>
+                        <a:rPr lang="de-DE" dirty="0" smtClean="0"/>
+                        <a:t>Grün</a:t>
+                      </a:r>
+                      <a:endParaRPr lang="de-DE" dirty="0"/>
+                    </a:p>
+                  </a:txBody>
+                  <a:tcPr>
+                    <a:solidFill>
+                      <a:srgbClr val="92D050"/>
+                    </a:solidFill>
+                  </a:tcPr>
+                </a:tc>
+                <a:extLst>
+                  <a:ext uri="{0D108BD9-81ED-4DB2-BD59-A6C34878D82A}">
+                    <a16:rowId xmlns:a16="http://schemas.microsoft.com/office/drawing/2014/main" val="3605374728"/>
+                  </a:ext>
+                </a:extLst>
+              </a:tr>
+            </a:tbl>
+          </a:graphicData>
+        </a:graphic>
+      </p:graphicFrame>
     </p:spTree>
     <p:extLst>
       <p:ext uri="{BB962C8B-B14F-4D97-AF65-F5344CB8AC3E}">
@@ -13705,14 +17786,82 @@
   <p:timing>
     <p:tnLst>
       <p:par>
-        <p:cTn id="1" dur="indefinite" restart="never" nodeType="tmRoot"/>
+        <p:cTn id="1" dur="indefinite" restart="never" nodeType="tmRoot">
+          <p:childTnLst>
+            <p:seq concurrent="1" nextAc="seek">
+              <p:cTn id="2" dur="indefinite" nodeType="mainSeq">
+                <p:childTnLst>
+                  <p:par>
+                    <p:cTn id="3" fill="hold">
+                      <p:stCondLst>
+                        <p:cond delay="indefinite"/>
+                      </p:stCondLst>
+                      <p:childTnLst>
+                        <p:par>
+                          <p:cTn id="4" fill="hold">
+                            <p:stCondLst>
+                              <p:cond delay="0"/>
+                            </p:stCondLst>
+                            <p:childTnLst>
+                              <p:par>
+                                <p:cTn id="5" presetID="1" presetClass="entr" presetSubtype="0" fill="hold" nodeType="clickEffect">
+                                  <p:stCondLst>
+                                    <p:cond delay="0"/>
+                                  </p:stCondLst>
+                                  <p:childTnLst>
+                                    <p:set>
+                                      <p:cBhvr>
+                                        <p:cTn id="6" dur="1" fill="hold">
+                                          <p:stCondLst>
+                                            <p:cond delay="0"/>
+                                          </p:stCondLst>
+                                        </p:cTn>
+                                        <p:tgtEl>
+                                          <p:spTgt spid="15"/>
+                                        </p:tgtEl>
+                                        <p:attrNameLst>
+                                          <p:attrName>style.visibility</p:attrName>
+                                        </p:attrNameLst>
+                                      </p:cBhvr>
+                                      <p:to>
+                                        <p:strVal val="visible"/>
+                                      </p:to>
+                                    </p:set>
+                                  </p:childTnLst>
+                                </p:cTn>
+                              </p:par>
+                            </p:childTnLst>
+                          </p:cTn>
+                        </p:par>
+                      </p:childTnLst>
+                    </p:cTn>
+                  </p:par>
+                </p:childTnLst>
+              </p:cTn>
+              <p:prevCondLst>
+                <p:cond evt="onPrev" delay="0">
+                  <p:tgtEl>
+                    <p:sldTgt/>
+                  </p:tgtEl>
+                </p:cond>
+              </p:prevCondLst>
+              <p:nextCondLst>
+                <p:cond evt="onNext" delay="0">
+                  <p:tgtEl>
+                    <p:sldTgt/>
+                  </p:tgtEl>
+                </p:cond>
+              </p:nextCondLst>
+            </p:seq>
+          </p:childTnLst>
+        </p:cTn>
       </p:par>
     </p:tnLst>
   </p:timing>
 </p:sld>
 </file>
 
-<file path=ppt/slides/slide25.xml><?xml version="1.0" encoding="utf-8"?>
+<file path=ppt/slides/slide31.xml><?xml version="1.0" encoding="utf-8"?>
 <p:sld xmlns:a="http://schemas.openxmlformats.org/drawingml/2006/main" xmlns:r="http://schemas.openxmlformats.org/officeDocument/2006/relationships" xmlns:p="http://schemas.openxmlformats.org/presentationml/2006/main">
   <p:cSld>
     <p:spTree>
@@ -15876,7 +20025,7 @@
 </p:sld>
 </file>
 
-<file path=ppt/slides/slide26.xml><?xml version="1.0" encoding="utf-8"?>
+<file path=ppt/slides/slide32.xml><?xml version="1.0" encoding="utf-8"?>
 <p:sld xmlns:a="http://schemas.openxmlformats.org/drawingml/2006/main" xmlns:r="http://schemas.openxmlformats.org/officeDocument/2006/relationships" xmlns:p="http://schemas.openxmlformats.org/presentationml/2006/main">
   <p:cSld>
     <p:spTree>
@@ -16402,7 +20551,7 @@
 </p:sld>
 </file>
 
-<file path=ppt/slides/slide27.xml><?xml version="1.0" encoding="utf-8"?>
+<file path=ppt/slides/slide33.xml><?xml version="1.0" encoding="utf-8"?>
 <p:sld xmlns:a="http://schemas.openxmlformats.org/drawingml/2006/main" xmlns:r="http://schemas.openxmlformats.org/officeDocument/2006/relationships" xmlns:p="http://schemas.openxmlformats.org/presentationml/2006/main">
   <p:cSld>
     <p:spTree>
@@ -16551,7 +20700,7 @@
 </p:sld>
 </file>
 
-<file path=ppt/slides/slide28.xml><?xml version="1.0" encoding="utf-8"?>
+<file path=ppt/slides/slide34.xml><?xml version="1.0" encoding="utf-8"?>
 <p:sld xmlns:a="http://schemas.openxmlformats.org/drawingml/2006/main" xmlns:r="http://schemas.openxmlformats.org/officeDocument/2006/relationships" xmlns:p="http://schemas.openxmlformats.org/presentationml/2006/main">
   <p:cSld>
     <p:spTree>
@@ -16915,113 +21064,6 @@
 </p:sld>
 </file>
 
-<file path=ppt/slides/slide3.xml><?xml version="1.0" encoding="utf-8"?>
-<p:sld xmlns:a="http://schemas.openxmlformats.org/drawingml/2006/main" xmlns:r="http://schemas.openxmlformats.org/officeDocument/2006/relationships" xmlns:p="http://schemas.openxmlformats.org/presentationml/2006/main" show="0">
-  <p:cSld>
-    <p:spTree>
-      <p:nvGrpSpPr>
-        <p:cNvPr id="1" name=""/>
-        <p:cNvGrpSpPr/>
-        <p:nvPr/>
-      </p:nvGrpSpPr>
-      <p:grpSpPr>
-        <a:xfrm>
-          <a:off x="0" y="0"/>
-          <a:ext cx="0" cy="0"/>
-          <a:chOff x="0" y="0"/>
-          <a:chExt cx="0" cy="0"/>
-        </a:xfrm>
-      </p:grpSpPr>
-      <p:sp>
-        <p:nvSpPr>
-          <p:cNvPr id="2" name="Titel 1">
-            <a:extLst>
-              <a:ext uri="{FF2B5EF4-FFF2-40B4-BE49-F238E27FC236}">
-                <a16:creationId xmlns:a16="http://schemas.microsoft.com/office/drawing/2014/main" id="{583040E4-EC87-44ED-8D9E-06427EA055F3}"/>
-              </a:ext>
-            </a:extLst>
-          </p:cNvPr>
-          <p:cNvSpPr>
-            <a:spLocks noGrp="1"/>
-          </p:cNvSpPr>
-          <p:nvPr>
-            <p:ph type="title"/>
-          </p:nvPr>
-        </p:nvSpPr>
-        <p:spPr>
-          <a:xfrm>
-            <a:off x="2107735" y="3039269"/>
-            <a:ext cx="6204415" cy="779462"/>
-          </a:xfrm>
-        </p:spPr>
-        <p:txBody>
-          <a:bodyPr/>
-          <a:lstStyle/>
-          <a:p>
-            <a:pPr algn="ctr"/>
-            <a:r>
-              <a:rPr lang="de-DE" dirty="0"/>
-              <a:t>?</a:t>
-            </a:r>
-          </a:p>
-        </p:txBody>
-      </p:sp>
-      <p:sp>
-        <p:nvSpPr>
-          <p:cNvPr id="4" name="Textplatzhalter 3">
-            <a:extLst>
-              <a:ext uri="{FF2B5EF4-FFF2-40B4-BE49-F238E27FC236}">
-                <a16:creationId xmlns:a16="http://schemas.microsoft.com/office/drawing/2014/main" id="{AA7760C6-EE97-4B2C-AD58-51836042F1C2}"/>
-              </a:ext>
-            </a:extLst>
-          </p:cNvPr>
-          <p:cNvSpPr>
-            <a:spLocks noGrp="1"/>
-          </p:cNvSpPr>
-          <p:nvPr>
-            <p:ph type="body" sz="quarter" idx="11"/>
-          </p:nvPr>
-        </p:nvSpPr>
-        <p:spPr/>
-        <p:txBody>
-          <a:bodyPr/>
-          <a:lstStyle/>
-          <a:p>
-            <a:r>
-              <a:rPr lang="de-DE" dirty="0"/>
-              <a:t>VORSTELLUNG</a:t>
-            </a:r>
-          </a:p>
-        </p:txBody>
-      </p:sp>
-    </p:spTree>
-    <p:extLst>
-      <p:ext uri="{BB962C8B-B14F-4D97-AF65-F5344CB8AC3E}">
-        <p14:creationId xmlns:p14="http://schemas.microsoft.com/office/powerpoint/2010/main" val="330145823"/>
-      </p:ext>
-    </p:extLst>
-  </p:cSld>
-  <p:clrMapOvr>
-    <a:masterClrMapping/>
-  </p:clrMapOvr>
-  <mc:AlternateContent xmlns:mc="http://schemas.openxmlformats.org/markup-compatibility/2006" xmlns:p14="http://schemas.microsoft.com/office/powerpoint/2010/main">
-    <mc:Choice Requires="p14">
-      <p:transition spd="slow" p14:dur="2000"/>
-    </mc:Choice>
-    <mc:Fallback xmlns="">
-      <p:transition spd="slow"/>
-    </mc:Fallback>
-  </mc:AlternateContent>
-  <p:timing>
-    <p:tnLst>
-      <p:par>
-        <p:cTn id="1" dur="indefinite" restart="never" nodeType="tmRoot"/>
-      </p:par>
-    </p:tnLst>
-  </p:timing>
-</p:sld>
-</file>
-
 <file path=ppt/slides/slide4.xml><?xml version="1.0" encoding="utf-8"?>
 <p:sld xmlns:a="http://schemas.openxmlformats.org/drawingml/2006/main" xmlns:r="http://schemas.openxmlformats.org/officeDocument/2006/relationships" xmlns:p="http://schemas.openxmlformats.org/presentationml/2006/main">
   <p:cSld>
@@ -17039,158 +21081,39 @@
           <a:chExt cx="0" cy="0"/>
         </a:xfrm>
       </p:grpSpPr>
-      <p:sp>
-        <p:nvSpPr>
-          <p:cNvPr id="2" name="Titel 1">
+      <p:pic>
+        <p:nvPicPr>
+          <p:cNvPr id="5" name="Inhaltsplatzhalter 4"/>
+          <p:cNvPicPr>
+            <a:picLocks noGrp="1" noChangeAspect="1"/>
+          </p:cNvPicPr>
+          <p:nvPr>
+            <p:ph idx="4294967295"/>
+          </p:nvPr>
+        </p:nvPicPr>
+        <p:blipFill>
+          <a:blip r:embed="rId2">
             <a:extLst>
-              <a:ext uri="{FF2B5EF4-FFF2-40B4-BE49-F238E27FC236}">
-                <a16:creationId xmlns:a16="http://schemas.microsoft.com/office/drawing/2014/main" id="{0DB33A85-DD83-4FFC-840D-3CBB5DFFD3FF}"/>
+              <a:ext uri="{28A0092B-C50C-407E-A947-70E740481C1C}">
+                <a14:useLocalDpi xmlns:a14="http://schemas.microsoft.com/office/drawing/2010/main" val="0"/>
               </a:ext>
             </a:extLst>
-          </p:cNvPr>
-          <p:cNvSpPr>
-            <a:spLocks noGrp="1"/>
-          </p:cNvSpPr>
-          <p:nvPr>
-            <p:ph type="title"/>
-          </p:nvPr>
-        </p:nvSpPr>
-        <p:spPr/>
-        <p:txBody>
-          <a:bodyPr>
-            <a:normAutofit fontScale="90000"/>
-          </a:bodyPr>
-          <a:lstStyle/>
-          <a:p>
-            <a:r>
-              <a:rPr lang="de-DE" dirty="0">
-                <a:latin typeface="Roboto" panose="02000000000000000000" pitchFamily="2" charset="0"/>
-                <a:ea typeface="Roboto" panose="02000000000000000000" pitchFamily="2" charset="0"/>
-              </a:rPr>
-              <a:t>Motivation: Warum Pandas und Python</a:t>
-            </a:r>
-          </a:p>
-        </p:txBody>
-      </p:sp>
-      <p:sp>
-        <p:nvSpPr>
-          <p:cNvPr id="3" name="Inhaltsplatzhalter 2">
-            <a:extLst>
-              <a:ext uri="{FF2B5EF4-FFF2-40B4-BE49-F238E27FC236}">
-                <a16:creationId xmlns:a16="http://schemas.microsoft.com/office/drawing/2014/main" id="{95CCEB63-D2C8-4513-81B5-FA145F57C50D}"/>
-              </a:ext>
-            </a:extLst>
-          </p:cNvPr>
-          <p:cNvSpPr>
-            <a:spLocks noGrp="1"/>
-          </p:cNvSpPr>
-          <p:nvPr>
-            <p:ph idx="1"/>
-          </p:nvPr>
-        </p:nvSpPr>
+          </a:blip>
+          <a:stretch>
+            <a:fillRect/>
+          </a:stretch>
+        </p:blipFill>
         <p:spPr>
           <a:xfrm>
-            <a:off x="2310934" y="1774285"/>
-            <a:ext cx="6204415" cy="4351338"/>
+            <a:off x="1268591" y="1350823"/>
+            <a:ext cx="6697662" cy="4352925"/>
           </a:xfrm>
         </p:spPr>
-        <p:txBody>
-          <a:bodyPr>
-            <a:normAutofit/>
-          </a:bodyPr>
-          <a:lstStyle/>
-          <a:p>
-            <a:pPr marL="0" indent="0">
-              <a:buNone/>
-            </a:pPr>
-            <a:r>
-              <a:rPr lang="de-DE" sz="1800" dirty="0"/>
-              <a:t>Microsoft EXCEL ist ein bekanntes und weit verbreitetes Tools. </a:t>
-            </a:r>
-            <a:r>
-              <a:rPr lang="de-DE" sz="1800" b="1" dirty="0"/>
-              <a:t>Warum also Pandas und Python?</a:t>
-            </a:r>
-          </a:p>
-          <a:p>
-            <a:r>
-              <a:rPr lang="de-DE" sz="1800" dirty="0"/>
-              <a:t>Big Data: Excel Dokument ist limitiert bei ~1.000.000 Zeilen</a:t>
-            </a:r>
-          </a:p>
-          <a:p>
-            <a:r>
-              <a:rPr lang="de-DE" sz="1800" dirty="0"/>
-              <a:t>Reproduzierbarkeit</a:t>
-            </a:r>
-          </a:p>
-          <a:p>
-            <a:r>
-              <a:rPr lang="de-DE" sz="1800" dirty="0"/>
-              <a:t>Automatisierung - VBA ist kompliziert</a:t>
-            </a:r>
-          </a:p>
-          <a:p>
-            <a:r>
-              <a:rPr lang="de-DE" sz="1800" dirty="0"/>
-              <a:t>Volles Spektrum von Statistischen Analysen, inkl. Clustering, Maschine Learning etc.</a:t>
-            </a:r>
-          </a:p>
-          <a:p>
-            <a:endParaRPr lang="de-DE" sz="1800" b="1" dirty="0"/>
-          </a:p>
-          <a:p>
-            <a:pPr marL="0" indent="0">
-              <a:buNone/>
-            </a:pPr>
-            <a:r>
-              <a:rPr lang="de-DE" sz="1900" b="1" dirty="0"/>
-              <a:t>Ist Pandas und Python die Lösung für alle Probleme? </a:t>
-            </a:r>
-          </a:p>
-          <a:p>
-            <a:pPr marL="0" indent="0">
-              <a:buNone/>
-            </a:pPr>
-            <a:r>
-              <a:rPr lang="de-DE" sz="1900" dirty="0"/>
-              <a:t>Nein, besonders bei kleine Datensets und schnellen unkomplizierten Auswertungen, die einmalig vorgenommen werden.</a:t>
-            </a:r>
-          </a:p>
-        </p:txBody>
-      </p:sp>
-      <p:sp>
-        <p:nvSpPr>
-          <p:cNvPr id="5" name="Textplatzhalter 4">
-            <a:extLst>
-              <a:ext uri="{FF2B5EF4-FFF2-40B4-BE49-F238E27FC236}">
-                <a16:creationId xmlns:a16="http://schemas.microsoft.com/office/drawing/2014/main" id="{DDD37954-F518-474B-BB17-9D50CEA24F2D}"/>
-              </a:ext>
-            </a:extLst>
-          </p:cNvPr>
-          <p:cNvSpPr>
-            <a:spLocks noGrp="1"/>
-          </p:cNvSpPr>
-          <p:nvPr>
-            <p:ph type="body" sz="quarter" idx="11"/>
-          </p:nvPr>
-        </p:nvSpPr>
-        <p:spPr/>
-        <p:txBody>
-          <a:bodyPr/>
-          <a:lstStyle/>
-          <a:p>
-            <a:r>
-              <a:rPr lang="de-DE" dirty="0"/>
-              <a:t>MOTIVATION</a:t>
-            </a:r>
-          </a:p>
-        </p:txBody>
-      </p:sp>
+      </p:pic>
     </p:spTree>
     <p:extLst>
       <p:ext uri="{BB962C8B-B14F-4D97-AF65-F5344CB8AC3E}">
-        <p14:creationId xmlns:p14="http://schemas.microsoft.com/office/powerpoint/2010/main" val="2261502912"/>
+        <p14:creationId xmlns:p14="http://schemas.microsoft.com/office/powerpoint/2010/main" val="101886685"/>
       </p:ext>
     </p:extLst>
   </p:cSld>
@@ -17229,7 +21152,7 @@
           <p:cNvPr id="2" name="Titel 1">
             <a:extLst>
               <a:ext uri="{FF2B5EF4-FFF2-40B4-BE49-F238E27FC236}">
-                <a16:creationId xmlns:a16="http://schemas.microsoft.com/office/drawing/2014/main" id="{AAB6C9DC-2412-4C9A-AD28-79031CED4BBB}"/>
+                <a16:creationId xmlns:a16="http://schemas.microsoft.com/office/drawing/2014/main" id="{0DB33A85-DD83-4FFC-840D-3CBB5DFFD3FF}"/>
               </a:ext>
             </a:extLst>
           </p:cNvPr>
@@ -17243,7 +21166,7 @@
         <p:spPr/>
         <p:txBody>
           <a:bodyPr>
-            <a:normAutofit/>
+            <a:normAutofit fontScale="90000"/>
           </a:bodyPr>
           <a:lstStyle/>
           <a:p>
@@ -17252,9 +21175,8 @@
                 <a:latin typeface="Roboto" panose="02000000000000000000" pitchFamily="2" charset="0"/>
                 <a:ea typeface="Roboto" panose="02000000000000000000" pitchFamily="2" charset="0"/>
               </a:rPr>
-              <a:t>Seminarziele</a:t>
-            </a:r>
-            <a:endParaRPr lang="de-DE" dirty="0"/>
+              <a:t>Motivation: Warum Pandas und Python</a:t>
+            </a:r>
           </a:p>
         </p:txBody>
       </p:sp>
@@ -17263,7 +21185,7 @@
           <p:cNvPr id="3" name="Inhaltsplatzhalter 2">
             <a:extLst>
               <a:ext uri="{FF2B5EF4-FFF2-40B4-BE49-F238E27FC236}">
-                <a16:creationId xmlns:a16="http://schemas.microsoft.com/office/drawing/2014/main" id="{9C3E198B-A7B9-49A9-9231-7C5A9A7A12C4}"/>
+                <a16:creationId xmlns:a16="http://schemas.microsoft.com/office/drawing/2014/main" id="{95CCEB63-D2C8-4513-81B5-FA145F57C50D}"/>
               </a:ext>
             </a:extLst>
           </p:cNvPr>
@@ -17274,38 +21196,73 @@
             <p:ph idx="1"/>
           </p:nvPr>
         </p:nvSpPr>
-        <p:spPr/>
-        <p:txBody>
-          <a:bodyPr/>
-          <a:lstStyle/>
-          <a:p>
-            <a:r>
-              <a:rPr lang="de-DE" dirty="0"/>
-              <a:t>Einführung in Pandas und Python</a:t>
-            </a:r>
-          </a:p>
-          <a:p>
-            <a:r>
-              <a:rPr lang="de-DE" dirty="0"/>
-              <a:t>Kennenlernen des interaktiven Arbeiten mit Daten in Notebooks</a:t>
-            </a:r>
-          </a:p>
-          <a:p>
-            <a:r>
-              <a:rPr lang="de-DE" dirty="0"/>
-              <a:t>Grundverständnis für das Aufbereiten von Datensätzen und welche Fallstricke existieren</a:t>
-            </a:r>
-          </a:p>
-          <a:p>
-            <a:r>
-              <a:rPr lang="de-DE" dirty="0"/>
-              <a:t>Hinweise für Anlaufstellen um das erlernte Wissen zu vertiefen</a:t>
-            </a:r>
-          </a:p>
-          <a:p>
-            <a:r>
-              <a:rPr lang="de-DE" dirty="0"/>
-              <a:t>Erlernen von Kenntnissen der Datenanalyse und Visualisierung</a:t>
+        <p:spPr>
+          <a:xfrm>
+            <a:off x="2310934" y="1774285"/>
+            <a:ext cx="6204415" cy="4351338"/>
+          </a:xfrm>
+        </p:spPr>
+        <p:txBody>
+          <a:bodyPr>
+            <a:normAutofit/>
+          </a:bodyPr>
+          <a:lstStyle/>
+          <a:p>
+            <a:pPr marL="0" indent="0">
+              <a:buNone/>
+            </a:pPr>
+            <a:r>
+              <a:rPr lang="de-DE" sz="1800" dirty="0"/>
+              <a:t>Microsoft EXCEL ist ein bekanntes und weit verbreitetes Tools. </a:t>
+            </a:r>
+            <a:r>
+              <a:rPr lang="de-DE" sz="1800" b="1" dirty="0"/>
+              <a:t>Warum also Pandas und Python?</a:t>
+            </a:r>
+          </a:p>
+          <a:p>
+            <a:r>
+              <a:rPr lang="de-DE" sz="1800" dirty="0"/>
+              <a:t>Big Data: Excel Dokument ist limitiert bei ~1.000.000 Zeilen</a:t>
+            </a:r>
+          </a:p>
+          <a:p>
+            <a:r>
+              <a:rPr lang="de-DE" sz="1800" dirty="0"/>
+              <a:t>Reproduzierbarkeit</a:t>
+            </a:r>
+          </a:p>
+          <a:p>
+            <a:r>
+              <a:rPr lang="de-DE" sz="1800" dirty="0"/>
+              <a:t>Automatisierung - VBA ist kompliziert</a:t>
+            </a:r>
+          </a:p>
+          <a:p>
+            <a:r>
+              <a:rPr lang="de-DE" sz="1800" dirty="0"/>
+              <a:t>Volles Spektrum von Statistischen Analysen, inkl. Clustering, Maschine Learning etc.</a:t>
+            </a:r>
+          </a:p>
+          <a:p>
+            <a:endParaRPr lang="de-DE" sz="1800" b="1" dirty="0"/>
+          </a:p>
+          <a:p>
+            <a:pPr marL="0" indent="0">
+              <a:buNone/>
+            </a:pPr>
+            <a:r>
+              <a:rPr lang="de-DE" sz="1900" b="1" dirty="0"/>
+              <a:t>Ist Pandas und Python die Lösung für alle Probleme? </a:t>
+            </a:r>
+          </a:p>
+          <a:p>
+            <a:pPr marL="0" indent="0">
+              <a:buNone/>
+            </a:pPr>
+            <a:r>
+              <a:rPr lang="de-DE" sz="1900" dirty="0"/>
+              <a:t>Nein, besonders bei kleine Datensets und schnellen unkomplizierten Auswertungen, die einmalig vorgenommen werden.</a:t>
             </a:r>
           </a:p>
         </p:txBody>
@@ -17315,7 +21272,7 @@
           <p:cNvPr id="5" name="Textplatzhalter 4">
             <a:extLst>
               <a:ext uri="{FF2B5EF4-FFF2-40B4-BE49-F238E27FC236}">
-                <a16:creationId xmlns:a16="http://schemas.microsoft.com/office/drawing/2014/main" id="{DABCB028-D32A-4CF9-8F64-B63AC494BCA8}"/>
+                <a16:creationId xmlns:a16="http://schemas.microsoft.com/office/drawing/2014/main" id="{DDD37954-F518-474B-BB17-9D50CEA24F2D}"/>
               </a:ext>
             </a:extLst>
           </p:cNvPr>
@@ -17333,7 +21290,7 @@
           <a:p>
             <a:r>
               <a:rPr lang="de-DE" dirty="0"/>
-              <a:t>SEMINARZIELE</a:t>
+              <a:t>MOTIVATION</a:t>
             </a:r>
           </a:p>
         </p:txBody>
@@ -17341,7 +21298,7 @@
     </p:spTree>
     <p:extLst>
       <p:ext uri="{BB962C8B-B14F-4D97-AF65-F5344CB8AC3E}">
-        <p14:creationId xmlns:p14="http://schemas.microsoft.com/office/powerpoint/2010/main" val="559977511"/>
+        <p14:creationId xmlns:p14="http://schemas.microsoft.com/office/powerpoint/2010/main" val="2261502912"/>
       </p:ext>
     </p:extLst>
   </p:cSld>
@@ -17377,48 +21334,10 @@
       </p:grpSpPr>
       <p:sp>
         <p:nvSpPr>
-          <p:cNvPr id="4" name="Textfeld 3">
-            <a:extLst>
-              <a:ext uri="{FF2B5EF4-FFF2-40B4-BE49-F238E27FC236}">
-                <a16:creationId xmlns:a16="http://schemas.microsoft.com/office/drawing/2014/main" id="{84F7FBEA-4581-4F36-A22D-0729EABF1580}"/>
-              </a:ext>
-            </a:extLst>
-          </p:cNvPr>
-          <p:cNvSpPr txBox="1"/>
-          <p:nvPr/>
-        </p:nvSpPr>
-        <p:spPr>
-          <a:xfrm>
-            <a:off x="8785247" y="3066941"/>
-            <a:ext cx="4946072" cy="923330"/>
-          </a:xfrm>
-          <a:prstGeom prst="rect">
-            <a:avLst/>
-          </a:prstGeom>
-          <a:noFill/>
-        </p:spPr>
-        <p:txBody>
-          <a:bodyPr wrap="square" rtlCol="0">
-            <a:spAutoFit/>
-          </a:bodyPr>
-          <a:lstStyle/>
-          <a:p>
-            <a:endParaRPr lang="de-DE" dirty="0"/>
-          </a:p>
-          <a:p>
-            <a:endParaRPr lang="de-DE" dirty="0"/>
-          </a:p>
-          <a:p>
-            <a:endParaRPr lang="de-DE" dirty="0"/>
-          </a:p>
-        </p:txBody>
-      </p:sp>
-      <p:sp>
-        <p:nvSpPr>
           <p:cNvPr id="2" name="Titel 1">
             <a:extLst>
               <a:ext uri="{FF2B5EF4-FFF2-40B4-BE49-F238E27FC236}">
-                <a16:creationId xmlns:a16="http://schemas.microsoft.com/office/drawing/2014/main" id="{DE11FFC8-1695-4289-A248-846A6F653D60}"/>
+                <a16:creationId xmlns:a16="http://schemas.microsoft.com/office/drawing/2014/main" id="{AAB6C9DC-2412-4C9A-AD28-79031CED4BBB}"/>
               </a:ext>
             </a:extLst>
           </p:cNvPr>
@@ -17431,7 +21350,9 @@
         </p:nvSpPr>
         <p:spPr/>
         <p:txBody>
-          <a:bodyPr/>
+          <a:bodyPr>
+            <a:normAutofit/>
+          </a:bodyPr>
           <a:lstStyle/>
           <a:p>
             <a:r>
@@ -17439,17 +21360,18 @@
                 <a:latin typeface="Roboto" panose="02000000000000000000" pitchFamily="2" charset="0"/>
                 <a:ea typeface="Roboto" panose="02000000000000000000" pitchFamily="2" charset="0"/>
               </a:rPr>
-              <a:t>Seminar Aufbau</a:t>
-            </a:r>
-          </a:p>
-        </p:txBody>
-      </p:sp>
-      <p:sp>
-        <p:nvSpPr>
-          <p:cNvPr id="8" name="Inhaltsplatzhalter 7">
+              <a:t>Seminarziele</a:t>
+            </a:r>
+            <a:endParaRPr lang="de-DE" dirty="0"/>
+          </a:p>
+        </p:txBody>
+      </p:sp>
+      <p:sp>
+        <p:nvSpPr>
+          <p:cNvPr id="3" name="Inhaltsplatzhalter 2">
             <a:extLst>
               <a:ext uri="{FF2B5EF4-FFF2-40B4-BE49-F238E27FC236}">
-                <a16:creationId xmlns:a16="http://schemas.microsoft.com/office/drawing/2014/main" id="{D956DCBA-CF46-4104-983A-13AB8B0A00B2}"/>
+                <a16:creationId xmlns:a16="http://schemas.microsoft.com/office/drawing/2014/main" id="{9C3E198B-A7B9-49A9-9231-7C5A9A7A12C4}"/>
               </a:ext>
             </a:extLst>
           </p:cNvPr>
@@ -17465,44 +21387,86 @@
           <a:bodyPr/>
           <a:lstStyle/>
           <a:p>
-            <a:pPr marL="0" indent="0">
-              <a:buNone/>
-            </a:pPr>
-            <a:r>
-              <a:rPr lang="de-DE" b="1" dirty="0"/>
-              <a:t>Seminar Aufbau</a:t>
-            </a:r>
-          </a:p>
-          <a:p>
-            <a:pPr marL="285750" indent="-285750"/>
             <a:r>
               <a:rPr lang="de-DE" dirty="0"/>
-              <a:t>Grundliegenende Funktionen</a:t>
-            </a:r>
-          </a:p>
-          <a:p>
-            <a:pPr marL="285750" indent="-285750"/>
+              <a:t>Einführung in Pandas und Python</a:t>
+            </a:r>
+          </a:p>
+          <a:p>
+            <a:r>
+              <a:rPr lang="de-DE" sz="1800" dirty="0"/>
+              <a:t>Kennenlernen des interaktiven Arbeiten mit Daten in</a:t>
+            </a:r>
             <a:r>
               <a:rPr lang="de-DE" dirty="0"/>
-              <a:t>Kernfunktionalitäten - Daten Aufbereiten</a:t>
-            </a:r>
-          </a:p>
-          <a:p>
-            <a:pPr marL="285750" indent="-285750"/>
+              <a:t> </a:t>
+            </a:r>
+            <a:r>
+              <a:rPr lang="de-DE" dirty="0">
+                <a:solidFill>
+                  <a:srgbClr val="FFC000"/>
+                </a:solidFill>
+              </a:rPr>
+              <a:t>Notebooks</a:t>
+            </a:r>
+          </a:p>
+          <a:p>
+            <a:r>
+              <a:rPr lang="de-DE" dirty="0">
+                <a:solidFill>
+                  <a:srgbClr val="FFC000"/>
+                </a:solidFill>
+              </a:rPr>
+              <a:t>Grundverständnis</a:t>
+            </a:r>
             <a:r>
               <a:rPr lang="de-DE" dirty="0"/>
-              <a:t>Visualisierung und Interaktion</a:t>
-            </a:r>
-          </a:p>
-          <a:p>
-            <a:pPr marL="285750" indent="-285750"/>
-            <a:r>
-              <a:rPr lang="de-DE" dirty="0"/>
-              <a:t>Abschlussprojekt</a:t>
-            </a:r>
-          </a:p>
-          <a:p>
-            <a:endParaRPr lang="de-DE" dirty="0"/>
+              <a:t> </a:t>
+            </a:r>
+            <a:r>
+              <a:rPr lang="de-DE" sz="1800" dirty="0"/>
+              <a:t>für das Aufbereiten von Datensätzen und welche </a:t>
+            </a:r>
+            <a:r>
+              <a:rPr lang="de-DE" dirty="0">
+                <a:solidFill>
+                  <a:srgbClr val="FFC000"/>
+                </a:solidFill>
+              </a:rPr>
+              <a:t>Fallstricke</a:t>
+            </a:r>
+            <a:r>
+              <a:rPr lang="de-DE" sz="1800" dirty="0"/>
+              <a:t> existieren</a:t>
+            </a:r>
+          </a:p>
+          <a:p>
+            <a:r>
+              <a:rPr lang="de-DE" sz="1800" dirty="0"/>
+              <a:t>Hinweise für Anlaufstellen um das erlernte </a:t>
+            </a:r>
+            <a:r>
+              <a:rPr lang="de-DE" dirty="0">
+                <a:solidFill>
+                  <a:srgbClr val="FFC000"/>
+                </a:solidFill>
+              </a:rPr>
+              <a:t>Wissen zu vertiefen</a:t>
+            </a:r>
+          </a:p>
+          <a:p>
+            <a:r>
+              <a:rPr lang="de-DE" sz="1800" dirty="0"/>
+              <a:t>Erlernen von Kenntnissen der Datenanalyse und </a:t>
+            </a:r>
+            <a:r>
+              <a:rPr lang="de-DE" dirty="0">
+                <a:solidFill>
+                  <a:srgbClr val="FFC000"/>
+                </a:solidFill>
+              </a:rPr>
+              <a:t>Visualisierung</a:t>
+            </a:r>
           </a:p>
         </p:txBody>
       </p:sp>
@@ -17511,7 +21475,7 @@
           <p:cNvPr id="5" name="Textplatzhalter 4">
             <a:extLst>
               <a:ext uri="{FF2B5EF4-FFF2-40B4-BE49-F238E27FC236}">
-                <a16:creationId xmlns:a16="http://schemas.microsoft.com/office/drawing/2014/main" id="{E9BD0B66-9E26-4FA7-B29C-42C33BF4F51D}"/>
+                <a16:creationId xmlns:a16="http://schemas.microsoft.com/office/drawing/2014/main" id="{DABCB028-D32A-4CF9-8F64-B63AC494BCA8}"/>
               </a:ext>
             </a:extLst>
           </p:cNvPr>
@@ -17529,7 +21493,7 @@
           <a:p>
             <a:r>
               <a:rPr lang="de-DE" dirty="0"/>
-              <a:t>AUFBAU</a:t>
+              <a:t>SEMINARZIELE</a:t>
             </a:r>
           </a:p>
         </p:txBody>
@@ -17537,7 +21501,7 @@
     </p:spTree>
     <p:extLst>
       <p:ext uri="{BB962C8B-B14F-4D97-AF65-F5344CB8AC3E}">
-        <p14:creationId xmlns:p14="http://schemas.microsoft.com/office/powerpoint/2010/main" val="2359616655"/>
+        <p14:creationId xmlns:p14="http://schemas.microsoft.com/office/powerpoint/2010/main" val="559977511"/>
       </p:ext>
     </p:extLst>
   </p:cSld>
@@ -17573,10 +21537,48 @@
       </p:grpSpPr>
       <p:sp>
         <p:nvSpPr>
+          <p:cNvPr id="4" name="Textfeld 3">
+            <a:extLst>
+              <a:ext uri="{FF2B5EF4-FFF2-40B4-BE49-F238E27FC236}">
+                <a16:creationId xmlns:a16="http://schemas.microsoft.com/office/drawing/2014/main" id="{84F7FBEA-4581-4F36-A22D-0729EABF1580}"/>
+              </a:ext>
+            </a:extLst>
+          </p:cNvPr>
+          <p:cNvSpPr txBox="1"/>
+          <p:nvPr/>
+        </p:nvSpPr>
+        <p:spPr>
+          <a:xfrm>
+            <a:off x="8785247" y="3066941"/>
+            <a:ext cx="4946072" cy="923330"/>
+          </a:xfrm>
+          <a:prstGeom prst="rect">
+            <a:avLst/>
+          </a:prstGeom>
+          <a:noFill/>
+        </p:spPr>
+        <p:txBody>
+          <a:bodyPr wrap="square" rtlCol="0">
+            <a:spAutoFit/>
+          </a:bodyPr>
+          <a:lstStyle/>
+          <a:p>
+            <a:endParaRPr lang="de-DE" dirty="0"/>
+          </a:p>
+          <a:p>
+            <a:endParaRPr lang="de-DE" dirty="0"/>
+          </a:p>
+          <a:p>
+            <a:endParaRPr lang="de-DE" dirty="0"/>
+          </a:p>
+        </p:txBody>
+      </p:sp>
+      <p:sp>
+        <p:nvSpPr>
           <p:cNvPr id="2" name="Titel 1">
             <a:extLst>
               <a:ext uri="{FF2B5EF4-FFF2-40B4-BE49-F238E27FC236}">
-                <a16:creationId xmlns:a16="http://schemas.microsoft.com/office/drawing/2014/main" id="{1CB4BC98-DC42-4B6B-A4E4-AC6F97B598F6}"/>
+                <a16:creationId xmlns:a16="http://schemas.microsoft.com/office/drawing/2014/main" id="{DE11FFC8-1695-4289-A248-846A6F653D60}"/>
               </a:ext>
             </a:extLst>
           </p:cNvPr>
@@ -17589,24 +21591,25 @@
         </p:nvSpPr>
         <p:spPr/>
         <p:txBody>
-          <a:bodyPr>
-            <a:normAutofit/>
-          </a:bodyPr>
-          <a:lstStyle/>
-          <a:p>
-            <a:r>
-              <a:rPr lang="de-DE" dirty="0"/>
-              <a:t>Aufbau der Übungseinheiten</a:t>
-            </a:r>
-          </a:p>
-        </p:txBody>
-      </p:sp>
-      <p:sp>
-        <p:nvSpPr>
-          <p:cNvPr id="3" name="Inhaltsplatzhalter 2">
+          <a:bodyPr/>
+          <a:lstStyle/>
+          <a:p>
+            <a:r>
+              <a:rPr lang="de-DE" dirty="0">
+                <a:latin typeface="Roboto" panose="02000000000000000000" pitchFamily="2" charset="0"/>
+                <a:ea typeface="Roboto" panose="02000000000000000000" pitchFamily="2" charset="0"/>
+              </a:rPr>
+              <a:t>Seminar Aufbau</a:t>
+            </a:r>
+          </a:p>
+        </p:txBody>
+      </p:sp>
+      <p:sp>
+        <p:nvSpPr>
+          <p:cNvPr id="8" name="Inhaltsplatzhalter 7">
             <a:extLst>
               <a:ext uri="{FF2B5EF4-FFF2-40B4-BE49-F238E27FC236}">
-                <a16:creationId xmlns:a16="http://schemas.microsoft.com/office/drawing/2014/main" id="{B7A1B66B-7F40-4E3C-971E-9DA5AF9FF608}"/>
+                <a16:creationId xmlns:a16="http://schemas.microsoft.com/office/drawing/2014/main" id="{D956DCBA-CF46-4104-983A-13AB8B0A00B2}"/>
               </a:ext>
             </a:extLst>
           </p:cNvPr>
@@ -17627,38 +21630,48 @@
             </a:pPr>
             <a:r>
               <a:rPr lang="de-DE" b="1" dirty="0"/>
-              <a:t>Erklärung und Übungsphasen</a:t>
-            </a:r>
-          </a:p>
-          <a:p>
-            <a:pPr marL="0" indent="0">
-              <a:buNone/>
-            </a:pPr>
+              <a:t>Seminar Aufbau</a:t>
+            </a:r>
+          </a:p>
+          <a:p>
+            <a:pPr marL="285750" indent="-285750"/>
             <a:r>
               <a:rPr lang="de-DE" dirty="0"/>
-              <a:t>Eine Seminareinheit ist geteilt in zwei Abschnitte. </a:t>
-            </a:r>
-          </a:p>
-          <a:p>
+              <a:t>Grundliegenende Funktionen</a:t>
+            </a:r>
+          </a:p>
+          <a:p>
+            <a:pPr marL="285750" indent="-285750"/>
             <a:r>
               <a:rPr lang="de-DE" dirty="0"/>
-              <a:t>Im ersten Abschnitt  werden Ihnen die Grundlagen für die Übungen vermittelt. Bitte klicken Sie nicht mit!</a:t>
-            </a:r>
-          </a:p>
-          <a:p>
+              <a:t>Kernfunktionalitäten - Daten Aufbereiten</a:t>
+            </a:r>
+          </a:p>
+          <a:p>
+            <a:pPr marL="285750" indent="-285750"/>
             <a:r>
               <a:rPr lang="de-DE" dirty="0"/>
-              <a:t>In den Übungen haben Sie Zeit die Grundlagen selber praktisch anzuwenden und zu vertiefen.</a:t>
-            </a:r>
-          </a:p>
-        </p:txBody>
-      </p:sp>
-      <p:sp>
-        <p:nvSpPr>
-          <p:cNvPr id="12" name="Textplatzhalter 11">
+              <a:t>Visualisierung und Interaktion</a:t>
+            </a:r>
+          </a:p>
+          <a:p>
+            <a:pPr marL="285750" indent="-285750"/>
+            <a:r>
+              <a:rPr lang="de-DE" dirty="0"/>
+              <a:t>Abschlussprojekt</a:t>
+            </a:r>
+          </a:p>
+          <a:p>
+            <a:endParaRPr lang="de-DE" dirty="0"/>
+          </a:p>
+        </p:txBody>
+      </p:sp>
+      <p:sp>
+        <p:nvSpPr>
+          <p:cNvPr id="5" name="Textplatzhalter 4">
             <a:extLst>
               <a:ext uri="{FF2B5EF4-FFF2-40B4-BE49-F238E27FC236}">
-                <a16:creationId xmlns:a16="http://schemas.microsoft.com/office/drawing/2014/main" id="{BF37DF42-310F-4F51-B81F-B5FB7EFBE045}"/>
+                <a16:creationId xmlns:a16="http://schemas.microsoft.com/office/drawing/2014/main" id="{E9BD0B66-9E26-4FA7-B29C-42C33BF4F51D}"/>
               </a:ext>
             </a:extLst>
           </p:cNvPr>
@@ -17684,7 +21697,7 @@
     </p:spTree>
     <p:extLst>
       <p:ext uri="{BB962C8B-B14F-4D97-AF65-F5344CB8AC3E}">
-        <p14:creationId xmlns:p14="http://schemas.microsoft.com/office/powerpoint/2010/main" val="919313021"/>
+        <p14:creationId xmlns:p14="http://schemas.microsoft.com/office/powerpoint/2010/main" val="2359616655"/>
       </p:ext>
     </p:extLst>
   </p:cSld>
@@ -17737,18 +21750,14 @@
         <p:spPr/>
         <p:txBody>
           <a:bodyPr>
-            <a:normAutofit fontScale="90000"/>
+            <a:normAutofit/>
           </a:bodyPr>
           <a:lstStyle/>
           <a:p>
             <a:r>
               <a:rPr lang="de-DE" dirty="0"/>
-              <a:t>Kernprinzipien und Besonderheiten</a:t>
-            </a:r>
-            <a:br>
-              <a:rPr lang="de-DE" dirty="0"/>
-            </a:br>
-            <a:endParaRPr lang="de-DE" dirty="0"/>
+              <a:t>Aufbau der Übungseinheiten</a:t>
+            </a:r>
           </a:p>
         </p:txBody>
       </p:sp>
@@ -17773,46 +21782,34 @@
           <a:bodyPr/>
           <a:lstStyle/>
           <a:p>
-            <a:r>
-              <a:rPr lang="de-DE" dirty="0"/>
-              <a:t>Arbeit in sogenannten Notebooks</a:t>
-            </a:r>
-          </a:p>
-          <a:p>
-            <a:r>
-              <a:rPr lang="de-DE" dirty="0"/>
-              <a:t>Englisch als Hauptsprache der Informationsquellen</a:t>
-            </a:r>
-          </a:p>
-          <a:p>
-            <a:r>
-              <a:rPr lang="de-DE" dirty="0"/>
-              <a:t>Variablennamen sind stehts auf englisch</a:t>
-            </a:r>
-          </a:p>
-          <a:p>
-            <a:r>
-              <a:rPr lang="de-DE" dirty="0"/>
-              <a:t>Es gibt kein klassisches Skript, sondern Sie erhalten die interaktive und kommentierte Version der Erklärung</a:t>
-            </a:r>
-          </a:p>
-          <a:p>
-            <a:r>
-              <a:rPr lang="de-DE" dirty="0"/>
-              <a:t>Übungen enthalten viele Zusatzaufgaben, Freiraum selber weiterzudenken</a:t>
-            </a:r>
-          </a:p>
-          <a:p>
-            <a:r>
-              <a:rPr lang="de-DE" dirty="0"/>
-              <a:t>Viele Links als Informationsquellen</a:t>
-            </a:r>
-          </a:p>
-          <a:p>
             <a:pPr marL="0" indent="0">
               <a:buNone/>
             </a:pPr>
-            <a:endParaRPr lang="de-DE" dirty="0"/>
+            <a:r>
+              <a:rPr lang="de-DE" b="1" dirty="0"/>
+              <a:t>Erklärung und Übungsphasen</a:t>
+            </a:r>
+          </a:p>
+          <a:p>
+            <a:pPr marL="0" indent="0">
+              <a:buNone/>
+            </a:pPr>
+            <a:r>
+              <a:rPr lang="de-DE" dirty="0"/>
+              <a:t>Eine Seminareinheit ist geteilt in zwei Abschnitte. </a:t>
+            </a:r>
+          </a:p>
+          <a:p>
+            <a:r>
+              <a:rPr lang="de-DE" dirty="0"/>
+              <a:t>Im ersten Abschnitt  werden Ihnen die Grundlagen für die Übungen vermittelt. Bitte klicken Sie nicht mit!</a:t>
+            </a:r>
+          </a:p>
+          <a:p>
+            <a:r>
+              <a:rPr lang="de-DE" dirty="0"/>
+              <a:t>In den Übungen haben Sie Zeit die Grundlagen selber praktisch anzuwenden und zu vertiefen.</a:t>
+            </a:r>
           </a:p>
         </p:txBody>
       </p:sp>
@@ -17839,7 +21836,7 @@
           <a:p>
             <a:r>
               <a:rPr lang="de-DE" dirty="0"/>
-              <a:t>BESONDERHEITEN</a:t>
+              <a:t>AUFBAU</a:t>
             </a:r>
           </a:p>
         </p:txBody>
@@ -17847,7 +21844,7 @@
     </p:spTree>
     <p:extLst>
       <p:ext uri="{BB962C8B-B14F-4D97-AF65-F5344CB8AC3E}">
-        <p14:creationId xmlns:p14="http://schemas.microsoft.com/office/powerpoint/2010/main" val="2916029712"/>
+        <p14:creationId xmlns:p14="http://schemas.microsoft.com/office/powerpoint/2010/main" val="919313021"/>
       </p:ext>
     </p:extLst>
   </p:cSld>
@@ -17883,10 +21880,10 @@
       </p:grpSpPr>
       <p:sp>
         <p:nvSpPr>
-          <p:cNvPr id="8" name="Titel 7">
+          <p:cNvPr id="2" name="Titel 1">
             <a:extLst>
               <a:ext uri="{FF2B5EF4-FFF2-40B4-BE49-F238E27FC236}">
-                <a16:creationId xmlns:a16="http://schemas.microsoft.com/office/drawing/2014/main" id="{9867D752-BB0C-4393-A00B-5715AEF40D66}"/>
+                <a16:creationId xmlns:a16="http://schemas.microsoft.com/office/drawing/2014/main" id="{1CB4BC98-DC42-4B6B-A4E4-AC6F97B598F6}"/>
               </a:ext>
             </a:extLst>
           </p:cNvPr>
@@ -17899,22 +21896,28 @@
         </p:nvSpPr>
         <p:spPr/>
         <p:txBody>
-          <a:bodyPr/>
+          <a:bodyPr>
+            <a:normAutofit fontScale="90000"/>
+          </a:bodyPr>
           <a:lstStyle/>
           <a:p>
             <a:r>
               <a:rPr lang="de-DE" dirty="0"/>
-              <a:t>Zusammenarbeit</a:t>
-            </a:r>
-          </a:p>
-        </p:txBody>
-      </p:sp>
-      <p:sp>
-        <p:nvSpPr>
-          <p:cNvPr id="9" name="Inhaltsplatzhalter 8">
+              <a:t>Kernprinzipien und Besonderheiten</a:t>
+            </a:r>
+            <a:br>
+              <a:rPr lang="de-DE" dirty="0"/>
+            </a:br>
+            <a:endParaRPr lang="de-DE" dirty="0"/>
+          </a:p>
+        </p:txBody>
+      </p:sp>
+      <p:sp>
+        <p:nvSpPr>
+          <p:cNvPr id="3" name="Inhaltsplatzhalter 2">
             <a:extLst>
               <a:ext uri="{FF2B5EF4-FFF2-40B4-BE49-F238E27FC236}">
-                <a16:creationId xmlns:a16="http://schemas.microsoft.com/office/drawing/2014/main" id="{4805D453-6DC8-4856-822E-7BA9C1F243DC}"/>
+                <a16:creationId xmlns:a16="http://schemas.microsoft.com/office/drawing/2014/main" id="{B7A1B66B-7F40-4E3C-971E-9DA5AF9FF608}"/>
               </a:ext>
             </a:extLst>
           </p:cNvPr>
@@ -17930,37 +21933,40 @@
           <a:bodyPr/>
           <a:lstStyle/>
           <a:p>
-            <a:pPr marL="0" indent="0">
-              <a:buNone/>
-            </a:pPr>
-            <a:r>
-              <a:rPr lang="de-DE" dirty="0" smtClean="0"/>
-              <a:t>Stört </a:t>
-            </a:r>
             <a:r>
               <a:rPr lang="de-DE" dirty="0"/>
-              <a:t>Sie was, unklar worauf ich hinaus will. Bitte melden Sie sich</a:t>
-            </a:r>
-            <a:r>
-              <a:rPr lang="de-DE" dirty="0" smtClean="0"/>
-              <a:t>!</a:t>
-            </a:r>
-          </a:p>
-          <a:p>
-            <a:pPr marL="0" indent="0">
-              <a:buNone/>
-            </a:pPr>
-            <a:endParaRPr lang="de-DE" dirty="0" smtClean="0"/>
-          </a:p>
-          <a:p>
-            <a:pPr marL="0" indent="0">
-              <a:buNone/>
-            </a:pPr>
-            <a:r>
-              <a:rPr lang="de-DE" dirty="0" smtClean="0"/>
-              <a:t>Ich werde nicht ungebeten helfen, daher melden Sie sich bitte selbstständig, wenn Sie Hilfe brauchen.</a:t>
-            </a:r>
-            <a:endParaRPr lang="de-DE" dirty="0"/>
+              <a:t>Arbeit in sogenannten Notebooks</a:t>
+            </a:r>
+          </a:p>
+          <a:p>
+            <a:r>
+              <a:rPr lang="de-DE" dirty="0"/>
+              <a:t>Englisch als Hauptsprache der Informationsquellen</a:t>
+            </a:r>
+          </a:p>
+          <a:p>
+            <a:r>
+              <a:rPr lang="de-DE" dirty="0"/>
+              <a:t>Variablennamen sind stehts auf englisch</a:t>
+            </a:r>
+          </a:p>
+          <a:p>
+            <a:r>
+              <a:rPr lang="de-DE" dirty="0"/>
+              <a:t>Es gibt kein klassisches Skript, sondern Sie erhalten die interaktive und kommentierte Version der Erklärung</a:t>
+            </a:r>
+          </a:p>
+          <a:p>
+            <a:r>
+              <a:rPr lang="de-DE" dirty="0"/>
+              <a:t>Übungen enthalten viele Zusatzaufgaben, Freiraum selber weiterzudenken</a:t>
+            </a:r>
+          </a:p>
+          <a:p>
+            <a:r>
+              <a:rPr lang="de-DE" dirty="0"/>
+              <a:t>Viele Links als Informationsquellen</a:t>
+            </a:r>
           </a:p>
           <a:p>
             <a:pPr marL="0" indent="0">
@@ -17968,35 +21974,14 @@
             </a:pPr>
             <a:endParaRPr lang="de-DE" dirty="0"/>
           </a:p>
-          <a:p>
-            <a:pPr marL="0" indent="0">
-              <a:buNone/>
-            </a:pPr>
-            <a:r>
-              <a:rPr lang="de-DE" sz="1600" dirty="0"/>
-              <a:t>Hinweis: Dies ist ein relativ neuer Kurs. Sollten Ihnen daher etwas auffallen oder etwas unstimmig sein, sagen Sie Bescheid. </a:t>
-            </a:r>
-          </a:p>
-          <a:p>
-            <a:pPr marL="0" indent="0">
-              <a:buNone/>
-            </a:pPr>
-            <a:endParaRPr lang="de-DE" sz="2000" dirty="0"/>
-          </a:p>
-          <a:p>
-            <a:pPr marL="0" indent="0">
-              <a:buNone/>
-            </a:pPr>
-            <a:endParaRPr lang="de-DE" sz="2000" dirty="0"/>
-          </a:p>
-        </p:txBody>
-      </p:sp>
-      <p:sp>
-        <p:nvSpPr>
-          <p:cNvPr id="6" name="Textplatzhalter 5">
+        </p:txBody>
+      </p:sp>
+      <p:sp>
+        <p:nvSpPr>
+          <p:cNvPr id="12" name="Textplatzhalter 11">
             <a:extLst>
               <a:ext uri="{FF2B5EF4-FFF2-40B4-BE49-F238E27FC236}">
-                <a16:creationId xmlns:a16="http://schemas.microsoft.com/office/drawing/2014/main" id="{A2CFD462-2C8E-4447-8233-10382DBA2471}"/>
+                <a16:creationId xmlns:a16="http://schemas.microsoft.com/office/drawing/2014/main" id="{BF37DF42-310F-4F51-B81F-B5FB7EFBE045}"/>
               </a:ext>
             </a:extLst>
           </p:cNvPr>
@@ -18014,7 +21999,7 @@
           <a:p>
             <a:r>
               <a:rPr lang="de-DE" dirty="0"/>
-              <a:t>ZUSAMMENARBETI</a:t>
+              <a:t>BESONDERHEITEN</a:t>
             </a:r>
           </a:p>
         </p:txBody>
@@ -18022,7 +22007,7 @@
     </p:spTree>
     <p:extLst>
       <p:ext uri="{BB962C8B-B14F-4D97-AF65-F5344CB8AC3E}">
-        <p14:creationId xmlns:p14="http://schemas.microsoft.com/office/powerpoint/2010/main" val="276986113"/>
+        <p14:creationId xmlns:p14="http://schemas.microsoft.com/office/powerpoint/2010/main" val="2916029712"/>
       </p:ext>
     </p:extLst>
   </p:cSld>
